--- a/slides/01-SCRUM.pptx
+++ b/slides/01-SCRUM.pptx
@@ -7,6 +7,9 @@
   <p:sldIdLst>
     <p:sldId id="256" r:id="rId2"/>
     <p:sldId id="257" r:id="rId3"/>
+    <p:sldId id="258" r:id="rId4"/>
+    <p:sldId id="260" r:id="rId5"/>
+    <p:sldId id="259" r:id="rId6"/>
   </p:sldIdLst>
   <p:sldSz cx="12192000" cy="6858000"/>
   <p:notesSz cx="6858000" cy="9144000"/>
@@ -3484,7 +3487,11 @@
           <a:lstStyle/>
           <a:p>
             <a:r>
-              <a:rPr lang="ru-RU" dirty="0"/>
+              <a:rPr lang="ru-RU" dirty="0">
+                <a:solidFill>
+                  <a:schemeClr val="accent6"/>
+                </a:solidFill>
+              </a:rPr>
               <a:t>Курс «Менеджмент разработки ПО»</a:t>
             </a:r>
           </a:p>
@@ -3579,8 +3586,8 @@
         </p:nvSpPr>
         <p:spPr>
           <a:xfrm>
-            <a:off x="3069020" y="1513490"/>
-            <a:ext cx="8284779" cy="4968874"/>
+            <a:off x="3069020" y="1324304"/>
+            <a:ext cx="8284779" cy="5310412"/>
           </a:xfrm>
         </p:spPr>
         <p:txBody>
@@ -3731,6 +3738,16 @@
             <a:r>
               <a:rPr lang="en-US" dirty="0" err="1"/>
               <a:t>xtrueman</a:t>
+            </a:r>
+            <a:endParaRPr lang="en-US" dirty="0"/>
+          </a:p>
+          <a:p>
+            <a:pPr marL="0" indent="0">
+              <a:buNone/>
+            </a:pPr>
+            <a:r>
+              <a:rPr lang="en-US" dirty="0" err="1"/>
+              <a:t>despair@gmail.com</a:t>
             </a:r>
             <a:endParaRPr lang="ru-RU" dirty="0"/>
           </a:p>
@@ -3806,6 +3823,676 @@
   <p:clrMapOvr>
     <a:masterClrMapping/>
   </p:clrMapOvr>
+</p:sld>
+</file>
+
+<file path=ppt/slides/slide3.xml><?xml version="1.0" encoding="utf-8"?>
+<p:sld xmlns:a="http://schemas.openxmlformats.org/drawingml/2006/main" xmlns:r="http://schemas.openxmlformats.org/officeDocument/2006/relationships" xmlns:p="http://schemas.openxmlformats.org/presentationml/2006/main">
+  <p:cSld>
+    <p:spTree>
+      <p:nvGrpSpPr>
+        <p:cNvPr id="1" name=""/>
+        <p:cNvGrpSpPr/>
+        <p:nvPr/>
+      </p:nvGrpSpPr>
+      <p:grpSpPr>
+        <a:xfrm>
+          <a:off x="0" y="0"/>
+          <a:ext cx="0" cy="0"/>
+          <a:chOff x="0" y="0"/>
+          <a:chExt cx="0" cy="0"/>
+        </a:xfrm>
+      </p:grpSpPr>
+      <p:pic>
+        <p:nvPicPr>
+          <p:cNvPr id="7" name="Рисунок 6">
+            <a:extLst>
+              <a:ext uri="{FF2B5EF4-FFF2-40B4-BE49-F238E27FC236}">
+                <a16:creationId xmlns:a16="http://schemas.microsoft.com/office/drawing/2014/main" id="{CFEB065F-619D-5C43-B2E8-87BE4E04283E}"/>
+              </a:ext>
+            </a:extLst>
+          </p:cNvPr>
+          <p:cNvPicPr>
+            <a:picLocks noChangeAspect="1"/>
+          </p:cNvPicPr>
+          <p:nvPr/>
+        </p:nvPicPr>
+        <p:blipFill>
+          <a:blip r:embed="rId2"/>
+          <a:stretch>
+            <a:fillRect/>
+          </a:stretch>
+        </p:blipFill>
+        <p:spPr>
+          <a:xfrm>
+            <a:off x="233709" y="281360"/>
+            <a:ext cx="4636004" cy="3582367"/>
+          </a:xfrm>
+          <a:prstGeom prst="rect">
+            <a:avLst/>
+          </a:prstGeom>
+        </p:spPr>
+      </p:pic>
+      <p:pic>
+        <p:nvPicPr>
+          <p:cNvPr id="9" name="Рисунок 8">
+            <a:extLst>
+              <a:ext uri="{FF2B5EF4-FFF2-40B4-BE49-F238E27FC236}">
+                <a16:creationId xmlns:a16="http://schemas.microsoft.com/office/drawing/2014/main" id="{787705A5-6814-324F-8147-1DA153A53097}"/>
+              </a:ext>
+            </a:extLst>
+          </p:cNvPr>
+          <p:cNvPicPr>
+            <a:picLocks noChangeAspect="1"/>
+          </p:cNvPicPr>
+          <p:nvPr/>
+        </p:nvPicPr>
+        <p:blipFill>
+          <a:blip r:embed="rId3"/>
+          <a:stretch>
+            <a:fillRect/>
+          </a:stretch>
+        </p:blipFill>
+        <p:spPr>
+          <a:xfrm>
+            <a:off x="4068725" y="2860157"/>
+            <a:ext cx="4636004" cy="3582367"/>
+          </a:xfrm>
+          <a:prstGeom prst="rect">
+            <a:avLst/>
+          </a:prstGeom>
+        </p:spPr>
+      </p:pic>
+      <p:pic>
+        <p:nvPicPr>
+          <p:cNvPr id="13" name="Рисунок 12">
+            <a:extLst>
+              <a:ext uri="{FF2B5EF4-FFF2-40B4-BE49-F238E27FC236}">
+                <a16:creationId xmlns:a16="http://schemas.microsoft.com/office/drawing/2014/main" id="{005E4374-61C6-5D42-820A-1320BCA72CB9}"/>
+              </a:ext>
+            </a:extLst>
+          </p:cNvPr>
+          <p:cNvPicPr>
+            <a:picLocks noChangeAspect="1"/>
+          </p:cNvPicPr>
+          <p:nvPr/>
+        </p:nvPicPr>
+        <p:blipFill>
+          <a:blip r:embed="rId4"/>
+          <a:stretch>
+            <a:fillRect/>
+          </a:stretch>
+        </p:blipFill>
+        <p:spPr>
+          <a:xfrm>
+            <a:off x="7953594" y="148855"/>
+            <a:ext cx="4004698" cy="5667153"/>
+          </a:xfrm>
+          <a:prstGeom prst="rect">
+            <a:avLst/>
+          </a:prstGeom>
+        </p:spPr>
+      </p:pic>
+    </p:spTree>
+    <p:extLst>
+      <p:ext uri="{BB962C8B-B14F-4D97-AF65-F5344CB8AC3E}">
+        <p14:creationId xmlns:p14="http://schemas.microsoft.com/office/powerpoint/2010/main" val="3768589723"/>
+      </p:ext>
+    </p:extLst>
+  </p:cSld>
+  <p:clrMapOvr>
+    <a:masterClrMapping/>
+  </p:clrMapOvr>
+</p:sld>
+</file>
+
+<file path=ppt/slides/slide4.xml><?xml version="1.0" encoding="utf-8"?>
+<p:sld xmlns:a="http://schemas.openxmlformats.org/drawingml/2006/main" xmlns:r="http://schemas.openxmlformats.org/officeDocument/2006/relationships" xmlns:p="http://schemas.openxmlformats.org/presentationml/2006/main">
+  <p:cSld>
+    <p:spTree>
+      <p:nvGrpSpPr>
+        <p:cNvPr id="1" name=""/>
+        <p:cNvGrpSpPr/>
+        <p:nvPr/>
+      </p:nvGrpSpPr>
+      <p:grpSpPr>
+        <a:xfrm>
+          <a:off x="0" y="0"/>
+          <a:ext cx="0" cy="0"/>
+          <a:chOff x="0" y="0"/>
+          <a:chExt cx="0" cy="0"/>
+        </a:xfrm>
+      </p:grpSpPr>
+      <p:sp>
+        <p:nvSpPr>
+          <p:cNvPr id="2" name="Заголовок 1">
+            <a:extLst>
+              <a:ext uri="{FF2B5EF4-FFF2-40B4-BE49-F238E27FC236}">
+                <a16:creationId xmlns:a16="http://schemas.microsoft.com/office/drawing/2014/main" id="{58659CFB-8A72-3E46-94B3-E83E82F4AF0C}"/>
+              </a:ext>
+            </a:extLst>
+          </p:cNvPr>
+          <p:cNvSpPr>
+            <a:spLocks noGrp="1"/>
+          </p:cNvSpPr>
+          <p:nvPr>
+            <p:ph type="title"/>
+          </p:nvPr>
+        </p:nvSpPr>
+        <p:spPr>
+          <a:xfrm>
+            <a:off x="838200" y="365125"/>
+            <a:ext cx="10515600" cy="634335"/>
+          </a:xfrm>
+        </p:spPr>
+        <p:txBody>
+          <a:bodyPr>
+            <a:normAutofit fontScale="90000"/>
+          </a:bodyPr>
+          <a:lstStyle/>
+          <a:p>
+            <a:r>
+              <a:rPr lang="ru-RU" dirty="0"/>
+              <a:t>Выставление итоговой отметки (зачёта)</a:t>
+            </a:r>
+          </a:p>
+        </p:txBody>
+      </p:sp>
+      <p:sp>
+        <p:nvSpPr>
+          <p:cNvPr id="3" name="Объект 2">
+            <a:extLst>
+              <a:ext uri="{FF2B5EF4-FFF2-40B4-BE49-F238E27FC236}">
+                <a16:creationId xmlns:a16="http://schemas.microsoft.com/office/drawing/2014/main" id="{E2C04E1E-7E5C-3741-A31F-75504EDAB599}"/>
+              </a:ext>
+            </a:extLst>
+          </p:cNvPr>
+          <p:cNvSpPr>
+            <a:spLocks noGrp="1"/>
+          </p:cNvSpPr>
+          <p:nvPr>
+            <p:ph idx="1"/>
+          </p:nvPr>
+        </p:nvSpPr>
+        <p:spPr>
+          <a:xfrm>
+            <a:off x="838200" y="1073889"/>
+            <a:ext cx="10515600" cy="5528930"/>
+          </a:xfrm>
+        </p:spPr>
+        <p:txBody>
+          <a:bodyPr>
+            <a:noAutofit/>
+          </a:bodyPr>
+          <a:lstStyle/>
+          <a:p>
+            <a:pPr marL="0" indent="0">
+              <a:buNone/>
+            </a:pPr>
+            <a:r>
+              <a:rPr lang="ru-RU" sz="1800" dirty="0"/>
+              <a:t>Предположительно, большинство студентов по результатам активной работы должны получить зачёт автоматом.</a:t>
+            </a:r>
+          </a:p>
+          <a:p>
+            <a:pPr marL="0" indent="0">
+              <a:spcBef>
+                <a:spcPts val="1600"/>
+              </a:spcBef>
+              <a:buNone/>
+            </a:pPr>
+            <a:r>
+              <a:rPr lang="ru-RU" sz="1800" dirty="0"/>
+              <a:t>«Формула успеха» или какие факторы влияют на  автомат (в порядке убывания приоритета):</a:t>
+            </a:r>
+          </a:p>
+          <a:p>
+            <a:pPr marL="0" indent="-360000">
+              <a:spcBef>
+                <a:spcPts val="600"/>
+              </a:spcBef>
+              <a:buAutoNum type="arabicPeriod"/>
+            </a:pPr>
+            <a:r>
+              <a:rPr lang="ru-RU" sz="1800" u="sng" dirty="0"/>
+              <a:t>Командное</a:t>
+            </a:r>
+            <a:r>
+              <a:rPr lang="ru-RU" sz="1800" dirty="0"/>
+              <a:t>: Как команда показывала себя на </a:t>
+            </a:r>
+            <a:r>
+              <a:rPr lang="ru-RU" sz="1800" b="1" dirty="0"/>
+              <a:t>командных встречах</a:t>
+            </a:r>
+            <a:r>
+              <a:rPr lang="ru-RU" sz="1800" dirty="0"/>
+              <a:t> (которые проводятся во время лабораторных работ)</a:t>
+            </a:r>
+          </a:p>
+          <a:p>
+            <a:pPr marL="554400" lvl="1" indent="-457200">
+              <a:spcBef>
+                <a:spcPts val="600"/>
+              </a:spcBef>
+            </a:pPr>
+            <a:r>
+              <a:rPr lang="ru-RU" sz="1400" dirty="0"/>
+              <a:t>обязательное присутствие всех членов команды на общих встречах (на практических занятиях)!</a:t>
+            </a:r>
+          </a:p>
+          <a:p>
+            <a:pPr marL="0" indent="-360000">
+              <a:spcBef>
+                <a:spcPts val="600"/>
+              </a:spcBef>
+              <a:buAutoNum type="arabicPeriod"/>
+            </a:pPr>
+            <a:r>
+              <a:rPr lang="ru-RU" sz="1800" u="sng" dirty="0"/>
+              <a:t>Личное</a:t>
+            </a:r>
+            <a:r>
+              <a:rPr lang="ru-RU" sz="1800" dirty="0"/>
+              <a:t>: Участие на "менеджерских" ролях в команде (</a:t>
+            </a:r>
+            <a:r>
+              <a:rPr lang="en" sz="1800" i="1" dirty="0"/>
+              <a:t>scrum master</a:t>
+            </a:r>
+            <a:r>
+              <a:rPr lang="en" sz="1800" dirty="0"/>
+              <a:t>, </a:t>
+            </a:r>
+            <a:r>
+              <a:rPr lang="en" sz="1800" i="1" dirty="0"/>
+              <a:t>product owner</a:t>
+            </a:r>
+            <a:r>
+              <a:rPr lang="en" sz="1800" dirty="0"/>
+              <a:t>, </a:t>
+            </a:r>
+            <a:r>
+              <a:rPr lang="en" sz="1800" i="1" dirty="0"/>
+              <a:t>SDM</a:t>
+            </a:r>
+            <a:r>
+              <a:rPr lang="en" sz="1800" dirty="0"/>
+              <a:t>, </a:t>
+            </a:r>
+            <a:r>
+              <a:rPr lang="en" sz="1800" i="1" dirty="0"/>
+              <a:t>SRM</a:t>
+            </a:r>
+            <a:r>
+              <a:rPr lang="en" sz="1800" dirty="0"/>
+              <a:t>, </a:t>
+            </a:r>
+            <a:r>
+              <a:rPr lang="en" sz="1800" i="1" dirty="0"/>
+              <a:t>project manager</a:t>
+            </a:r>
+            <a:r>
+              <a:rPr lang="en" sz="1800" dirty="0"/>
+              <a:t> </a:t>
+            </a:r>
+            <a:r>
+              <a:rPr lang="ru-RU" sz="1800" dirty="0"/>
+              <a:t>и т.д.)</a:t>
+            </a:r>
+          </a:p>
+          <a:p>
+            <a:pPr marL="0" indent="-360000">
+              <a:spcBef>
+                <a:spcPts val="600"/>
+              </a:spcBef>
+              <a:buAutoNum type="arabicPeriod"/>
+            </a:pPr>
+            <a:r>
+              <a:rPr lang="ru-RU" sz="1800" u="sng" dirty="0"/>
+              <a:t>Командное</a:t>
+            </a:r>
+            <a:r>
+              <a:rPr lang="ru-RU" sz="1800" dirty="0"/>
+              <a:t>: Насколько команде удалось продвинуться в </a:t>
+            </a:r>
+            <a:r>
+              <a:rPr lang="ru-RU" sz="1800" b="1" dirty="0"/>
+              <a:t>разработке продукта</a:t>
+            </a:r>
+          </a:p>
+          <a:p>
+            <a:pPr marL="0" indent="-360000">
+              <a:spcBef>
+                <a:spcPts val="600"/>
+              </a:spcBef>
+              <a:buAutoNum type="arabicPeriod"/>
+            </a:pPr>
+            <a:r>
+              <a:rPr lang="ru-RU" sz="1800" u="sng" dirty="0"/>
+              <a:t>Командное + менеджерское</a:t>
+            </a:r>
+            <a:r>
+              <a:rPr lang="ru-RU" sz="1800" dirty="0"/>
+              <a:t>: Насколько команда правильно создавала все артефакты, требующиеся процессом</a:t>
+            </a:r>
+          </a:p>
+          <a:p>
+            <a:pPr marL="0" indent="-360000">
+              <a:spcBef>
+                <a:spcPts val="600"/>
+              </a:spcBef>
+              <a:buAutoNum type="arabicPeriod"/>
+            </a:pPr>
+            <a:r>
+              <a:rPr lang="ru-RU" sz="1800" u="sng" dirty="0"/>
+              <a:t>Личное</a:t>
+            </a:r>
+            <a:r>
+              <a:rPr lang="ru-RU" sz="1800" dirty="0"/>
+              <a:t>: Оценка вклада участника команды другими членами команды</a:t>
+            </a:r>
+          </a:p>
+          <a:p>
+            <a:pPr marL="0" indent="-360000">
+              <a:spcBef>
+                <a:spcPts val="600"/>
+              </a:spcBef>
+              <a:buAutoNum type="arabicPeriod"/>
+            </a:pPr>
+            <a:r>
+              <a:rPr lang="ru-RU" sz="1800" u="sng" dirty="0"/>
+              <a:t>Личное</a:t>
+            </a:r>
+            <a:r>
+              <a:rPr lang="ru-RU" sz="1800" dirty="0"/>
+              <a:t>: Отчёт каждого члена команды о своей работе за спринт.</a:t>
+            </a:r>
+          </a:p>
+          <a:p>
+            <a:pPr marL="0" indent="0">
+              <a:spcBef>
+                <a:spcPts val="1800"/>
+              </a:spcBef>
+              <a:buNone/>
+            </a:pPr>
+            <a:r>
+              <a:rPr lang="ru-RU" sz="1800" dirty="0"/>
+              <a:t>Также можно получить бонус будучи персональным ассистентом от группы, который будет помогать по орг. моментам: приглашать пользователей в рабочие инструменты и т.п.</a:t>
+            </a:r>
+          </a:p>
+          <a:p>
+            <a:pPr marL="0" indent="0">
+              <a:spcBef>
+                <a:spcPts val="600"/>
+              </a:spcBef>
+              <a:buNone/>
+            </a:pPr>
+            <a:endParaRPr lang="ru-RU" sz="1800" dirty="0"/>
+          </a:p>
+          <a:p>
+            <a:pPr marL="0" indent="0">
+              <a:buNone/>
+            </a:pPr>
+            <a:r>
+              <a:rPr lang="ru-RU" sz="1800" dirty="0"/>
+              <a:t>В случае, если «формула успеха» показывает неутешительные значения — устный зачёт по теории.</a:t>
+            </a:r>
+          </a:p>
+        </p:txBody>
+      </p:sp>
+    </p:spTree>
+    <p:extLst>
+      <p:ext uri="{BB962C8B-B14F-4D97-AF65-F5344CB8AC3E}">
+        <p14:creationId xmlns:p14="http://schemas.microsoft.com/office/powerpoint/2010/main" val="801912701"/>
+      </p:ext>
+    </p:extLst>
+  </p:cSld>
+  <p:clrMapOvr>
+    <a:masterClrMapping/>
+  </p:clrMapOvr>
+</p:sld>
+</file>
+
+<file path=ppt/slides/slide5.xml><?xml version="1.0" encoding="utf-8"?>
+<p:sld xmlns:a="http://schemas.openxmlformats.org/drawingml/2006/main" xmlns:r="http://schemas.openxmlformats.org/officeDocument/2006/relationships" xmlns:p="http://schemas.openxmlformats.org/presentationml/2006/main">
+  <p:cSld>
+    <p:spTree>
+      <p:nvGrpSpPr>
+        <p:cNvPr id="1" name=""/>
+        <p:cNvGrpSpPr/>
+        <p:nvPr/>
+      </p:nvGrpSpPr>
+      <p:grpSpPr>
+        <a:xfrm>
+          <a:off x="0" y="0"/>
+          <a:ext cx="0" cy="0"/>
+          <a:chOff x="0" y="0"/>
+          <a:chExt cx="0" cy="0"/>
+        </a:xfrm>
+      </p:grpSpPr>
+      <p:sp>
+        <p:nvSpPr>
+          <p:cNvPr id="2" name="Заголовок 1">
+            <a:extLst>
+              <a:ext uri="{FF2B5EF4-FFF2-40B4-BE49-F238E27FC236}">
+                <a16:creationId xmlns:a16="http://schemas.microsoft.com/office/drawing/2014/main" id="{ADCE4B1E-407F-454C-B547-7410919B74AD}"/>
+              </a:ext>
+            </a:extLst>
+          </p:cNvPr>
+          <p:cNvSpPr>
+            <a:spLocks noGrp="1"/>
+          </p:cNvSpPr>
+          <p:nvPr>
+            <p:ph type="title"/>
+          </p:nvPr>
+        </p:nvSpPr>
+        <p:spPr>
+          <a:xfrm>
+            <a:off x="604284" y="220245"/>
+            <a:ext cx="10515600" cy="432317"/>
+          </a:xfrm>
+        </p:spPr>
+        <p:txBody>
+          <a:bodyPr>
+            <a:normAutofit fontScale="90000"/>
+          </a:bodyPr>
+          <a:lstStyle/>
+          <a:p>
+            <a:r>
+              <a:rPr lang="ru-RU" dirty="0" err="1"/>
+              <a:t>S</a:t>
+            </a:r>
+            <a:r>
+              <a:rPr lang="en-US" dirty="0"/>
+              <a:t>CRUM</a:t>
+            </a:r>
+            <a:r>
+              <a:rPr lang="ru-RU" dirty="0"/>
+              <a:t> за 5 минут</a:t>
+            </a:r>
+          </a:p>
+        </p:txBody>
+      </p:sp>
+      <p:pic>
+        <p:nvPicPr>
+          <p:cNvPr id="4" name="Мультимедиа в Интернете 3" descr="SCRUM — метод управления проектами. Обучающий мультик для вас и ваших сотрудников!">
+            <a:hlinkClick r:id="" action="ppaction://media"/>
+            <a:extLst>
+              <a:ext uri="{FF2B5EF4-FFF2-40B4-BE49-F238E27FC236}">
+                <a16:creationId xmlns:a16="http://schemas.microsoft.com/office/drawing/2014/main" id="{27675DEC-8C2C-FA4E-A468-6BF735C6E102}"/>
+              </a:ext>
+            </a:extLst>
+          </p:cNvPr>
+          <p:cNvPicPr>
+            <a:picLocks noGrp="1" noRot="1" noChangeAspect="1"/>
+          </p:cNvPicPr>
+          <p:nvPr>
+            <p:ph idx="1"/>
+            <a:videoFile r:link="rId1"/>
+          </p:nvPr>
+        </p:nvPicPr>
+        <p:blipFill>
+          <a:blip r:embed="rId3"/>
+          <a:stretch>
+            <a:fillRect/>
+          </a:stretch>
+        </p:blipFill>
+        <p:spPr>
+          <a:xfrm>
+            <a:off x="604284" y="849294"/>
+            <a:ext cx="10427166" cy="5891748"/>
+          </a:xfrm>
+          <a:prstGeom prst="rect">
+            <a:avLst/>
+          </a:prstGeom>
+        </p:spPr>
+      </p:pic>
+    </p:spTree>
+    <p:extLst>
+      <p:ext uri="{BB962C8B-B14F-4D97-AF65-F5344CB8AC3E}">
+        <p14:creationId xmlns:p14="http://schemas.microsoft.com/office/powerpoint/2010/main" val="2291621068"/>
+      </p:ext>
+    </p:extLst>
+  </p:cSld>
+  <p:clrMapOvr>
+    <a:masterClrMapping/>
+  </p:clrMapOvr>
+  <p:timing>
+    <p:tnLst>
+      <p:par>
+        <p:cTn id="1" dur="indefinite" restart="never" nodeType="tmRoot">
+          <p:childTnLst>
+            <p:seq concurrent="1" nextAc="seek">
+              <p:cTn id="2" dur="indefinite" nodeType="mainSeq">
+                <p:childTnLst>
+                  <p:par>
+                    <p:cTn id="3" fill="hold">
+                      <p:stCondLst>
+                        <p:cond delay="indefinite"/>
+                      </p:stCondLst>
+                      <p:childTnLst>
+                        <p:par>
+                          <p:cTn id="4" fill="hold">
+                            <p:stCondLst>
+                              <p:cond delay="0"/>
+                            </p:stCondLst>
+                            <p:childTnLst>
+                              <p:par>
+                                <p:cTn id="5" presetID="1" presetClass="mediacall" presetSubtype="0" fill="hold" nodeType="clickEffect">
+                                  <p:stCondLst>
+                                    <p:cond delay="0"/>
+                                  </p:stCondLst>
+                                  <p:childTnLst>
+                                    <p:cmd type="call" cmd="playFrom(0.0)">
+                                      <p:cBhvr>
+                                        <p:cTn id="6" dur="1" fill="hold"/>
+                                        <p:tgtEl>
+                                          <p:spTgt spid="4"/>
+                                        </p:tgtEl>
+                                      </p:cBhvr>
+                                    </p:cmd>
+                                  </p:childTnLst>
+                                </p:cTn>
+                              </p:par>
+                            </p:childTnLst>
+                          </p:cTn>
+                        </p:par>
+                      </p:childTnLst>
+                    </p:cTn>
+                  </p:par>
+                </p:childTnLst>
+              </p:cTn>
+              <p:prevCondLst>
+                <p:cond evt="onPrev" delay="0">
+                  <p:tgtEl>
+                    <p:sldTgt/>
+                  </p:tgtEl>
+                </p:cond>
+              </p:prevCondLst>
+              <p:nextCondLst>
+                <p:cond evt="onNext" delay="0">
+                  <p:tgtEl>
+                    <p:sldTgt/>
+                  </p:tgtEl>
+                </p:cond>
+              </p:nextCondLst>
+            </p:seq>
+            <p:video>
+              <p:cMediaNode vol="80000">
+                <p:cTn id="7" fill="hold" display="0">
+                  <p:stCondLst>
+                    <p:cond delay="indefinite"/>
+                  </p:stCondLst>
+                </p:cTn>
+                <p:tgtEl>
+                  <p:spTgt spid="4"/>
+                </p:tgtEl>
+              </p:cMediaNode>
+            </p:video>
+            <p:seq concurrent="1" nextAc="seek">
+              <p:cTn id="8" restart="whenNotActive" fill="hold" evtFilter="cancelBubble" nodeType="interactiveSeq">
+                <p:stCondLst>
+                  <p:cond evt="onClick" delay="0">
+                    <p:tgtEl>
+                      <p:spTgt spid="4"/>
+                    </p:tgtEl>
+                  </p:cond>
+                </p:stCondLst>
+                <p:endSync evt="end" delay="0">
+                  <p:rtn val="all"/>
+                </p:endSync>
+                <p:childTnLst>
+                  <p:par>
+                    <p:cTn id="9" fill="hold">
+                      <p:stCondLst>
+                        <p:cond delay="0"/>
+                      </p:stCondLst>
+                      <p:childTnLst>
+                        <p:par>
+                          <p:cTn id="10" fill="hold">
+                            <p:stCondLst>
+                              <p:cond delay="0"/>
+                            </p:stCondLst>
+                            <p:childTnLst>
+                              <p:par>
+                                <p:cTn id="11" presetID="2" presetClass="mediacall" presetSubtype="0" fill="hold" nodeType="clickEffect">
+                                  <p:stCondLst>
+                                    <p:cond delay="0"/>
+                                  </p:stCondLst>
+                                  <p:childTnLst>
+                                    <p:cmd type="call" cmd="togglePause">
+                                      <p:cBhvr>
+                                        <p:cTn id="12" dur="1" fill="hold"/>
+                                        <p:tgtEl>
+                                          <p:spTgt spid="4"/>
+                                        </p:tgtEl>
+                                      </p:cBhvr>
+                                    </p:cmd>
+                                  </p:childTnLst>
+                                </p:cTn>
+                              </p:par>
+                            </p:childTnLst>
+                          </p:cTn>
+                        </p:par>
+                      </p:childTnLst>
+                    </p:cTn>
+                  </p:par>
+                </p:childTnLst>
+              </p:cTn>
+              <p:nextCondLst>
+                <p:cond evt="onClick" delay="0">
+                  <p:tgtEl>
+                    <p:spTgt spid="4"/>
+                  </p:tgtEl>
+                </p:cond>
+              </p:nextCondLst>
+            </p:seq>
+          </p:childTnLst>
+        </p:cTn>
+      </p:par>
+    </p:tnLst>
+  </p:timing>
 </p:sld>
 </file>
 

--- a/slides/01-SCRUM.pptx
+++ b/slides/01-SCRUM.pptx
@@ -10,6 +10,10 @@
     <p:sldId id="258" r:id="rId4"/>
     <p:sldId id="260" r:id="rId5"/>
     <p:sldId id="259" r:id="rId6"/>
+    <p:sldId id="262" r:id="rId7"/>
+    <p:sldId id="263" r:id="rId8"/>
+    <p:sldId id="261" r:id="rId9"/>
+    <p:sldId id="264" r:id="rId10"/>
   </p:sldIdLst>
   <p:sldSz cx="12192000" cy="6858000"/>
   <p:notesSz cx="6858000" cy="9144000"/>
@@ -4496,6 +4500,794 @@
 </p:sld>
 </file>
 
+<file path=ppt/slides/slide6.xml><?xml version="1.0" encoding="utf-8"?>
+<p:sld xmlns:a="http://schemas.openxmlformats.org/drawingml/2006/main" xmlns:r="http://schemas.openxmlformats.org/officeDocument/2006/relationships" xmlns:p="http://schemas.openxmlformats.org/presentationml/2006/main">
+  <p:cSld>
+    <p:spTree>
+      <p:nvGrpSpPr>
+        <p:cNvPr id="1" name=""/>
+        <p:cNvGrpSpPr/>
+        <p:nvPr/>
+      </p:nvGrpSpPr>
+      <p:grpSpPr>
+        <a:xfrm>
+          <a:off x="0" y="0"/>
+          <a:ext cx="0" cy="0"/>
+          <a:chOff x="0" y="0"/>
+          <a:chExt cx="0" cy="0"/>
+        </a:xfrm>
+      </p:grpSpPr>
+      <p:sp>
+        <p:nvSpPr>
+          <p:cNvPr id="2" name="Заголовок 1">
+            <a:extLst>
+              <a:ext uri="{FF2B5EF4-FFF2-40B4-BE49-F238E27FC236}">
+                <a16:creationId xmlns:a16="http://schemas.microsoft.com/office/drawing/2014/main" id="{8DD5D647-A919-0A4D-AB80-5072DA8C127D}"/>
+              </a:ext>
+            </a:extLst>
+          </p:cNvPr>
+          <p:cNvSpPr>
+            <a:spLocks noGrp="1"/>
+          </p:cNvSpPr>
+          <p:nvPr>
+            <p:ph type="title"/>
+          </p:nvPr>
+        </p:nvSpPr>
+        <p:spPr>
+          <a:xfrm>
+            <a:off x="253409" y="532624"/>
+            <a:ext cx="2808768" cy="5814460"/>
+          </a:xfrm>
+        </p:spPr>
+        <p:txBody>
+          <a:bodyPr vert="vert270" lIns="90000"/>
+          <a:lstStyle/>
+          <a:p>
+            <a:pPr algn="ctr"/>
+            <a:r>
+              <a:rPr lang="ru-RU" dirty="0"/>
+              <a:t>Как разработчики разрабатывают ПО?</a:t>
+            </a:r>
+          </a:p>
+        </p:txBody>
+      </p:sp>
+      <p:pic>
+        <p:nvPicPr>
+          <p:cNvPr id="5" name="Объект 4">
+            <a:extLst>
+              <a:ext uri="{FF2B5EF4-FFF2-40B4-BE49-F238E27FC236}">
+                <a16:creationId xmlns:a16="http://schemas.microsoft.com/office/drawing/2014/main" id="{D811ADC9-A011-0047-86F2-D02BDA6BF0AF}"/>
+              </a:ext>
+            </a:extLst>
+          </p:cNvPr>
+          <p:cNvPicPr>
+            <a:picLocks noGrp="1" noChangeAspect="1"/>
+          </p:cNvPicPr>
+          <p:nvPr>
+            <p:ph idx="1"/>
+          </p:nvPr>
+        </p:nvPicPr>
+        <p:blipFill>
+          <a:blip r:embed="rId2"/>
+          <a:stretch>
+            <a:fillRect/>
+          </a:stretch>
+        </p:blipFill>
+        <p:spPr>
+          <a:xfrm>
+            <a:off x="3195107" y="202812"/>
+            <a:ext cx="8564501" cy="6423376"/>
+          </a:xfrm>
+        </p:spPr>
+      </p:pic>
+    </p:spTree>
+    <p:extLst>
+      <p:ext uri="{BB962C8B-B14F-4D97-AF65-F5344CB8AC3E}">
+        <p14:creationId xmlns:p14="http://schemas.microsoft.com/office/powerpoint/2010/main" val="1176937958"/>
+      </p:ext>
+    </p:extLst>
+  </p:cSld>
+  <p:clrMapOvr>
+    <a:masterClrMapping/>
+  </p:clrMapOvr>
+</p:sld>
+</file>
+
+<file path=ppt/slides/slide7.xml><?xml version="1.0" encoding="utf-8"?>
+<p:sld xmlns:a="http://schemas.openxmlformats.org/drawingml/2006/main" xmlns:r="http://schemas.openxmlformats.org/officeDocument/2006/relationships" xmlns:p="http://schemas.openxmlformats.org/presentationml/2006/main">
+  <p:cSld>
+    <p:spTree>
+      <p:nvGrpSpPr>
+        <p:cNvPr id="1" name=""/>
+        <p:cNvGrpSpPr/>
+        <p:nvPr/>
+      </p:nvGrpSpPr>
+      <p:grpSpPr>
+        <a:xfrm>
+          <a:off x="0" y="0"/>
+          <a:ext cx="0" cy="0"/>
+          <a:chOff x="0" y="0"/>
+          <a:chExt cx="0" cy="0"/>
+        </a:xfrm>
+      </p:grpSpPr>
+      <p:sp>
+        <p:nvSpPr>
+          <p:cNvPr id="2" name="Заголовок 1">
+            <a:extLst>
+              <a:ext uri="{FF2B5EF4-FFF2-40B4-BE49-F238E27FC236}">
+                <a16:creationId xmlns:a16="http://schemas.microsoft.com/office/drawing/2014/main" id="{8AAC19BD-2A4A-5149-8FF4-3214691691FB}"/>
+              </a:ext>
+            </a:extLst>
+          </p:cNvPr>
+          <p:cNvSpPr>
+            <a:spLocks noGrp="1"/>
+          </p:cNvSpPr>
+          <p:nvPr>
+            <p:ph type="title"/>
+          </p:nvPr>
+        </p:nvSpPr>
+        <p:spPr>
+          <a:xfrm>
+            <a:off x="540488" y="482085"/>
+            <a:ext cx="6115493" cy="1070270"/>
+          </a:xfrm>
+        </p:spPr>
+        <p:txBody>
+          <a:bodyPr/>
+          <a:lstStyle/>
+          <a:p>
+            <a:r>
+              <a:rPr lang="ru-RU" dirty="0"/>
+              <a:t>Водопадные процессы</a:t>
+            </a:r>
+          </a:p>
+        </p:txBody>
+      </p:sp>
+      <p:pic>
+        <p:nvPicPr>
+          <p:cNvPr id="5" name="Объект 4">
+            <a:extLst>
+              <a:ext uri="{FF2B5EF4-FFF2-40B4-BE49-F238E27FC236}">
+                <a16:creationId xmlns:a16="http://schemas.microsoft.com/office/drawing/2014/main" id="{42BC1377-AB18-B34C-8946-0AEBFF306927}"/>
+              </a:ext>
+            </a:extLst>
+          </p:cNvPr>
+          <p:cNvPicPr>
+            <a:picLocks noGrp="1" noChangeAspect="1"/>
+          </p:cNvPicPr>
+          <p:nvPr>
+            <p:ph idx="1"/>
+          </p:nvPr>
+        </p:nvPicPr>
+        <p:blipFill>
+          <a:blip r:embed="rId2"/>
+          <a:stretch>
+            <a:fillRect/>
+          </a:stretch>
+        </p:blipFill>
+        <p:spPr>
+          <a:xfrm>
+            <a:off x="316760" y="1765300"/>
+            <a:ext cx="6667500" cy="3327400"/>
+          </a:xfrm>
+        </p:spPr>
+      </p:pic>
+      <p:sp>
+        <p:nvSpPr>
+          <p:cNvPr id="6" name="TextBox 5">
+            <a:extLst>
+              <a:ext uri="{FF2B5EF4-FFF2-40B4-BE49-F238E27FC236}">
+                <a16:creationId xmlns:a16="http://schemas.microsoft.com/office/drawing/2014/main" id="{834B9D65-6D7F-3446-A925-15F7C9A37091}"/>
+              </a:ext>
+            </a:extLst>
+          </p:cNvPr>
+          <p:cNvSpPr txBox="1"/>
+          <p:nvPr/>
+        </p:nvSpPr>
+        <p:spPr>
+          <a:xfrm>
+            <a:off x="6655981" y="158828"/>
+            <a:ext cx="5197993" cy="6217087"/>
+          </a:xfrm>
+          <a:prstGeom prst="rect">
+            <a:avLst/>
+          </a:prstGeom>
+          <a:noFill/>
+        </p:spPr>
+        <p:txBody>
+          <a:bodyPr wrap="square" rtlCol="0">
+            <a:spAutoFit/>
+          </a:bodyPr>
+          <a:lstStyle/>
+          <a:p>
+            <a:r>
+              <a:rPr lang="ru-RU" sz="2400" dirty="0"/>
+              <a:t>Недостатки:</a:t>
+            </a:r>
+          </a:p>
+          <a:p>
+            <a:pPr marL="285750" indent="-285750">
+              <a:buFontTx/>
+              <a:buChar char="-"/>
+            </a:pPr>
+            <a:r>
+              <a:rPr lang="ru-RU" sz="2200" b="1" dirty="0"/>
+              <a:t>Долго</a:t>
+            </a:r>
+            <a:r>
+              <a:rPr lang="ru-RU" sz="2200" dirty="0"/>
+              <a:t> ждать от идеи до готового продукта</a:t>
+            </a:r>
+          </a:p>
+          <a:p>
+            <a:pPr marL="742950" lvl="1" indent="-285750">
+              <a:buFontTx/>
+              <a:buChar char="-"/>
+            </a:pPr>
+            <a:r>
+              <a:rPr lang="ru-RU" sz="2200" dirty="0"/>
+              <a:t>У заказчика нет возможности ознакомится с системой заранее</a:t>
+            </a:r>
+          </a:p>
+          <a:p>
+            <a:pPr marL="742950" lvl="1" indent="-285750">
+              <a:buFontTx/>
+              <a:buChar char="-"/>
+            </a:pPr>
+            <a:r>
+              <a:rPr lang="ru-RU" sz="2200" dirty="0"/>
+              <a:t>У пользователя нет возможности привыкнуть к продукту постепенно</a:t>
+            </a:r>
+          </a:p>
+          <a:p>
+            <a:pPr marL="285750" indent="-285750">
+              <a:buFontTx/>
+              <a:buChar char="-"/>
+            </a:pPr>
+            <a:r>
+              <a:rPr lang="ru-RU" sz="2200" dirty="0"/>
+              <a:t>Очень </a:t>
+            </a:r>
+            <a:r>
+              <a:rPr lang="ru-RU" sz="2200" b="1" dirty="0"/>
+              <a:t>не любит изменения </a:t>
+            </a:r>
+            <a:r>
+              <a:rPr lang="ru-RU" sz="2200" dirty="0"/>
+              <a:t>требований к продукту</a:t>
+            </a:r>
+          </a:p>
+          <a:p>
+            <a:pPr marL="742950" lvl="1" indent="-285750">
+              <a:buFontTx/>
+              <a:buChar char="-"/>
+            </a:pPr>
+            <a:r>
+              <a:rPr lang="ru-RU" sz="2200" dirty="0"/>
+              <a:t>Изменения вносить очень дорого и сложно</a:t>
+            </a:r>
+          </a:p>
+          <a:p>
+            <a:pPr marL="285750" indent="-285750">
+              <a:buFontTx/>
+              <a:buChar char="-"/>
+            </a:pPr>
+            <a:r>
+              <a:rPr lang="ru-RU" sz="2200" dirty="0"/>
+              <a:t>Большие </a:t>
+            </a:r>
+            <a:r>
+              <a:rPr lang="ru-RU" sz="2200" b="1" dirty="0"/>
+              <a:t>риски</a:t>
+            </a:r>
+          </a:p>
+          <a:p>
+            <a:pPr marL="742950" lvl="1" indent="-285750">
+              <a:buFontTx/>
+              <a:buChar char="-"/>
+            </a:pPr>
+            <a:r>
+              <a:rPr lang="ru-RU" sz="2200" dirty="0"/>
+              <a:t>На выходе можем получить совсем не то, что хотел заказчик</a:t>
+            </a:r>
+          </a:p>
+          <a:p>
+            <a:pPr marL="285750" indent="-285750">
+              <a:buFontTx/>
+              <a:buChar char="-"/>
+            </a:pPr>
+            <a:r>
+              <a:rPr lang="ru-RU" sz="2200" b="1" dirty="0"/>
+              <a:t>Дорого</a:t>
+            </a:r>
+          </a:p>
+          <a:p>
+            <a:pPr marL="742950" lvl="1" indent="-285750">
+              <a:buFontTx/>
+              <a:buChar char="-"/>
+            </a:pPr>
+            <a:r>
+              <a:rPr lang="ru-RU" sz="2200" dirty="0"/>
+              <a:t>Разработчик закладывает дополнительную стоимость для страховки рисков</a:t>
+            </a:r>
+          </a:p>
+        </p:txBody>
+      </p:sp>
+    </p:spTree>
+    <p:extLst>
+      <p:ext uri="{BB962C8B-B14F-4D97-AF65-F5344CB8AC3E}">
+        <p14:creationId xmlns:p14="http://schemas.microsoft.com/office/powerpoint/2010/main" val="2948749403"/>
+      </p:ext>
+    </p:extLst>
+  </p:cSld>
+  <p:clrMapOvr>
+    <a:masterClrMapping/>
+  </p:clrMapOvr>
+</p:sld>
+</file>
+
+<file path=ppt/slides/slide8.xml><?xml version="1.0" encoding="utf-8"?>
+<p:sld xmlns:a="http://schemas.openxmlformats.org/drawingml/2006/main" xmlns:r="http://schemas.openxmlformats.org/officeDocument/2006/relationships" xmlns:p="http://schemas.openxmlformats.org/presentationml/2006/main">
+  <p:cSld>
+    <p:spTree>
+      <p:nvGrpSpPr>
+        <p:cNvPr id="1" name=""/>
+        <p:cNvGrpSpPr/>
+        <p:nvPr/>
+      </p:nvGrpSpPr>
+      <p:grpSpPr>
+        <a:xfrm>
+          <a:off x="0" y="0"/>
+          <a:ext cx="0" cy="0"/>
+          <a:chOff x="0" y="0"/>
+          <a:chExt cx="0" cy="0"/>
+        </a:xfrm>
+      </p:grpSpPr>
+      <p:sp>
+        <p:nvSpPr>
+          <p:cNvPr id="2" name="Заголовок 1">
+            <a:extLst>
+              <a:ext uri="{FF2B5EF4-FFF2-40B4-BE49-F238E27FC236}">
+                <a16:creationId xmlns:a16="http://schemas.microsoft.com/office/drawing/2014/main" id="{F5520871-81F1-0649-A27A-ABBEBB01014B}"/>
+              </a:ext>
+            </a:extLst>
+          </p:cNvPr>
+          <p:cNvSpPr>
+            <a:spLocks noGrp="1"/>
+          </p:cNvSpPr>
+          <p:nvPr>
+            <p:ph type="title"/>
+          </p:nvPr>
+        </p:nvSpPr>
+        <p:spPr>
+          <a:xfrm>
+            <a:off x="552894" y="365126"/>
+            <a:ext cx="10930270" cy="644968"/>
+          </a:xfrm>
+        </p:spPr>
+        <p:txBody>
+          <a:bodyPr>
+            <a:noAutofit/>
+          </a:bodyPr>
+          <a:lstStyle/>
+          <a:p>
+            <a:r>
+              <a:rPr lang="en" sz="3600" b="1" dirty="0"/>
+              <a:t>Agile-</a:t>
+            </a:r>
+            <a:r>
+              <a:rPr lang="ru-RU" sz="3600" b="1" dirty="0"/>
+              <a:t>манифест разработки программного обеспечения</a:t>
+            </a:r>
+            <a:endParaRPr lang="ru-RU" sz="3600" dirty="0"/>
+          </a:p>
+        </p:txBody>
+      </p:sp>
+      <p:sp>
+        <p:nvSpPr>
+          <p:cNvPr id="3" name="Объект 2">
+            <a:extLst>
+              <a:ext uri="{FF2B5EF4-FFF2-40B4-BE49-F238E27FC236}">
+                <a16:creationId xmlns:a16="http://schemas.microsoft.com/office/drawing/2014/main" id="{EE0E983A-76EB-934E-A5F7-F7DBADC8D448}"/>
+              </a:ext>
+            </a:extLst>
+          </p:cNvPr>
+          <p:cNvSpPr>
+            <a:spLocks noGrp="1"/>
+          </p:cNvSpPr>
+          <p:nvPr>
+            <p:ph idx="1"/>
+          </p:nvPr>
+        </p:nvSpPr>
+        <p:spPr>
+          <a:xfrm>
+            <a:off x="838200" y="1453484"/>
+            <a:ext cx="10515600" cy="4915417"/>
+          </a:xfrm>
+        </p:spPr>
+        <p:txBody>
+          <a:bodyPr>
+            <a:normAutofit/>
+          </a:bodyPr>
+          <a:lstStyle/>
+          <a:p>
+            <a:pPr marL="0" indent="0">
+              <a:buNone/>
+            </a:pPr>
+            <a:r>
+              <a:rPr lang="ru-RU" dirty="0"/>
+              <a:t>Ценности </a:t>
+            </a:r>
+            <a:r>
+              <a:rPr lang="en-US" dirty="0"/>
+              <a:t>Agile:</a:t>
+            </a:r>
+          </a:p>
+          <a:p>
+            <a:r>
+              <a:rPr lang="ru-RU" b="1" dirty="0"/>
+              <a:t>Люди и взаимодействие </a:t>
+            </a:r>
+            <a:r>
+              <a:rPr lang="ru-RU" dirty="0"/>
+              <a:t>важнее процессов и инструментов</a:t>
+            </a:r>
+            <a:endParaRPr lang="en-US" dirty="0"/>
+          </a:p>
+          <a:p>
+            <a:r>
+              <a:rPr lang="ru-RU" b="1" dirty="0"/>
+              <a:t>Работающий продукт </a:t>
+            </a:r>
+            <a:r>
+              <a:rPr lang="ru-RU" dirty="0"/>
+              <a:t>важнее исчерпывающей документации</a:t>
+            </a:r>
+            <a:endParaRPr lang="en-US" dirty="0"/>
+          </a:p>
+          <a:p>
+            <a:r>
+              <a:rPr lang="ru-RU" b="1" dirty="0"/>
+              <a:t>Сотрудничество с заказчиком </a:t>
+            </a:r>
+            <a:r>
+              <a:rPr lang="ru-RU" dirty="0"/>
+              <a:t>важнее согласования условий контракта</a:t>
+            </a:r>
+            <a:endParaRPr lang="en-US" dirty="0"/>
+          </a:p>
+          <a:p>
+            <a:r>
+              <a:rPr lang="ru-RU" b="1" dirty="0"/>
+              <a:t>Готовность к изменениям</a:t>
+            </a:r>
+            <a:r>
+              <a:rPr lang="ru-RU" dirty="0"/>
+              <a:t> важнее следования первоначальному плану</a:t>
+            </a:r>
+            <a:endParaRPr lang="en-US" dirty="0"/>
+          </a:p>
+          <a:p>
+            <a:endParaRPr lang="en-US" dirty="0"/>
+          </a:p>
+          <a:p>
+            <a:pPr marL="0" indent="0">
+              <a:buNone/>
+            </a:pPr>
+            <a:r>
+              <a:rPr lang="ru-RU" dirty="0"/>
+              <a:t>То есть, не отрицая важности того, что справа,</a:t>
+            </a:r>
+            <a:br>
+              <a:rPr lang="ru-RU" dirty="0"/>
+            </a:br>
+            <a:r>
+              <a:rPr lang="ru-RU" dirty="0"/>
+              <a:t>мы всё-таки больше ценим то, что слева.</a:t>
+            </a:r>
+          </a:p>
+        </p:txBody>
+      </p:sp>
+    </p:spTree>
+    <p:extLst>
+      <p:ext uri="{BB962C8B-B14F-4D97-AF65-F5344CB8AC3E}">
+        <p14:creationId xmlns:p14="http://schemas.microsoft.com/office/powerpoint/2010/main" val="2792037144"/>
+      </p:ext>
+    </p:extLst>
+  </p:cSld>
+  <p:clrMapOvr>
+    <a:masterClrMapping/>
+  </p:clrMapOvr>
+</p:sld>
+</file>
+
+<file path=ppt/slides/slide9.xml><?xml version="1.0" encoding="utf-8"?>
+<p:sld xmlns:a="http://schemas.openxmlformats.org/drawingml/2006/main" xmlns:r="http://schemas.openxmlformats.org/officeDocument/2006/relationships" xmlns:p="http://schemas.openxmlformats.org/presentationml/2006/main">
+  <p:cSld>
+    <p:spTree>
+      <p:nvGrpSpPr>
+        <p:cNvPr id="1" name=""/>
+        <p:cNvGrpSpPr/>
+        <p:nvPr/>
+      </p:nvGrpSpPr>
+      <p:grpSpPr>
+        <a:xfrm>
+          <a:off x="0" y="0"/>
+          <a:ext cx="0" cy="0"/>
+          <a:chOff x="0" y="0"/>
+          <a:chExt cx="0" cy="0"/>
+        </a:xfrm>
+      </p:grpSpPr>
+      <p:sp>
+        <p:nvSpPr>
+          <p:cNvPr id="2" name="Заголовок 1">
+            <a:extLst>
+              <a:ext uri="{FF2B5EF4-FFF2-40B4-BE49-F238E27FC236}">
+                <a16:creationId xmlns:a16="http://schemas.microsoft.com/office/drawing/2014/main" id="{3CB74B89-B4CF-C04E-9EB5-31300E9B654C}"/>
+              </a:ext>
+            </a:extLst>
+          </p:cNvPr>
+          <p:cNvSpPr>
+            <a:spLocks noGrp="1"/>
+          </p:cNvSpPr>
+          <p:nvPr>
+            <p:ph type="title"/>
+          </p:nvPr>
+        </p:nvSpPr>
+        <p:spPr>
+          <a:xfrm>
+            <a:off x="572381" y="248165"/>
+            <a:ext cx="10515600" cy="613070"/>
+          </a:xfrm>
+        </p:spPr>
+        <p:txBody>
+          <a:bodyPr>
+            <a:normAutofit fontScale="90000"/>
+          </a:bodyPr>
+          <a:lstStyle/>
+          <a:p>
+            <a:r>
+              <a:rPr lang="ru-RU" dirty="0"/>
+              <a:t>Принципы </a:t>
+            </a:r>
+            <a:r>
+              <a:rPr lang="ru-RU" dirty="0" err="1"/>
+              <a:t>A</a:t>
+            </a:r>
+            <a:r>
+              <a:rPr lang="en-US" dirty="0" err="1"/>
+              <a:t>gile</a:t>
+            </a:r>
+            <a:endParaRPr lang="ru-RU" dirty="0"/>
+          </a:p>
+        </p:txBody>
+      </p:sp>
+      <p:sp>
+        <p:nvSpPr>
+          <p:cNvPr id="3" name="Объект 2">
+            <a:extLst>
+              <a:ext uri="{FF2B5EF4-FFF2-40B4-BE49-F238E27FC236}">
+                <a16:creationId xmlns:a16="http://schemas.microsoft.com/office/drawing/2014/main" id="{8832D392-25ED-7844-AFC2-4CE312AB8492}"/>
+              </a:ext>
+            </a:extLst>
+          </p:cNvPr>
+          <p:cNvSpPr>
+            <a:spLocks noGrp="1"/>
+          </p:cNvSpPr>
+          <p:nvPr>
+            <p:ph idx="1"/>
+          </p:nvPr>
+        </p:nvSpPr>
+        <p:spPr>
+          <a:xfrm>
+            <a:off x="510363" y="978196"/>
+            <a:ext cx="11206716" cy="5514678"/>
+          </a:xfrm>
+        </p:spPr>
+        <p:txBody>
+          <a:bodyPr>
+            <a:normAutofit fontScale="62500" lnSpcReduction="20000"/>
+          </a:bodyPr>
+          <a:lstStyle/>
+          <a:p>
+            <a:r>
+              <a:rPr lang="ru-RU" dirty="0"/>
+              <a:t>Высшим приоритетом для нас является </a:t>
+            </a:r>
+            <a:r>
+              <a:rPr lang="ru-RU" b="1" dirty="0"/>
+              <a:t>удовлетворение потребностей заказчика</a:t>
+            </a:r>
+            <a:r>
+              <a:rPr lang="ru-RU" dirty="0"/>
+              <a:t> благодаря регулярной и ранней поставке ценного программного обеспечения.</a:t>
+            </a:r>
+          </a:p>
+          <a:p>
+            <a:r>
+              <a:rPr lang="ru-RU" b="1" dirty="0"/>
+              <a:t>Изменение требований приветствуется</a:t>
+            </a:r>
+            <a:r>
+              <a:rPr lang="ru-RU" dirty="0"/>
+              <a:t>, даже на поздних стадиях разработки. </a:t>
+            </a:r>
+            <a:r>
+              <a:rPr lang="en" dirty="0"/>
+              <a:t>Agile-</a:t>
+            </a:r>
+            <a:r>
+              <a:rPr lang="ru-RU" dirty="0"/>
+              <a:t>процессы позволяют использовать изменения для обеспечения заказчику конкурентного преимущества.</a:t>
+            </a:r>
+          </a:p>
+          <a:p>
+            <a:r>
+              <a:rPr lang="ru-RU" dirty="0"/>
+              <a:t>Работающий продукт следует </a:t>
+            </a:r>
+            <a:r>
+              <a:rPr lang="ru-RU" b="1" dirty="0"/>
+              <a:t>выпускать как можно чаще</a:t>
+            </a:r>
+            <a:r>
+              <a:rPr lang="ru-RU" dirty="0"/>
+              <a:t>, с периодичностью от пары недель до пары месяцев.</a:t>
+            </a:r>
+          </a:p>
+          <a:p>
+            <a:r>
+              <a:rPr lang="ru-RU" dirty="0"/>
+              <a:t>На протяжении всего проекта </a:t>
+            </a:r>
+            <a:r>
+              <a:rPr lang="ru-RU" b="1" dirty="0"/>
+              <a:t>разработчики и представители бизнеса должны </a:t>
+            </a:r>
+            <a:r>
+              <a:rPr lang="ru-RU" dirty="0"/>
+              <a:t>ежедневно</a:t>
+            </a:r>
+            <a:r>
+              <a:rPr lang="ru-RU" b="1" dirty="0"/>
+              <a:t> работать вместе</a:t>
+            </a:r>
+            <a:r>
+              <a:rPr lang="ru-RU" dirty="0"/>
+              <a:t>.</a:t>
+            </a:r>
+          </a:p>
+          <a:p>
+            <a:r>
+              <a:rPr lang="ru-RU" dirty="0"/>
+              <a:t>Над проектом должны работать </a:t>
+            </a:r>
+            <a:r>
+              <a:rPr lang="ru-RU" b="1" dirty="0"/>
+              <a:t>мотивированные профессионалы</a:t>
+            </a:r>
+            <a:r>
+              <a:rPr lang="ru-RU" dirty="0"/>
+              <a:t>. Чтобы работа была сделана, создайте условия, обеспечьте поддержку и полностью доверьтесь им.</a:t>
+            </a:r>
+          </a:p>
+          <a:p>
+            <a:r>
+              <a:rPr lang="ru-RU" b="1" dirty="0"/>
+              <a:t>Непосредственное общение </a:t>
+            </a:r>
+            <a:r>
+              <a:rPr lang="ru-RU" dirty="0"/>
+              <a:t>является наиболее практичным и эффективным способом обмена информацией как с самой командой, так и внутри команды.</a:t>
+            </a:r>
+          </a:p>
+          <a:p>
+            <a:r>
+              <a:rPr lang="ru-RU" b="1" dirty="0"/>
+              <a:t>Работающий продукт</a:t>
+            </a:r>
+            <a:r>
+              <a:rPr lang="ru-RU" dirty="0"/>
+              <a:t> — основной показатель прогресса.</a:t>
+            </a:r>
+          </a:p>
+          <a:p>
+            <a:r>
+              <a:rPr lang="ru-RU" dirty="0"/>
+              <a:t>Инвесторы, разработчики и пользователи должны иметь возможность </a:t>
+            </a:r>
+            <a:r>
+              <a:rPr lang="ru-RU" b="1" dirty="0"/>
+              <a:t>поддерживать ритм</a:t>
+            </a:r>
+            <a:r>
+              <a:rPr lang="ru-RU" dirty="0"/>
+              <a:t> бесконечно. </a:t>
+            </a:r>
+            <a:r>
+              <a:rPr lang="en" dirty="0"/>
+              <a:t>Agile </a:t>
+            </a:r>
+            <a:r>
+              <a:rPr lang="ru-RU" dirty="0"/>
+              <a:t>помогает наладить такой устойчивый процесс разработки.</a:t>
+            </a:r>
+          </a:p>
+          <a:p>
+            <a:r>
+              <a:rPr lang="ru-RU" dirty="0"/>
+              <a:t>Постоянное </a:t>
+            </a:r>
+            <a:r>
+              <a:rPr lang="ru-RU" b="1" dirty="0"/>
+              <a:t>внимание к техническому совершенству</a:t>
+            </a:r>
+            <a:r>
+              <a:rPr lang="ru-RU" dirty="0"/>
+              <a:t> и качеству проектирования повышает гибкость проекта.</a:t>
+            </a:r>
+          </a:p>
+          <a:p>
+            <a:r>
+              <a:rPr lang="ru-RU" b="1" dirty="0"/>
+              <a:t>Простота</a:t>
+            </a:r>
+            <a:r>
+              <a:rPr lang="ru-RU" dirty="0"/>
+              <a:t> — искусство минимизации лишней работы — крайне необходима.</a:t>
+            </a:r>
+          </a:p>
+          <a:p>
+            <a:r>
+              <a:rPr lang="ru-RU" dirty="0"/>
+              <a:t>Лучшие требования, архитектурные и технические решения рождаются у </a:t>
+            </a:r>
+            <a:r>
+              <a:rPr lang="ru-RU" b="1" dirty="0"/>
+              <a:t>самоорганизующихся команд</a:t>
+            </a:r>
+            <a:r>
+              <a:rPr lang="ru-RU" dirty="0"/>
+              <a:t>.</a:t>
+            </a:r>
+          </a:p>
+          <a:p>
+            <a:r>
+              <a:rPr lang="ru-RU" dirty="0"/>
+              <a:t>Команда должна систематически анализировать возможные способы </a:t>
+            </a:r>
+            <a:r>
+              <a:rPr lang="ru-RU" b="1" dirty="0"/>
+              <a:t>улучшения эффективности</a:t>
+            </a:r>
+            <a:r>
+              <a:rPr lang="ru-RU" dirty="0"/>
+              <a:t> и соответственно </a:t>
+            </a:r>
+            <a:r>
+              <a:rPr lang="ru-RU" b="1" dirty="0"/>
+              <a:t>корректировать стиль своей работы</a:t>
+            </a:r>
+            <a:r>
+              <a:rPr lang="ru-RU" dirty="0"/>
+              <a:t>.</a:t>
+            </a:r>
+          </a:p>
+        </p:txBody>
+      </p:sp>
+    </p:spTree>
+    <p:extLst>
+      <p:ext uri="{BB962C8B-B14F-4D97-AF65-F5344CB8AC3E}">
+        <p14:creationId xmlns:p14="http://schemas.microsoft.com/office/powerpoint/2010/main" val="335688480"/>
+      </p:ext>
+    </p:extLst>
+  </p:cSld>
+  <p:clrMapOvr>
+    <a:masterClrMapping/>
+  </p:clrMapOvr>
+</p:sld>
+</file>
+
 <file path=ppt/theme/theme1.xml><?xml version="1.0" encoding="utf-8"?>
 <a:theme xmlns:a="http://schemas.openxmlformats.org/drawingml/2006/main" name="Тема Office">
   <a:themeElements>

--- a/slides/01-SCRUM.pptx
+++ b/slides/01-SCRUM.pptx
@@ -14,6 +14,10 @@
     <p:sldId id="263" r:id="rId8"/>
     <p:sldId id="261" r:id="rId9"/>
     <p:sldId id="264" r:id="rId10"/>
+    <p:sldId id="265" r:id="rId11"/>
+    <p:sldId id="267" r:id="rId12"/>
+    <p:sldId id="266" r:id="rId13"/>
+    <p:sldId id="268" r:id="rId14"/>
   </p:sldIdLst>
   <p:sldSz cx="12192000" cy="6858000"/>
   <p:notesSz cx="6858000" cy="9144000"/>
@@ -3514,6 +3518,800 @@
 </p:sld>
 </file>
 
+<file path=ppt/slides/slide10.xml><?xml version="1.0" encoding="utf-8"?>
+<p:sld xmlns:a="http://schemas.openxmlformats.org/drawingml/2006/main" xmlns:r="http://schemas.openxmlformats.org/officeDocument/2006/relationships" xmlns:p="http://schemas.openxmlformats.org/presentationml/2006/main">
+  <p:cSld>
+    <p:spTree>
+      <p:nvGrpSpPr>
+        <p:cNvPr id="1" name=""/>
+        <p:cNvGrpSpPr/>
+        <p:nvPr/>
+      </p:nvGrpSpPr>
+      <p:grpSpPr>
+        <a:xfrm>
+          <a:off x="0" y="0"/>
+          <a:ext cx="0" cy="0"/>
+          <a:chOff x="0" y="0"/>
+          <a:chExt cx="0" cy="0"/>
+        </a:xfrm>
+      </p:grpSpPr>
+      <p:sp>
+        <p:nvSpPr>
+          <p:cNvPr id="2" name="Заголовок 1">
+            <a:extLst>
+              <a:ext uri="{FF2B5EF4-FFF2-40B4-BE49-F238E27FC236}">
+                <a16:creationId xmlns:a16="http://schemas.microsoft.com/office/drawing/2014/main" id="{CB2F3C6F-E4F3-8440-9550-57CB89EAE493}"/>
+              </a:ext>
+            </a:extLst>
+          </p:cNvPr>
+          <p:cNvSpPr>
+            <a:spLocks noGrp="1"/>
+          </p:cNvSpPr>
+          <p:nvPr>
+            <p:ph type="title"/>
+          </p:nvPr>
+        </p:nvSpPr>
+        <p:spPr>
+          <a:xfrm>
+            <a:off x="838200" y="365125"/>
+            <a:ext cx="10515600" cy="900149"/>
+          </a:xfrm>
+        </p:spPr>
+        <p:txBody>
+          <a:bodyPr/>
+          <a:lstStyle/>
+          <a:p>
+            <a:r>
+              <a:rPr lang="en-US" dirty="0"/>
+              <a:t>Scrum: </a:t>
+            </a:r>
+            <a:r>
+              <a:rPr lang="ru-RU" dirty="0"/>
+              <a:t>определение</a:t>
+            </a:r>
+          </a:p>
+        </p:txBody>
+      </p:sp>
+      <p:sp>
+        <p:nvSpPr>
+          <p:cNvPr id="3" name="Объект 2">
+            <a:extLst>
+              <a:ext uri="{FF2B5EF4-FFF2-40B4-BE49-F238E27FC236}">
+                <a16:creationId xmlns:a16="http://schemas.microsoft.com/office/drawing/2014/main" id="{90C97284-0FAC-0042-BAAA-95283AB80A9D}"/>
+              </a:ext>
+            </a:extLst>
+          </p:cNvPr>
+          <p:cNvSpPr>
+            <a:spLocks noGrp="1"/>
+          </p:cNvSpPr>
+          <p:nvPr>
+            <p:ph idx="1"/>
+          </p:nvPr>
+        </p:nvSpPr>
+        <p:spPr>
+          <a:xfrm>
+            <a:off x="838200" y="1389690"/>
+            <a:ext cx="10515600" cy="4351338"/>
+          </a:xfrm>
+        </p:spPr>
+        <p:txBody>
+          <a:bodyPr>
+            <a:normAutofit fontScale="70000" lnSpcReduction="20000"/>
+          </a:bodyPr>
+          <a:lstStyle/>
+          <a:p>
+            <a:pPr marL="0" indent="0">
+              <a:buNone/>
+            </a:pPr>
+            <a:r>
+              <a:rPr lang="en" dirty="0"/>
+              <a:t>Scrum — </a:t>
+            </a:r>
+            <a:r>
+              <a:rPr lang="ru-RU" dirty="0"/>
+              <a:t>легкий </a:t>
+            </a:r>
+            <a:r>
+              <a:rPr lang="ru-RU" dirty="0" err="1"/>
+              <a:t>фреймворк</a:t>
+            </a:r>
+            <a:r>
+              <a:rPr lang="ru-RU" dirty="0"/>
+              <a:t>, который помогает людям, командам и организациям создавать ценность с помощью адаптивных решений комплексных проблем.</a:t>
+            </a:r>
+          </a:p>
+          <a:p>
+            <a:pPr marL="0" indent="0">
+              <a:buNone/>
+            </a:pPr>
+            <a:r>
+              <a:rPr lang="en" dirty="0"/>
+              <a:t>Scrum </a:t>
+            </a:r>
+            <a:r>
+              <a:rPr lang="ru-RU" dirty="0"/>
+              <a:t>предназначен для быстрой разработки и поставки сложных, принципиально новых </a:t>
+            </a:r>
+            <a:r>
+              <a:rPr lang="ru-RU" b="1" dirty="0"/>
+              <a:t>продуктов</a:t>
+            </a:r>
+            <a:r>
+              <a:rPr lang="ru-RU" dirty="0"/>
+              <a:t>, которых нет на рынке.</a:t>
+            </a:r>
+          </a:p>
+          <a:p>
+            <a:pPr marL="0" indent="0">
+              <a:buNone/>
+            </a:pPr>
+            <a:r>
+              <a:rPr lang="ru-RU" dirty="0"/>
+              <a:t>Основную цель </a:t>
+            </a:r>
+            <a:r>
+              <a:rPr lang="en" dirty="0"/>
+              <a:t>Agile </a:t>
+            </a:r>
+            <a:r>
+              <a:rPr lang="ru-RU" dirty="0"/>
+              <a:t>и </a:t>
+            </a:r>
+            <a:r>
+              <a:rPr lang="en" dirty="0"/>
+              <a:t>Scrum </a:t>
+            </a:r>
+            <a:r>
+              <a:rPr lang="ru-RU" dirty="0"/>
+              <a:t>часто формулируют как </a:t>
+            </a:r>
+            <a:r>
+              <a:rPr lang="ru-RU" b="1" dirty="0"/>
+              <a:t>сокращение </a:t>
+            </a:r>
+            <a:r>
+              <a:rPr lang="en" b="1" dirty="0"/>
+              <a:t>Time2Market</a:t>
+            </a:r>
+            <a:r>
+              <a:rPr lang="en" dirty="0"/>
+              <a:t> — </a:t>
+            </a:r>
+            <a:r>
+              <a:rPr lang="ru-RU" dirty="0"/>
+              <a:t>времени выпуска на рынок новых продуктов / времени их поставки потребителю.</a:t>
+            </a:r>
+          </a:p>
+          <a:p>
+            <a:pPr marL="0" indent="0">
+              <a:buNone/>
+            </a:pPr>
+            <a:endParaRPr lang="ru-RU" dirty="0"/>
+          </a:p>
+          <a:p>
+            <a:pPr marL="0" indent="0">
+              <a:buNone/>
+            </a:pPr>
+            <a:r>
+              <a:rPr lang="ru-RU" dirty="0"/>
+              <a:t>Вкратце, </a:t>
+            </a:r>
+            <a:r>
+              <a:rPr lang="en" dirty="0"/>
+              <a:t>Scrum </a:t>
+            </a:r>
+            <a:r>
+              <a:rPr lang="ru-RU" dirty="0"/>
+              <a:t>требует, чтобы </a:t>
+            </a:r>
+            <a:r>
+              <a:rPr lang="en" b="1" dirty="0"/>
+              <a:t>Scrum Master</a:t>
+            </a:r>
+            <a:r>
+              <a:rPr lang="en" dirty="0"/>
+              <a:t> </a:t>
+            </a:r>
+            <a:r>
+              <a:rPr lang="ru-RU" dirty="0"/>
+              <a:t>способствовал возникновению среды, в которой:</a:t>
+            </a:r>
+          </a:p>
+          <a:p>
+            <a:pPr marL="0" indent="0">
+              <a:buNone/>
+            </a:pPr>
+            <a:r>
+              <a:rPr lang="ru-RU" dirty="0"/>
+              <a:t>1. </a:t>
+            </a:r>
+            <a:r>
+              <a:rPr lang="en" b="1" dirty="0"/>
+              <a:t>Product Owner</a:t>
+            </a:r>
+            <a:r>
+              <a:rPr lang="en" dirty="0"/>
+              <a:t> </a:t>
+            </a:r>
+            <a:r>
+              <a:rPr lang="ru-RU" dirty="0"/>
+              <a:t>упорядочивает работу по решению комплексной проблемы в </a:t>
+            </a:r>
+            <a:r>
+              <a:rPr lang="en" b="1" dirty="0"/>
+              <a:t>Product</a:t>
+            </a:r>
+            <a:r>
+              <a:rPr lang="ru-RU" b="1" dirty="0"/>
+              <a:t> </a:t>
+            </a:r>
+            <a:r>
+              <a:rPr lang="en" b="1" dirty="0"/>
+              <a:t>Backlog</a:t>
+            </a:r>
+            <a:r>
+              <a:rPr lang="en" dirty="0"/>
+              <a:t>.</a:t>
+            </a:r>
+          </a:p>
+          <a:p>
+            <a:pPr marL="0" indent="0">
+              <a:buNone/>
+            </a:pPr>
+            <a:r>
+              <a:rPr lang="en" dirty="0"/>
+              <a:t>2. </a:t>
+            </a:r>
+            <a:r>
+              <a:rPr lang="en" b="1" dirty="0"/>
+              <a:t>Scrum Team</a:t>
+            </a:r>
+            <a:r>
+              <a:rPr lang="en" dirty="0"/>
+              <a:t> </a:t>
+            </a:r>
+            <a:r>
+              <a:rPr lang="ru-RU" dirty="0"/>
+              <a:t>в ходе </a:t>
+            </a:r>
+            <a:r>
+              <a:rPr lang="en" b="1" dirty="0"/>
+              <a:t>Sprint</a:t>
+            </a:r>
+            <a:r>
+              <a:rPr lang="en" dirty="0"/>
+              <a:t> </a:t>
+            </a:r>
+            <a:r>
+              <a:rPr lang="ru-RU" dirty="0"/>
+              <a:t>превращает выбранную работу в </a:t>
+            </a:r>
+            <a:r>
+              <a:rPr lang="en" b="1" dirty="0"/>
+              <a:t>Increment</a:t>
+            </a:r>
+            <a:r>
+              <a:rPr lang="en" dirty="0"/>
+              <a:t>, </a:t>
+            </a:r>
+            <a:r>
+              <a:rPr lang="ru-RU" dirty="0"/>
+              <a:t>несущий ценность.</a:t>
+            </a:r>
+          </a:p>
+          <a:p>
+            <a:pPr marL="0" indent="0">
+              <a:buNone/>
+            </a:pPr>
+            <a:r>
+              <a:rPr lang="ru-RU" dirty="0"/>
+              <a:t>3. </a:t>
+            </a:r>
+            <a:r>
+              <a:rPr lang="en" b="1" dirty="0"/>
+              <a:t>Scrum Team</a:t>
+            </a:r>
+            <a:r>
+              <a:rPr lang="en" dirty="0"/>
+              <a:t> </a:t>
+            </a:r>
+            <a:r>
+              <a:rPr lang="ru-RU" dirty="0"/>
+              <a:t>и заинтересованные лица инспектируют результаты и вносят правки для следующего </a:t>
+            </a:r>
+            <a:r>
+              <a:rPr lang="en" dirty="0"/>
+              <a:t>Sprint.</a:t>
+            </a:r>
+          </a:p>
+          <a:p>
+            <a:pPr marL="0" indent="0">
+              <a:buNone/>
+            </a:pPr>
+            <a:r>
+              <a:rPr lang="en" dirty="0"/>
+              <a:t>4. </a:t>
+            </a:r>
+            <a:r>
+              <a:rPr lang="ru-RU" i="1" dirty="0"/>
+              <a:t>Повторить</a:t>
+            </a:r>
+          </a:p>
+          <a:p>
+            <a:endParaRPr lang="ru-RU" dirty="0"/>
+          </a:p>
+        </p:txBody>
+      </p:sp>
+    </p:spTree>
+    <p:extLst>
+      <p:ext uri="{BB962C8B-B14F-4D97-AF65-F5344CB8AC3E}">
+        <p14:creationId xmlns:p14="http://schemas.microsoft.com/office/powerpoint/2010/main" val="265376884"/>
+      </p:ext>
+    </p:extLst>
+  </p:cSld>
+  <p:clrMapOvr>
+    <a:masterClrMapping/>
+  </p:clrMapOvr>
+</p:sld>
+</file>
+
+<file path=ppt/slides/slide11.xml><?xml version="1.0" encoding="utf-8"?>
+<p:sld xmlns:a="http://schemas.openxmlformats.org/drawingml/2006/main" xmlns:r="http://schemas.openxmlformats.org/officeDocument/2006/relationships" xmlns:p="http://schemas.openxmlformats.org/presentationml/2006/main">
+  <p:cSld>
+    <p:spTree>
+      <p:nvGrpSpPr>
+        <p:cNvPr id="1" name=""/>
+        <p:cNvGrpSpPr/>
+        <p:nvPr/>
+      </p:nvGrpSpPr>
+      <p:grpSpPr>
+        <a:xfrm>
+          <a:off x="0" y="0"/>
+          <a:ext cx="0" cy="0"/>
+          <a:chOff x="0" y="0"/>
+          <a:chExt cx="0" cy="0"/>
+        </a:xfrm>
+      </p:grpSpPr>
+      <p:sp>
+        <p:nvSpPr>
+          <p:cNvPr id="2" name="Заголовок 1">
+            <a:extLst>
+              <a:ext uri="{FF2B5EF4-FFF2-40B4-BE49-F238E27FC236}">
+                <a16:creationId xmlns:a16="http://schemas.microsoft.com/office/drawing/2014/main" id="{E0A3EA0F-E510-5743-8B25-23A451FF3207}"/>
+              </a:ext>
+            </a:extLst>
+          </p:cNvPr>
+          <p:cNvSpPr>
+            <a:spLocks noGrp="1"/>
+          </p:cNvSpPr>
+          <p:nvPr>
+            <p:ph type="title"/>
+          </p:nvPr>
+        </p:nvSpPr>
+        <p:spPr/>
+        <p:txBody>
+          <a:bodyPr>
+            <a:normAutofit/>
+          </a:bodyPr>
+          <a:lstStyle/>
+          <a:p>
+            <a:r>
+              <a:rPr lang="ru-RU" dirty="0"/>
+              <a:t>Заинтересованные лица (</a:t>
+            </a:r>
+            <a:r>
+              <a:rPr lang="en-US" dirty="0"/>
+              <a:t>Stakeholders</a:t>
+            </a:r>
+            <a:r>
+              <a:rPr lang="ru-RU" dirty="0"/>
+              <a:t>)</a:t>
+            </a:r>
+          </a:p>
+        </p:txBody>
+      </p:sp>
+      <p:sp>
+        <p:nvSpPr>
+          <p:cNvPr id="3" name="Объект 2">
+            <a:extLst>
+              <a:ext uri="{FF2B5EF4-FFF2-40B4-BE49-F238E27FC236}">
+                <a16:creationId xmlns:a16="http://schemas.microsoft.com/office/drawing/2014/main" id="{5B712675-2C17-0F41-B42F-E4D2CBF6FAA6}"/>
+              </a:ext>
+            </a:extLst>
+          </p:cNvPr>
+          <p:cNvSpPr>
+            <a:spLocks noGrp="1"/>
+          </p:cNvSpPr>
+          <p:nvPr>
+            <p:ph idx="1"/>
+          </p:nvPr>
+        </p:nvSpPr>
+        <p:spPr/>
+        <p:txBody>
+          <a:bodyPr/>
+          <a:lstStyle/>
+          <a:p>
+            <a:pPr marL="0" indent="0">
+              <a:buNone/>
+            </a:pPr>
+            <a:r>
+              <a:rPr lang="ru-RU" dirty="0"/>
+              <a:t>Все заинтересованные в продукте лица:</a:t>
+            </a:r>
+          </a:p>
+          <a:p>
+            <a:pPr>
+              <a:buFontTx/>
+              <a:buChar char="-"/>
+            </a:pPr>
+            <a:r>
+              <a:rPr lang="ru-RU" dirty="0"/>
+              <a:t>Заказчики</a:t>
+            </a:r>
+          </a:p>
+          <a:p>
+            <a:pPr>
+              <a:buFontTx/>
+              <a:buChar char="-"/>
+            </a:pPr>
+            <a:r>
+              <a:rPr lang="ru-RU" dirty="0"/>
+              <a:t>Потенциальные пользователи</a:t>
+            </a:r>
+            <a:endParaRPr lang="en-US" dirty="0"/>
+          </a:p>
+          <a:p>
+            <a:pPr>
+              <a:buFontTx/>
+              <a:buChar char="-"/>
+            </a:pPr>
+            <a:r>
+              <a:rPr lang="ru-RU" dirty="0"/>
+              <a:t>Всех кого коснётся использование продукта</a:t>
+            </a:r>
+          </a:p>
+          <a:p>
+            <a:pPr>
+              <a:buFontTx/>
+              <a:buChar char="-"/>
+            </a:pPr>
+            <a:endParaRPr lang="ru-RU" dirty="0"/>
+          </a:p>
+          <a:p>
+            <a:pPr marL="0" indent="0">
+              <a:buNone/>
+            </a:pPr>
+            <a:r>
+              <a:rPr lang="en-US" dirty="0"/>
+              <a:t>«</a:t>
+            </a:r>
+            <a:r>
+              <a:rPr lang="ru-RU" dirty="0"/>
+              <a:t>Лицо, дающее обратную связь Владельцу Продукта и </a:t>
+            </a:r>
+            <a:r>
+              <a:rPr lang="ru-RU" dirty="0" err="1"/>
+              <a:t>Скрам</a:t>
+            </a:r>
+            <a:r>
+              <a:rPr lang="ru-RU" dirty="0"/>
+              <a:t>-команде в целом по видению, </a:t>
+            </a:r>
+            <a:r>
+              <a:rPr lang="ru-RU" dirty="0" err="1"/>
+              <a:t>Бэклогу</a:t>
+            </a:r>
+            <a:r>
+              <a:rPr lang="ru-RU" dirty="0"/>
+              <a:t> Продукта и Инкрементам. Нередко участвует в Обзоре спринта. Зачастую является частью организации, которая разрабатывает продукт</a:t>
+            </a:r>
+            <a:r>
+              <a:rPr lang="en-US" dirty="0"/>
+              <a:t>»</a:t>
+            </a:r>
+            <a:endParaRPr lang="ru-RU" dirty="0"/>
+          </a:p>
+        </p:txBody>
+      </p:sp>
+    </p:spTree>
+    <p:extLst>
+      <p:ext uri="{BB962C8B-B14F-4D97-AF65-F5344CB8AC3E}">
+        <p14:creationId xmlns:p14="http://schemas.microsoft.com/office/powerpoint/2010/main" val="649844634"/>
+      </p:ext>
+    </p:extLst>
+  </p:cSld>
+  <p:clrMapOvr>
+    <a:masterClrMapping/>
+  </p:clrMapOvr>
+</p:sld>
+</file>
+
+<file path=ppt/slides/slide12.xml><?xml version="1.0" encoding="utf-8"?>
+<p:sld xmlns:a="http://schemas.openxmlformats.org/drawingml/2006/main" xmlns:r="http://schemas.openxmlformats.org/officeDocument/2006/relationships" xmlns:p="http://schemas.openxmlformats.org/presentationml/2006/main">
+  <p:cSld>
+    <p:spTree>
+      <p:nvGrpSpPr>
+        <p:cNvPr id="1" name=""/>
+        <p:cNvGrpSpPr/>
+        <p:nvPr/>
+      </p:nvGrpSpPr>
+      <p:grpSpPr>
+        <a:xfrm>
+          <a:off x="0" y="0"/>
+          <a:ext cx="0" cy="0"/>
+          <a:chOff x="0" y="0"/>
+          <a:chExt cx="0" cy="0"/>
+        </a:xfrm>
+      </p:grpSpPr>
+      <p:sp>
+        <p:nvSpPr>
+          <p:cNvPr id="2" name="Заголовок 1">
+            <a:extLst>
+              <a:ext uri="{FF2B5EF4-FFF2-40B4-BE49-F238E27FC236}">
+                <a16:creationId xmlns:a16="http://schemas.microsoft.com/office/drawing/2014/main" id="{409EE045-647D-CD4D-8273-85C36A76523A}"/>
+              </a:ext>
+            </a:extLst>
+          </p:cNvPr>
+          <p:cNvSpPr>
+            <a:spLocks noGrp="1"/>
+          </p:cNvSpPr>
+          <p:nvPr>
+            <p:ph type="title"/>
+          </p:nvPr>
+        </p:nvSpPr>
+        <p:spPr>
+          <a:xfrm>
+            <a:off x="838200" y="365125"/>
+            <a:ext cx="10515600" cy="772559"/>
+          </a:xfrm>
+        </p:spPr>
+        <p:txBody>
+          <a:bodyPr/>
+          <a:lstStyle/>
+          <a:p>
+            <a:r>
+              <a:rPr lang="ru-RU" dirty="0"/>
+              <a:t>Команда (</a:t>
+            </a:r>
+            <a:r>
+              <a:rPr lang="en" dirty="0"/>
+              <a:t>Team)</a:t>
+            </a:r>
+            <a:endParaRPr lang="ru-RU" dirty="0"/>
+          </a:p>
+        </p:txBody>
+      </p:sp>
+      <p:sp>
+        <p:nvSpPr>
+          <p:cNvPr id="3" name="Объект 2">
+            <a:extLst>
+              <a:ext uri="{FF2B5EF4-FFF2-40B4-BE49-F238E27FC236}">
+                <a16:creationId xmlns:a16="http://schemas.microsoft.com/office/drawing/2014/main" id="{6A75536B-460D-A145-95F1-CD55EAFDE7D1}"/>
+              </a:ext>
+            </a:extLst>
+          </p:cNvPr>
+          <p:cNvSpPr>
+            <a:spLocks noGrp="1"/>
+          </p:cNvSpPr>
+          <p:nvPr>
+            <p:ph idx="1"/>
+          </p:nvPr>
+        </p:nvSpPr>
+        <p:spPr>
+          <a:xfrm>
+            <a:off x="838200" y="1233377"/>
+            <a:ext cx="10515600" cy="4943586"/>
+          </a:xfrm>
+        </p:spPr>
+        <p:txBody>
+          <a:bodyPr>
+            <a:normAutofit lnSpcReduction="10000"/>
+          </a:bodyPr>
+          <a:lstStyle/>
+          <a:p>
+            <a:r>
+              <a:rPr lang="ru-RU" dirty="0"/>
+              <a:t>самоорганизующаяся и самоуправляемая</a:t>
+            </a:r>
+          </a:p>
+          <a:p>
+            <a:r>
+              <a:rPr lang="ru-RU" dirty="0"/>
+              <a:t>работа команды оценивается как работа единой группы</a:t>
+            </a:r>
+          </a:p>
+          <a:p>
+            <a:r>
+              <a:rPr lang="ru-RU" dirty="0"/>
+              <a:t>размер: 7 ± 2 человека, чем меньше — тем лучше</a:t>
+            </a:r>
+          </a:p>
+          <a:p>
+            <a:r>
+              <a:rPr lang="ru-RU" dirty="0" err="1"/>
+              <a:t>кроссфункциональная</a:t>
+            </a:r>
+            <a:endParaRPr lang="ru-RU" dirty="0"/>
+          </a:p>
+          <a:p>
+            <a:pPr lvl="1"/>
+            <a:r>
+              <a:rPr lang="ru-RU" dirty="0"/>
+              <a:t>в неё входят люди с дополняющими навыками — разработчики, аналитики, тестировщики, дизайнеры, </a:t>
+            </a:r>
+            <a:r>
+              <a:rPr lang="ru-RU" dirty="0" err="1"/>
+              <a:t>d</a:t>
+            </a:r>
+            <a:r>
+              <a:rPr lang="en-US" dirty="0"/>
+              <a:t>evops</a:t>
+            </a:r>
+            <a:r>
+              <a:rPr lang="ru-RU" dirty="0"/>
+              <a:t> и т.п.</a:t>
+            </a:r>
+            <a:r>
+              <a:rPr lang="en-US" dirty="0"/>
+              <a:t>;</a:t>
+            </a:r>
+          </a:p>
+          <a:p>
+            <a:pPr lvl="1"/>
+            <a:r>
+              <a:rPr lang="en-US" dirty="0"/>
+              <a:t>T-Shape</a:t>
+            </a:r>
+          </a:p>
+          <a:p>
+            <a:r>
+              <a:rPr lang="ru-RU" dirty="0"/>
+              <a:t>нет заранее определённых ролей и специализаций в команде</a:t>
+            </a:r>
+            <a:endParaRPr lang="en-US" dirty="0"/>
+          </a:p>
+          <a:p>
+            <a:r>
+              <a:rPr lang="ru-RU" dirty="0"/>
+              <a:t>команда сидит в одном месте или находится в постоянном тесном контакте онлайн (</a:t>
+            </a:r>
+            <a:r>
+              <a:rPr lang="en" dirty="0"/>
+              <a:t>colocation)</a:t>
+            </a:r>
+          </a:p>
+          <a:p>
+            <a:r>
+              <a:rPr lang="ru-RU"/>
+              <a:t>работает вместе, </a:t>
+            </a:r>
+            <a:r>
+              <a:rPr lang="ru-RU" dirty="0"/>
+              <a:t>помогая друг другу</a:t>
+            </a:r>
+          </a:p>
+          <a:p>
+            <a:endParaRPr lang="en-US" dirty="0"/>
+          </a:p>
+          <a:p>
+            <a:endParaRPr lang="ru-RU" dirty="0"/>
+          </a:p>
+        </p:txBody>
+      </p:sp>
+    </p:spTree>
+    <p:extLst>
+      <p:ext uri="{BB962C8B-B14F-4D97-AF65-F5344CB8AC3E}">
+        <p14:creationId xmlns:p14="http://schemas.microsoft.com/office/powerpoint/2010/main" val="2677113089"/>
+      </p:ext>
+    </p:extLst>
+  </p:cSld>
+  <p:clrMapOvr>
+    <a:masterClrMapping/>
+  </p:clrMapOvr>
+</p:sld>
+</file>
+
+<file path=ppt/slides/slide13.xml><?xml version="1.0" encoding="utf-8"?>
+<p:sld xmlns:a="http://schemas.openxmlformats.org/drawingml/2006/main" xmlns:r="http://schemas.openxmlformats.org/officeDocument/2006/relationships" xmlns:p="http://schemas.openxmlformats.org/presentationml/2006/main">
+  <p:cSld>
+    <p:spTree>
+      <p:nvGrpSpPr>
+        <p:cNvPr id="1" name=""/>
+        <p:cNvGrpSpPr/>
+        <p:nvPr/>
+      </p:nvGrpSpPr>
+      <p:grpSpPr>
+        <a:xfrm>
+          <a:off x="0" y="0"/>
+          <a:ext cx="0" cy="0"/>
+          <a:chOff x="0" y="0"/>
+          <a:chExt cx="0" cy="0"/>
+        </a:xfrm>
+      </p:grpSpPr>
+      <p:sp>
+        <p:nvSpPr>
+          <p:cNvPr id="2" name="Заголовок 1">
+            <a:extLst>
+              <a:ext uri="{FF2B5EF4-FFF2-40B4-BE49-F238E27FC236}">
+                <a16:creationId xmlns:a16="http://schemas.microsoft.com/office/drawing/2014/main" id="{79DEFF57-52C7-EA43-9DF6-4DC99C53FF2F}"/>
+              </a:ext>
+            </a:extLst>
+          </p:cNvPr>
+          <p:cNvSpPr>
+            <a:spLocks noGrp="1"/>
+          </p:cNvSpPr>
+          <p:nvPr>
+            <p:ph type="title"/>
+          </p:nvPr>
+        </p:nvSpPr>
+        <p:spPr/>
+        <p:txBody>
+          <a:bodyPr/>
+          <a:lstStyle/>
+          <a:p>
+            <a:r>
+              <a:rPr lang="ru-RU" dirty="0"/>
+              <a:t>Команда (</a:t>
+            </a:r>
+            <a:r>
+              <a:rPr lang="ru-RU" dirty="0" err="1"/>
+              <a:t>T</a:t>
+            </a:r>
+            <a:r>
+              <a:rPr lang="en-US" dirty="0" err="1"/>
+              <a:t>eam</a:t>
+            </a:r>
+            <a:r>
+              <a:rPr lang="ru-RU" dirty="0"/>
+              <a:t>)</a:t>
+            </a:r>
+          </a:p>
+        </p:txBody>
+      </p:sp>
+      <p:sp>
+        <p:nvSpPr>
+          <p:cNvPr id="3" name="Объект 2">
+            <a:extLst>
+              <a:ext uri="{FF2B5EF4-FFF2-40B4-BE49-F238E27FC236}">
+                <a16:creationId xmlns:a16="http://schemas.microsoft.com/office/drawing/2014/main" id="{AC654726-8FC5-D746-9B80-63EEBBC152E3}"/>
+              </a:ext>
+            </a:extLst>
+          </p:cNvPr>
+          <p:cNvSpPr>
+            <a:spLocks noGrp="1"/>
+          </p:cNvSpPr>
+          <p:nvPr>
+            <p:ph idx="1"/>
+          </p:nvPr>
+        </p:nvSpPr>
+        <p:spPr/>
+        <p:txBody>
+          <a:bodyPr/>
+          <a:lstStyle/>
+          <a:p>
+            <a:r>
+              <a:rPr lang="ru-RU" dirty="0"/>
+              <a:t>берёт на себя обязательства по выполнению объёма работ на спринт перед Владельцем продукта</a:t>
+            </a:r>
+          </a:p>
+          <a:p>
+            <a:endParaRPr lang="ru-RU" dirty="0"/>
+          </a:p>
+        </p:txBody>
+      </p:sp>
+    </p:spTree>
+    <p:extLst>
+      <p:ext uri="{BB962C8B-B14F-4D97-AF65-F5344CB8AC3E}">
+        <p14:creationId xmlns:p14="http://schemas.microsoft.com/office/powerpoint/2010/main" val="2131924708"/>
+      </p:ext>
+    </p:extLst>
+  </p:cSld>
+  <p:clrMapOvr>
+    <a:masterClrMapping/>
+  </p:clrMapOvr>
+</p:sld>
+</file>
+
 <file path=ppt/slides/slide2.xml><?xml version="1.0" encoding="utf-8"?>
 <p:sld xmlns:a="http://schemas.openxmlformats.org/drawingml/2006/main" xmlns:r="http://schemas.openxmlformats.org/officeDocument/2006/relationships" xmlns:p="http://schemas.openxmlformats.org/presentationml/2006/main">
   <p:cSld>

--- a/slides/01-SCRUM.pptx
+++ b/slides/01-SCRUM.pptx
@@ -18,6 +18,18 @@
     <p:sldId id="267" r:id="rId12"/>
     <p:sldId id="266" r:id="rId13"/>
     <p:sldId id="268" r:id="rId14"/>
+    <p:sldId id="269" r:id="rId15"/>
+    <p:sldId id="270" r:id="rId16"/>
+    <p:sldId id="271" r:id="rId17"/>
+    <p:sldId id="272" r:id="rId18"/>
+    <p:sldId id="273" r:id="rId19"/>
+    <p:sldId id="274" r:id="rId20"/>
+    <p:sldId id="275" r:id="rId21"/>
+    <p:sldId id="276" r:id="rId22"/>
+    <p:sldId id="277" r:id="rId23"/>
+    <p:sldId id="280" r:id="rId24"/>
+    <p:sldId id="278" r:id="rId25"/>
+    <p:sldId id="279" r:id="rId26"/>
   </p:sldIdLst>
   <p:sldSz cx="12192000" cy="6858000"/>
   <p:notesSz cx="6858000" cy="9144000"/>
@@ -3928,7 +3940,9 @@
         </p:nvSpPr>
         <p:spPr/>
         <p:txBody>
-          <a:bodyPr/>
+          <a:bodyPr>
+            <a:normAutofit/>
+          </a:bodyPr>
           <a:lstStyle/>
           <a:p>
             <a:pPr marL="0" indent="0">
@@ -4009,6 +4023,12 @@
               <a:rPr lang="en-US" dirty="0"/>
               <a:t>»</a:t>
             </a:r>
+            <a:endParaRPr lang="ru-RU" dirty="0"/>
+          </a:p>
+          <a:p>
+            <a:pPr marL="0" indent="0">
+              <a:buNone/>
+            </a:pPr>
             <a:endParaRPr lang="ru-RU" dirty="0"/>
           </a:p>
         </p:txBody>
@@ -4105,7 +4125,7 @@
         </p:spPr>
         <p:txBody>
           <a:bodyPr>
-            <a:normAutofit lnSpcReduction="10000"/>
+            <a:normAutofit fontScale="85000" lnSpcReduction="20000"/>
           </a:bodyPr>
           <a:lstStyle/>
           <a:p>
@@ -4115,6 +4135,13 @@
             </a:r>
           </a:p>
           <a:p>
+            <a:pPr lvl="1"/>
+            <a:r>
+              <a:rPr lang="ru-RU" dirty="0"/>
+              <a:t>сами решают, кто, что, когда и как делает</a:t>
+            </a:r>
+          </a:p>
+          <a:p>
             <a:r>
               <a:rPr lang="ru-RU" dirty="0"/>
               <a:t>работа команды оценивается как работа единой группы</a:t>
@@ -4123,15 +4150,28 @@
           <a:p>
             <a:r>
               <a:rPr lang="ru-RU" dirty="0"/>
+              <a:t>внутри </a:t>
+            </a:r>
+            <a:r>
+              <a:rPr lang="en" dirty="0"/>
+              <a:t>Scrum Team </a:t>
+            </a:r>
+            <a:r>
+              <a:rPr lang="ru-RU" dirty="0"/>
+              <a:t>нет подкоманд и иерархий</a:t>
+            </a:r>
+          </a:p>
+          <a:p>
+            <a:r>
+              <a:rPr lang="ru-RU" dirty="0"/>
               <a:t>размер: 7 ± 2 человека, чем меньше — тем лучше</a:t>
             </a:r>
           </a:p>
           <a:p>
             <a:r>
-              <a:rPr lang="ru-RU" dirty="0" err="1"/>
+              <a:rPr lang="ru-RU" dirty="0"/>
               <a:t>кроссфункциональная</a:t>
             </a:r>
-            <a:endParaRPr lang="ru-RU" dirty="0"/>
           </a:p>
           <a:p>
             <a:pPr lvl="1"/>
@@ -4182,12 +4222,14 @@
           </a:p>
           <a:p>
             <a:r>
-              <a:rPr lang="ru-RU"/>
-              <a:t>работает вместе, </a:t>
-            </a:r>
-            <a:r>
-              <a:rPr lang="ru-RU" dirty="0"/>
-              <a:t>помогая друг другу</a:t>
+              <a:rPr lang="ru-RU" dirty="0"/>
+              <a:t>работает вместе, помогая друг другу</a:t>
+            </a:r>
+          </a:p>
+          <a:p>
+            <a:r>
+              <a:rPr lang="ru-RU" dirty="0"/>
+              <a:t>члены команды признают наличие проблем и просят друг друга о помощи</a:t>
             </a:r>
           </a:p>
           <a:p>
@@ -4244,7 +4286,12 @@
             <p:ph type="title"/>
           </p:nvPr>
         </p:nvSpPr>
-        <p:spPr/>
+        <p:spPr>
+          <a:xfrm>
+            <a:off x="838200" y="365126"/>
+            <a:ext cx="10515600" cy="878884"/>
+          </a:xfrm>
+        </p:spPr>
         <p:txBody>
           <a:bodyPr/>
           <a:lstStyle/>
@@ -4258,7 +4305,7 @@
               <a:t>T</a:t>
             </a:r>
             <a:r>
-              <a:rPr lang="en-US" dirty="0" err="1"/>
+              <a:rPr lang="en-US" dirty="0"/>
               <a:t>eam</a:t>
             </a:r>
             <a:r>
@@ -4284,9 +4331,16 @@
             <p:ph idx="1"/>
           </p:nvPr>
         </p:nvSpPr>
-        <p:spPr/>
-        <p:txBody>
-          <a:bodyPr/>
+        <p:spPr>
+          <a:xfrm>
+            <a:off x="838200" y="1424763"/>
+            <a:ext cx="10515600" cy="4752200"/>
+          </a:xfrm>
+        </p:spPr>
+        <p:txBody>
+          <a:bodyPr>
+            <a:normAutofit fontScale="92500" lnSpcReduction="10000"/>
+          </a:bodyPr>
           <a:lstStyle/>
           <a:p>
             <a:r>
@@ -4295,6 +4349,71 @@
             </a:r>
           </a:p>
           <a:p>
+            <a:r>
+              <a:rPr lang="ru-RU" dirty="0"/>
+              <a:t>принимает обязательство достичь цели спринта</a:t>
+            </a:r>
+          </a:p>
+          <a:p>
+            <a:endParaRPr lang="ru-RU" dirty="0"/>
+          </a:p>
+          <a:p>
+            <a:pPr marL="0" indent="0">
+              <a:buNone/>
+            </a:pPr>
+            <a:r>
+              <a:rPr lang="en" dirty="0"/>
+              <a:t>Scrum Team </a:t>
+            </a:r>
+            <a:r>
+              <a:rPr lang="ru-RU" dirty="0"/>
+              <a:t>выполняет все продуктовые активности: сотрудничество с заинтересованными лицами, верификацию, обслуживание, эксплуатацию, эксперименты, исследования, разработку и все то, что может потребоваться. Они уполномочены управлять своей собственной работой. </a:t>
+            </a:r>
+          </a:p>
+          <a:p>
+            <a:pPr marL="0" indent="0">
+              <a:buNone/>
+            </a:pPr>
+            <a:r>
+              <a:rPr lang="ru-RU" dirty="0"/>
+              <a:t>Вся </a:t>
+            </a:r>
+            <a:r>
+              <a:rPr lang="en" dirty="0"/>
+              <a:t>Scrum Team </a:t>
+            </a:r>
+            <a:r>
+              <a:rPr lang="ru-RU" dirty="0"/>
+              <a:t>несет ответственность за создание ценного, полезного </a:t>
+            </a:r>
+            <a:r>
+              <a:rPr lang="en" dirty="0"/>
+              <a:t>Increment </a:t>
+            </a:r>
+            <a:r>
+              <a:rPr lang="ru-RU" dirty="0"/>
+              <a:t>в каждом </a:t>
+            </a:r>
+            <a:r>
+              <a:rPr lang="en" dirty="0"/>
+              <a:t>Sprint. Scrum </a:t>
+            </a:r>
+            <a:r>
+              <a:rPr lang="ru-RU" dirty="0"/>
+              <a:t>определяет три конкретные зоны ответственности в составе </a:t>
+            </a:r>
+            <a:r>
+              <a:rPr lang="en" dirty="0"/>
+              <a:t>Scrum Team: Developers, Product Owner </a:t>
+            </a:r>
+            <a:r>
+              <a:rPr lang="ru-RU" dirty="0"/>
+              <a:t>и </a:t>
+            </a:r>
+            <a:r>
+              <a:rPr lang="en" dirty="0"/>
+              <a:t>Scrum Master.</a:t>
+            </a:r>
             <a:endParaRPr lang="ru-RU" dirty="0"/>
           </a:p>
         </p:txBody>
@@ -4303,6 +4422,1219 @@
     <p:extLst>
       <p:ext uri="{BB962C8B-B14F-4D97-AF65-F5344CB8AC3E}">
         <p14:creationId xmlns:p14="http://schemas.microsoft.com/office/powerpoint/2010/main" val="2131924708"/>
+      </p:ext>
+    </p:extLst>
+  </p:cSld>
+  <p:clrMapOvr>
+    <a:masterClrMapping/>
+  </p:clrMapOvr>
+</p:sld>
+</file>
+
+<file path=ppt/slides/slide14.xml><?xml version="1.0" encoding="utf-8"?>
+<p:sld xmlns:a="http://schemas.openxmlformats.org/drawingml/2006/main" xmlns:r="http://schemas.openxmlformats.org/officeDocument/2006/relationships" xmlns:p="http://schemas.openxmlformats.org/presentationml/2006/main">
+  <p:cSld>
+    <p:spTree>
+      <p:nvGrpSpPr>
+        <p:cNvPr id="1" name=""/>
+        <p:cNvGrpSpPr/>
+        <p:nvPr/>
+      </p:nvGrpSpPr>
+      <p:grpSpPr>
+        <a:xfrm>
+          <a:off x="0" y="0"/>
+          <a:ext cx="0" cy="0"/>
+          <a:chOff x="0" y="0"/>
+          <a:chExt cx="0" cy="0"/>
+        </a:xfrm>
+      </p:grpSpPr>
+      <p:sp>
+        <p:nvSpPr>
+          <p:cNvPr id="2" name="Заголовок 1">
+            <a:extLst>
+              <a:ext uri="{FF2B5EF4-FFF2-40B4-BE49-F238E27FC236}">
+                <a16:creationId xmlns:a16="http://schemas.microsoft.com/office/drawing/2014/main" id="{7767F1D5-3926-7446-85D1-22EF48A6FA66}"/>
+              </a:ext>
+            </a:extLst>
+          </p:cNvPr>
+          <p:cNvSpPr>
+            <a:spLocks noGrp="1"/>
+          </p:cNvSpPr>
+          <p:nvPr>
+            <p:ph type="title"/>
+          </p:nvPr>
+        </p:nvSpPr>
+        <p:spPr>
+          <a:xfrm>
+            <a:off x="838200" y="365126"/>
+            <a:ext cx="10515600" cy="687498"/>
+          </a:xfrm>
+        </p:spPr>
+        <p:txBody>
+          <a:bodyPr>
+            <a:normAutofit fontScale="90000"/>
+          </a:bodyPr>
+          <a:lstStyle/>
+          <a:p>
+            <a:r>
+              <a:rPr lang="ru-RU" dirty="0"/>
+              <a:t>Владелец продукта (</a:t>
+            </a:r>
+            <a:r>
+              <a:rPr lang="en" dirty="0"/>
+              <a:t>Product Owner)</a:t>
+            </a:r>
+            <a:endParaRPr lang="ru-RU" dirty="0"/>
+          </a:p>
+        </p:txBody>
+      </p:sp>
+      <p:sp>
+        <p:nvSpPr>
+          <p:cNvPr id="3" name="Объект 2">
+            <a:extLst>
+              <a:ext uri="{FF2B5EF4-FFF2-40B4-BE49-F238E27FC236}">
+                <a16:creationId xmlns:a16="http://schemas.microsoft.com/office/drawing/2014/main" id="{2564D493-1A8C-DE40-8797-F809CDBC25A0}"/>
+              </a:ext>
+            </a:extLst>
+          </p:cNvPr>
+          <p:cNvSpPr>
+            <a:spLocks noGrp="1"/>
+          </p:cNvSpPr>
+          <p:nvPr>
+            <p:ph idx="1"/>
+          </p:nvPr>
+        </p:nvSpPr>
+        <p:spPr>
+          <a:xfrm>
+            <a:off x="838200" y="1052624"/>
+            <a:ext cx="10515600" cy="5539562"/>
+          </a:xfrm>
+        </p:spPr>
+        <p:txBody>
+          <a:bodyPr>
+            <a:normAutofit fontScale="92500" lnSpcReduction="20000"/>
+          </a:bodyPr>
+          <a:lstStyle/>
+          <a:p>
+            <a:r>
+              <a:rPr lang="ru-RU" dirty="0" err="1"/>
+              <a:t>P</a:t>
+            </a:r>
+            <a:r>
+              <a:rPr lang="en-US" dirty="0"/>
+              <a:t>O — </a:t>
+            </a:r>
+            <a:r>
+              <a:rPr lang="ru-RU" dirty="0"/>
+              <a:t>человек, отвечающий за разработку продукта</a:t>
+            </a:r>
+          </a:p>
+          <a:p>
+            <a:pPr lvl="1"/>
+            <a:r>
+              <a:rPr lang="ru-RU" dirty="0"/>
+              <a:t>это может быть </a:t>
+            </a:r>
+            <a:r>
+              <a:rPr lang="ru-RU" b="1" dirty="0"/>
+              <a:t>менеджер продукта </a:t>
+            </a:r>
+            <a:r>
+              <a:rPr lang="ru-RU" dirty="0"/>
+              <a:t>для продуктовой разработки, </a:t>
+            </a:r>
+            <a:r>
+              <a:rPr lang="ru-RU" b="1" dirty="0"/>
+              <a:t>менеджер проекта </a:t>
+            </a:r>
+            <a:r>
+              <a:rPr lang="ru-RU" dirty="0"/>
+              <a:t>для внутренней разработки и </a:t>
+            </a:r>
+            <a:r>
+              <a:rPr lang="ru-RU" b="1" dirty="0"/>
+              <a:t>представитель заказчика</a:t>
+            </a:r>
+            <a:r>
+              <a:rPr lang="ru-RU" dirty="0"/>
+              <a:t> для заказной разработки</a:t>
+            </a:r>
+            <a:endParaRPr lang="en-US" dirty="0"/>
+          </a:p>
+          <a:p>
+            <a:r>
+              <a:rPr lang="en-US" dirty="0"/>
+              <a:t>PO </a:t>
+            </a:r>
+            <a:r>
+              <a:rPr lang="ru-RU" dirty="0"/>
+              <a:t>— это единая точка принятия окончательных решений для команды в проекте, именно поэтому это всегда один человек, а не группа или комитет</a:t>
+            </a:r>
+            <a:endParaRPr lang="en-US" dirty="0"/>
+          </a:p>
+          <a:p>
+            <a:pPr lvl="1"/>
+            <a:r>
+              <a:rPr lang="ru-RU" dirty="0"/>
+              <a:t>Хотя у </a:t>
+            </a:r>
+            <a:r>
+              <a:rPr lang="en-US" dirty="0"/>
+              <a:t>PO </a:t>
+            </a:r>
+            <a:r>
+              <a:rPr lang="ru-RU" dirty="0"/>
+              <a:t>может быть своя команда (аналитиков, </a:t>
+            </a:r>
+            <a:r>
+              <a:rPr lang="ru-RU" dirty="0" err="1"/>
+              <a:t>продуктологов</a:t>
+            </a:r>
+            <a:r>
+              <a:rPr lang="ru-RU" dirty="0"/>
+              <a:t> и т.п.) — команда </a:t>
+            </a:r>
+            <a:r>
+              <a:rPr lang="en-US" dirty="0"/>
+              <a:t>PO</a:t>
+            </a:r>
+          </a:p>
+          <a:p>
+            <a:pPr lvl="1"/>
+            <a:r>
+              <a:rPr lang="ru-RU" dirty="0"/>
+              <a:t>Это позволяет избежать проблемы множественности заказчиков</a:t>
+            </a:r>
+            <a:endParaRPr lang="en-US" dirty="0"/>
+          </a:p>
+          <a:p>
+            <a:r>
+              <a:rPr lang="ru-RU" dirty="0"/>
+              <a:t>Управляет ожиданиями заказчиков и всех заинтересованных лиц. Владелец продукта должен чётко понимать, какие фичи должны быть сделаны и каковы их приоритеты</a:t>
+            </a:r>
+            <a:endParaRPr lang="en-US" dirty="0"/>
+          </a:p>
+          <a:p>
+            <a:r>
+              <a:rPr lang="ru-RU" dirty="0"/>
+              <a:t>Ставит задачи всей команде, но он не вправе ставить задачи конкретному члену команды</a:t>
+            </a:r>
+          </a:p>
+          <a:p>
+            <a:r>
+              <a:rPr lang="ru-RU" dirty="0"/>
+              <a:t>Несет ответственность за максимизацию ценности продукта, получаемого в результате работы </a:t>
+            </a:r>
+            <a:r>
+              <a:rPr lang="en" dirty="0"/>
+              <a:t>Scrum Team</a:t>
+            </a:r>
+            <a:endParaRPr lang="en-US" dirty="0"/>
+          </a:p>
+          <a:p>
+            <a:endParaRPr lang="ru-RU" dirty="0"/>
+          </a:p>
+          <a:p>
+            <a:endParaRPr lang="ru-RU" dirty="0"/>
+          </a:p>
+        </p:txBody>
+      </p:sp>
+    </p:spTree>
+    <p:extLst>
+      <p:ext uri="{BB962C8B-B14F-4D97-AF65-F5344CB8AC3E}">
+        <p14:creationId xmlns:p14="http://schemas.microsoft.com/office/powerpoint/2010/main" val="698616256"/>
+      </p:ext>
+    </p:extLst>
+  </p:cSld>
+  <p:clrMapOvr>
+    <a:masterClrMapping/>
+  </p:clrMapOvr>
+</p:sld>
+</file>
+
+<file path=ppt/slides/slide15.xml><?xml version="1.0" encoding="utf-8"?>
+<p:sld xmlns:a="http://schemas.openxmlformats.org/drawingml/2006/main" xmlns:r="http://schemas.openxmlformats.org/officeDocument/2006/relationships" xmlns:p="http://schemas.openxmlformats.org/presentationml/2006/main">
+  <p:cSld>
+    <p:spTree>
+      <p:nvGrpSpPr>
+        <p:cNvPr id="1" name=""/>
+        <p:cNvGrpSpPr/>
+        <p:nvPr/>
+      </p:nvGrpSpPr>
+      <p:grpSpPr>
+        <a:xfrm>
+          <a:off x="0" y="0"/>
+          <a:ext cx="0" cy="0"/>
+          <a:chOff x="0" y="0"/>
+          <a:chExt cx="0" cy="0"/>
+        </a:xfrm>
+      </p:grpSpPr>
+      <p:sp>
+        <p:nvSpPr>
+          <p:cNvPr id="2" name="Заголовок 1">
+            <a:extLst>
+              <a:ext uri="{FF2B5EF4-FFF2-40B4-BE49-F238E27FC236}">
+                <a16:creationId xmlns:a16="http://schemas.microsoft.com/office/drawing/2014/main" id="{E4EC42DA-D3E3-AE45-A063-9F402F390073}"/>
+              </a:ext>
+            </a:extLst>
+          </p:cNvPr>
+          <p:cNvSpPr>
+            <a:spLocks noGrp="1"/>
+          </p:cNvSpPr>
+          <p:nvPr>
+            <p:ph type="title"/>
+          </p:nvPr>
+        </p:nvSpPr>
+        <p:spPr>
+          <a:xfrm>
+            <a:off x="753140" y="418287"/>
+            <a:ext cx="10515600" cy="549275"/>
+          </a:xfrm>
+        </p:spPr>
+        <p:txBody>
+          <a:bodyPr>
+            <a:normAutofit fontScale="90000"/>
+          </a:bodyPr>
+          <a:lstStyle/>
+          <a:p>
+            <a:r>
+              <a:rPr lang="ru-RU" dirty="0"/>
+              <a:t>Владелец продукта (</a:t>
+            </a:r>
+            <a:r>
+              <a:rPr lang="en" dirty="0"/>
+              <a:t>Product Owner)</a:t>
+            </a:r>
+            <a:endParaRPr lang="ru-RU" dirty="0"/>
+          </a:p>
+        </p:txBody>
+      </p:sp>
+      <p:sp>
+        <p:nvSpPr>
+          <p:cNvPr id="3" name="Объект 2">
+            <a:extLst>
+              <a:ext uri="{FF2B5EF4-FFF2-40B4-BE49-F238E27FC236}">
+                <a16:creationId xmlns:a16="http://schemas.microsoft.com/office/drawing/2014/main" id="{262C13D5-08C9-3941-BBC2-13D5F83C174D}"/>
+              </a:ext>
+            </a:extLst>
+          </p:cNvPr>
+          <p:cNvSpPr>
+            <a:spLocks noGrp="1"/>
+          </p:cNvSpPr>
+          <p:nvPr>
+            <p:ph idx="1"/>
+          </p:nvPr>
+        </p:nvSpPr>
+        <p:spPr>
+          <a:xfrm>
+            <a:off x="753140" y="1253331"/>
+            <a:ext cx="10515600" cy="4351338"/>
+          </a:xfrm>
+        </p:spPr>
+        <p:txBody>
+          <a:bodyPr>
+            <a:normAutofit fontScale="92500" lnSpcReduction="10000"/>
+          </a:bodyPr>
+          <a:lstStyle/>
+          <a:p>
+            <a:pPr marL="0" indent="0">
+              <a:buNone/>
+            </a:pPr>
+            <a:r>
+              <a:rPr lang="ru-RU" dirty="0"/>
+              <a:t>Владелец продукта:</a:t>
+            </a:r>
+          </a:p>
+          <a:p>
+            <a:r>
+              <a:rPr lang="ru-RU" dirty="0"/>
+              <a:t>Отвечает за формирование концепции продукта (</a:t>
+            </a:r>
+            <a:r>
+              <a:rPr lang="en" dirty="0"/>
+              <a:t>Product Vision)</a:t>
+            </a:r>
+            <a:endParaRPr lang="ru-RU" dirty="0"/>
+          </a:p>
+          <a:p>
+            <a:r>
+              <a:rPr lang="ru-RU" dirty="0"/>
+              <a:t>Работает с заинтересованными лицами (</a:t>
+            </a:r>
+            <a:r>
+              <a:rPr lang="ru-RU" dirty="0" err="1"/>
+              <a:t>S</a:t>
+            </a:r>
+            <a:r>
+              <a:rPr lang="en-US" dirty="0"/>
+              <a:t>takeholders</a:t>
+            </a:r>
+            <a:r>
+              <a:rPr lang="ru-RU" dirty="0"/>
+              <a:t>)</a:t>
+            </a:r>
+            <a:endParaRPr lang="en-US" dirty="0"/>
+          </a:p>
+          <a:p>
+            <a:r>
+              <a:rPr lang="ru-RU" dirty="0"/>
+              <a:t>Принимает готовое</a:t>
+            </a:r>
+          </a:p>
+          <a:p>
+            <a:r>
+              <a:rPr lang="ru-RU" dirty="0"/>
+              <a:t>Рассчитывает </a:t>
+            </a:r>
+            <a:r>
+              <a:rPr lang="en" dirty="0"/>
+              <a:t>ROI</a:t>
+            </a:r>
+            <a:r>
+              <a:rPr lang="ru-RU" dirty="0"/>
+              <a:t> (бизнес-эффект)</a:t>
+            </a:r>
+            <a:endParaRPr lang="en" dirty="0"/>
+          </a:p>
+          <a:p>
+            <a:r>
+              <a:rPr lang="ru-RU" dirty="0"/>
+              <a:t>Ведёт </a:t>
+            </a:r>
+            <a:r>
+              <a:rPr lang="ru-RU" dirty="0" err="1"/>
+              <a:t>беклог</a:t>
+            </a:r>
+            <a:r>
+              <a:rPr lang="ru-RU" dirty="0"/>
+              <a:t> продукта (</a:t>
+            </a:r>
+            <a:r>
+              <a:rPr lang="ru-RU" dirty="0" err="1"/>
+              <a:t>P</a:t>
+            </a:r>
+            <a:r>
+              <a:rPr lang="en-US" dirty="0"/>
+              <a:t>roduct backlog</a:t>
+            </a:r>
+            <a:r>
+              <a:rPr lang="ru-RU" dirty="0"/>
+              <a:t>)</a:t>
+            </a:r>
+          </a:p>
+          <a:p>
+            <a:pPr lvl="1"/>
+            <a:r>
+              <a:rPr lang="ru-RU" dirty="0"/>
+              <a:t>Выставляет приоритеты</a:t>
+            </a:r>
+          </a:p>
+          <a:p>
+            <a:r>
+              <a:rPr lang="ru-RU" dirty="0"/>
+              <a:t>Инициатор изменений (может в </a:t>
+            </a:r>
+            <a:r>
+              <a:rPr lang="ru-RU" dirty="0" err="1"/>
+              <a:t>т.ч</a:t>
+            </a:r>
+            <a:r>
+              <a:rPr lang="ru-RU" dirty="0"/>
+              <a:t>. «уволить» команду)</a:t>
+            </a:r>
+          </a:p>
+          <a:p>
+            <a:r>
+              <a:rPr lang="ru-RU" dirty="0"/>
+              <a:t>Постоянно делится информацией</a:t>
+            </a:r>
+          </a:p>
+          <a:p>
+            <a:r>
+              <a:rPr lang="ru-RU" dirty="0"/>
+              <a:t>Обеспечивает ресурсами</a:t>
+            </a:r>
+          </a:p>
+          <a:p>
+            <a:endParaRPr lang="ru-RU" dirty="0"/>
+          </a:p>
+        </p:txBody>
+      </p:sp>
+    </p:spTree>
+    <p:extLst>
+      <p:ext uri="{BB962C8B-B14F-4D97-AF65-F5344CB8AC3E}">
+        <p14:creationId xmlns:p14="http://schemas.microsoft.com/office/powerpoint/2010/main" val="4123301812"/>
+      </p:ext>
+    </p:extLst>
+  </p:cSld>
+  <p:clrMapOvr>
+    <a:masterClrMapping/>
+  </p:clrMapOvr>
+</p:sld>
+</file>
+
+<file path=ppt/slides/slide16.xml><?xml version="1.0" encoding="utf-8"?>
+<p:sld xmlns:a="http://schemas.openxmlformats.org/drawingml/2006/main" xmlns:r="http://schemas.openxmlformats.org/officeDocument/2006/relationships" xmlns:p="http://schemas.openxmlformats.org/presentationml/2006/main">
+  <p:cSld>
+    <p:spTree>
+      <p:nvGrpSpPr>
+        <p:cNvPr id="1" name=""/>
+        <p:cNvGrpSpPr/>
+        <p:nvPr/>
+      </p:nvGrpSpPr>
+      <p:grpSpPr>
+        <a:xfrm>
+          <a:off x="0" y="0"/>
+          <a:ext cx="0" cy="0"/>
+          <a:chOff x="0" y="0"/>
+          <a:chExt cx="0" cy="0"/>
+        </a:xfrm>
+      </p:grpSpPr>
+      <p:sp>
+        <p:nvSpPr>
+          <p:cNvPr id="2" name="Заголовок 1">
+            <a:extLst>
+              <a:ext uri="{FF2B5EF4-FFF2-40B4-BE49-F238E27FC236}">
+                <a16:creationId xmlns:a16="http://schemas.microsoft.com/office/drawing/2014/main" id="{821ECC3E-50FB-2F43-94F4-FE8869AE052D}"/>
+              </a:ext>
+            </a:extLst>
+          </p:cNvPr>
+          <p:cNvSpPr>
+            <a:spLocks noGrp="1"/>
+          </p:cNvSpPr>
+          <p:nvPr>
+            <p:ph type="title"/>
+          </p:nvPr>
+        </p:nvSpPr>
+        <p:spPr>
+          <a:xfrm>
+            <a:off x="520995" y="365126"/>
+            <a:ext cx="10515600" cy="644968"/>
+          </a:xfrm>
+        </p:spPr>
+        <p:txBody>
+          <a:bodyPr>
+            <a:normAutofit fontScale="90000"/>
+          </a:bodyPr>
+          <a:lstStyle/>
+          <a:p>
+            <a:r>
+              <a:rPr lang="ru-RU" dirty="0" err="1"/>
+              <a:t>Скрам</a:t>
+            </a:r>
+            <a:r>
+              <a:rPr lang="ru-RU" dirty="0"/>
+              <a:t>-мастер (</a:t>
+            </a:r>
+            <a:r>
+              <a:rPr lang="en" dirty="0"/>
+              <a:t>Scrum Master)</a:t>
+            </a:r>
+            <a:endParaRPr lang="ru-RU" dirty="0"/>
+          </a:p>
+        </p:txBody>
+      </p:sp>
+      <p:sp>
+        <p:nvSpPr>
+          <p:cNvPr id="3" name="Объект 2">
+            <a:extLst>
+              <a:ext uri="{FF2B5EF4-FFF2-40B4-BE49-F238E27FC236}">
+                <a16:creationId xmlns:a16="http://schemas.microsoft.com/office/drawing/2014/main" id="{FF13BB29-A125-BD46-84B7-CE11E4A8D8DF}"/>
+              </a:ext>
+            </a:extLst>
+          </p:cNvPr>
+          <p:cNvSpPr>
+            <a:spLocks noGrp="1"/>
+          </p:cNvSpPr>
+          <p:nvPr>
+            <p:ph idx="1"/>
+          </p:nvPr>
+        </p:nvSpPr>
+        <p:spPr>
+          <a:xfrm>
+            <a:off x="520995" y="1010094"/>
+            <a:ext cx="10832805" cy="5482780"/>
+          </a:xfrm>
+        </p:spPr>
+        <p:txBody>
+          <a:bodyPr>
+            <a:normAutofit fontScale="85000" lnSpcReduction="20000"/>
+          </a:bodyPr>
+          <a:lstStyle/>
+          <a:p>
+            <a:r>
+              <a:rPr lang="ru-RU" dirty="0" err="1"/>
+              <a:t>S</a:t>
+            </a:r>
+            <a:r>
+              <a:rPr lang="en-US" dirty="0"/>
+              <a:t>M</a:t>
+            </a:r>
+            <a:r>
+              <a:rPr lang="ru-RU" dirty="0"/>
+              <a:t> — один из</a:t>
+            </a:r>
+            <a:r>
+              <a:rPr lang="en-US" dirty="0"/>
+              <a:t> </a:t>
+            </a:r>
+            <a:r>
+              <a:rPr lang="ru-RU" dirty="0"/>
+              <a:t>членов команды</a:t>
+            </a:r>
+          </a:p>
+          <a:p>
+            <a:pPr lvl="1"/>
+            <a:r>
+              <a:rPr lang="ru-RU" dirty="0"/>
+              <a:t>он может быть разработчиком, </a:t>
+            </a:r>
+            <a:r>
+              <a:rPr lang="ru-RU" dirty="0" err="1"/>
+              <a:t>тестировщиком</a:t>
+            </a:r>
+            <a:r>
+              <a:rPr lang="ru-RU" dirty="0"/>
+              <a:t>, аналитиком и т.д.</a:t>
+            </a:r>
+          </a:p>
+          <a:p>
+            <a:r>
+              <a:rPr lang="ru-RU" dirty="0"/>
+              <a:t>Основная его задача — помочь команде стать самоуправляемой и самоорганизующейся</a:t>
+            </a:r>
+            <a:endParaRPr lang="en-US" dirty="0"/>
+          </a:p>
+          <a:p>
+            <a:r>
+              <a:rPr lang="ru-RU" dirty="0"/>
+              <a:t>Следит за тем, чтобы команда выполняла принятые ей решения</a:t>
+            </a:r>
+            <a:r>
+              <a:rPr lang="en-US" dirty="0"/>
+              <a:t> </a:t>
+            </a:r>
+            <a:r>
+              <a:rPr lang="ru-RU" dirty="0"/>
+              <a:t>и за соблюдением практик</a:t>
+            </a:r>
+          </a:p>
+          <a:p>
+            <a:r>
+              <a:rPr lang="ru-RU" dirty="0"/>
+              <a:t>Отвечает за решение проблем, обнаруженных командой и находящейся вне её компетенции</a:t>
+            </a:r>
+          </a:p>
+          <a:p>
+            <a:pPr lvl="1"/>
+            <a:r>
+              <a:rPr lang="ru-RU" dirty="0"/>
+              <a:t>например, если команде нужен новый сервер, то именно </a:t>
+            </a:r>
+            <a:r>
+              <a:rPr lang="ru-RU" dirty="0" err="1"/>
+              <a:t>скрам</a:t>
+            </a:r>
+            <a:r>
+              <a:rPr lang="ru-RU" dirty="0"/>
+              <a:t>-мастер вступит в бой с бюрократическими силами компании.</a:t>
+            </a:r>
+          </a:p>
+          <a:p>
+            <a:r>
+              <a:rPr lang="en-US" dirty="0"/>
+              <a:t>SM</a:t>
+            </a:r>
+            <a:r>
+              <a:rPr lang="ru-RU" dirty="0"/>
+              <a:t> не раздаёт задачи членам команды!</a:t>
+            </a:r>
+          </a:p>
+          <a:p>
+            <a:r>
+              <a:rPr lang="ru-RU" dirty="0"/>
+              <a:t>Проводит командные митинги: стендап (дейли-митинг), планирование спринта, демонстрацию и ретроспективу</a:t>
+            </a:r>
+          </a:p>
+          <a:p>
+            <a:r>
+              <a:rPr lang="ru-RU" dirty="0"/>
+              <a:t>следит за климатом внутри команды и старается создать атмосферу доверия</a:t>
+            </a:r>
+          </a:p>
+          <a:p>
+            <a:r>
+              <a:rPr lang="ru-RU" dirty="0"/>
+              <a:t>постепенно роль скрам-мастера уменьшается</a:t>
+            </a:r>
+          </a:p>
+          <a:p>
+            <a:r>
+              <a:rPr lang="ru-RU" dirty="0"/>
+              <a:t>убеждается в том, что все события </a:t>
+            </a:r>
+            <a:r>
+              <a:rPr lang="en" dirty="0"/>
+              <a:t>Scrum </a:t>
+            </a:r>
+            <a:r>
+              <a:rPr lang="ru-RU" dirty="0"/>
+              <a:t>происходят, позитивны, продуктивны и не выходят за рамки ограничений по времени.</a:t>
+            </a:r>
+            <a:endParaRPr lang="en-US" dirty="0"/>
+          </a:p>
+          <a:p>
+            <a:endParaRPr lang="en-US" dirty="0"/>
+          </a:p>
+          <a:p>
+            <a:endParaRPr lang="ru-RU" dirty="0"/>
+          </a:p>
+          <a:p>
+            <a:endParaRPr lang="ru-RU" dirty="0"/>
+          </a:p>
+        </p:txBody>
+      </p:sp>
+    </p:spTree>
+    <p:extLst>
+      <p:ext uri="{BB962C8B-B14F-4D97-AF65-F5344CB8AC3E}">
+        <p14:creationId xmlns:p14="http://schemas.microsoft.com/office/powerpoint/2010/main" val="80498796"/>
+      </p:ext>
+    </p:extLst>
+  </p:cSld>
+  <p:clrMapOvr>
+    <a:masterClrMapping/>
+  </p:clrMapOvr>
+</p:sld>
+</file>
+
+<file path=ppt/slides/slide17.xml><?xml version="1.0" encoding="utf-8"?>
+<p:sld xmlns:a="http://schemas.openxmlformats.org/drawingml/2006/main" xmlns:r="http://schemas.openxmlformats.org/officeDocument/2006/relationships" xmlns:p="http://schemas.openxmlformats.org/presentationml/2006/main">
+  <p:cSld>
+    <p:spTree>
+      <p:nvGrpSpPr>
+        <p:cNvPr id="1" name=""/>
+        <p:cNvGrpSpPr/>
+        <p:nvPr/>
+      </p:nvGrpSpPr>
+      <p:grpSpPr>
+        <a:xfrm>
+          <a:off x="0" y="0"/>
+          <a:ext cx="0" cy="0"/>
+          <a:chOff x="0" y="0"/>
+          <a:chExt cx="0" cy="0"/>
+        </a:xfrm>
+      </p:grpSpPr>
+      <p:sp>
+        <p:nvSpPr>
+          <p:cNvPr id="2" name="Заголовок 1">
+            <a:extLst>
+              <a:ext uri="{FF2B5EF4-FFF2-40B4-BE49-F238E27FC236}">
+                <a16:creationId xmlns:a16="http://schemas.microsoft.com/office/drawing/2014/main" id="{FC171184-6C7A-A946-B8D6-5ABB0C708E65}"/>
+              </a:ext>
+            </a:extLst>
+          </p:cNvPr>
+          <p:cNvSpPr>
+            <a:spLocks noGrp="1"/>
+          </p:cNvSpPr>
+          <p:nvPr>
+            <p:ph type="title"/>
+          </p:nvPr>
+        </p:nvSpPr>
+        <p:spPr>
+          <a:xfrm>
+            <a:off x="838200" y="322594"/>
+            <a:ext cx="10515600" cy="613070"/>
+          </a:xfrm>
+        </p:spPr>
+        <p:txBody>
+          <a:bodyPr>
+            <a:normAutofit fontScale="90000"/>
+          </a:bodyPr>
+          <a:lstStyle/>
+          <a:p>
+            <a:r>
+              <a:rPr lang="ru-RU" dirty="0"/>
+              <a:t>Скрам-мастер (</a:t>
+            </a:r>
+            <a:r>
+              <a:rPr lang="en" dirty="0"/>
+              <a:t>Scrum Master)</a:t>
+            </a:r>
+            <a:endParaRPr lang="ru-RU" dirty="0"/>
+          </a:p>
+        </p:txBody>
+      </p:sp>
+      <p:sp>
+        <p:nvSpPr>
+          <p:cNvPr id="3" name="Объект 2">
+            <a:extLst>
+              <a:ext uri="{FF2B5EF4-FFF2-40B4-BE49-F238E27FC236}">
+                <a16:creationId xmlns:a16="http://schemas.microsoft.com/office/drawing/2014/main" id="{94984B3D-5A13-A94A-856D-2975D80A2417}"/>
+              </a:ext>
+            </a:extLst>
+          </p:cNvPr>
+          <p:cNvSpPr>
+            <a:spLocks noGrp="1"/>
+          </p:cNvSpPr>
+          <p:nvPr>
+            <p:ph idx="1"/>
+          </p:nvPr>
+        </p:nvSpPr>
+        <p:spPr>
+          <a:xfrm>
+            <a:off x="838200" y="1116419"/>
+            <a:ext cx="10515600" cy="5060544"/>
+          </a:xfrm>
+        </p:spPr>
+        <p:txBody>
+          <a:bodyPr/>
+          <a:lstStyle/>
+          <a:p>
+            <a:r>
+              <a:rPr lang="ru-RU" dirty="0"/>
+              <a:t>Помогает внедрять скрам</a:t>
+            </a:r>
+          </a:p>
+          <a:p>
+            <a:r>
+              <a:rPr lang="ru-RU" dirty="0"/>
+              <a:t>Отвечает за процесс (как)</a:t>
+            </a:r>
+          </a:p>
+          <a:p>
+            <a:r>
+              <a:rPr lang="ru-RU" dirty="0"/>
+              <a:t>Учитель</a:t>
+            </a:r>
+          </a:p>
+          <a:p>
+            <a:r>
+              <a:rPr lang="ru-RU" dirty="0"/>
+              <a:t>Наставник </a:t>
+            </a:r>
+            <a:r>
+              <a:rPr lang="en-US" dirty="0"/>
+              <a:t>/ </a:t>
+            </a:r>
+            <a:r>
+              <a:rPr lang="ru-RU" dirty="0" err="1"/>
+              <a:t>коуч</a:t>
+            </a:r>
+            <a:endParaRPr lang="ru-RU" dirty="0"/>
+          </a:p>
+          <a:p>
+            <a:r>
+              <a:rPr lang="ru-RU" dirty="0"/>
+              <a:t>Модератор (на всех встречах)</a:t>
+            </a:r>
+          </a:p>
+          <a:p>
+            <a:r>
+              <a:rPr lang="ru-RU" dirty="0"/>
+              <a:t>Сторожевой пёс (бдит соблюдение процессов)</a:t>
+            </a:r>
+          </a:p>
+          <a:p>
+            <a:r>
+              <a:rPr lang="ru-RU" dirty="0"/>
+              <a:t>Защитник (команды)</a:t>
+            </a:r>
+          </a:p>
+          <a:p>
+            <a:r>
+              <a:rPr lang="ru-RU" dirty="0"/>
+              <a:t>Устраняет помехи (для команды)</a:t>
+            </a:r>
+          </a:p>
+        </p:txBody>
+      </p:sp>
+    </p:spTree>
+    <p:extLst>
+      <p:ext uri="{BB962C8B-B14F-4D97-AF65-F5344CB8AC3E}">
+        <p14:creationId xmlns:p14="http://schemas.microsoft.com/office/powerpoint/2010/main" val="1510456180"/>
+      </p:ext>
+    </p:extLst>
+  </p:cSld>
+  <p:clrMapOvr>
+    <a:masterClrMapping/>
+  </p:clrMapOvr>
+</p:sld>
+</file>
+
+<file path=ppt/slides/slide18.xml><?xml version="1.0" encoding="utf-8"?>
+<p:sld xmlns:a="http://schemas.openxmlformats.org/drawingml/2006/main" xmlns:r="http://schemas.openxmlformats.org/officeDocument/2006/relationships" xmlns:p="http://schemas.openxmlformats.org/presentationml/2006/main">
+  <p:cSld>
+    <p:spTree>
+      <p:nvGrpSpPr>
+        <p:cNvPr id="1" name=""/>
+        <p:cNvGrpSpPr/>
+        <p:nvPr/>
+      </p:nvGrpSpPr>
+      <p:grpSpPr>
+        <a:xfrm>
+          <a:off x="0" y="0"/>
+          <a:ext cx="0" cy="0"/>
+          <a:chOff x="0" y="0"/>
+          <a:chExt cx="0" cy="0"/>
+        </a:xfrm>
+      </p:grpSpPr>
+      <p:sp>
+        <p:nvSpPr>
+          <p:cNvPr id="2" name="Заголовок 1">
+            <a:extLst>
+              <a:ext uri="{FF2B5EF4-FFF2-40B4-BE49-F238E27FC236}">
+                <a16:creationId xmlns:a16="http://schemas.microsoft.com/office/drawing/2014/main" id="{903479E4-7C6C-8B4D-A2A2-8022C8FF2AE7}"/>
+              </a:ext>
+            </a:extLst>
+          </p:cNvPr>
+          <p:cNvSpPr>
+            <a:spLocks noGrp="1"/>
+          </p:cNvSpPr>
+          <p:nvPr>
+            <p:ph type="title"/>
+          </p:nvPr>
+        </p:nvSpPr>
+        <p:spPr/>
+        <p:txBody>
+          <a:bodyPr/>
+          <a:lstStyle/>
+          <a:p>
+            <a:r>
+              <a:rPr lang="ru-RU" dirty="0"/>
+              <a:t>События </a:t>
+            </a:r>
+            <a:r>
+              <a:rPr lang="en" dirty="0"/>
+              <a:t>Scrum</a:t>
+            </a:r>
+            <a:endParaRPr lang="ru-RU" dirty="0"/>
+          </a:p>
+        </p:txBody>
+      </p:sp>
+      <p:sp>
+        <p:nvSpPr>
+          <p:cNvPr id="3" name="Объект 2">
+            <a:extLst>
+              <a:ext uri="{FF2B5EF4-FFF2-40B4-BE49-F238E27FC236}">
+                <a16:creationId xmlns:a16="http://schemas.microsoft.com/office/drawing/2014/main" id="{345A5E40-953E-0B4F-B568-7EEFF4D36302}"/>
+              </a:ext>
+            </a:extLst>
+          </p:cNvPr>
+          <p:cNvSpPr>
+            <a:spLocks noGrp="1"/>
+          </p:cNvSpPr>
+          <p:nvPr>
+            <p:ph idx="1"/>
+          </p:nvPr>
+        </p:nvSpPr>
+        <p:spPr>
+          <a:xfrm>
+            <a:off x="838200" y="1605516"/>
+            <a:ext cx="10515600" cy="4571447"/>
+          </a:xfrm>
+        </p:spPr>
+        <p:txBody>
+          <a:bodyPr/>
+          <a:lstStyle/>
+          <a:p>
+            <a:pPr marL="0" indent="0">
+              <a:buNone/>
+            </a:pPr>
+            <a:r>
+              <a:rPr lang="ru-RU" dirty="0"/>
+              <a:t>Разработка ведётся итерациями (спринтами).</a:t>
+            </a:r>
+          </a:p>
+          <a:p>
+            <a:pPr marL="0" indent="0">
+              <a:buNone/>
+            </a:pPr>
+            <a:endParaRPr lang="ru-RU" dirty="0"/>
+          </a:p>
+          <a:p>
+            <a:pPr marL="0" indent="0">
+              <a:buNone/>
+            </a:pPr>
+            <a:r>
+              <a:rPr lang="en" dirty="0"/>
+              <a:t>Sprint — </a:t>
+            </a:r>
+            <a:r>
+              <a:rPr lang="ru-RU" dirty="0"/>
+              <a:t>это контейнер для всех остальных событий:</a:t>
+            </a:r>
+          </a:p>
+          <a:p>
+            <a:r>
+              <a:rPr lang="ru-RU" dirty="0"/>
+              <a:t>Вначале спринта: </a:t>
+            </a:r>
+            <a:r>
+              <a:rPr lang="ru-RU" b="1" dirty="0"/>
+              <a:t>Планирование спринта </a:t>
+            </a:r>
+            <a:r>
+              <a:rPr lang="ru-RU" dirty="0"/>
+              <a:t>(</a:t>
+            </a:r>
+            <a:r>
+              <a:rPr lang="en" dirty="0"/>
+              <a:t>Sprint Planning</a:t>
+            </a:r>
+            <a:r>
+              <a:rPr lang="ru-RU" dirty="0"/>
+              <a:t>)</a:t>
+            </a:r>
+          </a:p>
+          <a:p>
+            <a:r>
+              <a:rPr lang="ru-RU" dirty="0"/>
+              <a:t>Ежедневно: Стендап </a:t>
+            </a:r>
+            <a:r>
+              <a:rPr lang="en-US" dirty="0"/>
+              <a:t>/ </a:t>
+            </a:r>
+            <a:r>
+              <a:rPr lang="ru-RU" b="1" dirty="0"/>
+              <a:t>Дейли</a:t>
+            </a:r>
+            <a:r>
+              <a:rPr lang="ru-RU" dirty="0"/>
+              <a:t> (</a:t>
+            </a:r>
+            <a:r>
+              <a:rPr lang="en-US" dirty="0"/>
+              <a:t>Standup, Daily meeting, Daily scrum</a:t>
+            </a:r>
+            <a:r>
+              <a:rPr lang="ru-RU" dirty="0"/>
+              <a:t>)</a:t>
+            </a:r>
+            <a:endParaRPr lang="en-US" dirty="0"/>
+          </a:p>
+          <a:p>
+            <a:r>
+              <a:rPr lang="ru-RU" dirty="0"/>
+              <a:t>В конце спринта: </a:t>
+            </a:r>
+            <a:r>
+              <a:rPr lang="ru-RU" b="1" dirty="0" err="1"/>
+              <a:t>Демо</a:t>
+            </a:r>
+            <a:r>
+              <a:rPr lang="ru-RU" dirty="0"/>
+              <a:t> </a:t>
+            </a:r>
+            <a:r>
+              <a:rPr lang="en-US" dirty="0"/>
+              <a:t>/ </a:t>
+            </a:r>
+            <a:r>
+              <a:rPr lang="en-US" dirty="0" err="1"/>
+              <a:t>Р</a:t>
+            </a:r>
+            <a:r>
+              <a:rPr lang="ru-RU" dirty="0" err="1"/>
+              <a:t>евью</a:t>
+            </a:r>
+            <a:r>
+              <a:rPr lang="ru-RU" dirty="0"/>
+              <a:t> спринта (</a:t>
+            </a:r>
+            <a:r>
+              <a:rPr lang="en-US" dirty="0"/>
+              <a:t>Demo, </a:t>
+            </a:r>
+            <a:r>
+              <a:rPr lang="en" dirty="0"/>
+              <a:t>Sprint Review</a:t>
+            </a:r>
+            <a:r>
+              <a:rPr lang="ru-RU" dirty="0"/>
+              <a:t>)</a:t>
+            </a:r>
+          </a:p>
+          <a:p>
+            <a:r>
+              <a:rPr lang="ru-RU" dirty="0"/>
+              <a:t>В конце спринта: </a:t>
+            </a:r>
+            <a:r>
+              <a:rPr lang="ru-RU" b="1" dirty="0"/>
+              <a:t>Ретроспектива</a:t>
+            </a:r>
+            <a:r>
+              <a:rPr lang="ru-RU" dirty="0"/>
+              <a:t> (</a:t>
+            </a:r>
+            <a:r>
+              <a:rPr lang="en" dirty="0"/>
+              <a:t>Sprint Retrospective</a:t>
+            </a:r>
+            <a:r>
+              <a:rPr lang="ru-RU" dirty="0"/>
+              <a:t>)</a:t>
+            </a:r>
+            <a:endParaRPr lang="en-US" dirty="0"/>
+          </a:p>
+          <a:p>
+            <a:endParaRPr lang="ru-RU" dirty="0"/>
+          </a:p>
+          <a:p>
+            <a:pPr marL="0" indent="0">
+              <a:buNone/>
+            </a:pPr>
+            <a:endParaRPr lang="ru-RU" dirty="0"/>
+          </a:p>
+        </p:txBody>
+      </p:sp>
+    </p:spTree>
+    <p:extLst>
+      <p:ext uri="{BB962C8B-B14F-4D97-AF65-F5344CB8AC3E}">
+        <p14:creationId xmlns:p14="http://schemas.microsoft.com/office/powerpoint/2010/main" val="1400734333"/>
+      </p:ext>
+    </p:extLst>
+  </p:cSld>
+  <p:clrMapOvr>
+    <a:masterClrMapping/>
+  </p:clrMapOvr>
+</p:sld>
+</file>
+
+<file path=ppt/slides/slide19.xml><?xml version="1.0" encoding="utf-8"?>
+<p:sld xmlns:a="http://schemas.openxmlformats.org/drawingml/2006/main" xmlns:r="http://schemas.openxmlformats.org/officeDocument/2006/relationships" xmlns:p="http://schemas.openxmlformats.org/presentationml/2006/main">
+  <p:cSld>
+    <p:spTree>
+      <p:nvGrpSpPr>
+        <p:cNvPr id="1" name=""/>
+        <p:cNvGrpSpPr/>
+        <p:nvPr/>
+      </p:nvGrpSpPr>
+      <p:grpSpPr>
+        <a:xfrm>
+          <a:off x="0" y="0"/>
+          <a:ext cx="0" cy="0"/>
+          <a:chOff x="0" y="0"/>
+          <a:chExt cx="0" cy="0"/>
+        </a:xfrm>
+      </p:grpSpPr>
+      <p:sp>
+        <p:nvSpPr>
+          <p:cNvPr id="2" name="Заголовок 1">
+            <a:extLst>
+              <a:ext uri="{FF2B5EF4-FFF2-40B4-BE49-F238E27FC236}">
+                <a16:creationId xmlns:a16="http://schemas.microsoft.com/office/drawing/2014/main" id="{C262E18E-71D2-1A4E-BAFB-945B37FB0CC4}"/>
+              </a:ext>
+            </a:extLst>
+          </p:cNvPr>
+          <p:cNvSpPr>
+            <a:spLocks noGrp="1"/>
+          </p:cNvSpPr>
+          <p:nvPr>
+            <p:ph type="title"/>
+          </p:nvPr>
+        </p:nvSpPr>
+        <p:spPr>
+          <a:xfrm>
+            <a:off x="838200" y="365126"/>
+            <a:ext cx="10515600" cy="825722"/>
+          </a:xfrm>
+        </p:spPr>
+        <p:txBody>
+          <a:bodyPr/>
+          <a:lstStyle/>
+          <a:p>
+            <a:r>
+              <a:rPr lang="ru-RU" dirty="0"/>
+              <a:t>Итерация / спринт (</a:t>
+            </a:r>
+            <a:r>
+              <a:rPr lang="en" dirty="0"/>
+              <a:t>Sprint)</a:t>
+            </a:r>
+            <a:endParaRPr lang="ru-RU" dirty="0"/>
+          </a:p>
+        </p:txBody>
+      </p:sp>
+      <p:sp>
+        <p:nvSpPr>
+          <p:cNvPr id="3" name="Объект 2">
+            <a:extLst>
+              <a:ext uri="{FF2B5EF4-FFF2-40B4-BE49-F238E27FC236}">
+                <a16:creationId xmlns:a16="http://schemas.microsoft.com/office/drawing/2014/main" id="{1CE50C7F-F137-844D-8D38-276914F8FE99}"/>
+              </a:ext>
+            </a:extLst>
+          </p:cNvPr>
+          <p:cNvSpPr>
+            <a:spLocks noGrp="1"/>
+          </p:cNvSpPr>
+          <p:nvPr>
+            <p:ph idx="1"/>
+          </p:nvPr>
+        </p:nvSpPr>
+        <p:spPr>
+          <a:xfrm>
+            <a:off x="838200" y="1318437"/>
+            <a:ext cx="10515600" cy="4858526"/>
+          </a:xfrm>
+        </p:spPr>
+        <p:txBody>
+          <a:bodyPr>
+            <a:normAutofit lnSpcReduction="10000"/>
+          </a:bodyPr>
+          <a:lstStyle/>
+          <a:p>
+            <a:r>
+              <a:rPr lang="ru-RU" dirty="0"/>
+              <a:t>В конце каждой итерации (спринта) демонстрируется полностью доделанная за итерацию функциональность (</a:t>
+            </a:r>
+            <a:r>
+              <a:rPr lang="en-US" dirty="0"/>
+              <a:t>product increment</a:t>
+            </a:r>
+            <a:r>
+              <a:rPr lang="ru-RU" dirty="0"/>
+              <a:t>).</a:t>
+            </a:r>
+          </a:p>
+          <a:p>
+            <a:r>
+              <a:rPr lang="ru-RU" dirty="0"/>
+              <a:t>Длина итерации — от 1 до 4 недель. Типичная длина итерации — 2 недели.</a:t>
+            </a:r>
+            <a:endParaRPr lang="en-US" dirty="0"/>
+          </a:p>
+          <a:p>
+            <a:pPr lvl="1"/>
+            <a:r>
+              <a:rPr lang="ru-RU" dirty="0"/>
+              <a:t>Длина итерации должна быть достаточно длинной, чтобы позволять выпустить инкремент продукта</a:t>
+            </a:r>
+            <a:endParaRPr lang="en-US" dirty="0"/>
+          </a:p>
+          <a:p>
+            <a:r>
+              <a:rPr lang="ru-RU" dirty="0"/>
+              <a:t>В течение одной итерации команда общается с заказчиками, анализирует, пробует, разрабатывает и тестирует код</a:t>
+            </a:r>
+          </a:p>
+          <a:p>
+            <a:r>
+              <a:rPr lang="ru-RU" dirty="0"/>
+              <a:t>Заказчики смотрят на результаты работы. Все предложения по улучшению планируются на последующие итерации. Внутри итерации заказчики стараются воздерживаться от изменения требований.</a:t>
+            </a:r>
+            <a:endParaRPr lang="en-US" dirty="0"/>
+          </a:p>
+          <a:p>
+            <a:endParaRPr lang="ru-RU" dirty="0"/>
+          </a:p>
+        </p:txBody>
+      </p:sp>
+    </p:spTree>
+    <p:extLst>
+      <p:ext uri="{BB962C8B-B14F-4D97-AF65-F5344CB8AC3E}">
+        <p14:creationId xmlns:p14="http://schemas.microsoft.com/office/powerpoint/2010/main" val="3475193894"/>
       </p:ext>
     </p:extLst>
   </p:cSld>
@@ -4619,6 +5951,1370 @@
     <p:extLst>
       <p:ext uri="{BB962C8B-B14F-4D97-AF65-F5344CB8AC3E}">
         <p14:creationId xmlns:p14="http://schemas.microsoft.com/office/powerpoint/2010/main" val="382938342"/>
+      </p:ext>
+    </p:extLst>
+  </p:cSld>
+  <p:clrMapOvr>
+    <a:masterClrMapping/>
+  </p:clrMapOvr>
+</p:sld>
+</file>
+
+<file path=ppt/slides/slide20.xml><?xml version="1.0" encoding="utf-8"?>
+<p:sld xmlns:a="http://schemas.openxmlformats.org/drawingml/2006/main" xmlns:r="http://schemas.openxmlformats.org/officeDocument/2006/relationships" xmlns:p="http://schemas.openxmlformats.org/presentationml/2006/main">
+  <p:cSld>
+    <p:spTree>
+      <p:nvGrpSpPr>
+        <p:cNvPr id="1" name=""/>
+        <p:cNvGrpSpPr/>
+        <p:nvPr/>
+      </p:nvGrpSpPr>
+      <p:grpSpPr>
+        <a:xfrm>
+          <a:off x="0" y="0"/>
+          <a:ext cx="0" cy="0"/>
+          <a:chOff x="0" y="0"/>
+          <a:chExt cx="0" cy="0"/>
+        </a:xfrm>
+      </p:grpSpPr>
+      <p:sp>
+        <p:nvSpPr>
+          <p:cNvPr id="2" name="Заголовок 1">
+            <a:extLst>
+              <a:ext uri="{FF2B5EF4-FFF2-40B4-BE49-F238E27FC236}">
+                <a16:creationId xmlns:a16="http://schemas.microsoft.com/office/drawing/2014/main" id="{7AF5AA81-10BF-2A4A-B34E-25922616BD34}"/>
+              </a:ext>
+            </a:extLst>
+          </p:cNvPr>
+          <p:cNvSpPr>
+            <a:spLocks noGrp="1"/>
+          </p:cNvSpPr>
+          <p:nvPr>
+            <p:ph type="title"/>
+          </p:nvPr>
+        </p:nvSpPr>
+        <p:spPr>
+          <a:xfrm>
+            <a:off x="838200" y="365125"/>
+            <a:ext cx="10515600" cy="666233"/>
+          </a:xfrm>
+        </p:spPr>
+        <p:txBody>
+          <a:bodyPr>
+            <a:normAutofit fontScale="90000"/>
+          </a:bodyPr>
+          <a:lstStyle/>
+          <a:p>
+            <a:r>
+              <a:rPr lang="ru-RU" dirty="0"/>
+              <a:t>Итерация / спринт (</a:t>
+            </a:r>
+            <a:r>
+              <a:rPr lang="en" dirty="0"/>
+              <a:t>Sprint)</a:t>
+            </a:r>
+            <a:endParaRPr lang="ru-RU" dirty="0"/>
+          </a:p>
+        </p:txBody>
+      </p:sp>
+      <p:sp>
+        <p:nvSpPr>
+          <p:cNvPr id="3" name="Объект 2">
+            <a:extLst>
+              <a:ext uri="{FF2B5EF4-FFF2-40B4-BE49-F238E27FC236}">
+                <a16:creationId xmlns:a16="http://schemas.microsoft.com/office/drawing/2014/main" id="{F6405D1B-5948-6449-97E5-D3122287AABE}"/>
+              </a:ext>
+            </a:extLst>
+          </p:cNvPr>
+          <p:cNvSpPr>
+            <a:spLocks noGrp="1"/>
+          </p:cNvSpPr>
+          <p:nvPr>
+            <p:ph idx="1"/>
+          </p:nvPr>
+        </p:nvSpPr>
+        <p:spPr>
+          <a:xfrm>
+            <a:off x="838200" y="1275907"/>
+            <a:ext cx="10515600" cy="4901056"/>
+          </a:xfrm>
+        </p:spPr>
+        <p:txBody>
+          <a:bodyPr>
+            <a:normAutofit fontScale="85000" lnSpcReduction="20000"/>
+          </a:bodyPr>
+          <a:lstStyle/>
+          <a:p>
+            <a:r>
+              <a:rPr lang="ru-RU" dirty="0"/>
+              <a:t>В конце итерации есть готовый инкремент продукта</a:t>
+            </a:r>
+            <a:r>
+              <a:rPr lang="en-US" dirty="0"/>
+              <a:t> </a:t>
+            </a:r>
+            <a:r>
+              <a:rPr lang="ru-RU" dirty="0"/>
+              <a:t>(</a:t>
+            </a:r>
+            <a:r>
+              <a:rPr lang="en-US" dirty="0"/>
+              <a:t>product increment</a:t>
+            </a:r>
+            <a:r>
+              <a:rPr lang="ru-RU" dirty="0"/>
+              <a:t>).</a:t>
+            </a:r>
+          </a:p>
+          <a:p>
+            <a:r>
+              <a:rPr lang="ru-RU" dirty="0"/>
+              <a:t>Фичи, которые начинаются в эту итерацию, в ней же и доделываются</a:t>
+            </a:r>
+          </a:p>
+          <a:p>
+            <a:pPr lvl="1"/>
+            <a:r>
+              <a:rPr lang="ru-RU" dirty="0"/>
+              <a:t>Разработка фичи включает тестирование и исправление найденных багов</a:t>
+            </a:r>
+          </a:p>
+          <a:p>
+            <a:r>
+              <a:rPr lang="ru-RU" dirty="0"/>
+              <a:t>Команда соблюдает приоритеты фич, установленные </a:t>
+            </a:r>
+            <a:r>
+              <a:rPr lang="en-US" dirty="0"/>
+              <a:t>PO</a:t>
+            </a:r>
+            <a:endParaRPr lang="ru-RU" dirty="0"/>
+          </a:p>
+          <a:p>
+            <a:r>
+              <a:rPr lang="ru-RU" dirty="0"/>
+              <a:t>В большинстве случаев команда делает то, что было запланировано: иногда чуть больше, иногда чуть меньше</a:t>
+            </a:r>
+          </a:p>
+          <a:p>
+            <a:r>
+              <a:rPr lang="ru-RU" dirty="0"/>
+              <a:t>Команда сообщает </a:t>
+            </a:r>
+            <a:r>
+              <a:rPr lang="en-US" dirty="0"/>
+              <a:t>PO</a:t>
+            </a:r>
+            <a:r>
+              <a:rPr lang="ru-RU" dirty="0"/>
+              <a:t>, когда отстаёт от плана итерации</a:t>
+            </a:r>
+          </a:p>
+          <a:p>
+            <a:pPr lvl="1"/>
+            <a:r>
+              <a:rPr lang="ru-RU" dirty="0"/>
+              <a:t>В случае отставания от плана команда предпринимает корректирующие действия</a:t>
+            </a:r>
+          </a:p>
+          <a:p>
+            <a:r>
+              <a:rPr lang="ru-RU" dirty="0"/>
+              <a:t>Для каждой фичи команда знает, каким образом и от кого получить необходимую дополнительную информацию в случае необходимости</a:t>
+            </a:r>
+          </a:p>
+          <a:p>
+            <a:r>
+              <a:rPr lang="ru-RU" dirty="0"/>
+              <a:t>Проблемы обнаруживаются быстро и обсуждаются командой сразу же</a:t>
+            </a:r>
+          </a:p>
+          <a:p>
+            <a:r>
+              <a:rPr lang="ru-RU" dirty="0"/>
+              <a:t>Длина итерации не меняется после каждой итерации</a:t>
+            </a:r>
+          </a:p>
+          <a:p>
+            <a:r>
+              <a:rPr lang="ru-RU" dirty="0"/>
+              <a:t>Вся незапланированная работа учитывается</a:t>
+            </a:r>
+          </a:p>
+          <a:p>
+            <a:r>
+              <a:rPr lang="ru-RU" dirty="0"/>
+              <a:t>Не более одного дня задержки между итерациями</a:t>
+            </a:r>
+          </a:p>
+        </p:txBody>
+      </p:sp>
+    </p:spTree>
+    <p:extLst>
+      <p:ext uri="{BB962C8B-B14F-4D97-AF65-F5344CB8AC3E}">
+        <p14:creationId xmlns:p14="http://schemas.microsoft.com/office/powerpoint/2010/main" val="765927838"/>
+      </p:ext>
+    </p:extLst>
+  </p:cSld>
+  <p:clrMapOvr>
+    <a:masterClrMapping/>
+  </p:clrMapOvr>
+</p:sld>
+</file>
+
+<file path=ppt/slides/slide21.xml><?xml version="1.0" encoding="utf-8"?>
+<p:sld xmlns:a="http://schemas.openxmlformats.org/drawingml/2006/main" xmlns:r="http://schemas.openxmlformats.org/officeDocument/2006/relationships" xmlns:p="http://schemas.openxmlformats.org/presentationml/2006/main">
+  <p:cSld>
+    <p:spTree>
+      <p:nvGrpSpPr>
+        <p:cNvPr id="1" name=""/>
+        <p:cNvGrpSpPr/>
+        <p:nvPr/>
+      </p:nvGrpSpPr>
+      <p:grpSpPr>
+        <a:xfrm>
+          <a:off x="0" y="0"/>
+          <a:ext cx="0" cy="0"/>
+          <a:chOff x="0" y="0"/>
+          <a:chExt cx="0" cy="0"/>
+        </a:xfrm>
+      </p:grpSpPr>
+      <p:sp>
+        <p:nvSpPr>
+          <p:cNvPr id="2" name="Заголовок 1">
+            <a:extLst>
+              <a:ext uri="{FF2B5EF4-FFF2-40B4-BE49-F238E27FC236}">
+                <a16:creationId xmlns:a16="http://schemas.microsoft.com/office/drawing/2014/main" id="{47C1C891-842D-3C4B-BA2B-074ECE70AEBA}"/>
+              </a:ext>
+            </a:extLst>
+          </p:cNvPr>
+          <p:cNvSpPr>
+            <a:spLocks noGrp="1"/>
+          </p:cNvSpPr>
+          <p:nvPr>
+            <p:ph type="title"/>
+          </p:nvPr>
+        </p:nvSpPr>
+        <p:spPr>
+          <a:xfrm>
+            <a:off x="680484" y="365126"/>
+            <a:ext cx="10940902" cy="613070"/>
+          </a:xfrm>
+        </p:spPr>
+        <p:txBody>
+          <a:bodyPr>
+            <a:normAutofit/>
+          </a:bodyPr>
+          <a:lstStyle/>
+          <a:p>
+            <a:r>
+              <a:rPr lang="ru-RU" sz="3600" dirty="0"/>
+              <a:t>Планирование итерации / спринта (</a:t>
+            </a:r>
+            <a:r>
+              <a:rPr lang="en" sz="3600" dirty="0"/>
+              <a:t>sprint planning)</a:t>
+            </a:r>
+            <a:endParaRPr lang="ru-RU" sz="3600" dirty="0"/>
+          </a:p>
+        </p:txBody>
+      </p:sp>
+      <p:sp>
+        <p:nvSpPr>
+          <p:cNvPr id="3" name="Объект 2">
+            <a:extLst>
+              <a:ext uri="{FF2B5EF4-FFF2-40B4-BE49-F238E27FC236}">
+                <a16:creationId xmlns:a16="http://schemas.microsoft.com/office/drawing/2014/main" id="{DC59EDC8-DE2F-6C42-AAB6-15A556361F15}"/>
+              </a:ext>
+            </a:extLst>
+          </p:cNvPr>
+          <p:cNvSpPr>
+            <a:spLocks noGrp="1"/>
+          </p:cNvSpPr>
+          <p:nvPr>
+            <p:ph idx="1"/>
+          </p:nvPr>
+        </p:nvSpPr>
+        <p:spPr>
+          <a:xfrm>
+            <a:off x="838200" y="1169580"/>
+            <a:ext cx="10515600" cy="5231219"/>
+          </a:xfrm>
+        </p:spPr>
+        <p:txBody>
+          <a:bodyPr/>
+          <a:lstStyle/>
+          <a:p>
+            <a:r>
+              <a:rPr lang="ru-RU" dirty="0"/>
+              <a:t>Встреча, на которой команда и </a:t>
+            </a:r>
+            <a:r>
+              <a:rPr lang="en" dirty="0"/>
+              <a:t>PO </a:t>
+            </a:r>
+            <a:r>
+              <a:rPr lang="ru-RU" dirty="0"/>
+              <a:t>планируют итерацию.</a:t>
+            </a:r>
+            <a:endParaRPr lang="en-US" dirty="0"/>
+          </a:p>
+          <a:p>
+            <a:r>
+              <a:rPr lang="en" dirty="0"/>
+              <a:t>PO </a:t>
+            </a:r>
+            <a:r>
+              <a:rPr lang="ru-RU" dirty="0"/>
+              <a:t>ставит цели спринта и представляет фичи (пользовательские истории</a:t>
+            </a:r>
+            <a:r>
+              <a:rPr lang="en-US" dirty="0"/>
+              <a:t>, user stories</a:t>
+            </a:r>
+            <a:r>
+              <a:rPr lang="ru-RU" dirty="0"/>
+              <a:t>)</a:t>
+            </a:r>
+            <a:endParaRPr lang="en-US" dirty="0"/>
+          </a:p>
+          <a:p>
+            <a:r>
+              <a:rPr lang="ru-RU" dirty="0"/>
+              <a:t>Команда декомпозирует фичи на технические задачи и совместно оценивает их.</a:t>
+            </a:r>
+            <a:endParaRPr lang="en-US" dirty="0"/>
+          </a:p>
+          <a:p>
+            <a:r>
+              <a:rPr lang="ru-RU" dirty="0"/>
+              <a:t>Итоговый план </a:t>
+            </a:r>
+            <a:r>
+              <a:rPr lang="ru-RU" dirty="0" err="1"/>
+              <a:t>таймбоксится</a:t>
+            </a:r>
+            <a:r>
+              <a:rPr lang="ru-RU" dirty="0"/>
+              <a:t>, то есть в него включаются только те фичи, которые команда планирует успеть сделать в итерации</a:t>
+            </a:r>
+            <a:endParaRPr lang="en-US" dirty="0"/>
+          </a:p>
+          <a:p>
+            <a:pPr lvl="1"/>
+            <a:r>
+              <a:rPr lang="ru-RU" dirty="0"/>
+              <a:t>Для </a:t>
+            </a:r>
+            <a:r>
+              <a:rPr lang="ru-RU" dirty="0" err="1"/>
+              <a:t>таймбоксинга</a:t>
+            </a:r>
+            <a:r>
+              <a:rPr lang="ru-RU" dirty="0"/>
+              <a:t> спринта используется Скорость (</a:t>
+            </a:r>
+            <a:r>
+              <a:rPr lang="en-US" dirty="0"/>
+              <a:t>Velocity) </a:t>
+            </a:r>
+            <a:r>
+              <a:rPr lang="ru-RU" dirty="0"/>
+              <a:t>команды</a:t>
+            </a:r>
+            <a:endParaRPr lang="en-US" dirty="0"/>
+          </a:p>
+          <a:p>
+            <a:r>
+              <a:rPr lang="ru-RU" dirty="0"/>
+              <a:t>Декомпозиция задачи должна быть достаточно детальной. Для двухнедельной итерации рекомендованная длительность технической задачи – порядка дня (не более двух дней)</a:t>
+            </a:r>
+            <a:endParaRPr lang="en-US" dirty="0"/>
+          </a:p>
+          <a:p>
+            <a:endParaRPr lang="en-US" dirty="0"/>
+          </a:p>
+        </p:txBody>
+      </p:sp>
+    </p:spTree>
+    <p:extLst>
+      <p:ext uri="{BB962C8B-B14F-4D97-AF65-F5344CB8AC3E}">
+        <p14:creationId xmlns:p14="http://schemas.microsoft.com/office/powerpoint/2010/main" val="4115185465"/>
+      </p:ext>
+    </p:extLst>
+  </p:cSld>
+  <p:clrMapOvr>
+    <a:masterClrMapping/>
+  </p:clrMapOvr>
+</p:sld>
+</file>
+
+<file path=ppt/slides/slide22.xml><?xml version="1.0" encoding="utf-8"?>
+<p:sld xmlns:a="http://schemas.openxmlformats.org/drawingml/2006/main" xmlns:r="http://schemas.openxmlformats.org/officeDocument/2006/relationships" xmlns:p="http://schemas.openxmlformats.org/presentationml/2006/main">
+  <p:cSld>
+    <p:spTree>
+      <p:nvGrpSpPr>
+        <p:cNvPr id="1" name=""/>
+        <p:cNvGrpSpPr/>
+        <p:nvPr/>
+      </p:nvGrpSpPr>
+      <p:grpSpPr>
+        <a:xfrm>
+          <a:off x="0" y="0"/>
+          <a:ext cx="0" cy="0"/>
+          <a:chOff x="0" y="0"/>
+          <a:chExt cx="0" cy="0"/>
+        </a:xfrm>
+      </p:grpSpPr>
+      <p:sp>
+        <p:nvSpPr>
+          <p:cNvPr id="2" name="Заголовок 1">
+            <a:extLst>
+              <a:ext uri="{FF2B5EF4-FFF2-40B4-BE49-F238E27FC236}">
+                <a16:creationId xmlns:a16="http://schemas.microsoft.com/office/drawing/2014/main" id="{44CE3D67-1E3E-2149-BCD0-C8C24669F2F2}"/>
+              </a:ext>
+            </a:extLst>
+          </p:cNvPr>
+          <p:cNvSpPr>
+            <a:spLocks noGrp="1"/>
+          </p:cNvSpPr>
+          <p:nvPr>
+            <p:ph type="title"/>
+          </p:nvPr>
+        </p:nvSpPr>
+        <p:spPr>
+          <a:xfrm>
+            <a:off x="838200" y="365126"/>
+            <a:ext cx="10515600" cy="538642"/>
+          </a:xfrm>
+        </p:spPr>
+        <p:txBody>
+          <a:bodyPr>
+            <a:normAutofit fontScale="90000"/>
+          </a:bodyPr>
+          <a:lstStyle/>
+          <a:p>
+            <a:r>
+              <a:rPr lang="ru-RU" dirty="0"/>
+              <a:t>Планирование спринта (</a:t>
+            </a:r>
+            <a:r>
+              <a:rPr lang="en" dirty="0"/>
+              <a:t>sprint planning)</a:t>
+            </a:r>
+            <a:endParaRPr lang="ru-RU" dirty="0"/>
+          </a:p>
+        </p:txBody>
+      </p:sp>
+      <p:sp>
+        <p:nvSpPr>
+          <p:cNvPr id="3" name="Объект 2">
+            <a:extLst>
+              <a:ext uri="{FF2B5EF4-FFF2-40B4-BE49-F238E27FC236}">
+                <a16:creationId xmlns:a16="http://schemas.microsoft.com/office/drawing/2014/main" id="{1B580C34-B0FA-FF46-9595-C076364D27C3}"/>
+              </a:ext>
+            </a:extLst>
+          </p:cNvPr>
+          <p:cNvSpPr>
+            <a:spLocks noGrp="1"/>
+          </p:cNvSpPr>
+          <p:nvPr>
+            <p:ph idx="1"/>
+          </p:nvPr>
+        </p:nvSpPr>
+        <p:spPr>
+          <a:xfrm>
+            <a:off x="838200" y="1360967"/>
+            <a:ext cx="10515600" cy="4815996"/>
+          </a:xfrm>
+        </p:spPr>
+        <p:txBody>
+          <a:bodyPr>
+            <a:normAutofit/>
+          </a:bodyPr>
+          <a:lstStyle/>
+          <a:p>
+            <a:r>
+              <a:rPr lang="en" dirty="0"/>
+              <a:t>PO </a:t>
+            </a:r>
+            <a:r>
+              <a:rPr lang="ru-RU" dirty="0"/>
+              <a:t>и члены команды участвуют все (очень желательно, лично)</a:t>
+            </a:r>
+          </a:p>
+          <a:p>
+            <a:r>
+              <a:rPr lang="ru-RU" dirty="0"/>
+              <a:t>Результат встречи — цель спринта (</a:t>
+            </a:r>
+            <a:r>
+              <a:rPr lang="en-US" dirty="0"/>
+              <a:t>sprint goal</a:t>
+            </a:r>
+            <a:r>
+              <a:rPr lang="ru-RU" dirty="0"/>
+              <a:t>) и план итерации</a:t>
+            </a:r>
+            <a:r>
+              <a:rPr lang="en-US" dirty="0"/>
+              <a:t> (sprint backlog)</a:t>
+            </a:r>
+            <a:endParaRPr lang="ru-RU" dirty="0"/>
+          </a:p>
+          <a:p>
+            <a:r>
+              <a:rPr lang="en-US" dirty="0"/>
+              <a:t>User story </a:t>
+            </a:r>
+            <a:r>
+              <a:rPr lang="ru-RU" dirty="0"/>
+              <a:t>декомпозируются на тех. задачи.</a:t>
+            </a:r>
+          </a:p>
+          <a:p>
+            <a:r>
+              <a:rPr lang="ru-RU" dirty="0"/>
+              <a:t>Все технические задачи имеют оценки</a:t>
+            </a:r>
+          </a:p>
+          <a:p>
+            <a:r>
+              <a:rPr lang="ru-RU" dirty="0"/>
+              <a:t>Все члены команды согласны с тем, что план может быть выполнен за итерацию</a:t>
+            </a:r>
+          </a:p>
+          <a:p>
+            <a:r>
+              <a:rPr lang="ru-RU" dirty="0"/>
+              <a:t>Каждая фича имеет приоритет внутри итерации</a:t>
+            </a:r>
+          </a:p>
+          <a:p>
+            <a:r>
+              <a:rPr lang="ru-RU" dirty="0"/>
+              <a:t>На планировании итерации технические задачи не назначаются на конкретных людей</a:t>
+            </a:r>
+          </a:p>
+          <a:p>
+            <a:endParaRPr lang="ru-RU" dirty="0"/>
+          </a:p>
+        </p:txBody>
+      </p:sp>
+    </p:spTree>
+    <p:extLst>
+      <p:ext uri="{BB962C8B-B14F-4D97-AF65-F5344CB8AC3E}">
+        <p14:creationId xmlns:p14="http://schemas.microsoft.com/office/powerpoint/2010/main" val="162520308"/>
+      </p:ext>
+    </p:extLst>
+  </p:cSld>
+  <p:clrMapOvr>
+    <a:masterClrMapping/>
+  </p:clrMapOvr>
+</p:sld>
+</file>
+
+<file path=ppt/slides/slide23.xml><?xml version="1.0" encoding="utf-8"?>
+<p:sld xmlns:a="http://schemas.openxmlformats.org/drawingml/2006/main" xmlns:r="http://schemas.openxmlformats.org/officeDocument/2006/relationships" xmlns:p="http://schemas.openxmlformats.org/presentationml/2006/main">
+  <p:cSld>
+    <p:spTree>
+      <p:nvGrpSpPr>
+        <p:cNvPr id="1" name=""/>
+        <p:cNvGrpSpPr/>
+        <p:nvPr/>
+      </p:nvGrpSpPr>
+      <p:grpSpPr>
+        <a:xfrm>
+          <a:off x="0" y="0"/>
+          <a:ext cx="0" cy="0"/>
+          <a:chOff x="0" y="0"/>
+          <a:chExt cx="0" cy="0"/>
+        </a:xfrm>
+      </p:grpSpPr>
+      <p:sp>
+        <p:nvSpPr>
+          <p:cNvPr id="2" name="Заголовок 1">
+            <a:extLst>
+              <a:ext uri="{FF2B5EF4-FFF2-40B4-BE49-F238E27FC236}">
+                <a16:creationId xmlns:a16="http://schemas.microsoft.com/office/drawing/2014/main" id="{4F03E458-859F-5646-9CDC-37CC20CA7645}"/>
+              </a:ext>
+            </a:extLst>
+          </p:cNvPr>
+          <p:cNvSpPr>
+            <a:spLocks noGrp="1"/>
+          </p:cNvSpPr>
+          <p:nvPr>
+            <p:ph type="title"/>
+          </p:nvPr>
+        </p:nvSpPr>
+        <p:spPr>
+          <a:xfrm>
+            <a:off x="838200" y="365125"/>
+            <a:ext cx="10515600" cy="591805"/>
+          </a:xfrm>
+        </p:spPr>
+        <p:txBody>
+          <a:bodyPr>
+            <a:normAutofit fontScale="90000"/>
+          </a:bodyPr>
+          <a:lstStyle/>
+          <a:p>
+            <a:r>
+              <a:rPr lang="ru-RU" dirty="0"/>
+              <a:t>Планирование спринта (</a:t>
+            </a:r>
+            <a:r>
+              <a:rPr lang="en" dirty="0"/>
+              <a:t>sprint planning)</a:t>
+            </a:r>
+            <a:endParaRPr lang="ru-RU" dirty="0"/>
+          </a:p>
+        </p:txBody>
+      </p:sp>
+      <p:sp>
+        <p:nvSpPr>
+          <p:cNvPr id="3" name="Объект 2">
+            <a:extLst>
+              <a:ext uri="{FF2B5EF4-FFF2-40B4-BE49-F238E27FC236}">
+                <a16:creationId xmlns:a16="http://schemas.microsoft.com/office/drawing/2014/main" id="{CE222BD1-91E5-CE4C-9E0E-C493434C3161}"/>
+              </a:ext>
+            </a:extLst>
+          </p:cNvPr>
+          <p:cNvSpPr>
+            <a:spLocks noGrp="1"/>
+          </p:cNvSpPr>
+          <p:nvPr>
+            <p:ph idx="1"/>
+          </p:nvPr>
+        </p:nvSpPr>
+        <p:spPr>
+          <a:xfrm>
+            <a:off x="838200" y="1063256"/>
+            <a:ext cx="10515600" cy="5429619"/>
+          </a:xfrm>
+        </p:spPr>
+        <p:txBody>
+          <a:bodyPr>
+            <a:normAutofit lnSpcReduction="10000"/>
+          </a:bodyPr>
+          <a:lstStyle/>
+          <a:p>
+            <a:pPr marL="0" indent="0">
+              <a:buNone/>
+            </a:pPr>
+            <a:r>
+              <a:rPr lang="ru-RU" dirty="0"/>
+              <a:t>В ходе </a:t>
+            </a:r>
+            <a:r>
+              <a:rPr lang="en" dirty="0"/>
+              <a:t>Sprint Planning </a:t>
+            </a:r>
+            <a:r>
+              <a:rPr lang="ru-RU" dirty="0"/>
+              <a:t>рассматриваются следующие темы:</a:t>
+            </a:r>
+          </a:p>
+          <a:p>
+            <a:pPr marL="514350" indent="-514350">
+              <a:buAutoNum type="arabicPeriod"/>
+            </a:pPr>
+            <a:r>
+              <a:rPr lang="ru-RU" dirty="0"/>
+              <a:t>Почему этот </a:t>
+            </a:r>
+            <a:r>
+              <a:rPr lang="en" dirty="0"/>
+              <a:t>Sprint </a:t>
+            </a:r>
+            <a:r>
+              <a:rPr lang="ru-RU" dirty="0"/>
+              <a:t>ценен?</a:t>
+            </a:r>
+            <a:br>
+              <a:rPr lang="ru-RU" dirty="0"/>
+            </a:br>
+            <a:r>
+              <a:rPr lang="en" sz="2400" dirty="0">
+                <a:solidFill>
+                  <a:schemeClr val="tx1">
+                    <a:lumMod val="65000"/>
+                    <a:lumOff val="35000"/>
+                  </a:schemeClr>
+                </a:solidFill>
+              </a:rPr>
+              <a:t>Product Owner </a:t>
+            </a:r>
+            <a:r>
+              <a:rPr lang="ru-RU" sz="2400" dirty="0">
+                <a:solidFill>
+                  <a:schemeClr val="tx1">
+                    <a:lumMod val="65000"/>
+                    <a:lumOff val="35000"/>
+                  </a:schemeClr>
+                </a:solidFill>
+              </a:rPr>
+              <a:t>предлагает, как можно повысить ценность и практичность продукта в текущем </a:t>
+            </a:r>
+            <a:r>
+              <a:rPr lang="en" sz="2400" dirty="0">
+                <a:solidFill>
+                  <a:schemeClr val="tx1">
+                    <a:lumMod val="65000"/>
+                    <a:lumOff val="35000"/>
+                  </a:schemeClr>
+                </a:solidFill>
+              </a:rPr>
+              <a:t>Sprint.</a:t>
+            </a:r>
+            <a:br>
+              <a:rPr lang="ru-RU" sz="2400" dirty="0">
+                <a:solidFill>
+                  <a:schemeClr val="tx1">
+                    <a:lumMod val="65000"/>
+                    <a:lumOff val="35000"/>
+                  </a:schemeClr>
+                </a:solidFill>
+              </a:rPr>
+            </a:br>
+            <a:r>
+              <a:rPr lang="ru-RU" sz="2400" dirty="0">
+                <a:solidFill>
+                  <a:schemeClr val="tx1">
+                    <a:lumMod val="65000"/>
+                    <a:lumOff val="35000"/>
+                  </a:schemeClr>
+                </a:solidFill>
+              </a:rPr>
+              <a:t>Затем вся </a:t>
+            </a:r>
+            <a:r>
+              <a:rPr lang="en" sz="2400" dirty="0">
+                <a:solidFill>
+                  <a:schemeClr val="tx1">
+                    <a:lumMod val="65000"/>
+                    <a:lumOff val="35000"/>
+                  </a:schemeClr>
+                </a:solidFill>
+              </a:rPr>
+              <a:t>Scrum Team </a:t>
+            </a:r>
+            <a:r>
+              <a:rPr lang="ru-RU" sz="2400" dirty="0">
+                <a:solidFill>
+                  <a:schemeClr val="tx1">
+                    <a:lumMod val="65000"/>
+                    <a:lumOff val="35000"/>
+                  </a:schemeClr>
+                </a:solidFill>
+              </a:rPr>
+              <a:t>совместно определяет </a:t>
+            </a:r>
+            <a:r>
+              <a:rPr lang="en" sz="2400" dirty="0">
+                <a:solidFill>
+                  <a:schemeClr val="tx1">
+                    <a:lumMod val="65000"/>
+                    <a:lumOff val="35000"/>
+                  </a:schemeClr>
+                </a:solidFill>
+              </a:rPr>
+              <a:t>Sprint Goal, </a:t>
+            </a:r>
+            <a:r>
+              <a:rPr lang="ru-RU" sz="2400" dirty="0">
+                <a:solidFill>
+                  <a:schemeClr val="tx1">
+                    <a:lumMod val="65000"/>
+                    <a:lumOff val="35000"/>
+                  </a:schemeClr>
+                </a:solidFill>
+              </a:rPr>
+              <a:t>которая объясняет, почему </a:t>
+            </a:r>
+            <a:r>
+              <a:rPr lang="en" sz="2400" dirty="0">
+                <a:solidFill>
+                  <a:schemeClr val="tx1">
+                    <a:lumMod val="65000"/>
+                    <a:lumOff val="35000"/>
+                  </a:schemeClr>
+                </a:solidFill>
+              </a:rPr>
+              <a:t>Sprint</a:t>
+            </a:r>
+            <a:r>
+              <a:rPr lang="ru-RU" sz="2400" dirty="0">
+                <a:solidFill>
+                  <a:schemeClr val="tx1">
+                    <a:lumMod val="65000"/>
+                    <a:lumOff val="35000"/>
+                  </a:schemeClr>
+                </a:solidFill>
+              </a:rPr>
+              <a:t> ценен для заинтересованных лиц</a:t>
+            </a:r>
+          </a:p>
+          <a:p>
+            <a:pPr marL="514350" indent="-514350">
+              <a:buAutoNum type="arabicPeriod"/>
+            </a:pPr>
+            <a:r>
+              <a:rPr lang="ru-RU" dirty="0"/>
+              <a:t>Что может быть готово в этом </a:t>
+            </a:r>
+            <a:r>
+              <a:rPr lang="en" dirty="0"/>
+              <a:t>Sprint?</a:t>
+            </a:r>
+            <a:br>
+              <a:rPr lang="ru-RU" dirty="0"/>
+            </a:br>
+            <a:r>
+              <a:rPr lang="en" sz="2400" dirty="0">
+                <a:solidFill>
+                  <a:schemeClr val="tx1">
+                    <a:lumMod val="65000"/>
+                    <a:lumOff val="35000"/>
+                  </a:schemeClr>
+                </a:solidFill>
+              </a:rPr>
+              <a:t>Developers </a:t>
+            </a:r>
+            <a:r>
+              <a:rPr lang="ru-RU" sz="2400" dirty="0">
+                <a:solidFill>
+                  <a:schemeClr val="tx1">
+                    <a:lumMod val="65000"/>
+                    <a:lumOff val="35000"/>
+                  </a:schemeClr>
+                </a:solidFill>
+              </a:rPr>
+              <a:t>обсуждают с </a:t>
+            </a:r>
+            <a:r>
+              <a:rPr lang="en" sz="2400" dirty="0">
+                <a:solidFill>
+                  <a:schemeClr val="tx1">
+                    <a:lumMod val="65000"/>
+                    <a:lumOff val="35000"/>
+                  </a:schemeClr>
+                </a:solidFill>
+              </a:rPr>
+              <a:t>Product Owner, </a:t>
+            </a:r>
+            <a:r>
+              <a:rPr lang="ru-RU" sz="2400" dirty="0">
+                <a:solidFill>
+                  <a:schemeClr val="tx1">
+                    <a:lumMod val="65000"/>
+                    <a:lumOff val="35000"/>
+                  </a:schemeClr>
+                </a:solidFill>
+              </a:rPr>
+              <a:t>какие элементы </a:t>
+            </a:r>
+            <a:r>
+              <a:rPr lang="en" sz="2400" dirty="0">
+                <a:solidFill>
+                  <a:schemeClr val="tx1">
+                    <a:lumMod val="65000"/>
+                    <a:lumOff val="35000"/>
+                  </a:schemeClr>
+                </a:solidFill>
+              </a:rPr>
+              <a:t>Product Backlog </a:t>
+            </a:r>
+            <a:r>
+              <a:rPr lang="ru-RU" sz="2400" dirty="0">
+                <a:solidFill>
+                  <a:schemeClr val="tx1">
+                    <a:lumMod val="65000"/>
+                    <a:lumOff val="35000"/>
+                  </a:schemeClr>
+                </a:solidFill>
+              </a:rPr>
+              <a:t>выбрать для включения в текущий </a:t>
+            </a:r>
+            <a:r>
+              <a:rPr lang="en" sz="2400" dirty="0">
+                <a:solidFill>
+                  <a:schemeClr val="tx1">
+                    <a:lumMod val="65000"/>
+                    <a:lumOff val="35000"/>
+                  </a:schemeClr>
+                </a:solidFill>
+              </a:rPr>
+              <a:t>Sprint. </a:t>
+            </a:r>
+            <a:r>
+              <a:rPr lang="ru-RU" sz="2400" dirty="0">
+                <a:solidFill>
+                  <a:schemeClr val="tx1">
+                    <a:lumMod val="65000"/>
+                    <a:lumOff val="35000"/>
+                  </a:schemeClr>
+                </a:solidFill>
+              </a:rPr>
+              <a:t>Предварительно проводят оценку трудоёмкости в </a:t>
+            </a:r>
+            <a:r>
+              <a:rPr lang="en-US" sz="2400" dirty="0">
+                <a:solidFill>
+                  <a:schemeClr val="tx1">
+                    <a:lumMod val="65000"/>
+                    <a:lumOff val="35000"/>
+                  </a:schemeClr>
+                </a:solidFill>
+              </a:rPr>
+              <a:t>Story points.</a:t>
+            </a:r>
+          </a:p>
+          <a:p>
+            <a:pPr marL="514350" indent="-514350">
+              <a:buAutoNum type="arabicPeriod"/>
+            </a:pPr>
+            <a:r>
+              <a:rPr lang="ru-RU" dirty="0"/>
+              <a:t>Как будет выполняться выбранная работа?</a:t>
+            </a:r>
+            <a:br>
+              <a:rPr lang="ru-RU" sz="2400" dirty="0"/>
+            </a:br>
+            <a:r>
+              <a:rPr lang="en" sz="2400" dirty="0">
+                <a:solidFill>
+                  <a:schemeClr val="tx1">
+                    <a:lumMod val="65000"/>
+                    <a:lumOff val="35000"/>
+                  </a:schemeClr>
+                </a:solidFill>
+              </a:rPr>
+              <a:t>Developers </a:t>
+            </a:r>
+            <a:r>
+              <a:rPr lang="ru-RU" sz="2400" dirty="0">
+                <a:solidFill>
+                  <a:schemeClr val="tx1">
+                    <a:lumMod val="65000"/>
+                    <a:lumOff val="35000"/>
+                  </a:schemeClr>
+                </a:solidFill>
+              </a:rPr>
+              <a:t>для каждого выбранного элемента </a:t>
+            </a:r>
+            <a:r>
+              <a:rPr lang="en" sz="2400" dirty="0">
+                <a:solidFill>
+                  <a:schemeClr val="tx1">
+                    <a:lumMod val="65000"/>
+                    <a:lumOff val="35000"/>
+                  </a:schemeClr>
+                </a:solidFill>
+              </a:rPr>
+              <a:t>Product Backlog </a:t>
+            </a:r>
+            <a:r>
+              <a:rPr lang="ru-RU" sz="2400" dirty="0">
+                <a:solidFill>
+                  <a:schemeClr val="tx1">
+                    <a:lumMod val="65000"/>
+                    <a:lumOff val="35000"/>
+                  </a:schemeClr>
+                </a:solidFill>
+              </a:rPr>
+              <a:t>планируют работу, необходимую для создания </a:t>
+            </a:r>
+            <a:r>
+              <a:rPr lang="en" sz="2400" dirty="0">
+                <a:solidFill>
+                  <a:schemeClr val="tx1">
+                    <a:lumMod val="65000"/>
+                    <a:lumOff val="35000"/>
+                  </a:schemeClr>
+                </a:solidFill>
+              </a:rPr>
+              <a:t>Increment</a:t>
+            </a:r>
+            <a:r>
+              <a:rPr lang="ru-RU" sz="2400" dirty="0">
+                <a:solidFill>
+                  <a:schemeClr val="tx1">
+                    <a:lumMod val="65000"/>
+                    <a:lumOff val="35000"/>
+                  </a:schemeClr>
+                </a:solidFill>
+              </a:rPr>
+              <a:t>. Это делается путем декомпозиции элементов </a:t>
+            </a:r>
+            <a:r>
+              <a:rPr lang="en" sz="2400" dirty="0">
+                <a:solidFill>
+                  <a:schemeClr val="tx1">
+                    <a:lumMod val="65000"/>
+                    <a:lumOff val="35000"/>
+                  </a:schemeClr>
+                </a:solidFill>
+              </a:rPr>
+              <a:t>Product Backlog </a:t>
+            </a:r>
+            <a:r>
+              <a:rPr lang="ru-RU" sz="2400" dirty="0">
+                <a:solidFill>
+                  <a:schemeClr val="tx1">
+                    <a:lumMod val="65000"/>
+                    <a:lumOff val="35000"/>
+                  </a:schemeClr>
+                </a:solidFill>
+              </a:rPr>
+              <a:t>на более мелкие задачи продолжительностью не более одного дня.</a:t>
+            </a:r>
+            <a:endParaRPr lang="en-US" sz="2400" dirty="0">
+              <a:solidFill>
+                <a:schemeClr val="tx1">
+                  <a:lumMod val="65000"/>
+                  <a:lumOff val="35000"/>
+                </a:schemeClr>
+              </a:solidFill>
+            </a:endParaRPr>
+          </a:p>
+          <a:p>
+            <a:pPr marL="514350" indent="-514350">
+              <a:buAutoNum type="arabicPeriod"/>
+            </a:pPr>
+            <a:endParaRPr lang="ru-RU" sz="2400" dirty="0">
+              <a:solidFill>
+                <a:schemeClr val="tx1">
+                  <a:lumMod val="65000"/>
+                  <a:lumOff val="35000"/>
+                </a:schemeClr>
+              </a:solidFill>
+            </a:endParaRPr>
+          </a:p>
+          <a:p>
+            <a:pPr marL="514350" indent="-514350">
+              <a:buAutoNum type="arabicPeriod"/>
+            </a:pPr>
+            <a:endParaRPr lang="ru-RU" dirty="0"/>
+          </a:p>
+        </p:txBody>
+      </p:sp>
+    </p:spTree>
+    <p:extLst>
+      <p:ext uri="{BB962C8B-B14F-4D97-AF65-F5344CB8AC3E}">
+        <p14:creationId xmlns:p14="http://schemas.microsoft.com/office/powerpoint/2010/main" val="1944600146"/>
+      </p:ext>
+    </p:extLst>
+  </p:cSld>
+  <p:clrMapOvr>
+    <a:masterClrMapping/>
+  </p:clrMapOvr>
+</p:sld>
+</file>
+
+<file path=ppt/slides/slide24.xml><?xml version="1.0" encoding="utf-8"?>
+<p:sld xmlns:a="http://schemas.openxmlformats.org/drawingml/2006/main" xmlns:r="http://schemas.openxmlformats.org/officeDocument/2006/relationships" xmlns:p="http://schemas.openxmlformats.org/presentationml/2006/main">
+  <p:cSld>
+    <p:spTree>
+      <p:nvGrpSpPr>
+        <p:cNvPr id="1" name=""/>
+        <p:cNvGrpSpPr/>
+        <p:nvPr/>
+      </p:nvGrpSpPr>
+      <p:grpSpPr>
+        <a:xfrm>
+          <a:off x="0" y="0"/>
+          <a:ext cx="0" cy="0"/>
+          <a:chOff x="0" y="0"/>
+          <a:chExt cx="0" cy="0"/>
+        </a:xfrm>
+      </p:grpSpPr>
+      <p:sp>
+        <p:nvSpPr>
+          <p:cNvPr id="2" name="Заголовок 1">
+            <a:extLst>
+              <a:ext uri="{FF2B5EF4-FFF2-40B4-BE49-F238E27FC236}">
+                <a16:creationId xmlns:a16="http://schemas.microsoft.com/office/drawing/2014/main" id="{6E550FEC-7E6D-494F-BF7B-025726F63DEB}"/>
+              </a:ext>
+            </a:extLst>
+          </p:cNvPr>
+          <p:cNvSpPr>
+            <a:spLocks noGrp="1"/>
+          </p:cNvSpPr>
+          <p:nvPr>
+            <p:ph type="title"/>
+          </p:nvPr>
+        </p:nvSpPr>
+        <p:spPr>
+          <a:xfrm>
+            <a:off x="753140" y="406399"/>
+            <a:ext cx="10515600" cy="549275"/>
+          </a:xfrm>
+        </p:spPr>
+        <p:txBody>
+          <a:bodyPr>
+            <a:normAutofit fontScale="90000"/>
+          </a:bodyPr>
+          <a:lstStyle/>
+          <a:p>
+            <a:r>
+              <a:rPr lang="ru-RU" dirty="0"/>
+              <a:t>Пользовательские истории (</a:t>
+            </a:r>
+            <a:r>
+              <a:rPr lang="en" b="1" dirty="0"/>
+              <a:t>User Story</a:t>
+            </a:r>
+            <a:r>
+              <a:rPr lang="ru-RU" dirty="0"/>
+              <a:t>)</a:t>
+            </a:r>
+          </a:p>
+        </p:txBody>
+      </p:sp>
+      <p:sp>
+        <p:nvSpPr>
+          <p:cNvPr id="3" name="Объект 2">
+            <a:extLst>
+              <a:ext uri="{FF2B5EF4-FFF2-40B4-BE49-F238E27FC236}">
+                <a16:creationId xmlns:a16="http://schemas.microsoft.com/office/drawing/2014/main" id="{A9269475-3571-AE4B-978C-E6C31A163C34}"/>
+              </a:ext>
+            </a:extLst>
+          </p:cNvPr>
+          <p:cNvSpPr>
+            <a:spLocks noGrp="1"/>
+          </p:cNvSpPr>
+          <p:nvPr>
+            <p:ph idx="1"/>
+          </p:nvPr>
+        </p:nvSpPr>
+        <p:spPr>
+          <a:xfrm>
+            <a:off x="838200" y="1158949"/>
+            <a:ext cx="10515600" cy="5018014"/>
+          </a:xfrm>
+        </p:spPr>
+        <p:txBody>
+          <a:bodyPr>
+            <a:normAutofit lnSpcReduction="10000"/>
+          </a:bodyPr>
+          <a:lstStyle/>
+          <a:p>
+            <a:pPr marL="0" indent="0">
+              <a:buNone/>
+            </a:pPr>
+            <a:r>
+              <a:rPr lang="en" dirty="0"/>
+              <a:t>User Story (</a:t>
+            </a:r>
+            <a:r>
+              <a:rPr lang="ru-RU" dirty="0"/>
+              <a:t>пользовательская история) — короткая формулировка намерения пользователя и что продукт должен сделать для него.</a:t>
+            </a:r>
+          </a:p>
+          <a:p>
+            <a:pPr marL="0" indent="0">
+              <a:buNone/>
+            </a:pPr>
+            <a:r>
+              <a:rPr lang="ru-RU" b="1" dirty="0"/>
+              <a:t>Для чего применяется </a:t>
+            </a:r>
+            <a:r>
+              <a:rPr lang="en" b="1" dirty="0"/>
+              <a:t>User Story?</a:t>
+            </a:r>
+          </a:p>
+          <a:p>
+            <a:r>
+              <a:rPr lang="ru-RU" dirty="0"/>
+              <a:t>Для описания элементов </a:t>
+            </a:r>
+            <a:r>
+              <a:rPr lang="ru-RU" dirty="0" err="1"/>
+              <a:t>бэклога</a:t>
+            </a:r>
+            <a:endParaRPr lang="ru-RU" dirty="0"/>
+          </a:p>
+          <a:p>
+            <a:r>
+              <a:rPr lang="ru-RU" dirty="0"/>
+              <a:t>Для лучшего понимания пользователей</a:t>
+            </a:r>
+          </a:p>
+          <a:p>
+            <a:r>
+              <a:rPr lang="ru-RU" dirty="0"/>
+              <a:t>Для описания требований к продукту на понятном для всех языке: пользователей, разработчиков другие заинтересованных лиц</a:t>
+            </a:r>
+          </a:p>
+          <a:p>
+            <a:r>
+              <a:rPr lang="ru-RU" dirty="0"/>
+              <a:t>Для вовлечения в процесс разработки пользователей и заинтересованных лиц</a:t>
+            </a:r>
+          </a:p>
+          <a:p>
+            <a:r>
+              <a:rPr lang="ru-RU" dirty="0"/>
+              <a:t>Для построения </a:t>
+            </a:r>
+            <a:r>
+              <a:rPr lang="en" dirty="0">
+                <a:hlinkClick r:id="rId2"/>
+              </a:rPr>
+              <a:t>User Story Mapping</a:t>
+            </a:r>
+            <a:endParaRPr lang="en" dirty="0"/>
+          </a:p>
+          <a:p>
+            <a:pPr marL="0" indent="0">
+              <a:buNone/>
+            </a:pPr>
+            <a:endParaRPr lang="ru-RU" dirty="0"/>
+          </a:p>
+        </p:txBody>
+      </p:sp>
+    </p:spTree>
+    <p:extLst>
+      <p:ext uri="{BB962C8B-B14F-4D97-AF65-F5344CB8AC3E}">
+        <p14:creationId xmlns:p14="http://schemas.microsoft.com/office/powerpoint/2010/main" val="3945523104"/>
+      </p:ext>
+    </p:extLst>
+  </p:cSld>
+  <p:clrMapOvr>
+    <a:masterClrMapping/>
+  </p:clrMapOvr>
+</p:sld>
+</file>
+
+<file path=ppt/slides/slide25.xml><?xml version="1.0" encoding="utf-8"?>
+<p:sld xmlns:a="http://schemas.openxmlformats.org/drawingml/2006/main" xmlns:r="http://schemas.openxmlformats.org/officeDocument/2006/relationships" xmlns:p="http://schemas.openxmlformats.org/presentationml/2006/main">
+  <p:cSld>
+    <p:spTree>
+      <p:nvGrpSpPr>
+        <p:cNvPr id="1" name=""/>
+        <p:cNvGrpSpPr/>
+        <p:nvPr/>
+      </p:nvGrpSpPr>
+      <p:grpSpPr>
+        <a:xfrm>
+          <a:off x="0" y="0"/>
+          <a:ext cx="0" cy="0"/>
+          <a:chOff x="0" y="0"/>
+          <a:chExt cx="0" cy="0"/>
+        </a:xfrm>
+      </p:grpSpPr>
+      <p:sp>
+        <p:nvSpPr>
+          <p:cNvPr id="3" name="Объект 2">
+            <a:extLst>
+              <a:ext uri="{FF2B5EF4-FFF2-40B4-BE49-F238E27FC236}">
+                <a16:creationId xmlns:a16="http://schemas.microsoft.com/office/drawing/2014/main" id="{EFE1D9E4-C9EE-FF4E-B9DC-355485308562}"/>
+              </a:ext>
+            </a:extLst>
+          </p:cNvPr>
+          <p:cNvSpPr>
+            <a:spLocks noGrp="1"/>
+          </p:cNvSpPr>
+          <p:nvPr>
+            <p:ph idx="1"/>
+          </p:nvPr>
+        </p:nvSpPr>
+        <p:spPr>
+          <a:xfrm>
+            <a:off x="412899" y="321339"/>
+            <a:ext cx="3584943" cy="5739219"/>
+          </a:xfrm>
+        </p:spPr>
+        <p:txBody>
+          <a:bodyPr>
+            <a:normAutofit lnSpcReduction="10000"/>
+          </a:bodyPr>
+          <a:lstStyle/>
+          <a:p>
+            <a:pPr marL="0" indent="0">
+              <a:buNone/>
+            </a:pPr>
+            <a:r>
+              <a:rPr lang="ru-RU" b="1" dirty="0"/>
+              <a:t>Как формулировать </a:t>
+            </a:r>
+            <a:r>
+              <a:rPr lang="en" b="1" dirty="0"/>
+              <a:t>User Story?</a:t>
+            </a:r>
+          </a:p>
+          <a:p>
+            <a:pPr marL="0" indent="0">
+              <a:buNone/>
+            </a:pPr>
+            <a:r>
+              <a:rPr lang="en" dirty="0"/>
+              <a:t>User Story — </a:t>
+            </a:r>
+            <a:r>
+              <a:rPr lang="ru-RU" dirty="0"/>
+              <a:t>это ответы на 3 вопроса, связанные в одно предложение:</a:t>
+            </a:r>
+          </a:p>
+          <a:p>
+            <a:r>
+              <a:rPr lang="ru-RU" dirty="0"/>
+              <a:t>Что это за пользователь?</a:t>
+            </a:r>
+          </a:p>
+          <a:p>
+            <a:r>
+              <a:rPr lang="ru-RU" dirty="0"/>
+              <a:t>Какое действие он хочет выполнить в продукте или какой результат от продукта хочет получить?</a:t>
+            </a:r>
+          </a:p>
+          <a:p>
+            <a:r>
+              <a:rPr lang="ru-RU" dirty="0"/>
+              <a:t>Зачем это ему?</a:t>
+            </a:r>
+          </a:p>
+          <a:p>
+            <a:endParaRPr lang="ru-RU" dirty="0"/>
+          </a:p>
+        </p:txBody>
+      </p:sp>
+      <p:pic>
+        <p:nvPicPr>
+          <p:cNvPr id="5" name="Рисунок 4">
+            <a:extLst>
+              <a:ext uri="{FF2B5EF4-FFF2-40B4-BE49-F238E27FC236}">
+                <a16:creationId xmlns:a16="http://schemas.microsoft.com/office/drawing/2014/main" id="{29687882-8147-964A-99ED-EFEE54953072}"/>
+              </a:ext>
+            </a:extLst>
+          </p:cNvPr>
+          <p:cNvPicPr>
+            <a:picLocks noChangeAspect="1"/>
+          </p:cNvPicPr>
+          <p:nvPr/>
+        </p:nvPicPr>
+        <p:blipFill>
+          <a:blip r:embed="rId2"/>
+          <a:stretch>
+            <a:fillRect/>
+          </a:stretch>
+        </p:blipFill>
+        <p:spPr>
+          <a:xfrm>
+            <a:off x="3795823" y="321339"/>
+            <a:ext cx="8248300" cy="6047711"/>
+          </a:xfrm>
+          <a:prstGeom prst="rect">
+            <a:avLst/>
+          </a:prstGeom>
+        </p:spPr>
+      </p:pic>
+    </p:spTree>
+    <p:extLst>
+      <p:ext uri="{BB962C8B-B14F-4D97-AF65-F5344CB8AC3E}">
+        <p14:creationId xmlns:p14="http://schemas.microsoft.com/office/powerpoint/2010/main" val="2251944778"/>
       </p:ext>
     </p:extLst>
   </p:cSld>

--- a/slides/01-SCRUM.pptx
+++ b/slides/01-SCRUM.pptx
@@ -18,18 +18,33 @@
     <p:sldId id="267" r:id="rId12"/>
     <p:sldId id="266" r:id="rId13"/>
     <p:sldId id="268" r:id="rId14"/>
-    <p:sldId id="269" r:id="rId15"/>
-    <p:sldId id="270" r:id="rId16"/>
-    <p:sldId id="271" r:id="rId17"/>
-    <p:sldId id="272" r:id="rId18"/>
-    <p:sldId id="273" r:id="rId19"/>
-    <p:sldId id="274" r:id="rId20"/>
-    <p:sldId id="275" r:id="rId21"/>
-    <p:sldId id="276" r:id="rId22"/>
-    <p:sldId id="277" r:id="rId23"/>
-    <p:sldId id="280" r:id="rId24"/>
-    <p:sldId id="278" r:id="rId25"/>
-    <p:sldId id="279" r:id="rId26"/>
+    <p:sldId id="283" r:id="rId15"/>
+    <p:sldId id="269" r:id="rId16"/>
+    <p:sldId id="270" r:id="rId17"/>
+    <p:sldId id="271" r:id="rId18"/>
+    <p:sldId id="272" r:id="rId19"/>
+    <p:sldId id="273" r:id="rId20"/>
+    <p:sldId id="274" r:id="rId21"/>
+    <p:sldId id="275" r:id="rId22"/>
+    <p:sldId id="276" r:id="rId23"/>
+    <p:sldId id="277" r:id="rId24"/>
+    <p:sldId id="280" r:id="rId25"/>
+    <p:sldId id="278" r:id="rId26"/>
+    <p:sldId id="281" r:id="rId27"/>
+    <p:sldId id="282" r:id="rId28"/>
+    <p:sldId id="284" r:id="rId29"/>
+    <p:sldId id="285" r:id="rId30"/>
+    <p:sldId id="286" r:id="rId31"/>
+    <p:sldId id="287" r:id="rId32"/>
+    <p:sldId id="288" r:id="rId33"/>
+    <p:sldId id="289" r:id="rId34"/>
+    <p:sldId id="290" r:id="rId35"/>
+    <p:sldId id="291" r:id="rId36"/>
+    <p:sldId id="292" r:id="rId37"/>
+    <p:sldId id="293" r:id="rId38"/>
+    <p:sldId id="279" r:id="rId39"/>
+    <p:sldId id="294" r:id="rId40"/>
+    <p:sldId id="295" r:id="rId41"/>
   </p:sldIdLst>
   <p:sldSz cx="12192000" cy="6858000"/>
   <p:notesSz cx="6858000" cy="9144000"/>
@@ -4453,7 +4468,7 @@
           <p:cNvPr id="2" name="Заголовок 1">
             <a:extLst>
               <a:ext uri="{FF2B5EF4-FFF2-40B4-BE49-F238E27FC236}">
-                <a16:creationId xmlns:a16="http://schemas.microsoft.com/office/drawing/2014/main" id="{7767F1D5-3926-7446-85D1-22EF48A6FA66}"/>
+                <a16:creationId xmlns:a16="http://schemas.microsoft.com/office/drawing/2014/main" id="{94736E29-A397-4D45-8800-A3900DFCC9E5}"/>
               </a:ext>
             </a:extLst>
           </p:cNvPr>
@@ -4466,183 +4481,146 @@
         </p:nvSpPr>
         <p:spPr>
           <a:xfrm>
-            <a:off x="838200" y="365126"/>
-            <a:ext cx="10515600" cy="687498"/>
+            <a:off x="552893" y="363159"/>
+            <a:ext cx="10515600" cy="783191"/>
           </a:xfrm>
         </p:spPr>
         <p:txBody>
-          <a:bodyPr>
-            <a:normAutofit fontScale="90000"/>
+          <a:bodyPr/>
+          <a:lstStyle/>
+          <a:p>
+            <a:r>
+              <a:rPr lang="ru-RU" dirty="0" err="1"/>
+              <a:t>Кроссфункциональность</a:t>
+            </a:r>
+            <a:r>
+              <a:rPr lang="ru-RU" dirty="0"/>
+              <a:t> : </a:t>
+            </a:r>
+            <a:r>
+              <a:rPr lang="ru-RU" dirty="0" err="1"/>
+              <a:t>T</a:t>
+            </a:r>
+            <a:r>
+              <a:rPr lang="en-US" dirty="0"/>
+              <a:t>-Shaped</a:t>
+            </a:r>
+            <a:endParaRPr lang="ru-RU" dirty="0"/>
+          </a:p>
+        </p:txBody>
+      </p:sp>
+      <p:pic>
+        <p:nvPicPr>
+          <p:cNvPr id="5" name="Объект 4">
+            <a:extLst>
+              <a:ext uri="{FF2B5EF4-FFF2-40B4-BE49-F238E27FC236}">
+                <a16:creationId xmlns:a16="http://schemas.microsoft.com/office/drawing/2014/main" id="{809AE0FE-CB9A-A046-BD91-73FE99FD46F5}"/>
+              </a:ext>
+            </a:extLst>
+          </p:cNvPr>
+          <p:cNvPicPr>
+            <a:picLocks noGrp="1" noChangeAspect="1"/>
+          </p:cNvPicPr>
+          <p:nvPr>
+            <p:ph idx="1"/>
+          </p:nvPr>
+        </p:nvPicPr>
+        <p:blipFill>
+          <a:blip r:embed="rId2">
+            <a:extLst>
+              <a:ext uri="{96DAC541-7B7A-43D3-8B79-37D633B846F1}">
+                <asvg:svgBlip xmlns:asvg="http://schemas.microsoft.com/office/drawing/2016/SVG/main" r:embed="rId3"/>
+              </a:ext>
+            </a:extLst>
+          </a:blip>
+          <a:stretch>
+            <a:fillRect/>
+          </a:stretch>
+        </p:blipFill>
+        <p:spPr>
+          <a:xfrm>
+            <a:off x="3841331" y="1253331"/>
+            <a:ext cx="8016012" cy="5015276"/>
+          </a:xfrm>
+        </p:spPr>
+      </p:pic>
+      <p:sp>
+        <p:nvSpPr>
+          <p:cNvPr id="6" name="TextBox 5">
+            <a:extLst>
+              <a:ext uri="{FF2B5EF4-FFF2-40B4-BE49-F238E27FC236}">
+                <a16:creationId xmlns:a16="http://schemas.microsoft.com/office/drawing/2014/main" id="{1945A912-F7E2-3A49-A6B1-E848B638FAA3}"/>
+              </a:ext>
+            </a:extLst>
+          </p:cNvPr>
+          <p:cNvSpPr txBox="1"/>
+          <p:nvPr/>
+        </p:nvSpPr>
+        <p:spPr>
+          <a:xfrm>
+            <a:off x="552893" y="1467293"/>
+            <a:ext cx="4540102" cy="4801314"/>
+          </a:xfrm>
+          <a:prstGeom prst="rect">
+            <a:avLst/>
+          </a:prstGeom>
+          <a:noFill/>
+        </p:spPr>
+        <p:txBody>
+          <a:bodyPr wrap="square" rtlCol="0">
+            <a:spAutoFit/>
           </a:bodyPr>
           <a:lstStyle/>
           <a:p>
             <a:r>
-              <a:rPr lang="ru-RU" dirty="0"/>
-              <a:t>Владелец продукта (</a:t>
-            </a:r>
-            <a:r>
-              <a:rPr lang="en" dirty="0"/>
-              <a:t>Product Owner)</a:t>
-            </a:r>
+              <a:rPr lang="en-US" dirty="0"/>
+              <a:t>I-shaped — </a:t>
+            </a:r>
+            <a:r>
+              <a:rPr lang="ru-RU" dirty="0"/>
+              <a:t>умеет только что-то одно </a:t>
+            </a:r>
+          </a:p>
+          <a:p>
             <a:endParaRPr lang="ru-RU" dirty="0"/>
           </a:p>
-        </p:txBody>
-      </p:sp>
-      <p:sp>
-        <p:nvSpPr>
-          <p:cNvPr id="3" name="Объект 2">
-            <a:extLst>
-              <a:ext uri="{FF2B5EF4-FFF2-40B4-BE49-F238E27FC236}">
-                <a16:creationId xmlns:a16="http://schemas.microsoft.com/office/drawing/2014/main" id="{2564D493-1A8C-DE40-8797-F809CDBC25A0}"/>
-              </a:ext>
-            </a:extLst>
-          </p:cNvPr>
-          <p:cNvSpPr>
-            <a:spLocks noGrp="1"/>
-          </p:cNvSpPr>
-          <p:nvPr>
-            <p:ph idx="1"/>
-          </p:nvPr>
-        </p:nvSpPr>
-        <p:spPr>
-          <a:xfrm>
-            <a:off x="838200" y="1052624"/>
-            <a:ext cx="10515600" cy="5539562"/>
-          </a:xfrm>
-        </p:spPr>
-        <p:txBody>
-          <a:bodyPr>
-            <a:normAutofit fontScale="92500" lnSpcReduction="20000"/>
-          </a:bodyPr>
-          <a:lstStyle/>
           <a:p>
             <a:r>
               <a:rPr lang="ru-RU" dirty="0" err="1"/>
-              <a:t>P</a:t>
+              <a:t>T</a:t>
             </a:r>
             <a:r>
               <a:rPr lang="en-US" dirty="0"/>
-              <a:t>O — </a:t>
-            </a:r>
-            <a:r>
-              <a:rPr lang="ru-RU" dirty="0"/>
-              <a:t>человек, отвечающий за разработку продукта</a:t>
-            </a:r>
-          </a:p>
-          <a:p>
-            <a:pPr lvl="1"/>
-            <a:r>
-              <a:rPr lang="ru-RU" dirty="0"/>
-              <a:t>это может быть </a:t>
-            </a:r>
-            <a:r>
-              <a:rPr lang="ru-RU" b="1" dirty="0"/>
-              <a:t>менеджер продукта </a:t>
-            </a:r>
-            <a:r>
-              <a:rPr lang="ru-RU" dirty="0"/>
-              <a:t>для продуктовой разработки, </a:t>
-            </a:r>
-            <a:r>
-              <a:rPr lang="ru-RU" b="1" dirty="0"/>
-              <a:t>менеджер проекта </a:t>
-            </a:r>
-            <a:r>
-              <a:rPr lang="ru-RU" dirty="0"/>
-              <a:t>для внутренней разработки и </a:t>
-            </a:r>
-            <a:r>
-              <a:rPr lang="ru-RU" b="1" dirty="0"/>
-              <a:t>представитель заказчика</a:t>
-            </a:r>
-            <a:r>
-              <a:rPr lang="ru-RU" dirty="0"/>
-              <a:t> для заказной разработки</a:t>
-            </a:r>
-            <a:endParaRPr lang="en-US" dirty="0"/>
-          </a:p>
-          <a:p>
-            <a:r>
-              <a:rPr lang="en-US" dirty="0"/>
-              <a:t>PO </a:t>
-            </a:r>
-            <a:r>
-              <a:rPr lang="ru-RU" dirty="0"/>
-              <a:t>— это единая точка принятия окончательных решений для команды в проекте, именно поэтому это всегда один человек, а не группа или комитет</a:t>
-            </a:r>
-            <a:endParaRPr lang="en-US" dirty="0"/>
-          </a:p>
-          <a:p>
-            <a:pPr lvl="1"/>
-            <a:r>
-              <a:rPr lang="ru-RU" dirty="0"/>
-              <a:t>Хотя у </a:t>
-            </a:r>
-            <a:r>
-              <a:rPr lang="en-US" dirty="0"/>
-              <a:t>PO </a:t>
-            </a:r>
-            <a:r>
-              <a:rPr lang="ru-RU" dirty="0"/>
-              <a:t>может быть своя команда (аналитиков, </a:t>
-            </a:r>
-            <a:r>
-              <a:rPr lang="ru-RU" dirty="0" err="1"/>
-              <a:t>продуктологов</a:t>
-            </a:r>
-            <a:r>
-              <a:rPr lang="ru-RU" dirty="0"/>
-              <a:t> и т.п.) — команда </a:t>
-            </a:r>
-            <a:r>
-              <a:rPr lang="en-US" dirty="0"/>
-              <a:t>PO</a:t>
-            </a:r>
-          </a:p>
-          <a:p>
-            <a:pPr lvl="1"/>
-            <a:r>
-              <a:rPr lang="ru-RU" dirty="0"/>
-              <a:t>Это позволяет избежать проблемы множественности заказчиков</a:t>
-            </a:r>
-            <a:endParaRPr lang="en-US" dirty="0"/>
-          </a:p>
-          <a:p>
-            <a:r>
-              <a:rPr lang="ru-RU" dirty="0"/>
-              <a:t>Управляет ожиданиями заказчиков и всех заинтересованных лиц. Владелец продукта должен чётко понимать, какие фичи должны быть сделаны и каковы их приоритеты</a:t>
-            </a:r>
-            <a:endParaRPr lang="en-US" dirty="0"/>
-          </a:p>
-          <a:p>
-            <a:r>
-              <a:rPr lang="ru-RU" dirty="0"/>
-              <a:t>Ставит задачи всей команде, но он не вправе ставить задачи конкретному члену команды</a:t>
-            </a:r>
-          </a:p>
-          <a:p>
-            <a:r>
-              <a:rPr lang="ru-RU" dirty="0"/>
-              <a:t>Несет ответственность за максимизацию ценности продукта, получаемого в результате работы </a:t>
-            </a:r>
-            <a:r>
-              <a:rPr lang="en" dirty="0"/>
-              <a:t>Scrum Team</a:t>
-            </a:r>
-            <a:endParaRPr lang="en-US" dirty="0"/>
+              <a:t>-shaped — </a:t>
+            </a:r>
+            <a:r>
+              <a:rPr lang="ru-RU" dirty="0"/>
+              <a:t>умеет всего понемногу, но что-то умеет лучше</a:t>
+            </a:r>
           </a:p>
           <a:p>
             <a:endParaRPr lang="ru-RU" dirty="0"/>
           </a:p>
           <a:p>
-            <a:endParaRPr lang="ru-RU" dirty="0"/>
+            <a:pPr fontAlgn="base"/>
+            <a:r>
+              <a:rPr lang="ru-RU" b="1" i="1" dirty="0"/>
+              <a:t>Объясним на примере создания текста для сайта</a:t>
+            </a:r>
+          </a:p>
+          <a:p>
+            <a:pPr fontAlgn="base"/>
+            <a:r>
+              <a:rPr lang="ru-RU" i="1" dirty="0"/>
+              <a:t>Копирайтер пишет текст, но еще интересуется фотографией, нейрофизиологией и версткой. Увлечение фотографией помогает ему понять, как правильно иллюстрировать тексты. Нейрофизиология позволяет продумать структуру изложения, чтобы удерживать внимание читателя. Навыки верстки дают понимание, как расположить текст по сетке страницы сайта.</a:t>
+            </a:r>
           </a:p>
         </p:txBody>
       </p:sp>
     </p:spTree>
     <p:extLst>
       <p:ext uri="{BB962C8B-B14F-4D97-AF65-F5344CB8AC3E}">
-        <p14:creationId xmlns:p14="http://schemas.microsoft.com/office/powerpoint/2010/main" val="698616256"/>
+        <p14:creationId xmlns:p14="http://schemas.microsoft.com/office/powerpoint/2010/main" val="2417443845"/>
       </p:ext>
     </p:extLst>
   </p:cSld>
@@ -4674,7 +4652,7 @@
           <p:cNvPr id="2" name="Заголовок 1">
             <a:extLst>
               <a:ext uri="{FF2B5EF4-FFF2-40B4-BE49-F238E27FC236}">
-                <a16:creationId xmlns:a16="http://schemas.microsoft.com/office/drawing/2014/main" id="{E4EC42DA-D3E3-AE45-A063-9F402F390073}"/>
+                <a16:creationId xmlns:a16="http://schemas.microsoft.com/office/drawing/2014/main" id="{7767F1D5-3926-7446-85D1-22EF48A6FA66}"/>
               </a:ext>
             </a:extLst>
           </p:cNvPr>
@@ -4687,8 +4665,8 @@
         </p:nvSpPr>
         <p:spPr>
           <a:xfrm>
-            <a:off x="753140" y="418287"/>
-            <a:ext cx="10515600" cy="549275"/>
+            <a:off x="838200" y="365126"/>
+            <a:ext cx="10515600" cy="687498"/>
           </a:xfrm>
         </p:spPr>
         <p:txBody>
@@ -4714,7 +4692,7 @@
           <p:cNvPr id="3" name="Объект 2">
             <a:extLst>
               <a:ext uri="{FF2B5EF4-FFF2-40B4-BE49-F238E27FC236}">
-                <a16:creationId xmlns:a16="http://schemas.microsoft.com/office/drawing/2014/main" id="{262C13D5-08C9-3941-BBC2-13D5F83C174D}"/>
+                <a16:creationId xmlns:a16="http://schemas.microsoft.com/office/drawing/2014/main" id="{2564D493-1A8C-DE40-8797-F809CDBC25A0}"/>
               </a:ext>
             </a:extLst>
           </p:cNvPr>
@@ -4727,133 +4705,133 @@
         </p:nvSpPr>
         <p:spPr>
           <a:xfrm>
-            <a:off x="753140" y="1253331"/>
-            <a:ext cx="10515600" cy="4351338"/>
+            <a:off x="838200" y="1052624"/>
+            <a:ext cx="10515600" cy="5539562"/>
           </a:xfrm>
         </p:spPr>
         <p:txBody>
           <a:bodyPr>
-            <a:normAutofit fontScale="92500" lnSpcReduction="10000"/>
+            <a:normAutofit fontScale="92500" lnSpcReduction="20000"/>
           </a:bodyPr>
           <a:lstStyle/>
           <a:p>
-            <a:pPr marL="0" indent="0">
-              <a:buNone/>
-            </a:pPr>
-            <a:r>
-              <a:rPr lang="ru-RU" dirty="0"/>
-              <a:t>Владелец продукта:</a:t>
-            </a:r>
-          </a:p>
-          <a:p>
-            <a:r>
-              <a:rPr lang="ru-RU" dirty="0"/>
-              <a:t>Отвечает за формирование концепции продукта (</a:t>
-            </a:r>
-            <a:r>
-              <a:rPr lang="en" dirty="0"/>
-              <a:t>Product Vision)</a:t>
-            </a:r>
-            <a:endParaRPr lang="ru-RU" dirty="0"/>
-          </a:p>
-          <a:p>
-            <a:r>
-              <a:rPr lang="ru-RU" dirty="0"/>
-              <a:t>Работает с заинтересованными лицами (</a:t>
-            </a:r>
-            <a:r>
-              <a:rPr lang="ru-RU" dirty="0" err="1"/>
-              <a:t>S</a:t>
-            </a:r>
-            <a:r>
-              <a:rPr lang="en-US" dirty="0"/>
-              <a:t>takeholders</a:t>
-            </a:r>
-            <a:r>
-              <a:rPr lang="ru-RU" dirty="0"/>
-              <a:t>)</a:t>
-            </a:r>
-            <a:endParaRPr lang="en-US" dirty="0"/>
-          </a:p>
-          <a:p>
-            <a:r>
-              <a:rPr lang="ru-RU" dirty="0"/>
-              <a:t>Принимает готовое</a:t>
-            </a:r>
-          </a:p>
-          <a:p>
-            <a:r>
-              <a:rPr lang="ru-RU" dirty="0"/>
-              <a:t>Рассчитывает </a:t>
-            </a:r>
-            <a:r>
-              <a:rPr lang="en" dirty="0"/>
-              <a:t>ROI</a:t>
-            </a:r>
-            <a:r>
-              <a:rPr lang="ru-RU" dirty="0"/>
-              <a:t> (бизнес-эффект)</a:t>
-            </a:r>
-            <a:endParaRPr lang="en" dirty="0"/>
-          </a:p>
-          <a:p>
-            <a:r>
-              <a:rPr lang="ru-RU" dirty="0"/>
-              <a:t>Ведёт </a:t>
-            </a:r>
-            <a:r>
-              <a:rPr lang="ru-RU" dirty="0" err="1"/>
-              <a:t>беклог</a:t>
-            </a:r>
-            <a:r>
-              <a:rPr lang="ru-RU" dirty="0"/>
-              <a:t> продукта (</a:t>
-            </a:r>
             <a:r>
               <a:rPr lang="ru-RU" dirty="0" err="1"/>
               <a:t>P</a:t>
             </a:r>
             <a:r>
               <a:rPr lang="en-US" dirty="0"/>
-              <a:t>roduct backlog</a:t>
-            </a:r>
-            <a:r>
-              <a:rPr lang="ru-RU" dirty="0"/>
-              <a:t>)</a:t>
+              <a:t>O — </a:t>
+            </a:r>
+            <a:r>
+              <a:rPr lang="ru-RU" dirty="0"/>
+              <a:t>человек, отвечающий за разработку продукта</a:t>
             </a:r>
           </a:p>
           <a:p>
             <a:pPr lvl="1"/>
             <a:r>
               <a:rPr lang="ru-RU" dirty="0"/>
-              <a:t>Выставляет приоритеты</a:t>
-            </a:r>
-          </a:p>
-          <a:p>
-            <a:r>
-              <a:rPr lang="ru-RU" dirty="0"/>
-              <a:t>Инициатор изменений (может в </a:t>
+              <a:t>это может быть </a:t>
+            </a:r>
+            <a:r>
+              <a:rPr lang="ru-RU" b="1" dirty="0"/>
+              <a:t>менеджер продукта </a:t>
+            </a:r>
+            <a:r>
+              <a:rPr lang="ru-RU" dirty="0"/>
+              <a:t>для продуктовой разработки, </a:t>
+            </a:r>
+            <a:r>
+              <a:rPr lang="ru-RU" b="1" dirty="0"/>
+              <a:t>менеджер проекта </a:t>
+            </a:r>
+            <a:r>
+              <a:rPr lang="ru-RU" dirty="0"/>
+              <a:t>для внутренней разработки и </a:t>
+            </a:r>
+            <a:r>
+              <a:rPr lang="ru-RU" b="1" dirty="0"/>
+              <a:t>представитель заказчика</a:t>
+            </a:r>
+            <a:r>
+              <a:rPr lang="ru-RU" dirty="0"/>
+              <a:t> для заказной разработки</a:t>
+            </a:r>
+            <a:endParaRPr lang="en-US" dirty="0"/>
+          </a:p>
+          <a:p>
+            <a:r>
+              <a:rPr lang="en-US" dirty="0"/>
+              <a:t>PO </a:t>
+            </a:r>
+            <a:r>
+              <a:rPr lang="ru-RU" dirty="0"/>
+              <a:t>— это единая точка принятия окончательных решений для команды в проекте, именно поэтому это всегда один человек, а не группа или комитет</a:t>
+            </a:r>
+            <a:endParaRPr lang="en-US" dirty="0"/>
+          </a:p>
+          <a:p>
+            <a:pPr lvl="1"/>
+            <a:r>
+              <a:rPr lang="ru-RU" dirty="0"/>
+              <a:t>Хотя у </a:t>
+            </a:r>
+            <a:r>
+              <a:rPr lang="en-US" dirty="0"/>
+              <a:t>PO </a:t>
+            </a:r>
+            <a:r>
+              <a:rPr lang="ru-RU" dirty="0"/>
+              <a:t>может быть своя команда (аналитиков, </a:t>
             </a:r>
             <a:r>
               <a:rPr lang="ru-RU" dirty="0" err="1"/>
-              <a:t>т.ч</a:t>
-            </a:r>
-            <a:r>
-              <a:rPr lang="ru-RU" dirty="0"/>
-              <a:t>. «уволить» команду)</a:t>
-            </a:r>
-          </a:p>
-          <a:p>
-            <a:r>
-              <a:rPr lang="ru-RU" dirty="0"/>
-              <a:t>Постоянно делится информацией</a:t>
-            </a:r>
-          </a:p>
-          <a:p>
-            <a:r>
-              <a:rPr lang="ru-RU" dirty="0"/>
-              <a:t>Обеспечивает ресурсами</a:t>
-            </a:r>
+              <a:t>продуктологов</a:t>
+            </a:r>
+            <a:r>
+              <a:rPr lang="ru-RU" dirty="0"/>
+              <a:t> и т.п.) — команда </a:t>
+            </a:r>
+            <a:r>
+              <a:rPr lang="en-US" dirty="0"/>
+              <a:t>PO</a:t>
+            </a:r>
+          </a:p>
+          <a:p>
+            <a:pPr lvl="1"/>
+            <a:r>
+              <a:rPr lang="ru-RU" dirty="0"/>
+              <a:t>Это позволяет избежать проблемы множественности заказчиков</a:t>
+            </a:r>
+            <a:endParaRPr lang="en-US" dirty="0"/>
+          </a:p>
+          <a:p>
+            <a:r>
+              <a:rPr lang="ru-RU" dirty="0"/>
+              <a:t>Управляет ожиданиями заказчиков и всех заинтересованных лиц. Владелец продукта должен чётко понимать, какие фичи должны быть сделаны и каковы их приоритеты</a:t>
+            </a:r>
+            <a:endParaRPr lang="en-US" dirty="0"/>
+          </a:p>
+          <a:p>
+            <a:r>
+              <a:rPr lang="ru-RU" dirty="0"/>
+              <a:t>Ставит задачи всей команде, но он не вправе ставить задачи конкретному члену команды</a:t>
+            </a:r>
+          </a:p>
+          <a:p>
+            <a:r>
+              <a:rPr lang="ru-RU" dirty="0"/>
+              <a:t>Несет ответственность за максимизацию ценности продукта, получаемого в результате работы </a:t>
+            </a:r>
+            <a:r>
+              <a:rPr lang="en" dirty="0"/>
+              <a:t>Scrum Team</a:t>
+            </a:r>
+            <a:endParaRPr lang="en-US" dirty="0"/>
+          </a:p>
+          <a:p>
+            <a:endParaRPr lang="ru-RU" dirty="0"/>
           </a:p>
           <a:p>
             <a:endParaRPr lang="ru-RU" dirty="0"/>
@@ -4863,7 +4841,7 @@
     </p:spTree>
     <p:extLst>
       <p:ext uri="{BB962C8B-B14F-4D97-AF65-F5344CB8AC3E}">
-        <p14:creationId xmlns:p14="http://schemas.microsoft.com/office/powerpoint/2010/main" val="4123301812"/>
+        <p14:creationId xmlns:p14="http://schemas.microsoft.com/office/powerpoint/2010/main" val="698616256"/>
       </p:ext>
     </p:extLst>
   </p:cSld>
@@ -4895,7 +4873,7 @@
           <p:cNvPr id="2" name="Заголовок 1">
             <a:extLst>
               <a:ext uri="{FF2B5EF4-FFF2-40B4-BE49-F238E27FC236}">
-                <a16:creationId xmlns:a16="http://schemas.microsoft.com/office/drawing/2014/main" id="{821ECC3E-50FB-2F43-94F4-FE8869AE052D}"/>
+                <a16:creationId xmlns:a16="http://schemas.microsoft.com/office/drawing/2014/main" id="{E4EC42DA-D3E3-AE45-A063-9F402F390073}"/>
               </a:ext>
             </a:extLst>
           </p:cNvPr>
@@ -4908,8 +4886,8 @@
         </p:nvSpPr>
         <p:spPr>
           <a:xfrm>
-            <a:off x="520995" y="365126"/>
-            <a:ext cx="10515600" cy="644968"/>
+            <a:off x="753140" y="418287"/>
+            <a:ext cx="10515600" cy="549275"/>
           </a:xfrm>
         </p:spPr>
         <p:txBody>
@@ -4919,16 +4897,12 @@
           <a:lstStyle/>
           <a:p>
             <a:r>
-              <a:rPr lang="ru-RU" dirty="0" err="1"/>
-              <a:t>Скрам</a:t>
-            </a:r>
-            <a:r>
-              <a:rPr lang="ru-RU" dirty="0"/>
-              <a:t>-мастер (</a:t>
-            </a:r>
-            <a:r>
-              <a:rPr lang="en" dirty="0"/>
-              <a:t>Scrum Master)</a:t>
+              <a:rPr lang="ru-RU" dirty="0"/>
+              <a:t>Владелец продукта (</a:t>
+            </a:r>
+            <a:r>
+              <a:rPr lang="en" dirty="0"/>
+              <a:t>Product Owner)</a:t>
             </a:r>
             <a:endParaRPr lang="ru-RU" dirty="0"/>
           </a:p>
@@ -4939,7 +4913,7 @@
           <p:cNvPr id="3" name="Объект 2">
             <a:extLst>
               <a:ext uri="{FF2B5EF4-FFF2-40B4-BE49-F238E27FC236}">
-                <a16:creationId xmlns:a16="http://schemas.microsoft.com/office/drawing/2014/main" id="{FF13BB29-A125-BD46-84B7-CE11E4A8D8DF}"/>
+                <a16:creationId xmlns:a16="http://schemas.microsoft.com/office/drawing/2014/main" id="{262C13D5-08C9-3941-BBC2-13D5F83C174D}"/>
               </a:ext>
             </a:extLst>
           </p:cNvPr>
@@ -4952,142 +4926,133 @@
         </p:nvSpPr>
         <p:spPr>
           <a:xfrm>
-            <a:off x="520995" y="1010094"/>
-            <a:ext cx="10832805" cy="5482780"/>
+            <a:off x="753140" y="1253331"/>
+            <a:ext cx="10515600" cy="4351338"/>
           </a:xfrm>
         </p:spPr>
         <p:txBody>
           <a:bodyPr>
-            <a:normAutofit fontScale="85000" lnSpcReduction="20000"/>
+            <a:normAutofit fontScale="92500" lnSpcReduction="10000"/>
           </a:bodyPr>
           <a:lstStyle/>
           <a:p>
+            <a:pPr marL="0" indent="0">
+              <a:buNone/>
+            </a:pPr>
+            <a:r>
+              <a:rPr lang="ru-RU" dirty="0"/>
+              <a:t>Владелец продукта:</a:t>
+            </a:r>
+          </a:p>
+          <a:p>
+            <a:r>
+              <a:rPr lang="ru-RU" dirty="0"/>
+              <a:t>Отвечает за формирование концепции продукта (</a:t>
+            </a:r>
+            <a:r>
+              <a:rPr lang="en" dirty="0"/>
+              <a:t>Product Vision)</a:t>
+            </a:r>
+            <a:endParaRPr lang="ru-RU" dirty="0"/>
+          </a:p>
+          <a:p>
+            <a:r>
+              <a:rPr lang="ru-RU" dirty="0"/>
+              <a:t>Работает с заинтересованными лицами (</a:t>
+            </a:r>
             <a:r>
               <a:rPr lang="ru-RU" dirty="0" err="1"/>
               <a:t>S</a:t>
             </a:r>
             <a:r>
               <a:rPr lang="en-US" dirty="0"/>
-              <a:t>M</a:t>
-            </a:r>
-            <a:r>
-              <a:rPr lang="ru-RU" dirty="0"/>
-              <a:t> — один из</a:t>
+              <a:t>takeholders</a:t>
+            </a:r>
+            <a:r>
+              <a:rPr lang="ru-RU" dirty="0"/>
+              <a:t>)</a:t>
+            </a:r>
+            <a:endParaRPr lang="en-US" dirty="0"/>
+          </a:p>
+          <a:p>
+            <a:r>
+              <a:rPr lang="ru-RU" dirty="0"/>
+              <a:t>Принимает готовое</a:t>
+            </a:r>
+          </a:p>
+          <a:p>
+            <a:r>
+              <a:rPr lang="ru-RU" dirty="0"/>
+              <a:t>Рассчитывает </a:t>
+            </a:r>
+            <a:r>
+              <a:rPr lang="en" dirty="0"/>
+              <a:t>ROI</a:t>
+            </a:r>
+            <a:r>
+              <a:rPr lang="ru-RU" dirty="0"/>
+              <a:t> (бизнес-эффект)</a:t>
+            </a:r>
+            <a:endParaRPr lang="en" dirty="0"/>
+          </a:p>
+          <a:p>
+            <a:r>
+              <a:rPr lang="ru-RU" dirty="0"/>
+              <a:t>Ведёт </a:t>
+            </a:r>
+            <a:r>
+              <a:rPr lang="ru-RU" dirty="0" err="1"/>
+              <a:t>беклог</a:t>
+            </a:r>
+            <a:r>
+              <a:rPr lang="ru-RU" dirty="0"/>
+              <a:t> продукта (</a:t>
+            </a:r>
+            <a:r>
+              <a:rPr lang="ru-RU" dirty="0" err="1"/>
+              <a:t>P</a:t>
             </a:r>
             <a:r>
               <a:rPr lang="en-US" dirty="0"/>
-              <a:t> </a:t>
-            </a:r>
-            <a:r>
-              <a:rPr lang="ru-RU" dirty="0"/>
-              <a:t>членов команды</a:t>
+              <a:t>roduct backlog</a:t>
+            </a:r>
+            <a:r>
+              <a:rPr lang="ru-RU" dirty="0"/>
+              <a:t>)</a:t>
             </a:r>
           </a:p>
           <a:p>
             <a:pPr lvl="1"/>
             <a:r>
               <a:rPr lang="ru-RU" dirty="0"/>
-              <a:t>он может быть разработчиком, </a:t>
+              <a:t>Выставляет приоритеты</a:t>
+            </a:r>
+          </a:p>
+          <a:p>
+            <a:r>
+              <a:rPr lang="ru-RU" dirty="0"/>
+              <a:t>Инициатор изменений (может в </a:t>
             </a:r>
             <a:r>
               <a:rPr lang="ru-RU" dirty="0" err="1"/>
-              <a:t>тестировщиком</a:t>
-            </a:r>
-            <a:r>
-              <a:rPr lang="ru-RU" dirty="0"/>
-              <a:t>, аналитиком и т.д.</a:t>
-            </a:r>
-          </a:p>
-          <a:p>
-            <a:r>
-              <a:rPr lang="ru-RU" dirty="0"/>
-              <a:t>Основная его задача — помочь команде стать самоуправляемой и самоорганизующейся</a:t>
-            </a:r>
-            <a:endParaRPr lang="en-US" dirty="0"/>
-          </a:p>
-          <a:p>
-            <a:r>
-              <a:rPr lang="ru-RU" dirty="0"/>
-              <a:t>Следит за тем, чтобы команда выполняла принятые ей решения</a:t>
-            </a:r>
-            <a:r>
-              <a:rPr lang="en-US" dirty="0"/>
-              <a:t> </a:t>
-            </a:r>
-            <a:r>
-              <a:rPr lang="ru-RU" dirty="0"/>
-              <a:t>и за соблюдением практик</a:t>
-            </a:r>
-          </a:p>
-          <a:p>
-            <a:r>
-              <a:rPr lang="ru-RU" dirty="0"/>
-              <a:t>Отвечает за решение проблем, обнаруженных командой и находящейся вне её компетенции</a:t>
-            </a:r>
-          </a:p>
-          <a:p>
-            <a:pPr lvl="1"/>
-            <a:r>
-              <a:rPr lang="ru-RU" dirty="0"/>
-              <a:t>например, если команде нужен новый сервер, то именно </a:t>
-            </a:r>
-            <a:r>
-              <a:rPr lang="ru-RU" dirty="0" err="1"/>
-              <a:t>скрам</a:t>
-            </a:r>
-            <a:r>
-              <a:rPr lang="ru-RU" dirty="0"/>
-              <a:t>-мастер вступит в бой с бюрократическими силами компании.</a:t>
-            </a:r>
-          </a:p>
-          <a:p>
-            <a:r>
-              <a:rPr lang="en-US" dirty="0"/>
-              <a:t>SM</a:t>
-            </a:r>
-            <a:r>
-              <a:rPr lang="ru-RU" dirty="0"/>
-              <a:t> не раздаёт задачи членам команды!</a:t>
-            </a:r>
-          </a:p>
-          <a:p>
-            <a:r>
-              <a:rPr lang="ru-RU" dirty="0"/>
-              <a:t>Проводит командные митинги: стендап (дейли-митинг), планирование спринта, демонстрацию и ретроспективу</a:t>
-            </a:r>
-          </a:p>
-          <a:p>
-            <a:r>
-              <a:rPr lang="ru-RU" dirty="0"/>
-              <a:t>следит за климатом внутри команды и старается создать атмосферу доверия</a:t>
-            </a:r>
-          </a:p>
-          <a:p>
-            <a:r>
-              <a:rPr lang="ru-RU" dirty="0"/>
-              <a:t>постепенно роль скрам-мастера уменьшается</a:t>
-            </a:r>
-          </a:p>
-          <a:p>
-            <a:r>
-              <a:rPr lang="ru-RU" dirty="0"/>
-              <a:t>убеждается в том, что все события </a:t>
-            </a:r>
-            <a:r>
-              <a:rPr lang="en" dirty="0"/>
-              <a:t>Scrum </a:t>
-            </a:r>
-            <a:r>
-              <a:rPr lang="ru-RU" dirty="0"/>
-              <a:t>происходят, позитивны, продуктивны и не выходят за рамки ограничений по времени.</a:t>
-            </a:r>
-            <a:endParaRPr lang="en-US" dirty="0"/>
-          </a:p>
-          <a:p>
-            <a:endParaRPr lang="en-US" dirty="0"/>
-          </a:p>
-          <a:p>
-            <a:endParaRPr lang="ru-RU" dirty="0"/>
+              <a:t>т.ч</a:t>
+            </a:r>
+            <a:r>
+              <a:rPr lang="ru-RU" dirty="0"/>
+              <a:t>. «уволить» команду)</a:t>
+            </a:r>
+          </a:p>
+          <a:p>
+            <a:r>
+              <a:rPr lang="ru-RU" dirty="0"/>
+              <a:t>Постоянно делится информацией</a:t>
+            </a:r>
+          </a:p>
+          <a:p>
+            <a:r>
+              <a:rPr lang="ru-RU" dirty="0"/>
+              <a:t>Обеспечивает ресурсами</a:t>
+            </a:r>
           </a:p>
           <a:p>
             <a:endParaRPr lang="ru-RU" dirty="0"/>
@@ -5097,7 +5062,7 @@
     </p:spTree>
     <p:extLst>
       <p:ext uri="{BB962C8B-B14F-4D97-AF65-F5344CB8AC3E}">
-        <p14:creationId xmlns:p14="http://schemas.microsoft.com/office/powerpoint/2010/main" val="80498796"/>
+        <p14:creationId xmlns:p14="http://schemas.microsoft.com/office/powerpoint/2010/main" val="4123301812"/>
       </p:ext>
     </p:extLst>
   </p:cSld>
@@ -5129,7 +5094,7 @@
           <p:cNvPr id="2" name="Заголовок 1">
             <a:extLst>
               <a:ext uri="{FF2B5EF4-FFF2-40B4-BE49-F238E27FC236}">
-                <a16:creationId xmlns:a16="http://schemas.microsoft.com/office/drawing/2014/main" id="{FC171184-6C7A-A946-B8D6-5ABB0C708E65}"/>
+                <a16:creationId xmlns:a16="http://schemas.microsoft.com/office/drawing/2014/main" id="{821ECC3E-50FB-2F43-94F4-FE8869AE052D}"/>
               </a:ext>
             </a:extLst>
           </p:cNvPr>
@@ -5142,8 +5107,8 @@
         </p:nvSpPr>
         <p:spPr>
           <a:xfrm>
-            <a:off x="838200" y="322594"/>
-            <a:ext cx="10515600" cy="613070"/>
+            <a:off x="520995" y="365126"/>
+            <a:ext cx="10515600" cy="644968"/>
           </a:xfrm>
         </p:spPr>
         <p:txBody>
@@ -5153,8 +5118,12 @@
           <a:lstStyle/>
           <a:p>
             <a:r>
-              <a:rPr lang="ru-RU" dirty="0"/>
-              <a:t>Скрам-мастер (</a:t>
+              <a:rPr lang="ru-RU" dirty="0" err="1"/>
+              <a:t>Скрам</a:t>
+            </a:r>
+            <a:r>
+              <a:rPr lang="ru-RU" dirty="0"/>
+              <a:t>-мастер (</a:t>
             </a:r>
             <a:r>
               <a:rPr lang="en" dirty="0"/>
@@ -5169,7 +5138,7 @@
           <p:cNvPr id="3" name="Объект 2">
             <a:extLst>
               <a:ext uri="{FF2B5EF4-FFF2-40B4-BE49-F238E27FC236}">
-                <a16:creationId xmlns:a16="http://schemas.microsoft.com/office/drawing/2014/main" id="{94984B3D-5A13-A94A-856D-2975D80A2417}"/>
+                <a16:creationId xmlns:a16="http://schemas.microsoft.com/office/drawing/2014/main" id="{FF13BB29-A125-BD46-84B7-CE11E4A8D8DF}"/>
               </a:ext>
             </a:extLst>
           </p:cNvPr>
@@ -5182,76 +5151,152 @@
         </p:nvSpPr>
         <p:spPr>
           <a:xfrm>
-            <a:off x="838200" y="1116419"/>
-            <a:ext cx="10515600" cy="5060544"/>
+            <a:off x="520995" y="1010094"/>
+            <a:ext cx="10832805" cy="5482780"/>
           </a:xfrm>
         </p:spPr>
         <p:txBody>
-          <a:bodyPr/>
+          <a:bodyPr>
+            <a:normAutofit fontScale="85000" lnSpcReduction="20000"/>
+          </a:bodyPr>
           <a:lstStyle/>
           <a:p>
             <a:r>
-              <a:rPr lang="ru-RU" dirty="0"/>
-              <a:t>Помогает внедрять скрам</a:t>
-            </a:r>
-          </a:p>
-          <a:p>
-            <a:r>
-              <a:rPr lang="ru-RU" dirty="0"/>
-              <a:t>Отвечает за процесс (как)</a:t>
-            </a:r>
-          </a:p>
-          <a:p>
-            <a:r>
-              <a:rPr lang="ru-RU" dirty="0"/>
-              <a:t>Учитель</a:t>
-            </a:r>
-          </a:p>
-          <a:p>
-            <a:r>
-              <a:rPr lang="ru-RU" dirty="0"/>
-              <a:t>Наставник </a:t>
+              <a:rPr lang="ru-RU" dirty="0" err="1"/>
+              <a:t>S</a:t>
             </a:r>
             <a:r>
               <a:rPr lang="en-US" dirty="0"/>
-              <a:t>/ </a:t>
+              <a:t>M</a:t>
+            </a:r>
+            <a:r>
+              <a:rPr lang="ru-RU" dirty="0"/>
+              <a:t> — один из</a:t>
+            </a:r>
+            <a:r>
+              <a:rPr lang="en-US" dirty="0"/>
+              <a:t> </a:t>
+            </a:r>
+            <a:r>
+              <a:rPr lang="ru-RU" dirty="0"/>
+              <a:t>членов команды</a:t>
+            </a:r>
+          </a:p>
+          <a:p>
+            <a:pPr lvl="1"/>
+            <a:r>
+              <a:rPr lang="ru-RU" dirty="0"/>
+              <a:t>он может быть разработчиком, </a:t>
             </a:r>
             <a:r>
               <a:rPr lang="ru-RU" dirty="0" err="1"/>
-              <a:t>коуч</a:t>
-            </a:r>
+              <a:t>тестировщиком</a:t>
+            </a:r>
+            <a:r>
+              <a:rPr lang="ru-RU" dirty="0"/>
+              <a:t>, аналитиком и т.д.</a:t>
+            </a:r>
+          </a:p>
+          <a:p>
+            <a:r>
+              <a:rPr lang="ru-RU" dirty="0"/>
+              <a:t>Основная его задача — помочь команде стать самоуправляемой и самоорганизующейся</a:t>
+            </a:r>
+            <a:endParaRPr lang="en-US" dirty="0"/>
+          </a:p>
+          <a:p>
+            <a:r>
+              <a:rPr lang="ru-RU" dirty="0"/>
+              <a:t>Следит за тем, чтобы команда выполняла принятые ей решения</a:t>
+            </a:r>
+            <a:r>
+              <a:rPr lang="en-US" dirty="0"/>
+              <a:t> </a:t>
+            </a:r>
+            <a:r>
+              <a:rPr lang="ru-RU" dirty="0"/>
+              <a:t>и за соблюдением практик</a:t>
+            </a:r>
+          </a:p>
+          <a:p>
+            <a:r>
+              <a:rPr lang="ru-RU" dirty="0"/>
+              <a:t>Отвечает за решение проблем, обнаруженных командой и находящейся вне её компетенции</a:t>
+            </a:r>
+          </a:p>
+          <a:p>
+            <a:pPr lvl="1"/>
+            <a:r>
+              <a:rPr lang="ru-RU" dirty="0"/>
+              <a:t>например, если команде нужен новый сервер, то именно </a:t>
+            </a:r>
+            <a:r>
+              <a:rPr lang="ru-RU" dirty="0" err="1"/>
+              <a:t>скрам</a:t>
+            </a:r>
+            <a:r>
+              <a:rPr lang="ru-RU" dirty="0"/>
+              <a:t>-мастер вступит в бой с бюрократическими силами компании.</a:t>
+            </a:r>
+          </a:p>
+          <a:p>
+            <a:r>
+              <a:rPr lang="en-US" dirty="0"/>
+              <a:t>SM</a:t>
+            </a:r>
+            <a:r>
+              <a:rPr lang="ru-RU" dirty="0"/>
+              <a:t> не раздаёт задачи членам команды!</a:t>
+            </a:r>
+          </a:p>
+          <a:p>
+            <a:r>
+              <a:rPr lang="ru-RU" dirty="0"/>
+              <a:t>Проводит командные митинги: стендап (дейли-митинг), планирование спринта, демонстрацию и ретроспективу</a:t>
+            </a:r>
+          </a:p>
+          <a:p>
+            <a:r>
+              <a:rPr lang="ru-RU" dirty="0"/>
+              <a:t>следит за климатом внутри команды и старается создать атмосферу доверия</a:t>
+            </a:r>
+          </a:p>
+          <a:p>
+            <a:r>
+              <a:rPr lang="ru-RU" dirty="0"/>
+              <a:t>постепенно роль скрам-мастера уменьшается</a:t>
+            </a:r>
+          </a:p>
+          <a:p>
+            <a:r>
+              <a:rPr lang="ru-RU" dirty="0"/>
+              <a:t>убеждается в том, что все события </a:t>
+            </a:r>
+            <a:r>
+              <a:rPr lang="en" dirty="0"/>
+              <a:t>Scrum </a:t>
+            </a:r>
+            <a:r>
+              <a:rPr lang="ru-RU" dirty="0"/>
+              <a:t>происходят, позитивны, продуктивны и не выходят за рамки ограничений по времени.</a:t>
+            </a:r>
+            <a:endParaRPr lang="en-US" dirty="0"/>
+          </a:p>
+          <a:p>
+            <a:endParaRPr lang="en-US" dirty="0"/>
+          </a:p>
+          <a:p>
             <a:endParaRPr lang="ru-RU" dirty="0"/>
           </a:p>
           <a:p>
-            <a:r>
-              <a:rPr lang="ru-RU" dirty="0"/>
-              <a:t>Модератор (на всех встречах)</a:t>
-            </a:r>
-          </a:p>
-          <a:p>
-            <a:r>
-              <a:rPr lang="ru-RU" dirty="0"/>
-              <a:t>Сторожевой пёс (бдит соблюдение процессов)</a:t>
-            </a:r>
-          </a:p>
-          <a:p>
-            <a:r>
-              <a:rPr lang="ru-RU" dirty="0"/>
-              <a:t>Защитник (команды)</a:t>
-            </a:r>
-          </a:p>
-          <a:p>
-            <a:r>
-              <a:rPr lang="ru-RU" dirty="0"/>
-              <a:t>Устраняет помехи (для команды)</a:t>
-            </a:r>
+            <a:endParaRPr lang="ru-RU" dirty="0"/>
           </a:p>
         </p:txBody>
       </p:sp>
     </p:spTree>
     <p:extLst>
       <p:ext uri="{BB962C8B-B14F-4D97-AF65-F5344CB8AC3E}">
-        <p14:creationId xmlns:p14="http://schemas.microsoft.com/office/powerpoint/2010/main" val="1510456180"/>
+        <p14:creationId xmlns:p14="http://schemas.microsoft.com/office/powerpoint/2010/main" val="80498796"/>
       </p:ext>
     </p:extLst>
   </p:cSld>
@@ -5283,7 +5328,7 @@
           <p:cNvPr id="2" name="Заголовок 1">
             <a:extLst>
               <a:ext uri="{FF2B5EF4-FFF2-40B4-BE49-F238E27FC236}">
-                <a16:creationId xmlns:a16="http://schemas.microsoft.com/office/drawing/2014/main" id="{903479E4-7C6C-8B4D-A2A2-8022C8FF2AE7}"/>
+                <a16:creationId xmlns:a16="http://schemas.microsoft.com/office/drawing/2014/main" id="{FC171184-6C7A-A946-B8D6-5ABB0C708E65}"/>
               </a:ext>
             </a:extLst>
           </p:cNvPr>
@@ -5294,205 +5339,118 @@
             <p:ph type="title"/>
           </p:nvPr>
         </p:nvSpPr>
-        <p:spPr/>
+        <p:spPr>
+          <a:xfrm>
+            <a:off x="838200" y="322594"/>
+            <a:ext cx="10515600" cy="613070"/>
+          </a:xfrm>
+        </p:spPr>
+        <p:txBody>
+          <a:bodyPr>
+            <a:normAutofit fontScale="90000"/>
+          </a:bodyPr>
+          <a:lstStyle/>
+          <a:p>
+            <a:r>
+              <a:rPr lang="ru-RU" dirty="0"/>
+              <a:t>Скрам-мастер (</a:t>
+            </a:r>
+            <a:r>
+              <a:rPr lang="en" dirty="0"/>
+              <a:t>Scrum Master)</a:t>
+            </a:r>
+            <a:endParaRPr lang="ru-RU" dirty="0"/>
+          </a:p>
+        </p:txBody>
+      </p:sp>
+      <p:sp>
+        <p:nvSpPr>
+          <p:cNvPr id="3" name="Объект 2">
+            <a:extLst>
+              <a:ext uri="{FF2B5EF4-FFF2-40B4-BE49-F238E27FC236}">
+                <a16:creationId xmlns:a16="http://schemas.microsoft.com/office/drawing/2014/main" id="{94984B3D-5A13-A94A-856D-2975D80A2417}"/>
+              </a:ext>
+            </a:extLst>
+          </p:cNvPr>
+          <p:cNvSpPr>
+            <a:spLocks noGrp="1"/>
+          </p:cNvSpPr>
+          <p:nvPr>
+            <p:ph idx="1"/>
+          </p:nvPr>
+        </p:nvSpPr>
+        <p:spPr>
+          <a:xfrm>
+            <a:off x="838200" y="1116419"/>
+            <a:ext cx="10515600" cy="5060544"/>
+          </a:xfrm>
+        </p:spPr>
         <p:txBody>
           <a:bodyPr/>
           <a:lstStyle/>
           <a:p>
             <a:r>
               <a:rPr lang="ru-RU" dirty="0"/>
-              <a:t>События </a:t>
-            </a:r>
-            <a:r>
-              <a:rPr lang="en" dirty="0"/>
-              <a:t>Scrum</a:t>
-            </a:r>
-            <a:endParaRPr lang="ru-RU" dirty="0"/>
-          </a:p>
-        </p:txBody>
-      </p:sp>
-      <p:sp>
-        <p:nvSpPr>
-          <p:cNvPr id="3" name="Объект 2">
-            <a:extLst>
-              <a:ext uri="{FF2B5EF4-FFF2-40B4-BE49-F238E27FC236}">
-                <a16:creationId xmlns:a16="http://schemas.microsoft.com/office/drawing/2014/main" id="{345A5E40-953E-0B4F-B568-7EEFF4D36302}"/>
-              </a:ext>
-            </a:extLst>
-          </p:cNvPr>
-          <p:cNvSpPr>
-            <a:spLocks noGrp="1"/>
-          </p:cNvSpPr>
-          <p:nvPr>
-            <p:ph idx="1"/>
-          </p:nvPr>
-        </p:nvSpPr>
-        <p:spPr>
-          <a:xfrm>
-            <a:off x="838200" y="1605516"/>
-            <a:ext cx="10515600" cy="4571447"/>
-          </a:xfrm>
-        </p:spPr>
-        <p:txBody>
-          <a:bodyPr/>
-          <a:lstStyle/>
-          <a:p>
-            <a:pPr marL="0" indent="0">
-              <a:buNone/>
-            </a:pPr>
-            <a:r>
-              <a:rPr lang="ru-RU" dirty="0"/>
-              <a:t>Разработка ведётся итерациями (спринтами).</a:t>
-            </a:r>
-          </a:p>
-          <a:p>
-            <a:pPr marL="0" indent="0">
-              <a:buNone/>
-            </a:pPr>
-            <a:endParaRPr lang="ru-RU" dirty="0"/>
-          </a:p>
-          <a:p>
-            <a:pPr marL="0" indent="0">
-              <a:buNone/>
-            </a:pPr>
-            <a:r>
-              <a:rPr lang="en" dirty="0"/>
-              <a:t>Sprint — </a:t>
-            </a:r>
-            <a:r>
-              <a:rPr lang="ru-RU" dirty="0"/>
-              <a:t>это контейнер для всех остальных событий:</a:t>
-            </a:r>
-          </a:p>
-          <a:p>
-            <a:r>
-              <a:rPr lang="ru-RU" dirty="0"/>
-              <a:t>Вначале спринта: </a:t>
-            </a:r>
-            <a:r>
-              <a:rPr lang="ru-RU" b="1" dirty="0"/>
-              <a:t>Планирование спринта </a:t>
-            </a:r>
-            <a:r>
-              <a:rPr lang="ru-RU" dirty="0"/>
-              <a:t>(</a:t>
-            </a:r>
-            <a:r>
-              <a:rPr lang="en" dirty="0"/>
-              <a:t>Sprint Planning</a:t>
-            </a:r>
-            <a:r>
-              <a:rPr lang="ru-RU" dirty="0"/>
-              <a:t>)</a:t>
-            </a:r>
-          </a:p>
-          <a:p>
-            <a:r>
-              <a:rPr lang="ru-RU" dirty="0"/>
-              <a:t>Ежедневно: Стендап </a:t>
+              <a:t>Помогает внедрять скрам</a:t>
+            </a:r>
+          </a:p>
+          <a:p>
+            <a:r>
+              <a:rPr lang="ru-RU" dirty="0"/>
+              <a:t>Отвечает за процесс (как)</a:t>
+            </a:r>
+          </a:p>
+          <a:p>
+            <a:r>
+              <a:rPr lang="ru-RU" dirty="0"/>
+              <a:t>Учитель</a:t>
+            </a:r>
+          </a:p>
+          <a:p>
+            <a:r>
+              <a:rPr lang="ru-RU" dirty="0"/>
+              <a:t>Наставник </a:t>
             </a:r>
             <a:r>
               <a:rPr lang="en-US" dirty="0"/>
               <a:t>/ </a:t>
             </a:r>
             <a:r>
-              <a:rPr lang="ru-RU" b="1" dirty="0"/>
-              <a:t>Дейли</a:t>
-            </a:r>
-            <a:r>
-              <a:rPr lang="ru-RU" dirty="0"/>
-              <a:t> (</a:t>
-            </a:r>
-            <a:r>
-              <a:rPr lang="en-US" dirty="0"/>
-              <a:t>Standup, Daily meeting, Daily scrum</a:t>
-            </a:r>
-            <a:r>
-              <a:rPr lang="ru-RU" dirty="0"/>
-              <a:t>)</a:t>
-            </a:r>
-            <a:endParaRPr lang="en-US" dirty="0"/>
-          </a:p>
-          <a:p>
-            <a:r>
-              <a:rPr lang="ru-RU" dirty="0"/>
-              <a:t>В конце спринта: </a:t>
-            </a:r>
-            <a:r>
-              <a:rPr lang="ru-RU" b="1" dirty="0" err="1"/>
-              <a:t>Демо</a:t>
-            </a:r>
-            <a:r>
-              <a:rPr lang="ru-RU" dirty="0"/>
-              <a:t> </a:t>
-            </a:r>
-            <a:r>
-              <a:rPr lang="en-US" dirty="0"/>
-              <a:t>/ </a:t>
-            </a:r>
-            <a:r>
-              <a:rPr lang="en-US" dirty="0" err="1"/>
-              <a:t>Р</a:t>
-            </a:r>
-            <a:r>
               <a:rPr lang="ru-RU" dirty="0" err="1"/>
-              <a:t>евью</a:t>
-            </a:r>
-            <a:r>
-              <a:rPr lang="ru-RU" dirty="0"/>
-              <a:t> спринта (</a:t>
-            </a:r>
-            <a:r>
-              <a:rPr lang="en-US" dirty="0"/>
-              <a:t>Demo, </a:t>
-            </a:r>
-            <a:r>
-              <a:rPr lang="en" dirty="0"/>
-              <a:t>Sprint Review</a:t>
-            </a:r>
-            <a:r>
-              <a:rPr lang="ru-RU" dirty="0"/>
-              <a:t>)</a:t>
-            </a:r>
-          </a:p>
-          <a:p>
-            <a:r>
-              <a:rPr lang="ru-RU" dirty="0"/>
-              <a:t>В конце спринта: </a:t>
-            </a:r>
-            <a:r>
-              <a:rPr lang="ru-RU" b="1" dirty="0"/>
-              <a:t>Ретроспектива</a:t>
-            </a:r>
-            <a:r>
-              <a:rPr lang="ru-RU" dirty="0"/>
-              <a:t> (</a:t>
-            </a:r>
-            <a:r>
-              <a:rPr lang="en" dirty="0"/>
-              <a:t>Sprint Retrospective</a:t>
-            </a:r>
-            <a:r>
-              <a:rPr lang="ru-RU" dirty="0"/>
-              <a:t>)</a:t>
-            </a:r>
-            <a:endParaRPr lang="en-US" dirty="0"/>
-          </a:p>
-          <a:p>
+              <a:t>коуч</a:t>
+            </a:r>
             <a:endParaRPr lang="ru-RU" dirty="0"/>
           </a:p>
           <a:p>
-            <a:pPr marL="0" indent="0">
-              <a:buNone/>
-            </a:pPr>
-            <a:endParaRPr lang="ru-RU" dirty="0"/>
+            <a:r>
+              <a:rPr lang="ru-RU" dirty="0"/>
+              <a:t>Модератор (на всех встречах)</a:t>
+            </a:r>
+          </a:p>
+          <a:p>
+            <a:r>
+              <a:rPr lang="ru-RU" dirty="0"/>
+              <a:t>Сторожевой пёс (бдит соблюдение процессов)</a:t>
+            </a:r>
+          </a:p>
+          <a:p>
+            <a:r>
+              <a:rPr lang="ru-RU" dirty="0"/>
+              <a:t>Защитник (команды)</a:t>
+            </a:r>
+          </a:p>
+          <a:p>
+            <a:r>
+              <a:rPr lang="ru-RU" dirty="0"/>
+              <a:t>Устраняет помехи (для команды)</a:t>
+            </a:r>
           </a:p>
         </p:txBody>
       </p:sp>
     </p:spTree>
     <p:extLst>
       <p:ext uri="{BB962C8B-B14F-4D97-AF65-F5344CB8AC3E}">
-        <p14:creationId xmlns:p14="http://schemas.microsoft.com/office/powerpoint/2010/main" val="1400734333"/>
+        <p14:creationId xmlns:p14="http://schemas.microsoft.com/office/powerpoint/2010/main" val="1510456180"/>
       </p:ext>
     </p:extLst>
   </p:cSld>
@@ -5524,7 +5482,7 @@
           <p:cNvPr id="2" name="Заголовок 1">
             <a:extLst>
               <a:ext uri="{FF2B5EF4-FFF2-40B4-BE49-F238E27FC236}">
-                <a16:creationId xmlns:a16="http://schemas.microsoft.com/office/drawing/2014/main" id="{C262E18E-71D2-1A4E-BAFB-945B37FB0CC4}"/>
+                <a16:creationId xmlns:a16="http://schemas.microsoft.com/office/drawing/2014/main" id="{903479E4-7C6C-8B4D-A2A2-8022C8FF2AE7}"/>
               </a:ext>
             </a:extLst>
           </p:cNvPr>
@@ -5533,100 +5491,199 @@
           </p:cNvSpPr>
           <p:nvPr>
             <p:ph type="title"/>
+          </p:nvPr>
+        </p:nvSpPr>
+        <p:spPr/>
+        <p:txBody>
+          <a:bodyPr/>
+          <a:lstStyle/>
+          <a:p>
+            <a:r>
+              <a:rPr lang="ru-RU" dirty="0"/>
+              <a:t>События </a:t>
+            </a:r>
+            <a:r>
+              <a:rPr lang="en" dirty="0"/>
+              <a:t>Scrum</a:t>
+            </a:r>
+            <a:endParaRPr lang="ru-RU" dirty="0"/>
+          </a:p>
+        </p:txBody>
+      </p:sp>
+      <p:sp>
+        <p:nvSpPr>
+          <p:cNvPr id="3" name="Объект 2">
+            <a:extLst>
+              <a:ext uri="{FF2B5EF4-FFF2-40B4-BE49-F238E27FC236}">
+                <a16:creationId xmlns:a16="http://schemas.microsoft.com/office/drawing/2014/main" id="{345A5E40-953E-0B4F-B568-7EEFF4D36302}"/>
+              </a:ext>
+            </a:extLst>
+          </p:cNvPr>
+          <p:cNvSpPr>
+            <a:spLocks noGrp="1"/>
+          </p:cNvSpPr>
+          <p:nvPr>
+            <p:ph idx="1"/>
           </p:nvPr>
         </p:nvSpPr>
         <p:spPr>
           <a:xfrm>
-            <a:off x="838200" y="365126"/>
-            <a:ext cx="10515600" cy="825722"/>
+            <a:off x="838200" y="1605516"/>
+            <a:ext cx="10515600" cy="4571447"/>
           </a:xfrm>
         </p:spPr>
         <p:txBody>
           <a:bodyPr/>
           <a:lstStyle/>
           <a:p>
-            <a:r>
-              <a:rPr lang="ru-RU" dirty="0"/>
-              <a:t>Итерация / спринт (</a:t>
-            </a:r>
-            <a:r>
-              <a:rPr lang="en" dirty="0"/>
-              <a:t>Sprint)</a:t>
-            </a:r>
+            <a:pPr marL="0" indent="0">
+              <a:buNone/>
+            </a:pPr>
+            <a:r>
+              <a:rPr lang="ru-RU" dirty="0"/>
+              <a:t>Разработка ведётся итерациями (спринтами).</a:t>
+            </a:r>
+          </a:p>
+          <a:p>
+            <a:pPr marL="0" indent="0">
+              <a:buNone/>
+            </a:pPr>
             <a:endParaRPr lang="ru-RU" dirty="0"/>
           </a:p>
-        </p:txBody>
-      </p:sp>
-      <p:sp>
-        <p:nvSpPr>
-          <p:cNvPr id="3" name="Объект 2">
-            <a:extLst>
-              <a:ext uri="{FF2B5EF4-FFF2-40B4-BE49-F238E27FC236}">
-                <a16:creationId xmlns:a16="http://schemas.microsoft.com/office/drawing/2014/main" id="{1CE50C7F-F137-844D-8D38-276914F8FE99}"/>
-              </a:ext>
-            </a:extLst>
-          </p:cNvPr>
-          <p:cNvSpPr>
-            <a:spLocks noGrp="1"/>
-          </p:cNvSpPr>
-          <p:nvPr>
-            <p:ph idx="1"/>
-          </p:nvPr>
-        </p:nvSpPr>
-        <p:spPr>
-          <a:xfrm>
-            <a:off x="838200" y="1318437"/>
-            <a:ext cx="10515600" cy="4858526"/>
-          </a:xfrm>
-        </p:spPr>
-        <p:txBody>
-          <a:bodyPr>
-            <a:normAutofit lnSpcReduction="10000"/>
-          </a:bodyPr>
-          <a:lstStyle/>
-          <a:p>
-            <a:r>
-              <a:rPr lang="ru-RU" dirty="0"/>
-              <a:t>В конце каждой итерации (спринта) демонстрируется полностью доделанная за итерацию функциональность (</a:t>
+          <a:p>
+            <a:pPr marL="0" indent="0">
+              <a:buNone/>
+            </a:pPr>
+            <a:r>
+              <a:rPr lang="en" dirty="0"/>
+              <a:t>Sprint — </a:t>
+            </a:r>
+            <a:r>
+              <a:rPr lang="ru-RU" dirty="0"/>
+              <a:t>это контейнер для всех остальных событий:</a:t>
+            </a:r>
+          </a:p>
+          <a:p>
+            <a:r>
+              <a:rPr lang="ru-RU" dirty="0"/>
+              <a:t>Вначале спринта: </a:t>
+            </a:r>
+            <a:r>
+              <a:rPr lang="ru-RU" b="1" dirty="0"/>
+              <a:t>Планирование спринта </a:t>
+            </a:r>
+            <a:r>
+              <a:rPr lang="ru-RU" dirty="0"/>
+              <a:t>(</a:t>
+            </a:r>
+            <a:r>
+              <a:rPr lang="en" dirty="0"/>
+              <a:t>Sprint Planning</a:t>
+            </a:r>
+            <a:r>
+              <a:rPr lang="ru-RU" dirty="0"/>
+              <a:t>)</a:t>
+            </a:r>
+          </a:p>
+          <a:p>
+            <a:r>
+              <a:rPr lang="ru-RU" dirty="0"/>
+              <a:t>Ежедневно: Стендап </a:t>
             </a:r>
             <a:r>
               <a:rPr lang="en-US" dirty="0"/>
-              <a:t>product increment</a:t>
-            </a:r>
-            <a:r>
-              <a:rPr lang="ru-RU" dirty="0"/>
-              <a:t>).</a:t>
-            </a:r>
-          </a:p>
-          <a:p>
-            <a:r>
-              <a:rPr lang="ru-RU" dirty="0"/>
-              <a:t>Длина итерации — от 1 до 4 недель. Типичная длина итерации — 2 недели.</a:t>
+              <a:t>/ </a:t>
+            </a:r>
+            <a:r>
+              <a:rPr lang="ru-RU" b="1" dirty="0"/>
+              <a:t>Дейли</a:t>
+            </a:r>
+            <a:r>
+              <a:rPr lang="ru-RU" dirty="0"/>
+              <a:t> (</a:t>
+            </a:r>
+            <a:r>
+              <a:rPr lang="en-US" dirty="0"/>
+              <a:t>Standup, Daily meeting, Daily scrum</a:t>
+            </a:r>
+            <a:r>
+              <a:rPr lang="ru-RU" dirty="0"/>
+              <a:t>)</a:t>
             </a:r>
             <a:endParaRPr lang="en-US" dirty="0"/>
           </a:p>
           <a:p>
-            <a:pPr lvl="1"/>
-            <a:r>
-              <a:rPr lang="ru-RU" dirty="0"/>
-              <a:t>Длина итерации должна быть достаточно длинной, чтобы позволять выпустить инкремент продукта</a:t>
+            <a:r>
+              <a:rPr lang="ru-RU" dirty="0"/>
+              <a:t>В конце спринта: </a:t>
+            </a:r>
+            <a:r>
+              <a:rPr lang="ru-RU" b="1" dirty="0" err="1"/>
+              <a:t>Демо</a:t>
+            </a:r>
+            <a:r>
+              <a:rPr lang="ru-RU" dirty="0"/>
+              <a:t> </a:t>
+            </a:r>
+            <a:r>
+              <a:rPr lang="en-US" dirty="0"/>
+              <a:t>/ </a:t>
+            </a:r>
+            <a:r>
+              <a:rPr lang="en-US" dirty="0" err="1"/>
+              <a:t>Р</a:t>
+            </a:r>
+            <a:r>
+              <a:rPr lang="ru-RU" dirty="0" err="1"/>
+              <a:t>евью</a:t>
+            </a:r>
+            <a:r>
+              <a:rPr lang="ru-RU" dirty="0"/>
+              <a:t> спринта (</a:t>
+            </a:r>
+            <a:r>
+              <a:rPr lang="en-US" dirty="0"/>
+              <a:t>Demo, </a:t>
+            </a:r>
+            <a:r>
+              <a:rPr lang="en" dirty="0"/>
+              <a:t>Sprint Review</a:t>
+            </a:r>
+            <a:r>
+              <a:rPr lang="ru-RU" dirty="0"/>
+              <a:t>)</a:t>
+            </a:r>
+          </a:p>
+          <a:p>
+            <a:r>
+              <a:rPr lang="ru-RU" dirty="0"/>
+              <a:t>В конце спринта: </a:t>
+            </a:r>
+            <a:r>
+              <a:rPr lang="ru-RU" b="1" dirty="0"/>
+              <a:t>Ретроспектива</a:t>
+            </a:r>
+            <a:r>
+              <a:rPr lang="ru-RU" dirty="0"/>
+              <a:t> (</a:t>
+            </a:r>
+            <a:r>
+              <a:rPr lang="en" dirty="0"/>
+              <a:t>Sprint Retrospective</a:t>
+            </a:r>
+            <a:r>
+              <a:rPr lang="ru-RU" dirty="0"/>
+              <a:t>)</a:t>
             </a:r>
             <a:endParaRPr lang="en-US" dirty="0"/>
           </a:p>
           <a:p>
-            <a:r>
-              <a:rPr lang="ru-RU" dirty="0"/>
-              <a:t>В течение одной итерации команда общается с заказчиками, анализирует, пробует, разрабатывает и тестирует код</a:t>
-            </a:r>
-          </a:p>
-          <a:p>
-            <a:r>
-              <a:rPr lang="ru-RU" dirty="0"/>
-              <a:t>Заказчики смотрят на результаты работы. Все предложения по улучшению планируются на последующие итерации. Внутри итерации заказчики стараются воздерживаться от изменения требований.</a:t>
-            </a:r>
-            <a:endParaRPr lang="en-US" dirty="0"/>
-          </a:p>
-          <a:p>
+            <a:endParaRPr lang="ru-RU" dirty="0"/>
+          </a:p>
+          <a:p>
+            <a:pPr marL="0" indent="0">
+              <a:buNone/>
+            </a:pPr>
             <a:endParaRPr lang="ru-RU" dirty="0"/>
           </a:p>
         </p:txBody>
@@ -5634,7 +5691,7 @@
     </p:spTree>
     <p:extLst>
       <p:ext uri="{BB962C8B-B14F-4D97-AF65-F5344CB8AC3E}">
-        <p14:creationId xmlns:p14="http://schemas.microsoft.com/office/powerpoint/2010/main" val="3475193894"/>
+        <p14:creationId xmlns:p14="http://schemas.microsoft.com/office/powerpoint/2010/main" val="1400734333"/>
       </p:ext>
     </p:extLst>
   </p:cSld>
@@ -5982,7 +6039,7 @@
           <p:cNvPr id="2" name="Заголовок 1">
             <a:extLst>
               <a:ext uri="{FF2B5EF4-FFF2-40B4-BE49-F238E27FC236}">
-                <a16:creationId xmlns:a16="http://schemas.microsoft.com/office/drawing/2014/main" id="{7AF5AA81-10BF-2A4A-B34E-25922616BD34}"/>
+                <a16:creationId xmlns:a16="http://schemas.microsoft.com/office/drawing/2014/main" id="{C262E18E-71D2-1A4E-BAFB-945B37FB0CC4}"/>
               </a:ext>
             </a:extLst>
           </p:cNvPr>
@@ -5995,67 +6052,57 @@
         </p:nvSpPr>
         <p:spPr>
           <a:xfrm>
-            <a:off x="838200" y="365125"/>
-            <a:ext cx="10515600" cy="666233"/>
+            <a:off x="838200" y="365126"/>
+            <a:ext cx="10515600" cy="825722"/>
           </a:xfrm>
         </p:spPr>
         <p:txBody>
+          <a:bodyPr/>
+          <a:lstStyle/>
+          <a:p>
+            <a:r>
+              <a:rPr lang="ru-RU" dirty="0"/>
+              <a:t>Итерация / спринт (</a:t>
+            </a:r>
+            <a:r>
+              <a:rPr lang="en" dirty="0"/>
+              <a:t>Sprint)</a:t>
+            </a:r>
+            <a:endParaRPr lang="ru-RU" dirty="0"/>
+          </a:p>
+        </p:txBody>
+      </p:sp>
+      <p:sp>
+        <p:nvSpPr>
+          <p:cNvPr id="3" name="Объект 2">
+            <a:extLst>
+              <a:ext uri="{FF2B5EF4-FFF2-40B4-BE49-F238E27FC236}">
+                <a16:creationId xmlns:a16="http://schemas.microsoft.com/office/drawing/2014/main" id="{1CE50C7F-F137-844D-8D38-276914F8FE99}"/>
+              </a:ext>
+            </a:extLst>
+          </p:cNvPr>
+          <p:cNvSpPr>
+            <a:spLocks noGrp="1"/>
+          </p:cNvSpPr>
+          <p:nvPr>
+            <p:ph idx="1"/>
+          </p:nvPr>
+        </p:nvSpPr>
+        <p:spPr>
+          <a:xfrm>
+            <a:off x="838200" y="1318437"/>
+            <a:ext cx="10515600" cy="4858526"/>
+          </a:xfrm>
+        </p:spPr>
+        <p:txBody>
           <a:bodyPr>
-            <a:normAutofit fontScale="90000"/>
+            <a:normAutofit lnSpcReduction="10000"/>
           </a:bodyPr>
           <a:lstStyle/>
           <a:p>
             <a:r>
               <a:rPr lang="ru-RU" dirty="0"/>
-              <a:t>Итерация / спринт (</a:t>
-            </a:r>
-            <a:r>
-              <a:rPr lang="en" dirty="0"/>
-              <a:t>Sprint)</a:t>
-            </a:r>
-            <a:endParaRPr lang="ru-RU" dirty="0"/>
-          </a:p>
-        </p:txBody>
-      </p:sp>
-      <p:sp>
-        <p:nvSpPr>
-          <p:cNvPr id="3" name="Объект 2">
-            <a:extLst>
-              <a:ext uri="{FF2B5EF4-FFF2-40B4-BE49-F238E27FC236}">
-                <a16:creationId xmlns:a16="http://schemas.microsoft.com/office/drawing/2014/main" id="{F6405D1B-5948-6449-97E5-D3122287AABE}"/>
-              </a:ext>
-            </a:extLst>
-          </p:cNvPr>
-          <p:cNvSpPr>
-            <a:spLocks noGrp="1"/>
-          </p:cNvSpPr>
-          <p:nvPr>
-            <p:ph idx="1"/>
-          </p:nvPr>
-        </p:nvSpPr>
-        <p:spPr>
-          <a:xfrm>
-            <a:off x="838200" y="1275907"/>
-            <a:ext cx="10515600" cy="4901056"/>
-          </a:xfrm>
-        </p:spPr>
-        <p:txBody>
-          <a:bodyPr>
-            <a:normAutofit fontScale="85000" lnSpcReduction="20000"/>
-          </a:bodyPr>
-          <a:lstStyle/>
-          <a:p>
-            <a:r>
-              <a:rPr lang="ru-RU" dirty="0"/>
-              <a:t>В конце итерации есть готовый инкремент продукта</a:t>
-            </a:r>
-            <a:r>
-              <a:rPr lang="en-US" dirty="0"/>
-              <a:t> </a:t>
-            </a:r>
-            <a:r>
-              <a:rPr lang="ru-RU" dirty="0"/>
-              <a:t>(</a:t>
+              <a:t>В конце каждой итерации (спринта) демонстрируется полностью доделанная за итерацию функциональность (</a:t>
             </a:r>
             <a:r>
               <a:rPr lang="en-US" dirty="0"/>
@@ -6069,90 +6116,40 @@
           <a:p>
             <a:r>
               <a:rPr lang="ru-RU" dirty="0"/>
-              <a:t>Фичи, которые начинаются в эту итерацию, в ней же и доделываются</a:t>
-            </a:r>
+              <a:t>Длина итерации — от 1 до 4 недель. Типичная длина итерации — 2 недели.</a:t>
+            </a:r>
+            <a:endParaRPr lang="en-US" dirty="0"/>
           </a:p>
           <a:p>
             <a:pPr lvl="1"/>
             <a:r>
               <a:rPr lang="ru-RU" dirty="0"/>
-              <a:t>Разработка фичи включает тестирование и исправление найденных багов</a:t>
-            </a:r>
-          </a:p>
-          <a:p>
-            <a:r>
-              <a:rPr lang="ru-RU" dirty="0"/>
-              <a:t>Команда соблюдает приоритеты фич, установленные </a:t>
-            </a:r>
-            <a:r>
-              <a:rPr lang="en-US" dirty="0"/>
-              <a:t>PO</a:t>
-            </a:r>
+              <a:t>Длина итерации должна быть достаточно длинной, чтобы позволять выпустить инкремент продукта</a:t>
+            </a:r>
+            <a:endParaRPr lang="en-US" dirty="0"/>
+          </a:p>
+          <a:p>
+            <a:r>
+              <a:rPr lang="ru-RU" dirty="0"/>
+              <a:t>В течение одной итерации команда общается с заказчиками, анализирует, пробует, разрабатывает и тестирует код</a:t>
+            </a:r>
+          </a:p>
+          <a:p>
+            <a:r>
+              <a:rPr lang="ru-RU" dirty="0"/>
+              <a:t>Заказчики смотрят на результаты работы. Все предложения по улучшению планируются на последующие итерации. Внутри итерации заказчики стараются воздерживаться от изменения требований.</a:t>
+            </a:r>
+            <a:endParaRPr lang="en-US" dirty="0"/>
+          </a:p>
+          <a:p>
             <a:endParaRPr lang="ru-RU" dirty="0"/>
-          </a:p>
-          <a:p>
-            <a:r>
-              <a:rPr lang="ru-RU" dirty="0"/>
-              <a:t>В большинстве случаев команда делает то, что было запланировано: иногда чуть больше, иногда чуть меньше</a:t>
-            </a:r>
-          </a:p>
-          <a:p>
-            <a:r>
-              <a:rPr lang="ru-RU" dirty="0"/>
-              <a:t>Команда сообщает </a:t>
-            </a:r>
-            <a:r>
-              <a:rPr lang="en-US" dirty="0"/>
-              <a:t>PO</a:t>
-            </a:r>
-            <a:r>
-              <a:rPr lang="ru-RU" dirty="0"/>
-              <a:t>, когда отстаёт от плана итерации</a:t>
-            </a:r>
-          </a:p>
-          <a:p>
-            <a:pPr lvl="1"/>
-            <a:r>
-              <a:rPr lang="ru-RU" dirty="0"/>
-              <a:t>В случае отставания от плана команда предпринимает корректирующие действия</a:t>
-            </a:r>
-          </a:p>
-          <a:p>
-            <a:r>
-              <a:rPr lang="ru-RU" dirty="0"/>
-              <a:t>Для каждой фичи команда знает, каким образом и от кого получить необходимую дополнительную информацию в случае необходимости</a:t>
-            </a:r>
-          </a:p>
-          <a:p>
-            <a:r>
-              <a:rPr lang="ru-RU" dirty="0"/>
-              <a:t>Проблемы обнаруживаются быстро и обсуждаются командой сразу же</a:t>
-            </a:r>
-          </a:p>
-          <a:p>
-            <a:r>
-              <a:rPr lang="ru-RU" dirty="0"/>
-              <a:t>Длина итерации не меняется после каждой итерации</a:t>
-            </a:r>
-          </a:p>
-          <a:p>
-            <a:r>
-              <a:rPr lang="ru-RU" dirty="0"/>
-              <a:t>Вся незапланированная работа учитывается</a:t>
-            </a:r>
-          </a:p>
-          <a:p>
-            <a:r>
-              <a:rPr lang="ru-RU" dirty="0"/>
-              <a:t>Не более одного дня задержки между итерациями</a:t>
-            </a:r>
           </a:p>
         </p:txBody>
       </p:sp>
     </p:spTree>
     <p:extLst>
       <p:ext uri="{BB962C8B-B14F-4D97-AF65-F5344CB8AC3E}">
-        <p14:creationId xmlns:p14="http://schemas.microsoft.com/office/powerpoint/2010/main" val="765927838"/>
+        <p14:creationId xmlns:p14="http://schemas.microsoft.com/office/powerpoint/2010/main" val="3475193894"/>
       </p:ext>
     </p:extLst>
   </p:cSld>
@@ -6184,7 +6181,7 @@
           <p:cNvPr id="2" name="Заголовок 1">
             <a:extLst>
               <a:ext uri="{FF2B5EF4-FFF2-40B4-BE49-F238E27FC236}">
-                <a16:creationId xmlns:a16="http://schemas.microsoft.com/office/drawing/2014/main" id="{47C1C891-842D-3C4B-BA2B-074ECE70AEBA}"/>
+                <a16:creationId xmlns:a16="http://schemas.microsoft.com/office/drawing/2014/main" id="{7AF5AA81-10BF-2A4A-B34E-25922616BD34}"/>
               </a:ext>
             </a:extLst>
           </p:cNvPr>
@@ -6197,25 +6194,25 @@
         </p:nvSpPr>
         <p:spPr>
           <a:xfrm>
-            <a:off x="680484" y="365126"/>
-            <a:ext cx="10940902" cy="613070"/>
+            <a:off x="838200" y="365125"/>
+            <a:ext cx="10515600" cy="666233"/>
           </a:xfrm>
         </p:spPr>
         <p:txBody>
           <a:bodyPr>
-            <a:normAutofit/>
+            <a:normAutofit fontScale="90000"/>
           </a:bodyPr>
           <a:lstStyle/>
           <a:p>
             <a:r>
-              <a:rPr lang="ru-RU" sz="3600" dirty="0"/>
-              <a:t>Планирование итерации / спринта (</a:t>
-            </a:r>
-            <a:r>
-              <a:rPr lang="en" sz="3600" dirty="0"/>
-              <a:t>sprint planning)</a:t>
-            </a:r>
-            <a:endParaRPr lang="ru-RU" sz="3600" dirty="0"/>
+              <a:rPr lang="ru-RU" dirty="0"/>
+              <a:t>Итерация / спринт (</a:t>
+            </a:r>
+            <a:r>
+              <a:rPr lang="en" dirty="0"/>
+              <a:t>Sprint)</a:t>
+            </a:r>
+            <a:endParaRPr lang="ru-RU" dirty="0"/>
           </a:p>
         </p:txBody>
       </p:sp>
@@ -6224,7 +6221,7 @@
           <p:cNvPr id="3" name="Объект 2">
             <a:extLst>
               <a:ext uri="{FF2B5EF4-FFF2-40B4-BE49-F238E27FC236}">
-                <a16:creationId xmlns:a16="http://schemas.microsoft.com/office/drawing/2014/main" id="{DC59EDC8-DE2F-6C42-AAB6-15A556361F15}"/>
+                <a16:creationId xmlns:a16="http://schemas.microsoft.com/office/drawing/2014/main" id="{F6405D1B-5948-6449-97E5-D3122287AABE}"/>
               </a:ext>
             </a:extLst>
           </p:cNvPr>
@@ -6237,109 +6234,124 @@
         </p:nvSpPr>
         <p:spPr>
           <a:xfrm>
-            <a:off x="838200" y="1169580"/>
-            <a:ext cx="10515600" cy="5231219"/>
+            <a:off x="838200" y="1275907"/>
+            <a:ext cx="10515600" cy="4901056"/>
           </a:xfrm>
         </p:spPr>
         <p:txBody>
-          <a:bodyPr/>
+          <a:bodyPr>
+            <a:normAutofit fontScale="85000" lnSpcReduction="20000"/>
+          </a:bodyPr>
           <a:lstStyle/>
           <a:p>
             <a:r>
               <a:rPr lang="ru-RU" dirty="0"/>
-              <a:t>Встреча, на которой команда и </a:t>
-            </a:r>
-            <a:r>
-              <a:rPr lang="en" dirty="0"/>
-              <a:t>PO </a:t>
-            </a:r>
-            <a:r>
-              <a:rPr lang="ru-RU" dirty="0"/>
-              <a:t>планируют итерацию.</a:t>
-            </a:r>
-            <a:endParaRPr lang="en-US" dirty="0"/>
-          </a:p>
-          <a:p>
-            <a:r>
-              <a:rPr lang="en" dirty="0"/>
-              <a:t>PO </a:t>
-            </a:r>
-            <a:r>
-              <a:rPr lang="ru-RU" dirty="0"/>
-              <a:t>ставит цели спринта и представляет фичи (пользовательские истории</a:t>
+              <a:t>В конце итерации есть готовый инкремент продукта</a:t>
             </a:r>
             <a:r>
               <a:rPr lang="en-US" dirty="0"/>
-              <a:t>, user stories</a:t>
-            </a:r>
-            <a:r>
-              <a:rPr lang="ru-RU" dirty="0"/>
-              <a:t>)</a:t>
-            </a:r>
-            <a:endParaRPr lang="en-US" dirty="0"/>
-          </a:p>
-          <a:p>
-            <a:r>
-              <a:rPr lang="ru-RU" dirty="0"/>
-              <a:t>Команда декомпозирует фичи на технические задачи и совместно оценивает их.</a:t>
-            </a:r>
-            <a:endParaRPr lang="en-US" dirty="0"/>
-          </a:p>
-          <a:p>
-            <a:r>
-              <a:rPr lang="ru-RU" dirty="0"/>
-              <a:t>Итоговый план </a:t>
-            </a:r>
-            <a:r>
-              <a:rPr lang="ru-RU" dirty="0" err="1"/>
-              <a:t>таймбоксится</a:t>
-            </a:r>
-            <a:r>
-              <a:rPr lang="ru-RU" dirty="0"/>
-              <a:t>, то есть в него включаются только те фичи, которые команда планирует успеть сделать в итерации</a:t>
-            </a:r>
-            <a:endParaRPr lang="en-US" dirty="0"/>
+              <a:t> </a:t>
+            </a:r>
+            <a:r>
+              <a:rPr lang="ru-RU" dirty="0"/>
+              <a:t>(</a:t>
+            </a:r>
+            <a:r>
+              <a:rPr lang="en-US" dirty="0"/>
+              <a:t>product increment</a:t>
+            </a:r>
+            <a:r>
+              <a:rPr lang="ru-RU" dirty="0"/>
+              <a:t>).</a:t>
+            </a:r>
+          </a:p>
+          <a:p>
+            <a:r>
+              <a:rPr lang="ru-RU" dirty="0"/>
+              <a:t>Фичи, которые начинаются в эту итерацию, в ней же и доделываются</a:t>
+            </a:r>
           </a:p>
           <a:p>
             <a:pPr lvl="1"/>
             <a:r>
               <a:rPr lang="ru-RU" dirty="0"/>
-              <a:t>Для </a:t>
-            </a:r>
-            <a:r>
-              <a:rPr lang="ru-RU" dirty="0" err="1"/>
-              <a:t>таймбоксинга</a:t>
-            </a:r>
-            <a:r>
-              <a:rPr lang="ru-RU" dirty="0"/>
-              <a:t> спринта используется Скорость (</a:t>
+              <a:t>Разработка фичи включает тестирование и исправление найденных багов</a:t>
+            </a:r>
+          </a:p>
+          <a:p>
+            <a:r>
+              <a:rPr lang="ru-RU" dirty="0"/>
+              <a:t>Команда соблюдает приоритеты фич, установленные </a:t>
             </a:r>
             <a:r>
               <a:rPr lang="en-US" dirty="0"/>
-              <a:t>Velocity) </a:t>
-            </a:r>
-            <a:r>
-              <a:rPr lang="ru-RU" dirty="0"/>
-              <a:t>команды</a:t>
-            </a:r>
-            <a:endParaRPr lang="en-US" dirty="0"/>
-          </a:p>
-          <a:p>
-            <a:r>
-              <a:rPr lang="ru-RU" dirty="0"/>
-              <a:t>Декомпозиция задачи должна быть достаточно детальной. Для двухнедельной итерации рекомендованная длительность технической задачи – порядка дня (не более двух дней)</a:t>
-            </a:r>
-            <a:endParaRPr lang="en-US" dirty="0"/>
-          </a:p>
-          <a:p>
-            <a:endParaRPr lang="en-US" dirty="0"/>
+              <a:t>PO</a:t>
+            </a:r>
+            <a:endParaRPr lang="ru-RU" dirty="0"/>
+          </a:p>
+          <a:p>
+            <a:r>
+              <a:rPr lang="ru-RU" dirty="0"/>
+              <a:t>В большинстве случаев команда делает то, что было запланировано: иногда чуть больше, иногда чуть меньше</a:t>
+            </a:r>
+          </a:p>
+          <a:p>
+            <a:r>
+              <a:rPr lang="ru-RU" dirty="0"/>
+              <a:t>Команда сообщает </a:t>
+            </a:r>
+            <a:r>
+              <a:rPr lang="en-US" dirty="0"/>
+              <a:t>PO</a:t>
+            </a:r>
+            <a:r>
+              <a:rPr lang="ru-RU" dirty="0"/>
+              <a:t>, когда отстаёт от плана итерации</a:t>
+            </a:r>
+          </a:p>
+          <a:p>
+            <a:pPr lvl="1"/>
+            <a:r>
+              <a:rPr lang="ru-RU" dirty="0"/>
+              <a:t>В случае отставания от плана команда предпринимает корректирующие действия</a:t>
+            </a:r>
+          </a:p>
+          <a:p>
+            <a:r>
+              <a:rPr lang="ru-RU" dirty="0"/>
+              <a:t>Для каждой фичи команда знает, каким образом и от кого получить необходимую дополнительную информацию в случае необходимости</a:t>
+            </a:r>
+          </a:p>
+          <a:p>
+            <a:r>
+              <a:rPr lang="ru-RU" dirty="0"/>
+              <a:t>Проблемы обнаруживаются быстро и обсуждаются командой сразу же</a:t>
+            </a:r>
+          </a:p>
+          <a:p>
+            <a:r>
+              <a:rPr lang="ru-RU" dirty="0"/>
+              <a:t>Длина итерации не меняется после каждой итерации</a:t>
+            </a:r>
+          </a:p>
+          <a:p>
+            <a:r>
+              <a:rPr lang="ru-RU" dirty="0"/>
+              <a:t>Вся незапланированная работа учитывается</a:t>
+            </a:r>
+          </a:p>
+          <a:p>
+            <a:r>
+              <a:rPr lang="ru-RU" dirty="0"/>
+              <a:t>Не более одного дня задержки между итерациями</a:t>
+            </a:r>
           </a:p>
         </p:txBody>
       </p:sp>
     </p:spTree>
     <p:extLst>
       <p:ext uri="{BB962C8B-B14F-4D97-AF65-F5344CB8AC3E}">
-        <p14:creationId xmlns:p14="http://schemas.microsoft.com/office/powerpoint/2010/main" val="4115185465"/>
+        <p14:creationId xmlns:p14="http://schemas.microsoft.com/office/powerpoint/2010/main" val="765927838"/>
       </p:ext>
     </p:extLst>
   </p:cSld>
@@ -6371,7 +6383,7 @@
           <p:cNvPr id="2" name="Заголовок 1">
             <a:extLst>
               <a:ext uri="{FF2B5EF4-FFF2-40B4-BE49-F238E27FC236}">
-                <a16:creationId xmlns:a16="http://schemas.microsoft.com/office/drawing/2014/main" id="{44CE3D67-1E3E-2149-BCD0-C8C24669F2F2}"/>
+                <a16:creationId xmlns:a16="http://schemas.microsoft.com/office/drawing/2014/main" id="{47C1C891-842D-3C4B-BA2B-074ECE70AEBA}"/>
               </a:ext>
             </a:extLst>
           </p:cNvPr>
@@ -6384,48 +6396,8 @@
         </p:nvSpPr>
         <p:spPr>
           <a:xfrm>
-            <a:off x="838200" y="365126"/>
-            <a:ext cx="10515600" cy="538642"/>
-          </a:xfrm>
-        </p:spPr>
-        <p:txBody>
-          <a:bodyPr>
-            <a:normAutofit fontScale="90000"/>
-          </a:bodyPr>
-          <a:lstStyle/>
-          <a:p>
-            <a:r>
-              <a:rPr lang="ru-RU" dirty="0"/>
-              <a:t>Планирование спринта (</a:t>
-            </a:r>
-            <a:r>
-              <a:rPr lang="en" dirty="0"/>
-              <a:t>sprint planning)</a:t>
-            </a:r>
-            <a:endParaRPr lang="ru-RU" dirty="0"/>
-          </a:p>
-        </p:txBody>
-      </p:sp>
-      <p:sp>
-        <p:nvSpPr>
-          <p:cNvPr id="3" name="Объект 2">
-            <a:extLst>
-              <a:ext uri="{FF2B5EF4-FFF2-40B4-BE49-F238E27FC236}">
-                <a16:creationId xmlns:a16="http://schemas.microsoft.com/office/drawing/2014/main" id="{1B580C34-B0FA-FF46-9595-C076364D27C3}"/>
-              </a:ext>
-            </a:extLst>
-          </p:cNvPr>
-          <p:cNvSpPr>
-            <a:spLocks noGrp="1"/>
-          </p:cNvSpPr>
-          <p:nvPr>
-            <p:ph idx="1"/>
-          </p:nvPr>
-        </p:nvSpPr>
-        <p:spPr>
-          <a:xfrm>
-            <a:off x="838200" y="1360967"/>
-            <a:ext cx="10515600" cy="4815996"/>
+            <a:off x="680484" y="365126"/>
+            <a:ext cx="10940902" cy="613070"/>
           </a:xfrm>
         </p:spPr>
         <p:txBody>
@@ -6435,76 +6407,138 @@
           <a:lstStyle/>
           <a:p>
             <a:r>
+              <a:rPr lang="ru-RU" sz="3600" dirty="0"/>
+              <a:t>Планирование итерации / спринта (</a:t>
+            </a:r>
+            <a:r>
+              <a:rPr lang="en" sz="3600" dirty="0"/>
+              <a:t>sprint planning)</a:t>
+            </a:r>
+            <a:endParaRPr lang="ru-RU" sz="3600" dirty="0"/>
+          </a:p>
+        </p:txBody>
+      </p:sp>
+      <p:sp>
+        <p:nvSpPr>
+          <p:cNvPr id="3" name="Объект 2">
+            <a:extLst>
+              <a:ext uri="{FF2B5EF4-FFF2-40B4-BE49-F238E27FC236}">
+                <a16:creationId xmlns:a16="http://schemas.microsoft.com/office/drawing/2014/main" id="{DC59EDC8-DE2F-6C42-AAB6-15A556361F15}"/>
+              </a:ext>
+            </a:extLst>
+          </p:cNvPr>
+          <p:cNvSpPr>
+            <a:spLocks noGrp="1"/>
+          </p:cNvSpPr>
+          <p:nvPr>
+            <p:ph idx="1"/>
+          </p:nvPr>
+        </p:nvSpPr>
+        <p:spPr>
+          <a:xfrm>
+            <a:off x="838200" y="1169580"/>
+            <a:ext cx="10515600" cy="5231219"/>
+          </a:xfrm>
+        </p:spPr>
+        <p:txBody>
+          <a:bodyPr/>
+          <a:lstStyle/>
+          <a:p>
+            <a:r>
+              <a:rPr lang="ru-RU" dirty="0"/>
+              <a:t>Встреча, на которой команда и </a:t>
+            </a:r>
+            <a:r>
               <a:rPr lang="en" dirty="0"/>
               <a:t>PO </a:t>
             </a:r>
             <a:r>
               <a:rPr lang="ru-RU" dirty="0"/>
-              <a:t>и члены команды участвуют все (очень желательно, лично)</a:t>
-            </a:r>
-          </a:p>
-          <a:p>
-            <a:r>
-              <a:rPr lang="ru-RU" dirty="0"/>
-              <a:t>Результат встречи — цель спринта (</a:t>
+              <a:t>планируют итерацию.</a:t>
+            </a:r>
+            <a:endParaRPr lang="en-US" dirty="0"/>
+          </a:p>
+          <a:p>
+            <a:r>
+              <a:rPr lang="en" dirty="0"/>
+              <a:t>PO </a:t>
+            </a:r>
+            <a:r>
+              <a:rPr lang="ru-RU" dirty="0"/>
+              <a:t>ставит цели спринта и представляет фичи (пользовательские истории</a:t>
             </a:r>
             <a:r>
               <a:rPr lang="en-US" dirty="0"/>
-              <a:t>sprint goal</a:t>
-            </a:r>
-            <a:r>
-              <a:rPr lang="ru-RU" dirty="0"/>
-              <a:t>) и план итерации</a:t>
+              <a:t>, user stories</a:t>
+            </a:r>
+            <a:r>
+              <a:rPr lang="ru-RU" dirty="0"/>
+              <a:t>)</a:t>
+            </a:r>
+            <a:endParaRPr lang="en-US" dirty="0"/>
+          </a:p>
+          <a:p>
+            <a:r>
+              <a:rPr lang="ru-RU" dirty="0"/>
+              <a:t>Команда декомпозирует фичи на технические задачи и совместно оценивает их.</a:t>
+            </a:r>
+            <a:endParaRPr lang="en-US" dirty="0"/>
+          </a:p>
+          <a:p>
+            <a:r>
+              <a:rPr lang="ru-RU" dirty="0"/>
+              <a:t>Итоговый план </a:t>
+            </a:r>
+            <a:r>
+              <a:rPr lang="ru-RU" dirty="0" err="1"/>
+              <a:t>таймбоксится</a:t>
+            </a:r>
+            <a:r>
+              <a:rPr lang="ru-RU" dirty="0"/>
+              <a:t>, то есть в него включаются только те фичи, которые команда планирует успеть сделать в итерации</a:t>
+            </a:r>
+            <a:endParaRPr lang="en-US" dirty="0"/>
+          </a:p>
+          <a:p>
+            <a:pPr lvl="1"/>
+            <a:r>
+              <a:rPr lang="ru-RU" dirty="0"/>
+              <a:t>Для </a:t>
+            </a:r>
+            <a:r>
+              <a:rPr lang="ru-RU" dirty="0" err="1"/>
+              <a:t>таймбоксинга</a:t>
+            </a:r>
+            <a:r>
+              <a:rPr lang="ru-RU" dirty="0"/>
+              <a:t> спринта используется Скорость (</a:t>
             </a:r>
             <a:r>
               <a:rPr lang="en-US" dirty="0"/>
-              <a:t> (sprint backlog)</a:t>
-            </a:r>
-            <a:endParaRPr lang="ru-RU" dirty="0"/>
-          </a:p>
-          <a:p>
-            <a:r>
-              <a:rPr lang="en-US" dirty="0"/>
-              <a:t>User story </a:t>
-            </a:r>
-            <a:r>
-              <a:rPr lang="ru-RU" dirty="0"/>
-              <a:t>декомпозируются на тех. задачи.</a:t>
-            </a:r>
-          </a:p>
-          <a:p>
-            <a:r>
-              <a:rPr lang="ru-RU" dirty="0"/>
-              <a:t>Все технические задачи имеют оценки</a:t>
-            </a:r>
-          </a:p>
-          <a:p>
-            <a:r>
-              <a:rPr lang="ru-RU" dirty="0"/>
-              <a:t>Все члены команды согласны с тем, что план может быть выполнен за итерацию</a:t>
-            </a:r>
-          </a:p>
-          <a:p>
-            <a:r>
-              <a:rPr lang="ru-RU" dirty="0"/>
-              <a:t>Каждая фича имеет приоритет внутри итерации</a:t>
-            </a:r>
-          </a:p>
-          <a:p>
-            <a:r>
-              <a:rPr lang="ru-RU" dirty="0"/>
-              <a:t>На планировании итерации технические задачи не назначаются на конкретных людей</a:t>
-            </a:r>
-          </a:p>
-          <a:p>
-            <a:endParaRPr lang="ru-RU" dirty="0"/>
+              <a:t>Velocity) </a:t>
+            </a:r>
+            <a:r>
+              <a:rPr lang="ru-RU" dirty="0"/>
+              <a:t>команды</a:t>
+            </a:r>
+            <a:endParaRPr lang="en-US" dirty="0"/>
+          </a:p>
+          <a:p>
+            <a:r>
+              <a:rPr lang="ru-RU" dirty="0"/>
+              <a:t>Декомпозиция задачи должна быть достаточно детальной. Для двухнедельной итерации рекомендованная длительность технической задачи – порядка дня (не более двух дней)</a:t>
+            </a:r>
+            <a:endParaRPr lang="en-US" dirty="0"/>
+          </a:p>
+          <a:p>
+            <a:endParaRPr lang="en-US" dirty="0"/>
           </a:p>
         </p:txBody>
       </p:sp>
     </p:spTree>
     <p:extLst>
       <p:ext uri="{BB962C8B-B14F-4D97-AF65-F5344CB8AC3E}">
-        <p14:creationId xmlns:p14="http://schemas.microsoft.com/office/powerpoint/2010/main" val="162520308"/>
+        <p14:creationId xmlns:p14="http://schemas.microsoft.com/office/powerpoint/2010/main" val="4115185465"/>
       </p:ext>
     </p:extLst>
   </p:cSld>
@@ -6536,7 +6570,7 @@
           <p:cNvPr id="2" name="Заголовок 1">
             <a:extLst>
               <a:ext uri="{FF2B5EF4-FFF2-40B4-BE49-F238E27FC236}">
-                <a16:creationId xmlns:a16="http://schemas.microsoft.com/office/drawing/2014/main" id="{4F03E458-859F-5646-9CDC-37CC20CA7645}"/>
+                <a16:creationId xmlns:a16="http://schemas.microsoft.com/office/drawing/2014/main" id="{44CE3D67-1E3E-2149-BCD0-C8C24669F2F2}"/>
               </a:ext>
             </a:extLst>
           </p:cNvPr>
@@ -6549,8 +6583,8 @@
         </p:nvSpPr>
         <p:spPr>
           <a:xfrm>
-            <a:off x="838200" y="365125"/>
-            <a:ext cx="10515600" cy="591805"/>
+            <a:off x="838200" y="365126"/>
+            <a:ext cx="10515600" cy="538642"/>
           </a:xfrm>
         </p:spPr>
         <p:txBody>
@@ -6576,7 +6610,7 @@
           <p:cNvPr id="3" name="Объект 2">
             <a:extLst>
               <a:ext uri="{FF2B5EF4-FFF2-40B4-BE49-F238E27FC236}">
-                <a16:creationId xmlns:a16="http://schemas.microsoft.com/office/drawing/2014/main" id="{CE222BD1-91E5-CE4C-9E0E-C493434C3161}"/>
+                <a16:creationId xmlns:a16="http://schemas.microsoft.com/office/drawing/2014/main" id="{1B580C34-B0FA-FF46-9595-C076364D27C3}"/>
               </a:ext>
             </a:extLst>
           </p:cNvPr>
@@ -6589,412 +6623,79 @@
         </p:nvSpPr>
         <p:spPr>
           <a:xfrm>
-            <a:off x="838200" y="1063256"/>
-            <a:ext cx="10515600" cy="5429619"/>
+            <a:off x="838200" y="1360967"/>
+            <a:ext cx="10515600" cy="4815996"/>
           </a:xfrm>
         </p:spPr>
         <p:txBody>
           <a:bodyPr>
-            <a:normAutofit lnSpcReduction="10000"/>
+            <a:normAutofit/>
           </a:bodyPr>
           <a:lstStyle/>
           <a:p>
-            <a:pPr marL="0" indent="0">
-              <a:buNone/>
-            </a:pPr>
-            <a:r>
-              <a:rPr lang="ru-RU" dirty="0"/>
-              <a:t>В ходе </a:t>
-            </a:r>
-            <a:r>
-              <a:rPr lang="en" dirty="0"/>
-              <a:t>Sprint Planning </a:t>
-            </a:r>
-            <a:r>
-              <a:rPr lang="ru-RU" dirty="0"/>
-              <a:t>рассматриваются следующие темы:</a:t>
-            </a:r>
-          </a:p>
-          <a:p>
-            <a:pPr marL="514350" indent="-514350">
-              <a:buAutoNum type="arabicPeriod"/>
-            </a:pPr>
-            <a:r>
-              <a:rPr lang="ru-RU" dirty="0"/>
-              <a:t>Почему этот </a:t>
-            </a:r>
-            <a:r>
-              <a:rPr lang="en" dirty="0"/>
-              <a:t>Sprint </a:t>
-            </a:r>
-            <a:r>
-              <a:rPr lang="ru-RU" dirty="0"/>
-              <a:t>ценен?</a:t>
-            </a:r>
-            <a:br>
-              <a:rPr lang="ru-RU" dirty="0"/>
-            </a:br>
-            <a:r>
-              <a:rPr lang="en" sz="2400" dirty="0">
-                <a:solidFill>
-                  <a:schemeClr val="tx1">
-                    <a:lumMod val="65000"/>
-                    <a:lumOff val="35000"/>
-                  </a:schemeClr>
-                </a:solidFill>
-              </a:rPr>
-              <a:t>Product Owner </a:t>
-            </a:r>
-            <a:r>
-              <a:rPr lang="ru-RU" sz="2400" dirty="0">
-                <a:solidFill>
-                  <a:schemeClr val="tx1">
-                    <a:lumMod val="65000"/>
-                    <a:lumOff val="35000"/>
-                  </a:schemeClr>
-                </a:solidFill>
-              </a:rPr>
-              <a:t>предлагает, как можно повысить ценность и практичность продукта в текущем </a:t>
-            </a:r>
-            <a:r>
-              <a:rPr lang="en" sz="2400" dirty="0">
-                <a:solidFill>
-                  <a:schemeClr val="tx1">
-                    <a:lumMod val="65000"/>
-                    <a:lumOff val="35000"/>
-                  </a:schemeClr>
-                </a:solidFill>
-              </a:rPr>
-              <a:t>Sprint.</a:t>
-            </a:r>
-            <a:br>
-              <a:rPr lang="ru-RU" sz="2400" dirty="0">
-                <a:solidFill>
-                  <a:schemeClr val="tx1">
-                    <a:lumMod val="65000"/>
-                    <a:lumOff val="35000"/>
-                  </a:schemeClr>
-                </a:solidFill>
-              </a:rPr>
-            </a:br>
-            <a:r>
-              <a:rPr lang="ru-RU" sz="2400" dirty="0">
-                <a:solidFill>
-                  <a:schemeClr val="tx1">
-                    <a:lumMod val="65000"/>
-                    <a:lumOff val="35000"/>
-                  </a:schemeClr>
-                </a:solidFill>
-              </a:rPr>
-              <a:t>Затем вся </a:t>
-            </a:r>
-            <a:r>
-              <a:rPr lang="en" sz="2400" dirty="0">
-                <a:solidFill>
-                  <a:schemeClr val="tx1">
-                    <a:lumMod val="65000"/>
-                    <a:lumOff val="35000"/>
-                  </a:schemeClr>
-                </a:solidFill>
-              </a:rPr>
-              <a:t>Scrum Team </a:t>
-            </a:r>
-            <a:r>
-              <a:rPr lang="ru-RU" sz="2400" dirty="0">
-                <a:solidFill>
-                  <a:schemeClr val="tx1">
-                    <a:lumMod val="65000"/>
-                    <a:lumOff val="35000"/>
-                  </a:schemeClr>
-                </a:solidFill>
-              </a:rPr>
-              <a:t>совместно определяет </a:t>
-            </a:r>
-            <a:r>
-              <a:rPr lang="en" sz="2400" dirty="0">
-                <a:solidFill>
-                  <a:schemeClr val="tx1">
-                    <a:lumMod val="65000"/>
-                    <a:lumOff val="35000"/>
-                  </a:schemeClr>
-                </a:solidFill>
-              </a:rPr>
-              <a:t>Sprint Goal, </a:t>
-            </a:r>
-            <a:r>
-              <a:rPr lang="ru-RU" sz="2400" dirty="0">
-                <a:solidFill>
-                  <a:schemeClr val="tx1">
-                    <a:lumMod val="65000"/>
-                    <a:lumOff val="35000"/>
-                  </a:schemeClr>
-                </a:solidFill>
-              </a:rPr>
-              <a:t>которая объясняет, почему </a:t>
-            </a:r>
-            <a:r>
-              <a:rPr lang="en" sz="2400" dirty="0">
-                <a:solidFill>
-                  <a:schemeClr val="tx1">
-                    <a:lumMod val="65000"/>
-                    <a:lumOff val="35000"/>
-                  </a:schemeClr>
-                </a:solidFill>
-              </a:rPr>
-              <a:t>Sprint</a:t>
-            </a:r>
-            <a:r>
-              <a:rPr lang="ru-RU" sz="2400" dirty="0">
-                <a:solidFill>
-                  <a:schemeClr val="tx1">
-                    <a:lumMod val="65000"/>
-                    <a:lumOff val="35000"/>
-                  </a:schemeClr>
-                </a:solidFill>
-              </a:rPr>
-              <a:t> ценен для заинтересованных лиц</a:t>
-            </a:r>
-          </a:p>
-          <a:p>
-            <a:pPr marL="514350" indent="-514350">
-              <a:buAutoNum type="arabicPeriod"/>
-            </a:pPr>
-            <a:r>
-              <a:rPr lang="ru-RU" dirty="0"/>
-              <a:t>Что может быть готово в этом </a:t>
-            </a:r>
-            <a:r>
-              <a:rPr lang="en" dirty="0"/>
-              <a:t>Sprint?</a:t>
-            </a:r>
-            <a:br>
-              <a:rPr lang="ru-RU" dirty="0"/>
-            </a:br>
-            <a:r>
-              <a:rPr lang="en" sz="2400" dirty="0">
-                <a:solidFill>
-                  <a:schemeClr val="tx1">
-                    <a:lumMod val="65000"/>
-                    <a:lumOff val="35000"/>
-                  </a:schemeClr>
-                </a:solidFill>
-              </a:rPr>
-              <a:t>Developers </a:t>
-            </a:r>
-            <a:r>
-              <a:rPr lang="ru-RU" sz="2400" dirty="0">
-                <a:solidFill>
-                  <a:schemeClr val="tx1">
-                    <a:lumMod val="65000"/>
-                    <a:lumOff val="35000"/>
-                  </a:schemeClr>
-                </a:solidFill>
-              </a:rPr>
-              <a:t>обсуждают с </a:t>
-            </a:r>
-            <a:r>
-              <a:rPr lang="en" sz="2400" dirty="0">
-                <a:solidFill>
-                  <a:schemeClr val="tx1">
-                    <a:lumMod val="65000"/>
-                    <a:lumOff val="35000"/>
-                  </a:schemeClr>
-                </a:solidFill>
-              </a:rPr>
-              <a:t>Product Owner, </a:t>
-            </a:r>
-            <a:r>
-              <a:rPr lang="ru-RU" sz="2400" dirty="0">
-                <a:solidFill>
-                  <a:schemeClr val="tx1">
-                    <a:lumMod val="65000"/>
-                    <a:lumOff val="35000"/>
-                  </a:schemeClr>
-                </a:solidFill>
-              </a:rPr>
-              <a:t>какие элементы </a:t>
-            </a:r>
-            <a:r>
-              <a:rPr lang="en" sz="2400" dirty="0">
-                <a:solidFill>
-                  <a:schemeClr val="tx1">
-                    <a:lumMod val="65000"/>
-                    <a:lumOff val="35000"/>
-                  </a:schemeClr>
-                </a:solidFill>
-              </a:rPr>
-              <a:t>Product Backlog </a:t>
-            </a:r>
-            <a:r>
-              <a:rPr lang="ru-RU" sz="2400" dirty="0">
-                <a:solidFill>
-                  <a:schemeClr val="tx1">
-                    <a:lumMod val="65000"/>
-                    <a:lumOff val="35000"/>
-                  </a:schemeClr>
-                </a:solidFill>
-              </a:rPr>
-              <a:t>выбрать для включения в текущий </a:t>
-            </a:r>
-            <a:r>
-              <a:rPr lang="en" sz="2400" dirty="0">
-                <a:solidFill>
-                  <a:schemeClr val="tx1">
-                    <a:lumMod val="65000"/>
-                    <a:lumOff val="35000"/>
-                  </a:schemeClr>
-                </a:solidFill>
-              </a:rPr>
-              <a:t>Sprint. </a:t>
-            </a:r>
-            <a:r>
-              <a:rPr lang="ru-RU" sz="2400" dirty="0">
-                <a:solidFill>
-                  <a:schemeClr val="tx1">
-                    <a:lumMod val="65000"/>
-                    <a:lumOff val="35000"/>
-                  </a:schemeClr>
-                </a:solidFill>
-              </a:rPr>
-              <a:t>Предварительно проводят оценку трудоёмкости в </a:t>
-            </a:r>
-            <a:r>
-              <a:rPr lang="en-US" sz="2400" dirty="0">
-                <a:solidFill>
-                  <a:schemeClr val="tx1">
-                    <a:lumMod val="65000"/>
-                    <a:lumOff val="35000"/>
-                  </a:schemeClr>
-                </a:solidFill>
-              </a:rPr>
-              <a:t>Story points.</a:t>
-            </a:r>
-          </a:p>
-          <a:p>
-            <a:pPr marL="514350" indent="-514350">
-              <a:buAutoNum type="arabicPeriod"/>
-            </a:pPr>
-            <a:r>
-              <a:rPr lang="ru-RU" dirty="0"/>
-              <a:t>Как будет выполняться выбранная работа?</a:t>
-            </a:r>
-            <a:br>
-              <a:rPr lang="ru-RU" sz="2400" dirty="0"/>
-            </a:br>
-            <a:r>
-              <a:rPr lang="en" sz="2400" dirty="0">
-                <a:solidFill>
-                  <a:schemeClr val="tx1">
-                    <a:lumMod val="65000"/>
-                    <a:lumOff val="35000"/>
-                  </a:schemeClr>
-                </a:solidFill>
-              </a:rPr>
-              <a:t>Developers </a:t>
-            </a:r>
-            <a:r>
-              <a:rPr lang="ru-RU" sz="2400" dirty="0">
-                <a:solidFill>
-                  <a:schemeClr val="tx1">
-                    <a:lumMod val="65000"/>
-                    <a:lumOff val="35000"/>
-                  </a:schemeClr>
-                </a:solidFill>
-              </a:rPr>
-              <a:t>для каждого выбранного элемента </a:t>
-            </a:r>
-            <a:r>
-              <a:rPr lang="en" sz="2400" dirty="0">
-                <a:solidFill>
-                  <a:schemeClr val="tx1">
-                    <a:lumMod val="65000"/>
-                    <a:lumOff val="35000"/>
-                  </a:schemeClr>
-                </a:solidFill>
-              </a:rPr>
-              <a:t>Product Backlog </a:t>
-            </a:r>
-            <a:r>
-              <a:rPr lang="ru-RU" sz="2400" dirty="0">
-                <a:solidFill>
-                  <a:schemeClr val="tx1">
-                    <a:lumMod val="65000"/>
-                    <a:lumOff val="35000"/>
-                  </a:schemeClr>
-                </a:solidFill>
-              </a:rPr>
-              <a:t>планируют работу, необходимую для создания </a:t>
-            </a:r>
-            <a:r>
-              <a:rPr lang="en" sz="2400" dirty="0">
-                <a:solidFill>
-                  <a:schemeClr val="tx1">
-                    <a:lumMod val="65000"/>
-                    <a:lumOff val="35000"/>
-                  </a:schemeClr>
-                </a:solidFill>
-              </a:rPr>
-              <a:t>Increment</a:t>
-            </a:r>
-            <a:r>
-              <a:rPr lang="ru-RU" sz="2400" dirty="0">
-                <a:solidFill>
-                  <a:schemeClr val="tx1">
-                    <a:lumMod val="65000"/>
-                    <a:lumOff val="35000"/>
-                  </a:schemeClr>
-                </a:solidFill>
-              </a:rPr>
-              <a:t>. Это делается путем декомпозиции элементов </a:t>
-            </a:r>
-            <a:r>
-              <a:rPr lang="en" sz="2400" dirty="0">
-                <a:solidFill>
-                  <a:schemeClr val="tx1">
-                    <a:lumMod val="65000"/>
-                    <a:lumOff val="35000"/>
-                  </a:schemeClr>
-                </a:solidFill>
-              </a:rPr>
-              <a:t>Product Backlog </a:t>
-            </a:r>
-            <a:r>
-              <a:rPr lang="ru-RU" sz="2400" dirty="0">
-                <a:solidFill>
-                  <a:schemeClr val="tx1">
-                    <a:lumMod val="65000"/>
-                    <a:lumOff val="35000"/>
-                  </a:schemeClr>
-                </a:solidFill>
-              </a:rPr>
-              <a:t>на более мелкие задачи продолжительностью не более одного дня.</a:t>
-            </a:r>
-            <a:endParaRPr lang="en-US" sz="2400" dirty="0">
-              <a:solidFill>
-                <a:schemeClr val="tx1">
-                  <a:lumMod val="65000"/>
-                  <a:lumOff val="35000"/>
-                </a:schemeClr>
-              </a:solidFill>
-            </a:endParaRPr>
-          </a:p>
-          <a:p>
-            <a:pPr marL="514350" indent="-514350">
-              <a:buAutoNum type="arabicPeriod"/>
-            </a:pPr>
-            <a:endParaRPr lang="ru-RU" sz="2400" dirty="0">
-              <a:solidFill>
-                <a:schemeClr val="tx1">
-                  <a:lumMod val="65000"/>
-                  <a:lumOff val="35000"/>
-                </a:schemeClr>
-              </a:solidFill>
-            </a:endParaRPr>
-          </a:p>
-          <a:p>
-            <a:pPr marL="514350" indent="-514350">
-              <a:buAutoNum type="arabicPeriod"/>
-            </a:pPr>
+            <a:r>
+              <a:rPr lang="en" dirty="0"/>
+              <a:t>PO </a:t>
+            </a:r>
+            <a:r>
+              <a:rPr lang="ru-RU" dirty="0"/>
+              <a:t>и члены команды участвуют все (очень желательно, лично)</a:t>
+            </a:r>
+          </a:p>
+          <a:p>
+            <a:r>
+              <a:rPr lang="ru-RU" dirty="0"/>
+              <a:t>Результат встречи — цель спринта (</a:t>
+            </a:r>
+            <a:r>
+              <a:rPr lang="en-US" dirty="0"/>
+              <a:t>sprint goal</a:t>
+            </a:r>
+            <a:r>
+              <a:rPr lang="ru-RU" dirty="0"/>
+              <a:t>) и план итерации</a:t>
+            </a:r>
+            <a:r>
+              <a:rPr lang="en-US" dirty="0"/>
+              <a:t> (sprint backlog)</a:t>
+            </a:r>
+            <a:endParaRPr lang="ru-RU" dirty="0"/>
+          </a:p>
+          <a:p>
+            <a:r>
+              <a:rPr lang="en-US" dirty="0"/>
+              <a:t>User story </a:t>
+            </a:r>
+            <a:r>
+              <a:rPr lang="ru-RU" dirty="0"/>
+              <a:t>декомпозируются на тех. задачи.</a:t>
+            </a:r>
+          </a:p>
+          <a:p>
+            <a:r>
+              <a:rPr lang="ru-RU" dirty="0"/>
+              <a:t>Все технические задачи имеют оценки</a:t>
+            </a:r>
+          </a:p>
+          <a:p>
+            <a:r>
+              <a:rPr lang="ru-RU" dirty="0"/>
+              <a:t>Все члены команды согласны с тем, что план может быть выполнен за итерацию</a:t>
+            </a:r>
+          </a:p>
+          <a:p>
+            <a:r>
+              <a:rPr lang="ru-RU" dirty="0"/>
+              <a:t>Каждая фича имеет приоритет внутри итерации</a:t>
+            </a:r>
+          </a:p>
+          <a:p>
+            <a:r>
+              <a:rPr lang="ru-RU" dirty="0"/>
+              <a:t>На планировании итерации технические задачи не назначаются на конкретных людей</a:t>
+            </a:r>
+          </a:p>
+          <a:p>
             <a:endParaRPr lang="ru-RU" dirty="0"/>
           </a:p>
         </p:txBody>
@@ -7002,7 +6703,7 @@
     </p:spTree>
     <p:extLst>
       <p:ext uri="{BB962C8B-B14F-4D97-AF65-F5344CB8AC3E}">
-        <p14:creationId xmlns:p14="http://schemas.microsoft.com/office/powerpoint/2010/main" val="1944600146"/>
+        <p14:creationId xmlns:p14="http://schemas.microsoft.com/office/powerpoint/2010/main" val="162520308"/>
       </p:ext>
     </p:extLst>
   </p:cSld>
@@ -7034,7 +6735,7 @@
           <p:cNvPr id="2" name="Заголовок 1">
             <a:extLst>
               <a:ext uri="{FF2B5EF4-FFF2-40B4-BE49-F238E27FC236}">
-                <a16:creationId xmlns:a16="http://schemas.microsoft.com/office/drawing/2014/main" id="{6E550FEC-7E6D-494F-BF7B-025726F63DEB}"/>
+                <a16:creationId xmlns:a16="http://schemas.microsoft.com/office/drawing/2014/main" id="{4F03E458-859F-5646-9CDC-37CC20CA7645}"/>
               </a:ext>
             </a:extLst>
           </p:cNvPr>
@@ -7047,8 +6748,8 @@
         </p:nvSpPr>
         <p:spPr>
           <a:xfrm>
-            <a:off x="753140" y="406399"/>
-            <a:ext cx="10515600" cy="549275"/>
+            <a:off x="552893" y="365125"/>
+            <a:ext cx="10515600" cy="591805"/>
           </a:xfrm>
         </p:spPr>
         <p:txBody>
@@ -7059,16 +6760,13 @@
           <a:p>
             <a:r>
               <a:rPr lang="ru-RU" dirty="0"/>
-              <a:t>Пользовательские истории (</a:t>
-            </a:r>
-            <a:r>
-              <a:rPr lang="en" b="1" dirty="0"/>
-              <a:t>User Story</a:t>
-            </a:r>
-            <a:r>
-              <a:rPr lang="ru-RU" dirty="0"/>
-              <a:t>)</a:t>
-            </a:r>
+              <a:t>Планирование спринта (</a:t>
+            </a:r>
+            <a:r>
+              <a:rPr lang="en" dirty="0"/>
+              <a:t>sprint planning)</a:t>
+            </a:r>
+            <a:endParaRPr lang="ru-RU" dirty="0"/>
           </a:p>
         </p:txBody>
       </p:sp>
@@ -7077,7 +6775,7 @@
           <p:cNvPr id="3" name="Объект 2">
             <a:extLst>
               <a:ext uri="{FF2B5EF4-FFF2-40B4-BE49-F238E27FC236}">
-                <a16:creationId xmlns:a16="http://schemas.microsoft.com/office/drawing/2014/main" id="{A9269475-3571-AE4B-978C-E6C31A163C34}"/>
+                <a16:creationId xmlns:a16="http://schemas.microsoft.com/office/drawing/2014/main" id="{CE222BD1-91E5-CE4C-9E0E-C493434C3161}"/>
               </a:ext>
             </a:extLst>
           </p:cNvPr>
@@ -7090,13 +6788,13 @@
         </p:nvSpPr>
         <p:spPr>
           <a:xfrm>
-            <a:off x="838200" y="1158949"/>
-            <a:ext cx="10515600" cy="5018014"/>
+            <a:off x="552893" y="1063256"/>
+            <a:ext cx="11100391" cy="5429619"/>
           </a:xfrm>
         </p:spPr>
         <p:txBody>
           <a:bodyPr>
-            <a:normAutofit lnSpcReduction="10000"/>
+            <a:normAutofit fontScale="92500" lnSpcReduction="10000"/>
           </a:bodyPr>
           <a:lstStyle/>
           <a:p>
@@ -7104,12 +6802,371 @@
               <a:buNone/>
             </a:pPr>
             <a:r>
-              <a:rPr lang="en" dirty="0"/>
-              <a:t>User Story (</a:t>
-            </a:r>
-            <a:r>
-              <a:rPr lang="ru-RU" dirty="0"/>
-              <a:t>пользовательская история) — короткая формулировка намерения пользователя и что продукт должен сделать для него.</a:t>
+              <a:rPr lang="ru-RU" dirty="0"/>
+              <a:t>В ходе </a:t>
+            </a:r>
+            <a:r>
+              <a:rPr lang="en" dirty="0"/>
+              <a:t>Sprint Planning </a:t>
+            </a:r>
+            <a:r>
+              <a:rPr lang="ru-RU" dirty="0"/>
+              <a:t>рассматриваются следующие темы:</a:t>
+            </a:r>
+          </a:p>
+          <a:p>
+            <a:pPr marL="514350" indent="-514350">
+              <a:buAutoNum type="arabicPeriod"/>
+            </a:pPr>
+            <a:r>
+              <a:rPr lang="ru-RU" dirty="0"/>
+              <a:t>Почему этот </a:t>
+            </a:r>
+            <a:r>
+              <a:rPr lang="en" dirty="0"/>
+              <a:t>Sprint </a:t>
+            </a:r>
+            <a:r>
+              <a:rPr lang="ru-RU" dirty="0"/>
+              <a:t>ценен?</a:t>
+            </a:r>
+            <a:br>
+              <a:rPr lang="ru-RU" dirty="0"/>
+            </a:br>
+            <a:r>
+              <a:rPr lang="en" sz="2400" dirty="0">
+                <a:solidFill>
+                  <a:schemeClr val="tx1">
+                    <a:lumMod val="65000"/>
+                    <a:lumOff val="35000"/>
+                  </a:schemeClr>
+                </a:solidFill>
+              </a:rPr>
+              <a:t>Product Owner </a:t>
+            </a:r>
+            <a:r>
+              <a:rPr lang="ru-RU" sz="2400" dirty="0">
+                <a:solidFill>
+                  <a:schemeClr val="tx1">
+                    <a:lumMod val="65000"/>
+                    <a:lumOff val="35000"/>
+                  </a:schemeClr>
+                </a:solidFill>
+              </a:rPr>
+              <a:t>предлагает, как можно повысить ценность и практичность продукта в текущем </a:t>
+            </a:r>
+            <a:r>
+              <a:rPr lang="en" sz="2400" dirty="0">
+                <a:solidFill>
+                  <a:schemeClr val="tx1">
+                    <a:lumMod val="65000"/>
+                    <a:lumOff val="35000"/>
+                  </a:schemeClr>
+                </a:solidFill>
+              </a:rPr>
+              <a:t>Sprint.</a:t>
+            </a:r>
+            <a:br>
+              <a:rPr lang="ru-RU" sz="2400" dirty="0">
+                <a:solidFill>
+                  <a:schemeClr val="tx1">
+                    <a:lumMod val="65000"/>
+                    <a:lumOff val="35000"/>
+                  </a:schemeClr>
+                </a:solidFill>
+              </a:rPr>
+            </a:br>
+            <a:r>
+              <a:rPr lang="ru-RU" sz="2400" dirty="0">
+                <a:solidFill>
+                  <a:schemeClr val="tx1">
+                    <a:lumMod val="65000"/>
+                    <a:lumOff val="35000"/>
+                  </a:schemeClr>
+                </a:solidFill>
+              </a:rPr>
+              <a:t>Затем вся </a:t>
+            </a:r>
+            <a:r>
+              <a:rPr lang="en" sz="2400" dirty="0">
+                <a:solidFill>
+                  <a:schemeClr val="tx1">
+                    <a:lumMod val="65000"/>
+                    <a:lumOff val="35000"/>
+                  </a:schemeClr>
+                </a:solidFill>
+              </a:rPr>
+              <a:t>Scrum Team </a:t>
+            </a:r>
+            <a:r>
+              <a:rPr lang="ru-RU" sz="2400" dirty="0">
+                <a:solidFill>
+                  <a:schemeClr val="tx1">
+                    <a:lumMod val="65000"/>
+                    <a:lumOff val="35000"/>
+                  </a:schemeClr>
+                </a:solidFill>
+              </a:rPr>
+              <a:t>совместно определяет </a:t>
+            </a:r>
+            <a:r>
+              <a:rPr lang="en" sz="2400" dirty="0">
+                <a:solidFill>
+                  <a:schemeClr val="tx1">
+                    <a:lumMod val="65000"/>
+                    <a:lumOff val="35000"/>
+                  </a:schemeClr>
+                </a:solidFill>
+              </a:rPr>
+              <a:t>Sprint Goal, </a:t>
+            </a:r>
+            <a:r>
+              <a:rPr lang="ru-RU" sz="2400" dirty="0">
+                <a:solidFill>
+                  <a:schemeClr val="tx1">
+                    <a:lumMod val="65000"/>
+                    <a:lumOff val="35000"/>
+                  </a:schemeClr>
+                </a:solidFill>
+              </a:rPr>
+              <a:t>которая объясняет, почему </a:t>
+            </a:r>
+            <a:r>
+              <a:rPr lang="en" sz="2400" dirty="0">
+                <a:solidFill>
+                  <a:schemeClr val="tx1">
+                    <a:lumMod val="65000"/>
+                    <a:lumOff val="35000"/>
+                  </a:schemeClr>
+                </a:solidFill>
+              </a:rPr>
+              <a:t>Sprint</a:t>
+            </a:r>
+            <a:r>
+              <a:rPr lang="ru-RU" sz="2400" dirty="0">
+                <a:solidFill>
+                  <a:schemeClr val="tx1">
+                    <a:lumMod val="65000"/>
+                    <a:lumOff val="35000"/>
+                  </a:schemeClr>
+                </a:solidFill>
+              </a:rPr>
+              <a:t> ценен для заинтересованных лиц</a:t>
+            </a:r>
+          </a:p>
+          <a:p>
+            <a:pPr marL="514350" indent="-514350">
+              <a:buAutoNum type="arabicPeriod"/>
+            </a:pPr>
+            <a:r>
+              <a:rPr lang="ru-RU" dirty="0"/>
+              <a:t>Что может быть готово в этом </a:t>
+            </a:r>
+            <a:r>
+              <a:rPr lang="en" dirty="0"/>
+              <a:t>Sprint?</a:t>
+            </a:r>
+            <a:br>
+              <a:rPr lang="ru-RU" dirty="0"/>
+            </a:br>
+            <a:r>
+              <a:rPr lang="en" sz="2400" dirty="0">
+                <a:solidFill>
+                  <a:schemeClr val="tx1">
+                    <a:lumMod val="65000"/>
+                    <a:lumOff val="35000"/>
+                  </a:schemeClr>
+                </a:solidFill>
+              </a:rPr>
+              <a:t>Developers </a:t>
+            </a:r>
+            <a:r>
+              <a:rPr lang="ru-RU" sz="2400" dirty="0">
+                <a:solidFill>
+                  <a:schemeClr val="tx1">
+                    <a:lumMod val="65000"/>
+                    <a:lumOff val="35000"/>
+                  </a:schemeClr>
+                </a:solidFill>
+              </a:rPr>
+              <a:t>обсуждают с </a:t>
+            </a:r>
+            <a:r>
+              <a:rPr lang="en" sz="2400" dirty="0">
+                <a:solidFill>
+                  <a:schemeClr val="tx1">
+                    <a:lumMod val="65000"/>
+                    <a:lumOff val="35000"/>
+                  </a:schemeClr>
+                </a:solidFill>
+              </a:rPr>
+              <a:t>Product Owner, </a:t>
+            </a:r>
+            <a:r>
+              <a:rPr lang="ru-RU" sz="2400" dirty="0">
+                <a:solidFill>
+                  <a:schemeClr val="tx1">
+                    <a:lumMod val="65000"/>
+                    <a:lumOff val="35000"/>
+                  </a:schemeClr>
+                </a:solidFill>
+              </a:rPr>
+              <a:t>какие элементы </a:t>
+            </a:r>
+            <a:r>
+              <a:rPr lang="en" sz="2400" dirty="0">
+                <a:solidFill>
+                  <a:schemeClr val="tx1">
+                    <a:lumMod val="65000"/>
+                    <a:lumOff val="35000"/>
+                  </a:schemeClr>
+                </a:solidFill>
+              </a:rPr>
+              <a:t>Product Backlog </a:t>
+            </a:r>
+            <a:r>
+              <a:rPr lang="ru-RU" sz="2400" dirty="0">
+                <a:solidFill>
+                  <a:schemeClr val="tx1">
+                    <a:lumMod val="65000"/>
+                    <a:lumOff val="35000"/>
+                  </a:schemeClr>
+                </a:solidFill>
+              </a:rPr>
+              <a:t>выбрать для включения в текущий </a:t>
+            </a:r>
+            <a:r>
+              <a:rPr lang="en" sz="2400" dirty="0">
+                <a:solidFill>
+                  <a:schemeClr val="tx1">
+                    <a:lumMod val="65000"/>
+                    <a:lumOff val="35000"/>
+                  </a:schemeClr>
+                </a:solidFill>
+              </a:rPr>
+              <a:t>Sprint. </a:t>
+            </a:r>
+            <a:r>
+              <a:rPr lang="ru-RU" sz="2400" dirty="0">
+                <a:solidFill>
+                  <a:schemeClr val="tx1">
+                    <a:lumMod val="65000"/>
+                    <a:lumOff val="35000"/>
+                  </a:schemeClr>
+                </a:solidFill>
+              </a:rPr>
+              <a:t>Предварительно проводят оценку трудоёмкости в </a:t>
+            </a:r>
+            <a:r>
+              <a:rPr lang="en-US" sz="2400" dirty="0">
+                <a:solidFill>
+                  <a:schemeClr val="tx1">
+                    <a:lumMod val="65000"/>
+                    <a:lumOff val="35000"/>
+                  </a:schemeClr>
+                </a:solidFill>
+              </a:rPr>
+              <a:t>Story points.</a:t>
+            </a:r>
+          </a:p>
+          <a:p>
+            <a:pPr marL="514350" indent="-514350">
+              <a:buAutoNum type="arabicPeriod"/>
+            </a:pPr>
+            <a:r>
+              <a:rPr lang="ru-RU" dirty="0"/>
+              <a:t>Как будет выполняться выбранная работа?</a:t>
+            </a:r>
+            <a:br>
+              <a:rPr lang="ru-RU" sz="2400" dirty="0"/>
+            </a:br>
+            <a:r>
+              <a:rPr lang="en" sz="2400" dirty="0">
+                <a:solidFill>
+                  <a:schemeClr val="tx1">
+                    <a:lumMod val="65000"/>
+                    <a:lumOff val="35000"/>
+                  </a:schemeClr>
+                </a:solidFill>
+              </a:rPr>
+              <a:t>Developers </a:t>
+            </a:r>
+            <a:r>
+              <a:rPr lang="ru-RU" sz="2400" dirty="0">
+                <a:solidFill>
+                  <a:schemeClr val="tx1">
+                    <a:lumMod val="65000"/>
+                    <a:lumOff val="35000"/>
+                  </a:schemeClr>
+                </a:solidFill>
+              </a:rPr>
+              <a:t>для каждого выбранного элемента </a:t>
+            </a:r>
+            <a:r>
+              <a:rPr lang="en" sz="2400" dirty="0">
+                <a:solidFill>
+                  <a:schemeClr val="tx1">
+                    <a:lumMod val="65000"/>
+                    <a:lumOff val="35000"/>
+                  </a:schemeClr>
+                </a:solidFill>
+              </a:rPr>
+              <a:t>Product Backlog </a:t>
+            </a:r>
+            <a:r>
+              <a:rPr lang="ru-RU" sz="2400" dirty="0">
+                <a:solidFill>
+                  <a:schemeClr val="tx1">
+                    <a:lumMod val="65000"/>
+                    <a:lumOff val="35000"/>
+                  </a:schemeClr>
+                </a:solidFill>
+              </a:rPr>
+              <a:t>планируют работу, необходимую для создания </a:t>
+            </a:r>
+            <a:r>
+              <a:rPr lang="en" sz="2400" dirty="0">
+                <a:solidFill>
+                  <a:schemeClr val="tx1">
+                    <a:lumMod val="65000"/>
+                    <a:lumOff val="35000"/>
+                  </a:schemeClr>
+                </a:solidFill>
+              </a:rPr>
+              <a:t>Increment</a:t>
+            </a:r>
+            <a:r>
+              <a:rPr lang="ru-RU" sz="2400" dirty="0">
+                <a:solidFill>
+                  <a:schemeClr val="tx1">
+                    <a:lumMod val="65000"/>
+                    <a:lumOff val="35000"/>
+                  </a:schemeClr>
+                </a:solidFill>
+              </a:rPr>
+              <a:t>. Это делается путем декомпозиции элементов </a:t>
+            </a:r>
+            <a:r>
+              <a:rPr lang="en" sz="2400" dirty="0">
+                <a:solidFill>
+                  <a:schemeClr val="tx1">
+                    <a:lumMod val="65000"/>
+                    <a:lumOff val="35000"/>
+                  </a:schemeClr>
+                </a:solidFill>
+              </a:rPr>
+              <a:t>Product Backlog </a:t>
+            </a:r>
+            <a:r>
+              <a:rPr lang="ru-RU" sz="2400" dirty="0">
+                <a:solidFill>
+                  <a:schemeClr val="tx1">
+                    <a:lumMod val="65000"/>
+                    <a:lumOff val="35000"/>
+                  </a:schemeClr>
+                </a:solidFill>
+              </a:rPr>
+              <a:t>на более мелкие задачи продолжительностью не более одного дня.</a:t>
             </a:r>
           </a:p>
           <a:p>
@@ -7117,59 +7174,50 @@
               <a:buNone/>
             </a:pPr>
             <a:r>
-              <a:rPr lang="ru-RU" b="1" dirty="0"/>
-              <a:t>Для чего применяется </a:t>
-            </a:r>
-            <a:r>
-              <a:rPr lang="en" b="1" dirty="0"/>
-              <a:t>User Story?</a:t>
-            </a:r>
-          </a:p>
-          <a:p>
-            <a:r>
-              <a:rPr lang="ru-RU" dirty="0"/>
-              <a:t>Для описания элементов </a:t>
-            </a:r>
-            <a:r>
-              <a:rPr lang="ru-RU" dirty="0" err="1"/>
-              <a:t>бэклога</a:t>
-            </a:r>
-            <a:endParaRPr lang="ru-RU" dirty="0"/>
-          </a:p>
-          <a:p>
-            <a:r>
-              <a:rPr lang="ru-RU" dirty="0"/>
-              <a:t>Для лучшего понимания пользователей</a:t>
-            </a:r>
-          </a:p>
-          <a:p>
-            <a:r>
-              <a:rPr lang="ru-RU" dirty="0"/>
-              <a:t>Для описания требований к продукту на понятном для всех языке: пользователей, разработчиков другие заинтересованных лиц</a:t>
-            </a:r>
-          </a:p>
-          <a:p>
-            <a:r>
-              <a:rPr lang="ru-RU" dirty="0"/>
-              <a:t>Для вовлечения в процесс разработки пользователей и заинтересованных лиц</a:t>
-            </a:r>
-          </a:p>
-          <a:p>
-            <a:r>
-              <a:rPr lang="ru-RU" dirty="0"/>
-              <a:t>Для построения </a:t>
-            </a:r>
-            <a:r>
-              <a:rPr lang="en" dirty="0">
-                <a:hlinkClick r:id="rId2"/>
-              </a:rPr>
-              <a:t>User Story Mapping</a:t>
-            </a:r>
-            <a:endParaRPr lang="en" dirty="0"/>
-          </a:p>
-          <a:p>
-            <a:pPr marL="0" indent="0">
-              <a:buNone/>
+              <a:rPr lang="en" sz="3000" dirty="0"/>
+              <a:t>Sprint Goal, </a:t>
+            </a:r>
+            <a:r>
+              <a:rPr lang="ru-RU" sz="3000" dirty="0"/>
+              <a:t>выбранные элементы </a:t>
+            </a:r>
+            <a:r>
+              <a:rPr lang="en" sz="3000" dirty="0"/>
+              <a:t>Product Backlog, </a:t>
+            </a:r>
+            <a:r>
+              <a:rPr lang="ru-RU" sz="3000" dirty="0"/>
+              <a:t>плюс план их реализации вместе называются </a:t>
+            </a:r>
+            <a:r>
+              <a:rPr lang="en" sz="3000" dirty="0"/>
+              <a:t>Sprint Backlog.</a:t>
+            </a:r>
+            <a:endParaRPr lang="en-US" sz="3000" dirty="0">
+              <a:solidFill>
+                <a:schemeClr val="tx1">
+                  <a:lumMod val="65000"/>
+                  <a:lumOff val="35000"/>
+                </a:schemeClr>
+              </a:solidFill>
+            </a:endParaRPr>
+          </a:p>
+          <a:p>
+            <a:pPr marL="514350" indent="-514350">
+              <a:buAutoNum type="arabicPeriod"/>
+            </a:pPr>
+            <a:endParaRPr lang="ru-RU" sz="2400" dirty="0">
+              <a:solidFill>
+                <a:schemeClr val="tx1">
+                  <a:lumMod val="65000"/>
+                  <a:lumOff val="35000"/>
+                </a:schemeClr>
+              </a:solidFill>
+            </a:endParaRPr>
+          </a:p>
+          <a:p>
+            <a:pPr marL="514350" indent="-514350">
+              <a:buAutoNum type="arabicPeriod"/>
             </a:pPr>
             <a:endParaRPr lang="ru-RU" dirty="0"/>
           </a:p>
@@ -7178,7 +7226,7 @@
     </p:spTree>
     <p:extLst>
       <p:ext uri="{BB962C8B-B14F-4D97-AF65-F5344CB8AC3E}">
-        <p14:creationId xmlns:p14="http://schemas.microsoft.com/office/powerpoint/2010/main" val="3945523104"/>
+        <p14:creationId xmlns:p14="http://schemas.microsoft.com/office/powerpoint/2010/main" val="1944600146"/>
       </p:ext>
     </p:extLst>
   </p:cSld>
@@ -7207,6 +7255,2961 @@
       </p:grpSpPr>
       <p:sp>
         <p:nvSpPr>
+          <p:cNvPr id="2" name="Заголовок 1">
+            <a:extLst>
+              <a:ext uri="{FF2B5EF4-FFF2-40B4-BE49-F238E27FC236}">
+                <a16:creationId xmlns:a16="http://schemas.microsoft.com/office/drawing/2014/main" id="{6E550FEC-7E6D-494F-BF7B-025726F63DEB}"/>
+              </a:ext>
+            </a:extLst>
+          </p:cNvPr>
+          <p:cNvSpPr>
+            <a:spLocks noGrp="1"/>
+          </p:cNvSpPr>
+          <p:nvPr>
+            <p:ph type="title"/>
+          </p:nvPr>
+        </p:nvSpPr>
+        <p:spPr>
+          <a:xfrm>
+            <a:off x="753140" y="406399"/>
+            <a:ext cx="10515600" cy="549275"/>
+          </a:xfrm>
+        </p:spPr>
+        <p:txBody>
+          <a:bodyPr>
+            <a:normAutofit fontScale="90000"/>
+          </a:bodyPr>
+          <a:lstStyle/>
+          <a:p>
+            <a:r>
+              <a:rPr lang="ru-RU" dirty="0"/>
+              <a:t>Пользовательские истории (</a:t>
+            </a:r>
+            <a:r>
+              <a:rPr lang="en" b="1" dirty="0"/>
+              <a:t>User Story</a:t>
+            </a:r>
+            <a:r>
+              <a:rPr lang="ru-RU" dirty="0"/>
+              <a:t>)</a:t>
+            </a:r>
+          </a:p>
+        </p:txBody>
+      </p:sp>
+      <p:sp>
+        <p:nvSpPr>
+          <p:cNvPr id="3" name="Объект 2">
+            <a:extLst>
+              <a:ext uri="{FF2B5EF4-FFF2-40B4-BE49-F238E27FC236}">
+                <a16:creationId xmlns:a16="http://schemas.microsoft.com/office/drawing/2014/main" id="{A9269475-3571-AE4B-978C-E6C31A163C34}"/>
+              </a:ext>
+            </a:extLst>
+          </p:cNvPr>
+          <p:cNvSpPr>
+            <a:spLocks noGrp="1"/>
+          </p:cNvSpPr>
+          <p:nvPr>
+            <p:ph idx="1"/>
+          </p:nvPr>
+        </p:nvSpPr>
+        <p:spPr>
+          <a:xfrm>
+            <a:off x="838200" y="1158949"/>
+            <a:ext cx="10515600" cy="5018014"/>
+          </a:xfrm>
+        </p:spPr>
+        <p:txBody>
+          <a:bodyPr>
+            <a:normAutofit lnSpcReduction="10000"/>
+          </a:bodyPr>
+          <a:lstStyle/>
+          <a:p>
+            <a:pPr marL="0" indent="0">
+              <a:buNone/>
+            </a:pPr>
+            <a:r>
+              <a:rPr lang="en" dirty="0"/>
+              <a:t>User Story (</a:t>
+            </a:r>
+            <a:r>
+              <a:rPr lang="ru-RU" dirty="0"/>
+              <a:t>пользовательская история) — короткая формулировка намерения пользователя и что продукт должен сделать для него.</a:t>
+            </a:r>
+          </a:p>
+          <a:p>
+            <a:pPr marL="0" indent="0">
+              <a:buNone/>
+            </a:pPr>
+            <a:r>
+              <a:rPr lang="ru-RU" b="1" dirty="0"/>
+              <a:t>Для чего применяется </a:t>
+            </a:r>
+            <a:r>
+              <a:rPr lang="en" b="1" dirty="0"/>
+              <a:t>User Story?</a:t>
+            </a:r>
+          </a:p>
+          <a:p>
+            <a:r>
+              <a:rPr lang="ru-RU" dirty="0"/>
+              <a:t>Для описания элементов </a:t>
+            </a:r>
+            <a:r>
+              <a:rPr lang="ru-RU" dirty="0" err="1"/>
+              <a:t>бэклога</a:t>
+            </a:r>
+            <a:endParaRPr lang="ru-RU" dirty="0"/>
+          </a:p>
+          <a:p>
+            <a:r>
+              <a:rPr lang="ru-RU" dirty="0"/>
+              <a:t>Для лучшего понимания пользователей</a:t>
+            </a:r>
+          </a:p>
+          <a:p>
+            <a:r>
+              <a:rPr lang="ru-RU" dirty="0"/>
+              <a:t>Для описания требований к продукту на понятном для всех языке: пользователей, разработчиков другие заинтересованных лиц</a:t>
+            </a:r>
+          </a:p>
+          <a:p>
+            <a:r>
+              <a:rPr lang="ru-RU" dirty="0"/>
+              <a:t>Для вовлечения в процесс разработки пользователей и заинтересованных лиц</a:t>
+            </a:r>
+          </a:p>
+          <a:p>
+            <a:r>
+              <a:rPr lang="ru-RU" dirty="0"/>
+              <a:t>Для построения </a:t>
+            </a:r>
+            <a:r>
+              <a:rPr lang="en" dirty="0">
+                <a:hlinkClick r:id="rId2"/>
+              </a:rPr>
+              <a:t>User Story Mapping</a:t>
+            </a:r>
+            <a:endParaRPr lang="en" dirty="0"/>
+          </a:p>
+          <a:p>
+            <a:pPr marL="0" indent="0">
+              <a:buNone/>
+            </a:pPr>
+            <a:endParaRPr lang="ru-RU" dirty="0"/>
+          </a:p>
+        </p:txBody>
+      </p:sp>
+    </p:spTree>
+    <p:extLst>
+      <p:ext uri="{BB962C8B-B14F-4D97-AF65-F5344CB8AC3E}">
+        <p14:creationId xmlns:p14="http://schemas.microsoft.com/office/powerpoint/2010/main" val="3945523104"/>
+      </p:ext>
+    </p:extLst>
+  </p:cSld>
+  <p:clrMapOvr>
+    <a:masterClrMapping/>
+  </p:clrMapOvr>
+</p:sld>
+</file>
+
+<file path=ppt/slides/slide26.xml><?xml version="1.0" encoding="utf-8"?>
+<p:sld xmlns:a="http://schemas.openxmlformats.org/drawingml/2006/main" xmlns:r="http://schemas.openxmlformats.org/officeDocument/2006/relationships" xmlns:p="http://schemas.openxmlformats.org/presentationml/2006/main">
+  <p:cSld>
+    <p:spTree>
+      <p:nvGrpSpPr>
+        <p:cNvPr id="1" name=""/>
+        <p:cNvGrpSpPr/>
+        <p:nvPr/>
+      </p:nvGrpSpPr>
+      <p:grpSpPr>
+        <a:xfrm>
+          <a:off x="0" y="0"/>
+          <a:ext cx="0" cy="0"/>
+          <a:chOff x="0" y="0"/>
+          <a:chExt cx="0" cy="0"/>
+        </a:xfrm>
+      </p:grpSpPr>
+      <p:sp>
+        <p:nvSpPr>
+          <p:cNvPr id="2" name="Заголовок 1">
+            <a:extLst>
+              <a:ext uri="{FF2B5EF4-FFF2-40B4-BE49-F238E27FC236}">
+                <a16:creationId xmlns:a16="http://schemas.microsoft.com/office/drawing/2014/main" id="{C3E30250-E032-AC48-AEE1-B6C023C22A4E}"/>
+              </a:ext>
+            </a:extLst>
+          </p:cNvPr>
+          <p:cNvSpPr>
+            <a:spLocks noGrp="1"/>
+          </p:cNvSpPr>
+          <p:nvPr>
+            <p:ph type="title"/>
+          </p:nvPr>
+        </p:nvSpPr>
+        <p:spPr>
+          <a:xfrm>
+            <a:off x="838200" y="365125"/>
+            <a:ext cx="10515600" cy="644967"/>
+          </a:xfrm>
+        </p:spPr>
+        <p:txBody>
+          <a:bodyPr>
+            <a:normAutofit fontScale="90000"/>
+          </a:bodyPr>
+          <a:lstStyle/>
+          <a:p>
+            <a:r>
+              <a:rPr lang="ru-RU" dirty="0"/>
+              <a:t>Дейли /</a:t>
+            </a:r>
+            <a:r>
+              <a:rPr lang="en-US" dirty="0"/>
+              <a:t> </a:t>
+            </a:r>
+            <a:r>
+              <a:rPr lang="ru-RU" dirty="0"/>
+              <a:t>стендап (</a:t>
+            </a:r>
+            <a:r>
+              <a:rPr lang="en-US" dirty="0"/>
+              <a:t>Daily scrum</a:t>
+            </a:r>
+            <a:r>
+              <a:rPr lang="ru-RU" dirty="0"/>
+              <a:t>)</a:t>
+            </a:r>
+          </a:p>
+        </p:txBody>
+      </p:sp>
+      <p:sp>
+        <p:nvSpPr>
+          <p:cNvPr id="3" name="Объект 2">
+            <a:extLst>
+              <a:ext uri="{FF2B5EF4-FFF2-40B4-BE49-F238E27FC236}">
+                <a16:creationId xmlns:a16="http://schemas.microsoft.com/office/drawing/2014/main" id="{E099FA63-454D-1444-A6FE-E0765533DC43}"/>
+              </a:ext>
+            </a:extLst>
+          </p:cNvPr>
+          <p:cNvSpPr>
+            <a:spLocks noGrp="1"/>
+          </p:cNvSpPr>
+          <p:nvPr>
+            <p:ph idx="1"/>
+          </p:nvPr>
+        </p:nvSpPr>
+        <p:spPr>
+          <a:xfrm>
+            <a:off x="838200" y="1127051"/>
+            <a:ext cx="10515600" cy="5049912"/>
+          </a:xfrm>
+        </p:spPr>
+        <p:txBody>
+          <a:bodyPr/>
+          <a:lstStyle/>
+          <a:p>
+            <a:pPr marL="0" indent="0">
+              <a:buNone/>
+            </a:pPr>
+            <a:r>
+              <a:rPr lang="ru-RU" dirty="0"/>
+              <a:t>Стендап </a:t>
+            </a:r>
+            <a:r>
+              <a:rPr lang="en-US" dirty="0"/>
+              <a:t>/ </a:t>
+            </a:r>
+            <a:r>
+              <a:rPr lang="ru-RU" dirty="0"/>
+              <a:t>Дейли (</a:t>
+            </a:r>
+            <a:r>
+              <a:rPr lang="en-US" dirty="0"/>
+              <a:t>Standup, Daily meeting, Daily scrum</a:t>
+            </a:r>
+            <a:r>
+              <a:rPr lang="ru-RU" dirty="0"/>
+              <a:t>).</a:t>
+            </a:r>
+          </a:p>
+          <a:p>
+            <a:pPr marL="0" indent="0">
+              <a:spcBef>
+                <a:spcPts val="1600"/>
+              </a:spcBef>
+              <a:buNone/>
+            </a:pPr>
+            <a:r>
+              <a:rPr lang="ru-RU" dirty="0"/>
+              <a:t>Короткая ежедневная встреча, предназначенная для синхронизации работы команды.</a:t>
+            </a:r>
+          </a:p>
+          <a:p>
+            <a:pPr marL="0" indent="0">
+              <a:spcBef>
+                <a:spcPts val="1600"/>
+              </a:spcBef>
+              <a:buNone/>
+            </a:pPr>
+            <a:r>
+              <a:rPr lang="ru-RU" dirty="0"/>
+              <a:t>Проводит митинг скрам-мастер. Он спрашивает по кругу всех членов команды, задавая 3 вопроса:</a:t>
+            </a:r>
+          </a:p>
+          <a:p>
+            <a:pPr marL="36000" indent="0">
+              <a:lnSpc>
+                <a:spcPct val="100000"/>
+              </a:lnSpc>
+              <a:spcBef>
+                <a:spcPts val="0"/>
+              </a:spcBef>
+              <a:buNone/>
+            </a:pPr>
+            <a:r>
+              <a:rPr lang="ru-RU" dirty="0"/>
+              <a:t>1. Что сделано вчера</a:t>
+            </a:r>
+          </a:p>
+          <a:p>
+            <a:pPr marL="36000" indent="0">
+              <a:lnSpc>
+                <a:spcPct val="100000"/>
+              </a:lnSpc>
+              <a:spcBef>
+                <a:spcPts val="0"/>
+              </a:spcBef>
+              <a:buNone/>
+            </a:pPr>
+            <a:r>
+              <a:rPr lang="ru-RU" dirty="0"/>
+              <a:t>2. Что будет сделано сегодня?</a:t>
+            </a:r>
+          </a:p>
+          <a:p>
+            <a:pPr marL="36000" indent="0">
+              <a:lnSpc>
+                <a:spcPct val="100000"/>
+              </a:lnSpc>
+              <a:spcBef>
+                <a:spcPts val="0"/>
+              </a:spcBef>
+              <a:buNone/>
+            </a:pPr>
+            <a:r>
+              <a:rPr lang="ru-RU" dirty="0"/>
+              <a:t>3. С какими проблемами столкнулся / нужна ли помощь?</a:t>
+            </a:r>
+          </a:p>
+          <a:p>
+            <a:pPr marL="0" indent="0">
+              <a:lnSpc>
+                <a:spcPct val="100000"/>
+              </a:lnSpc>
+              <a:spcBef>
+                <a:spcPts val="1200"/>
+              </a:spcBef>
+              <a:buNone/>
+            </a:pPr>
+            <a:r>
+              <a:rPr lang="ru-RU" dirty="0"/>
+              <a:t>Задача скрам-мастера — останавливать такие не относящиеся к теме обсуждения и выносить их за пределы встречи.</a:t>
+            </a:r>
+          </a:p>
+          <a:p>
+            <a:pPr marL="0" indent="0">
+              <a:buNone/>
+            </a:pPr>
+            <a:endParaRPr lang="en-US" dirty="0"/>
+          </a:p>
+        </p:txBody>
+      </p:sp>
+    </p:spTree>
+    <p:extLst>
+      <p:ext uri="{BB962C8B-B14F-4D97-AF65-F5344CB8AC3E}">
+        <p14:creationId xmlns:p14="http://schemas.microsoft.com/office/powerpoint/2010/main" val="4058012966"/>
+      </p:ext>
+    </p:extLst>
+  </p:cSld>
+  <p:clrMapOvr>
+    <a:masterClrMapping/>
+  </p:clrMapOvr>
+</p:sld>
+</file>
+
+<file path=ppt/slides/slide27.xml><?xml version="1.0" encoding="utf-8"?>
+<p:sld xmlns:a="http://schemas.openxmlformats.org/drawingml/2006/main" xmlns:r="http://schemas.openxmlformats.org/officeDocument/2006/relationships" xmlns:p="http://schemas.openxmlformats.org/presentationml/2006/main">
+  <p:cSld>
+    <p:spTree>
+      <p:nvGrpSpPr>
+        <p:cNvPr id="1" name=""/>
+        <p:cNvGrpSpPr/>
+        <p:nvPr/>
+      </p:nvGrpSpPr>
+      <p:grpSpPr>
+        <a:xfrm>
+          <a:off x="0" y="0"/>
+          <a:ext cx="0" cy="0"/>
+          <a:chOff x="0" y="0"/>
+          <a:chExt cx="0" cy="0"/>
+        </a:xfrm>
+      </p:grpSpPr>
+      <p:sp>
+        <p:nvSpPr>
+          <p:cNvPr id="2" name="Заголовок 1">
+            <a:extLst>
+              <a:ext uri="{FF2B5EF4-FFF2-40B4-BE49-F238E27FC236}">
+                <a16:creationId xmlns:a16="http://schemas.microsoft.com/office/drawing/2014/main" id="{36DD19B1-3209-B44E-96D0-35DC3CF98F46}"/>
+              </a:ext>
+            </a:extLst>
+          </p:cNvPr>
+          <p:cNvSpPr>
+            <a:spLocks noGrp="1"/>
+          </p:cNvSpPr>
+          <p:nvPr>
+            <p:ph type="title"/>
+          </p:nvPr>
+        </p:nvSpPr>
+        <p:spPr>
+          <a:xfrm>
+            <a:off x="838200" y="365125"/>
+            <a:ext cx="10515600" cy="698131"/>
+          </a:xfrm>
+        </p:spPr>
+        <p:txBody>
+          <a:bodyPr/>
+          <a:lstStyle/>
+          <a:p>
+            <a:r>
+              <a:rPr lang="ru-RU" dirty="0"/>
+              <a:t>Дейли /</a:t>
+            </a:r>
+            <a:r>
+              <a:rPr lang="en-US" dirty="0"/>
+              <a:t> </a:t>
+            </a:r>
+            <a:r>
+              <a:rPr lang="ru-RU" dirty="0"/>
+              <a:t>стендап (</a:t>
+            </a:r>
+            <a:r>
+              <a:rPr lang="en-US" dirty="0"/>
+              <a:t>Daily scrum</a:t>
+            </a:r>
+            <a:r>
+              <a:rPr lang="ru-RU" dirty="0"/>
+              <a:t>)</a:t>
+            </a:r>
+          </a:p>
+        </p:txBody>
+      </p:sp>
+      <p:sp>
+        <p:nvSpPr>
+          <p:cNvPr id="3" name="Объект 2">
+            <a:extLst>
+              <a:ext uri="{FF2B5EF4-FFF2-40B4-BE49-F238E27FC236}">
+                <a16:creationId xmlns:a16="http://schemas.microsoft.com/office/drawing/2014/main" id="{3A9C7923-D532-8443-B643-F41B95B1DFC0}"/>
+              </a:ext>
+            </a:extLst>
+          </p:cNvPr>
+          <p:cNvSpPr>
+            <a:spLocks noGrp="1"/>
+          </p:cNvSpPr>
+          <p:nvPr>
+            <p:ph idx="1"/>
+          </p:nvPr>
+        </p:nvSpPr>
+        <p:spPr>
+          <a:xfrm>
+            <a:off x="838200" y="1350335"/>
+            <a:ext cx="10515600" cy="4826628"/>
+          </a:xfrm>
+        </p:spPr>
+        <p:txBody>
+          <a:bodyPr>
+            <a:normAutofit/>
+          </a:bodyPr>
+          <a:lstStyle/>
+          <a:p>
+            <a:r>
+              <a:rPr lang="ru-RU" dirty="0"/>
+              <a:t>Проводится в одно и то же время в одном и том же месте</a:t>
+            </a:r>
+          </a:p>
+          <a:p>
+            <a:r>
+              <a:rPr lang="ru-RU" dirty="0"/>
+              <a:t>Длительность — не более 15 минут</a:t>
+            </a:r>
+          </a:p>
+          <a:p>
+            <a:r>
+              <a:rPr lang="ru-RU" dirty="0"/>
+              <a:t>Начинается и заканчивается вовремя (дисциплина!)</a:t>
+            </a:r>
+          </a:p>
+          <a:p>
+            <a:r>
+              <a:rPr lang="ru-RU" dirty="0"/>
+              <a:t>Все члены команды участвуют и отвечают на 3 вопроса</a:t>
+            </a:r>
+          </a:p>
+          <a:p>
+            <a:r>
+              <a:rPr lang="ru-RU" dirty="0"/>
+              <a:t>Стендап не прерывается</a:t>
+            </a:r>
+          </a:p>
+          <a:p>
+            <a:r>
+              <a:rPr lang="ru-RU" dirty="0"/>
+              <a:t>Члены команды сами выбирают задачи на </a:t>
+            </a:r>
+            <a:r>
+              <a:rPr lang="ru-RU" dirty="0" err="1"/>
+              <a:t>стендапе</a:t>
+            </a:r>
+            <a:endParaRPr lang="ru-RU" dirty="0"/>
+          </a:p>
+          <a:p>
+            <a:pPr lvl="1"/>
+            <a:r>
+              <a:rPr lang="ru-RU" dirty="0"/>
+              <a:t>Скрам-мастер не раздаёт задачи!</a:t>
+            </a:r>
+          </a:p>
+          <a:p>
+            <a:r>
+              <a:rPr lang="ru-RU" dirty="0"/>
+              <a:t>Члены команды обращаются друг к другу, а не отчитываются перед скрам-мастером или менеджером</a:t>
+            </a:r>
+          </a:p>
+        </p:txBody>
+      </p:sp>
+    </p:spTree>
+    <p:extLst>
+      <p:ext uri="{BB962C8B-B14F-4D97-AF65-F5344CB8AC3E}">
+        <p14:creationId xmlns:p14="http://schemas.microsoft.com/office/powerpoint/2010/main" val="2722297405"/>
+      </p:ext>
+    </p:extLst>
+  </p:cSld>
+  <p:clrMapOvr>
+    <a:masterClrMapping/>
+  </p:clrMapOvr>
+</p:sld>
+</file>
+
+<file path=ppt/slides/slide28.xml><?xml version="1.0" encoding="utf-8"?>
+<p:sld xmlns:a="http://schemas.openxmlformats.org/drawingml/2006/main" xmlns:r="http://schemas.openxmlformats.org/officeDocument/2006/relationships" xmlns:p="http://schemas.openxmlformats.org/presentationml/2006/main">
+  <p:cSld>
+    <p:spTree>
+      <p:nvGrpSpPr>
+        <p:cNvPr id="1" name=""/>
+        <p:cNvGrpSpPr/>
+        <p:nvPr/>
+      </p:nvGrpSpPr>
+      <p:grpSpPr>
+        <a:xfrm>
+          <a:off x="0" y="0"/>
+          <a:ext cx="0" cy="0"/>
+          <a:chOff x="0" y="0"/>
+          <a:chExt cx="0" cy="0"/>
+        </a:xfrm>
+      </p:grpSpPr>
+      <p:sp>
+        <p:nvSpPr>
+          <p:cNvPr id="2" name="Заголовок 1">
+            <a:extLst>
+              <a:ext uri="{FF2B5EF4-FFF2-40B4-BE49-F238E27FC236}">
+                <a16:creationId xmlns:a16="http://schemas.microsoft.com/office/drawing/2014/main" id="{FBE1DFE6-3E97-7F4B-BD94-621E502308EB}"/>
+              </a:ext>
+            </a:extLst>
+          </p:cNvPr>
+          <p:cNvSpPr>
+            <a:spLocks noGrp="1"/>
+          </p:cNvSpPr>
+          <p:nvPr>
+            <p:ph type="title"/>
+          </p:nvPr>
+        </p:nvSpPr>
+        <p:spPr>
+          <a:xfrm>
+            <a:off x="838200" y="365126"/>
+            <a:ext cx="10515600" cy="942680"/>
+          </a:xfrm>
+        </p:spPr>
+        <p:txBody>
+          <a:bodyPr>
+            <a:normAutofit fontScale="90000"/>
+          </a:bodyPr>
+          <a:lstStyle/>
+          <a:p>
+            <a:r>
+              <a:rPr lang="ru-RU" dirty="0" err="1"/>
+              <a:t>Демо</a:t>
+            </a:r>
+            <a:r>
+              <a:rPr lang="ru-RU" dirty="0"/>
+              <a:t> (</a:t>
+            </a:r>
+            <a:r>
+              <a:rPr lang="en" dirty="0"/>
+              <a:t>Demo) / </a:t>
+            </a:r>
+            <a:r>
+              <a:rPr lang="ru-RU" dirty="0" err="1"/>
+              <a:t>Ревью</a:t>
+            </a:r>
+            <a:r>
+              <a:rPr lang="ru-RU" dirty="0"/>
+              <a:t> спринта (</a:t>
+            </a:r>
+            <a:r>
+              <a:rPr lang="en" dirty="0"/>
+              <a:t>Sprint Review)</a:t>
+            </a:r>
+            <a:endParaRPr lang="ru-RU" dirty="0"/>
+          </a:p>
+        </p:txBody>
+      </p:sp>
+      <p:sp>
+        <p:nvSpPr>
+          <p:cNvPr id="3" name="Объект 2">
+            <a:extLst>
+              <a:ext uri="{FF2B5EF4-FFF2-40B4-BE49-F238E27FC236}">
+                <a16:creationId xmlns:a16="http://schemas.microsoft.com/office/drawing/2014/main" id="{E5B19119-F935-4F41-8A2D-38F380B7BC5D}"/>
+              </a:ext>
+            </a:extLst>
+          </p:cNvPr>
+          <p:cNvSpPr>
+            <a:spLocks noGrp="1"/>
+          </p:cNvSpPr>
+          <p:nvPr>
+            <p:ph idx="1"/>
+          </p:nvPr>
+        </p:nvSpPr>
+        <p:spPr>
+          <a:xfrm>
+            <a:off x="838200" y="1467292"/>
+            <a:ext cx="10515600" cy="4933507"/>
+          </a:xfrm>
+        </p:spPr>
+        <p:txBody>
+          <a:bodyPr>
+            <a:normAutofit fontScale="92500" lnSpcReduction="20000"/>
+          </a:bodyPr>
+          <a:lstStyle/>
+          <a:p>
+            <a:r>
+              <a:rPr lang="ru-RU" dirty="0"/>
+              <a:t>Цель </a:t>
+            </a:r>
+            <a:r>
+              <a:rPr lang="ru-RU" dirty="0" err="1"/>
+              <a:t>демо</a:t>
+            </a:r>
+            <a:r>
+              <a:rPr lang="ru-RU" dirty="0"/>
+              <a:t> — рассказать </a:t>
+            </a:r>
+            <a:r>
+              <a:rPr lang="en" dirty="0"/>
+              <a:t>PO </a:t>
+            </a:r>
+            <a:r>
+              <a:rPr lang="ru-RU" dirty="0"/>
+              <a:t>и всем </a:t>
+            </a:r>
+            <a:r>
+              <a:rPr lang="en-US" dirty="0"/>
+              <a:t>Stakeholders </a:t>
+            </a:r>
+            <a:r>
+              <a:rPr lang="ru-RU" dirty="0"/>
+              <a:t>о прогрессе и получить с них обратную связь.</a:t>
+            </a:r>
+            <a:endParaRPr lang="en-US" dirty="0"/>
+          </a:p>
+          <a:p>
+            <a:r>
+              <a:rPr lang="ru-RU" dirty="0" err="1"/>
+              <a:t>Демо</a:t>
+            </a:r>
+            <a:r>
+              <a:rPr lang="ru-RU" dirty="0"/>
+              <a:t> проводится в конце каждой итерации.</a:t>
+            </a:r>
+            <a:endParaRPr lang="en-US" dirty="0"/>
+          </a:p>
+          <a:p>
+            <a:r>
+              <a:rPr lang="ru-RU" dirty="0"/>
+              <a:t>Команда показывает результаты своей работы, последовательно показывая сделанные фичи / пользовательские истории.</a:t>
+            </a:r>
+            <a:endParaRPr lang="en-US" dirty="0"/>
+          </a:p>
+          <a:p>
+            <a:r>
+              <a:rPr lang="ru-RU" dirty="0"/>
+              <a:t>Показывается работающая система (не презентации и не написанные классы)</a:t>
+            </a:r>
+          </a:p>
+          <a:p>
+            <a:r>
+              <a:rPr lang="ru-RU" dirty="0"/>
+              <a:t>Показываются только сделанные фичи (не доделанные — не показываются)</a:t>
+            </a:r>
+          </a:p>
+          <a:p>
+            <a:r>
+              <a:rPr lang="ru-RU" dirty="0"/>
+              <a:t>Все заинтересованные лица приглашаются на </a:t>
+            </a:r>
+            <a:r>
+              <a:rPr lang="ru-RU" dirty="0" err="1"/>
+              <a:t>демо</a:t>
+            </a:r>
+            <a:endParaRPr lang="ru-RU" dirty="0"/>
+          </a:p>
+          <a:p>
+            <a:r>
+              <a:rPr lang="ru-RU" dirty="0"/>
+              <a:t>Команда получает от заинтересованных лиц обратную связь</a:t>
+            </a:r>
+          </a:p>
+          <a:p>
+            <a:r>
+              <a:rPr lang="en" dirty="0"/>
+              <a:t>PO </a:t>
+            </a:r>
+            <a:r>
+              <a:rPr lang="ru-RU" dirty="0"/>
+              <a:t>корректирует </a:t>
+            </a:r>
+            <a:r>
+              <a:rPr lang="en-US" dirty="0"/>
+              <a:t>Product backlog </a:t>
+            </a:r>
+            <a:r>
+              <a:rPr lang="ru-RU" dirty="0"/>
+              <a:t>в соответствии с пожеланиями заинтересованных лиц</a:t>
+            </a:r>
+          </a:p>
+        </p:txBody>
+      </p:sp>
+    </p:spTree>
+    <p:extLst>
+      <p:ext uri="{BB962C8B-B14F-4D97-AF65-F5344CB8AC3E}">
+        <p14:creationId xmlns:p14="http://schemas.microsoft.com/office/powerpoint/2010/main" val="3469762069"/>
+      </p:ext>
+    </p:extLst>
+  </p:cSld>
+  <p:clrMapOvr>
+    <a:masterClrMapping/>
+  </p:clrMapOvr>
+</p:sld>
+</file>
+
+<file path=ppt/slides/slide29.xml><?xml version="1.0" encoding="utf-8"?>
+<p:sld xmlns:a="http://schemas.openxmlformats.org/drawingml/2006/main" xmlns:r="http://schemas.openxmlformats.org/officeDocument/2006/relationships" xmlns:p="http://schemas.openxmlformats.org/presentationml/2006/main">
+  <p:cSld>
+    <p:spTree>
+      <p:nvGrpSpPr>
+        <p:cNvPr id="1" name=""/>
+        <p:cNvGrpSpPr/>
+        <p:nvPr/>
+      </p:nvGrpSpPr>
+      <p:grpSpPr>
+        <a:xfrm>
+          <a:off x="0" y="0"/>
+          <a:ext cx="0" cy="0"/>
+          <a:chOff x="0" y="0"/>
+          <a:chExt cx="0" cy="0"/>
+        </a:xfrm>
+      </p:grpSpPr>
+      <p:sp>
+        <p:nvSpPr>
+          <p:cNvPr id="2" name="Заголовок 1">
+            <a:extLst>
+              <a:ext uri="{FF2B5EF4-FFF2-40B4-BE49-F238E27FC236}">
+                <a16:creationId xmlns:a16="http://schemas.microsoft.com/office/drawing/2014/main" id="{A50F98EA-848E-4C47-9CAA-07978EEFE38A}"/>
+              </a:ext>
+            </a:extLst>
+          </p:cNvPr>
+          <p:cNvSpPr>
+            <a:spLocks noGrp="1"/>
+          </p:cNvSpPr>
+          <p:nvPr>
+            <p:ph type="title"/>
+          </p:nvPr>
+        </p:nvSpPr>
+        <p:spPr>
+          <a:xfrm>
+            <a:off x="733646" y="386389"/>
+            <a:ext cx="10515600" cy="857619"/>
+          </a:xfrm>
+        </p:spPr>
+        <p:txBody>
+          <a:bodyPr>
+            <a:normAutofit fontScale="90000"/>
+          </a:bodyPr>
+          <a:lstStyle/>
+          <a:p>
+            <a:r>
+              <a:rPr lang="ru-RU" dirty="0"/>
+              <a:t>Ретроспектива спринта (</a:t>
+            </a:r>
+            <a:r>
+              <a:rPr lang="en" dirty="0"/>
+              <a:t>Sprint Retrospective)</a:t>
+            </a:r>
+            <a:endParaRPr lang="ru-RU" dirty="0"/>
+          </a:p>
+        </p:txBody>
+      </p:sp>
+      <p:sp>
+        <p:nvSpPr>
+          <p:cNvPr id="3" name="Объект 2">
+            <a:extLst>
+              <a:ext uri="{FF2B5EF4-FFF2-40B4-BE49-F238E27FC236}">
+                <a16:creationId xmlns:a16="http://schemas.microsoft.com/office/drawing/2014/main" id="{6AE6A54D-397D-C740-8809-92A2AEBA6BD5}"/>
+              </a:ext>
+            </a:extLst>
+          </p:cNvPr>
+          <p:cNvSpPr>
+            <a:spLocks noGrp="1"/>
+          </p:cNvSpPr>
+          <p:nvPr>
+            <p:ph idx="1"/>
+          </p:nvPr>
+        </p:nvSpPr>
+        <p:spPr>
+          <a:xfrm>
+            <a:off x="733646" y="1573619"/>
+            <a:ext cx="10802679" cy="4603344"/>
+          </a:xfrm>
+        </p:spPr>
+        <p:txBody>
+          <a:bodyPr>
+            <a:normAutofit fontScale="85000" lnSpcReduction="20000"/>
+          </a:bodyPr>
+          <a:lstStyle/>
+          <a:p>
+            <a:pPr marL="0" indent="0">
+              <a:buNone/>
+            </a:pPr>
+            <a:r>
+              <a:rPr lang="ru-RU" dirty="0"/>
+              <a:t>Цель </a:t>
+            </a:r>
+            <a:r>
+              <a:rPr lang="en" dirty="0"/>
+              <a:t>Sprint Retrospective — </a:t>
+            </a:r>
+            <a:r>
+              <a:rPr lang="ru-RU" dirty="0"/>
+              <a:t>запланировать повышение качества и эффективности.</a:t>
+            </a:r>
+          </a:p>
+          <a:p>
+            <a:endParaRPr lang="ru-RU" dirty="0"/>
+          </a:p>
+          <a:p>
+            <a:r>
+              <a:rPr lang="en" dirty="0"/>
+              <a:t>Scrum Team </a:t>
+            </a:r>
+            <a:r>
+              <a:rPr lang="ru-RU" dirty="0"/>
+              <a:t>инспектирует то, как прошел последний </a:t>
+            </a:r>
+            <a:r>
+              <a:rPr lang="en" dirty="0"/>
+              <a:t>Sprint </a:t>
+            </a:r>
+            <a:r>
+              <a:rPr lang="ru-RU" dirty="0"/>
+              <a:t>в отношении людей, взаимодействий,</a:t>
+            </a:r>
+            <a:r>
+              <a:rPr lang="en-US" dirty="0"/>
+              <a:t> </a:t>
+            </a:r>
+            <a:r>
+              <a:rPr lang="ru-RU" dirty="0"/>
+              <a:t>процессов, инструментов и определения готовности.</a:t>
+            </a:r>
+          </a:p>
+          <a:p>
+            <a:r>
+              <a:rPr lang="ru-RU" dirty="0"/>
+              <a:t>Выявляются предположения, которые сбили </a:t>
+            </a:r>
+            <a:r>
+              <a:rPr lang="en" dirty="0"/>
+              <a:t>Scrum Team </a:t>
+            </a:r>
+            <a:r>
+              <a:rPr lang="ru-RU" dirty="0"/>
+              <a:t>с пути, и исследуется их происхождение.</a:t>
+            </a:r>
+          </a:p>
+          <a:p>
+            <a:r>
+              <a:rPr lang="ru-RU" dirty="0"/>
+              <a:t>Участники </a:t>
+            </a:r>
+            <a:r>
+              <a:rPr lang="en" dirty="0"/>
+              <a:t>Scrum Team </a:t>
+            </a:r>
+            <a:r>
+              <a:rPr lang="ru-RU" dirty="0"/>
+              <a:t>обсуждают, что прошло хорошо во время </a:t>
+            </a:r>
+            <a:r>
+              <a:rPr lang="en" dirty="0"/>
+              <a:t>Sprint, </a:t>
+            </a:r>
+            <a:r>
+              <a:rPr lang="ru-RU" dirty="0"/>
+              <a:t>с какими проблемами они</a:t>
+            </a:r>
+            <a:r>
+              <a:rPr lang="en-US" dirty="0"/>
+              <a:t> </a:t>
+            </a:r>
+            <a:r>
+              <a:rPr lang="ru-RU" dirty="0"/>
+              <a:t>столкнулись, и как эти проблемы были (или не были) решены.</a:t>
+            </a:r>
+          </a:p>
+          <a:p>
+            <a:r>
+              <a:rPr lang="en" dirty="0"/>
+              <a:t>Scrum Team </a:t>
+            </a:r>
+            <a:r>
+              <a:rPr lang="ru-RU" dirty="0"/>
+              <a:t>определяет наиболее полезные для повышения эффективности изменения.</a:t>
+            </a:r>
+          </a:p>
+          <a:p>
+            <a:r>
+              <a:rPr lang="ru-RU" dirty="0"/>
+              <a:t>Улучшения с самым высоким влиянием реализуются в кратчайшие сроки. Они могут даже быть</a:t>
+            </a:r>
+            <a:r>
+              <a:rPr lang="en-US" dirty="0"/>
+              <a:t> </a:t>
+            </a:r>
+            <a:r>
+              <a:rPr lang="ru-RU" dirty="0"/>
+              <a:t>добавлены в </a:t>
+            </a:r>
+            <a:r>
+              <a:rPr lang="en" dirty="0"/>
+              <a:t>Sprint Backlog </a:t>
+            </a:r>
+            <a:r>
+              <a:rPr lang="ru-RU" dirty="0"/>
+              <a:t>следующего </a:t>
+            </a:r>
+            <a:r>
+              <a:rPr lang="en" dirty="0"/>
+              <a:t>Sprint.</a:t>
+            </a:r>
+            <a:endParaRPr lang="ru-RU" dirty="0"/>
+          </a:p>
+        </p:txBody>
+      </p:sp>
+    </p:spTree>
+    <p:extLst>
+      <p:ext uri="{BB962C8B-B14F-4D97-AF65-F5344CB8AC3E}">
+        <p14:creationId xmlns:p14="http://schemas.microsoft.com/office/powerpoint/2010/main" val="1702898873"/>
+      </p:ext>
+    </p:extLst>
+  </p:cSld>
+  <p:clrMapOvr>
+    <a:masterClrMapping/>
+  </p:clrMapOvr>
+</p:sld>
+</file>
+
+<file path=ppt/slides/slide3.xml><?xml version="1.0" encoding="utf-8"?>
+<p:sld xmlns:a="http://schemas.openxmlformats.org/drawingml/2006/main" xmlns:r="http://schemas.openxmlformats.org/officeDocument/2006/relationships" xmlns:p="http://schemas.openxmlformats.org/presentationml/2006/main">
+  <p:cSld>
+    <p:spTree>
+      <p:nvGrpSpPr>
+        <p:cNvPr id="1" name=""/>
+        <p:cNvGrpSpPr/>
+        <p:nvPr/>
+      </p:nvGrpSpPr>
+      <p:grpSpPr>
+        <a:xfrm>
+          <a:off x="0" y="0"/>
+          <a:ext cx="0" cy="0"/>
+          <a:chOff x="0" y="0"/>
+          <a:chExt cx="0" cy="0"/>
+        </a:xfrm>
+      </p:grpSpPr>
+      <p:pic>
+        <p:nvPicPr>
+          <p:cNvPr id="7" name="Рисунок 6">
+            <a:extLst>
+              <a:ext uri="{FF2B5EF4-FFF2-40B4-BE49-F238E27FC236}">
+                <a16:creationId xmlns:a16="http://schemas.microsoft.com/office/drawing/2014/main" id="{CFEB065F-619D-5C43-B2E8-87BE4E04283E}"/>
+              </a:ext>
+            </a:extLst>
+          </p:cNvPr>
+          <p:cNvPicPr>
+            <a:picLocks noChangeAspect="1"/>
+          </p:cNvPicPr>
+          <p:nvPr/>
+        </p:nvPicPr>
+        <p:blipFill>
+          <a:blip r:embed="rId2"/>
+          <a:stretch>
+            <a:fillRect/>
+          </a:stretch>
+        </p:blipFill>
+        <p:spPr>
+          <a:xfrm>
+            <a:off x="233709" y="281360"/>
+            <a:ext cx="4636004" cy="3582367"/>
+          </a:xfrm>
+          <a:prstGeom prst="rect">
+            <a:avLst/>
+          </a:prstGeom>
+        </p:spPr>
+      </p:pic>
+      <p:pic>
+        <p:nvPicPr>
+          <p:cNvPr id="9" name="Рисунок 8">
+            <a:extLst>
+              <a:ext uri="{FF2B5EF4-FFF2-40B4-BE49-F238E27FC236}">
+                <a16:creationId xmlns:a16="http://schemas.microsoft.com/office/drawing/2014/main" id="{787705A5-6814-324F-8147-1DA153A53097}"/>
+              </a:ext>
+            </a:extLst>
+          </p:cNvPr>
+          <p:cNvPicPr>
+            <a:picLocks noChangeAspect="1"/>
+          </p:cNvPicPr>
+          <p:nvPr/>
+        </p:nvPicPr>
+        <p:blipFill>
+          <a:blip r:embed="rId3"/>
+          <a:stretch>
+            <a:fillRect/>
+          </a:stretch>
+        </p:blipFill>
+        <p:spPr>
+          <a:xfrm>
+            <a:off x="4068725" y="2860157"/>
+            <a:ext cx="4636004" cy="3582367"/>
+          </a:xfrm>
+          <a:prstGeom prst="rect">
+            <a:avLst/>
+          </a:prstGeom>
+        </p:spPr>
+      </p:pic>
+      <p:pic>
+        <p:nvPicPr>
+          <p:cNvPr id="13" name="Рисунок 12">
+            <a:extLst>
+              <a:ext uri="{FF2B5EF4-FFF2-40B4-BE49-F238E27FC236}">
+                <a16:creationId xmlns:a16="http://schemas.microsoft.com/office/drawing/2014/main" id="{005E4374-61C6-5D42-820A-1320BCA72CB9}"/>
+              </a:ext>
+            </a:extLst>
+          </p:cNvPr>
+          <p:cNvPicPr>
+            <a:picLocks noChangeAspect="1"/>
+          </p:cNvPicPr>
+          <p:nvPr/>
+        </p:nvPicPr>
+        <p:blipFill>
+          <a:blip r:embed="rId4"/>
+          <a:stretch>
+            <a:fillRect/>
+          </a:stretch>
+        </p:blipFill>
+        <p:spPr>
+          <a:xfrm>
+            <a:off x="7953594" y="148855"/>
+            <a:ext cx="4004698" cy="5667153"/>
+          </a:xfrm>
+          <a:prstGeom prst="rect">
+            <a:avLst/>
+          </a:prstGeom>
+        </p:spPr>
+      </p:pic>
+    </p:spTree>
+    <p:extLst>
+      <p:ext uri="{BB962C8B-B14F-4D97-AF65-F5344CB8AC3E}">
+        <p14:creationId xmlns:p14="http://schemas.microsoft.com/office/powerpoint/2010/main" val="3768589723"/>
+      </p:ext>
+    </p:extLst>
+  </p:cSld>
+  <p:clrMapOvr>
+    <a:masterClrMapping/>
+  </p:clrMapOvr>
+</p:sld>
+</file>
+
+<file path=ppt/slides/slide30.xml><?xml version="1.0" encoding="utf-8"?>
+<p:sld xmlns:a="http://schemas.openxmlformats.org/drawingml/2006/main" xmlns:r="http://schemas.openxmlformats.org/officeDocument/2006/relationships" xmlns:p="http://schemas.openxmlformats.org/presentationml/2006/main">
+  <p:cSld>
+    <p:spTree>
+      <p:nvGrpSpPr>
+        <p:cNvPr id="1" name=""/>
+        <p:cNvGrpSpPr/>
+        <p:nvPr/>
+      </p:nvGrpSpPr>
+      <p:grpSpPr>
+        <a:xfrm>
+          <a:off x="0" y="0"/>
+          <a:ext cx="0" cy="0"/>
+          <a:chOff x="0" y="0"/>
+          <a:chExt cx="0" cy="0"/>
+        </a:xfrm>
+      </p:grpSpPr>
+      <p:sp>
+        <p:nvSpPr>
+          <p:cNvPr id="2" name="Заголовок 1">
+            <a:extLst>
+              <a:ext uri="{FF2B5EF4-FFF2-40B4-BE49-F238E27FC236}">
+                <a16:creationId xmlns:a16="http://schemas.microsoft.com/office/drawing/2014/main" id="{893DCE17-CDAD-314F-9C6F-ECA2E5843793}"/>
+              </a:ext>
+            </a:extLst>
+          </p:cNvPr>
+          <p:cNvSpPr>
+            <a:spLocks noGrp="1"/>
+          </p:cNvSpPr>
+          <p:nvPr>
+            <p:ph type="title"/>
+          </p:nvPr>
+        </p:nvSpPr>
+        <p:spPr>
+          <a:xfrm>
+            <a:off x="838200" y="365125"/>
+            <a:ext cx="10515600" cy="740661"/>
+          </a:xfrm>
+        </p:spPr>
+        <p:txBody>
+          <a:bodyPr/>
+          <a:lstStyle/>
+          <a:p>
+            <a:r>
+              <a:rPr lang="ru-RU" b="1" dirty="0"/>
+              <a:t>Артефакты </a:t>
+            </a:r>
+            <a:r>
+              <a:rPr lang="en" b="1" dirty="0"/>
+              <a:t>Scrum</a:t>
+            </a:r>
+            <a:endParaRPr lang="ru-RU" b="1" dirty="0"/>
+          </a:p>
+        </p:txBody>
+      </p:sp>
+      <p:sp>
+        <p:nvSpPr>
+          <p:cNvPr id="3" name="Объект 2">
+            <a:extLst>
+              <a:ext uri="{FF2B5EF4-FFF2-40B4-BE49-F238E27FC236}">
+                <a16:creationId xmlns:a16="http://schemas.microsoft.com/office/drawing/2014/main" id="{88508F49-BFA2-AD41-9AB3-E211E5FD39DC}"/>
+              </a:ext>
+            </a:extLst>
+          </p:cNvPr>
+          <p:cNvSpPr>
+            <a:spLocks noGrp="1"/>
+          </p:cNvSpPr>
+          <p:nvPr>
+            <p:ph idx="1"/>
+          </p:nvPr>
+        </p:nvSpPr>
+        <p:spPr>
+          <a:xfrm>
+            <a:off x="838200" y="1477926"/>
+            <a:ext cx="10515600" cy="4699037"/>
+          </a:xfrm>
+        </p:spPr>
+        <p:txBody>
+          <a:bodyPr/>
+          <a:lstStyle/>
+          <a:p>
+            <a:pPr marL="0" indent="0">
+              <a:buNone/>
+            </a:pPr>
+            <a:r>
+              <a:rPr lang="ru-RU" dirty="0"/>
+              <a:t>Артефакты </a:t>
+            </a:r>
+            <a:r>
+              <a:rPr lang="en" dirty="0"/>
+              <a:t>Scrum </a:t>
+            </a:r>
+            <a:r>
+              <a:rPr lang="ru-RU" dirty="0"/>
+              <a:t>отражают работу или ценность. Они спроектированы для максимизации прозрачности информации.</a:t>
+            </a:r>
+            <a:endParaRPr lang="en-US" dirty="0"/>
+          </a:p>
+          <a:p>
+            <a:pPr marL="0" indent="0">
+              <a:buNone/>
+            </a:pPr>
+            <a:r>
+              <a:rPr lang="ru-RU" dirty="0"/>
+              <a:t>Все должны иметь доступ к артефактам.</a:t>
+            </a:r>
+          </a:p>
+          <a:p>
+            <a:r>
+              <a:rPr lang="en" dirty="0"/>
+              <a:t>Product Backlog</a:t>
+            </a:r>
+            <a:endParaRPr lang="ru-RU" dirty="0"/>
+          </a:p>
+          <a:p>
+            <a:r>
+              <a:rPr lang="en" dirty="0"/>
+              <a:t>Sprint Backlog</a:t>
+            </a:r>
+            <a:endParaRPr lang="ru-RU" dirty="0"/>
+          </a:p>
+          <a:p>
+            <a:r>
+              <a:rPr lang="ru-RU" dirty="0" err="1"/>
+              <a:t>P</a:t>
+            </a:r>
+            <a:r>
+              <a:rPr lang="en-US" dirty="0"/>
+              <a:t>roduct </a:t>
+            </a:r>
+            <a:r>
+              <a:rPr lang="en" dirty="0"/>
+              <a:t>Increment</a:t>
+            </a:r>
+          </a:p>
+          <a:p>
+            <a:r>
+              <a:rPr lang="ru-RU" dirty="0"/>
+              <a:t>Доска задач (</a:t>
+            </a:r>
+            <a:r>
+              <a:rPr lang="en" dirty="0"/>
+              <a:t>Task Board)</a:t>
+            </a:r>
+          </a:p>
+          <a:p>
+            <a:r>
+              <a:rPr lang="ru-RU" dirty="0"/>
+              <a:t>Графики </a:t>
+            </a:r>
+            <a:r>
+              <a:rPr lang="en" dirty="0"/>
+              <a:t>/ </a:t>
+            </a:r>
+            <a:r>
+              <a:rPr lang="ru-RU" dirty="0"/>
+              <a:t>диаграммы</a:t>
+            </a:r>
+          </a:p>
+          <a:p>
+            <a:pPr lvl="1"/>
+            <a:r>
+              <a:rPr lang="ru-RU" dirty="0" err="1"/>
+              <a:t>B</a:t>
+            </a:r>
+            <a:r>
+              <a:rPr lang="en" dirty="0" err="1"/>
+              <a:t>urndown</a:t>
+            </a:r>
+            <a:r>
+              <a:rPr lang="en" dirty="0"/>
+              <a:t> chart</a:t>
+            </a:r>
+            <a:endParaRPr lang="ru-RU" dirty="0"/>
+          </a:p>
+        </p:txBody>
+      </p:sp>
+    </p:spTree>
+    <p:extLst>
+      <p:ext uri="{BB962C8B-B14F-4D97-AF65-F5344CB8AC3E}">
+        <p14:creationId xmlns:p14="http://schemas.microsoft.com/office/powerpoint/2010/main" val="3924089562"/>
+      </p:ext>
+    </p:extLst>
+  </p:cSld>
+  <p:clrMapOvr>
+    <a:masterClrMapping/>
+  </p:clrMapOvr>
+</p:sld>
+</file>
+
+<file path=ppt/slides/slide31.xml><?xml version="1.0" encoding="utf-8"?>
+<p:sld xmlns:a="http://schemas.openxmlformats.org/drawingml/2006/main" xmlns:r="http://schemas.openxmlformats.org/officeDocument/2006/relationships" xmlns:p="http://schemas.openxmlformats.org/presentationml/2006/main">
+  <p:cSld>
+    <p:spTree>
+      <p:nvGrpSpPr>
+        <p:cNvPr id="1" name=""/>
+        <p:cNvGrpSpPr/>
+        <p:nvPr/>
+      </p:nvGrpSpPr>
+      <p:grpSpPr>
+        <a:xfrm>
+          <a:off x="0" y="0"/>
+          <a:ext cx="0" cy="0"/>
+          <a:chOff x="0" y="0"/>
+          <a:chExt cx="0" cy="0"/>
+        </a:xfrm>
+      </p:grpSpPr>
+      <p:sp>
+        <p:nvSpPr>
+          <p:cNvPr id="2" name="Заголовок 1">
+            <a:extLst>
+              <a:ext uri="{FF2B5EF4-FFF2-40B4-BE49-F238E27FC236}">
+                <a16:creationId xmlns:a16="http://schemas.microsoft.com/office/drawing/2014/main" id="{26F86A81-AF58-8148-A0D9-3703F6275315}"/>
+              </a:ext>
+            </a:extLst>
+          </p:cNvPr>
+          <p:cNvSpPr>
+            <a:spLocks noGrp="1"/>
+          </p:cNvSpPr>
+          <p:nvPr>
+            <p:ph type="title"/>
+          </p:nvPr>
+        </p:nvSpPr>
+        <p:spPr>
+          <a:xfrm>
+            <a:off x="838200" y="365125"/>
+            <a:ext cx="10515600" cy="783191"/>
+          </a:xfrm>
+        </p:spPr>
+        <p:txBody>
+          <a:bodyPr/>
+          <a:lstStyle/>
+          <a:p>
+            <a:r>
+              <a:rPr lang="ru-RU" dirty="0" err="1"/>
+              <a:t>Бэклог</a:t>
+            </a:r>
+            <a:r>
+              <a:rPr lang="ru-RU" dirty="0"/>
+              <a:t> продукта (</a:t>
+            </a:r>
+            <a:r>
+              <a:rPr lang="en" dirty="0"/>
+              <a:t>Product Backlog</a:t>
+            </a:r>
+            <a:r>
+              <a:rPr lang="ru-RU" dirty="0"/>
+              <a:t>)</a:t>
+            </a:r>
+          </a:p>
+        </p:txBody>
+      </p:sp>
+      <p:sp>
+        <p:nvSpPr>
+          <p:cNvPr id="3" name="Объект 2">
+            <a:extLst>
+              <a:ext uri="{FF2B5EF4-FFF2-40B4-BE49-F238E27FC236}">
+                <a16:creationId xmlns:a16="http://schemas.microsoft.com/office/drawing/2014/main" id="{5C0C7C95-E8CC-994D-9F75-0F0D1A049D33}"/>
+              </a:ext>
+            </a:extLst>
+          </p:cNvPr>
+          <p:cNvSpPr>
+            <a:spLocks noGrp="1"/>
+          </p:cNvSpPr>
+          <p:nvPr>
+            <p:ph idx="1"/>
+          </p:nvPr>
+        </p:nvSpPr>
+        <p:spPr>
+          <a:xfrm>
+            <a:off x="838200" y="1307804"/>
+            <a:ext cx="10515600" cy="5028647"/>
+          </a:xfrm>
+        </p:spPr>
+        <p:txBody>
+          <a:bodyPr>
+            <a:normAutofit/>
+          </a:bodyPr>
+          <a:lstStyle/>
+          <a:p>
+            <a:pPr marL="0" indent="0">
+              <a:buNone/>
+            </a:pPr>
+            <a:r>
+              <a:rPr lang="en" dirty="0"/>
+              <a:t>Product Backlog — </a:t>
+            </a:r>
+            <a:r>
+              <a:rPr lang="ru-RU" dirty="0"/>
+              <a:t>это упорядоченный и постоянно обновляемый список того, что необходимо для улучшения продукта. Это единственный источник работы, выполняемой </a:t>
+            </a:r>
+            <a:r>
+              <a:rPr lang="en" dirty="0"/>
+              <a:t>Scrum Team</a:t>
+            </a:r>
+            <a:r>
+              <a:rPr lang="ru-RU" dirty="0"/>
+              <a:t>.</a:t>
+            </a:r>
+          </a:p>
+          <a:p>
+            <a:pPr marL="0" indent="0">
+              <a:buNone/>
+            </a:pPr>
+            <a:r>
+              <a:rPr lang="en" dirty="0"/>
+              <a:t>Product Backlog</a:t>
+            </a:r>
+            <a:r>
+              <a:rPr lang="ru-RU" dirty="0"/>
+              <a:t> продукта может включать:</a:t>
+            </a:r>
+          </a:p>
+          <a:p>
+            <a:r>
+              <a:rPr lang="ru-RU" dirty="0"/>
+              <a:t>фичи (пользовательские истории, эпики, запросы на изменения)</a:t>
+            </a:r>
+          </a:p>
+          <a:p>
+            <a:r>
+              <a:rPr lang="ru-RU" dirty="0"/>
+              <a:t>баги</a:t>
+            </a:r>
+          </a:p>
+          <a:p>
+            <a:r>
+              <a:rPr lang="ru-RU" dirty="0"/>
+              <a:t>технический долг, технические истории</a:t>
+            </a:r>
+          </a:p>
+          <a:p>
+            <a:r>
+              <a:rPr lang="ru-RU" dirty="0"/>
+              <a:t>задачи, важные для команды, например "провести тренинг", "добавить памяти на машины".</a:t>
+            </a:r>
+            <a:endParaRPr lang="en-US" dirty="0"/>
+          </a:p>
+          <a:p>
+            <a:pPr marL="0" indent="0">
+              <a:buNone/>
+            </a:pPr>
+            <a:r>
+              <a:rPr lang="ru-RU" b="1" dirty="0">
+                <a:solidFill>
+                  <a:schemeClr val="accent1"/>
+                </a:solidFill>
+              </a:rPr>
+              <a:t>Приверженность: </a:t>
+            </a:r>
+            <a:r>
+              <a:rPr lang="en" b="1" dirty="0">
+                <a:solidFill>
+                  <a:schemeClr val="accent1"/>
+                </a:solidFill>
+              </a:rPr>
+              <a:t>Product Goal (</a:t>
+            </a:r>
+            <a:r>
+              <a:rPr lang="ru-RU" b="1" dirty="0">
+                <a:solidFill>
+                  <a:schemeClr val="accent1"/>
+                </a:solidFill>
+              </a:rPr>
+              <a:t>цель продукта</a:t>
+            </a:r>
+            <a:r>
+              <a:rPr lang="en" b="1" dirty="0">
+                <a:solidFill>
+                  <a:schemeClr val="accent1"/>
+                </a:solidFill>
+              </a:rPr>
+              <a:t>)</a:t>
+            </a:r>
+            <a:endParaRPr lang="en-US" b="1" dirty="0">
+              <a:solidFill>
+                <a:schemeClr val="accent1"/>
+              </a:solidFill>
+            </a:endParaRPr>
+          </a:p>
+        </p:txBody>
+      </p:sp>
+    </p:spTree>
+    <p:extLst>
+      <p:ext uri="{BB962C8B-B14F-4D97-AF65-F5344CB8AC3E}">
+        <p14:creationId xmlns:p14="http://schemas.microsoft.com/office/powerpoint/2010/main" val="272062064"/>
+      </p:ext>
+    </p:extLst>
+  </p:cSld>
+  <p:clrMapOvr>
+    <a:masterClrMapping/>
+  </p:clrMapOvr>
+</p:sld>
+</file>
+
+<file path=ppt/slides/slide32.xml><?xml version="1.0" encoding="utf-8"?>
+<p:sld xmlns:a="http://schemas.openxmlformats.org/drawingml/2006/main" xmlns:r="http://schemas.openxmlformats.org/officeDocument/2006/relationships" xmlns:p="http://schemas.openxmlformats.org/presentationml/2006/main">
+  <p:cSld>
+    <p:spTree>
+      <p:nvGrpSpPr>
+        <p:cNvPr id="1" name=""/>
+        <p:cNvGrpSpPr/>
+        <p:nvPr/>
+      </p:nvGrpSpPr>
+      <p:grpSpPr>
+        <a:xfrm>
+          <a:off x="0" y="0"/>
+          <a:ext cx="0" cy="0"/>
+          <a:chOff x="0" y="0"/>
+          <a:chExt cx="0" cy="0"/>
+        </a:xfrm>
+      </p:grpSpPr>
+      <p:sp>
+        <p:nvSpPr>
+          <p:cNvPr id="2" name="Заголовок 1">
+            <a:extLst>
+              <a:ext uri="{FF2B5EF4-FFF2-40B4-BE49-F238E27FC236}">
+                <a16:creationId xmlns:a16="http://schemas.microsoft.com/office/drawing/2014/main" id="{ADF4A86F-0070-9B4F-B591-D166161DC781}"/>
+              </a:ext>
+            </a:extLst>
+          </p:cNvPr>
+          <p:cNvSpPr>
+            <a:spLocks noGrp="1"/>
+          </p:cNvSpPr>
+          <p:nvPr>
+            <p:ph type="title"/>
+          </p:nvPr>
+        </p:nvSpPr>
+        <p:spPr>
+          <a:xfrm>
+            <a:off x="838200" y="365126"/>
+            <a:ext cx="10515600" cy="793824"/>
+          </a:xfrm>
+        </p:spPr>
+        <p:txBody>
+          <a:bodyPr/>
+          <a:lstStyle/>
+          <a:p>
+            <a:r>
+              <a:rPr lang="ru-RU" dirty="0" err="1"/>
+              <a:t>Бэклог</a:t>
+            </a:r>
+            <a:r>
+              <a:rPr lang="ru-RU" dirty="0"/>
+              <a:t> продукта (</a:t>
+            </a:r>
+            <a:r>
+              <a:rPr lang="en" dirty="0"/>
+              <a:t>Product Backlog)</a:t>
+            </a:r>
+            <a:endParaRPr lang="ru-RU" dirty="0"/>
+          </a:p>
+        </p:txBody>
+      </p:sp>
+      <p:sp>
+        <p:nvSpPr>
+          <p:cNvPr id="3" name="Объект 2">
+            <a:extLst>
+              <a:ext uri="{FF2B5EF4-FFF2-40B4-BE49-F238E27FC236}">
+                <a16:creationId xmlns:a16="http://schemas.microsoft.com/office/drawing/2014/main" id="{2F9987A5-E5CA-6844-B4F9-1E34A1AA156B}"/>
+              </a:ext>
+            </a:extLst>
+          </p:cNvPr>
+          <p:cNvSpPr>
+            <a:spLocks noGrp="1"/>
+          </p:cNvSpPr>
+          <p:nvPr>
+            <p:ph idx="1"/>
+          </p:nvPr>
+        </p:nvSpPr>
+        <p:spPr>
+          <a:xfrm>
+            <a:off x="838200" y="1307805"/>
+            <a:ext cx="10515600" cy="4869158"/>
+          </a:xfrm>
+        </p:spPr>
+        <p:txBody>
+          <a:bodyPr/>
+          <a:lstStyle/>
+          <a:p>
+            <a:r>
+              <a:rPr lang="ru-RU" dirty="0"/>
+              <a:t>содержит фичи (</a:t>
+            </a:r>
+            <a:r>
+              <a:rPr lang="en" dirty="0"/>
+              <a:t>user story), </a:t>
+            </a:r>
+            <a:r>
+              <a:rPr lang="ru-RU" dirty="0"/>
+              <a:t>а не технические задачи</a:t>
+            </a:r>
+          </a:p>
+          <a:p>
+            <a:r>
+              <a:rPr lang="ru-RU" dirty="0"/>
+              <a:t>виден каждому</a:t>
+            </a:r>
+          </a:p>
+          <a:p>
+            <a:r>
+              <a:rPr lang="ru-RU" dirty="0"/>
+              <a:t>обновляется перед планированием спринта</a:t>
+            </a:r>
+          </a:p>
+          <a:p>
+            <a:r>
+              <a:rPr lang="en" dirty="0"/>
+              <a:t>PO </a:t>
+            </a:r>
+            <a:r>
+              <a:rPr lang="ru-RU" dirty="0"/>
+              <a:t>управляет и координирует </a:t>
+            </a:r>
+            <a:r>
+              <a:rPr lang="en" dirty="0"/>
+              <a:t>backlog</a:t>
+            </a:r>
+            <a:endParaRPr lang="ru-RU" dirty="0"/>
+          </a:p>
+          <a:p>
+            <a:r>
+              <a:rPr lang="en" dirty="0"/>
+              <a:t>PO </a:t>
+            </a:r>
+            <a:r>
+              <a:rPr lang="ru-RU" dirty="0"/>
+              <a:t>понимает все фичи / пользовательские истории из </a:t>
+            </a:r>
+            <a:r>
+              <a:rPr lang="ru-RU" dirty="0" err="1"/>
+              <a:t>бэклога</a:t>
+            </a:r>
+            <a:endParaRPr lang="ru-RU" dirty="0"/>
+          </a:p>
+        </p:txBody>
+      </p:sp>
+    </p:spTree>
+    <p:extLst>
+      <p:ext uri="{BB962C8B-B14F-4D97-AF65-F5344CB8AC3E}">
+        <p14:creationId xmlns:p14="http://schemas.microsoft.com/office/powerpoint/2010/main" val="4105613511"/>
+      </p:ext>
+    </p:extLst>
+  </p:cSld>
+  <p:clrMapOvr>
+    <a:masterClrMapping/>
+  </p:clrMapOvr>
+</p:sld>
+</file>
+
+<file path=ppt/slides/slide33.xml><?xml version="1.0" encoding="utf-8"?>
+<p:sld xmlns:a="http://schemas.openxmlformats.org/drawingml/2006/main" xmlns:r="http://schemas.openxmlformats.org/officeDocument/2006/relationships" xmlns:p="http://schemas.openxmlformats.org/presentationml/2006/main">
+  <p:cSld>
+    <p:spTree>
+      <p:nvGrpSpPr>
+        <p:cNvPr id="1" name=""/>
+        <p:cNvGrpSpPr/>
+        <p:nvPr/>
+      </p:nvGrpSpPr>
+      <p:grpSpPr>
+        <a:xfrm>
+          <a:off x="0" y="0"/>
+          <a:ext cx="0" cy="0"/>
+          <a:chOff x="0" y="0"/>
+          <a:chExt cx="0" cy="0"/>
+        </a:xfrm>
+      </p:grpSpPr>
+      <p:sp>
+        <p:nvSpPr>
+          <p:cNvPr id="2" name="Заголовок 1">
+            <a:extLst>
+              <a:ext uri="{FF2B5EF4-FFF2-40B4-BE49-F238E27FC236}">
+                <a16:creationId xmlns:a16="http://schemas.microsoft.com/office/drawing/2014/main" id="{F41DC4A5-E809-5340-8FFB-68ED4BC22888}"/>
+              </a:ext>
+            </a:extLst>
+          </p:cNvPr>
+          <p:cNvSpPr>
+            <a:spLocks noGrp="1"/>
+          </p:cNvSpPr>
+          <p:nvPr>
+            <p:ph type="title"/>
+          </p:nvPr>
+        </p:nvSpPr>
+        <p:spPr>
+          <a:xfrm>
+            <a:off x="838200" y="365126"/>
+            <a:ext cx="10515600" cy="910782"/>
+          </a:xfrm>
+        </p:spPr>
+        <p:txBody>
+          <a:bodyPr/>
+          <a:lstStyle/>
+          <a:p>
+            <a:r>
+              <a:rPr lang="en" dirty="0"/>
+              <a:t>Product Backlog</a:t>
+            </a:r>
+            <a:r>
+              <a:rPr lang="ru-RU" dirty="0"/>
+              <a:t> </a:t>
+            </a:r>
+            <a:r>
+              <a:rPr lang="en-US" dirty="0"/>
+              <a:t>Grooming</a:t>
+            </a:r>
+            <a:endParaRPr lang="ru-RU" dirty="0"/>
+          </a:p>
+        </p:txBody>
+      </p:sp>
+      <p:sp>
+        <p:nvSpPr>
+          <p:cNvPr id="3" name="Объект 2">
+            <a:extLst>
+              <a:ext uri="{FF2B5EF4-FFF2-40B4-BE49-F238E27FC236}">
+                <a16:creationId xmlns:a16="http://schemas.microsoft.com/office/drawing/2014/main" id="{8E51DEE3-F2C8-D24B-810E-E674C9CD7341}"/>
+              </a:ext>
+            </a:extLst>
+          </p:cNvPr>
+          <p:cNvSpPr>
+            <a:spLocks noGrp="1"/>
+          </p:cNvSpPr>
+          <p:nvPr>
+            <p:ph idx="1"/>
+          </p:nvPr>
+        </p:nvSpPr>
+        <p:spPr>
+          <a:xfrm>
+            <a:off x="838200" y="1626781"/>
+            <a:ext cx="10515600" cy="4550182"/>
+          </a:xfrm>
+        </p:spPr>
+        <p:txBody>
+          <a:bodyPr>
+            <a:normAutofit lnSpcReduction="10000"/>
+          </a:bodyPr>
+          <a:lstStyle/>
+          <a:p>
+            <a:r>
+              <a:rPr lang="ru-RU" dirty="0"/>
+              <a:t>Элементы </a:t>
+            </a:r>
+            <a:r>
+              <a:rPr lang="en" dirty="0"/>
+              <a:t>Product Backlog, </a:t>
+            </a:r>
+            <a:r>
+              <a:rPr lang="ru-RU" dirty="0"/>
+              <a:t>которые могут быть реализованы </a:t>
+            </a:r>
+            <a:r>
+              <a:rPr lang="en" dirty="0"/>
+              <a:t>Scrum Team </a:t>
+            </a:r>
+            <a:r>
+              <a:rPr lang="ru-RU" dirty="0"/>
+              <a:t>до состояния готовности в течение одного </a:t>
+            </a:r>
+            <a:r>
+              <a:rPr lang="en" dirty="0"/>
+              <a:t>Sprint, </a:t>
+            </a:r>
+            <a:r>
+              <a:rPr lang="ru-RU" dirty="0"/>
+              <a:t>считаются готовыми для взятия в </a:t>
+            </a:r>
+            <a:r>
+              <a:rPr lang="en" dirty="0"/>
+              <a:t>Sprint </a:t>
+            </a:r>
+            <a:r>
+              <a:rPr lang="ru-RU" dirty="0"/>
+              <a:t>в ходе события </a:t>
+            </a:r>
+            <a:r>
+              <a:rPr lang="en" dirty="0"/>
+              <a:t>Sprint Planning.</a:t>
+            </a:r>
+            <a:endParaRPr lang="ru-RU" dirty="0"/>
+          </a:p>
+          <a:p>
+            <a:r>
+              <a:rPr lang="ru-RU" dirty="0"/>
+              <a:t>Уточнение </a:t>
+            </a:r>
+            <a:r>
+              <a:rPr lang="en" dirty="0"/>
+              <a:t>Product Backlog </a:t>
+            </a:r>
+            <a:r>
+              <a:rPr lang="ru-RU" dirty="0"/>
+              <a:t>(</a:t>
+            </a:r>
+            <a:r>
+              <a:rPr lang="ru-RU" b="1" dirty="0" err="1"/>
+              <a:t>B</a:t>
+            </a:r>
+            <a:r>
+              <a:rPr lang="en-US" b="1" dirty="0" err="1"/>
+              <a:t>acklog</a:t>
+            </a:r>
+            <a:r>
+              <a:rPr lang="en-US" b="1" dirty="0"/>
+              <a:t> Grooming</a:t>
+            </a:r>
+            <a:r>
+              <a:rPr lang="ru-RU" dirty="0"/>
+              <a:t>) </a:t>
+            </a:r>
+            <a:r>
+              <a:rPr lang="en" dirty="0"/>
+              <a:t>— </a:t>
+            </a:r>
+            <a:r>
+              <a:rPr lang="ru-RU" dirty="0"/>
+              <a:t>это процесс разбиения элементов </a:t>
+            </a:r>
+            <a:r>
+              <a:rPr lang="en" dirty="0"/>
+              <a:t>Product Backlog </a:t>
+            </a:r>
+            <a:r>
+              <a:rPr lang="ru-RU" dirty="0"/>
+              <a:t>на более мелкие и конкретные элементы, и их дальнейшего уточнения.</a:t>
+            </a:r>
+            <a:br>
+              <a:rPr lang="ru-RU" dirty="0"/>
+            </a:br>
+            <a:r>
+              <a:rPr lang="en-US" dirty="0" err="1"/>
+              <a:t>Э</a:t>
+            </a:r>
+            <a:r>
+              <a:rPr lang="ru-RU" dirty="0"/>
+              <a:t>то деятельность по добавлению деталей, таких как описание, порядок и размер. Оценку размера элементов производят </a:t>
+            </a:r>
+            <a:r>
+              <a:rPr lang="en" dirty="0"/>
+              <a:t>Developers, </a:t>
+            </a:r>
+            <a:r>
+              <a:rPr lang="ru-RU" dirty="0"/>
+              <a:t>которые будут выполнять работу.</a:t>
+            </a:r>
+          </a:p>
+          <a:p>
+            <a:r>
+              <a:rPr lang="en" dirty="0"/>
+              <a:t>Product Owner </a:t>
+            </a:r>
+            <a:r>
+              <a:rPr lang="ru-RU" dirty="0"/>
+              <a:t>может влиять на </a:t>
+            </a:r>
+            <a:r>
+              <a:rPr lang="en" dirty="0"/>
+              <a:t>Developers, </a:t>
+            </a:r>
+            <a:r>
+              <a:rPr lang="ru-RU" dirty="0"/>
+              <a:t>помогая им понять элементы и обсуждая компромиссы.</a:t>
+            </a:r>
+          </a:p>
+        </p:txBody>
+      </p:sp>
+    </p:spTree>
+    <p:extLst>
+      <p:ext uri="{BB962C8B-B14F-4D97-AF65-F5344CB8AC3E}">
+        <p14:creationId xmlns:p14="http://schemas.microsoft.com/office/powerpoint/2010/main" val="4243102763"/>
+      </p:ext>
+    </p:extLst>
+  </p:cSld>
+  <p:clrMapOvr>
+    <a:masterClrMapping/>
+  </p:clrMapOvr>
+</p:sld>
+</file>
+
+<file path=ppt/slides/slide34.xml><?xml version="1.0" encoding="utf-8"?>
+<p:sld xmlns:a="http://schemas.openxmlformats.org/drawingml/2006/main" xmlns:r="http://schemas.openxmlformats.org/officeDocument/2006/relationships" xmlns:p="http://schemas.openxmlformats.org/presentationml/2006/main">
+  <p:cSld>
+    <p:spTree>
+      <p:nvGrpSpPr>
+        <p:cNvPr id="1" name=""/>
+        <p:cNvGrpSpPr/>
+        <p:nvPr/>
+      </p:nvGrpSpPr>
+      <p:grpSpPr>
+        <a:xfrm>
+          <a:off x="0" y="0"/>
+          <a:ext cx="0" cy="0"/>
+          <a:chOff x="0" y="0"/>
+          <a:chExt cx="0" cy="0"/>
+        </a:xfrm>
+      </p:grpSpPr>
+      <p:sp>
+        <p:nvSpPr>
+          <p:cNvPr id="2" name="Заголовок 1">
+            <a:extLst>
+              <a:ext uri="{FF2B5EF4-FFF2-40B4-BE49-F238E27FC236}">
+                <a16:creationId xmlns:a16="http://schemas.microsoft.com/office/drawing/2014/main" id="{C7B3BB6D-9445-3D4F-955A-6612F83502C1}"/>
+              </a:ext>
+            </a:extLst>
+          </p:cNvPr>
+          <p:cNvSpPr>
+            <a:spLocks noGrp="1"/>
+          </p:cNvSpPr>
+          <p:nvPr>
+            <p:ph type="title"/>
+          </p:nvPr>
+        </p:nvSpPr>
+        <p:spPr>
+          <a:xfrm>
+            <a:off x="838200" y="365126"/>
+            <a:ext cx="10515600" cy="900148"/>
+          </a:xfrm>
+        </p:spPr>
+        <p:txBody>
+          <a:bodyPr>
+            <a:normAutofit fontScale="90000"/>
+          </a:bodyPr>
+          <a:lstStyle/>
+          <a:p>
+            <a:r>
+              <a:rPr lang="ru-RU" dirty="0"/>
+              <a:t>План итерации</a:t>
+            </a:r>
+            <a:r>
+              <a:rPr lang="en" dirty="0"/>
+              <a:t> / </a:t>
+            </a:r>
+            <a:r>
+              <a:rPr lang="ru-RU" dirty="0" err="1"/>
+              <a:t>бэклог</a:t>
+            </a:r>
+            <a:r>
+              <a:rPr lang="ru-RU" dirty="0"/>
+              <a:t> спринта (S</a:t>
+            </a:r>
+            <a:r>
+              <a:rPr lang="en" dirty="0"/>
+              <a:t>print Backlog)</a:t>
+            </a:r>
+            <a:endParaRPr lang="ru-RU" dirty="0"/>
+          </a:p>
+        </p:txBody>
+      </p:sp>
+      <p:sp>
+        <p:nvSpPr>
+          <p:cNvPr id="3" name="Объект 2">
+            <a:extLst>
+              <a:ext uri="{FF2B5EF4-FFF2-40B4-BE49-F238E27FC236}">
+                <a16:creationId xmlns:a16="http://schemas.microsoft.com/office/drawing/2014/main" id="{95E582F9-E754-2447-A9FC-C8FA7EC2B319}"/>
+              </a:ext>
+            </a:extLst>
+          </p:cNvPr>
+          <p:cNvSpPr>
+            <a:spLocks noGrp="1"/>
+          </p:cNvSpPr>
+          <p:nvPr>
+            <p:ph idx="1"/>
+          </p:nvPr>
+        </p:nvSpPr>
+        <p:spPr>
+          <a:xfrm>
+            <a:off x="838200" y="1499191"/>
+            <a:ext cx="10515600" cy="5146158"/>
+          </a:xfrm>
+        </p:spPr>
+        <p:txBody>
+          <a:bodyPr>
+            <a:normAutofit fontScale="77500" lnSpcReduction="20000"/>
+          </a:bodyPr>
+          <a:lstStyle/>
+          <a:p>
+            <a:pPr marL="0" indent="0">
+              <a:buNone/>
+            </a:pPr>
+            <a:r>
+              <a:rPr lang="en" b="1" dirty="0"/>
+              <a:t>Sprint Backlog</a:t>
+            </a:r>
+            <a:r>
+              <a:rPr lang="en" dirty="0"/>
+              <a:t> </a:t>
+            </a:r>
+            <a:r>
+              <a:rPr lang="ru-RU" dirty="0"/>
+              <a:t>состоит из </a:t>
+            </a:r>
+            <a:r>
+              <a:rPr lang="en" b="1" dirty="0"/>
+              <a:t>Sprint Goal </a:t>
+            </a:r>
+            <a:r>
+              <a:rPr lang="en" dirty="0"/>
+              <a:t>(</a:t>
+            </a:r>
+            <a:r>
+              <a:rPr lang="ru-RU" i="1" dirty="0"/>
+              <a:t>почему</a:t>
+            </a:r>
+            <a:r>
+              <a:rPr lang="ru-RU" dirty="0"/>
+              <a:t>), набора выбранных на </a:t>
+            </a:r>
+            <a:r>
+              <a:rPr lang="en" dirty="0"/>
+              <a:t>Sprint </a:t>
+            </a:r>
+            <a:r>
+              <a:rPr lang="ru-RU" dirty="0"/>
+              <a:t>элементов </a:t>
+            </a:r>
+            <a:r>
+              <a:rPr lang="en" b="1" dirty="0"/>
+              <a:t>Product Backlog </a:t>
+            </a:r>
+            <a:r>
+              <a:rPr lang="en" dirty="0"/>
+              <a:t>(</a:t>
+            </a:r>
+            <a:r>
+              <a:rPr lang="ru-RU" i="1" dirty="0"/>
+              <a:t>что</a:t>
+            </a:r>
+            <a:r>
+              <a:rPr lang="ru-RU" dirty="0"/>
+              <a:t>), а также осуществимого плана действий по поставке </a:t>
+            </a:r>
+            <a:r>
+              <a:rPr lang="en" i="1" dirty="0"/>
+              <a:t>Increment</a:t>
+            </a:r>
+            <a:r>
+              <a:rPr lang="en" dirty="0"/>
+              <a:t> (</a:t>
+            </a:r>
+            <a:r>
+              <a:rPr lang="ru-RU" i="1" dirty="0"/>
+              <a:t>как</a:t>
+            </a:r>
+            <a:r>
+              <a:rPr lang="ru-RU" dirty="0"/>
+              <a:t>)</a:t>
+            </a:r>
+            <a:r>
+              <a:rPr lang="en-US" dirty="0"/>
+              <a:t>.</a:t>
+            </a:r>
+          </a:p>
+          <a:p>
+            <a:pPr marL="0" indent="0">
+              <a:buNone/>
+            </a:pPr>
+            <a:r>
+              <a:rPr lang="ru-RU" dirty="0"/>
+              <a:t>План итерации — набор фич </a:t>
+            </a:r>
+            <a:r>
+              <a:rPr lang="en-US" dirty="0"/>
+              <a:t>(user story)</a:t>
+            </a:r>
+            <a:r>
+              <a:rPr lang="ru-RU" dirty="0"/>
+              <a:t> и задач (на которые фичи декомпозируются), которые команда собирается выполнить в итерацию.</a:t>
+            </a:r>
+          </a:p>
+          <a:p>
+            <a:pPr marL="0" indent="0">
+              <a:buNone/>
+            </a:pPr>
+            <a:r>
+              <a:rPr lang="ru-RU" dirty="0"/>
+              <a:t>План итерации поддерживается командой в актуальном состоянии в течение итерации.</a:t>
+            </a:r>
+            <a:endParaRPr lang="en" dirty="0"/>
+          </a:p>
+          <a:p>
+            <a:pPr marL="0" indent="0">
+              <a:spcBef>
+                <a:spcPts val="1600"/>
+              </a:spcBef>
+              <a:buNone/>
+            </a:pPr>
+            <a:r>
+              <a:rPr lang="ru-RU" dirty="0" err="1"/>
+              <a:t>Чеклист</a:t>
+            </a:r>
+            <a:r>
+              <a:rPr lang="ru-RU" dirty="0"/>
+              <a:t>:</a:t>
+            </a:r>
+          </a:p>
+          <a:p>
+            <a:r>
+              <a:rPr lang="ru-RU" dirty="0"/>
+              <a:t>Все видят план итерации</a:t>
+            </a:r>
+          </a:p>
+          <a:p>
+            <a:r>
+              <a:rPr lang="ru-RU" dirty="0"/>
+              <a:t>Для каждой фичи из </a:t>
+            </a:r>
+            <a:r>
+              <a:rPr lang="ru-RU" dirty="0" err="1"/>
+              <a:t>бэклога</a:t>
+            </a:r>
+            <a:r>
+              <a:rPr lang="ru-RU" dirty="0"/>
+              <a:t> указаны критерии приёмки / сценарий демонстрации</a:t>
+            </a:r>
+          </a:p>
+          <a:p>
+            <a:r>
+              <a:rPr lang="ru-RU" dirty="0"/>
+              <a:t>Каждая фича на плане декомпозируется в технические задачи</a:t>
+            </a:r>
+          </a:p>
+          <a:p>
+            <a:r>
+              <a:rPr lang="ru-RU" dirty="0"/>
+              <a:t>Оценки и приоритеты задач при необходимости корректируются членами команды в течение итерации</a:t>
+            </a:r>
+          </a:p>
+          <a:p>
+            <a:r>
+              <a:rPr lang="ru-RU" dirty="0"/>
+              <a:t>Члены команды регулярно актуализируют план</a:t>
+            </a:r>
+          </a:p>
+          <a:p>
+            <a:pPr marL="0" indent="0">
+              <a:spcBef>
+                <a:spcPts val="2200"/>
+              </a:spcBef>
+              <a:buNone/>
+            </a:pPr>
+            <a:r>
+              <a:rPr lang="ru-RU" b="1" dirty="0">
+                <a:solidFill>
+                  <a:schemeClr val="accent1"/>
+                </a:solidFill>
+              </a:rPr>
+              <a:t>Приверженность: </a:t>
+            </a:r>
+            <a:r>
+              <a:rPr lang="en" b="1" dirty="0">
+                <a:solidFill>
+                  <a:schemeClr val="accent1"/>
+                </a:solidFill>
+              </a:rPr>
+              <a:t>Sprint Goal (</a:t>
+            </a:r>
+            <a:r>
+              <a:rPr lang="ru-RU" b="1" dirty="0">
+                <a:solidFill>
+                  <a:schemeClr val="accent1"/>
+                </a:solidFill>
+              </a:rPr>
+              <a:t>цель спринта</a:t>
+            </a:r>
+            <a:r>
+              <a:rPr lang="en" b="1" dirty="0">
+                <a:solidFill>
+                  <a:schemeClr val="accent1"/>
+                </a:solidFill>
+              </a:rPr>
+              <a:t>)</a:t>
+            </a:r>
+            <a:endParaRPr lang="en-US" b="1" dirty="0">
+              <a:solidFill>
+                <a:schemeClr val="accent1"/>
+              </a:solidFill>
+            </a:endParaRPr>
+          </a:p>
+        </p:txBody>
+      </p:sp>
+    </p:spTree>
+    <p:extLst>
+      <p:ext uri="{BB962C8B-B14F-4D97-AF65-F5344CB8AC3E}">
+        <p14:creationId xmlns:p14="http://schemas.microsoft.com/office/powerpoint/2010/main" val="174384388"/>
+      </p:ext>
+    </p:extLst>
+  </p:cSld>
+  <p:clrMapOvr>
+    <a:masterClrMapping/>
+  </p:clrMapOvr>
+</p:sld>
+</file>
+
+<file path=ppt/slides/slide35.xml><?xml version="1.0" encoding="utf-8"?>
+<p:sld xmlns:a="http://schemas.openxmlformats.org/drawingml/2006/main" xmlns:r="http://schemas.openxmlformats.org/officeDocument/2006/relationships" xmlns:p="http://schemas.openxmlformats.org/presentationml/2006/main">
+  <p:cSld>
+    <p:spTree>
+      <p:nvGrpSpPr>
+        <p:cNvPr id="1" name=""/>
+        <p:cNvGrpSpPr/>
+        <p:nvPr/>
+      </p:nvGrpSpPr>
+      <p:grpSpPr>
+        <a:xfrm>
+          <a:off x="0" y="0"/>
+          <a:ext cx="0" cy="0"/>
+          <a:chOff x="0" y="0"/>
+          <a:chExt cx="0" cy="0"/>
+        </a:xfrm>
+      </p:grpSpPr>
+      <p:sp>
+        <p:nvSpPr>
+          <p:cNvPr id="2" name="Заголовок 1">
+            <a:extLst>
+              <a:ext uri="{FF2B5EF4-FFF2-40B4-BE49-F238E27FC236}">
+                <a16:creationId xmlns:a16="http://schemas.microsoft.com/office/drawing/2014/main" id="{A632B2E2-863C-A14F-893F-25FB356378BA}"/>
+              </a:ext>
+            </a:extLst>
+          </p:cNvPr>
+          <p:cNvSpPr>
+            <a:spLocks noGrp="1"/>
+          </p:cNvSpPr>
+          <p:nvPr>
+            <p:ph type="title"/>
+          </p:nvPr>
+        </p:nvSpPr>
+        <p:spPr>
+          <a:xfrm>
+            <a:off x="838200" y="365125"/>
+            <a:ext cx="10515600" cy="900149"/>
+          </a:xfrm>
+        </p:spPr>
+        <p:txBody>
+          <a:bodyPr/>
+          <a:lstStyle/>
+          <a:p>
+            <a:r>
+              <a:rPr lang="ru-RU" dirty="0"/>
+              <a:t>Цель спринта (</a:t>
+            </a:r>
+            <a:r>
+              <a:rPr lang="en" dirty="0"/>
+              <a:t>Sprint Goal</a:t>
+            </a:r>
+            <a:r>
+              <a:rPr lang="ru-RU" dirty="0"/>
+              <a:t>)</a:t>
+            </a:r>
+          </a:p>
+        </p:txBody>
+      </p:sp>
+      <p:sp>
+        <p:nvSpPr>
+          <p:cNvPr id="3" name="Объект 2">
+            <a:extLst>
+              <a:ext uri="{FF2B5EF4-FFF2-40B4-BE49-F238E27FC236}">
+                <a16:creationId xmlns:a16="http://schemas.microsoft.com/office/drawing/2014/main" id="{BA028D8C-BED4-7B4E-9093-4F9ADADA698D}"/>
+              </a:ext>
+            </a:extLst>
+          </p:cNvPr>
+          <p:cNvSpPr>
+            <a:spLocks noGrp="1"/>
+          </p:cNvSpPr>
+          <p:nvPr>
+            <p:ph idx="1"/>
+          </p:nvPr>
+        </p:nvSpPr>
+        <p:spPr>
+          <a:xfrm>
+            <a:off x="838200" y="1552354"/>
+            <a:ext cx="10515600" cy="4624610"/>
+          </a:xfrm>
+        </p:spPr>
+        <p:txBody>
+          <a:bodyPr>
+            <a:normAutofit fontScale="92500" lnSpcReduction="20000"/>
+          </a:bodyPr>
+          <a:lstStyle/>
+          <a:p>
+            <a:r>
+              <a:rPr lang="ru-RU" dirty="0"/>
+              <a:t>Цель спринта (</a:t>
+            </a:r>
+            <a:r>
+              <a:rPr lang="en" dirty="0"/>
+              <a:t>Sprint Goal</a:t>
+            </a:r>
+            <a:r>
+              <a:rPr lang="ru-RU" dirty="0"/>
+              <a:t>)</a:t>
+            </a:r>
+            <a:r>
+              <a:rPr lang="en" dirty="0"/>
+              <a:t> — </a:t>
+            </a:r>
+            <a:r>
+              <a:rPr lang="ru-RU" dirty="0"/>
+              <a:t>единственная цель на </a:t>
+            </a:r>
+            <a:r>
+              <a:rPr lang="en" dirty="0"/>
+              <a:t>Sprint. </a:t>
+            </a:r>
+            <a:r>
+              <a:rPr lang="ru-RU" dirty="0"/>
+              <a:t>Несмотря на то, что </a:t>
+            </a:r>
+            <a:r>
+              <a:rPr lang="en" dirty="0"/>
+              <a:t>Developers </a:t>
+            </a:r>
+            <a:r>
+              <a:rPr lang="ru-RU" dirty="0"/>
+              <a:t>привержены </a:t>
+            </a:r>
+            <a:r>
+              <a:rPr lang="en" dirty="0"/>
+              <a:t>Sprint Goal, </a:t>
+            </a:r>
+            <a:r>
+              <a:rPr lang="ru-RU" dirty="0"/>
+              <a:t>она обеспечивает гибкость с точки зрения выбора конкретной работы, необходимой для ее достижения.</a:t>
+            </a:r>
+          </a:p>
+          <a:p>
+            <a:r>
+              <a:rPr lang="en" dirty="0"/>
+              <a:t>Sprint Goal </a:t>
+            </a:r>
+            <a:r>
+              <a:rPr lang="ru-RU" dirty="0"/>
+              <a:t>также обеспечивает связность и </a:t>
+            </a:r>
+            <a:r>
+              <a:rPr lang="ru-RU" dirty="0" err="1"/>
+              <a:t>сфокусированность</a:t>
+            </a:r>
+            <a:r>
+              <a:rPr lang="ru-RU" dirty="0"/>
+              <a:t>, побуждая </a:t>
+            </a:r>
+            <a:r>
+              <a:rPr lang="en" dirty="0"/>
+              <a:t>Scrum Team </a:t>
+            </a:r>
+            <a:r>
+              <a:rPr lang="ru-RU" dirty="0"/>
+              <a:t>работать совместно, а не над отдельными инициативами.</a:t>
+            </a:r>
+          </a:p>
+          <a:p>
+            <a:r>
+              <a:rPr lang="en" dirty="0"/>
+              <a:t>Sprint Goal </a:t>
+            </a:r>
+            <a:r>
+              <a:rPr lang="ru-RU" dirty="0"/>
+              <a:t>создается во время </a:t>
+            </a:r>
+            <a:r>
+              <a:rPr lang="en" dirty="0"/>
+              <a:t>Sprint Planning, </a:t>
+            </a:r>
+            <a:r>
+              <a:rPr lang="ru-RU" dirty="0"/>
+              <a:t>а затем добавляется в </a:t>
+            </a:r>
+            <a:r>
+              <a:rPr lang="en" dirty="0"/>
+              <a:t>Sprint Backlog.</a:t>
+            </a:r>
+            <a:endParaRPr lang="ru-RU" dirty="0"/>
+          </a:p>
+          <a:p>
+            <a:r>
+              <a:rPr lang="ru-RU" dirty="0"/>
+              <a:t>Разработчики</a:t>
+            </a:r>
+            <a:r>
+              <a:rPr lang="en" dirty="0"/>
+              <a:t> </a:t>
+            </a:r>
+            <a:r>
+              <a:rPr lang="ru-RU" dirty="0"/>
+              <a:t>помнят о </a:t>
+            </a:r>
+            <a:r>
+              <a:rPr lang="en" dirty="0"/>
+              <a:t>Sprint Goal </a:t>
+            </a:r>
+            <a:r>
+              <a:rPr lang="ru-RU" dirty="0"/>
+              <a:t>в ходе работы над задачами </a:t>
+            </a:r>
+            <a:r>
+              <a:rPr lang="en" dirty="0"/>
+              <a:t>Sprint.</a:t>
+            </a:r>
+            <a:endParaRPr lang="ru-RU" dirty="0"/>
+          </a:p>
+          <a:p>
+            <a:r>
+              <a:rPr lang="ru-RU" dirty="0"/>
+              <a:t>Если работа не соответствует ожиданиям, они взаимодействуют с </a:t>
+            </a:r>
+            <a:r>
+              <a:rPr lang="en" dirty="0"/>
+              <a:t>Product Owner, </a:t>
+            </a:r>
+            <a:r>
+              <a:rPr lang="ru-RU" dirty="0"/>
+              <a:t>чтобы пересмотреть содержание </a:t>
+            </a:r>
+            <a:r>
+              <a:rPr lang="en" dirty="0"/>
+              <a:t>Sprint Backlog </a:t>
+            </a:r>
+            <a:r>
+              <a:rPr lang="ru-RU" dirty="0"/>
+              <a:t>в рамках </a:t>
+            </a:r>
+            <a:r>
+              <a:rPr lang="en" dirty="0"/>
+              <a:t>Sprint, </a:t>
+            </a:r>
+            <a:r>
+              <a:rPr lang="ru-RU" dirty="0"/>
+              <a:t>не изменяя </a:t>
+            </a:r>
+            <a:r>
+              <a:rPr lang="en" dirty="0"/>
+              <a:t>Sprint Goal.</a:t>
+            </a:r>
+            <a:endParaRPr lang="ru-RU" dirty="0"/>
+          </a:p>
+        </p:txBody>
+      </p:sp>
+    </p:spTree>
+    <p:extLst>
+      <p:ext uri="{BB962C8B-B14F-4D97-AF65-F5344CB8AC3E}">
+        <p14:creationId xmlns:p14="http://schemas.microsoft.com/office/powerpoint/2010/main" val="654952681"/>
+      </p:ext>
+    </p:extLst>
+  </p:cSld>
+  <p:clrMapOvr>
+    <a:masterClrMapping/>
+  </p:clrMapOvr>
+</p:sld>
+</file>
+
+<file path=ppt/slides/slide36.xml><?xml version="1.0" encoding="utf-8"?>
+<p:sld xmlns:a="http://schemas.openxmlformats.org/drawingml/2006/main" xmlns:r="http://schemas.openxmlformats.org/officeDocument/2006/relationships" xmlns:p="http://schemas.openxmlformats.org/presentationml/2006/main">
+  <p:cSld>
+    <p:spTree>
+      <p:nvGrpSpPr>
+        <p:cNvPr id="1" name=""/>
+        <p:cNvGrpSpPr/>
+        <p:nvPr/>
+      </p:nvGrpSpPr>
+      <p:grpSpPr>
+        <a:xfrm>
+          <a:off x="0" y="0"/>
+          <a:ext cx="0" cy="0"/>
+          <a:chOff x="0" y="0"/>
+          <a:chExt cx="0" cy="0"/>
+        </a:xfrm>
+      </p:grpSpPr>
+      <p:sp>
+        <p:nvSpPr>
+          <p:cNvPr id="2" name="Заголовок 1">
+            <a:extLst>
+              <a:ext uri="{FF2B5EF4-FFF2-40B4-BE49-F238E27FC236}">
+                <a16:creationId xmlns:a16="http://schemas.microsoft.com/office/drawing/2014/main" id="{E82010DF-01CE-EE49-A0E9-BEFF07C91D36}"/>
+              </a:ext>
+            </a:extLst>
+          </p:cNvPr>
+          <p:cNvSpPr>
+            <a:spLocks noGrp="1"/>
+          </p:cNvSpPr>
+          <p:nvPr>
+            <p:ph type="title"/>
+          </p:nvPr>
+        </p:nvSpPr>
+        <p:spPr>
+          <a:xfrm>
+            <a:off x="838200" y="365125"/>
+            <a:ext cx="10515600" cy="921415"/>
+          </a:xfrm>
+        </p:spPr>
+        <p:txBody>
+          <a:bodyPr/>
+          <a:lstStyle/>
+          <a:p>
+            <a:r>
+              <a:rPr lang="ru-RU" dirty="0"/>
+              <a:t>Инкремент продукта (</a:t>
+            </a:r>
+            <a:r>
+              <a:rPr lang="ru-RU" dirty="0" err="1"/>
+              <a:t>P</a:t>
+            </a:r>
+            <a:r>
+              <a:rPr lang="en-US" dirty="0"/>
+              <a:t>roduct </a:t>
+            </a:r>
+            <a:r>
+              <a:rPr lang="en" dirty="0"/>
+              <a:t>Increment</a:t>
+            </a:r>
+            <a:r>
+              <a:rPr lang="ru-RU" dirty="0"/>
+              <a:t>)</a:t>
+            </a:r>
+          </a:p>
+        </p:txBody>
+      </p:sp>
+      <p:sp>
+        <p:nvSpPr>
+          <p:cNvPr id="3" name="Объект 2">
+            <a:extLst>
+              <a:ext uri="{FF2B5EF4-FFF2-40B4-BE49-F238E27FC236}">
+                <a16:creationId xmlns:a16="http://schemas.microsoft.com/office/drawing/2014/main" id="{C18DA277-2ADA-2240-AE83-970452639F56}"/>
+              </a:ext>
+            </a:extLst>
+          </p:cNvPr>
+          <p:cNvSpPr>
+            <a:spLocks noGrp="1"/>
+          </p:cNvSpPr>
+          <p:nvPr>
+            <p:ph idx="1"/>
+          </p:nvPr>
+        </p:nvSpPr>
+        <p:spPr>
+          <a:xfrm>
+            <a:off x="838200" y="1506647"/>
+            <a:ext cx="10515600" cy="4798459"/>
+          </a:xfrm>
+        </p:spPr>
+        <p:txBody>
+          <a:bodyPr>
+            <a:normAutofit fontScale="92500"/>
+          </a:bodyPr>
+          <a:lstStyle/>
+          <a:p>
+            <a:r>
+              <a:rPr lang="en" dirty="0"/>
+              <a:t>Increment — </a:t>
+            </a:r>
+            <a:r>
+              <a:rPr lang="ru-RU" dirty="0"/>
+              <a:t>это конкретная ступенька к достижению </a:t>
+            </a:r>
+            <a:r>
+              <a:rPr lang="en" dirty="0"/>
+              <a:t>Product Goal.</a:t>
+            </a:r>
+          </a:p>
+          <a:p>
+            <a:r>
+              <a:rPr lang="ru-RU" dirty="0"/>
+              <a:t>Каждый </a:t>
+            </a:r>
+            <a:r>
+              <a:rPr lang="en" dirty="0"/>
+              <a:t>Increment </a:t>
+            </a:r>
+            <a:r>
+              <a:rPr lang="ru-RU" dirty="0"/>
+              <a:t>является дополнением ко всем предыдущим.</a:t>
+            </a:r>
+            <a:endParaRPr lang="en-US" dirty="0"/>
+          </a:p>
+          <a:p>
+            <a:r>
+              <a:rPr lang="ru-RU" dirty="0"/>
+              <a:t>Чтобы предоставить ценность, </a:t>
+            </a:r>
+            <a:r>
+              <a:rPr lang="en" dirty="0"/>
+              <a:t>Increment </a:t>
+            </a:r>
+            <a:r>
+              <a:rPr lang="ru-RU" dirty="0"/>
+              <a:t>должен быть пригодным для использования.</a:t>
+            </a:r>
+            <a:endParaRPr lang="en-US" dirty="0"/>
+          </a:p>
+          <a:p>
+            <a:r>
+              <a:rPr lang="ru-RU" dirty="0"/>
+              <a:t>В рамках одного </a:t>
+            </a:r>
+            <a:r>
+              <a:rPr lang="en" dirty="0"/>
+              <a:t>Sprint </a:t>
+            </a:r>
+            <a:r>
+              <a:rPr lang="ru-RU" dirty="0"/>
+              <a:t>можно создать несколько </a:t>
+            </a:r>
+            <a:r>
+              <a:rPr lang="en" dirty="0"/>
+              <a:t>Increments. </a:t>
+            </a:r>
+            <a:r>
+              <a:rPr lang="ru-RU" dirty="0"/>
+              <a:t>Итоговые </a:t>
+            </a:r>
+            <a:r>
+              <a:rPr lang="en" dirty="0"/>
+              <a:t>Increments </a:t>
+            </a:r>
+            <a:r>
+              <a:rPr lang="ru-RU" dirty="0"/>
+              <a:t>представляются в ходе </a:t>
+            </a:r>
+            <a:r>
+              <a:rPr lang="en" dirty="0"/>
+              <a:t>Sprint Review</a:t>
+            </a:r>
+          </a:p>
+          <a:p>
+            <a:r>
+              <a:rPr lang="en" dirty="0"/>
+              <a:t>Increment </a:t>
+            </a:r>
+            <a:r>
+              <a:rPr lang="ru-RU" dirty="0"/>
+              <a:t>может быть поставлен заинтересованным лицам еще до окончания </a:t>
+            </a:r>
+            <a:r>
+              <a:rPr lang="en" dirty="0"/>
+              <a:t>Sprint. Sprint Review </a:t>
+            </a:r>
+            <a:r>
+              <a:rPr lang="ru-RU" dirty="0"/>
+              <a:t>не должно считаться единственным моментом для поставки ценности.</a:t>
+            </a:r>
+            <a:endParaRPr lang="en-US" dirty="0"/>
+          </a:p>
+          <a:p>
+            <a:r>
+              <a:rPr lang="ru-RU" dirty="0"/>
+              <a:t>Работа не может считаться частью </a:t>
+            </a:r>
+            <a:r>
+              <a:rPr lang="en" dirty="0"/>
+              <a:t>Increment, </a:t>
+            </a:r>
+            <a:r>
+              <a:rPr lang="ru-RU" dirty="0"/>
+              <a:t>если она не соответствует </a:t>
+            </a:r>
+            <a:r>
+              <a:rPr lang="ru-RU" dirty="0">
+                <a:solidFill>
+                  <a:schemeClr val="accent1"/>
+                </a:solidFill>
+              </a:rPr>
+              <a:t>определению готовности</a:t>
+            </a:r>
+            <a:r>
+              <a:rPr lang="en-US" dirty="0">
+                <a:solidFill>
+                  <a:schemeClr val="accent1"/>
+                </a:solidFill>
+              </a:rPr>
+              <a:t> (</a:t>
+            </a:r>
+            <a:r>
+              <a:rPr lang="en-US" b="1" dirty="0">
+                <a:solidFill>
+                  <a:schemeClr val="accent1"/>
+                </a:solidFill>
+              </a:rPr>
+              <a:t>Definition of Done</a:t>
+            </a:r>
+            <a:r>
+              <a:rPr lang="en-US" dirty="0">
+                <a:solidFill>
+                  <a:schemeClr val="accent1"/>
+                </a:solidFill>
+              </a:rPr>
+              <a:t>)</a:t>
+            </a:r>
+            <a:endParaRPr lang="ru-RU" dirty="0">
+              <a:solidFill>
+                <a:schemeClr val="accent1"/>
+              </a:solidFill>
+            </a:endParaRPr>
+          </a:p>
+        </p:txBody>
+      </p:sp>
+    </p:spTree>
+    <p:extLst>
+      <p:ext uri="{BB962C8B-B14F-4D97-AF65-F5344CB8AC3E}">
+        <p14:creationId xmlns:p14="http://schemas.microsoft.com/office/powerpoint/2010/main" val="2760540662"/>
+      </p:ext>
+    </p:extLst>
+  </p:cSld>
+  <p:clrMapOvr>
+    <a:masterClrMapping/>
+  </p:clrMapOvr>
+</p:sld>
+</file>
+
+<file path=ppt/slides/slide37.xml><?xml version="1.0" encoding="utf-8"?>
+<p:sld xmlns:a="http://schemas.openxmlformats.org/drawingml/2006/main" xmlns:r="http://schemas.openxmlformats.org/officeDocument/2006/relationships" xmlns:p="http://schemas.openxmlformats.org/presentationml/2006/main">
+  <p:cSld>
+    <p:spTree>
+      <p:nvGrpSpPr>
+        <p:cNvPr id="1" name=""/>
+        <p:cNvGrpSpPr/>
+        <p:nvPr/>
+      </p:nvGrpSpPr>
+      <p:grpSpPr>
+        <a:xfrm>
+          <a:off x="0" y="0"/>
+          <a:ext cx="0" cy="0"/>
+          <a:chOff x="0" y="0"/>
+          <a:chExt cx="0" cy="0"/>
+        </a:xfrm>
+      </p:grpSpPr>
+      <p:sp>
+        <p:nvSpPr>
+          <p:cNvPr id="2" name="Заголовок 1">
+            <a:extLst>
+              <a:ext uri="{FF2B5EF4-FFF2-40B4-BE49-F238E27FC236}">
+                <a16:creationId xmlns:a16="http://schemas.microsoft.com/office/drawing/2014/main" id="{3CF0896E-EC50-4545-98C6-587036052085}"/>
+              </a:ext>
+            </a:extLst>
+          </p:cNvPr>
+          <p:cNvSpPr>
+            <a:spLocks noGrp="1"/>
+          </p:cNvSpPr>
+          <p:nvPr>
+            <p:ph type="title"/>
+          </p:nvPr>
+        </p:nvSpPr>
+        <p:spPr>
+          <a:xfrm>
+            <a:off x="838200" y="365125"/>
+            <a:ext cx="10515600" cy="783191"/>
+          </a:xfrm>
+        </p:spPr>
+        <p:txBody>
+          <a:bodyPr>
+            <a:normAutofit fontScale="90000"/>
+          </a:bodyPr>
+          <a:lstStyle/>
+          <a:p>
+            <a:r>
+              <a:rPr lang="ru-RU" dirty="0"/>
+              <a:t>Определение готовности </a:t>
+            </a:r>
+            <a:r>
+              <a:rPr lang="en-US" dirty="0"/>
+              <a:t>(</a:t>
+            </a:r>
+            <a:r>
+              <a:rPr lang="en-US" b="1" dirty="0"/>
+              <a:t>Definition of Done</a:t>
+            </a:r>
+            <a:r>
+              <a:rPr lang="ru-RU" dirty="0"/>
+              <a:t>)</a:t>
+            </a:r>
+          </a:p>
+        </p:txBody>
+      </p:sp>
+      <p:sp>
+        <p:nvSpPr>
+          <p:cNvPr id="3" name="Объект 2">
+            <a:extLst>
+              <a:ext uri="{FF2B5EF4-FFF2-40B4-BE49-F238E27FC236}">
+                <a16:creationId xmlns:a16="http://schemas.microsoft.com/office/drawing/2014/main" id="{A11FC8EE-523A-934D-A891-616FA170A5D3}"/>
+              </a:ext>
+            </a:extLst>
+          </p:cNvPr>
+          <p:cNvSpPr>
+            <a:spLocks noGrp="1"/>
+          </p:cNvSpPr>
+          <p:nvPr>
+            <p:ph idx="1"/>
+          </p:nvPr>
+        </p:nvSpPr>
+        <p:spPr>
+          <a:xfrm>
+            <a:off x="838200" y="1265274"/>
+            <a:ext cx="10515600" cy="5227601"/>
+          </a:xfrm>
+        </p:spPr>
+        <p:txBody>
+          <a:bodyPr>
+            <a:normAutofit fontScale="92500" lnSpcReduction="10000"/>
+          </a:bodyPr>
+          <a:lstStyle/>
+          <a:p>
+            <a:r>
+              <a:rPr lang="ru-RU" dirty="0"/>
+              <a:t>Определение готовности (критерии готовности) — это формальное описание состояния </a:t>
+            </a:r>
+            <a:r>
+              <a:rPr lang="en" dirty="0"/>
+              <a:t>Increment, </a:t>
+            </a:r>
+            <a:r>
+              <a:rPr lang="ru-RU" dirty="0"/>
+              <a:t>при котором он соответствует требованиям качества, предъявляемым продукту.</a:t>
+            </a:r>
+          </a:p>
+          <a:p>
+            <a:r>
+              <a:rPr lang="ru-RU" dirty="0"/>
+              <a:t>В момент, когда элемент </a:t>
+            </a:r>
+            <a:r>
+              <a:rPr lang="en" dirty="0"/>
+              <a:t>Product Backlog </a:t>
+            </a:r>
+            <a:r>
+              <a:rPr lang="ru-RU" dirty="0"/>
+              <a:t>стал соответствовать определению готовности, рождается </a:t>
+            </a:r>
+            <a:r>
+              <a:rPr lang="en" dirty="0"/>
+              <a:t>Increment.</a:t>
+            </a:r>
+            <a:endParaRPr lang="ru-RU" dirty="0"/>
+          </a:p>
+          <a:p>
+            <a:pPr marL="0" indent="0">
+              <a:buNone/>
+            </a:pPr>
+            <a:endParaRPr lang="en-US" dirty="0"/>
+          </a:p>
+          <a:p>
+            <a:pPr marL="0" indent="0">
+              <a:buNone/>
+            </a:pPr>
+            <a:r>
+              <a:rPr lang="ru-RU" dirty="0"/>
+              <a:t>Примеры </a:t>
+            </a:r>
+            <a:r>
+              <a:rPr lang="en" dirty="0"/>
+              <a:t>DoD </a:t>
+            </a:r>
+            <a:r>
+              <a:rPr lang="ru-RU" dirty="0"/>
+              <a:t>для </a:t>
+            </a:r>
+            <a:r>
+              <a:rPr lang="en" dirty="0"/>
+              <a:t>User Story:</a:t>
+            </a:r>
+          </a:p>
+          <a:p>
+            <a:r>
+              <a:rPr lang="ru-RU" dirty="0"/>
+              <a:t>Написаны и пройдены </a:t>
+            </a:r>
+            <a:r>
+              <a:rPr lang="en" dirty="0"/>
+              <a:t>unit</a:t>
+            </a:r>
+            <a:r>
+              <a:rPr lang="ru-RU" dirty="0"/>
+              <a:t>-тесты</a:t>
+            </a:r>
+          </a:p>
+          <a:p>
+            <a:r>
+              <a:rPr lang="ru-RU" dirty="0"/>
+              <a:t>Проведено </a:t>
+            </a:r>
+            <a:r>
+              <a:rPr lang="ru-RU" dirty="0" err="1"/>
+              <a:t>C</a:t>
+            </a:r>
+            <a:r>
+              <a:rPr lang="en-US" dirty="0"/>
+              <a:t>ode review</a:t>
+            </a:r>
+          </a:p>
+          <a:p>
+            <a:r>
+              <a:rPr lang="ru-RU" dirty="0"/>
+              <a:t>Функциональные тесты пройдены</a:t>
+            </a:r>
+          </a:p>
+          <a:p>
+            <a:r>
+              <a:rPr lang="ru-RU" dirty="0"/>
+              <a:t>Написана краткая справка для пользователя по </a:t>
+            </a:r>
+            <a:r>
+              <a:rPr lang="ru-RU" dirty="0" err="1"/>
+              <a:t>фиче</a:t>
+            </a:r>
+            <a:endParaRPr lang="en-US" dirty="0"/>
+          </a:p>
+          <a:p>
+            <a:r>
+              <a:rPr lang="ru-RU" dirty="0"/>
+              <a:t>Фича /</a:t>
+            </a:r>
+            <a:r>
+              <a:rPr lang="en-US" dirty="0"/>
+              <a:t> </a:t>
+            </a:r>
+            <a:r>
+              <a:rPr lang="ru-RU" dirty="0"/>
+              <a:t>страница добавлена в меню сайта </a:t>
+            </a:r>
+            <a:r>
+              <a:rPr lang="en-US" dirty="0"/>
+              <a:t>/ </a:t>
+            </a:r>
+            <a:r>
+              <a:rPr lang="ru-RU" dirty="0"/>
+              <a:t>приложения</a:t>
+            </a:r>
+          </a:p>
+        </p:txBody>
+      </p:sp>
+    </p:spTree>
+    <p:extLst>
+      <p:ext uri="{BB962C8B-B14F-4D97-AF65-F5344CB8AC3E}">
+        <p14:creationId xmlns:p14="http://schemas.microsoft.com/office/powerpoint/2010/main" val="4137641673"/>
+      </p:ext>
+    </p:extLst>
+  </p:cSld>
+  <p:clrMapOvr>
+    <a:masterClrMapping/>
+  </p:clrMapOvr>
+</p:sld>
+</file>
+
+<file path=ppt/slides/slide38.xml><?xml version="1.0" encoding="utf-8"?>
+<p:sld xmlns:a="http://schemas.openxmlformats.org/drawingml/2006/main" xmlns:r="http://schemas.openxmlformats.org/officeDocument/2006/relationships" xmlns:p="http://schemas.openxmlformats.org/presentationml/2006/main">
+  <p:cSld>
+    <p:spTree>
+      <p:nvGrpSpPr>
+        <p:cNvPr id="1" name=""/>
+        <p:cNvGrpSpPr/>
+        <p:nvPr/>
+      </p:nvGrpSpPr>
+      <p:grpSpPr>
+        <a:xfrm>
+          <a:off x="0" y="0"/>
+          <a:ext cx="0" cy="0"/>
+          <a:chOff x="0" y="0"/>
+          <a:chExt cx="0" cy="0"/>
+        </a:xfrm>
+      </p:grpSpPr>
+      <p:sp>
+        <p:nvSpPr>
           <p:cNvPr id="3" name="Объект 2">
             <a:extLst>
               <a:ext uri="{FF2B5EF4-FFF2-40B4-BE49-F238E27FC236}">
@@ -7237,12 +10240,8 @@
               <a:buNone/>
             </a:pPr>
             <a:r>
-              <a:rPr lang="ru-RU" b="1" dirty="0"/>
-              <a:t>Как формулировать </a:t>
-            </a:r>
-            <a:r>
-              <a:rPr lang="en" b="1" dirty="0"/>
-              <a:t>User Story?</a:t>
+              <a:rPr lang="en" sz="3600" b="1" dirty="0"/>
+              <a:t>User Story</a:t>
             </a:r>
           </a:p>
           <a:p>
@@ -7277,6 +10276,9 @@
             </a:r>
           </a:p>
           <a:p>
+            <a:pPr marL="0" indent="0">
+              <a:buNone/>
+            </a:pPr>
             <a:endParaRPr lang="ru-RU" dirty="0"/>
           </a:p>
         </p:txBody>
@@ -7324,7 +10326,7 @@
 </p:sld>
 </file>
 
-<file path=ppt/slides/slide3.xml><?xml version="1.0" encoding="utf-8"?>
+<file path=ppt/slides/slide39.xml><?xml version="1.0" encoding="utf-8"?>
 <p:sld xmlns:a="http://schemas.openxmlformats.org/drawingml/2006/main" xmlns:r="http://schemas.openxmlformats.org/officeDocument/2006/relationships" xmlns:p="http://schemas.openxmlformats.org/presentationml/2006/main">
   <p:cSld>
     <p:spTree>
@@ -7341,100 +10343,252 @@
           <a:chExt cx="0" cy="0"/>
         </a:xfrm>
       </p:grpSpPr>
-      <p:pic>
-        <p:nvPicPr>
-          <p:cNvPr id="7" name="Рисунок 6">
-            <a:extLst>
-              <a:ext uri="{FF2B5EF4-FFF2-40B4-BE49-F238E27FC236}">
-                <a16:creationId xmlns:a16="http://schemas.microsoft.com/office/drawing/2014/main" id="{CFEB065F-619D-5C43-B2E8-87BE4E04283E}"/>
-              </a:ext>
-            </a:extLst>
-          </p:cNvPr>
-          <p:cNvPicPr>
-            <a:picLocks noChangeAspect="1"/>
-          </p:cNvPicPr>
-          <p:nvPr/>
-        </p:nvPicPr>
-        <p:blipFill>
-          <a:blip r:embed="rId2"/>
-          <a:stretch>
-            <a:fillRect/>
-          </a:stretch>
-        </p:blipFill>
+      <p:sp>
+        <p:nvSpPr>
+          <p:cNvPr id="2" name="Заголовок 1">
+            <a:extLst>
+              <a:ext uri="{FF2B5EF4-FFF2-40B4-BE49-F238E27FC236}">
+                <a16:creationId xmlns:a16="http://schemas.microsoft.com/office/drawing/2014/main" id="{AC8429EC-59AF-DF43-820D-37E80EB8CD48}"/>
+              </a:ext>
+            </a:extLst>
+          </p:cNvPr>
+          <p:cNvSpPr>
+            <a:spLocks noGrp="1"/>
+          </p:cNvSpPr>
+          <p:nvPr>
+            <p:ph type="title"/>
+          </p:nvPr>
+        </p:nvSpPr>
         <p:spPr>
           <a:xfrm>
-            <a:off x="233709" y="281360"/>
-            <a:ext cx="4636004" cy="3582367"/>
+            <a:off x="636181" y="375757"/>
+            <a:ext cx="10515600" cy="772559"/>
           </a:xfrm>
-          <a:prstGeom prst="rect">
-            <a:avLst/>
-          </a:prstGeom>
         </p:spPr>
-      </p:pic>
-      <p:pic>
-        <p:nvPicPr>
-          <p:cNvPr id="9" name="Рисунок 8">
-            <a:extLst>
-              <a:ext uri="{FF2B5EF4-FFF2-40B4-BE49-F238E27FC236}">
-                <a16:creationId xmlns:a16="http://schemas.microsoft.com/office/drawing/2014/main" id="{787705A5-6814-324F-8147-1DA153A53097}"/>
-              </a:ext>
-            </a:extLst>
-          </p:cNvPr>
-          <p:cNvPicPr>
-            <a:picLocks noChangeAspect="1"/>
-          </p:cNvPicPr>
-          <p:nvPr/>
-        </p:nvPicPr>
-        <p:blipFill>
-          <a:blip r:embed="rId3"/>
-          <a:stretch>
-            <a:fillRect/>
-          </a:stretch>
-        </p:blipFill>
+        <p:txBody>
+          <a:bodyPr/>
+          <a:lstStyle/>
+          <a:p>
+            <a:r>
+              <a:rPr lang="ru-RU" dirty="0"/>
+              <a:t>Пример </a:t>
+            </a:r>
+            <a:r>
+              <a:rPr lang="ru-RU" dirty="0" err="1"/>
+              <a:t>E</a:t>
+            </a:r>
+            <a:r>
+              <a:rPr lang="en-US" dirty="0"/>
+              <a:t>pic / User story / </a:t>
+            </a:r>
+            <a:r>
+              <a:rPr lang="ru-RU" dirty="0"/>
+              <a:t>Тех. задач</a:t>
+            </a:r>
+          </a:p>
+        </p:txBody>
+      </p:sp>
+      <p:sp>
+        <p:nvSpPr>
+          <p:cNvPr id="3" name="Объект 2">
+            <a:extLst>
+              <a:ext uri="{FF2B5EF4-FFF2-40B4-BE49-F238E27FC236}">
+                <a16:creationId xmlns:a16="http://schemas.microsoft.com/office/drawing/2014/main" id="{7F953F34-DE9C-4642-BC2A-422B01AFE432}"/>
+              </a:ext>
+            </a:extLst>
+          </p:cNvPr>
+          <p:cNvSpPr>
+            <a:spLocks noGrp="1"/>
+          </p:cNvSpPr>
+          <p:nvPr>
+            <p:ph idx="1"/>
+          </p:nvPr>
+        </p:nvSpPr>
         <p:spPr>
           <a:xfrm>
-            <a:off x="4068725" y="2860157"/>
-            <a:ext cx="4636004" cy="3582367"/>
+            <a:off x="636181" y="1329070"/>
+            <a:ext cx="10515600" cy="5153173"/>
           </a:xfrm>
-          <a:prstGeom prst="rect">
-            <a:avLst/>
-          </a:prstGeom>
         </p:spPr>
-      </p:pic>
-      <p:pic>
-        <p:nvPicPr>
-          <p:cNvPr id="13" name="Рисунок 12">
-            <a:extLst>
-              <a:ext uri="{FF2B5EF4-FFF2-40B4-BE49-F238E27FC236}">
-                <a16:creationId xmlns:a16="http://schemas.microsoft.com/office/drawing/2014/main" id="{005E4374-61C6-5D42-820A-1320BCA72CB9}"/>
-              </a:ext>
-            </a:extLst>
-          </p:cNvPr>
-          <p:cNvPicPr>
-            <a:picLocks noChangeAspect="1"/>
-          </p:cNvPicPr>
-          <p:nvPr/>
-        </p:nvPicPr>
-        <p:blipFill>
-          <a:blip r:embed="rId4"/>
-          <a:stretch>
-            <a:fillRect/>
-          </a:stretch>
-        </p:blipFill>
-        <p:spPr>
-          <a:xfrm>
-            <a:off x="7953594" y="148855"/>
-            <a:ext cx="4004698" cy="5667153"/>
-          </a:xfrm>
-          <a:prstGeom prst="rect">
-            <a:avLst/>
-          </a:prstGeom>
-        </p:spPr>
-      </p:pic>
+        <p:txBody>
+          <a:bodyPr>
+            <a:normAutofit fontScale="92500" lnSpcReduction="20000"/>
+          </a:bodyPr>
+          <a:lstStyle/>
+          <a:p>
+            <a:pPr marL="0" indent="0">
+              <a:buNone/>
+            </a:pPr>
+            <a:r>
+              <a:rPr lang="ru-RU" dirty="0"/>
+              <a:t>Продукт — новая операционная система</a:t>
+            </a:r>
+            <a:r>
+              <a:rPr lang="en-US" dirty="0"/>
+              <a:t> (</a:t>
+            </a:r>
+            <a:r>
+              <a:rPr lang="ru-RU" dirty="0"/>
+              <a:t>базовый софт</a:t>
+            </a:r>
+            <a:r>
+              <a:rPr lang="en-US" dirty="0"/>
+              <a:t>)</a:t>
+            </a:r>
+            <a:r>
+              <a:rPr lang="ru-RU" dirty="0"/>
+              <a:t> для смартфона.</a:t>
+            </a:r>
+          </a:p>
+          <a:p>
+            <a:r>
+              <a:rPr lang="en-US" dirty="0"/>
+              <a:t>SMS-</a:t>
+            </a:r>
+            <a:r>
+              <a:rPr lang="ru-RU" dirty="0"/>
+              <a:t>сообщения</a:t>
+            </a:r>
+          </a:p>
+          <a:p>
+            <a:pPr lvl="1"/>
+            <a:r>
+              <a:rPr lang="ru-RU" dirty="0"/>
+              <a:t>Функция набора и отправки сообщений</a:t>
+            </a:r>
+          </a:p>
+          <a:p>
+            <a:pPr lvl="2"/>
+            <a:r>
+              <a:rPr lang="ru-RU" dirty="0"/>
+              <a:t>Разработать буквенно-цифровую экранную клавиатуру</a:t>
+            </a:r>
+          </a:p>
+          <a:p>
+            <a:pPr lvl="2"/>
+            <a:r>
+              <a:rPr lang="ru-RU" dirty="0"/>
+              <a:t>Разработать </a:t>
+            </a:r>
+            <a:r>
+              <a:rPr lang="ru-RU" dirty="0" err="1"/>
+              <a:t>виджет</a:t>
+            </a:r>
+            <a:r>
+              <a:rPr lang="ru-RU" dirty="0"/>
+              <a:t> выбора получателя из списка контактов</a:t>
+            </a:r>
+          </a:p>
+          <a:p>
+            <a:pPr lvl="1"/>
+            <a:r>
+              <a:rPr lang="ru-RU" dirty="0"/>
+              <a:t>Просмотр входящих сообщений</a:t>
+            </a:r>
+          </a:p>
+          <a:p>
+            <a:pPr lvl="2"/>
+            <a:r>
+              <a:rPr lang="ru-RU" dirty="0"/>
+              <a:t>Разработать </a:t>
+            </a:r>
+            <a:r>
+              <a:rPr lang="ru-RU" dirty="0" err="1"/>
+              <a:t>виджет</a:t>
+            </a:r>
+            <a:r>
+              <a:rPr lang="ru-RU" dirty="0"/>
+              <a:t> прокрутки</a:t>
+            </a:r>
+          </a:p>
+          <a:p>
+            <a:pPr lvl="2"/>
+            <a:r>
+              <a:rPr lang="ru-RU" dirty="0"/>
+              <a:t>Реализовать поддержку </a:t>
+            </a:r>
+            <a:r>
+              <a:rPr lang="ru-RU" dirty="0" err="1"/>
+              <a:t>свайпа</a:t>
+            </a:r>
+            <a:endParaRPr lang="ru-RU" dirty="0"/>
+          </a:p>
+          <a:p>
+            <a:pPr lvl="1"/>
+            <a:r>
+              <a:rPr lang="ru-RU" dirty="0"/>
+              <a:t>Поиск сообщений по тексту</a:t>
+            </a:r>
+          </a:p>
+          <a:p>
+            <a:pPr lvl="2"/>
+            <a:r>
+              <a:rPr lang="ru-RU" dirty="0"/>
+              <a:t>Мини-поисковый движок на основе </a:t>
+            </a:r>
+            <a:r>
+              <a:rPr lang="ru-RU" dirty="0" err="1"/>
+              <a:t>нейросетей</a:t>
+            </a:r>
+            <a:endParaRPr lang="ru-RU" dirty="0"/>
+          </a:p>
+          <a:p>
+            <a:r>
+              <a:rPr lang="ru-RU" dirty="0"/>
+              <a:t>Звонки</a:t>
+            </a:r>
+          </a:p>
+          <a:p>
+            <a:pPr lvl="1"/>
+            <a:r>
+              <a:rPr lang="ru-RU" dirty="0"/>
+              <a:t>…</a:t>
+            </a:r>
+          </a:p>
+          <a:p>
+            <a:pPr lvl="2"/>
+            <a:r>
+              <a:rPr lang="ru-RU" dirty="0"/>
+              <a:t>…</a:t>
+            </a:r>
+          </a:p>
+          <a:p>
+            <a:r>
+              <a:rPr lang="ru-RU" dirty="0"/>
+              <a:t>Поддержка устанавливаемых приложений</a:t>
+            </a:r>
+          </a:p>
+          <a:p>
+            <a:pPr lvl="1"/>
+            <a:r>
+              <a:rPr lang="ru-RU" dirty="0"/>
+              <a:t>Возможность установки приложения из магазина приложений</a:t>
+            </a:r>
+          </a:p>
+          <a:p>
+            <a:pPr lvl="2"/>
+            <a:r>
+              <a:rPr lang="ru-RU" dirty="0"/>
+              <a:t>Разработать формат файла-контейнера для приложений</a:t>
+            </a:r>
+          </a:p>
+          <a:p>
+            <a:pPr lvl="1"/>
+            <a:endParaRPr lang="ru-RU" dirty="0"/>
+          </a:p>
+          <a:p>
+            <a:pPr lvl="1"/>
+            <a:endParaRPr lang="ru-RU" dirty="0"/>
+          </a:p>
+          <a:p>
+            <a:endParaRPr lang="ru-RU" dirty="0"/>
+          </a:p>
+        </p:txBody>
+      </p:sp>
     </p:spTree>
     <p:extLst>
       <p:ext uri="{BB962C8B-B14F-4D97-AF65-F5344CB8AC3E}">
-        <p14:creationId xmlns:p14="http://schemas.microsoft.com/office/powerpoint/2010/main" val="3768589723"/>
+        <p14:creationId xmlns:p14="http://schemas.microsoft.com/office/powerpoint/2010/main" val="158109898"/>
       </p:ext>
     </p:extLst>
   </p:cSld>
@@ -7743,6 +10897,210 @@
     <p:extLst>
       <p:ext uri="{BB962C8B-B14F-4D97-AF65-F5344CB8AC3E}">
         <p14:creationId xmlns:p14="http://schemas.microsoft.com/office/powerpoint/2010/main" val="801912701"/>
+      </p:ext>
+    </p:extLst>
+  </p:cSld>
+  <p:clrMapOvr>
+    <a:masterClrMapping/>
+  </p:clrMapOvr>
+</p:sld>
+</file>
+
+<file path=ppt/slides/slide40.xml><?xml version="1.0" encoding="utf-8"?>
+<p:sld xmlns:a="http://schemas.openxmlformats.org/drawingml/2006/main" xmlns:r="http://schemas.openxmlformats.org/officeDocument/2006/relationships" xmlns:p="http://schemas.openxmlformats.org/presentationml/2006/main">
+  <p:cSld>
+    <p:spTree>
+      <p:nvGrpSpPr>
+        <p:cNvPr id="1" name=""/>
+        <p:cNvGrpSpPr/>
+        <p:nvPr/>
+      </p:nvGrpSpPr>
+      <p:grpSpPr>
+        <a:xfrm>
+          <a:off x="0" y="0"/>
+          <a:ext cx="0" cy="0"/>
+          <a:chOff x="0" y="0"/>
+          <a:chExt cx="0" cy="0"/>
+        </a:xfrm>
+      </p:grpSpPr>
+      <p:sp>
+        <p:nvSpPr>
+          <p:cNvPr id="2" name="Заголовок 1">
+            <a:extLst>
+              <a:ext uri="{FF2B5EF4-FFF2-40B4-BE49-F238E27FC236}">
+                <a16:creationId xmlns:a16="http://schemas.microsoft.com/office/drawing/2014/main" id="{CA9D4F9B-3125-F247-AFF6-789E28B840E0}"/>
+              </a:ext>
+            </a:extLst>
+          </p:cNvPr>
+          <p:cNvSpPr>
+            <a:spLocks noGrp="1"/>
+          </p:cNvSpPr>
+          <p:nvPr>
+            <p:ph type="title"/>
+          </p:nvPr>
+        </p:nvSpPr>
+        <p:spPr>
+          <a:xfrm>
+            <a:off x="595423" y="365125"/>
+            <a:ext cx="10515600" cy="772559"/>
+          </a:xfrm>
+        </p:spPr>
+        <p:txBody>
+          <a:bodyPr/>
+          <a:lstStyle/>
+          <a:p>
+            <a:r>
+              <a:rPr lang="ru-RU" dirty="0"/>
+              <a:t>Доска задач (</a:t>
+            </a:r>
+            <a:r>
+              <a:rPr lang="en" dirty="0"/>
+              <a:t>Task Board)</a:t>
+            </a:r>
+            <a:endParaRPr lang="ru-RU" dirty="0"/>
+          </a:p>
+        </p:txBody>
+      </p:sp>
+      <p:sp>
+        <p:nvSpPr>
+          <p:cNvPr id="3" name="Объект 2">
+            <a:extLst>
+              <a:ext uri="{FF2B5EF4-FFF2-40B4-BE49-F238E27FC236}">
+                <a16:creationId xmlns:a16="http://schemas.microsoft.com/office/drawing/2014/main" id="{09B0C1A7-4C47-054A-A295-B4796F150A38}"/>
+              </a:ext>
+            </a:extLst>
+          </p:cNvPr>
+          <p:cNvSpPr>
+            <a:spLocks noGrp="1"/>
+          </p:cNvSpPr>
+          <p:nvPr>
+            <p:ph idx="1"/>
+          </p:nvPr>
+        </p:nvSpPr>
+        <p:spPr>
+          <a:xfrm>
+            <a:off x="595423" y="1382233"/>
+            <a:ext cx="10758377" cy="5110642"/>
+          </a:xfrm>
+        </p:spPr>
+        <p:txBody>
+          <a:bodyPr>
+            <a:normAutofit fontScale="92500" lnSpcReduction="20000"/>
+          </a:bodyPr>
+          <a:lstStyle/>
+          <a:p>
+            <a:pPr marL="0" indent="0">
+              <a:buNone/>
+            </a:pPr>
+            <a:r>
+              <a:rPr lang="ru-RU" dirty="0"/>
+              <a:t>Физическая или электронная доска, на которой отражены задачи с их статусами. Пространство доски поделено на колонки:</a:t>
+            </a:r>
+          </a:p>
+          <a:p>
+            <a:endParaRPr lang="ru-RU" dirty="0"/>
+          </a:p>
+          <a:p>
+            <a:r>
+              <a:rPr lang="en" dirty="0"/>
+              <a:t>To Do</a:t>
+            </a:r>
+            <a:r>
+              <a:rPr lang="ru-RU" dirty="0"/>
+              <a:t> (</a:t>
+            </a:r>
+            <a:r>
+              <a:rPr lang="en-US" dirty="0"/>
+              <a:t>sprint backlog</a:t>
+            </a:r>
+            <a:r>
+              <a:rPr lang="en" dirty="0"/>
+              <a:t>)</a:t>
+            </a:r>
+          </a:p>
+          <a:p>
+            <a:pPr lvl="1"/>
+            <a:r>
+              <a:rPr lang="ru-RU" dirty="0"/>
+              <a:t>Прикрепляем карточки в этой колонке так, чтобы карточки с задачами находились рядом с соответствующими карточками фич.</a:t>
+            </a:r>
+            <a:endParaRPr lang="en-US" dirty="0"/>
+          </a:p>
+          <a:p>
+            <a:r>
+              <a:rPr lang="en" dirty="0"/>
+              <a:t>In Progress — </a:t>
+            </a:r>
+            <a:r>
+              <a:rPr lang="ru-RU" dirty="0"/>
+              <a:t>для задач, которые находятся в работе.</a:t>
+            </a:r>
+          </a:p>
+          <a:p>
+            <a:pPr lvl="1"/>
+            <a:r>
+              <a:rPr lang="ru-RU" dirty="0"/>
+              <a:t>Обязательно отмечается ответственный (ответственные).</a:t>
+            </a:r>
+          </a:p>
+          <a:p>
+            <a:r>
+              <a:rPr lang="en" dirty="0"/>
+              <a:t>Done</a:t>
+            </a:r>
+            <a:r>
+              <a:rPr lang="ru-RU" dirty="0"/>
+              <a:t> — для сделанных задач, готовых к </a:t>
+            </a:r>
+            <a:r>
+              <a:rPr lang="ru-RU" dirty="0" err="1"/>
+              <a:t>Демо</a:t>
+            </a:r>
+            <a:endParaRPr lang="ru-RU" dirty="0"/>
+          </a:p>
+          <a:p>
+            <a:r>
+              <a:rPr lang="ru-RU" dirty="0"/>
+              <a:t>Любые дополнительные колонки:</a:t>
+            </a:r>
+          </a:p>
+          <a:p>
+            <a:pPr lvl="1"/>
+            <a:r>
+              <a:rPr lang="ru-RU" dirty="0"/>
+              <a:t>Тестирование</a:t>
+            </a:r>
+          </a:p>
+          <a:p>
+            <a:pPr lvl="1"/>
+            <a:r>
+              <a:rPr lang="en-US" dirty="0"/>
+              <a:t>Code review</a:t>
+            </a:r>
+          </a:p>
+          <a:p>
+            <a:pPr lvl="1"/>
+            <a:r>
+              <a:rPr lang="ru-RU" dirty="0"/>
+              <a:t>Написание документации</a:t>
+            </a:r>
+          </a:p>
+          <a:p>
+            <a:pPr lvl="1"/>
+            <a:r>
+              <a:rPr lang="ru-RU" dirty="0"/>
+              <a:t>И т.п.</a:t>
+            </a:r>
+          </a:p>
+          <a:p>
+            <a:endParaRPr lang="ru-RU" dirty="0"/>
+          </a:p>
+        </p:txBody>
+      </p:sp>
+    </p:spTree>
+    <p:extLst>
+      <p:ext uri="{BB962C8B-B14F-4D97-AF65-F5344CB8AC3E}">
+        <p14:creationId xmlns:p14="http://schemas.microsoft.com/office/powerpoint/2010/main" val="3753538849"/>
       </p:ext>
     </p:extLst>
   </p:cSld>

--- a/slides/01-SCRUM.pptx
+++ b/slides/01-SCRUM.pptx
@@ -19,32 +19,37 @@
     <p:sldId id="266" r:id="rId13"/>
     <p:sldId id="268" r:id="rId14"/>
     <p:sldId id="283" r:id="rId15"/>
-    <p:sldId id="269" r:id="rId16"/>
-    <p:sldId id="270" r:id="rId17"/>
-    <p:sldId id="271" r:id="rId18"/>
-    <p:sldId id="272" r:id="rId19"/>
-    <p:sldId id="273" r:id="rId20"/>
-    <p:sldId id="274" r:id="rId21"/>
-    <p:sldId id="275" r:id="rId22"/>
-    <p:sldId id="276" r:id="rId23"/>
-    <p:sldId id="277" r:id="rId24"/>
-    <p:sldId id="280" r:id="rId25"/>
-    <p:sldId id="278" r:id="rId26"/>
-    <p:sldId id="281" r:id="rId27"/>
-    <p:sldId id="282" r:id="rId28"/>
-    <p:sldId id="284" r:id="rId29"/>
-    <p:sldId id="285" r:id="rId30"/>
-    <p:sldId id="286" r:id="rId31"/>
-    <p:sldId id="287" r:id="rId32"/>
-    <p:sldId id="288" r:id="rId33"/>
-    <p:sldId id="289" r:id="rId34"/>
-    <p:sldId id="290" r:id="rId35"/>
-    <p:sldId id="291" r:id="rId36"/>
-    <p:sldId id="292" r:id="rId37"/>
-    <p:sldId id="293" r:id="rId38"/>
-    <p:sldId id="279" r:id="rId39"/>
-    <p:sldId id="294" r:id="rId40"/>
-    <p:sldId id="295" r:id="rId41"/>
+    <p:sldId id="298" r:id="rId16"/>
+    <p:sldId id="269" r:id="rId17"/>
+    <p:sldId id="270" r:id="rId18"/>
+    <p:sldId id="271" r:id="rId19"/>
+    <p:sldId id="272" r:id="rId20"/>
+    <p:sldId id="273" r:id="rId21"/>
+    <p:sldId id="274" r:id="rId22"/>
+    <p:sldId id="275" r:id="rId23"/>
+    <p:sldId id="276" r:id="rId24"/>
+    <p:sldId id="277" r:id="rId25"/>
+    <p:sldId id="280" r:id="rId26"/>
+    <p:sldId id="278" r:id="rId27"/>
+    <p:sldId id="281" r:id="rId28"/>
+    <p:sldId id="282" r:id="rId29"/>
+    <p:sldId id="284" r:id="rId30"/>
+    <p:sldId id="285" r:id="rId31"/>
+    <p:sldId id="286" r:id="rId32"/>
+    <p:sldId id="287" r:id="rId33"/>
+    <p:sldId id="288" r:id="rId34"/>
+    <p:sldId id="289" r:id="rId35"/>
+    <p:sldId id="290" r:id="rId36"/>
+    <p:sldId id="291" r:id="rId37"/>
+    <p:sldId id="292" r:id="rId38"/>
+    <p:sldId id="293" r:id="rId39"/>
+    <p:sldId id="279" r:id="rId40"/>
+    <p:sldId id="294" r:id="rId41"/>
+    <p:sldId id="295" r:id="rId42"/>
+    <p:sldId id="296" r:id="rId43"/>
+    <p:sldId id="297" r:id="rId44"/>
+    <p:sldId id="299" r:id="rId45"/>
+    <p:sldId id="300" r:id="rId46"/>
   </p:sldIdLst>
   <p:sldSz cx="12192000" cy="6858000"/>
   <p:notesSz cx="6858000" cy="9144000"/>
@@ -3617,13 +3622,13 @@
         </p:nvSpPr>
         <p:spPr>
           <a:xfrm>
-            <a:off x="838200" y="1389690"/>
-            <a:ext cx="10515600" cy="4351338"/>
+            <a:off x="838200" y="1389689"/>
+            <a:ext cx="10515600" cy="5103185"/>
           </a:xfrm>
         </p:spPr>
         <p:txBody>
           <a:bodyPr>
-            <a:normAutofit fontScale="70000" lnSpcReduction="20000"/>
+            <a:normAutofit fontScale="92500" lnSpcReduction="20000"/>
           </a:bodyPr>
           <a:lstStyle/>
           <a:p>
@@ -3635,16 +3640,12 @@
               <a:t>Scrum — </a:t>
             </a:r>
             <a:r>
-              <a:rPr lang="ru-RU" dirty="0"/>
-              <a:t>легкий </a:t>
-            </a:r>
-            <a:r>
-              <a:rPr lang="ru-RU" dirty="0" err="1"/>
-              <a:t>фреймворк</a:t>
-            </a:r>
-            <a:r>
-              <a:rPr lang="ru-RU" dirty="0"/>
-              <a:t>, который помогает людям, командам и организациям создавать ценность с помощью адаптивных решений комплексных проблем.</a:t>
+              <a:rPr lang="ru-RU" i="1" dirty="0"/>
+              <a:t>легкий</a:t>
+            </a:r>
+            <a:r>
+              <a:rPr lang="ru-RU" dirty="0"/>
+              <a:t> фреймворк, который помогает людям, командам и организациям создавать ценность с помощью адаптивных решений комплексных проблем.</a:t>
             </a:r>
           </a:p>
           <a:p>
@@ -3657,7 +3658,23 @@
             </a:r>
             <a:r>
               <a:rPr lang="ru-RU" dirty="0"/>
-              <a:t>предназначен для быстрой разработки и поставки сложных, принципиально новых </a:t>
+              <a:t>предназначен для </a:t>
+            </a:r>
+            <a:r>
+              <a:rPr lang="ru-RU" i="1" dirty="0"/>
+              <a:t>быстрой</a:t>
+            </a:r>
+            <a:r>
+              <a:rPr lang="ru-RU" dirty="0"/>
+              <a:t> разработки и поставки </a:t>
+            </a:r>
+            <a:r>
+              <a:rPr lang="ru-RU" i="1" dirty="0"/>
+              <a:t>сложных</a:t>
+            </a:r>
+            <a:r>
+              <a:rPr lang="ru-RU" dirty="0"/>
+              <a:t>, принципиально новых </a:t>
             </a:r>
             <a:r>
               <a:rPr lang="ru-RU" b="1" dirty="0"/>
@@ -3721,7 +3738,21 @@
             </a:pPr>
             <a:r>
               <a:rPr lang="ru-RU" dirty="0"/>
-              <a:t>Вкратце, </a:t>
+              <a:t>Главные особенности </a:t>
+            </a:r>
+            <a:r>
+              <a:rPr lang="en" dirty="0"/>
+              <a:t>Scrum</a:t>
+            </a:r>
+            <a:r>
+              <a:rPr lang="ru-RU" dirty="0"/>
+              <a:t>:</a:t>
+            </a:r>
+          </a:p>
+          <a:p>
+            <a:r>
+              <a:rPr lang="ru-RU" dirty="0"/>
+              <a:t>Работа ведется итерациями, которые в </a:t>
             </a:r>
             <a:r>
               <a:rPr lang="en" dirty="0"/>
@@ -3729,139 +3760,19 @@
             </a:r>
             <a:r>
               <a:rPr lang="ru-RU" dirty="0"/>
-              <a:t>требует, чтобы </a:t>
-            </a:r>
-            <a:r>
-              <a:rPr lang="en" b="1" dirty="0"/>
-              <a:t>Scrum Master</a:t>
-            </a:r>
-            <a:r>
-              <a:rPr lang="en" dirty="0"/>
-              <a:t> </a:t>
-            </a:r>
-            <a:r>
-              <a:rPr lang="ru-RU" dirty="0"/>
-              <a:t>способствовал возникновению среды, в которой:</a:t>
-            </a:r>
-          </a:p>
-          <a:p>
-            <a:pPr marL="0" indent="0">
-              <a:buNone/>
-            </a:pPr>
-            <a:r>
-              <a:rPr lang="ru-RU" dirty="0"/>
-              <a:t>1. </a:t>
-            </a:r>
-            <a:r>
-              <a:rPr lang="en" b="1" dirty="0"/>
-              <a:t>Product Owner</a:t>
-            </a:r>
-            <a:r>
-              <a:rPr lang="en" dirty="0"/>
-              <a:t> </a:t>
-            </a:r>
-            <a:r>
-              <a:rPr lang="ru-RU" dirty="0"/>
-              <a:t>упорядочивает работу по решению комплексной проблемы в </a:t>
-            </a:r>
-            <a:r>
-              <a:rPr lang="en" b="1" dirty="0"/>
-              <a:t>Product</a:t>
-            </a:r>
-            <a:r>
-              <a:rPr lang="ru-RU" b="1" dirty="0"/>
-              <a:t> </a:t>
-            </a:r>
-            <a:r>
-              <a:rPr lang="en" b="1" dirty="0"/>
-              <a:t>Backlog</a:t>
-            </a:r>
-            <a:r>
-              <a:rPr lang="en" dirty="0"/>
-              <a:t>.</a:t>
-            </a:r>
-          </a:p>
-          <a:p>
-            <a:pPr marL="0" indent="0">
-              <a:buNone/>
-            </a:pPr>
-            <a:r>
-              <a:rPr lang="en" dirty="0"/>
-              <a:t>2. </a:t>
-            </a:r>
-            <a:r>
-              <a:rPr lang="en" b="1" dirty="0"/>
-              <a:t>Scrum Team</a:t>
-            </a:r>
-            <a:r>
-              <a:rPr lang="en" dirty="0"/>
-              <a:t> </a:t>
-            </a:r>
-            <a:r>
-              <a:rPr lang="ru-RU" dirty="0"/>
-              <a:t>в ходе </a:t>
-            </a:r>
-            <a:r>
-              <a:rPr lang="en" b="1" dirty="0"/>
-              <a:t>Sprint</a:t>
-            </a:r>
-            <a:r>
-              <a:rPr lang="en" dirty="0"/>
-              <a:t> </a:t>
-            </a:r>
-            <a:r>
-              <a:rPr lang="ru-RU" dirty="0"/>
-              <a:t>превращает выбранную работу в </a:t>
-            </a:r>
-            <a:r>
-              <a:rPr lang="en" b="1" dirty="0"/>
-              <a:t>Increment</a:t>
-            </a:r>
-            <a:r>
-              <a:rPr lang="en" dirty="0"/>
-              <a:t>, </a:t>
-            </a:r>
-            <a:r>
-              <a:rPr lang="ru-RU" dirty="0"/>
-              <a:t>несущий ценность.</a:t>
-            </a:r>
-          </a:p>
-          <a:p>
-            <a:pPr marL="0" indent="0">
-              <a:buNone/>
-            </a:pPr>
-            <a:r>
-              <a:rPr lang="ru-RU" dirty="0"/>
-              <a:t>3. </a:t>
-            </a:r>
-            <a:r>
-              <a:rPr lang="en" b="1" dirty="0"/>
-              <a:t>Scrum Team</a:t>
-            </a:r>
-            <a:r>
-              <a:rPr lang="en" dirty="0"/>
-              <a:t> </a:t>
-            </a:r>
-            <a:r>
-              <a:rPr lang="ru-RU" dirty="0"/>
-              <a:t>и заинтересованные лица инспектируют результаты и вносят правки для следующего </a:t>
-            </a:r>
-            <a:r>
-              <a:rPr lang="en" dirty="0"/>
-              <a:t>Sprint.</a:t>
-            </a:r>
-          </a:p>
-          <a:p>
-            <a:pPr marL="0" indent="0">
-              <a:buNone/>
-            </a:pPr>
-            <a:r>
-              <a:rPr lang="en" dirty="0"/>
-              <a:t>4. </a:t>
-            </a:r>
-            <a:r>
-              <a:rPr lang="ru-RU" i="1" dirty="0"/>
-              <a:t>Повторить</a:t>
+              <a:t>называют спринтами</a:t>
+            </a:r>
+          </a:p>
+          <a:p>
+            <a:r>
+              <a:rPr lang="ru-RU" dirty="0"/>
+              <a:t>Результатом работы может считаться лишь то, что готово к использованию</a:t>
+            </a:r>
+          </a:p>
+          <a:p>
+            <a:r>
+              <a:rPr lang="ru-RU" dirty="0"/>
+              <a:t>Продукт разрабатывает самоуправляемая команда</a:t>
             </a:r>
           </a:p>
           <a:p>
@@ -4285,6 +4196,54 @@
           <a:chExt cx="0" cy="0"/>
         </a:xfrm>
       </p:grpSpPr>
+      <p:pic>
+        <p:nvPicPr>
+          <p:cNvPr id="5" name="Рисунок 4">
+            <a:extLst>
+              <a:ext uri="{FF2B5EF4-FFF2-40B4-BE49-F238E27FC236}">
+                <a16:creationId xmlns:a16="http://schemas.microsoft.com/office/drawing/2014/main" id="{DD4B234C-6FBF-AB45-9A05-9E036770B015}"/>
+              </a:ext>
+            </a:extLst>
+          </p:cNvPr>
+          <p:cNvPicPr>
+            <a:picLocks noChangeAspect="1"/>
+          </p:cNvPicPr>
+          <p:nvPr/>
+        </p:nvPicPr>
+        <p:blipFill>
+          <a:blip r:embed="rId2">
+            <a:alphaModFix amt="29000"/>
+            <a:extLst>
+              <a:ext uri="{BEBA8EAE-BF5A-486C-A8C5-ECC9F3942E4B}">
+                <a14:imgProps xmlns:a14="http://schemas.microsoft.com/office/drawing/2010/main">
+                  <a14:imgLayer r:embed="rId3">
+                    <a14:imgEffect>
+                      <a14:saturation sat="108000"/>
+                    </a14:imgEffect>
+                  </a14:imgLayer>
+                </a14:imgProps>
+              </a:ext>
+            </a:extLst>
+          </a:blip>
+          <a:stretch>
+            <a:fillRect/>
+          </a:stretch>
+        </p:blipFill>
+        <p:spPr>
+          <a:xfrm>
+            <a:off x="0" y="-64476"/>
+            <a:ext cx="12079487" cy="6922475"/>
+          </a:xfrm>
+          <a:prstGeom prst="rect">
+            <a:avLst/>
+          </a:prstGeom>
+          <a:effectLst>
+            <a:glow>
+              <a:schemeClr val="accent1"/>
+            </a:glow>
+          </a:effectLst>
+        </p:spPr>
+      </p:pic>
       <p:sp>
         <p:nvSpPr>
           <p:cNvPr id="2" name="Заголовок 1">
@@ -4348,13 +4307,13 @@
         </p:nvSpPr>
         <p:spPr>
           <a:xfrm>
-            <a:off x="838200" y="1424763"/>
-            <a:ext cx="10515600" cy="4752200"/>
+            <a:off x="838200" y="1244011"/>
+            <a:ext cx="10515600" cy="5135524"/>
           </a:xfrm>
         </p:spPr>
         <p:txBody>
           <a:bodyPr>
-            <a:normAutofit fontScale="92500" lnSpcReduction="10000"/>
+            <a:normAutofit/>
           </a:bodyPr>
           <a:lstStyle/>
           <a:p>
@@ -4368,9 +4327,6 @@
               <a:rPr lang="ru-RU" dirty="0"/>
               <a:t>принимает обязательство достичь цели спринта</a:t>
             </a:r>
-          </a:p>
-          <a:p>
-            <a:endParaRPr lang="ru-RU" dirty="0"/>
           </a:p>
           <a:p>
             <a:pPr marL="0" indent="0">
@@ -4381,8 +4337,12 @@
               <a:t>Scrum Team </a:t>
             </a:r>
             <a:r>
-              <a:rPr lang="ru-RU" dirty="0"/>
-              <a:t>выполняет все продуктовые активности: сотрудничество с заинтересованными лицами, верификацию, обслуживание, эксплуатацию, эксперименты, исследования, разработку и все то, что может потребоваться. Они уполномочены управлять своей собственной работой. </a:t>
+              <a:rPr lang="ru-RU" b="1" dirty="0"/>
+              <a:t>выполняет все продуктовые активности</a:t>
+            </a:r>
+            <a:r>
+              <a:rPr lang="ru-RU" dirty="0"/>
+              <a:t>: сотрудничество с заинтересованными лицами, верификацию, обслуживание, эксплуатацию, эксперименты, исследования, разработку и все то, что может потребоваться. Они уполномочены управлять своей собственной работой. </a:t>
             </a:r>
           </a:p>
           <a:p>
@@ -4398,12 +4358,20 @@
               <a:t>Scrum Team </a:t>
             </a:r>
             <a:r>
-              <a:rPr lang="ru-RU" dirty="0"/>
-              <a:t>несет ответственность за создание ценного, полезного </a:t>
-            </a:r>
-            <a:r>
-              <a:rPr lang="en" dirty="0"/>
-              <a:t>Increment </a:t>
+              <a:rPr lang="ru-RU" b="1" dirty="0"/>
+              <a:t>несет ответственность за создание</a:t>
+            </a:r>
+            <a:r>
+              <a:rPr lang="ru-RU" dirty="0"/>
+              <a:t> ценного, полезного </a:t>
+            </a:r>
+            <a:r>
+              <a:rPr lang="en" b="1" dirty="0"/>
+              <a:t>Increment</a:t>
+            </a:r>
+            <a:r>
+              <a:rPr lang="en" dirty="0"/>
+              <a:t> </a:t>
             </a:r>
             <a:r>
               <a:rPr lang="ru-RU" dirty="0"/>
@@ -4490,12 +4458,8 @@
           <a:lstStyle/>
           <a:p>
             <a:r>
-              <a:rPr lang="ru-RU" dirty="0" err="1"/>
-              <a:t>Кроссфункциональность</a:t>
-            </a:r>
-            <a:r>
-              <a:rPr lang="ru-RU" dirty="0"/>
-              <a:t> : </a:t>
+              <a:rPr lang="ru-RU" dirty="0"/>
+              <a:t>Кроссфункциональность : </a:t>
             </a:r>
             <a:r>
               <a:rPr lang="ru-RU" dirty="0" err="1"/>
@@ -4573,8 +4537,12 @@
           <a:lstStyle/>
           <a:p>
             <a:r>
+              <a:rPr lang="en-US" b="1" dirty="0"/>
+              <a:t>I-shaped</a:t>
+            </a:r>
+            <a:r>
               <a:rPr lang="en-US" dirty="0"/>
-              <a:t>I-shaped — </a:t>
+              <a:t> — </a:t>
             </a:r>
             <a:r>
               <a:rPr lang="ru-RU" dirty="0"/>
@@ -4586,12 +4554,16 @@
           </a:p>
           <a:p>
             <a:r>
-              <a:rPr lang="ru-RU" dirty="0" err="1"/>
+              <a:rPr lang="ru-RU" b="1" dirty="0" err="1"/>
               <a:t>T</a:t>
             </a:r>
             <a:r>
+              <a:rPr lang="en-US" b="1" dirty="0"/>
+              <a:t>-shaped </a:t>
+            </a:r>
+            <a:r>
               <a:rPr lang="en-US" dirty="0"/>
-              <a:t>-shaped — </a:t>
+              <a:t>— </a:t>
             </a:r>
             <a:r>
               <a:rPr lang="ru-RU" dirty="0"/>
@@ -4607,6 +4579,11 @@
               <a:rPr lang="ru-RU" b="1" i="1" dirty="0"/>
               <a:t>Объясним на примере создания текста для сайта</a:t>
             </a:r>
+            <a:r>
+              <a:rPr lang="en-US" b="1" i="1" dirty="0"/>
+              <a:t>:</a:t>
+            </a:r>
+            <a:endParaRPr lang="ru-RU" b="1" i="1" dirty="0"/>
           </a:p>
           <a:p>
             <a:pPr fontAlgn="base"/>
@@ -4652,7 +4629,7 @@
           <p:cNvPr id="2" name="Заголовок 1">
             <a:extLst>
               <a:ext uri="{FF2B5EF4-FFF2-40B4-BE49-F238E27FC236}">
-                <a16:creationId xmlns:a16="http://schemas.microsoft.com/office/drawing/2014/main" id="{7767F1D5-3926-7446-85D1-22EF48A6FA66}"/>
+                <a16:creationId xmlns:a16="http://schemas.microsoft.com/office/drawing/2014/main" id="{1A1E9B47-3CF5-674C-821A-DB7A0912CCDA}"/>
               </a:ext>
             </a:extLst>
           </p:cNvPr>
@@ -4665,183 +4642,260 @@
         </p:nvSpPr>
         <p:spPr>
           <a:xfrm>
-            <a:off x="838200" y="365126"/>
-            <a:ext cx="10515600" cy="687498"/>
+            <a:off x="625548" y="343861"/>
+            <a:ext cx="10515600" cy="910782"/>
           </a:xfrm>
         </p:spPr>
         <p:txBody>
-          <a:bodyPr>
-            <a:normAutofit fontScale="90000"/>
+          <a:bodyPr/>
+          <a:lstStyle/>
+          <a:p>
+            <a:r>
+              <a:rPr lang="ru-RU" dirty="0"/>
+              <a:t>Кроссфункциональность :: </a:t>
+            </a:r>
+            <a:r>
+              <a:rPr lang="en-US" b="1" dirty="0"/>
+              <a:t>Bus factor</a:t>
+            </a:r>
+            <a:endParaRPr lang="ru-RU" b="1" dirty="0"/>
+          </a:p>
+        </p:txBody>
+      </p:sp>
+      <p:pic>
+        <p:nvPicPr>
+          <p:cNvPr id="5" name="Объект 4">
+            <a:extLst>
+              <a:ext uri="{FF2B5EF4-FFF2-40B4-BE49-F238E27FC236}">
+                <a16:creationId xmlns:a16="http://schemas.microsoft.com/office/drawing/2014/main" id="{FB64B60D-83F4-3E43-A899-3434E4159DDA}"/>
+              </a:ext>
+            </a:extLst>
+          </p:cNvPr>
+          <p:cNvPicPr>
+            <a:picLocks noGrp="1" noChangeAspect="1"/>
+          </p:cNvPicPr>
+          <p:nvPr>
+            <p:ph idx="1"/>
+          </p:nvPr>
+        </p:nvPicPr>
+        <p:blipFill>
+          <a:blip r:embed="rId2"/>
+          <a:stretch>
+            <a:fillRect/>
+          </a:stretch>
+        </p:blipFill>
+        <p:spPr>
+          <a:xfrm>
+            <a:off x="5991757" y="1254123"/>
+            <a:ext cx="5744818" cy="3222185"/>
+          </a:xfrm>
+        </p:spPr>
+      </p:pic>
+      <p:sp>
+        <p:nvSpPr>
+          <p:cNvPr id="6" name="TextBox 5">
+            <a:extLst>
+              <a:ext uri="{FF2B5EF4-FFF2-40B4-BE49-F238E27FC236}">
+                <a16:creationId xmlns:a16="http://schemas.microsoft.com/office/drawing/2014/main" id="{041036E4-16EB-0B41-B294-8CD278F6528C}"/>
+              </a:ext>
+            </a:extLst>
+          </p:cNvPr>
+          <p:cNvSpPr txBox="1"/>
+          <p:nvPr/>
+        </p:nvSpPr>
+        <p:spPr>
+          <a:xfrm>
+            <a:off x="1594884" y="2456121"/>
+            <a:ext cx="184731" cy="369332"/>
+          </a:xfrm>
+          <a:prstGeom prst="rect">
+            <a:avLst/>
+          </a:prstGeom>
+          <a:noFill/>
+        </p:spPr>
+        <p:txBody>
+          <a:bodyPr wrap="none" rtlCol="0">
+            <a:spAutoFit/>
           </a:bodyPr>
           <a:lstStyle/>
           <a:p>
-            <a:r>
-              <a:rPr lang="ru-RU" dirty="0"/>
-              <a:t>Владелец продукта (</a:t>
-            </a:r>
-            <a:r>
-              <a:rPr lang="en" dirty="0"/>
-              <a:t>Product Owner)</a:t>
-            </a:r>
             <a:endParaRPr lang="ru-RU" dirty="0"/>
           </a:p>
         </p:txBody>
       </p:sp>
       <p:sp>
         <p:nvSpPr>
-          <p:cNvPr id="3" name="Объект 2">
-            <a:extLst>
-              <a:ext uri="{FF2B5EF4-FFF2-40B4-BE49-F238E27FC236}">
-                <a16:creationId xmlns:a16="http://schemas.microsoft.com/office/drawing/2014/main" id="{2564D493-1A8C-DE40-8797-F809CDBC25A0}"/>
-              </a:ext>
-            </a:extLst>
-          </p:cNvPr>
-          <p:cNvSpPr>
-            <a:spLocks noGrp="1"/>
-          </p:cNvSpPr>
-          <p:nvPr>
-            <p:ph idx="1"/>
-          </p:nvPr>
+          <p:cNvPr id="7" name="TextBox 6">
+            <a:extLst>
+              <a:ext uri="{FF2B5EF4-FFF2-40B4-BE49-F238E27FC236}">
+                <a16:creationId xmlns:a16="http://schemas.microsoft.com/office/drawing/2014/main" id="{270C08DC-0A99-CC4A-B0D9-9819767B6B66}"/>
+              </a:ext>
+            </a:extLst>
+          </p:cNvPr>
+          <p:cNvSpPr txBox="1"/>
+          <p:nvPr/>
         </p:nvSpPr>
         <p:spPr>
           <a:xfrm>
-            <a:off x="838200" y="1052624"/>
-            <a:ext cx="10515600" cy="5539562"/>
+            <a:off x="625548" y="1265271"/>
+            <a:ext cx="5257800" cy="4524315"/>
           </a:xfrm>
+          <a:prstGeom prst="rect">
+            <a:avLst/>
+          </a:prstGeom>
+          <a:noFill/>
         </p:spPr>
         <p:txBody>
-          <a:bodyPr>
-            <a:normAutofit fontScale="92500" lnSpcReduction="20000"/>
+          <a:bodyPr wrap="square" rtlCol="0">
+            <a:spAutoFit/>
           </a:bodyPr>
           <a:lstStyle/>
           <a:p>
             <a:r>
-              <a:rPr lang="ru-RU" dirty="0" err="1"/>
-              <a:t>P</a:t>
-            </a:r>
-            <a:r>
-              <a:rPr lang="en-US" dirty="0"/>
-              <a:t>O — </a:t>
-            </a:r>
-            <a:r>
-              <a:rPr lang="ru-RU" dirty="0"/>
-              <a:t>человек, отвечающий за разработку продукта</a:t>
-            </a:r>
-          </a:p>
-          <a:p>
-            <a:pPr lvl="1"/>
-            <a:r>
-              <a:rPr lang="ru-RU" dirty="0"/>
-              <a:t>это может быть </a:t>
-            </a:r>
-            <a:r>
-              <a:rPr lang="ru-RU" b="1" dirty="0"/>
-              <a:t>менеджер продукта </a:t>
-            </a:r>
-            <a:r>
-              <a:rPr lang="ru-RU" dirty="0"/>
-              <a:t>для продуктовой разработки, </a:t>
-            </a:r>
-            <a:r>
-              <a:rPr lang="ru-RU" b="1" dirty="0"/>
-              <a:t>менеджер проекта </a:t>
-            </a:r>
-            <a:r>
-              <a:rPr lang="ru-RU" dirty="0"/>
-              <a:t>для внутренней разработки и </a:t>
-            </a:r>
-            <a:r>
-              <a:rPr lang="ru-RU" b="1" dirty="0"/>
-              <a:t>представитель заказчика</a:t>
-            </a:r>
-            <a:r>
-              <a:rPr lang="ru-RU" dirty="0"/>
-              <a:t> для заказной разработки</a:t>
-            </a:r>
-            <a:endParaRPr lang="en-US" dirty="0"/>
-          </a:p>
-          <a:p>
-            <a:r>
-              <a:rPr lang="en-US" dirty="0"/>
-              <a:t>PO </a:t>
-            </a:r>
-            <a:r>
-              <a:rPr lang="ru-RU" dirty="0"/>
-              <a:t>— это единая точка принятия окончательных решений для команды в проекте, именно поэтому это всегда один человек, а не группа или комитет</a:t>
-            </a:r>
-            <a:endParaRPr lang="en-US" dirty="0"/>
-          </a:p>
-          <a:p>
-            <a:pPr lvl="1"/>
-            <a:r>
-              <a:rPr lang="ru-RU" dirty="0"/>
-              <a:t>Хотя у </a:t>
-            </a:r>
-            <a:r>
-              <a:rPr lang="en-US" dirty="0"/>
-              <a:t>PO </a:t>
-            </a:r>
-            <a:r>
-              <a:rPr lang="ru-RU" dirty="0"/>
-              <a:t>может быть своя команда (аналитиков, </a:t>
-            </a:r>
-            <a:r>
-              <a:rPr lang="ru-RU" dirty="0" err="1"/>
-              <a:t>продуктологов</a:t>
-            </a:r>
-            <a:r>
-              <a:rPr lang="ru-RU" dirty="0"/>
-              <a:t> и т.п.) — команда </a:t>
-            </a:r>
-            <a:r>
-              <a:rPr lang="en-US" dirty="0"/>
-              <a:t>PO</a:t>
-            </a:r>
-          </a:p>
-          <a:p>
-            <a:pPr lvl="1"/>
-            <a:r>
-              <a:rPr lang="ru-RU" dirty="0"/>
-              <a:t>Это позволяет избежать проблемы множественности заказчиков</a:t>
-            </a:r>
-            <a:endParaRPr lang="en-US" dirty="0"/>
-          </a:p>
-          <a:p>
-            <a:r>
-              <a:rPr lang="ru-RU" dirty="0"/>
-              <a:t>Управляет ожиданиями заказчиков и всех заинтересованных лиц. Владелец продукта должен чётко понимать, какие фичи должны быть сделаны и каковы их приоритеты</a:t>
-            </a:r>
-            <a:endParaRPr lang="en-US" dirty="0"/>
-          </a:p>
-          <a:p>
-            <a:r>
-              <a:rPr lang="ru-RU" dirty="0"/>
-              <a:t>Ставит задачи всей команде, но он не вправе ставить задачи конкретному члену команды</a:t>
-            </a:r>
-          </a:p>
-          <a:p>
-            <a:r>
-              <a:rPr lang="ru-RU" dirty="0"/>
-              <a:t>Несет ответственность за максимизацию ценности продукта, получаемого в результате работы </a:t>
-            </a:r>
-            <a:r>
-              <a:rPr lang="en" dirty="0"/>
-              <a:t>Scrum Team</a:t>
-            </a:r>
-            <a:endParaRPr lang="en-US" dirty="0"/>
-          </a:p>
-          <a:p>
-            <a:endParaRPr lang="ru-RU" dirty="0"/>
-          </a:p>
-          <a:p>
-            <a:endParaRPr lang="ru-RU" dirty="0"/>
+              <a:rPr lang="en" sz="2400" b="1" i="1" dirty="0"/>
+              <a:t>bus factor</a:t>
+            </a:r>
+            <a:r>
+              <a:rPr lang="en" sz="2400" dirty="0"/>
+              <a:t> </a:t>
+            </a:r>
+            <a:r>
+              <a:rPr lang="ru-RU" sz="2400" dirty="0"/>
+              <a:t>проекта </a:t>
+            </a:r>
+            <a:r>
+              <a:rPr lang="en-US" sz="2400" dirty="0"/>
+              <a:t>(</a:t>
+            </a:r>
+            <a:r>
+              <a:rPr lang="ru-RU" sz="2400" dirty="0"/>
+              <a:t>команды</a:t>
+            </a:r>
+            <a:r>
+              <a:rPr lang="en-US" sz="2400" dirty="0"/>
+              <a:t>) </a:t>
+            </a:r>
+            <a:r>
+              <a:rPr lang="ru-RU" sz="2400" dirty="0"/>
+              <a:t>— это мера сосредоточения информации среди отдельных членов проекта;</a:t>
+            </a:r>
+          </a:p>
+          <a:p>
+            <a:r>
+              <a:rPr lang="ru-RU" sz="2400" dirty="0"/>
+              <a:t>фактор означает </a:t>
+            </a:r>
+            <a:r>
+              <a:rPr lang="ru-RU" sz="2400" b="1" dirty="0"/>
+              <a:t>количество участников проекта</a:t>
+            </a:r>
+            <a:r>
+              <a:rPr lang="ru-RU" sz="2400" dirty="0"/>
+              <a:t>, </a:t>
+            </a:r>
+            <a:r>
+              <a:rPr lang="ru-RU" sz="2400" b="1" dirty="0"/>
+              <a:t>после потери которых </a:t>
+            </a:r>
+            <a:r>
+              <a:rPr lang="ru-RU" sz="2400" dirty="0"/>
+              <a:t>(«попадания» которых под автобус, варианты: увольнения, заболевания, рождения у них ребёнка, наступления несчастного случая и других форс-мажорных обстоятельств) </a:t>
+            </a:r>
+            <a:r>
+              <a:rPr lang="ru-RU" sz="2400" b="1" dirty="0"/>
+              <a:t>проект не сможет быть завершён </a:t>
+            </a:r>
+            <a:r>
+              <a:rPr lang="ru-RU" sz="2400" dirty="0"/>
+              <a:t>оставшимися участниками.</a:t>
+            </a:r>
+          </a:p>
+        </p:txBody>
+      </p:sp>
+      <p:sp>
+        <p:nvSpPr>
+          <p:cNvPr id="8" name="TextBox 7">
+            <a:extLst>
+              <a:ext uri="{FF2B5EF4-FFF2-40B4-BE49-F238E27FC236}">
+                <a16:creationId xmlns:a16="http://schemas.microsoft.com/office/drawing/2014/main" id="{1B65344D-68F6-8845-AB02-5F53460186CA}"/>
+              </a:ext>
+            </a:extLst>
+          </p:cNvPr>
+          <p:cNvSpPr txBox="1"/>
+          <p:nvPr/>
+        </p:nvSpPr>
+        <p:spPr>
+          <a:xfrm>
+            <a:off x="6018028" y="4720856"/>
+            <a:ext cx="5677786" cy="1200329"/>
+          </a:xfrm>
+          <a:prstGeom prst="rect">
+            <a:avLst/>
+          </a:prstGeom>
+          <a:noFill/>
+        </p:spPr>
+        <p:txBody>
+          <a:bodyPr wrap="square" rtlCol="0">
+            <a:spAutoFit/>
+          </a:bodyPr>
+          <a:lstStyle/>
+          <a:p>
+            <a:r>
+              <a:rPr lang="ru-RU" sz="2400" dirty="0" err="1"/>
+              <a:t>B</a:t>
+            </a:r>
+            <a:r>
+              <a:rPr lang="en-US" sz="2400" dirty="0"/>
+              <a:t>us-factor 1 — </a:t>
+            </a:r>
+            <a:r>
+              <a:rPr lang="ru-RU" sz="2400" dirty="0"/>
+              <a:t>очень плохо!</a:t>
+            </a:r>
+          </a:p>
+          <a:p>
+            <a:r>
+              <a:rPr lang="ru-RU" sz="2400" dirty="0"/>
+              <a:t>Большие риски!</a:t>
+            </a:r>
+            <a:br>
+              <a:rPr lang="ru-RU" sz="2400" dirty="0"/>
+            </a:br>
+            <a:r>
+              <a:rPr lang="ru-RU" sz="2400" i="1" dirty="0"/>
+              <a:t>Что делать?</a:t>
+            </a:r>
+            <a:r>
+              <a:rPr lang="ru-RU" sz="2400" dirty="0"/>
+              <a:t> </a:t>
+            </a:r>
+            <a:r>
+              <a:rPr lang="ru-RU" sz="2400" dirty="0" err="1"/>
+              <a:t>T</a:t>
+            </a:r>
+            <a:r>
+              <a:rPr lang="en-US" sz="2400" dirty="0"/>
+              <a:t>-shape-</a:t>
+            </a:r>
+            <a:r>
+              <a:rPr lang="en-US" sz="2400" dirty="0" err="1"/>
+              <a:t>и</a:t>
+            </a:r>
+            <a:r>
+              <a:rPr lang="ru-RU" sz="2400" dirty="0" err="1"/>
+              <a:t>ться</a:t>
+            </a:r>
+            <a:r>
+              <a:rPr lang="ru-RU" sz="2400" dirty="0"/>
+              <a:t>.</a:t>
+            </a:r>
           </a:p>
         </p:txBody>
       </p:sp>
     </p:spTree>
     <p:extLst>
       <p:ext uri="{BB962C8B-B14F-4D97-AF65-F5344CB8AC3E}">
-        <p14:creationId xmlns:p14="http://schemas.microsoft.com/office/powerpoint/2010/main" val="698616256"/>
+        <p14:creationId xmlns:p14="http://schemas.microsoft.com/office/powerpoint/2010/main" val="731470076"/>
       </p:ext>
     </p:extLst>
   </p:cSld>
@@ -4868,26 +4922,58 @@
           <a:chExt cx="0" cy="0"/>
         </a:xfrm>
       </p:grpSpPr>
-      <p:sp>
-        <p:nvSpPr>
-          <p:cNvPr id="2" name="Заголовок 1">
-            <a:extLst>
-              <a:ext uri="{FF2B5EF4-FFF2-40B4-BE49-F238E27FC236}">
-                <a16:creationId xmlns:a16="http://schemas.microsoft.com/office/drawing/2014/main" id="{E4EC42DA-D3E3-AE45-A063-9F402F390073}"/>
-              </a:ext>
-            </a:extLst>
-          </p:cNvPr>
-          <p:cNvSpPr>
-            <a:spLocks noGrp="1"/>
-          </p:cNvSpPr>
-          <p:nvPr>
-            <p:ph type="title"/>
-          </p:nvPr>
-        </p:nvSpPr>
+      <p:pic>
+        <p:nvPicPr>
+          <p:cNvPr id="5" name="Рисунок 4">
+            <a:extLst>
+              <a:ext uri="{FF2B5EF4-FFF2-40B4-BE49-F238E27FC236}">
+                <a16:creationId xmlns:a16="http://schemas.microsoft.com/office/drawing/2014/main" id="{F3AB3DA1-7F53-D74B-8B7A-69CBEA6B71C8}"/>
+              </a:ext>
+            </a:extLst>
+          </p:cNvPr>
+          <p:cNvPicPr>
+            <a:picLocks noChangeAspect="1"/>
+          </p:cNvPicPr>
+          <p:nvPr/>
+        </p:nvPicPr>
+        <p:blipFill>
+          <a:blip r:embed="rId2">
+            <a:alphaModFix amt="54000"/>
+          </a:blip>
+          <a:stretch>
+            <a:fillRect/>
+          </a:stretch>
+        </p:blipFill>
         <p:spPr>
           <a:xfrm>
-            <a:off x="753140" y="418287"/>
-            <a:ext cx="10515600" cy="549275"/>
+            <a:off x="0" y="-21266"/>
+            <a:ext cx="12356757" cy="6858000"/>
+          </a:xfrm>
+          <a:prstGeom prst="rect">
+            <a:avLst/>
+          </a:prstGeom>
+        </p:spPr>
+      </p:pic>
+      <p:sp>
+        <p:nvSpPr>
+          <p:cNvPr id="2" name="Заголовок 1">
+            <a:extLst>
+              <a:ext uri="{FF2B5EF4-FFF2-40B4-BE49-F238E27FC236}">
+                <a16:creationId xmlns:a16="http://schemas.microsoft.com/office/drawing/2014/main" id="{7767F1D5-3926-7446-85D1-22EF48A6FA66}"/>
+              </a:ext>
+            </a:extLst>
+          </p:cNvPr>
+          <p:cNvSpPr>
+            <a:spLocks noGrp="1"/>
+          </p:cNvSpPr>
+          <p:nvPr>
+            <p:ph type="title"/>
+          </p:nvPr>
+        </p:nvSpPr>
+        <p:spPr>
+          <a:xfrm>
+            <a:off x="838200" y="311962"/>
+            <a:ext cx="10515600" cy="687498"/>
           </a:xfrm>
         </p:spPr>
         <p:txBody>
@@ -4913,7 +4999,7 @@
           <p:cNvPr id="3" name="Объект 2">
             <a:extLst>
               <a:ext uri="{FF2B5EF4-FFF2-40B4-BE49-F238E27FC236}">
-                <a16:creationId xmlns:a16="http://schemas.microsoft.com/office/drawing/2014/main" id="{262C13D5-08C9-3941-BBC2-13D5F83C174D}"/>
+                <a16:creationId xmlns:a16="http://schemas.microsoft.com/office/drawing/2014/main" id="{2564D493-1A8C-DE40-8797-F809CDBC25A0}"/>
               </a:ext>
             </a:extLst>
           </p:cNvPr>
@@ -4926,133 +5012,125 @@
         </p:nvSpPr>
         <p:spPr>
           <a:xfrm>
-            <a:off x="753140" y="1253331"/>
-            <a:ext cx="10515600" cy="4351338"/>
+            <a:off x="838200" y="1265279"/>
+            <a:ext cx="10515600" cy="5539562"/>
           </a:xfrm>
         </p:spPr>
         <p:txBody>
           <a:bodyPr>
-            <a:normAutofit fontScale="92500" lnSpcReduction="10000"/>
+            <a:normAutofit fontScale="92500" lnSpcReduction="20000"/>
           </a:bodyPr>
           <a:lstStyle/>
           <a:p>
-            <a:pPr marL="0" indent="0">
-              <a:buNone/>
-            </a:pPr>
-            <a:r>
-              <a:rPr lang="ru-RU" dirty="0"/>
-              <a:t>Владелец продукта:</a:t>
-            </a:r>
-          </a:p>
-          <a:p>
-            <a:r>
-              <a:rPr lang="ru-RU" dirty="0"/>
-              <a:t>Отвечает за формирование концепции продукта (</a:t>
-            </a:r>
-            <a:r>
-              <a:rPr lang="en" dirty="0"/>
-              <a:t>Product Vision)</a:t>
-            </a:r>
-            <a:endParaRPr lang="ru-RU" dirty="0"/>
-          </a:p>
-          <a:p>
-            <a:r>
-              <a:rPr lang="ru-RU" dirty="0"/>
-              <a:t>Работает с заинтересованными лицами (</a:t>
-            </a:r>
-            <a:r>
-              <a:rPr lang="ru-RU" dirty="0" err="1"/>
-              <a:t>S</a:t>
-            </a:r>
-            <a:r>
-              <a:rPr lang="en-US" dirty="0"/>
-              <a:t>takeholders</a:t>
-            </a:r>
-            <a:r>
-              <a:rPr lang="ru-RU" dirty="0"/>
-              <a:t>)</a:t>
-            </a:r>
-            <a:endParaRPr lang="en-US" dirty="0"/>
-          </a:p>
-          <a:p>
-            <a:r>
-              <a:rPr lang="ru-RU" dirty="0"/>
-              <a:t>Принимает готовое</a:t>
-            </a:r>
-          </a:p>
-          <a:p>
-            <a:r>
-              <a:rPr lang="ru-RU" dirty="0"/>
-              <a:t>Рассчитывает </a:t>
-            </a:r>
-            <a:r>
-              <a:rPr lang="en" dirty="0"/>
-              <a:t>ROI</a:t>
-            </a:r>
-            <a:r>
-              <a:rPr lang="ru-RU" dirty="0"/>
-              <a:t> (бизнес-эффект)</a:t>
-            </a:r>
-            <a:endParaRPr lang="en" dirty="0"/>
-          </a:p>
-          <a:p>
-            <a:r>
-              <a:rPr lang="ru-RU" dirty="0"/>
-              <a:t>Ведёт </a:t>
-            </a:r>
-            <a:r>
-              <a:rPr lang="ru-RU" dirty="0" err="1"/>
-              <a:t>беклог</a:t>
-            </a:r>
-            <a:r>
-              <a:rPr lang="ru-RU" dirty="0"/>
-              <a:t> продукта (</a:t>
-            </a:r>
             <a:r>
               <a:rPr lang="ru-RU" dirty="0" err="1"/>
               <a:t>P</a:t>
             </a:r>
             <a:r>
               <a:rPr lang="en-US" dirty="0"/>
-              <a:t>roduct backlog</a:t>
-            </a:r>
-            <a:r>
-              <a:rPr lang="ru-RU" dirty="0"/>
-              <a:t>)</a:t>
+              <a:t>O — </a:t>
+            </a:r>
+            <a:r>
+              <a:rPr lang="ru-RU" dirty="0"/>
+              <a:t>человек, отвечающий за разработку продукта</a:t>
             </a:r>
           </a:p>
           <a:p>
             <a:pPr lvl="1"/>
             <a:r>
               <a:rPr lang="ru-RU" dirty="0"/>
-              <a:t>Выставляет приоритеты</a:t>
-            </a:r>
-          </a:p>
-          <a:p>
-            <a:r>
-              <a:rPr lang="ru-RU" dirty="0"/>
-              <a:t>Инициатор изменений (может в </a:t>
-            </a:r>
-            <a:r>
-              <a:rPr lang="ru-RU" dirty="0" err="1"/>
-              <a:t>т.ч</a:t>
-            </a:r>
-            <a:r>
-              <a:rPr lang="ru-RU" dirty="0"/>
-              <a:t>. «уволить» команду)</a:t>
-            </a:r>
-          </a:p>
-          <a:p>
-            <a:r>
-              <a:rPr lang="ru-RU" dirty="0"/>
-              <a:t>Постоянно делится информацией</a:t>
-            </a:r>
-          </a:p>
-          <a:p>
-            <a:r>
-              <a:rPr lang="ru-RU" dirty="0"/>
-              <a:t>Обеспечивает ресурсами</a:t>
-            </a:r>
+              <a:t>это может быть </a:t>
+            </a:r>
+            <a:r>
+              <a:rPr lang="ru-RU" b="1" dirty="0"/>
+              <a:t>менеджер продукта </a:t>
+            </a:r>
+            <a:r>
+              <a:rPr lang="ru-RU" dirty="0"/>
+              <a:t>для продуктовой разработки, </a:t>
+            </a:r>
+            <a:r>
+              <a:rPr lang="ru-RU" b="1" dirty="0"/>
+              <a:t>менеджер проекта </a:t>
+            </a:r>
+            <a:r>
+              <a:rPr lang="ru-RU" dirty="0"/>
+              <a:t>для внутренней разработки и </a:t>
+            </a:r>
+            <a:r>
+              <a:rPr lang="ru-RU" b="1" dirty="0"/>
+              <a:t>представитель заказчика</a:t>
+            </a:r>
+            <a:r>
+              <a:rPr lang="ru-RU" dirty="0"/>
+              <a:t> для заказной разработки</a:t>
+            </a:r>
+            <a:endParaRPr lang="en-US" dirty="0"/>
+          </a:p>
+          <a:p>
+            <a:r>
+              <a:rPr lang="en-US" dirty="0"/>
+              <a:t>PO </a:t>
+            </a:r>
+            <a:r>
+              <a:rPr lang="ru-RU" dirty="0"/>
+              <a:t>— это единая точка принятия окончательных решений для команды в проекте, именно поэтому это всегда один человек, а не группа или комитет</a:t>
+            </a:r>
+            <a:endParaRPr lang="en-US" dirty="0"/>
+          </a:p>
+          <a:p>
+            <a:pPr lvl="1"/>
+            <a:r>
+              <a:rPr lang="ru-RU" dirty="0"/>
+              <a:t>Хотя у </a:t>
+            </a:r>
+            <a:r>
+              <a:rPr lang="en-US" dirty="0"/>
+              <a:t>PO </a:t>
+            </a:r>
+            <a:r>
+              <a:rPr lang="ru-RU" dirty="0"/>
+              <a:t>может быть своя команда (аналитиков, продуктологов и т.п.) — команда </a:t>
+            </a:r>
+            <a:r>
+              <a:rPr lang="en-US" dirty="0"/>
+              <a:t>PO</a:t>
+            </a:r>
+          </a:p>
+          <a:p>
+            <a:pPr lvl="1"/>
+            <a:r>
+              <a:rPr lang="ru-RU" dirty="0"/>
+              <a:t>Это позволяет избежать проблемы множественности заказчиков</a:t>
+            </a:r>
+            <a:endParaRPr lang="en-US" dirty="0"/>
+          </a:p>
+          <a:p>
+            <a:r>
+              <a:rPr lang="ru-RU" dirty="0"/>
+              <a:t>Управляет ожиданиями заказчиков и всех заинтересованных лиц. Владелец продукта должен чётко понимать, какие фичи должны быть сделаны и каковы их приоритеты</a:t>
+            </a:r>
+            <a:endParaRPr lang="en-US" dirty="0"/>
+          </a:p>
+          <a:p>
+            <a:r>
+              <a:rPr lang="ru-RU" dirty="0"/>
+              <a:t>Ставит задачи всей команде, но он не вправе ставить задачи конкретному члену команды</a:t>
+            </a:r>
+          </a:p>
+          <a:p>
+            <a:r>
+              <a:rPr lang="ru-RU" dirty="0"/>
+              <a:t>Несет ответственность за максимизацию ценности продукта, получаемого в результате работы </a:t>
+            </a:r>
+            <a:r>
+              <a:rPr lang="en" dirty="0"/>
+              <a:t>Scrum Team</a:t>
+            </a:r>
+            <a:endParaRPr lang="en-US" dirty="0"/>
+          </a:p>
+          <a:p>
+            <a:endParaRPr lang="ru-RU" dirty="0"/>
           </a:p>
           <a:p>
             <a:endParaRPr lang="ru-RU" dirty="0"/>
@@ -5062,7 +5140,7 @@
     </p:spTree>
     <p:extLst>
       <p:ext uri="{BB962C8B-B14F-4D97-AF65-F5344CB8AC3E}">
-        <p14:creationId xmlns:p14="http://schemas.microsoft.com/office/powerpoint/2010/main" val="4123301812"/>
+        <p14:creationId xmlns:p14="http://schemas.microsoft.com/office/powerpoint/2010/main" val="698616256"/>
       </p:ext>
     </p:extLst>
   </p:cSld>
@@ -5094,7 +5172,7 @@
           <p:cNvPr id="2" name="Заголовок 1">
             <a:extLst>
               <a:ext uri="{FF2B5EF4-FFF2-40B4-BE49-F238E27FC236}">
-                <a16:creationId xmlns:a16="http://schemas.microsoft.com/office/drawing/2014/main" id="{821ECC3E-50FB-2F43-94F4-FE8869AE052D}"/>
+                <a16:creationId xmlns:a16="http://schemas.microsoft.com/office/drawing/2014/main" id="{E4EC42DA-D3E3-AE45-A063-9F402F390073}"/>
               </a:ext>
             </a:extLst>
           </p:cNvPr>
@@ -5107,8 +5185,8 @@
         </p:nvSpPr>
         <p:spPr>
           <a:xfrm>
-            <a:off x="520995" y="365126"/>
-            <a:ext cx="10515600" cy="644968"/>
+            <a:off x="753140" y="418287"/>
+            <a:ext cx="10515600" cy="549275"/>
           </a:xfrm>
         </p:spPr>
         <p:txBody>
@@ -5118,16 +5196,12 @@
           <a:lstStyle/>
           <a:p>
             <a:r>
-              <a:rPr lang="ru-RU" dirty="0" err="1"/>
-              <a:t>Скрам</a:t>
-            </a:r>
-            <a:r>
-              <a:rPr lang="ru-RU" dirty="0"/>
-              <a:t>-мастер (</a:t>
-            </a:r>
-            <a:r>
-              <a:rPr lang="en" dirty="0"/>
-              <a:t>Scrum Master)</a:t>
+              <a:rPr lang="ru-RU" dirty="0"/>
+              <a:t>Владелец продукта (</a:t>
+            </a:r>
+            <a:r>
+              <a:rPr lang="en" dirty="0"/>
+              <a:t>Product Owner)</a:t>
             </a:r>
             <a:endParaRPr lang="ru-RU" dirty="0"/>
           </a:p>
@@ -5138,7 +5212,7 @@
           <p:cNvPr id="3" name="Объект 2">
             <a:extLst>
               <a:ext uri="{FF2B5EF4-FFF2-40B4-BE49-F238E27FC236}">
-                <a16:creationId xmlns:a16="http://schemas.microsoft.com/office/drawing/2014/main" id="{FF13BB29-A125-BD46-84B7-CE11E4A8D8DF}"/>
+                <a16:creationId xmlns:a16="http://schemas.microsoft.com/office/drawing/2014/main" id="{262C13D5-08C9-3941-BBC2-13D5F83C174D}"/>
               </a:ext>
             </a:extLst>
           </p:cNvPr>
@@ -5151,142 +5225,133 @@
         </p:nvSpPr>
         <p:spPr>
           <a:xfrm>
-            <a:off x="520995" y="1010094"/>
-            <a:ext cx="10832805" cy="5482780"/>
+            <a:off x="753140" y="1253331"/>
+            <a:ext cx="10515600" cy="4351338"/>
           </a:xfrm>
         </p:spPr>
         <p:txBody>
           <a:bodyPr>
-            <a:normAutofit fontScale="85000" lnSpcReduction="20000"/>
+            <a:normAutofit fontScale="92500" lnSpcReduction="10000"/>
           </a:bodyPr>
           <a:lstStyle/>
           <a:p>
+            <a:pPr marL="0" indent="0">
+              <a:buNone/>
+            </a:pPr>
+            <a:r>
+              <a:rPr lang="ru-RU" dirty="0"/>
+              <a:t>Владелец продукта:</a:t>
+            </a:r>
+          </a:p>
+          <a:p>
+            <a:r>
+              <a:rPr lang="ru-RU" dirty="0"/>
+              <a:t>Отвечает за формирование концепции продукта (</a:t>
+            </a:r>
+            <a:r>
+              <a:rPr lang="en" dirty="0"/>
+              <a:t>Product Vision)</a:t>
+            </a:r>
+            <a:endParaRPr lang="ru-RU" dirty="0"/>
+          </a:p>
+          <a:p>
+            <a:r>
+              <a:rPr lang="ru-RU" dirty="0"/>
+              <a:t>Работает с заинтересованными лицами (</a:t>
+            </a:r>
             <a:r>
               <a:rPr lang="ru-RU" dirty="0" err="1"/>
               <a:t>S</a:t>
             </a:r>
             <a:r>
               <a:rPr lang="en-US" dirty="0"/>
-              <a:t>M</a:t>
-            </a:r>
-            <a:r>
-              <a:rPr lang="ru-RU" dirty="0"/>
-              <a:t> — один из</a:t>
+              <a:t>takeholders</a:t>
+            </a:r>
+            <a:r>
+              <a:rPr lang="ru-RU" dirty="0"/>
+              <a:t>)</a:t>
+            </a:r>
+            <a:endParaRPr lang="en-US" dirty="0"/>
+          </a:p>
+          <a:p>
+            <a:r>
+              <a:rPr lang="ru-RU" dirty="0"/>
+              <a:t>Принимает готовое</a:t>
+            </a:r>
+          </a:p>
+          <a:p>
+            <a:r>
+              <a:rPr lang="ru-RU" dirty="0"/>
+              <a:t>Рассчитывает </a:t>
+            </a:r>
+            <a:r>
+              <a:rPr lang="en" dirty="0"/>
+              <a:t>ROI</a:t>
+            </a:r>
+            <a:r>
+              <a:rPr lang="ru-RU" dirty="0"/>
+              <a:t> (бизнес-эффект)</a:t>
+            </a:r>
+            <a:endParaRPr lang="en" dirty="0"/>
+          </a:p>
+          <a:p>
+            <a:r>
+              <a:rPr lang="ru-RU" dirty="0"/>
+              <a:t>Ведёт </a:t>
+            </a:r>
+            <a:r>
+              <a:rPr lang="ru-RU" dirty="0" err="1"/>
+              <a:t>беклог</a:t>
+            </a:r>
+            <a:r>
+              <a:rPr lang="ru-RU" dirty="0"/>
+              <a:t> продукта (</a:t>
+            </a:r>
+            <a:r>
+              <a:rPr lang="ru-RU" dirty="0" err="1"/>
+              <a:t>P</a:t>
             </a:r>
             <a:r>
               <a:rPr lang="en-US" dirty="0"/>
-              <a:t> </a:t>
-            </a:r>
-            <a:r>
-              <a:rPr lang="ru-RU" dirty="0"/>
-              <a:t>членов команды</a:t>
+              <a:t>roduct backlog</a:t>
+            </a:r>
+            <a:r>
+              <a:rPr lang="ru-RU" dirty="0"/>
+              <a:t>)</a:t>
             </a:r>
           </a:p>
           <a:p>
             <a:pPr lvl="1"/>
             <a:r>
               <a:rPr lang="ru-RU" dirty="0"/>
-              <a:t>он может быть разработчиком, </a:t>
+              <a:t>Выставляет приоритеты</a:t>
+            </a:r>
+          </a:p>
+          <a:p>
+            <a:r>
+              <a:rPr lang="ru-RU" dirty="0"/>
+              <a:t>Инициатор изменений (может в </a:t>
             </a:r>
             <a:r>
               <a:rPr lang="ru-RU" dirty="0" err="1"/>
-              <a:t>тестировщиком</a:t>
-            </a:r>
-            <a:r>
-              <a:rPr lang="ru-RU" dirty="0"/>
-              <a:t>, аналитиком и т.д.</a:t>
-            </a:r>
-          </a:p>
-          <a:p>
-            <a:r>
-              <a:rPr lang="ru-RU" dirty="0"/>
-              <a:t>Основная его задача — помочь команде стать самоуправляемой и самоорганизующейся</a:t>
-            </a:r>
-            <a:endParaRPr lang="en-US" dirty="0"/>
-          </a:p>
-          <a:p>
-            <a:r>
-              <a:rPr lang="ru-RU" dirty="0"/>
-              <a:t>Следит за тем, чтобы команда выполняла принятые ей решения</a:t>
-            </a:r>
-            <a:r>
-              <a:rPr lang="en-US" dirty="0"/>
-              <a:t> </a:t>
-            </a:r>
-            <a:r>
-              <a:rPr lang="ru-RU" dirty="0"/>
-              <a:t>и за соблюдением практик</a:t>
-            </a:r>
-          </a:p>
-          <a:p>
-            <a:r>
-              <a:rPr lang="ru-RU" dirty="0"/>
-              <a:t>Отвечает за решение проблем, обнаруженных командой и находящейся вне её компетенции</a:t>
-            </a:r>
-          </a:p>
-          <a:p>
-            <a:pPr lvl="1"/>
-            <a:r>
-              <a:rPr lang="ru-RU" dirty="0"/>
-              <a:t>например, если команде нужен новый сервер, то именно </a:t>
-            </a:r>
-            <a:r>
-              <a:rPr lang="ru-RU" dirty="0" err="1"/>
-              <a:t>скрам</a:t>
-            </a:r>
-            <a:r>
-              <a:rPr lang="ru-RU" dirty="0"/>
-              <a:t>-мастер вступит в бой с бюрократическими силами компании.</a:t>
-            </a:r>
-          </a:p>
-          <a:p>
-            <a:r>
-              <a:rPr lang="en-US" dirty="0"/>
-              <a:t>SM</a:t>
-            </a:r>
-            <a:r>
-              <a:rPr lang="ru-RU" dirty="0"/>
-              <a:t> не раздаёт задачи членам команды!</a:t>
-            </a:r>
-          </a:p>
-          <a:p>
-            <a:r>
-              <a:rPr lang="ru-RU" dirty="0"/>
-              <a:t>Проводит командные митинги: стендап (дейли-митинг), планирование спринта, демонстрацию и ретроспективу</a:t>
-            </a:r>
-          </a:p>
-          <a:p>
-            <a:r>
-              <a:rPr lang="ru-RU" dirty="0"/>
-              <a:t>следит за климатом внутри команды и старается создать атмосферу доверия</a:t>
-            </a:r>
-          </a:p>
-          <a:p>
-            <a:r>
-              <a:rPr lang="ru-RU" dirty="0"/>
-              <a:t>постепенно роль скрам-мастера уменьшается</a:t>
-            </a:r>
-          </a:p>
-          <a:p>
-            <a:r>
-              <a:rPr lang="ru-RU" dirty="0"/>
-              <a:t>убеждается в том, что все события </a:t>
-            </a:r>
-            <a:r>
-              <a:rPr lang="en" dirty="0"/>
-              <a:t>Scrum </a:t>
-            </a:r>
-            <a:r>
-              <a:rPr lang="ru-RU" dirty="0"/>
-              <a:t>происходят, позитивны, продуктивны и не выходят за рамки ограничений по времени.</a:t>
-            </a:r>
-            <a:endParaRPr lang="en-US" dirty="0"/>
-          </a:p>
-          <a:p>
-            <a:endParaRPr lang="en-US" dirty="0"/>
-          </a:p>
-          <a:p>
-            <a:endParaRPr lang="ru-RU" dirty="0"/>
+              <a:t>т.ч</a:t>
+            </a:r>
+            <a:r>
+              <a:rPr lang="ru-RU" dirty="0"/>
+              <a:t>. «уволить» команду)</a:t>
+            </a:r>
+          </a:p>
+          <a:p>
+            <a:r>
+              <a:rPr lang="ru-RU" dirty="0"/>
+              <a:t>Постоянно делится информацией</a:t>
+            </a:r>
+          </a:p>
+          <a:p>
+            <a:r>
+              <a:rPr lang="ru-RU" dirty="0"/>
+              <a:t>Обеспечивает ресурсами</a:t>
+            </a:r>
           </a:p>
           <a:p>
             <a:endParaRPr lang="ru-RU" dirty="0"/>
@@ -5296,7 +5361,7 @@
     </p:spTree>
     <p:extLst>
       <p:ext uri="{BB962C8B-B14F-4D97-AF65-F5344CB8AC3E}">
-        <p14:creationId xmlns:p14="http://schemas.microsoft.com/office/powerpoint/2010/main" val="80498796"/>
+        <p14:creationId xmlns:p14="http://schemas.microsoft.com/office/powerpoint/2010/main" val="4123301812"/>
       </p:ext>
     </p:extLst>
   </p:cSld>
@@ -5323,26 +5388,58 @@
           <a:chExt cx="0" cy="0"/>
         </a:xfrm>
       </p:grpSpPr>
-      <p:sp>
-        <p:nvSpPr>
-          <p:cNvPr id="2" name="Заголовок 1">
-            <a:extLst>
-              <a:ext uri="{FF2B5EF4-FFF2-40B4-BE49-F238E27FC236}">
-                <a16:creationId xmlns:a16="http://schemas.microsoft.com/office/drawing/2014/main" id="{FC171184-6C7A-A946-B8D6-5ABB0C708E65}"/>
-              </a:ext>
-            </a:extLst>
-          </p:cNvPr>
-          <p:cNvSpPr>
-            <a:spLocks noGrp="1"/>
-          </p:cNvSpPr>
-          <p:nvPr>
-            <p:ph type="title"/>
-          </p:nvPr>
-        </p:nvSpPr>
+      <p:pic>
+        <p:nvPicPr>
+          <p:cNvPr id="5" name="Рисунок 4">
+            <a:extLst>
+              <a:ext uri="{FF2B5EF4-FFF2-40B4-BE49-F238E27FC236}">
+                <a16:creationId xmlns:a16="http://schemas.microsoft.com/office/drawing/2014/main" id="{B39B87B7-0456-BA47-B304-1AA514D09EDA}"/>
+              </a:ext>
+            </a:extLst>
+          </p:cNvPr>
+          <p:cNvPicPr>
+            <a:picLocks noChangeAspect="1"/>
+          </p:cNvPicPr>
+          <p:nvPr/>
+        </p:nvPicPr>
+        <p:blipFill>
+          <a:blip r:embed="rId2">
+            <a:alphaModFix amt="39000"/>
+          </a:blip>
+          <a:stretch>
+            <a:fillRect/>
+          </a:stretch>
+        </p:blipFill>
         <p:spPr>
           <a:xfrm>
-            <a:off x="838200" y="322594"/>
-            <a:ext cx="10515600" cy="613070"/>
+            <a:off x="-904821" y="10630"/>
+            <a:ext cx="14023413" cy="6847370"/>
+          </a:xfrm>
+          <a:prstGeom prst="rect">
+            <a:avLst/>
+          </a:prstGeom>
+        </p:spPr>
+      </p:pic>
+      <p:sp>
+        <p:nvSpPr>
+          <p:cNvPr id="2" name="Заголовок 1">
+            <a:extLst>
+              <a:ext uri="{FF2B5EF4-FFF2-40B4-BE49-F238E27FC236}">
+                <a16:creationId xmlns:a16="http://schemas.microsoft.com/office/drawing/2014/main" id="{821ECC3E-50FB-2F43-94F4-FE8869AE052D}"/>
+              </a:ext>
+            </a:extLst>
+          </p:cNvPr>
+          <p:cNvSpPr>
+            <a:spLocks noGrp="1"/>
+          </p:cNvSpPr>
+          <p:nvPr>
+            <p:ph type="title"/>
+          </p:nvPr>
+        </p:nvSpPr>
+        <p:spPr>
+          <a:xfrm>
+            <a:off x="520995" y="333227"/>
+            <a:ext cx="10515600" cy="644968"/>
           </a:xfrm>
         </p:spPr>
         <p:txBody>
@@ -5352,8 +5449,12 @@
           <a:lstStyle/>
           <a:p>
             <a:r>
-              <a:rPr lang="ru-RU" dirty="0"/>
-              <a:t>Скрам-мастер (</a:t>
+              <a:rPr lang="ru-RU" dirty="0" err="1"/>
+              <a:t>Скрам</a:t>
+            </a:r>
+            <a:r>
+              <a:rPr lang="ru-RU" dirty="0"/>
+              <a:t>-мастер (</a:t>
             </a:r>
             <a:r>
               <a:rPr lang="en" dirty="0"/>
@@ -5368,7 +5469,7 @@
           <p:cNvPr id="3" name="Объект 2">
             <a:extLst>
               <a:ext uri="{FF2B5EF4-FFF2-40B4-BE49-F238E27FC236}">
-                <a16:creationId xmlns:a16="http://schemas.microsoft.com/office/drawing/2014/main" id="{94984B3D-5A13-A94A-856D-2975D80A2417}"/>
+                <a16:creationId xmlns:a16="http://schemas.microsoft.com/office/drawing/2014/main" id="{FF13BB29-A125-BD46-84B7-CE11E4A8D8DF}"/>
               </a:ext>
             </a:extLst>
           </p:cNvPr>
@@ -5381,76 +5482,152 @@
         </p:nvSpPr>
         <p:spPr>
           <a:xfrm>
-            <a:off x="838200" y="1116419"/>
-            <a:ext cx="10515600" cy="5060544"/>
+            <a:off x="520995" y="1010094"/>
+            <a:ext cx="10832805" cy="5482780"/>
           </a:xfrm>
         </p:spPr>
         <p:txBody>
-          <a:bodyPr/>
+          <a:bodyPr>
+            <a:normAutofit fontScale="85000" lnSpcReduction="20000"/>
+          </a:bodyPr>
           <a:lstStyle/>
           <a:p>
             <a:r>
-              <a:rPr lang="ru-RU" dirty="0"/>
-              <a:t>Помогает внедрять скрам</a:t>
-            </a:r>
-          </a:p>
-          <a:p>
-            <a:r>
-              <a:rPr lang="ru-RU" dirty="0"/>
-              <a:t>Отвечает за процесс (как)</a:t>
-            </a:r>
-          </a:p>
-          <a:p>
-            <a:r>
-              <a:rPr lang="ru-RU" dirty="0"/>
-              <a:t>Учитель</a:t>
-            </a:r>
-          </a:p>
-          <a:p>
-            <a:r>
-              <a:rPr lang="ru-RU" dirty="0"/>
-              <a:t>Наставник </a:t>
+              <a:rPr lang="ru-RU" dirty="0" err="1"/>
+              <a:t>S</a:t>
             </a:r>
             <a:r>
               <a:rPr lang="en-US" dirty="0"/>
-              <a:t>/ </a:t>
+              <a:t>M</a:t>
+            </a:r>
+            <a:r>
+              <a:rPr lang="ru-RU" dirty="0"/>
+              <a:t> — один из</a:t>
+            </a:r>
+            <a:r>
+              <a:rPr lang="en-US" dirty="0"/>
+              <a:t> </a:t>
+            </a:r>
+            <a:r>
+              <a:rPr lang="ru-RU" dirty="0"/>
+              <a:t>членов команды</a:t>
+            </a:r>
+          </a:p>
+          <a:p>
+            <a:pPr lvl="1"/>
+            <a:r>
+              <a:rPr lang="ru-RU" dirty="0"/>
+              <a:t>он может быть разработчиком, </a:t>
             </a:r>
             <a:r>
               <a:rPr lang="ru-RU" dirty="0" err="1"/>
-              <a:t>коуч</a:t>
-            </a:r>
+              <a:t>тестировщиком</a:t>
+            </a:r>
+            <a:r>
+              <a:rPr lang="ru-RU" dirty="0"/>
+              <a:t>, аналитиком и т.д.</a:t>
+            </a:r>
+          </a:p>
+          <a:p>
+            <a:r>
+              <a:rPr lang="ru-RU" dirty="0"/>
+              <a:t>Основная его задача — помочь команде стать самоуправляемой и самоорганизующейся</a:t>
+            </a:r>
+            <a:endParaRPr lang="en-US" dirty="0"/>
+          </a:p>
+          <a:p>
+            <a:r>
+              <a:rPr lang="ru-RU" dirty="0"/>
+              <a:t>Следит за тем, чтобы команда выполняла принятые ей решения</a:t>
+            </a:r>
+            <a:r>
+              <a:rPr lang="en-US" dirty="0"/>
+              <a:t> </a:t>
+            </a:r>
+            <a:r>
+              <a:rPr lang="ru-RU" dirty="0"/>
+              <a:t>и за соблюдением практик</a:t>
+            </a:r>
+          </a:p>
+          <a:p>
+            <a:r>
+              <a:rPr lang="ru-RU" dirty="0"/>
+              <a:t>Отвечает за решение проблем, обнаруженных командой и находящейся вне её компетенции</a:t>
+            </a:r>
+          </a:p>
+          <a:p>
+            <a:pPr lvl="1"/>
+            <a:r>
+              <a:rPr lang="ru-RU" dirty="0"/>
+              <a:t>например, если команде нужен новый сервер, то именно </a:t>
+            </a:r>
+            <a:r>
+              <a:rPr lang="ru-RU" dirty="0" err="1"/>
+              <a:t>скрам</a:t>
+            </a:r>
+            <a:r>
+              <a:rPr lang="ru-RU" dirty="0"/>
+              <a:t>-мастер вступит в бой с бюрократическими силами компании.</a:t>
+            </a:r>
+          </a:p>
+          <a:p>
+            <a:r>
+              <a:rPr lang="en-US" dirty="0"/>
+              <a:t>SM</a:t>
+            </a:r>
+            <a:r>
+              <a:rPr lang="ru-RU" dirty="0"/>
+              <a:t> не раздаёт задачи членам команды!</a:t>
+            </a:r>
+          </a:p>
+          <a:p>
+            <a:r>
+              <a:rPr lang="ru-RU" dirty="0"/>
+              <a:t>Проводит командные митинги: стендап (дейли-митинг), планирование спринта, демонстрацию и ретроспективу</a:t>
+            </a:r>
+          </a:p>
+          <a:p>
+            <a:r>
+              <a:rPr lang="ru-RU" dirty="0"/>
+              <a:t>следит за климатом внутри команды и старается создать атмосферу доверия</a:t>
+            </a:r>
+          </a:p>
+          <a:p>
+            <a:r>
+              <a:rPr lang="ru-RU" dirty="0"/>
+              <a:t>постепенно роль скрам-мастера уменьшается</a:t>
+            </a:r>
+          </a:p>
+          <a:p>
+            <a:r>
+              <a:rPr lang="ru-RU" dirty="0"/>
+              <a:t>убеждается в том, что все события </a:t>
+            </a:r>
+            <a:r>
+              <a:rPr lang="en" dirty="0"/>
+              <a:t>Scrum </a:t>
+            </a:r>
+            <a:r>
+              <a:rPr lang="ru-RU" dirty="0"/>
+              <a:t>происходят, позитивны, продуктивны и не выходят за рамки ограничений по времени.</a:t>
+            </a:r>
+            <a:endParaRPr lang="en-US" dirty="0"/>
+          </a:p>
+          <a:p>
+            <a:endParaRPr lang="en-US" dirty="0"/>
+          </a:p>
+          <a:p>
             <a:endParaRPr lang="ru-RU" dirty="0"/>
           </a:p>
           <a:p>
-            <a:r>
-              <a:rPr lang="ru-RU" dirty="0"/>
-              <a:t>Модератор (на всех встречах)</a:t>
-            </a:r>
-          </a:p>
-          <a:p>
-            <a:r>
-              <a:rPr lang="ru-RU" dirty="0"/>
-              <a:t>Сторожевой пёс (бдит соблюдение процессов)</a:t>
-            </a:r>
-          </a:p>
-          <a:p>
-            <a:r>
-              <a:rPr lang="ru-RU" dirty="0"/>
-              <a:t>Защитник (команды)</a:t>
-            </a:r>
-          </a:p>
-          <a:p>
-            <a:r>
-              <a:rPr lang="ru-RU" dirty="0"/>
-              <a:t>Устраняет помехи (для команды)</a:t>
-            </a:r>
+            <a:endParaRPr lang="ru-RU" dirty="0"/>
           </a:p>
         </p:txBody>
       </p:sp>
     </p:spTree>
     <p:extLst>
       <p:ext uri="{BB962C8B-B14F-4D97-AF65-F5344CB8AC3E}">
-        <p14:creationId xmlns:p14="http://schemas.microsoft.com/office/powerpoint/2010/main" val="1510456180"/>
+        <p14:creationId xmlns:p14="http://schemas.microsoft.com/office/powerpoint/2010/main" val="80498796"/>
       </p:ext>
     </p:extLst>
   </p:cSld>
@@ -5482,7 +5659,7 @@
           <p:cNvPr id="2" name="Заголовок 1">
             <a:extLst>
               <a:ext uri="{FF2B5EF4-FFF2-40B4-BE49-F238E27FC236}">
-                <a16:creationId xmlns:a16="http://schemas.microsoft.com/office/drawing/2014/main" id="{903479E4-7C6C-8B4D-A2A2-8022C8FF2AE7}"/>
+                <a16:creationId xmlns:a16="http://schemas.microsoft.com/office/drawing/2014/main" id="{FC171184-6C7A-A946-B8D6-5ABB0C708E65}"/>
               </a:ext>
             </a:extLst>
           </p:cNvPr>
@@ -5493,205 +5670,118 @@
             <p:ph type="title"/>
           </p:nvPr>
         </p:nvSpPr>
-        <p:spPr/>
+        <p:spPr>
+          <a:xfrm>
+            <a:off x="838200" y="322594"/>
+            <a:ext cx="10515600" cy="613070"/>
+          </a:xfrm>
+        </p:spPr>
+        <p:txBody>
+          <a:bodyPr>
+            <a:normAutofit fontScale="90000"/>
+          </a:bodyPr>
+          <a:lstStyle/>
+          <a:p>
+            <a:r>
+              <a:rPr lang="ru-RU" dirty="0"/>
+              <a:t>Скрам-мастер (</a:t>
+            </a:r>
+            <a:r>
+              <a:rPr lang="en" dirty="0"/>
+              <a:t>Scrum Master)</a:t>
+            </a:r>
+            <a:endParaRPr lang="ru-RU" dirty="0"/>
+          </a:p>
+        </p:txBody>
+      </p:sp>
+      <p:sp>
+        <p:nvSpPr>
+          <p:cNvPr id="3" name="Объект 2">
+            <a:extLst>
+              <a:ext uri="{FF2B5EF4-FFF2-40B4-BE49-F238E27FC236}">
+                <a16:creationId xmlns:a16="http://schemas.microsoft.com/office/drawing/2014/main" id="{94984B3D-5A13-A94A-856D-2975D80A2417}"/>
+              </a:ext>
+            </a:extLst>
+          </p:cNvPr>
+          <p:cNvSpPr>
+            <a:spLocks noGrp="1"/>
+          </p:cNvSpPr>
+          <p:nvPr>
+            <p:ph idx="1"/>
+          </p:nvPr>
+        </p:nvSpPr>
+        <p:spPr>
+          <a:xfrm>
+            <a:off x="838200" y="1116419"/>
+            <a:ext cx="10515600" cy="5060544"/>
+          </a:xfrm>
+        </p:spPr>
         <p:txBody>
           <a:bodyPr/>
           <a:lstStyle/>
           <a:p>
             <a:r>
               <a:rPr lang="ru-RU" dirty="0"/>
-              <a:t>События </a:t>
-            </a:r>
-            <a:r>
-              <a:rPr lang="en" dirty="0"/>
-              <a:t>Scrum</a:t>
-            </a:r>
-            <a:endParaRPr lang="ru-RU" dirty="0"/>
-          </a:p>
-        </p:txBody>
-      </p:sp>
-      <p:sp>
-        <p:nvSpPr>
-          <p:cNvPr id="3" name="Объект 2">
-            <a:extLst>
-              <a:ext uri="{FF2B5EF4-FFF2-40B4-BE49-F238E27FC236}">
-                <a16:creationId xmlns:a16="http://schemas.microsoft.com/office/drawing/2014/main" id="{345A5E40-953E-0B4F-B568-7EEFF4D36302}"/>
-              </a:ext>
-            </a:extLst>
-          </p:cNvPr>
-          <p:cNvSpPr>
-            <a:spLocks noGrp="1"/>
-          </p:cNvSpPr>
-          <p:nvPr>
-            <p:ph idx="1"/>
-          </p:nvPr>
-        </p:nvSpPr>
-        <p:spPr>
-          <a:xfrm>
-            <a:off x="838200" y="1605516"/>
-            <a:ext cx="10515600" cy="4571447"/>
-          </a:xfrm>
-        </p:spPr>
-        <p:txBody>
-          <a:bodyPr/>
-          <a:lstStyle/>
-          <a:p>
-            <a:pPr marL="0" indent="0">
-              <a:buNone/>
-            </a:pPr>
-            <a:r>
-              <a:rPr lang="ru-RU" dirty="0"/>
-              <a:t>Разработка ведётся итерациями (спринтами).</a:t>
-            </a:r>
-          </a:p>
-          <a:p>
-            <a:pPr marL="0" indent="0">
-              <a:buNone/>
-            </a:pPr>
-            <a:endParaRPr lang="ru-RU" dirty="0"/>
-          </a:p>
-          <a:p>
-            <a:pPr marL="0" indent="0">
-              <a:buNone/>
-            </a:pPr>
-            <a:r>
-              <a:rPr lang="en" dirty="0"/>
-              <a:t>Sprint — </a:t>
-            </a:r>
-            <a:r>
-              <a:rPr lang="ru-RU" dirty="0"/>
-              <a:t>это контейнер для всех остальных событий:</a:t>
-            </a:r>
-          </a:p>
-          <a:p>
-            <a:r>
-              <a:rPr lang="ru-RU" dirty="0"/>
-              <a:t>Вначале спринта: </a:t>
-            </a:r>
-            <a:r>
-              <a:rPr lang="ru-RU" b="1" dirty="0"/>
-              <a:t>Планирование спринта </a:t>
-            </a:r>
-            <a:r>
-              <a:rPr lang="ru-RU" dirty="0"/>
-              <a:t>(</a:t>
-            </a:r>
-            <a:r>
-              <a:rPr lang="en" dirty="0"/>
-              <a:t>Sprint Planning</a:t>
-            </a:r>
-            <a:r>
-              <a:rPr lang="ru-RU" dirty="0"/>
-              <a:t>)</a:t>
-            </a:r>
-          </a:p>
-          <a:p>
-            <a:r>
-              <a:rPr lang="ru-RU" dirty="0"/>
-              <a:t>Ежедневно: Стендап </a:t>
+              <a:t>Помогает внедрять скрам</a:t>
+            </a:r>
+          </a:p>
+          <a:p>
+            <a:r>
+              <a:rPr lang="ru-RU" dirty="0"/>
+              <a:t>Отвечает за процесс (как)</a:t>
+            </a:r>
+          </a:p>
+          <a:p>
+            <a:r>
+              <a:rPr lang="ru-RU" dirty="0"/>
+              <a:t>Учитель</a:t>
+            </a:r>
+          </a:p>
+          <a:p>
+            <a:r>
+              <a:rPr lang="ru-RU" dirty="0"/>
+              <a:t>Наставник </a:t>
             </a:r>
             <a:r>
               <a:rPr lang="en-US" dirty="0"/>
               <a:t>/ </a:t>
             </a:r>
             <a:r>
-              <a:rPr lang="ru-RU" b="1" dirty="0"/>
-              <a:t>Дейли</a:t>
-            </a:r>
-            <a:r>
-              <a:rPr lang="ru-RU" dirty="0"/>
-              <a:t> (</a:t>
-            </a:r>
-            <a:r>
-              <a:rPr lang="en-US" dirty="0"/>
-              <a:t>Standup, Daily meeting, Daily scrum</a:t>
-            </a:r>
-            <a:r>
-              <a:rPr lang="ru-RU" dirty="0"/>
-              <a:t>)</a:t>
-            </a:r>
-            <a:endParaRPr lang="en-US" dirty="0"/>
-          </a:p>
-          <a:p>
-            <a:r>
-              <a:rPr lang="ru-RU" dirty="0"/>
-              <a:t>В конце спринта: </a:t>
-            </a:r>
-            <a:r>
-              <a:rPr lang="ru-RU" b="1" dirty="0" err="1"/>
-              <a:t>Демо</a:t>
-            </a:r>
-            <a:r>
-              <a:rPr lang="ru-RU" dirty="0"/>
-              <a:t> </a:t>
-            </a:r>
-            <a:r>
-              <a:rPr lang="en-US" dirty="0"/>
-              <a:t>/ </a:t>
-            </a:r>
-            <a:r>
-              <a:rPr lang="en-US" dirty="0" err="1"/>
-              <a:t>Р</a:t>
-            </a:r>
-            <a:r>
               <a:rPr lang="ru-RU" dirty="0" err="1"/>
-              <a:t>евью</a:t>
-            </a:r>
-            <a:r>
-              <a:rPr lang="ru-RU" dirty="0"/>
-              <a:t> спринта (</a:t>
-            </a:r>
-            <a:r>
-              <a:rPr lang="en-US" dirty="0"/>
-              <a:t>Demo, </a:t>
-            </a:r>
-            <a:r>
-              <a:rPr lang="en" dirty="0"/>
-              <a:t>Sprint Review</a:t>
-            </a:r>
-            <a:r>
-              <a:rPr lang="ru-RU" dirty="0"/>
-              <a:t>)</a:t>
-            </a:r>
-          </a:p>
-          <a:p>
-            <a:r>
-              <a:rPr lang="ru-RU" dirty="0"/>
-              <a:t>В конце спринта: </a:t>
-            </a:r>
-            <a:r>
-              <a:rPr lang="ru-RU" b="1" dirty="0"/>
-              <a:t>Ретроспектива</a:t>
-            </a:r>
-            <a:r>
-              <a:rPr lang="ru-RU" dirty="0"/>
-              <a:t> (</a:t>
-            </a:r>
-            <a:r>
-              <a:rPr lang="en" dirty="0"/>
-              <a:t>Sprint Retrospective</a:t>
-            </a:r>
-            <a:r>
-              <a:rPr lang="ru-RU" dirty="0"/>
-              <a:t>)</a:t>
-            </a:r>
-            <a:endParaRPr lang="en-US" dirty="0"/>
-          </a:p>
-          <a:p>
+              <a:t>коуч</a:t>
+            </a:r>
             <a:endParaRPr lang="ru-RU" dirty="0"/>
           </a:p>
           <a:p>
-            <a:pPr marL="0" indent="0">
-              <a:buNone/>
-            </a:pPr>
-            <a:endParaRPr lang="ru-RU" dirty="0"/>
+            <a:r>
+              <a:rPr lang="ru-RU" dirty="0"/>
+              <a:t>Модератор (на всех встречах)</a:t>
+            </a:r>
+          </a:p>
+          <a:p>
+            <a:r>
+              <a:rPr lang="ru-RU" dirty="0"/>
+              <a:t>Сторожевой пёс (бдит соблюдение процессов)</a:t>
+            </a:r>
+          </a:p>
+          <a:p>
+            <a:r>
+              <a:rPr lang="ru-RU" dirty="0"/>
+              <a:t>Защитник (команды)</a:t>
+            </a:r>
+          </a:p>
+          <a:p>
+            <a:r>
+              <a:rPr lang="ru-RU" dirty="0"/>
+              <a:t>Устраняет помехи (для команды)</a:t>
+            </a:r>
           </a:p>
         </p:txBody>
       </p:sp>
     </p:spTree>
     <p:extLst>
       <p:ext uri="{BB962C8B-B14F-4D97-AF65-F5344CB8AC3E}">
-        <p14:creationId xmlns:p14="http://schemas.microsoft.com/office/powerpoint/2010/main" val="1400734333"/>
+        <p14:creationId xmlns:p14="http://schemas.microsoft.com/office/powerpoint/2010/main" val="1510456180"/>
       </p:ext>
     </p:extLst>
   </p:cSld>
@@ -6039,7 +6129,7 @@
           <p:cNvPr id="2" name="Заголовок 1">
             <a:extLst>
               <a:ext uri="{FF2B5EF4-FFF2-40B4-BE49-F238E27FC236}">
-                <a16:creationId xmlns:a16="http://schemas.microsoft.com/office/drawing/2014/main" id="{C262E18E-71D2-1A4E-BAFB-945B37FB0CC4}"/>
+                <a16:creationId xmlns:a16="http://schemas.microsoft.com/office/drawing/2014/main" id="{903479E4-7C6C-8B4D-A2A2-8022C8FF2AE7}"/>
               </a:ext>
             </a:extLst>
           </p:cNvPr>
@@ -6048,100 +6138,199 @@
           </p:cNvSpPr>
           <p:nvPr>
             <p:ph type="title"/>
+          </p:nvPr>
+        </p:nvSpPr>
+        <p:spPr/>
+        <p:txBody>
+          <a:bodyPr/>
+          <a:lstStyle/>
+          <a:p>
+            <a:r>
+              <a:rPr lang="ru-RU" dirty="0"/>
+              <a:t>События </a:t>
+            </a:r>
+            <a:r>
+              <a:rPr lang="en" dirty="0"/>
+              <a:t>Scrum</a:t>
+            </a:r>
+            <a:endParaRPr lang="ru-RU" dirty="0"/>
+          </a:p>
+        </p:txBody>
+      </p:sp>
+      <p:sp>
+        <p:nvSpPr>
+          <p:cNvPr id="3" name="Объект 2">
+            <a:extLst>
+              <a:ext uri="{FF2B5EF4-FFF2-40B4-BE49-F238E27FC236}">
+                <a16:creationId xmlns:a16="http://schemas.microsoft.com/office/drawing/2014/main" id="{345A5E40-953E-0B4F-B568-7EEFF4D36302}"/>
+              </a:ext>
+            </a:extLst>
+          </p:cNvPr>
+          <p:cNvSpPr>
+            <a:spLocks noGrp="1"/>
+          </p:cNvSpPr>
+          <p:nvPr>
+            <p:ph idx="1"/>
           </p:nvPr>
         </p:nvSpPr>
         <p:spPr>
           <a:xfrm>
-            <a:off x="838200" y="365126"/>
-            <a:ext cx="10515600" cy="825722"/>
+            <a:off x="838200" y="1605516"/>
+            <a:ext cx="10515600" cy="4571447"/>
           </a:xfrm>
         </p:spPr>
         <p:txBody>
           <a:bodyPr/>
           <a:lstStyle/>
           <a:p>
-            <a:r>
-              <a:rPr lang="ru-RU" dirty="0"/>
-              <a:t>Итерация / спринт (</a:t>
-            </a:r>
-            <a:r>
-              <a:rPr lang="en" dirty="0"/>
-              <a:t>Sprint)</a:t>
-            </a:r>
+            <a:pPr marL="0" indent="0">
+              <a:buNone/>
+            </a:pPr>
+            <a:r>
+              <a:rPr lang="ru-RU" dirty="0"/>
+              <a:t>Разработка ведётся итерациями (спринтами).</a:t>
+            </a:r>
+          </a:p>
+          <a:p>
+            <a:pPr marL="0" indent="0">
+              <a:buNone/>
+            </a:pPr>
             <a:endParaRPr lang="ru-RU" dirty="0"/>
           </a:p>
-        </p:txBody>
-      </p:sp>
-      <p:sp>
-        <p:nvSpPr>
-          <p:cNvPr id="3" name="Объект 2">
-            <a:extLst>
-              <a:ext uri="{FF2B5EF4-FFF2-40B4-BE49-F238E27FC236}">
-                <a16:creationId xmlns:a16="http://schemas.microsoft.com/office/drawing/2014/main" id="{1CE50C7F-F137-844D-8D38-276914F8FE99}"/>
-              </a:ext>
-            </a:extLst>
-          </p:cNvPr>
-          <p:cNvSpPr>
-            <a:spLocks noGrp="1"/>
-          </p:cNvSpPr>
-          <p:nvPr>
-            <p:ph idx="1"/>
-          </p:nvPr>
-        </p:nvSpPr>
-        <p:spPr>
-          <a:xfrm>
-            <a:off x="838200" y="1318437"/>
-            <a:ext cx="10515600" cy="4858526"/>
-          </a:xfrm>
-        </p:spPr>
-        <p:txBody>
-          <a:bodyPr>
-            <a:normAutofit lnSpcReduction="10000"/>
-          </a:bodyPr>
-          <a:lstStyle/>
-          <a:p>
-            <a:r>
-              <a:rPr lang="ru-RU" dirty="0"/>
-              <a:t>В конце каждой итерации (спринта) демонстрируется полностью доделанная за итерацию функциональность (</a:t>
+          <a:p>
+            <a:pPr marL="0" indent="0">
+              <a:buNone/>
+            </a:pPr>
+            <a:r>
+              <a:rPr lang="en" dirty="0"/>
+              <a:t>Sprint — </a:t>
+            </a:r>
+            <a:r>
+              <a:rPr lang="ru-RU" dirty="0"/>
+              <a:t>это контейнер для всех остальных событий:</a:t>
+            </a:r>
+          </a:p>
+          <a:p>
+            <a:r>
+              <a:rPr lang="ru-RU" dirty="0"/>
+              <a:t>Вначале спринта: </a:t>
+            </a:r>
+            <a:r>
+              <a:rPr lang="ru-RU" b="1" dirty="0"/>
+              <a:t>Планирование спринта </a:t>
+            </a:r>
+            <a:r>
+              <a:rPr lang="ru-RU" dirty="0"/>
+              <a:t>(</a:t>
+            </a:r>
+            <a:r>
+              <a:rPr lang="en" dirty="0"/>
+              <a:t>Sprint Planning</a:t>
+            </a:r>
+            <a:r>
+              <a:rPr lang="ru-RU" dirty="0"/>
+              <a:t>)</a:t>
+            </a:r>
+          </a:p>
+          <a:p>
+            <a:r>
+              <a:rPr lang="ru-RU" dirty="0"/>
+              <a:t>Ежедневно: Стендап </a:t>
             </a:r>
             <a:r>
               <a:rPr lang="en-US" dirty="0"/>
-              <a:t>product increment</a:t>
-            </a:r>
-            <a:r>
-              <a:rPr lang="ru-RU" dirty="0"/>
-              <a:t>).</a:t>
-            </a:r>
-          </a:p>
-          <a:p>
-            <a:r>
-              <a:rPr lang="ru-RU" dirty="0"/>
-              <a:t>Длина итерации — от 1 до 4 недель. Типичная длина итерации — 2 недели.</a:t>
+              <a:t>/ </a:t>
+            </a:r>
+            <a:r>
+              <a:rPr lang="ru-RU" b="1" dirty="0"/>
+              <a:t>Дейли</a:t>
+            </a:r>
+            <a:r>
+              <a:rPr lang="ru-RU" dirty="0"/>
+              <a:t> (</a:t>
+            </a:r>
+            <a:r>
+              <a:rPr lang="en-US" dirty="0"/>
+              <a:t>Standup, Daily meeting, Daily scrum</a:t>
+            </a:r>
+            <a:r>
+              <a:rPr lang="ru-RU" dirty="0"/>
+              <a:t>)</a:t>
             </a:r>
             <a:endParaRPr lang="en-US" dirty="0"/>
           </a:p>
           <a:p>
-            <a:pPr lvl="1"/>
-            <a:r>
-              <a:rPr lang="ru-RU" dirty="0"/>
-              <a:t>Длина итерации должна быть достаточно длинной, чтобы позволять выпустить инкремент продукта</a:t>
+            <a:r>
+              <a:rPr lang="ru-RU" dirty="0"/>
+              <a:t>В конце спринта: </a:t>
+            </a:r>
+            <a:r>
+              <a:rPr lang="ru-RU" b="1" dirty="0" err="1"/>
+              <a:t>Демо</a:t>
+            </a:r>
+            <a:r>
+              <a:rPr lang="ru-RU" dirty="0"/>
+              <a:t> </a:t>
+            </a:r>
+            <a:r>
+              <a:rPr lang="en-US" dirty="0"/>
+              <a:t>/ </a:t>
+            </a:r>
+            <a:r>
+              <a:rPr lang="en-US" dirty="0" err="1"/>
+              <a:t>Р</a:t>
+            </a:r>
+            <a:r>
+              <a:rPr lang="ru-RU" dirty="0" err="1"/>
+              <a:t>евью</a:t>
+            </a:r>
+            <a:r>
+              <a:rPr lang="ru-RU" dirty="0"/>
+              <a:t> спринта (</a:t>
+            </a:r>
+            <a:r>
+              <a:rPr lang="en-US" dirty="0"/>
+              <a:t>Demo, </a:t>
+            </a:r>
+            <a:r>
+              <a:rPr lang="en" dirty="0"/>
+              <a:t>Sprint Review</a:t>
+            </a:r>
+            <a:r>
+              <a:rPr lang="ru-RU" dirty="0"/>
+              <a:t>)</a:t>
+            </a:r>
+          </a:p>
+          <a:p>
+            <a:r>
+              <a:rPr lang="ru-RU" dirty="0"/>
+              <a:t>В конце спринта: </a:t>
+            </a:r>
+            <a:r>
+              <a:rPr lang="ru-RU" b="1" dirty="0"/>
+              <a:t>Ретроспектива</a:t>
+            </a:r>
+            <a:r>
+              <a:rPr lang="ru-RU" dirty="0"/>
+              <a:t> (</a:t>
+            </a:r>
+            <a:r>
+              <a:rPr lang="en" dirty="0"/>
+              <a:t>Sprint Retrospective</a:t>
+            </a:r>
+            <a:r>
+              <a:rPr lang="ru-RU" dirty="0"/>
+              <a:t>)</a:t>
             </a:r>
             <a:endParaRPr lang="en-US" dirty="0"/>
           </a:p>
           <a:p>
-            <a:r>
-              <a:rPr lang="ru-RU" dirty="0"/>
-              <a:t>В течение одной итерации команда общается с заказчиками, анализирует, пробует, разрабатывает и тестирует код</a:t>
-            </a:r>
-          </a:p>
-          <a:p>
-            <a:r>
-              <a:rPr lang="ru-RU" dirty="0"/>
-              <a:t>Заказчики смотрят на результаты работы. Все предложения по улучшению планируются на последующие итерации. Внутри итерации заказчики стараются воздерживаться от изменения требований.</a:t>
-            </a:r>
-            <a:endParaRPr lang="en-US" dirty="0"/>
-          </a:p>
-          <a:p>
+            <a:endParaRPr lang="ru-RU" dirty="0"/>
+          </a:p>
+          <a:p>
+            <a:pPr marL="0" indent="0">
+              <a:buNone/>
+            </a:pPr>
             <a:endParaRPr lang="ru-RU" dirty="0"/>
           </a:p>
         </p:txBody>
@@ -6149,7 +6338,7 @@
     </p:spTree>
     <p:extLst>
       <p:ext uri="{BB962C8B-B14F-4D97-AF65-F5344CB8AC3E}">
-        <p14:creationId xmlns:p14="http://schemas.microsoft.com/office/powerpoint/2010/main" val="3475193894"/>
+        <p14:creationId xmlns:p14="http://schemas.microsoft.com/office/powerpoint/2010/main" val="1400734333"/>
       </p:ext>
     </p:extLst>
   </p:cSld>
@@ -6181,7 +6370,7 @@
           <p:cNvPr id="2" name="Заголовок 1">
             <a:extLst>
               <a:ext uri="{FF2B5EF4-FFF2-40B4-BE49-F238E27FC236}">
-                <a16:creationId xmlns:a16="http://schemas.microsoft.com/office/drawing/2014/main" id="{7AF5AA81-10BF-2A4A-B34E-25922616BD34}"/>
+                <a16:creationId xmlns:a16="http://schemas.microsoft.com/office/drawing/2014/main" id="{C262E18E-71D2-1A4E-BAFB-945B37FB0CC4}"/>
               </a:ext>
             </a:extLst>
           </p:cNvPr>
@@ -6194,67 +6383,57 @@
         </p:nvSpPr>
         <p:spPr>
           <a:xfrm>
-            <a:off x="838200" y="365125"/>
-            <a:ext cx="10515600" cy="666233"/>
+            <a:off x="838200" y="365126"/>
+            <a:ext cx="10515600" cy="825722"/>
           </a:xfrm>
         </p:spPr>
         <p:txBody>
+          <a:bodyPr/>
+          <a:lstStyle/>
+          <a:p>
+            <a:r>
+              <a:rPr lang="ru-RU" dirty="0"/>
+              <a:t>Итерация / спринт (</a:t>
+            </a:r>
+            <a:r>
+              <a:rPr lang="en" dirty="0"/>
+              <a:t>Sprint)</a:t>
+            </a:r>
+            <a:endParaRPr lang="ru-RU" dirty="0"/>
+          </a:p>
+        </p:txBody>
+      </p:sp>
+      <p:sp>
+        <p:nvSpPr>
+          <p:cNvPr id="3" name="Объект 2">
+            <a:extLst>
+              <a:ext uri="{FF2B5EF4-FFF2-40B4-BE49-F238E27FC236}">
+                <a16:creationId xmlns:a16="http://schemas.microsoft.com/office/drawing/2014/main" id="{1CE50C7F-F137-844D-8D38-276914F8FE99}"/>
+              </a:ext>
+            </a:extLst>
+          </p:cNvPr>
+          <p:cNvSpPr>
+            <a:spLocks noGrp="1"/>
+          </p:cNvSpPr>
+          <p:nvPr>
+            <p:ph idx="1"/>
+          </p:nvPr>
+        </p:nvSpPr>
+        <p:spPr>
+          <a:xfrm>
+            <a:off x="838200" y="1318437"/>
+            <a:ext cx="10515600" cy="4858526"/>
+          </a:xfrm>
+        </p:spPr>
+        <p:txBody>
           <a:bodyPr>
-            <a:normAutofit fontScale="90000"/>
+            <a:normAutofit lnSpcReduction="10000"/>
           </a:bodyPr>
           <a:lstStyle/>
           <a:p>
             <a:r>
               <a:rPr lang="ru-RU" dirty="0"/>
-              <a:t>Итерация / спринт (</a:t>
-            </a:r>
-            <a:r>
-              <a:rPr lang="en" dirty="0"/>
-              <a:t>Sprint)</a:t>
-            </a:r>
-            <a:endParaRPr lang="ru-RU" dirty="0"/>
-          </a:p>
-        </p:txBody>
-      </p:sp>
-      <p:sp>
-        <p:nvSpPr>
-          <p:cNvPr id="3" name="Объект 2">
-            <a:extLst>
-              <a:ext uri="{FF2B5EF4-FFF2-40B4-BE49-F238E27FC236}">
-                <a16:creationId xmlns:a16="http://schemas.microsoft.com/office/drawing/2014/main" id="{F6405D1B-5948-6449-97E5-D3122287AABE}"/>
-              </a:ext>
-            </a:extLst>
-          </p:cNvPr>
-          <p:cNvSpPr>
-            <a:spLocks noGrp="1"/>
-          </p:cNvSpPr>
-          <p:nvPr>
-            <p:ph idx="1"/>
-          </p:nvPr>
-        </p:nvSpPr>
-        <p:spPr>
-          <a:xfrm>
-            <a:off x="838200" y="1275907"/>
-            <a:ext cx="10515600" cy="4901056"/>
-          </a:xfrm>
-        </p:spPr>
-        <p:txBody>
-          <a:bodyPr>
-            <a:normAutofit fontScale="85000" lnSpcReduction="20000"/>
-          </a:bodyPr>
-          <a:lstStyle/>
-          <a:p>
-            <a:r>
-              <a:rPr lang="ru-RU" dirty="0"/>
-              <a:t>В конце итерации есть готовый инкремент продукта</a:t>
-            </a:r>
-            <a:r>
-              <a:rPr lang="en-US" dirty="0"/>
-              <a:t> </a:t>
-            </a:r>
-            <a:r>
-              <a:rPr lang="ru-RU" dirty="0"/>
-              <a:t>(</a:t>
+              <a:t>В конце каждой итерации (спринта) демонстрируется полностью доделанная за итерацию функциональность (</a:t>
             </a:r>
             <a:r>
               <a:rPr lang="en-US" dirty="0"/>
@@ -6268,90 +6447,40 @@
           <a:p>
             <a:r>
               <a:rPr lang="ru-RU" dirty="0"/>
-              <a:t>Фичи, которые начинаются в эту итерацию, в ней же и доделываются</a:t>
-            </a:r>
+              <a:t>Длина итерации — от 1 до 4 недель. Типичная длина итерации — 2 недели.</a:t>
+            </a:r>
+            <a:endParaRPr lang="en-US" dirty="0"/>
           </a:p>
           <a:p>
             <a:pPr lvl="1"/>
             <a:r>
               <a:rPr lang="ru-RU" dirty="0"/>
-              <a:t>Разработка фичи включает тестирование и исправление найденных багов</a:t>
-            </a:r>
-          </a:p>
-          <a:p>
-            <a:r>
-              <a:rPr lang="ru-RU" dirty="0"/>
-              <a:t>Команда соблюдает приоритеты фич, установленные </a:t>
-            </a:r>
-            <a:r>
-              <a:rPr lang="en-US" dirty="0"/>
-              <a:t>PO</a:t>
-            </a:r>
+              <a:t>Длина итерации должна быть достаточно длинной, чтобы позволять выпустить инкремент продукта</a:t>
+            </a:r>
+            <a:endParaRPr lang="en-US" dirty="0"/>
+          </a:p>
+          <a:p>
+            <a:r>
+              <a:rPr lang="ru-RU" dirty="0"/>
+              <a:t>В течение одной итерации команда общается с заказчиками, анализирует, пробует, разрабатывает и тестирует код</a:t>
+            </a:r>
+          </a:p>
+          <a:p>
+            <a:r>
+              <a:rPr lang="ru-RU" dirty="0"/>
+              <a:t>Заказчики смотрят на результаты работы. Все предложения по улучшению планируются на последующие итерации. Внутри итерации заказчики стараются воздерживаться от изменения требований.</a:t>
+            </a:r>
+            <a:endParaRPr lang="en-US" dirty="0"/>
+          </a:p>
+          <a:p>
             <a:endParaRPr lang="ru-RU" dirty="0"/>
-          </a:p>
-          <a:p>
-            <a:r>
-              <a:rPr lang="ru-RU" dirty="0"/>
-              <a:t>В большинстве случаев команда делает то, что было запланировано: иногда чуть больше, иногда чуть меньше</a:t>
-            </a:r>
-          </a:p>
-          <a:p>
-            <a:r>
-              <a:rPr lang="ru-RU" dirty="0"/>
-              <a:t>Команда сообщает </a:t>
-            </a:r>
-            <a:r>
-              <a:rPr lang="en-US" dirty="0"/>
-              <a:t>PO</a:t>
-            </a:r>
-            <a:r>
-              <a:rPr lang="ru-RU" dirty="0"/>
-              <a:t>, когда отстаёт от плана итерации</a:t>
-            </a:r>
-          </a:p>
-          <a:p>
-            <a:pPr lvl="1"/>
-            <a:r>
-              <a:rPr lang="ru-RU" dirty="0"/>
-              <a:t>В случае отставания от плана команда предпринимает корректирующие действия</a:t>
-            </a:r>
-          </a:p>
-          <a:p>
-            <a:r>
-              <a:rPr lang="ru-RU" dirty="0"/>
-              <a:t>Для каждой фичи команда знает, каким образом и от кого получить необходимую дополнительную информацию в случае необходимости</a:t>
-            </a:r>
-          </a:p>
-          <a:p>
-            <a:r>
-              <a:rPr lang="ru-RU" dirty="0"/>
-              <a:t>Проблемы обнаруживаются быстро и обсуждаются командой сразу же</a:t>
-            </a:r>
-          </a:p>
-          <a:p>
-            <a:r>
-              <a:rPr lang="ru-RU" dirty="0"/>
-              <a:t>Длина итерации не меняется после каждой итерации</a:t>
-            </a:r>
-          </a:p>
-          <a:p>
-            <a:r>
-              <a:rPr lang="ru-RU" dirty="0"/>
-              <a:t>Вся незапланированная работа учитывается</a:t>
-            </a:r>
-          </a:p>
-          <a:p>
-            <a:r>
-              <a:rPr lang="ru-RU" dirty="0"/>
-              <a:t>Не более одного дня задержки между итерациями</a:t>
-            </a:r>
           </a:p>
         </p:txBody>
       </p:sp>
     </p:spTree>
     <p:extLst>
       <p:ext uri="{BB962C8B-B14F-4D97-AF65-F5344CB8AC3E}">
-        <p14:creationId xmlns:p14="http://schemas.microsoft.com/office/powerpoint/2010/main" val="765927838"/>
+        <p14:creationId xmlns:p14="http://schemas.microsoft.com/office/powerpoint/2010/main" val="3475193894"/>
       </p:ext>
     </p:extLst>
   </p:cSld>
@@ -6383,7 +6512,7 @@
           <p:cNvPr id="2" name="Заголовок 1">
             <a:extLst>
               <a:ext uri="{FF2B5EF4-FFF2-40B4-BE49-F238E27FC236}">
-                <a16:creationId xmlns:a16="http://schemas.microsoft.com/office/drawing/2014/main" id="{47C1C891-842D-3C4B-BA2B-074ECE70AEBA}"/>
+                <a16:creationId xmlns:a16="http://schemas.microsoft.com/office/drawing/2014/main" id="{7AF5AA81-10BF-2A4A-B34E-25922616BD34}"/>
               </a:ext>
             </a:extLst>
           </p:cNvPr>
@@ -6396,25 +6525,25 @@
         </p:nvSpPr>
         <p:spPr>
           <a:xfrm>
-            <a:off x="680484" y="365126"/>
-            <a:ext cx="10940902" cy="613070"/>
+            <a:off x="838200" y="365125"/>
+            <a:ext cx="10515600" cy="666233"/>
           </a:xfrm>
         </p:spPr>
         <p:txBody>
           <a:bodyPr>
-            <a:normAutofit/>
+            <a:normAutofit fontScale="90000"/>
           </a:bodyPr>
           <a:lstStyle/>
           <a:p>
             <a:r>
-              <a:rPr lang="ru-RU" sz="3600" dirty="0"/>
-              <a:t>Планирование итерации / спринта (</a:t>
-            </a:r>
-            <a:r>
-              <a:rPr lang="en" sz="3600" dirty="0"/>
-              <a:t>sprint planning)</a:t>
-            </a:r>
-            <a:endParaRPr lang="ru-RU" sz="3600" dirty="0"/>
+              <a:rPr lang="ru-RU" dirty="0"/>
+              <a:t>Итерация / спринт (</a:t>
+            </a:r>
+            <a:r>
+              <a:rPr lang="en" dirty="0"/>
+              <a:t>Sprint)</a:t>
+            </a:r>
+            <a:endParaRPr lang="ru-RU" dirty="0"/>
           </a:p>
         </p:txBody>
       </p:sp>
@@ -6423,7 +6552,7 @@
           <p:cNvPr id="3" name="Объект 2">
             <a:extLst>
               <a:ext uri="{FF2B5EF4-FFF2-40B4-BE49-F238E27FC236}">
-                <a16:creationId xmlns:a16="http://schemas.microsoft.com/office/drawing/2014/main" id="{DC59EDC8-DE2F-6C42-AAB6-15A556361F15}"/>
+                <a16:creationId xmlns:a16="http://schemas.microsoft.com/office/drawing/2014/main" id="{F6405D1B-5948-6449-97E5-D3122287AABE}"/>
               </a:ext>
             </a:extLst>
           </p:cNvPr>
@@ -6436,109 +6565,124 @@
         </p:nvSpPr>
         <p:spPr>
           <a:xfrm>
-            <a:off x="838200" y="1169580"/>
-            <a:ext cx="10515600" cy="5231219"/>
+            <a:off x="838200" y="1275907"/>
+            <a:ext cx="10515600" cy="4901056"/>
           </a:xfrm>
         </p:spPr>
         <p:txBody>
-          <a:bodyPr/>
+          <a:bodyPr>
+            <a:normAutofit fontScale="85000" lnSpcReduction="20000"/>
+          </a:bodyPr>
           <a:lstStyle/>
           <a:p>
             <a:r>
               <a:rPr lang="ru-RU" dirty="0"/>
-              <a:t>Встреча, на которой команда и </a:t>
-            </a:r>
-            <a:r>
-              <a:rPr lang="en" dirty="0"/>
-              <a:t>PO </a:t>
-            </a:r>
-            <a:r>
-              <a:rPr lang="ru-RU" dirty="0"/>
-              <a:t>планируют итерацию.</a:t>
-            </a:r>
-            <a:endParaRPr lang="en-US" dirty="0"/>
-          </a:p>
-          <a:p>
-            <a:r>
-              <a:rPr lang="en" dirty="0"/>
-              <a:t>PO </a:t>
-            </a:r>
-            <a:r>
-              <a:rPr lang="ru-RU" dirty="0"/>
-              <a:t>ставит цели спринта и представляет фичи (пользовательские истории</a:t>
+              <a:t>В конце итерации есть готовый инкремент продукта</a:t>
             </a:r>
             <a:r>
               <a:rPr lang="en-US" dirty="0"/>
-              <a:t>, user stories</a:t>
-            </a:r>
-            <a:r>
-              <a:rPr lang="ru-RU" dirty="0"/>
-              <a:t>)</a:t>
-            </a:r>
-            <a:endParaRPr lang="en-US" dirty="0"/>
-          </a:p>
-          <a:p>
-            <a:r>
-              <a:rPr lang="ru-RU" dirty="0"/>
-              <a:t>Команда декомпозирует фичи на технические задачи и совместно оценивает их.</a:t>
-            </a:r>
-            <a:endParaRPr lang="en-US" dirty="0"/>
-          </a:p>
-          <a:p>
-            <a:r>
-              <a:rPr lang="ru-RU" dirty="0"/>
-              <a:t>Итоговый план </a:t>
-            </a:r>
-            <a:r>
-              <a:rPr lang="ru-RU" dirty="0" err="1"/>
-              <a:t>таймбоксится</a:t>
-            </a:r>
-            <a:r>
-              <a:rPr lang="ru-RU" dirty="0"/>
-              <a:t>, то есть в него включаются только те фичи, которые команда планирует успеть сделать в итерации</a:t>
-            </a:r>
-            <a:endParaRPr lang="en-US" dirty="0"/>
+              <a:t> </a:t>
+            </a:r>
+            <a:r>
+              <a:rPr lang="ru-RU" dirty="0"/>
+              <a:t>(</a:t>
+            </a:r>
+            <a:r>
+              <a:rPr lang="en-US" dirty="0"/>
+              <a:t>product increment</a:t>
+            </a:r>
+            <a:r>
+              <a:rPr lang="ru-RU" dirty="0"/>
+              <a:t>).</a:t>
+            </a:r>
+          </a:p>
+          <a:p>
+            <a:r>
+              <a:rPr lang="ru-RU" dirty="0"/>
+              <a:t>Фичи, которые начинаются в эту итерацию, в ней же и доделываются</a:t>
+            </a:r>
           </a:p>
           <a:p>
             <a:pPr lvl="1"/>
             <a:r>
               <a:rPr lang="ru-RU" dirty="0"/>
-              <a:t>Для </a:t>
-            </a:r>
-            <a:r>
-              <a:rPr lang="ru-RU" dirty="0" err="1"/>
-              <a:t>таймбоксинга</a:t>
-            </a:r>
-            <a:r>
-              <a:rPr lang="ru-RU" dirty="0"/>
-              <a:t> спринта используется Скорость (</a:t>
+              <a:t>Разработка фичи включает тестирование и исправление найденных багов</a:t>
+            </a:r>
+          </a:p>
+          <a:p>
+            <a:r>
+              <a:rPr lang="ru-RU" dirty="0"/>
+              <a:t>Команда соблюдает приоритеты фич, установленные </a:t>
             </a:r>
             <a:r>
               <a:rPr lang="en-US" dirty="0"/>
-              <a:t>Velocity) </a:t>
-            </a:r>
-            <a:r>
-              <a:rPr lang="ru-RU" dirty="0"/>
-              <a:t>команды</a:t>
-            </a:r>
-            <a:endParaRPr lang="en-US" dirty="0"/>
-          </a:p>
-          <a:p>
-            <a:r>
-              <a:rPr lang="ru-RU" dirty="0"/>
-              <a:t>Декомпозиция задачи должна быть достаточно детальной. Для двухнедельной итерации рекомендованная длительность технической задачи – порядка дня (не более двух дней)</a:t>
-            </a:r>
-            <a:endParaRPr lang="en-US" dirty="0"/>
-          </a:p>
-          <a:p>
-            <a:endParaRPr lang="en-US" dirty="0"/>
+              <a:t>PO</a:t>
+            </a:r>
+            <a:endParaRPr lang="ru-RU" dirty="0"/>
+          </a:p>
+          <a:p>
+            <a:r>
+              <a:rPr lang="ru-RU" dirty="0"/>
+              <a:t>В большинстве случаев команда делает то, что было запланировано: иногда чуть больше, иногда чуть меньше</a:t>
+            </a:r>
+          </a:p>
+          <a:p>
+            <a:r>
+              <a:rPr lang="ru-RU" dirty="0"/>
+              <a:t>Команда сообщает </a:t>
+            </a:r>
+            <a:r>
+              <a:rPr lang="en-US" dirty="0"/>
+              <a:t>PO</a:t>
+            </a:r>
+            <a:r>
+              <a:rPr lang="ru-RU" dirty="0"/>
+              <a:t>, когда отстаёт от плана итерации</a:t>
+            </a:r>
+          </a:p>
+          <a:p>
+            <a:pPr lvl="1"/>
+            <a:r>
+              <a:rPr lang="ru-RU" dirty="0"/>
+              <a:t>В случае отставания от плана команда предпринимает корректирующие действия</a:t>
+            </a:r>
+          </a:p>
+          <a:p>
+            <a:r>
+              <a:rPr lang="ru-RU" dirty="0"/>
+              <a:t>Для каждой фичи команда знает, каким образом и от кого получить необходимую дополнительную информацию в случае необходимости</a:t>
+            </a:r>
+          </a:p>
+          <a:p>
+            <a:r>
+              <a:rPr lang="ru-RU" dirty="0"/>
+              <a:t>Проблемы обнаруживаются быстро и обсуждаются командой сразу же</a:t>
+            </a:r>
+          </a:p>
+          <a:p>
+            <a:r>
+              <a:rPr lang="ru-RU" dirty="0"/>
+              <a:t>Длина итерации не меняется после каждой итерации</a:t>
+            </a:r>
+          </a:p>
+          <a:p>
+            <a:r>
+              <a:rPr lang="ru-RU" dirty="0"/>
+              <a:t>Вся незапланированная работа учитывается</a:t>
+            </a:r>
+          </a:p>
+          <a:p>
+            <a:r>
+              <a:rPr lang="ru-RU" dirty="0"/>
+              <a:t>Не более одного дня задержки между итерациями</a:t>
+            </a:r>
           </a:p>
         </p:txBody>
       </p:sp>
     </p:spTree>
     <p:extLst>
       <p:ext uri="{BB962C8B-B14F-4D97-AF65-F5344CB8AC3E}">
-        <p14:creationId xmlns:p14="http://schemas.microsoft.com/office/powerpoint/2010/main" val="4115185465"/>
+        <p14:creationId xmlns:p14="http://schemas.microsoft.com/office/powerpoint/2010/main" val="765927838"/>
       </p:ext>
     </p:extLst>
   </p:cSld>
@@ -6570,7 +6714,7 @@
           <p:cNvPr id="2" name="Заголовок 1">
             <a:extLst>
               <a:ext uri="{FF2B5EF4-FFF2-40B4-BE49-F238E27FC236}">
-                <a16:creationId xmlns:a16="http://schemas.microsoft.com/office/drawing/2014/main" id="{44CE3D67-1E3E-2149-BCD0-C8C24669F2F2}"/>
+                <a16:creationId xmlns:a16="http://schemas.microsoft.com/office/drawing/2014/main" id="{47C1C891-842D-3C4B-BA2B-074ECE70AEBA}"/>
               </a:ext>
             </a:extLst>
           </p:cNvPr>
@@ -6583,48 +6727,8 @@
         </p:nvSpPr>
         <p:spPr>
           <a:xfrm>
-            <a:off x="838200" y="365126"/>
-            <a:ext cx="10515600" cy="538642"/>
-          </a:xfrm>
-        </p:spPr>
-        <p:txBody>
-          <a:bodyPr>
-            <a:normAutofit fontScale="90000"/>
-          </a:bodyPr>
-          <a:lstStyle/>
-          <a:p>
-            <a:r>
-              <a:rPr lang="ru-RU" dirty="0"/>
-              <a:t>Планирование спринта (</a:t>
-            </a:r>
-            <a:r>
-              <a:rPr lang="en" dirty="0"/>
-              <a:t>sprint planning)</a:t>
-            </a:r>
-            <a:endParaRPr lang="ru-RU" dirty="0"/>
-          </a:p>
-        </p:txBody>
-      </p:sp>
-      <p:sp>
-        <p:nvSpPr>
-          <p:cNvPr id="3" name="Объект 2">
-            <a:extLst>
-              <a:ext uri="{FF2B5EF4-FFF2-40B4-BE49-F238E27FC236}">
-                <a16:creationId xmlns:a16="http://schemas.microsoft.com/office/drawing/2014/main" id="{1B580C34-B0FA-FF46-9595-C076364D27C3}"/>
-              </a:ext>
-            </a:extLst>
-          </p:cNvPr>
-          <p:cNvSpPr>
-            <a:spLocks noGrp="1"/>
-          </p:cNvSpPr>
-          <p:nvPr>
-            <p:ph idx="1"/>
-          </p:nvPr>
-        </p:nvSpPr>
-        <p:spPr>
-          <a:xfrm>
-            <a:off x="838200" y="1360967"/>
-            <a:ext cx="10515600" cy="4815996"/>
+            <a:off x="680484" y="365126"/>
+            <a:ext cx="10940902" cy="613070"/>
           </a:xfrm>
         </p:spPr>
         <p:txBody>
@@ -6634,76 +6738,138 @@
           <a:lstStyle/>
           <a:p>
             <a:r>
+              <a:rPr lang="ru-RU" sz="3600" dirty="0"/>
+              <a:t>Планирование итерации / спринта (</a:t>
+            </a:r>
+            <a:r>
+              <a:rPr lang="en" sz="3600" dirty="0"/>
+              <a:t>sprint planning)</a:t>
+            </a:r>
+            <a:endParaRPr lang="ru-RU" sz="3600" dirty="0"/>
+          </a:p>
+        </p:txBody>
+      </p:sp>
+      <p:sp>
+        <p:nvSpPr>
+          <p:cNvPr id="3" name="Объект 2">
+            <a:extLst>
+              <a:ext uri="{FF2B5EF4-FFF2-40B4-BE49-F238E27FC236}">
+                <a16:creationId xmlns:a16="http://schemas.microsoft.com/office/drawing/2014/main" id="{DC59EDC8-DE2F-6C42-AAB6-15A556361F15}"/>
+              </a:ext>
+            </a:extLst>
+          </p:cNvPr>
+          <p:cNvSpPr>
+            <a:spLocks noGrp="1"/>
+          </p:cNvSpPr>
+          <p:nvPr>
+            <p:ph idx="1"/>
+          </p:nvPr>
+        </p:nvSpPr>
+        <p:spPr>
+          <a:xfrm>
+            <a:off x="838200" y="1169580"/>
+            <a:ext cx="10515600" cy="5231219"/>
+          </a:xfrm>
+        </p:spPr>
+        <p:txBody>
+          <a:bodyPr/>
+          <a:lstStyle/>
+          <a:p>
+            <a:r>
+              <a:rPr lang="ru-RU" dirty="0"/>
+              <a:t>Встреча, на которой команда и </a:t>
+            </a:r>
+            <a:r>
               <a:rPr lang="en" dirty="0"/>
               <a:t>PO </a:t>
             </a:r>
             <a:r>
               <a:rPr lang="ru-RU" dirty="0"/>
-              <a:t>и члены команды участвуют все (очень желательно, лично)</a:t>
-            </a:r>
-          </a:p>
-          <a:p>
-            <a:r>
-              <a:rPr lang="ru-RU" dirty="0"/>
-              <a:t>Результат встречи — цель спринта (</a:t>
+              <a:t>планируют итерацию.</a:t>
+            </a:r>
+            <a:endParaRPr lang="en-US" dirty="0"/>
+          </a:p>
+          <a:p>
+            <a:r>
+              <a:rPr lang="en" dirty="0"/>
+              <a:t>PO </a:t>
+            </a:r>
+            <a:r>
+              <a:rPr lang="ru-RU" dirty="0"/>
+              <a:t>ставит цели спринта и представляет фичи (пользовательские истории</a:t>
             </a:r>
             <a:r>
               <a:rPr lang="en-US" dirty="0"/>
-              <a:t>sprint goal</a:t>
-            </a:r>
-            <a:r>
-              <a:rPr lang="ru-RU" dirty="0"/>
-              <a:t>) и план итерации</a:t>
+              <a:t>, user stories</a:t>
+            </a:r>
+            <a:r>
+              <a:rPr lang="ru-RU" dirty="0"/>
+              <a:t>)</a:t>
+            </a:r>
+            <a:endParaRPr lang="en-US" dirty="0"/>
+          </a:p>
+          <a:p>
+            <a:r>
+              <a:rPr lang="ru-RU" dirty="0"/>
+              <a:t>Команда декомпозирует фичи на технические задачи и совместно оценивает их.</a:t>
+            </a:r>
+            <a:endParaRPr lang="en-US" dirty="0"/>
+          </a:p>
+          <a:p>
+            <a:r>
+              <a:rPr lang="ru-RU" dirty="0"/>
+              <a:t>Итоговый план </a:t>
+            </a:r>
+            <a:r>
+              <a:rPr lang="ru-RU" dirty="0" err="1"/>
+              <a:t>таймбоксится</a:t>
+            </a:r>
+            <a:r>
+              <a:rPr lang="ru-RU" dirty="0"/>
+              <a:t>, то есть в него включаются только те фичи, которые команда планирует успеть сделать в итерации</a:t>
+            </a:r>
+            <a:endParaRPr lang="en-US" dirty="0"/>
+          </a:p>
+          <a:p>
+            <a:pPr lvl="1"/>
+            <a:r>
+              <a:rPr lang="ru-RU" dirty="0"/>
+              <a:t>Для </a:t>
+            </a:r>
+            <a:r>
+              <a:rPr lang="ru-RU" dirty="0" err="1"/>
+              <a:t>таймбоксинга</a:t>
+            </a:r>
+            <a:r>
+              <a:rPr lang="ru-RU" dirty="0"/>
+              <a:t> спринта используется Скорость (</a:t>
             </a:r>
             <a:r>
               <a:rPr lang="en-US" dirty="0"/>
-              <a:t> (sprint backlog)</a:t>
-            </a:r>
-            <a:endParaRPr lang="ru-RU" dirty="0"/>
-          </a:p>
-          <a:p>
-            <a:r>
-              <a:rPr lang="en-US" dirty="0"/>
-              <a:t>User story </a:t>
-            </a:r>
-            <a:r>
-              <a:rPr lang="ru-RU" dirty="0"/>
-              <a:t>декомпозируются на тех. задачи.</a:t>
-            </a:r>
-          </a:p>
-          <a:p>
-            <a:r>
-              <a:rPr lang="ru-RU" dirty="0"/>
-              <a:t>Все технические задачи имеют оценки</a:t>
-            </a:r>
-          </a:p>
-          <a:p>
-            <a:r>
-              <a:rPr lang="ru-RU" dirty="0"/>
-              <a:t>Все члены команды согласны с тем, что план может быть выполнен за итерацию</a:t>
-            </a:r>
-          </a:p>
-          <a:p>
-            <a:r>
-              <a:rPr lang="ru-RU" dirty="0"/>
-              <a:t>Каждая фича имеет приоритет внутри итерации</a:t>
-            </a:r>
-          </a:p>
-          <a:p>
-            <a:r>
-              <a:rPr lang="ru-RU" dirty="0"/>
-              <a:t>На планировании итерации технические задачи не назначаются на конкретных людей</a:t>
-            </a:r>
-          </a:p>
-          <a:p>
-            <a:endParaRPr lang="ru-RU" dirty="0"/>
+              <a:t>Velocity) </a:t>
+            </a:r>
+            <a:r>
+              <a:rPr lang="ru-RU" dirty="0"/>
+              <a:t>команды</a:t>
+            </a:r>
+            <a:endParaRPr lang="en-US" dirty="0"/>
+          </a:p>
+          <a:p>
+            <a:r>
+              <a:rPr lang="ru-RU" dirty="0"/>
+              <a:t>Декомпозиция задачи должна быть достаточно детальной. Для двухнедельной итерации рекомендованная длительность технической задачи – порядка дня (не более двух дней)</a:t>
+            </a:r>
+            <a:endParaRPr lang="en-US" dirty="0"/>
+          </a:p>
+          <a:p>
+            <a:endParaRPr lang="en-US" dirty="0"/>
           </a:p>
         </p:txBody>
       </p:sp>
     </p:spTree>
     <p:extLst>
       <p:ext uri="{BB962C8B-B14F-4D97-AF65-F5344CB8AC3E}">
-        <p14:creationId xmlns:p14="http://schemas.microsoft.com/office/powerpoint/2010/main" val="162520308"/>
+        <p14:creationId xmlns:p14="http://schemas.microsoft.com/office/powerpoint/2010/main" val="4115185465"/>
       </p:ext>
     </p:extLst>
   </p:cSld>
@@ -6735,7 +6901,7 @@
           <p:cNvPr id="2" name="Заголовок 1">
             <a:extLst>
               <a:ext uri="{FF2B5EF4-FFF2-40B4-BE49-F238E27FC236}">
-                <a16:creationId xmlns:a16="http://schemas.microsoft.com/office/drawing/2014/main" id="{4F03E458-859F-5646-9CDC-37CC20CA7645}"/>
+                <a16:creationId xmlns:a16="http://schemas.microsoft.com/office/drawing/2014/main" id="{44CE3D67-1E3E-2149-BCD0-C8C24669F2F2}"/>
               </a:ext>
             </a:extLst>
           </p:cNvPr>
@@ -6748,8 +6914,8 @@
         </p:nvSpPr>
         <p:spPr>
           <a:xfrm>
-            <a:off x="552893" y="365125"/>
-            <a:ext cx="10515600" cy="591805"/>
+            <a:off x="838200" y="365126"/>
+            <a:ext cx="10515600" cy="538642"/>
           </a:xfrm>
         </p:spPr>
         <p:txBody>
@@ -6775,7 +6941,7 @@
           <p:cNvPr id="3" name="Объект 2">
             <a:extLst>
               <a:ext uri="{FF2B5EF4-FFF2-40B4-BE49-F238E27FC236}">
-                <a16:creationId xmlns:a16="http://schemas.microsoft.com/office/drawing/2014/main" id="{CE222BD1-91E5-CE4C-9E0E-C493434C3161}"/>
+                <a16:creationId xmlns:a16="http://schemas.microsoft.com/office/drawing/2014/main" id="{1B580C34-B0FA-FF46-9595-C076364D27C3}"/>
               </a:ext>
             </a:extLst>
           </p:cNvPr>
@@ -6788,437 +6954,79 @@
         </p:nvSpPr>
         <p:spPr>
           <a:xfrm>
-            <a:off x="552893" y="1063256"/>
-            <a:ext cx="11100391" cy="5429619"/>
+            <a:off x="838200" y="1360967"/>
+            <a:ext cx="10515600" cy="4815996"/>
           </a:xfrm>
         </p:spPr>
         <p:txBody>
           <a:bodyPr>
-            <a:normAutofit fontScale="92500" lnSpcReduction="10000"/>
+            <a:normAutofit/>
           </a:bodyPr>
           <a:lstStyle/>
           <a:p>
-            <a:pPr marL="0" indent="0">
-              <a:buNone/>
-            </a:pPr>
-            <a:r>
-              <a:rPr lang="ru-RU" dirty="0"/>
-              <a:t>В ходе </a:t>
-            </a:r>
-            <a:r>
-              <a:rPr lang="en" dirty="0"/>
-              <a:t>Sprint Planning </a:t>
-            </a:r>
-            <a:r>
-              <a:rPr lang="ru-RU" dirty="0"/>
-              <a:t>рассматриваются следующие темы:</a:t>
-            </a:r>
-          </a:p>
-          <a:p>
-            <a:pPr marL="514350" indent="-514350">
-              <a:buAutoNum type="arabicPeriod"/>
-            </a:pPr>
-            <a:r>
-              <a:rPr lang="ru-RU" dirty="0"/>
-              <a:t>Почему этот </a:t>
-            </a:r>
-            <a:r>
-              <a:rPr lang="en" dirty="0"/>
-              <a:t>Sprint </a:t>
-            </a:r>
-            <a:r>
-              <a:rPr lang="ru-RU" dirty="0"/>
-              <a:t>ценен?</a:t>
-            </a:r>
-            <a:br>
-              <a:rPr lang="ru-RU" dirty="0"/>
-            </a:br>
-            <a:r>
-              <a:rPr lang="en" sz="2400" dirty="0">
-                <a:solidFill>
-                  <a:schemeClr val="tx1">
-                    <a:lumMod val="65000"/>
-                    <a:lumOff val="35000"/>
-                  </a:schemeClr>
-                </a:solidFill>
-              </a:rPr>
-              <a:t>Product Owner </a:t>
-            </a:r>
-            <a:r>
-              <a:rPr lang="ru-RU" sz="2400" dirty="0">
-                <a:solidFill>
-                  <a:schemeClr val="tx1">
-                    <a:lumMod val="65000"/>
-                    <a:lumOff val="35000"/>
-                  </a:schemeClr>
-                </a:solidFill>
-              </a:rPr>
-              <a:t>предлагает, как можно повысить ценность и практичность продукта в текущем </a:t>
-            </a:r>
-            <a:r>
-              <a:rPr lang="en" sz="2400" dirty="0">
-                <a:solidFill>
-                  <a:schemeClr val="tx1">
-                    <a:lumMod val="65000"/>
-                    <a:lumOff val="35000"/>
-                  </a:schemeClr>
-                </a:solidFill>
-              </a:rPr>
-              <a:t>Sprint.</a:t>
-            </a:r>
-            <a:br>
-              <a:rPr lang="ru-RU" sz="2400" dirty="0">
-                <a:solidFill>
-                  <a:schemeClr val="tx1">
-                    <a:lumMod val="65000"/>
-                    <a:lumOff val="35000"/>
-                  </a:schemeClr>
-                </a:solidFill>
-              </a:rPr>
-            </a:br>
-            <a:r>
-              <a:rPr lang="ru-RU" sz="2400" dirty="0">
-                <a:solidFill>
-                  <a:schemeClr val="tx1">
-                    <a:lumMod val="65000"/>
-                    <a:lumOff val="35000"/>
-                  </a:schemeClr>
-                </a:solidFill>
-              </a:rPr>
-              <a:t>Затем вся </a:t>
-            </a:r>
-            <a:r>
-              <a:rPr lang="en" sz="2400" dirty="0">
-                <a:solidFill>
-                  <a:schemeClr val="tx1">
-                    <a:lumMod val="65000"/>
-                    <a:lumOff val="35000"/>
-                  </a:schemeClr>
-                </a:solidFill>
-              </a:rPr>
-              <a:t>Scrum Team </a:t>
-            </a:r>
-            <a:r>
-              <a:rPr lang="ru-RU" sz="2400" dirty="0">
-                <a:solidFill>
-                  <a:schemeClr val="tx1">
-                    <a:lumMod val="65000"/>
-                    <a:lumOff val="35000"/>
-                  </a:schemeClr>
-                </a:solidFill>
-              </a:rPr>
-              <a:t>совместно определяет </a:t>
-            </a:r>
-            <a:r>
-              <a:rPr lang="en" sz="2400" dirty="0">
-                <a:solidFill>
-                  <a:schemeClr val="tx1">
-                    <a:lumMod val="65000"/>
-                    <a:lumOff val="35000"/>
-                  </a:schemeClr>
-                </a:solidFill>
-              </a:rPr>
-              <a:t>Sprint Goal, </a:t>
-            </a:r>
-            <a:r>
-              <a:rPr lang="ru-RU" sz="2400" dirty="0">
-                <a:solidFill>
-                  <a:schemeClr val="tx1">
-                    <a:lumMod val="65000"/>
-                    <a:lumOff val="35000"/>
-                  </a:schemeClr>
-                </a:solidFill>
-              </a:rPr>
-              <a:t>которая объясняет, почему </a:t>
-            </a:r>
-            <a:r>
-              <a:rPr lang="en" sz="2400" dirty="0">
-                <a:solidFill>
-                  <a:schemeClr val="tx1">
-                    <a:lumMod val="65000"/>
-                    <a:lumOff val="35000"/>
-                  </a:schemeClr>
-                </a:solidFill>
-              </a:rPr>
-              <a:t>Sprint</a:t>
-            </a:r>
-            <a:r>
-              <a:rPr lang="ru-RU" sz="2400" dirty="0">
-                <a:solidFill>
-                  <a:schemeClr val="tx1">
-                    <a:lumMod val="65000"/>
-                    <a:lumOff val="35000"/>
-                  </a:schemeClr>
-                </a:solidFill>
-              </a:rPr>
-              <a:t> ценен для заинтересованных лиц</a:t>
-            </a:r>
-          </a:p>
-          <a:p>
-            <a:pPr marL="514350" indent="-514350">
-              <a:buAutoNum type="arabicPeriod"/>
-            </a:pPr>
-            <a:r>
-              <a:rPr lang="ru-RU" dirty="0"/>
-              <a:t>Что может быть готово в этом </a:t>
-            </a:r>
-            <a:r>
-              <a:rPr lang="en" dirty="0"/>
-              <a:t>Sprint?</a:t>
-            </a:r>
-            <a:br>
-              <a:rPr lang="ru-RU" dirty="0"/>
-            </a:br>
-            <a:r>
-              <a:rPr lang="en" sz="2400" dirty="0">
-                <a:solidFill>
-                  <a:schemeClr val="tx1">
-                    <a:lumMod val="65000"/>
-                    <a:lumOff val="35000"/>
-                  </a:schemeClr>
-                </a:solidFill>
-              </a:rPr>
-              <a:t>Developers </a:t>
-            </a:r>
-            <a:r>
-              <a:rPr lang="ru-RU" sz="2400" dirty="0">
-                <a:solidFill>
-                  <a:schemeClr val="tx1">
-                    <a:lumMod val="65000"/>
-                    <a:lumOff val="35000"/>
-                  </a:schemeClr>
-                </a:solidFill>
-              </a:rPr>
-              <a:t>обсуждают с </a:t>
-            </a:r>
-            <a:r>
-              <a:rPr lang="en" sz="2400" dirty="0">
-                <a:solidFill>
-                  <a:schemeClr val="tx1">
-                    <a:lumMod val="65000"/>
-                    <a:lumOff val="35000"/>
-                  </a:schemeClr>
-                </a:solidFill>
-              </a:rPr>
-              <a:t>Product Owner, </a:t>
-            </a:r>
-            <a:r>
-              <a:rPr lang="ru-RU" sz="2400" dirty="0">
-                <a:solidFill>
-                  <a:schemeClr val="tx1">
-                    <a:lumMod val="65000"/>
-                    <a:lumOff val="35000"/>
-                  </a:schemeClr>
-                </a:solidFill>
-              </a:rPr>
-              <a:t>какие элементы </a:t>
-            </a:r>
-            <a:r>
-              <a:rPr lang="en" sz="2400" dirty="0">
-                <a:solidFill>
-                  <a:schemeClr val="tx1">
-                    <a:lumMod val="65000"/>
-                    <a:lumOff val="35000"/>
-                  </a:schemeClr>
-                </a:solidFill>
-              </a:rPr>
-              <a:t>Product Backlog </a:t>
-            </a:r>
-            <a:r>
-              <a:rPr lang="ru-RU" sz="2400" dirty="0">
-                <a:solidFill>
-                  <a:schemeClr val="tx1">
-                    <a:lumMod val="65000"/>
-                    <a:lumOff val="35000"/>
-                  </a:schemeClr>
-                </a:solidFill>
-              </a:rPr>
-              <a:t>выбрать для включения в текущий </a:t>
-            </a:r>
-            <a:r>
-              <a:rPr lang="en" sz="2400" dirty="0">
-                <a:solidFill>
-                  <a:schemeClr val="tx1">
-                    <a:lumMod val="65000"/>
-                    <a:lumOff val="35000"/>
-                  </a:schemeClr>
-                </a:solidFill>
-              </a:rPr>
-              <a:t>Sprint. </a:t>
-            </a:r>
-            <a:r>
-              <a:rPr lang="ru-RU" sz="2400" dirty="0">
-                <a:solidFill>
-                  <a:schemeClr val="tx1">
-                    <a:lumMod val="65000"/>
-                    <a:lumOff val="35000"/>
-                  </a:schemeClr>
-                </a:solidFill>
-              </a:rPr>
-              <a:t>Предварительно проводят оценку трудоёмкости в </a:t>
-            </a:r>
-            <a:r>
-              <a:rPr lang="en-US" sz="2400" dirty="0">
-                <a:solidFill>
-                  <a:schemeClr val="tx1">
-                    <a:lumMod val="65000"/>
-                    <a:lumOff val="35000"/>
-                  </a:schemeClr>
-                </a:solidFill>
-              </a:rPr>
-              <a:t>Story points.</a:t>
-            </a:r>
-          </a:p>
-          <a:p>
-            <a:pPr marL="514350" indent="-514350">
-              <a:buAutoNum type="arabicPeriod"/>
-            </a:pPr>
-            <a:r>
-              <a:rPr lang="ru-RU" dirty="0"/>
-              <a:t>Как будет выполняться выбранная работа?</a:t>
-            </a:r>
-            <a:br>
-              <a:rPr lang="ru-RU" sz="2400" dirty="0"/>
-            </a:br>
-            <a:r>
-              <a:rPr lang="en" sz="2400" dirty="0">
-                <a:solidFill>
-                  <a:schemeClr val="tx1">
-                    <a:lumMod val="65000"/>
-                    <a:lumOff val="35000"/>
-                  </a:schemeClr>
-                </a:solidFill>
-              </a:rPr>
-              <a:t>Developers </a:t>
-            </a:r>
-            <a:r>
-              <a:rPr lang="ru-RU" sz="2400" dirty="0">
-                <a:solidFill>
-                  <a:schemeClr val="tx1">
-                    <a:lumMod val="65000"/>
-                    <a:lumOff val="35000"/>
-                  </a:schemeClr>
-                </a:solidFill>
-              </a:rPr>
-              <a:t>для каждого выбранного элемента </a:t>
-            </a:r>
-            <a:r>
-              <a:rPr lang="en" sz="2400" dirty="0">
-                <a:solidFill>
-                  <a:schemeClr val="tx1">
-                    <a:lumMod val="65000"/>
-                    <a:lumOff val="35000"/>
-                  </a:schemeClr>
-                </a:solidFill>
-              </a:rPr>
-              <a:t>Product Backlog </a:t>
-            </a:r>
-            <a:r>
-              <a:rPr lang="ru-RU" sz="2400" dirty="0">
-                <a:solidFill>
-                  <a:schemeClr val="tx1">
-                    <a:lumMod val="65000"/>
-                    <a:lumOff val="35000"/>
-                  </a:schemeClr>
-                </a:solidFill>
-              </a:rPr>
-              <a:t>планируют работу, необходимую для создания </a:t>
-            </a:r>
-            <a:r>
-              <a:rPr lang="en" sz="2400" dirty="0">
-                <a:solidFill>
-                  <a:schemeClr val="tx1">
-                    <a:lumMod val="65000"/>
-                    <a:lumOff val="35000"/>
-                  </a:schemeClr>
-                </a:solidFill>
-              </a:rPr>
-              <a:t>Increment</a:t>
-            </a:r>
-            <a:r>
-              <a:rPr lang="ru-RU" sz="2400" dirty="0">
-                <a:solidFill>
-                  <a:schemeClr val="tx1">
-                    <a:lumMod val="65000"/>
-                    <a:lumOff val="35000"/>
-                  </a:schemeClr>
-                </a:solidFill>
-              </a:rPr>
-              <a:t>. Это делается путем декомпозиции элементов </a:t>
-            </a:r>
-            <a:r>
-              <a:rPr lang="en" sz="2400" dirty="0">
-                <a:solidFill>
-                  <a:schemeClr val="tx1">
-                    <a:lumMod val="65000"/>
-                    <a:lumOff val="35000"/>
-                  </a:schemeClr>
-                </a:solidFill>
-              </a:rPr>
-              <a:t>Product Backlog </a:t>
-            </a:r>
-            <a:r>
-              <a:rPr lang="ru-RU" sz="2400" dirty="0">
-                <a:solidFill>
-                  <a:schemeClr val="tx1">
-                    <a:lumMod val="65000"/>
-                    <a:lumOff val="35000"/>
-                  </a:schemeClr>
-                </a:solidFill>
-              </a:rPr>
-              <a:t>на более мелкие задачи продолжительностью не более одного дня.</a:t>
-            </a:r>
-          </a:p>
-          <a:p>
-            <a:pPr marL="0" indent="0">
-              <a:buNone/>
-            </a:pPr>
-            <a:r>
-              <a:rPr lang="en" sz="3000" dirty="0"/>
-              <a:t>Sprint Goal, </a:t>
-            </a:r>
-            <a:r>
-              <a:rPr lang="ru-RU" sz="3000" dirty="0"/>
-              <a:t>выбранные элементы </a:t>
-            </a:r>
-            <a:r>
-              <a:rPr lang="en" sz="3000" dirty="0"/>
-              <a:t>Product Backlog, </a:t>
-            </a:r>
-            <a:r>
-              <a:rPr lang="ru-RU" sz="3000" dirty="0"/>
-              <a:t>плюс план их реализации вместе называются </a:t>
-            </a:r>
-            <a:r>
-              <a:rPr lang="en" sz="3000" dirty="0"/>
-              <a:t>Sprint Backlog.</a:t>
-            </a:r>
-            <a:endParaRPr lang="en-US" sz="3000" dirty="0">
-              <a:solidFill>
-                <a:schemeClr val="tx1">
-                  <a:lumMod val="65000"/>
-                  <a:lumOff val="35000"/>
-                </a:schemeClr>
-              </a:solidFill>
-            </a:endParaRPr>
-          </a:p>
-          <a:p>
-            <a:pPr marL="514350" indent="-514350">
-              <a:buAutoNum type="arabicPeriod"/>
-            </a:pPr>
-            <a:endParaRPr lang="ru-RU" sz="2400" dirty="0">
-              <a:solidFill>
-                <a:schemeClr val="tx1">
-                  <a:lumMod val="65000"/>
-                  <a:lumOff val="35000"/>
-                </a:schemeClr>
-              </a:solidFill>
-            </a:endParaRPr>
-          </a:p>
-          <a:p>
-            <a:pPr marL="514350" indent="-514350">
-              <a:buAutoNum type="arabicPeriod"/>
-            </a:pPr>
+            <a:r>
+              <a:rPr lang="en" dirty="0"/>
+              <a:t>PO </a:t>
+            </a:r>
+            <a:r>
+              <a:rPr lang="ru-RU" dirty="0"/>
+              <a:t>и члены команды участвуют все (очень желательно, лично)</a:t>
+            </a:r>
+          </a:p>
+          <a:p>
+            <a:r>
+              <a:rPr lang="ru-RU" dirty="0"/>
+              <a:t>Результат встречи — цель спринта (</a:t>
+            </a:r>
+            <a:r>
+              <a:rPr lang="en-US" dirty="0"/>
+              <a:t>sprint goal</a:t>
+            </a:r>
+            <a:r>
+              <a:rPr lang="ru-RU" dirty="0"/>
+              <a:t>) и план итерации</a:t>
+            </a:r>
+            <a:r>
+              <a:rPr lang="en-US" dirty="0"/>
+              <a:t> (sprint backlog)</a:t>
+            </a:r>
+            <a:endParaRPr lang="ru-RU" dirty="0"/>
+          </a:p>
+          <a:p>
+            <a:r>
+              <a:rPr lang="en-US" dirty="0"/>
+              <a:t>User story </a:t>
+            </a:r>
+            <a:r>
+              <a:rPr lang="ru-RU" dirty="0"/>
+              <a:t>декомпозируются на тех. задачи.</a:t>
+            </a:r>
+          </a:p>
+          <a:p>
+            <a:r>
+              <a:rPr lang="ru-RU" dirty="0"/>
+              <a:t>Все технические задачи имеют оценки</a:t>
+            </a:r>
+          </a:p>
+          <a:p>
+            <a:r>
+              <a:rPr lang="ru-RU" dirty="0"/>
+              <a:t>Все члены команды согласны с тем, что план может быть выполнен за итерацию</a:t>
+            </a:r>
+          </a:p>
+          <a:p>
+            <a:r>
+              <a:rPr lang="ru-RU" dirty="0"/>
+              <a:t>Каждая фича имеет приоритет внутри итерации</a:t>
+            </a:r>
+          </a:p>
+          <a:p>
+            <a:r>
+              <a:rPr lang="ru-RU" dirty="0"/>
+              <a:t>На планировании итерации технические задачи не назначаются на конкретных людей</a:t>
+            </a:r>
+          </a:p>
+          <a:p>
             <a:endParaRPr lang="ru-RU" dirty="0"/>
           </a:p>
         </p:txBody>
@@ -7226,7 +7034,7 @@
     </p:spTree>
     <p:extLst>
       <p:ext uri="{BB962C8B-B14F-4D97-AF65-F5344CB8AC3E}">
-        <p14:creationId xmlns:p14="http://schemas.microsoft.com/office/powerpoint/2010/main" val="1944600146"/>
+        <p14:creationId xmlns:p14="http://schemas.microsoft.com/office/powerpoint/2010/main" val="162520308"/>
       </p:ext>
     </p:extLst>
   </p:cSld>
@@ -7258,7 +7066,7 @@
           <p:cNvPr id="2" name="Заголовок 1">
             <a:extLst>
               <a:ext uri="{FF2B5EF4-FFF2-40B4-BE49-F238E27FC236}">
-                <a16:creationId xmlns:a16="http://schemas.microsoft.com/office/drawing/2014/main" id="{6E550FEC-7E6D-494F-BF7B-025726F63DEB}"/>
+                <a16:creationId xmlns:a16="http://schemas.microsoft.com/office/drawing/2014/main" id="{4F03E458-859F-5646-9CDC-37CC20CA7645}"/>
               </a:ext>
             </a:extLst>
           </p:cNvPr>
@@ -7271,8 +7079,8 @@
         </p:nvSpPr>
         <p:spPr>
           <a:xfrm>
-            <a:off x="753140" y="406399"/>
-            <a:ext cx="10515600" cy="549275"/>
+            <a:off x="552893" y="365125"/>
+            <a:ext cx="10515600" cy="591805"/>
           </a:xfrm>
         </p:spPr>
         <p:txBody>
@@ -7283,16 +7091,13 @@
           <a:p>
             <a:r>
               <a:rPr lang="ru-RU" dirty="0"/>
-              <a:t>Пользовательские истории (</a:t>
-            </a:r>
-            <a:r>
-              <a:rPr lang="en" b="1" dirty="0"/>
-              <a:t>User Story</a:t>
-            </a:r>
-            <a:r>
-              <a:rPr lang="ru-RU" dirty="0"/>
-              <a:t>)</a:t>
-            </a:r>
+              <a:t>Планирование спринта (</a:t>
+            </a:r>
+            <a:r>
+              <a:rPr lang="en" dirty="0"/>
+              <a:t>sprint planning)</a:t>
+            </a:r>
+            <a:endParaRPr lang="ru-RU" dirty="0"/>
           </a:p>
         </p:txBody>
       </p:sp>
@@ -7301,7 +7106,7 @@
           <p:cNvPr id="3" name="Объект 2">
             <a:extLst>
               <a:ext uri="{FF2B5EF4-FFF2-40B4-BE49-F238E27FC236}">
-                <a16:creationId xmlns:a16="http://schemas.microsoft.com/office/drawing/2014/main" id="{A9269475-3571-AE4B-978C-E6C31A163C34}"/>
+                <a16:creationId xmlns:a16="http://schemas.microsoft.com/office/drawing/2014/main" id="{CE222BD1-91E5-CE4C-9E0E-C493434C3161}"/>
               </a:ext>
             </a:extLst>
           </p:cNvPr>
@@ -7314,13 +7119,13 @@
         </p:nvSpPr>
         <p:spPr>
           <a:xfrm>
-            <a:off x="838200" y="1158949"/>
-            <a:ext cx="10515600" cy="5018014"/>
+            <a:off x="552893" y="1063256"/>
+            <a:ext cx="11100391" cy="5429619"/>
           </a:xfrm>
         </p:spPr>
         <p:txBody>
           <a:bodyPr>
-            <a:normAutofit lnSpcReduction="10000"/>
+            <a:normAutofit fontScale="92500" lnSpcReduction="10000"/>
           </a:bodyPr>
           <a:lstStyle/>
           <a:p>
@@ -7328,12 +7133,371 @@
               <a:buNone/>
             </a:pPr>
             <a:r>
-              <a:rPr lang="en" dirty="0"/>
-              <a:t>User Story (</a:t>
-            </a:r>
-            <a:r>
-              <a:rPr lang="ru-RU" dirty="0"/>
-              <a:t>пользовательская история) — короткая формулировка намерения пользователя и что продукт должен сделать для него.</a:t>
+              <a:rPr lang="ru-RU" dirty="0"/>
+              <a:t>В ходе </a:t>
+            </a:r>
+            <a:r>
+              <a:rPr lang="en" dirty="0"/>
+              <a:t>Sprint Planning </a:t>
+            </a:r>
+            <a:r>
+              <a:rPr lang="ru-RU" dirty="0"/>
+              <a:t>рассматриваются следующие темы:</a:t>
+            </a:r>
+          </a:p>
+          <a:p>
+            <a:pPr marL="514350" indent="-514350">
+              <a:buAutoNum type="arabicPeriod"/>
+            </a:pPr>
+            <a:r>
+              <a:rPr lang="ru-RU" dirty="0"/>
+              <a:t>Почему этот </a:t>
+            </a:r>
+            <a:r>
+              <a:rPr lang="en" dirty="0"/>
+              <a:t>Sprint </a:t>
+            </a:r>
+            <a:r>
+              <a:rPr lang="ru-RU" dirty="0"/>
+              <a:t>ценен?</a:t>
+            </a:r>
+            <a:br>
+              <a:rPr lang="ru-RU" dirty="0"/>
+            </a:br>
+            <a:r>
+              <a:rPr lang="en" sz="2400" dirty="0">
+                <a:solidFill>
+                  <a:schemeClr val="tx1">
+                    <a:lumMod val="65000"/>
+                    <a:lumOff val="35000"/>
+                  </a:schemeClr>
+                </a:solidFill>
+              </a:rPr>
+              <a:t>Product Owner </a:t>
+            </a:r>
+            <a:r>
+              <a:rPr lang="ru-RU" sz="2400" dirty="0">
+                <a:solidFill>
+                  <a:schemeClr val="tx1">
+                    <a:lumMod val="65000"/>
+                    <a:lumOff val="35000"/>
+                  </a:schemeClr>
+                </a:solidFill>
+              </a:rPr>
+              <a:t>предлагает, как можно повысить ценность и практичность продукта в текущем </a:t>
+            </a:r>
+            <a:r>
+              <a:rPr lang="en" sz="2400" dirty="0">
+                <a:solidFill>
+                  <a:schemeClr val="tx1">
+                    <a:lumMod val="65000"/>
+                    <a:lumOff val="35000"/>
+                  </a:schemeClr>
+                </a:solidFill>
+              </a:rPr>
+              <a:t>Sprint.</a:t>
+            </a:r>
+            <a:br>
+              <a:rPr lang="ru-RU" sz="2400" dirty="0">
+                <a:solidFill>
+                  <a:schemeClr val="tx1">
+                    <a:lumMod val="65000"/>
+                    <a:lumOff val="35000"/>
+                  </a:schemeClr>
+                </a:solidFill>
+              </a:rPr>
+            </a:br>
+            <a:r>
+              <a:rPr lang="ru-RU" sz="2400" dirty="0">
+                <a:solidFill>
+                  <a:schemeClr val="tx1">
+                    <a:lumMod val="65000"/>
+                    <a:lumOff val="35000"/>
+                  </a:schemeClr>
+                </a:solidFill>
+              </a:rPr>
+              <a:t>Затем вся </a:t>
+            </a:r>
+            <a:r>
+              <a:rPr lang="en" sz="2400" dirty="0">
+                <a:solidFill>
+                  <a:schemeClr val="tx1">
+                    <a:lumMod val="65000"/>
+                    <a:lumOff val="35000"/>
+                  </a:schemeClr>
+                </a:solidFill>
+              </a:rPr>
+              <a:t>Scrum Team </a:t>
+            </a:r>
+            <a:r>
+              <a:rPr lang="ru-RU" sz="2400" dirty="0">
+                <a:solidFill>
+                  <a:schemeClr val="tx1">
+                    <a:lumMod val="65000"/>
+                    <a:lumOff val="35000"/>
+                  </a:schemeClr>
+                </a:solidFill>
+              </a:rPr>
+              <a:t>совместно определяет </a:t>
+            </a:r>
+            <a:r>
+              <a:rPr lang="en" sz="2400" dirty="0">
+                <a:solidFill>
+                  <a:schemeClr val="tx1">
+                    <a:lumMod val="65000"/>
+                    <a:lumOff val="35000"/>
+                  </a:schemeClr>
+                </a:solidFill>
+              </a:rPr>
+              <a:t>Sprint Goal, </a:t>
+            </a:r>
+            <a:r>
+              <a:rPr lang="ru-RU" sz="2400" dirty="0">
+                <a:solidFill>
+                  <a:schemeClr val="tx1">
+                    <a:lumMod val="65000"/>
+                    <a:lumOff val="35000"/>
+                  </a:schemeClr>
+                </a:solidFill>
+              </a:rPr>
+              <a:t>которая объясняет, почему </a:t>
+            </a:r>
+            <a:r>
+              <a:rPr lang="en" sz="2400" dirty="0">
+                <a:solidFill>
+                  <a:schemeClr val="tx1">
+                    <a:lumMod val="65000"/>
+                    <a:lumOff val="35000"/>
+                  </a:schemeClr>
+                </a:solidFill>
+              </a:rPr>
+              <a:t>Sprint</a:t>
+            </a:r>
+            <a:r>
+              <a:rPr lang="ru-RU" sz="2400" dirty="0">
+                <a:solidFill>
+                  <a:schemeClr val="tx1">
+                    <a:lumMod val="65000"/>
+                    <a:lumOff val="35000"/>
+                  </a:schemeClr>
+                </a:solidFill>
+              </a:rPr>
+              <a:t> ценен для заинтересованных лиц</a:t>
+            </a:r>
+          </a:p>
+          <a:p>
+            <a:pPr marL="514350" indent="-514350">
+              <a:buAutoNum type="arabicPeriod"/>
+            </a:pPr>
+            <a:r>
+              <a:rPr lang="ru-RU" dirty="0"/>
+              <a:t>Что может быть готово в этом </a:t>
+            </a:r>
+            <a:r>
+              <a:rPr lang="en" dirty="0"/>
+              <a:t>Sprint?</a:t>
+            </a:r>
+            <a:br>
+              <a:rPr lang="ru-RU" dirty="0"/>
+            </a:br>
+            <a:r>
+              <a:rPr lang="en" sz="2400" dirty="0">
+                <a:solidFill>
+                  <a:schemeClr val="tx1">
+                    <a:lumMod val="65000"/>
+                    <a:lumOff val="35000"/>
+                  </a:schemeClr>
+                </a:solidFill>
+              </a:rPr>
+              <a:t>Developers </a:t>
+            </a:r>
+            <a:r>
+              <a:rPr lang="ru-RU" sz="2400" dirty="0">
+                <a:solidFill>
+                  <a:schemeClr val="tx1">
+                    <a:lumMod val="65000"/>
+                    <a:lumOff val="35000"/>
+                  </a:schemeClr>
+                </a:solidFill>
+              </a:rPr>
+              <a:t>обсуждают с </a:t>
+            </a:r>
+            <a:r>
+              <a:rPr lang="en" sz="2400" dirty="0">
+                <a:solidFill>
+                  <a:schemeClr val="tx1">
+                    <a:lumMod val="65000"/>
+                    <a:lumOff val="35000"/>
+                  </a:schemeClr>
+                </a:solidFill>
+              </a:rPr>
+              <a:t>Product Owner, </a:t>
+            </a:r>
+            <a:r>
+              <a:rPr lang="ru-RU" sz="2400" dirty="0">
+                <a:solidFill>
+                  <a:schemeClr val="tx1">
+                    <a:lumMod val="65000"/>
+                    <a:lumOff val="35000"/>
+                  </a:schemeClr>
+                </a:solidFill>
+              </a:rPr>
+              <a:t>какие элементы </a:t>
+            </a:r>
+            <a:r>
+              <a:rPr lang="en" sz="2400" dirty="0">
+                <a:solidFill>
+                  <a:schemeClr val="tx1">
+                    <a:lumMod val="65000"/>
+                    <a:lumOff val="35000"/>
+                  </a:schemeClr>
+                </a:solidFill>
+              </a:rPr>
+              <a:t>Product Backlog </a:t>
+            </a:r>
+            <a:r>
+              <a:rPr lang="ru-RU" sz="2400" dirty="0">
+                <a:solidFill>
+                  <a:schemeClr val="tx1">
+                    <a:lumMod val="65000"/>
+                    <a:lumOff val="35000"/>
+                  </a:schemeClr>
+                </a:solidFill>
+              </a:rPr>
+              <a:t>выбрать для включения в текущий </a:t>
+            </a:r>
+            <a:r>
+              <a:rPr lang="en" sz="2400" dirty="0">
+                <a:solidFill>
+                  <a:schemeClr val="tx1">
+                    <a:lumMod val="65000"/>
+                    <a:lumOff val="35000"/>
+                  </a:schemeClr>
+                </a:solidFill>
+              </a:rPr>
+              <a:t>Sprint. </a:t>
+            </a:r>
+            <a:r>
+              <a:rPr lang="ru-RU" sz="2400" dirty="0">
+                <a:solidFill>
+                  <a:schemeClr val="tx1">
+                    <a:lumMod val="65000"/>
+                    <a:lumOff val="35000"/>
+                  </a:schemeClr>
+                </a:solidFill>
+              </a:rPr>
+              <a:t>Предварительно проводят оценку трудоёмкости в </a:t>
+            </a:r>
+            <a:r>
+              <a:rPr lang="en-US" sz="2400" dirty="0">
+                <a:solidFill>
+                  <a:schemeClr val="tx1">
+                    <a:lumMod val="65000"/>
+                    <a:lumOff val="35000"/>
+                  </a:schemeClr>
+                </a:solidFill>
+              </a:rPr>
+              <a:t>Story points.</a:t>
+            </a:r>
+          </a:p>
+          <a:p>
+            <a:pPr marL="514350" indent="-514350">
+              <a:buAutoNum type="arabicPeriod"/>
+            </a:pPr>
+            <a:r>
+              <a:rPr lang="ru-RU" dirty="0"/>
+              <a:t>Как будет выполняться выбранная работа?</a:t>
+            </a:r>
+            <a:br>
+              <a:rPr lang="ru-RU" sz="2400" dirty="0"/>
+            </a:br>
+            <a:r>
+              <a:rPr lang="en" sz="2400" dirty="0">
+                <a:solidFill>
+                  <a:schemeClr val="tx1">
+                    <a:lumMod val="65000"/>
+                    <a:lumOff val="35000"/>
+                  </a:schemeClr>
+                </a:solidFill>
+              </a:rPr>
+              <a:t>Developers </a:t>
+            </a:r>
+            <a:r>
+              <a:rPr lang="ru-RU" sz="2400" dirty="0">
+                <a:solidFill>
+                  <a:schemeClr val="tx1">
+                    <a:lumMod val="65000"/>
+                    <a:lumOff val="35000"/>
+                  </a:schemeClr>
+                </a:solidFill>
+              </a:rPr>
+              <a:t>для каждого выбранного элемента </a:t>
+            </a:r>
+            <a:r>
+              <a:rPr lang="en" sz="2400" dirty="0">
+                <a:solidFill>
+                  <a:schemeClr val="tx1">
+                    <a:lumMod val="65000"/>
+                    <a:lumOff val="35000"/>
+                  </a:schemeClr>
+                </a:solidFill>
+              </a:rPr>
+              <a:t>Product Backlog </a:t>
+            </a:r>
+            <a:r>
+              <a:rPr lang="ru-RU" sz="2400" dirty="0">
+                <a:solidFill>
+                  <a:schemeClr val="tx1">
+                    <a:lumMod val="65000"/>
+                    <a:lumOff val="35000"/>
+                  </a:schemeClr>
+                </a:solidFill>
+              </a:rPr>
+              <a:t>планируют работу, необходимую для создания </a:t>
+            </a:r>
+            <a:r>
+              <a:rPr lang="en" sz="2400" dirty="0">
+                <a:solidFill>
+                  <a:schemeClr val="tx1">
+                    <a:lumMod val="65000"/>
+                    <a:lumOff val="35000"/>
+                  </a:schemeClr>
+                </a:solidFill>
+              </a:rPr>
+              <a:t>Increment</a:t>
+            </a:r>
+            <a:r>
+              <a:rPr lang="ru-RU" sz="2400" dirty="0">
+                <a:solidFill>
+                  <a:schemeClr val="tx1">
+                    <a:lumMod val="65000"/>
+                    <a:lumOff val="35000"/>
+                  </a:schemeClr>
+                </a:solidFill>
+              </a:rPr>
+              <a:t>. Это делается путем декомпозиции элементов </a:t>
+            </a:r>
+            <a:r>
+              <a:rPr lang="en" sz="2400" dirty="0">
+                <a:solidFill>
+                  <a:schemeClr val="tx1">
+                    <a:lumMod val="65000"/>
+                    <a:lumOff val="35000"/>
+                  </a:schemeClr>
+                </a:solidFill>
+              </a:rPr>
+              <a:t>Product Backlog </a:t>
+            </a:r>
+            <a:r>
+              <a:rPr lang="ru-RU" sz="2400" dirty="0">
+                <a:solidFill>
+                  <a:schemeClr val="tx1">
+                    <a:lumMod val="65000"/>
+                    <a:lumOff val="35000"/>
+                  </a:schemeClr>
+                </a:solidFill>
+              </a:rPr>
+              <a:t>на более мелкие задачи продолжительностью не более одного дня.</a:t>
             </a:r>
           </a:p>
           <a:p>
@@ -7341,59 +7505,50 @@
               <a:buNone/>
             </a:pPr>
             <a:r>
-              <a:rPr lang="ru-RU" b="1" dirty="0"/>
-              <a:t>Для чего применяется </a:t>
-            </a:r>
-            <a:r>
-              <a:rPr lang="en" b="1" dirty="0"/>
-              <a:t>User Story?</a:t>
-            </a:r>
-          </a:p>
-          <a:p>
-            <a:r>
-              <a:rPr lang="ru-RU" dirty="0"/>
-              <a:t>Для описания элементов </a:t>
-            </a:r>
-            <a:r>
-              <a:rPr lang="ru-RU" dirty="0" err="1"/>
-              <a:t>бэклога</a:t>
-            </a:r>
-            <a:endParaRPr lang="ru-RU" dirty="0"/>
-          </a:p>
-          <a:p>
-            <a:r>
-              <a:rPr lang="ru-RU" dirty="0"/>
-              <a:t>Для лучшего понимания пользователей</a:t>
-            </a:r>
-          </a:p>
-          <a:p>
-            <a:r>
-              <a:rPr lang="ru-RU" dirty="0"/>
-              <a:t>Для описания требований к продукту на понятном для всех языке: пользователей, разработчиков другие заинтересованных лиц</a:t>
-            </a:r>
-          </a:p>
-          <a:p>
-            <a:r>
-              <a:rPr lang="ru-RU" dirty="0"/>
-              <a:t>Для вовлечения в процесс разработки пользователей и заинтересованных лиц</a:t>
-            </a:r>
-          </a:p>
-          <a:p>
-            <a:r>
-              <a:rPr lang="ru-RU" dirty="0"/>
-              <a:t>Для построения </a:t>
-            </a:r>
-            <a:r>
-              <a:rPr lang="en" dirty="0">
-                <a:hlinkClick r:id="rId2"/>
-              </a:rPr>
-              <a:t>User Story Mapping</a:t>
-            </a:r>
-            <a:endParaRPr lang="en" dirty="0"/>
-          </a:p>
-          <a:p>
-            <a:pPr marL="0" indent="0">
-              <a:buNone/>
+              <a:rPr lang="en" sz="3000" dirty="0"/>
+              <a:t>Sprint Goal, </a:t>
+            </a:r>
+            <a:r>
+              <a:rPr lang="ru-RU" sz="3000" dirty="0"/>
+              <a:t>выбранные элементы </a:t>
+            </a:r>
+            <a:r>
+              <a:rPr lang="en" sz="3000" dirty="0"/>
+              <a:t>Product Backlog, </a:t>
+            </a:r>
+            <a:r>
+              <a:rPr lang="ru-RU" sz="3000" dirty="0"/>
+              <a:t>плюс план их реализации вместе называются </a:t>
+            </a:r>
+            <a:r>
+              <a:rPr lang="en" sz="3000" dirty="0"/>
+              <a:t>Sprint Backlog.</a:t>
+            </a:r>
+            <a:endParaRPr lang="en-US" sz="3000" dirty="0">
+              <a:solidFill>
+                <a:schemeClr val="tx1">
+                  <a:lumMod val="65000"/>
+                  <a:lumOff val="35000"/>
+                </a:schemeClr>
+              </a:solidFill>
+            </a:endParaRPr>
+          </a:p>
+          <a:p>
+            <a:pPr marL="514350" indent="-514350">
+              <a:buAutoNum type="arabicPeriod"/>
+            </a:pPr>
+            <a:endParaRPr lang="ru-RU" sz="2400" dirty="0">
+              <a:solidFill>
+                <a:schemeClr val="tx1">
+                  <a:lumMod val="65000"/>
+                  <a:lumOff val="35000"/>
+                </a:schemeClr>
+              </a:solidFill>
+            </a:endParaRPr>
+          </a:p>
+          <a:p>
+            <a:pPr marL="514350" indent="-514350">
+              <a:buAutoNum type="arabicPeriod"/>
             </a:pPr>
             <a:endParaRPr lang="ru-RU" dirty="0"/>
           </a:p>
@@ -7402,7 +7557,7 @@
     </p:spTree>
     <p:extLst>
       <p:ext uri="{BB962C8B-B14F-4D97-AF65-F5344CB8AC3E}">
-        <p14:creationId xmlns:p14="http://schemas.microsoft.com/office/powerpoint/2010/main" val="3945523104"/>
+        <p14:creationId xmlns:p14="http://schemas.microsoft.com/office/powerpoint/2010/main" val="1944600146"/>
       </p:ext>
     </p:extLst>
   </p:cSld>
@@ -7434,7 +7589,7 @@
           <p:cNvPr id="2" name="Заголовок 1">
             <a:extLst>
               <a:ext uri="{FF2B5EF4-FFF2-40B4-BE49-F238E27FC236}">
-                <a16:creationId xmlns:a16="http://schemas.microsoft.com/office/drawing/2014/main" id="{C3E30250-E032-AC48-AEE1-B6C023C22A4E}"/>
+                <a16:creationId xmlns:a16="http://schemas.microsoft.com/office/drawing/2014/main" id="{6E550FEC-7E6D-494F-BF7B-025726F63DEB}"/>
               </a:ext>
             </a:extLst>
           </p:cNvPr>
@@ -7447,8 +7602,8 @@
         </p:nvSpPr>
         <p:spPr>
           <a:xfrm>
-            <a:off x="838200" y="365125"/>
-            <a:ext cx="10515600" cy="644967"/>
+            <a:off x="753140" y="406399"/>
+            <a:ext cx="10515600" cy="549275"/>
           </a:xfrm>
         </p:spPr>
         <p:txBody>
@@ -7459,19 +7614,11 @@
           <a:p>
             <a:r>
               <a:rPr lang="ru-RU" dirty="0"/>
-              <a:t>Дейли /</a:t>
-            </a:r>
-            <a:r>
-              <a:rPr lang="en-US" dirty="0"/>
-              <a:t> </a:t>
-            </a:r>
-            <a:r>
-              <a:rPr lang="ru-RU" dirty="0"/>
-              <a:t>стендап (</a:t>
-            </a:r>
-            <a:r>
-              <a:rPr lang="en-US" dirty="0"/>
-              <a:t>Daily scrum</a:t>
+              <a:t>Пользовательские истории (</a:t>
+            </a:r>
+            <a:r>
+              <a:rPr lang="en" b="1" dirty="0"/>
+              <a:t>User Story</a:t>
             </a:r>
             <a:r>
               <a:rPr lang="ru-RU" dirty="0"/>
@@ -7485,7 +7632,7 @@
           <p:cNvPr id="3" name="Объект 2">
             <a:extLst>
               <a:ext uri="{FF2B5EF4-FFF2-40B4-BE49-F238E27FC236}">
-                <a16:creationId xmlns:a16="http://schemas.microsoft.com/office/drawing/2014/main" id="{E099FA63-454D-1444-A6FE-E0765533DC43}"/>
+                <a16:creationId xmlns:a16="http://schemas.microsoft.com/office/drawing/2014/main" id="{A9269475-3571-AE4B-978C-E6C31A163C34}"/>
               </a:ext>
             </a:extLst>
           </p:cNvPr>
@@ -7498,134 +7645,95 @@
         </p:nvSpPr>
         <p:spPr>
           <a:xfrm>
-            <a:off x="838200" y="1127051"/>
-            <a:ext cx="10515600" cy="5049912"/>
+            <a:off x="838200" y="1158949"/>
+            <a:ext cx="10515600" cy="5018014"/>
           </a:xfrm>
         </p:spPr>
         <p:txBody>
-          <a:bodyPr/>
+          <a:bodyPr>
+            <a:normAutofit lnSpcReduction="10000"/>
+          </a:bodyPr>
           <a:lstStyle/>
           <a:p>
             <a:pPr marL="0" indent="0">
               <a:buNone/>
             </a:pPr>
             <a:r>
-              <a:rPr lang="ru-RU" dirty="0"/>
-              <a:t>Стендап </a:t>
-            </a:r>
-            <a:r>
-              <a:rPr lang="en-US" dirty="0"/>
-              <a:t>/ </a:t>
-            </a:r>
-            <a:r>
-              <a:rPr lang="ru-RU" dirty="0"/>
-              <a:t>Дейли (</a:t>
-            </a:r>
-            <a:r>
-              <a:rPr lang="en-US" dirty="0"/>
-              <a:t>Standup, Daily meeting, Daily scrum</a:t>
-            </a:r>
-            <a:r>
-              <a:rPr lang="ru-RU" dirty="0"/>
-              <a:t>).</a:t>
-            </a:r>
-          </a:p>
-          <a:p>
-            <a:pPr marL="0" indent="0">
-              <a:spcBef>
-                <a:spcPts val="1600"/>
-              </a:spcBef>
-              <a:buNone/>
-            </a:pPr>
-            <a:r>
-              <a:rPr lang="ru-RU" dirty="0"/>
-              <a:t>Короткая ежедневная встреча, предназначенная для синхронизации работы команды.</a:t>
-            </a:r>
-          </a:p>
-          <a:p>
-            <a:pPr marL="0" indent="0">
-              <a:spcBef>
-                <a:spcPts val="1600"/>
-              </a:spcBef>
-              <a:buNone/>
-            </a:pPr>
-            <a:r>
-              <a:rPr lang="ru-RU" dirty="0"/>
-              <a:t>Проводит митинг скрам-мастер. Он спрашивает по кругу всех членов команды, задавая 3 вопроса:</a:t>
-            </a:r>
-          </a:p>
-          <a:p>
-            <a:pPr marL="36000" indent="0">
-              <a:lnSpc>
-                <a:spcPct val="100000"/>
-              </a:lnSpc>
-              <a:spcBef>
-                <a:spcPts val="0"/>
-              </a:spcBef>
-              <a:buNone/>
-            </a:pPr>
-            <a:r>
-              <a:rPr lang="ru-RU" dirty="0"/>
-              <a:t>1. Что сделано вчера</a:t>
-            </a:r>
-          </a:p>
-          <a:p>
-            <a:pPr marL="36000" indent="0">
-              <a:lnSpc>
-                <a:spcPct val="100000"/>
-              </a:lnSpc>
-              <a:spcBef>
-                <a:spcPts val="0"/>
-              </a:spcBef>
-              <a:buNone/>
-            </a:pPr>
-            <a:r>
-              <a:rPr lang="ru-RU" dirty="0"/>
-              <a:t>2. Что будет сделано сегодня?</a:t>
-            </a:r>
-          </a:p>
-          <a:p>
-            <a:pPr marL="36000" indent="0">
-              <a:lnSpc>
-                <a:spcPct val="100000"/>
-              </a:lnSpc>
-              <a:spcBef>
-                <a:spcPts val="0"/>
-              </a:spcBef>
-              <a:buNone/>
-            </a:pPr>
-            <a:r>
-              <a:rPr lang="ru-RU" dirty="0"/>
-              <a:t>3. С какими проблемами столкнулся / нужна ли помощь?</a:t>
-            </a:r>
-          </a:p>
-          <a:p>
-            <a:pPr marL="0" indent="0">
-              <a:lnSpc>
-                <a:spcPct val="100000"/>
-              </a:lnSpc>
-              <a:spcBef>
-                <a:spcPts val="1200"/>
-              </a:spcBef>
-              <a:buNone/>
-            </a:pPr>
-            <a:r>
-              <a:rPr lang="ru-RU" dirty="0"/>
-              <a:t>Задача скрам-мастера — останавливать такие не относящиеся к теме обсуждения и выносить их за пределы встречи.</a:t>
+              <a:rPr lang="en" dirty="0"/>
+              <a:t>User Story (</a:t>
+            </a:r>
+            <a:r>
+              <a:rPr lang="ru-RU" dirty="0"/>
+              <a:t>пользовательская история) — короткая формулировка намерения пользователя и что продукт должен сделать для него.</a:t>
             </a:r>
           </a:p>
           <a:p>
             <a:pPr marL="0" indent="0">
               <a:buNone/>
             </a:pPr>
-            <a:endParaRPr lang="en-US" dirty="0"/>
+            <a:r>
+              <a:rPr lang="ru-RU" b="1" dirty="0"/>
+              <a:t>Для чего применяется </a:t>
+            </a:r>
+            <a:r>
+              <a:rPr lang="en" b="1" dirty="0"/>
+              <a:t>User Story?</a:t>
+            </a:r>
+          </a:p>
+          <a:p>
+            <a:r>
+              <a:rPr lang="ru-RU" dirty="0"/>
+              <a:t>Для описания элементов </a:t>
+            </a:r>
+            <a:r>
+              <a:rPr lang="ru-RU" dirty="0" err="1"/>
+              <a:t>бэклога</a:t>
+            </a:r>
+            <a:endParaRPr lang="ru-RU" dirty="0"/>
+          </a:p>
+          <a:p>
+            <a:r>
+              <a:rPr lang="ru-RU" dirty="0"/>
+              <a:t>Для лучшего понимания пользователей</a:t>
+            </a:r>
+          </a:p>
+          <a:p>
+            <a:r>
+              <a:rPr lang="ru-RU" dirty="0"/>
+              <a:t>Для описания требований к продукту на понятном для всех языке: пользователей, разработчиков другие заинтересованных лиц</a:t>
+            </a:r>
+          </a:p>
+          <a:p>
+            <a:r>
+              <a:rPr lang="ru-RU" dirty="0"/>
+              <a:t>Для вовлечения в процесс разработки пользователей и заинтересованных лиц</a:t>
+            </a:r>
+          </a:p>
+          <a:p>
+            <a:r>
+              <a:rPr lang="ru-RU" dirty="0"/>
+              <a:t>Для построения </a:t>
+            </a:r>
+            <a:r>
+              <a:rPr lang="en" dirty="0">
+                <a:hlinkClick r:id="rId2"/>
+              </a:rPr>
+              <a:t>User Story Mapping</a:t>
+            </a:r>
+            <a:endParaRPr lang="en" dirty="0"/>
+          </a:p>
+          <a:p>
+            <a:pPr marL="0" indent="0">
+              <a:buNone/>
+            </a:pPr>
+            <a:endParaRPr lang="ru-RU" dirty="0"/>
           </a:p>
         </p:txBody>
       </p:sp>
     </p:spTree>
     <p:extLst>
       <p:ext uri="{BB962C8B-B14F-4D97-AF65-F5344CB8AC3E}">
-        <p14:creationId xmlns:p14="http://schemas.microsoft.com/office/powerpoint/2010/main" val="4058012966"/>
+        <p14:creationId xmlns:p14="http://schemas.microsoft.com/office/powerpoint/2010/main" val="3945523104"/>
       </p:ext>
     </p:extLst>
   </p:cSld>
@@ -7657,7 +7765,7 @@
           <p:cNvPr id="2" name="Заголовок 1">
             <a:extLst>
               <a:ext uri="{FF2B5EF4-FFF2-40B4-BE49-F238E27FC236}">
-                <a16:creationId xmlns:a16="http://schemas.microsoft.com/office/drawing/2014/main" id="{36DD19B1-3209-B44E-96D0-35DC3CF98F46}"/>
+                <a16:creationId xmlns:a16="http://schemas.microsoft.com/office/drawing/2014/main" id="{C3E30250-E032-AC48-AEE1-B6C023C22A4E}"/>
               </a:ext>
             </a:extLst>
           </p:cNvPr>
@@ -7671,123 +7779,184 @@
         <p:spPr>
           <a:xfrm>
             <a:off x="838200" y="365125"/>
-            <a:ext cx="10515600" cy="698131"/>
+            <a:ext cx="10515600" cy="644967"/>
           </a:xfrm>
         </p:spPr>
         <p:txBody>
+          <a:bodyPr>
+            <a:normAutofit fontScale="90000"/>
+          </a:bodyPr>
+          <a:lstStyle/>
+          <a:p>
+            <a:r>
+              <a:rPr lang="ru-RU" dirty="0"/>
+              <a:t>Дейли /</a:t>
+            </a:r>
+            <a:r>
+              <a:rPr lang="en-US" dirty="0"/>
+              <a:t> </a:t>
+            </a:r>
+            <a:r>
+              <a:rPr lang="ru-RU" dirty="0"/>
+              <a:t>стендап (</a:t>
+            </a:r>
+            <a:r>
+              <a:rPr lang="en-US" dirty="0"/>
+              <a:t>Daily scrum</a:t>
+            </a:r>
+            <a:r>
+              <a:rPr lang="ru-RU" dirty="0"/>
+              <a:t>)</a:t>
+            </a:r>
+          </a:p>
+        </p:txBody>
+      </p:sp>
+      <p:sp>
+        <p:nvSpPr>
+          <p:cNvPr id="3" name="Объект 2">
+            <a:extLst>
+              <a:ext uri="{FF2B5EF4-FFF2-40B4-BE49-F238E27FC236}">
+                <a16:creationId xmlns:a16="http://schemas.microsoft.com/office/drawing/2014/main" id="{E099FA63-454D-1444-A6FE-E0765533DC43}"/>
+              </a:ext>
+            </a:extLst>
+          </p:cNvPr>
+          <p:cNvSpPr>
+            <a:spLocks noGrp="1"/>
+          </p:cNvSpPr>
+          <p:nvPr>
+            <p:ph idx="1"/>
+          </p:nvPr>
+        </p:nvSpPr>
+        <p:spPr>
+          <a:xfrm>
+            <a:off x="838200" y="1127051"/>
+            <a:ext cx="10515600" cy="5049912"/>
+          </a:xfrm>
+        </p:spPr>
+        <p:txBody>
           <a:bodyPr/>
           <a:lstStyle/>
           <a:p>
-            <a:r>
-              <a:rPr lang="ru-RU" dirty="0"/>
-              <a:t>Дейли /</a:t>
+            <a:pPr marL="0" indent="0">
+              <a:buNone/>
+            </a:pPr>
+            <a:r>
+              <a:rPr lang="ru-RU" dirty="0"/>
+              <a:t>Стендап </a:t>
             </a:r>
             <a:r>
               <a:rPr lang="en-US" dirty="0"/>
-              <a:t> </a:t>
-            </a:r>
-            <a:r>
-              <a:rPr lang="ru-RU" dirty="0"/>
-              <a:t>стендап (</a:t>
+              <a:t>/ </a:t>
+            </a:r>
+            <a:r>
+              <a:rPr lang="ru-RU" dirty="0"/>
+              <a:t>Дейли (</a:t>
             </a:r>
             <a:r>
               <a:rPr lang="en-US" dirty="0"/>
-              <a:t>Daily scrum</a:t>
-            </a:r>
-            <a:r>
-              <a:rPr lang="ru-RU" dirty="0"/>
-              <a:t>)</a:t>
-            </a:r>
-          </a:p>
-        </p:txBody>
-      </p:sp>
-      <p:sp>
-        <p:nvSpPr>
-          <p:cNvPr id="3" name="Объект 2">
-            <a:extLst>
-              <a:ext uri="{FF2B5EF4-FFF2-40B4-BE49-F238E27FC236}">
-                <a16:creationId xmlns:a16="http://schemas.microsoft.com/office/drawing/2014/main" id="{3A9C7923-D532-8443-B643-F41B95B1DFC0}"/>
-              </a:ext>
-            </a:extLst>
-          </p:cNvPr>
-          <p:cNvSpPr>
-            <a:spLocks noGrp="1"/>
-          </p:cNvSpPr>
-          <p:nvPr>
-            <p:ph idx="1"/>
-          </p:nvPr>
-        </p:nvSpPr>
-        <p:spPr>
-          <a:xfrm>
-            <a:off x="838200" y="1350335"/>
-            <a:ext cx="10515600" cy="4826628"/>
-          </a:xfrm>
-        </p:spPr>
-        <p:txBody>
-          <a:bodyPr>
-            <a:normAutofit/>
-          </a:bodyPr>
-          <a:lstStyle/>
-          <a:p>
-            <a:r>
-              <a:rPr lang="ru-RU" dirty="0"/>
-              <a:t>Проводится в одно и то же время в одном и том же месте</a:t>
-            </a:r>
-          </a:p>
-          <a:p>
-            <a:r>
-              <a:rPr lang="ru-RU" dirty="0"/>
-              <a:t>Длительность — не более 15 минут</a:t>
-            </a:r>
-          </a:p>
-          <a:p>
-            <a:r>
-              <a:rPr lang="ru-RU" dirty="0"/>
-              <a:t>Начинается и заканчивается вовремя (дисциплина!)</a:t>
-            </a:r>
-          </a:p>
-          <a:p>
-            <a:r>
-              <a:rPr lang="ru-RU" dirty="0"/>
-              <a:t>Все члены команды участвуют и отвечают на 3 вопроса</a:t>
-            </a:r>
-          </a:p>
-          <a:p>
-            <a:r>
-              <a:rPr lang="ru-RU" dirty="0"/>
-              <a:t>Стендап не прерывается</a:t>
-            </a:r>
-          </a:p>
-          <a:p>
-            <a:r>
-              <a:rPr lang="ru-RU" dirty="0"/>
-              <a:t>Члены команды сами выбирают задачи на </a:t>
-            </a:r>
-            <a:r>
-              <a:rPr lang="ru-RU" dirty="0" err="1"/>
-              <a:t>стендапе</a:t>
-            </a:r>
-            <a:endParaRPr lang="ru-RU" dirty="0"/>
-          </a:p>
-          <a:p>
-            <a:pPr lvl="1"/>
-            <a:r>
-              <a:rPr lang="ru-RU" dirty="0"/>
-              <a:t>Скрам-мастер не раздаёт задачи!</a:t>
-            </a:r>
-          </a:p>
-          <a:p>
-            <a:r>
-              <a:rPr lang="ru-RU" dirty="0"/>
-              <a:t>Члены команды обращаются друг к другу, а не отчитываются перед скрам-мастером или менеджером</a:t>
-            </a:r>
+              <a:t>Standup, Daily meeting, Daily scrum</a:t>
+            </a:r>
+            <a:r>
+              <a:rPr lang="ru-RU" dirty="0"/>
+              <a:t>).</a:t>
+            </a:r>
+          </a:p>
+          <a:p>
+            <a:pPr marL="0" indent="0">
+              <a:spcBef>
+                <a:spcPts val="1600"/>
+              </a:spcBef>
+              <a:buNone/>
+            </a:pPr>
+            <a:r>
+              <a:rPr lang="ru-RU" dirty="0"/>
+              <a:t>Короткая ежедневная встреча, предназначенная для синхронизации работы команды.</a:t>
+            </a:r>
+          </a:p>
+          <a:p>
+            <a:pPr marL="0" indent="0">
+              <a:spcBef>
+                <a:spcPts val="1600"/>
+              </a:spcBef>
+              <a:buNone/>
+            </a:pPr>
+            <a:r>
+              <a:rPr lang="ru-RU" dirty="0"/>
+              <a:t>Проводит митинг скрам-мастер. Он спрашивает по кругу всех членов команды, задавая 3 вопроса:</a:t>
+            </a:r>
+          </a:p>
+          <a:p>
+            <a:pPr marL="36000" indent="0">
+              <a:lnSpc>
+                <a:spcPct val="100000"/>
+              </a:lnSpc>
+              <a:spcBef>
+                <a:spcPts val="0"/>
+              </a:spcBef>
+              <a:buNone/>
+            </a:pPr>
+            <a:r>
+              <a:rPr lang="ru-RU" dirty="0"/>
+              <a:t>1. Что сделано вчера</a:t>
+            </a:r>
+          </a:p>
+          <a:p>
+            <a:pPr marL="36000" indent="0">
+              <a:lnSpc>
+                <a:spcPct val="100000"/>
+              </a:lnSpc>
+              <a:spcBef>
+                <a:spcPts val="0"/>
+              </a:spcBef>
+              <a:buNone/>
+            </a:pPr>
+            <a:r>
+              <a:rPr lang="ru-RU" dirty="0"/>
+              <a:t>2. Что будет сделано сегодня?</a:t>
+            </a:r>
+          </a:p>
+          <a:p>
+            <a:pPr marL="36000" indent="0">
+              <a:lnSpc>
+                <a:spcPct val="100000"/>
+              </a:lnSpc>
+              <a:spcBef>
+                <a:spcPts val="0"/>
+              </a:spcBef>
+              <a:buNone/>
+            </a:pPr>
+            <a:r>
+              <a:rPr lang="ru-RU" dirty="0"/>
+              <a:t>3. С какими проблемами столкнулся / нужна ли помощь?</a:t>
+            </a:r>
+          </a:p>
+          <a:p>
+            <a:pPr marL="0" indent="0">
+              <a:lnSpc>
+                <a:spcPct val="100000"/>
+              </a:lnSpc>
+              <a:spcBef>
+                <a:spcPts val="1200"/>
+              </a:spcBef>
+              <a:buNone/>
+            </a:pPr>
+            <a:r>
+              <a:rPr lang="ru-RU" dirty="0"/>
+              <a:t>Задача скрам-мастера — останавливать такие не относящиеся к теме обсуждения и выносить их за пределы встречи.</a:t>
+            </a:r>
+          </a:p>
+          <a:p>
+            <a:pPr marL="0" indent="0">
+              <a:buNone/>
+            </a:pPr>
+            <a:endParaRPr lang="en-US" dirty="0"/>
           </a:p>
         </p:txBody>
       </p:sp>
     </p:spTree>
     <p:extLst>
       <p:ext uri="{BB962C8B-B14F-4D97-AF65-F5344CB8AC3E}">
-        <p14:creationId xmlns:p14="http://schemas.microsoft.com/office/powerpoint/2010/main" val="2722297405"/>
+        <p14:creationId xmlns:p14="http://schemas.microsoft.com/office/powerpoint/2010/main" val="4058012966"/>
       </p:ext>
     </p:extLst>
   </p:cSld>
@@ -7819,7 +7988,7 @@
           <p:cNvPr id="2" name="Заголовок 1">
             <a:extLst>
               <a:ext uri="{FF2B5EF4-FFF2-40B4-BE49-F238E27FC236}">
-                <a16:creationId xmlns:a16="http://schemas.microsoft.com/office/drawing/2014/main" id="{FBE1DFE6-3E97-7F4B-BD94-621E502308EB}"/>
+                <a16:creationId xmlns:a16="http://schemas.microsoft.com/office/drawing/2014/main" id="{36DD19B1-3209-B44E-96D0-35DC3CF98F46}"/>
               </a:ext>
             </a:extLst>
           </p:cNvPr>
@@ -7832,165 +8001,116 @@
         </p:nvSpPr>
         <p:spPr>
           <a:xfrm>
-            <a:off x="838200" y="365126"/>
-            <a:ext cx="10515600" cy="942680"/>
+            <a:off x="838200" y="365125"/>
+            <a:ext cx="10515600" cy="698131"/>
           </a:xfrm>
         </p:spPr>
         <p:txBody>
+          <a:bodyPr/>
+          <a:lstStyle/>
+          <a:p>
+            <a:r>
+              <a:rPr lang="ru-RU" dirty="0"/>
+              <a:t>Дейли /</a:t>
+            </a:r>
+            <a:r>
+              <a:rPr lang="en-US" dirty="0"/>
+              <a:t> </a:t>
+            </a:r>
+            <a:r>
+              <a:rPr lang="ru-RU" dirty="0"/>
+              <a:t>стендап (</a:t>
+            </a:r>
+            <a:r>
+              <a:rPr lang="en-US" dirty="0"/>
+              <a:t>Daily scrum</a:t>
+            </a:r>
+            <a:r>
+              <a:rPr lang="ru-RU" dirty="0"/>
+              <a:t>)</a:t>
+            </a:r>
+          </a:p>
+        </p:txBody>
+      </p:sp>
+      <p:sp>
+        <p:nvSpPr>
+          <p:cNvPr id="3" name="Объект 2">
+            <a:extLst>
+              <a:ext uri="{FF2B5EF4-FFF2-40B4-BE49-F238E27FC236}">
+                <a16:creationId xmlns:a16="http://schemas.microsoft.com/office/drawing/2014/main" id="{3A9C7923-D532-8443-B643-F41B95B1DFC0}"/>
+              </a:ext>
+            </a:extLst>
+          </p:cNvPr>
+          <p:cNvSpPr>
+            <a:spLocks noGrp="1"/>
+          </p:cNvSpPr>
+          <p:nvPr>
+            <p:ph idx="1"/>
+          </p:nvPr>
+        </p:nvSpPr>
+        <p:spPr>
+          <a:xfrm>
+            <a:off x="838200" y="1350335"/>
+            <a:ext cx="10515600" cy="4826628"/>
+          </a:xfrm>
+        </p:spPr>
+        <p:txBody>
           <a:bodyPr>
-            <a:normAutofit fontScale="90000"/>
+            <a:normAutofit/>
           </a:bodyPr>
           <a:lstStyle/>
           <a:p>
             <a:r>
+              <a:rPr lang="ru-RU" dirty="0"/>
+              <a:t>Проводится в одно и то же время в одном и том же месте</a:t>
+            </a:r>
+          </a:p>
+          <a:p>
+            <a:r>
+              <a:rPr lang="ru-RU" dirty="0"/>
+              <a:t>Длительность — не более 15 минут</a:t>
+            </a:r>
+          </a:p>
+          <a:p>
+            <a:r>
+              <a:rPr lang="ru-RU" dirty="0"/>
+              <a:t>Начинается и заканчивается вовремя (дисциплина!)</a:t>
+            </a:r>
+          </a:p>
+          <a:p>
+            <a:r>
+              <a:rPr lang="ru-RU" dirty="0"/>
+              <a:t>Все члены команды участвуют и отвечают на 3 вопроса</a:t>
+            </a:r>
+          </a:p>
+          <a:p>
+            <a:r>
+              <a:rPr lang="ru-RU" dirty="0"/>
+              <a:t>Стендап не прерывается</a:t>
+            </a:r>
+          </a:p>
+          <a:p>
+            <a:r>
+              <a:rPr lang="ru-RU" dirty="0"/>
+              <a:t>Члены команды сами выбирают задачи на </a:t>
+            </a:r>
+            <a:r>
               <a:rPr lang="ru-RU" dirty="0" err="1"/>
-              <a:t>Демо</a:t>
-            </a:r>
-            <a:r>
-              <a:rPr lang="ru-RU" dirty="0"/>
-              <a:t> (</a:t>
-            </a:r>
-            <a:r>
-              <a:rPr lang="en" dirty="0"/>
-              <a:t>Demo) / </a:t>
-            </a:r>
-            <a:r>
-              <a:rPr lang="ru-RU" dirty="0" err="1"/>
-              <a:t>Ревью</a:t>
-            </a:r>
-            <a:r>
-              <a:rPr lang="ru-RU" dirty="0"/>
-              <a:t> спринта (</a:t>
-            </a:r>
-            <a:r>
-              <a:rPr lang="en" dirty="0"/>
-              <a:t>Sprint Review)</a:t>
+              <a:t>стендапе</a:t>
             </a:r>
             <a:endParaRPr lang="ru-RU" dirty="0"/>
           </a:p>
-        </p:txBody>
-      </p:sp>
-      <p:sp>
-        <p:nvSpPr>
-          <p:cNvPr id="3" name="Объект 2">
-            <a:extLst>
-              <a:ext uri="{FF2B5EF4-FFF2-40B4-BE49-F238E27FC236}">
-                <a16:creationId xmlns:a16="http://schemas.microsoft.com/office/drawing/2014/main" id="{E5B19119-F935-4F41-8A2D-38F380B7BC5D}"/>
-              </a:ext>
-            </a:extLst>
-          </p:cNvPr>
-          <p:cNvSpPr>
-            <a:spLocks noGrp="1"/>
-          </p:cNvSpPr>
-          <p:nvPr>
-            <p:ph idx="1"/>
-          </p:nvPr>
-        </p:nvSpPr>
-        <p:spPr>
-          <a:xfrm>
-            <a:off x="838200" y="1467292"/>
-            <a:ext cx="10515600" cy="4933507"/>
-          </a:xfrm>
-        </p:spPr>
-        <p:txBody>
-          <a:bodyPr>
-            <a:normAutofit fontScale="92500" lnSpcReduction="20000"/>
-          </a:bodyPr>
-          <a:lstStyle/>
-          <a:p>
-            <a:r>
-              <a:rPr lang="ru-RU" dirty="0"/>
-              <a:t>Цель </a:t>
-            </a:r>
-            <a:r>
-              <a:rPr lang="ru-RU" dirty="0" err="1"/>
-              <a:t>демо</a:t>
-            </a:r>
-            <a:r>
-              <a:rPr lang="ru-RU" dirty="0"/>
-              <a:t> — рассказать </a:t>
-            </a:r>
-            <a:r>
-              <a:rPr lang="en" dirty="0"/>
-              <a:t>PO </a:t>
-            </a:r>
-            <a:r>
-              <a:rPr lang="ru-RU" dirty="0"/>
-              <a:t>и всем </a:t>
-            </a:r>
-            <a:r>
-              <a:rPr lang="en-US" dirty="0"/>
-              <a:t>Stakeholders </a:t>
-            </a:r>
-            <a:r>
-              <a:rPr lang="ru-RU" dirty="0"/>
-              <a:t>о прогрессе и получить с них обратную связь.</a:t>
-            </a:r>
-            <a:endParaRPr lang="en-US" dirty="0"/>
-          </a:p>
-          <a:p>
-            <a:r>
-              <a:rPr lang="ru-RU" dirty="0" err="1"/>
-              <a:t>Демо</a:t>
-            </a:r>
-            <a:r>
-              <a:rPr lang="ru-RU" dirty="0"/>
-              <a:t> проводится в конце каждой итерации.</a:t>
-            </a:r>
-            <a:endParaRPr lang="en-US" dirty="0"/>
-          </a:p>
-          <a:p>
-            <a:r>
-              <a:rPr lang="ru-RU" dirty="0"/>
-              <a:t>Команда показывает результаты своей работы, последовательно показывая сделанные фичи / пользовательские истории.</a:t>
-            </a:r>
-            <a:endParaRPr lang="en-US" dirty="0"/>
-          </a:p>
-          <a:p>
-            <a:r>
-              <a:rPr lang="ru-RU" dirty="0"/>
-              <a:t>Показывается работающая система (не презентации и не написанные классы)</a:t>
-            </a:r>
-          </a:p>
-          <a:p>
-            <a:r>
-              <a:rPr lang="ru-RU" dirty="0"/>
-              <a:t>Показываются только сделанные фичи (не доделанные — не показываются)</a:t>
-            </a:r>
-          </a:p>
-          <a:p>
-            <a:r>
-              <a:rPr lang="ru-RU" dirty="0"/>
-              <a:t>Все заинтересованные лица приглашаются на </a:t>
-            </a:r>
-            <a:r>
-              <a:rPr lang="ru-RU" dirty="0" err="1"/>
-              <a:t>демо</a:t>
-            </a:r>
-            <a:endParaRPr lang="ru-RU" dirty="0"/>
-          </a:p>
-          <a:p>
-            <a:r>
-              <a:rPr lang="ru-RU" dirty="0"/>
-              <a:t>Команда получает от заинтересованных лиц обратную связь</a:t>
-            </a:r>
-          </a:p>
-          <a:p>
-            <a:r>
-              <a:rPr lang="en" dirty="0"/>
-              <a:t>PO </a:t>
-            </a:r>
-            <a:r>
-              <a:rPr lang="ru-RU" dirty="0"/>
-              <a:t>корректирует </a:t>
-            </a:r>
-            <a:r>
-              <a:rPr lang="en-US" dirty="0"/>
-              <a:t>Product backlog </a:t>
-            </a:r>
-            <a:r>
-              <a:rPr lang="ru-RU" dirty="0"/>
-              <a:t>в соответствии с пожеланиями заинтересованных лиц</a:t>
+          <a:p>
+            <a:pPr lvl="1"/>
+            <a:r>
+              <a:rPr lang="ru-RU" dirty="0"/>
+              <a:t>Скрам-мастер не раздаёт задачи!</a:t>
+            </a:r>
+          </a:p>
+          <a:p>
+            <a:r>
+              <a:rPr lang="ru-RU" dirty="0"/>
+              <a:t>Члены команды обращаются друг к другу, а не отчитываются перед скрам-мастером или менеджером</a:t>
             </a:r>
           </a:p>
         </p:txBody>
@@ -7998,7 +8118,7 @@
     </p:spTree>
     <p:extLst>
       <p:ext uri="{BB962C8B-B14F-4D97-AF65-F5344CB8AC3E}">
-        <p14:creationId xmlns:p14="http://schemas.microsoft.com/office/powerpoint/2010/main" val="3469762069"/>
+        <p14:creationId xmlns:p14="http://schemas.microsoft.com/office/powerpoint/2010/main" val="2722297405"/>
       </p:ext>
     </p:extLst>
   </p:cSld>
@@ -8030,7 +8150,7 @@
           <p:cNvPr id="2" name="Заголовок 1">
             <a:extLst>
               <a:ext uri="{FF2B5EF4-FFF2-40B4-BE49-F238E27FC236}">
-                <a16:creationId xmlns:a16="http://schemas.microsoft.com/office/drawing/2014/main" id="{A50F98EA-848E-4C47-9CAA-07978EEFE38A}"/>
+                <a16:creationId xmlns:a16="http://schemas.microsoft.com/office/drawing/2014/main" id="{FBE1DFE6-3E97-7F4B-BD94-621E502308EB}"/>
               </a:ext>
             </a:extLst>
           </p:cNvPr>
@@ -8043,8 +8163,8 @@
         </p:nvSpPr>
         <p:spPr>
           <a:xfrm>
-            <a:off x="733646" y="386389"/>
-            <a:ext cx="10515600" cy="857619"/>
+            <a:off x="838200" y="365126"/>
+            <a:ext cx="10515600" cy="942680"/>
           </a:xfrm>
         </p:spPr>
         <p:txBody>
@@ -8054,12 +8174,28 @@
           <a:lstStyle/>
           <a:p>
             <a:r>
-              <a:rPr lang="ru-RU" dirty="0"/>
-              <a:t>Ретроспектива спринта (</a:t>
-            </a:r>
-            <a:r>
-              <a:rPr lang="en" dirty="0"/>
-              <a:t>Sprint Retrospective)</a:t>
+              <a:rPr lang="ru-RU" dirty="0" err="1"/>
+              <a:t>Демо</a:t>
+            </a:r>
+            <a:r>
+              <a:rPr lang="ru-RU" dirty="0"/>
+              <a:t> (</a:t>
+            </a:r>
+            <a:r>
+              <a:rPr lang="en" dirty="0"/>
+              <a:t>Demo) / </a:t>
+            </a:r>
+            <a:r>
+              <a:rPr lang="ru-RU" dirty="0" err="1"/>
+              <a:t>Ревью</a:t>
+            </a:r>
+            <a:r>
+              <a:rPr lang="ru-RU" dirty="0"/>
+              <a:t> спринта (</a:t>
+            </a:r>
+            <a:r>
+              <a:rPr lang="en" dirty="0"/>
+              <a:t>Sprint Review)</a:t>
             </a:r>
             <a:endParaRPr lang="ru-RU" dirty="0"/>
           </a:p>
@@ -8070,7 +8206,7 @@
           <p:cNvPr id="3" name="Объект 2">
             <a:extLst>
               <a:ext uri="{FF2B5EF4-FFF2-40B4-BE49-F238E27FC236}">
-                <a16:creationId xmlns:a16="http://schemas.microsoft.com/office/drawing/2014/main" id="{6AE6A54D-397D-C740-8809-92A2AEBA6BD5}"/>
+                <a16:creationId xmlns:a16="http://schemas.microsoft.com/office/drawing/2014/main" id="{E5B19119-F935-4F41-8A2D-38F380B7BC5D}"/>
               </a:ext>
             </a:extLst>
           </p:cNvPr>
@@ -8083,148 +8219,117 @@
         </p:nvSpPr>
         <p:spPr>
           <a:xfrm>
-            <a:off x="733646" y="1573619"/>
-            <a:ext cx="10802679" cy="4603344"/>
+            <a:off x="838200" y="1467292"/>
+            <a:ext cx="10515600" cy="4933507"/>
           </a:xfrm>
         </p:spPr>
         <p:txBody>
           <a:bodyPr>
-            <a:normAutofit fontScale="85000" lnSpcReduction="20000"/>
+            <a:normAutofit fontScale="92500" lnSpcReduction="20000"/>
           </a:bodyPr>
           <a:lstStyle/>
           <a:p>
-            <a:pPr marL="0" indent="0">
-              <a:buNone/>
-            </a:pPr>
             <a:r>
               <a:rPr lang="ru-RU" dirty="0"/>
               <a:t>Цель </a:t>
             </a:r>
             <a:r>
-              <a:rPr lang="en" dirty="0"/>
-              <a:t>Sprint Retrospective — </a:t>
-            </a:r>
-            <a:r>
-              <a:rPr lang="ru-RU" dirty="0"/>
-              <a:t>запланировать повышение качества и эффективности.</a:t>
-            </a:r>
-          </a:p>
-          <a:p>
+              <a:rPr lang="ru-RU" dirty="0" err="1"/>
+              <a:t>демо</a:t>
+            </a:r>
+            <a:r>
+              <a:rPr lang="ru-RU" dirty="0"/>
+              <a:t> — рассказать </a:t>
+            </a:r>
+            <a:r>
+              <a:rPr lang="en" dirty="0"/>
+              <a:t>PO </a:t>
+            </a:r>
+            <a:r>
+              <a:rPr lang="ru-RU" dirty="0"/>
+              <a:t>и всем </a:t>
+            </a:r>
+            <a:r>
+              <a:rPr lang="en-US" dirty="0"/>
+              <a:t>Stakeholders </a:t>
+            </a:r>
+            <a:r>
+              <a:rPr lang="ru-RU" dirty="0"/>
+              <a:t>о прогрессе и получить с них обратную связь.</a:t>
+            </a:r>
+            <a:endParaRPr lang="en-US" dirty="0"/>
+          </a:p>
+          <a:p>
+            <a:r>
+              <a:rPr lang="ru-RU" dirty="0" err="1"/>
+              <a:t>Демо</a:t>
+            </a:r>
+            <a:r>
+              <a:rPr lang="ru-RU" dirty="0"/>
+              <a:t> проводится в конце каждой итерации.</a:t>
+            </a:r>
+            <a:endParaRPr lang="en-US" dirty="0"/>
+          </a:p>
+          <a:p>
+            <a:r>
+              <a:rPr lang="ru-RU" dirty="0"/>
+              <a:t>Команда показывает результаты своей работы, последовательно показывая сделанные фичи / пользовательские истории.</a:t>
+            </a:r>
+            <a:endParaRPr lang="en-US" dirty="0"/>
+          </a:p>
+          <a:p>
+            <a:r>
+              <a:rPr lang="ru-RU" dirty="0"/>
+              <a:t>Показывается работающая система (не презентации и не написанные классы)</a:t>
+            </a:r>
+          </a:p>
+          <a:p>
+            <a:r>
+              <a:rPr lang="ru-RU" dirty="0"/>
+              <a:t>Показываются только сделанные фичи (не доделанные — не показываются)</a:t>
+            </a:r>
+          </a:p>
+          <a:p>
+            <a:r>
+              <a:rPr lang="ru-RU" dirty="0"/>
+              <a:t>Все заинтересованные лица приглашаются на </a:t>
+            </a:r>
+            <a:r>
+              <a:rPr lang="ru-RU" dirty="0" err="1"/>
+              <a:t>демо</a:t>
+            </a:r>
             <a:endParaRPr lang="ru-RU" dirty="0"/>
           </a:p>
           <a:p>
             <a:r>
-              <a:rPr lang="en" dirty="0"/>
-              <a:t>Scrum Team </a:t>
-            </a:r>
-            <a:r>
-              <a:rPr lang="ru-RU" dirty="0"/>
-              <a:t>инспектирует то, как прошел последний </a:t>
-            </a:r>
-            <a:r>
-              <a:rPr lang="en" dirty="0"/>
-              <a:t>Sprint </a:t>
-            </a:r>
-            <a:r>
-              <a:rPr lang="ru-RU" dirty="0"/>
-              <a:t>в отношении людей, взаимодействий,</a:t>
+              <a:rPr lang="ru-RU" dirty="0"/>
+              <a:t>Команда получает от заинтересованных лиц обратную связь</a:t>
+            </a:r>
+          </a:p>
+          <a:p>
+            <a:r>
+              <a:rPr lang="en" dirty="0"/>
+              <a:t>PO </a:t>
+            </a:r>
+            <a:r>
+              <a:rPr lang="ru-RU" dirty="0"/>
+              <a:t>корректирует </a:t>
             </a:r>
             <a:r>
               <a:rPr lang="en-US" dirty="0"/>
-              <a:t> </a:t>
-            </a:r>
-            <a:r>
-              <a:rPr lang="ru-RU" dirty="0"/>
-              <a:t>процессов, инструментов и определения готовности.</a:t>
-            </a:r>
-          </a:p>
-          <a:p>
-            <a:r>
-              <a:rPr lang="ru-RU" dirty="0"/>
-              <a:t>Выявляются предположения, которые сбили </a:t>
-            </a:r>
-            <a:r>
-              <a:rPr lang="en" dirty="0"/>
-              <a:t>Scrum Team </a:t>
-            </a:r>
-            <a:r>
-              <a:rPr lang="ru-RU" dirty="0"/>
-              <a:t>с пути, и исследуется их происхождение.</a:t>
-            </a:r>
-          </a:p>
-          <a:p>
-            <a:r>
-              <a:rPr lang="ru-RU" dirty="0"/>
-              <a:t>Участники </a:t>
-            </a:r>
-            <a:r>
-              <a:rPr lang="en" dirty="0"/>
-              <a:t>Scrum Team </a:t>
-            </a:r>
-            <a:r>
-              <a:rPr lang="ru-RU" dirty="0"/>
-              <a:t>обсуждают, что прошло хорошо во время </a:t>
-            </a:r>
-            <a:r>
-              <a:rPr lang="en" dirty="0"/>
-              <a:t>Sprint, </a:t>
-            </a:r>
-            <a:r>
-              <a:rPr lang="ru-RU" dirty="0"/>
-              <a:t>с какими проблемами они</a:t>
-            </a:r>
-            <a:r>
-              <a:rPr lang="en-US" dirty="0"/>
-              <a:t> </a:t>
-            </a:r>
-            <a:r>
-              <a:rPr lang="ru-RU" dirty="0"/>
-              <a:t>столкнулись, и как эти проблемы были (или не были) решены.</a:t>
-            </a:r>
-          </a:p>
-          <a:p>
-            <a:r>
-              <a:rPr lang="en" dirty="0"/>
-              <a:t>Scrum Team </a:t>
-            </a:r>
-            <a:r>
-              <a:rPr lang="ru-RU" dirty="0"/>
-              <a:t>определяет наиболее полезные для повышения эффективности изменения.</a:t>
-            </a:r>
-          </a:p>
-          <a:p>
-            <a:r>
-              <a:rPr lang="ru-RU" dirty="0"/>
-              <a:t>Улучшения с самым высоким влиянием реализуются в кратчайшие сроки. Они могут даже быть</a:t>
-            </a:r>
-            <a:r>
-              <a:rPr lang="en-US" dirty="0"/>
-              <a:t> </a:t>
-            </a:r>
-            <a:r>
-              <a:rPr lang="ru-RU" dirty="0"/>
-              <a:t>добавлены в </a:t>
-            </a:r>
-            <a:r>
-              <a:rPr lang="en" dirty="0"/>
-              <a:t>Sprint Backlog </a:t>
-            </a:r>
-            <a:r>
-              <a:rPr lang="ru-RU" dirty="0"/>
-              <a:t>следующего </a:t>
-            </a:r>
-            <a:r>
-              <a:rPr lang="en" dirty="0"/>
-              <a:t>Sprint.</a:t>
-            </a:r>
-            <a:endParaRPr lang="ru-RU" dirty="0"/>
+              <a:t>Product backlog </a:t>
+            </a:r>
+            <a:r>
+              <a:rPr lang="ru-RU" dirty="0"/>
+              <a:t>в соответствии с пожеланиями заинтересованных лиц</a:t>
+            </a:r>
           </a:p>
         </p:txBody>
       </p:sp>
     </p:spTree>
     <p:extLst>
       <p:ext uri="{BB962C8B-B14F-4D97-AF65-F5344CB8AC3E}">
-        <p14:creationId xmlns:p14="http://schemas.microsoft.com/office/powerpoint/2010/main" val="1702898873"/>
+        <p14:creationId xmlns:p14="http://schemas.microsoft.com/office/powerpoint/2010/main" val="3469762069"/>
       </p:ext>
     </p:extLst>
   </p:cSld>
@@ -8376,7 +8481,7 @@
           <p:cNvPr id="2" name="Заголовок 1">
             <a:extLst>
               <a:ext uri="{FF2B5EF4-FFF2-40B4-BE49-F238E27FC236}">
-                <a16:creationId xmlns:a16="http://schemas.microsoft.com/office/drawing/2014/main" id="{893DCE17-CDAD-314F-9C6F-ECA2E5843793}"/>
+                <a16:creationId xmlns:a16="http://schemas.microsoft.com/office/drawing/2014/main" id="{A50F98EA-848E-4C47-9CAA-07978EEFE38A}"/>
               </a:ext>
             </a:extLst>
           </p:cNvPr>
@@ -8389,23 +8494,25 @@
         </p:nvSpPr>
         <p:spPr>
           <a:xfrm>
-            <a:off x="838200" y="365125"/>
-            <a:ext cx="10515600" cy="740661"/>
+            <a:off x="733646" y="386389"/>
+            <a:ext cx="10515600" cy="857619"/>
           </a:xfrm>
         </p:spPr>
         <p:txBody>
-          <a:bodyPr/>
+          <a:bodyPr>
+            <a:normAutofit fontScale="90000"/>
+          </a:bodyPr>
           <a:lstStyle/>
           <a:p>
             <a:r>
-              <a:rPr lang="ru-RU" b="1" dirty="0"/>
-              <a:t>Артефакты </a:t>
-            </a:r>
-            <a:r>
-              <a:rPr lang="en" b="1" dirty="0"/>
-              <a:t>Scrum</a:t>
-            </a:r>
-            <a:endParaRPr lang="ru-RU" b="1" dirty="0"/>
+              <a:rPr lang="ru-RU" dirty="0"/>
+              <a:t>Ретроспектива спринта (</a:t>
+            </a:r>
+            <a:r>
+              <a:rPr lang="en" dirty="0"/>
+              <a:t>Sprint Retrospective)</a:t>
+            </a:r>
+            <a:endParaRPr lang="ru-RU" dirty="0"/>
           </a:p>
         </p:txBody>
       </p:sp>
@@ -8414,7 +8521,7 @@
           <p:cNvPr id="3" name="Объект 2">
             <a:extLst>
               <a:ext uri="{FF2B5EF4-FFF2-40B4-BE49-F238E27FC236}">
-                <a16:creationId xmlns:a16="http://schemas.microsoft.com/office/drawing/2014/main" id="{88508F49-BFA2-AD41-9AB3-E211E5FD39DC}"/>
+                <a16:creationId xmlns:a16="http://schemas.microsoft.com/office/drawing/2014/main" id="{6AE6A54D-397D-C740-8809-92A2AEBA6BD5}"/>
               </a:ext>
             </a:extLst>
           </p:cNvPr>
@@ -8427,12 +8534,14 @@
         </p:nvSpPr>
         <p:spPr>
           <a:xfrm>
-            <a:off x="838200" y="1477926"/>
-            <a:ext cx="10515600" cy="4699037"/>
+            <a:off x="733646" y="1573619"/>
+            <a:ext cx="10802679" cy="4603344"/>
           </a:xfrm>
         </p:spPr>
         <p:txBody>
-          <a:bodyPr/>
+          <a:bodyPr>
+            <a:normAutofit fontScale="85000" lnSpcReduction="20000"/>
+          </a:bodyPr>
           <a:lstStyle/>
           <a:p>
             <a:pPr marL="0" indent="0">
@@ -8440,92 +8549,124 @@
             </a:pPr>
             <a:r>
               <a:rPr lang="ru-RU" dirty="0"/>
-              <a:t>Артефакты </a:t>
-            </a:r>
-            <a:r>
-              <a:rPr lang="en" dirty="0"/>
-              <a:t>Scrum </a:t>
-            </a:r>
-            <a:r>
-              <a:rPr lang="ru-RU" dirty="0"/>
-              <a:t>отражают работу или ценность. Они спроектированы для максимизации прозрачности информации.</a:t>
-            </a:r>
-            <a:endParaRPr lang="en-US" dirty="0"/>
-          </a:p>
-          <a:p>
-            <a:pPr marL="0" indent="0">
-              <a:buNone/>
-            </a:pPr>
-            <a:r>
-              <a:rPr lang="ru-RU" dirty="0"/>
-              <a:t>Все должны иметь доступ к артефактам.</a:t>
-            </a:r>
-          </a:p>
-          <a:p>
-            <a:r>
-              <a:rPr lang="en" dirty="0"/>
-              <a:t>Product Backlog</a:t>
-            </a:r>
+              <a:t>Цель </a:t>
+            </a:r>
+            <a:r>
+              <a:rPr lang="en" dirty="0"/>
+              <a:t>Sprint Retrospective — </a:t>
+            </a:r>
+            <a:r>
+              <a:rPr lang="ru-RU" dirty="0"/>
+              <a:t>запланировать повышение качества и эффективности.</a:t>
+            </a:r>
+          </a:p>
+          <a:p>
             <a:endParaRPr lang="ru-RU" dirty="0"/>
           </a:p>
           <a:p>
             <a:r>
               <a:rPr lang="en" dirty="0"/>
-              <a:t>Sprint Backlog</a:t>
-            </a:r>
-            <a:endParaRPr lang="ru-RU" dirty="0"/>
-          </a:p>
-          <a:p>
-            <a:r>
-              <a:rPr lang="ru-RU" dirty="0" err="1"/>
-              <a:t>P</a:t>
+              <a:t>Scrum Team </a:t>
+            </a:r>
+            <a:r>
+              <a:rPr lang="ru-RU" dirty="0"/>
+              <a:t>инспектирует то, как прошел последний </a:t>
+            </a:r>
+            <a:r>
+              <a:rPr lang="en" dirty="0"/>
+              <a:t>Sprint </a:t>
+            </a:r>
+            <a:r>
+              <a:rPr lang="ru-RU" dirty="0"/>
+              <a:t>в отношении людей, взаимодействий,</a:t>
             </a:r>
             <a:r>
               <a:rPr lang="en-US" dirty="0"/>
-              <a:t>roduct </a:t>
-            </a:r>
-            <a:r>
-              <a:rPr lang="en" dirty="0"/>
-              <a:t>Increment</a:t>
-            </a:r>
-          </a:p>
-          <a:p>
-            <a:r>
-              <a:rPr lang="ru-RU" dirty="0"/>
-              <a:t>Доска задач (</a:t>
-            </a:r>
-            <a:r>
-              <a:rPr lang="en" dirty="0"/>
-              <a:t>Task Board)</a:t>
-            </a:r>
-          </a:p>
-          <a:p>
-            <a:r>
-              <a:rPr lang="ru-RU" dirty="0"/>
-              <a:t>Графики </a:t>
-            </a:r>
-            <a:r>
-              <a:rPr lang="en" dirty="0"/>
-              <a:t>/ </a:t>
-            </a:r>
-            <a:r>
-              <a:rPr lang="ru-RU" dirty="0"/>
-              <a:t>диаграммы</a:t>
-            </a:r>
-          </a:p>
-          <a:p>
-            <a:pPr lvl="1"/>
-            <a:r>
-              <a:rPr lang="ru-RU" dirty="0" err="1"/>
-              <a:t>B</a:t>
-            </a:r>
-            <a:r>
-              <a:rPr lang="en" dirty="0" err="1"/>
-              <a:t>urndown</a:t>
-            </a:r>
-            <a:r>
-              <a:rPr lang="en" dirty="0"/>
-              <a:t> chart</a:t>
+              <a:t> </a:t>
+            </a:r>
+            <a:r>
+              <a:rPr lang="ru-RU" dirty="0"/>
+              <a:t>процессов, инструментов и определения готовности.</a:t>
+            </a:r>
+          </a:p>
+          <a:p>
+            <a:r>
+              <a:rPr lang="ru-RU" dirty="0"/>
+              <a:t>Выявляются предположения, которые сбили </a:t>
+            </a:r>
+            <a:r>
+              <a:rPr lang="en" dirty="0"/>
+              <a:t>Scrum Team </a:t>
+            </a:r>
+            <a:r>
+              <a:rPr lang="ru-RU" dirty="0"/>
+              <a:t>с пути, и исследуется их происхождение.</a:t>
+            </a:r>
+          </a:p>
+          <a:p>
+            <a:r>
+              <a:rPr lang="ru-RU" dirty="0"/>
+              <a:t>Участники </a:t>
+            </a:r>
+            <a:r>
+              <a:rPr lang="en" dirty="0"/>
+              <a:t>Scrum Team </a:t>
+            </a:r>
+            <a:r>
+              <a:rPr lang="ru-RU" dirty="0"/>
+              <a:t>обсуждают, что прошло хорошо во время </a:t>
+            </a:r>
+            <a:r>
+              <a:rPr lang="en" dirty="0"/>
+              <a:t>Sprint, </a:t>
+            </a:r>
+            <a:r>
+              <a:rPr lang="ru-RU" dirty="0"/>
+              <a:t>с какими проблемами они</a:t>
+            </a:r>
+            <a:r>
+              <a:rPr lang="en-US" dirty="0"/>
+              <a:t> </a:t>
+            </a:r>
+            <a:r>
+              <a:rPr lang="ru-RU" dirty="0"/>
+              <a:t>столкнулись, и как эти проблемы были (или не были) решены.</a:t>
+            </a:r>
+          </a:p>
+          <a:p>
+            <a:r>
+              <a:rPr lang="en" dirty="0"/>
+              <a:t>Scrum Team </a:t>
+            </a:r>
+            <a:r>
+              <a:rPr lang="ru-RU" dirty="0"/>
+              <a:t>определяет наиболее полезные для повышения эффективности изменения.</a:t>
+            </a:r>
+          </a:p>
+          <a:p>
+            <a:r>
+              <a:rPr lang="ru-RU" dirty="0"/>
+              <a:t>Улучшения с самым высоким влиянием реализуются в кратчайшие сроки. Они могут даже быть</a:t>
+            </a:r>
+            <a:r>
+              <a:rPr lang="en-US" dirty="0"/>
+              <a:t> </a:t>
+            </a:r>
+            <a:r>
+              <a:rPr lang="ru-RU" dirty="0"/>
+              <a:t>добавлены в </a:t>
+            </a:r>
+            <a:r>
+              <a:rPr lang="en" dirty="0"/>
+              <a:t>Sprint Backlog </a:t>
+            </a:r>
+            <a:r>
+              <a:rPr lang="ru-RU" dirty="0"/>
+              <a:t>следующего </a:t>
+            </a:r>
+            <a:r>
+              <a:rPr lang="en" dirty="0"/>
+              <a:t>Sprint.</a:t>
             </a:r>
             <a:endParaRPr lang="ru-RU" dirty="0"/>
           </a:p>
@@ -8534,7 +8675,7 @@
     </p:spTree>
     <p:extLst>
       <p:ext uri="{BB962C8B-B14F-4D97-AF65-F5344CB8AC3E}">
-        <p14:creationId xmlns:p14="http://schemas.microsoft.com/office/powerpoint/2010/main" val="3924089562"/>
+        <p14:creationId xmlns:p14="http://schemas.microsoft.com/office/powerpoint/2010/main" val="1702898873"/>
       </p:ext>
     </p:extLst>
   </p:cSld>
@@ -8566,7 +8707,7 @@
           <p:cNvPr id="2" name="Заголовок 1">
             <a:extLst>
               <a:ext uri="{FF2B5EF4-FFF2-40B4-BE49-F238E27FC236}">
-                <a16:creationId xmlns:a16="http://schemas.microsoft.com/office/drawing/2014/main" id="{26F86A81-AF58-8148-A0D9-3703F6275315}"/>
+                <a16:creationId xmlns:a16="http://schemas.microsoft.com/office/drawing/2014/main" id="{893DCE17-CDAD-314F-9C6F-ECA2E5843793}"/>
               </a:ext>
             </a:extLst>
           </p:cNvPr>
@@ -8580,7 +8721,7 @@
         <p:spPr>
           <a:xfrm>
             <a:off x="838200" y="365125"/>
-            <a:ext cx="10515600" cy="783191"/>
+            <a:ext cx="10515600" cy="740661"/>
           </a:xfrm>
         </p:spPr>
         <p:txBody>
@@ -8588,21 +8729,14 @@
           <a:lstStyle/>
           <a:p>
             <a:r>
-              <a:rPr lang="ru-RU" dirty="0" err="1"/>
-              <a:t>Бэклог</a:t>
-            </a:r>
-            <a:r>
-              <a:rPr lang="ru-RU" dirty="0"/>
-              <a:t> продукта (</a:t>
-            </a:r>
-            <a:r>
-              <a:rPr lang="en" dirty="0"/>
-              <a:t>Product Backlog</a:t>
-            </a:r>
-            <a:r>
-              <a:rPr lang="ru-RU" dirty="0"/>
-              <a:t>)</a:t>
-            </a:r>
+              <a:rPr lang="ru-RU" b="1" dirty="0"/>
+              <a:t>Артефакты </a:t>
+            </a:r>
+            <a:r>
+              <a:rPr lang="en" b="1" dirty="0"/>
+              <a:t>Scrum</a:t>
+            </a:r>
+            <a:endParaRPr lang="ru-RU" b="1" dirty="0"/>
           </a:p>
         </p:txBody>
       </p:sp>
@@ -8611,7 +8745,7 @@
           <p:cNvPr id="3" name="Объект 2">
             <a:extLst>
               <a:ext uri="{FF2B5EF4-FFF2-40B4-BE49-F238E27FC236}">
-                <a16:creationId xmlns:a16="http://schemas.microsoft.com/office/drawing/2014/main" id="{5C0C7C95-E8CC-994D-9F75-0F0D1A049D33}"/>
+                <a16:creationId xmlns:a16="http://schemas.microsoft.com/office/drawing/2014/main" id="{88508F49-BFA2-AD41-9AB3-E211E5FD39DC}"/>
               </a:ext>
             </a:extLst>
           </p:cNvPr>
@@ -8624,122 +8758,114 @@
         </p:nvSpPr>
         <p:spPr>
           <a:xfrm>
-            <a:off x="838200" y="1307804"/>
-            <a:ext cx="10515600" cy="5028647"/>
+            <a:off x="838200" y="1477926"/>
+            <a:ext cx="10515600" cy="4699037"/>
           </a:xfrm>
         </p:spPr>
         <p:txBody>
-          <a:bodyPr>
-            <a:normAutofit/>
-          </a:bodyPr>
+          <a:bodyPr/>
           <a:lstStyle/>
           <a:p>
             <a:pPr marL="0" indent="0">
               <a:buNone/>
             </a:pPr>
             <a:r>
-              <a:rPr lang="en" dirty="0"/>
-              <a:t>Product Backlog — </a:t>
-            </a:r>
-            <a:r>
-              <a:rPr lang="ru-RU" dirty="0"/>
-              <a:t>это упорядоченный и постоянно обновляемый список того, что необходимо для улучшения продукта. Это единственный источник работы, выполняемой </a:t>
-            </a:r>
-            <a:r>
-              <a:rPr lang="en" dirty="0"/>
-              <a:t>Scrum Team</a:t>
-            </a:r>
-            <a:r>
-              <a:rPr lang="ru-RU" dirty="0"/>
-              <a:t>.</a:t>
-            </a:r>
+              <a:rPr lang="ru-RU" dirty="0"/>
+              <a:t>Артефакты </a:t>
+            </a:r>
+            <a:r>
+              <a:rPr lang="en" dirty="0"/>
+              <a:t>Scrum </a:t>
+            </a:r>
+            <a:r>
+              <a:rPr lang="ru-RU" dirty="0"/>
+              <a:t>отражают работу или ценность. Они спроектированы для максимизации прозрачности информации.</a:t>
+            </a:r>
+            <a:endParaRPr lang="en-US" dirty="0"/>
           </a:p>
           <a:p>
             <a:pPr marL="0" indent="0">
               <a:buNone/>
             </a:pPr>
             <a:r>
+              <a:rPr lang="ru-RU" dirty="0"/>
+              <a:t>Все должны иметь доступ к артефактам.</a:t>
+            </a:r>
+          </a:p>
+          <a:p>
+            <a:r>
               <a:rPr lang="en" dirty="0"/>
               <a:t>Product Backlog</a:t>
             </a:r>
-            <a:r>
-              <a:rPr lang="ru-RU" dirty="0"/>
-              <a:t> продукта может включать:</a:t>
-            </a:r>
-          </a:p>
-          <a:p>
-            <a:r>
-              <a:rPr lang="ru-RU" dirty="0"/>
-              <a:t>фичи (пользовательские истории, эпики, запросы на изменения)</a:t>
-            </a:r>
-          </a:p>
-          <a:p>
-            <a:r>
-              <a:rPr lang="ru-RU" dirty="0"/>
-              <a:t>баги</a:t>
-            </a:r>
-          </a:p>
-          <a:p>
-            <a:r>
-              <a:rPr lang="ru-RU" dirty="0"/>
-              <a:t>технический долг, технические истории</a:t>
-            </a:r>
-          </a:p>
-          <a:p>
-            <a:r>
-              <a:rPr lang="ru-RU" dirty="0"/>
-              <a:t>задачи, важные для команды, например "провести тренинг", "добавить памяти на машины".</a:t>
-            </a:r>
-            <a:endParaRPr lang="en-US" dirty="0"/>
-          </a:p>
-          <a:p>
-            <a:pPr marL="0" indent="0">
-              <a:buNone/>
-            </a:pPr>
-            <a:r>
-              <a:rPr lang="ru-RU" b="1" dirty="0">
-                <a:solidFill>
-                  <a:schemeClr val="accent1"/>
-                </a:solidFill>
-              </a:rPr>
-              <a:t>Приверженность: </a:t>
-            </a:r>
-            <a:r>
-              <a:rPr lang="en" b="1" dirty="0">
-                <a:solidFill>
-                  <a:schemeClr val="accent1"/>
-                </a:solidFill>
-              </a:rPr>
-              <a:t>Product Goal (</a:t>
-            </a:r>
-            <a:r>
-              <a:rPr lang="ru-RU" b="1" dirty="0">
-                <a:solidFill>
-                  <a:schemeClr val="accent1"/>
-                </a:solidFill>
-              </a:rPr>
-              <a:t>цель продукта</a:t>
-            </a:r>
-            <a:r>
-              <a:rPr lang="en" b="1" dirty="0">
-                <a:solidFill>
-                  <a:schemeClr val="accent1"/>
-                </a:solidFill>
-              </a:rPr>
-              <a:t>)</a:t>
-            </a:r>
-            <a:endParaRPr lang="en-US" b="1" dirty="0">
-              <a:solidFill>
-                <a:schemeClr val="accent1"/>
-              </a:solidFill>
-            </a:endParaRPr>
+            <a:endParaRPr lang="ru-RU" dirty="0"/>
+          </a:p>
+          <a:p>
+            <a:r>
+              <a:rPr lang="en" dirty="0"/>
+              <a:t>Sprint Backlog</a:t>
+            </a:r>
+            <a:endParaRPr lang="ru-RU" dirty="0"/>
+          </a:p>
+          <a:p>
+            <a:r>
+              <a:rPr lang="ru-RU" dirty="0" err="1"/>
+              <a:t>P</a:t>
+            </a:r>
+            <a:r>
+              <a:rPr lang="en-US" dirty="0"/>
+              <a:t>roduct </a:t>
+            </a:r>
+            <a:r>
+              <a:rPr lang="en" dirty="0"/>
+              <a:t>Increment</a:t>
+            </a:r>
+          </a:p>
+          <a:p>
+            <a:r>
+              <a:rPr lang="ru-RU" dirty="0"/>
+              <a:t>Доска задач (</a:t>
+            </a:r>
+            <a:r>
+              <a:rPr lang="en" dirty="0"/>
+              <a:t>Task Board)</a:t>
+            </a:r>
+          </a:p>
+          <a:p>
+            <a:r>
+              <a:rPr lang="ru-RU" dirty="0"/>
+              <a:t>Графики </a:t>
+            </a:r>
+            <a:r>
+              <a:rPr lang="en" dirty="0"/>
+              <a:t>/ </a:t>
+            </a:r>
+            <a:r>
+              <a:rPr lang="ru-RU" dirty="0"/>
+              <a:t>диаграммы</a:t>
+            </a:r>
+          </a:p>
+          <a:p>
+            <a:pPr lvl="1"/>
+            <a:r>
+              <a:rPr lang="ru-RU" dirty="0" err="1"/>
+              <a:t>B</a:t>
+            </a:r>
+            <a:r>
+              <a:rPr lang="en" dirty="0" err="1"/>
+              <a:t>urndown</a:t>
+            </a:r>
+            <a:r>
+              <a:rPr lang="en" dirty="0"/>
+              <a:t> chart</a:t>
+            </a:r>
+            <a:endParaRPr lang="ru-RU" dirty="0"/>
           </a:p>
         </p:txBody>
       </p:sp>
     </p:spTree>
     <p:extLst>
       <p:ext uri="{BB962C8B-B14F-4D97-AF65-F5344CB8AC3E}">
-        <p14:creationId xmlns:p14="http://schemas.microsoft.com/office/powerpoint/2010/main" val="272062064"/>
+        <p14:creationId xmlns:p14="http://schemas.microsoft.com/office/powerpoint/2010/main" val="3924089562"/>
       </p:ext>
     </p:extLst>
   </p:cSld>
@@ -8771,7 +8897,7 @@
           <p:cNvPr id="2" name="Заголовок 1">
             <a:extLst>
               <a:ext uri="{FF2B5EF4-FFF2-40B4-BE49-F238E27FC236}">
-                <a16:creationId xmlns:a16="http://schemas.microsoft.com/office/drawing/2014/main" id="{ADF4A86F-0070-9B4F-B591-D166161DC781}"/>
+                <a16:creationId xmlns:a16="http://schemas.microsoft.com/office/drawing/2014/main" id="{26F86A81-AF58-8148-A0D9-3703F6275315}"/>
               </a:ext>
             </a:extLst>
           </p:cNvPr>
@@ -8784,8 +8910,8 @@
         </p:nvSpPr>
         <p:spPr>
           <a:xfrm>
-            <a:off x="838200" y="365126"/>
-            <a:ext cx="10515600" cy="793824"/>
+            <a:off x="838200" y="365125"/>
+            <a:ext cx="10515600" cy="783191"/>
           </a:xfrm>
         </p:spPr>
         <p:txBody>
@@ -8802,9 +8928,12 @@
             </a:r>
             <a:r>
               <a:rPr lang="en" dirty="0"/>
-              <a:t>Product Backlog)</a:t>
-            </a:r>
-            <a:endParaRPr lang="ru-RU" dirty="0"/>
+              <a:t>Product Backlog</a:t>
+            </a:r>
+            <a:r>
+              <a:rPr lang="ru-RU" dirty="0"/>
+              <a:t>)</a:t>
+            </a:r>
           </a:p>
         </p:txBody>
       </p:sp>
@@ -8813,7 +8942,7 @@
           <p:cNvPr id="3" name="Объект 2">
             <a:extLst>
               <a:ext uri="{FF2B5EF4-FFF2-40B4-BE49-F238E27FC236}">
-                <a16:creationId xmlns:a16="http://schemas.microsoft.com/office/drawing/2014/main" id="{2F9987A5-E5CA-6844-B4F9-1E34A1AA156B}"/>
+                <a16:creationId xmlns:a16="http://schemas.microsoft.com/office/drawing/2014/main" id="{5C0C7C95-E8CC-994D-9F75-0F0D1A049D33}"/>
               </a:ext>
             </a:extLst>
           </p:cNvPr>
@@ -8826,75 +8955,122 @@
         </p:nvSpPr>
         <p:spPr>
           <a:xfrm>
-            <a:off x="838200" y="1307805"/>
-            <a:ext cx="10515600" cy="4869158"/>
+            <a:off x="838200" y="1307804"/>
+            <a:ext cx="10515600" cy="5028647"/>
           </a:xfrm>
         </p:spPr>
         <p:txBody>
-          <a:bodyPr/>
+          <a:bodyPr>
+            <a:normAutofit/>
+          </a:bodyPr>
           <a:lstStyle/>
           <a:p>
-            <a:r>
-              <a:rPr lang="ru-RU" dirty="0"/>
-              <a:t>содержит фичи (</a:t>
-            </a:r>
-            <a:r>
-              <a:rPr lang="en" dirty="0"/>
-              <a:t>user story), </a:t>
-            </a:r>
-            <a:r>
-              <a:rPr lang="ru-RU" dirty="0"/>
-              <a:t>а не технические задачи</a:t>
-            </a:r>
-          </a:p>
-          <a:p>
-            <a:r>
-              <a:rPr lang="ru-RU" dirty="0"/>
-              <a:t>виден каждому</a:t>
-            </a:r>
-          </a:p>
-          <a:p>
-            <a:r>
-              <a:rPr lang="ru-RU" dirty="0"/>
-              <a:t>обновляется перед планированием спринта</a:t>
-            </a:r>
-          </a:p>
-          <a:p>
-            <a:r>
-              <a:rPr lang="en" dirty="0"/>
-              <a:t>PO </a:t>
-            </a:r>
-            <a:r>
-              <a:rPr lang="ru-RU" dirty="0"/>
-              <a:t>управляет и координирует </a:t>
-            </a:r>
-            <a:r>
-              <a:rPr lang="en" dirty="0"/>
-              <a:t>backlog</a:t>
-            </a:r>
-            <a:endParaRPr lang="ru-RU" dirty="0"/>
-          </a:p>
-          <a:p>
-            <a:r>
-              <a:rPr lang="en" dirty="0"/>
-              <a:t>PO </a:t>
-            </a:r>
-            <a:r>
-              <a:rPr lang="ru-RU" dirty="0"/>
-              <a:t>понимает все фичи / пользовательские истории из </a:t>
-            </a:r>
-            <a:r>
-              <a:rPr lang="ru-RU" dirty="0" err="1"/>
-              <a:t>бэклога</a:t>
-            </a:r>
-            <a:endParaRPr lang="ru-RU" dirty="0"/>
+            <a:pPr marL="0" indent="0">
+              <a:buNone/>
+            </a:pPr>
+            <a:r>
+              <a:rPr lang="en" dirty="0"/>
+              <a:t>Product Backlog — </a:t>
+            </a:r>
+            <a:r>
+              <a:rPr lang="ru-RU" dirty="0"/>
+              <a:t>это упорядоченный и постоянно обновляемый список того, что необходимо для улучшения продукта. Это единственный источник работы, выполняемой </a:t>
+            </a:r>
+            <a:r>
+              <a:rPr lang="en" dirty="0"/>
+              <a:t>Scrum Team</a:t>
+            </a:r>
+            <a:r>
+              <a:rPr lang="ru-RU" dirty="0"/>
+              <a:t>.</a:t>
+            </a:r>
+          </a:p>
+          <a:p>
+            <a:pPr marL="0" indent="0">
+              <a:buNone/>
+            </a:pPr>
+            <a:r>
+              <a:rPr lang="en" dirty="0"/>
+              <a:t>Product Backlog</a:t>
+            </a:r>
+            <a:r>
+              <a:rPr lang="ru-RU" dirty="0"/>
+              <a:t> продукта может включать:</a:t>
+            </a:r>
+          </a:p>
+          <a:p>
+            <a:r>
+              <a:rPr lang="ru-RU" dirty="0"/>
+              <a:t>фичи (пользовательские истории, эпики, запросы на изменения)</a:t>
+            </a:r>
+          </a:p>
+          <a:p>
+            <a:r>
+              <a:rPr lang="ru-RU" dirty="0"/>
+              <a:t>баги</a:t>
+            </a:r>
+          </a:p>
+          <a:p>
+            <a:r>
+              <a:rPr lang="ru-RU" dirty="0"/>
+              <a:t>технический долг, технические истории</a:t>
+            </a:r>
+          </a:p>
+          <a:p>
+            <a:r>
+              <a:rPr lang="ru-RU" dirty="0"/>
+              <a:t>задачи, важные для команды, например "провести тренинг", "добавить памяти на машины".</a:t>
+            </a:r>
+            <a:endParaRPr lang="en-US" dirty="0"/>
+          </a:p>
+          <a:p>
+            <a:pPr marL="0" indent="0">
+              <a:buNone/>
+            </a:pPr>
+            <a:r>
+              <a:rPr lang="ru-RU" b="1" dirty="0">
+                <a:solidFill>
+                  <a:schemeClr val="accent1"/>
+                </a:solidFill>
+              </a:rPr>
+              <a:t>Приверженность: </a:t>
+            </a:r>
+            <a:r>
+              <a:rPr lang="en" b="1" dirty="0">
+                <a:solidFill>
+                  <a:schemeClr val="accent1"/>
+                </a:solidFill>
+              </a:rPr>
+              <a:t>Product Goal (</a:t>
+            </a:r>
+            <a:r>
+              <a:rPr lang="ru-RU" b="1" dirty="0">
+                <a:solidFill>
+                  <a:schemeClr val="accent1"/>
+                </a:solidFill>
+              </a:rPr>
+              <a:t>цель продукта</a:t>
+            </a:r>
+            <a:r>
+              <a:rPr lang="en" b="1" dirty="0">
+                <a:solidFill>
+                  <a:schemeClr val="accent1"/>
+                </a:solidFill>
+              </a:rPr>
+              <a:t>)</a:t>
+            </a:r>
+            <a:endParaRPr lang="en-US" b="1" dirty="0">
+              <a:solidFill>
+                <a:schemeClr val="accent1"/>
+              </a:solidFill>
+            </a:endParaRPr>
           </a:p>
         </p:txBody>
       </p:sp>
     </p:spTree>
     <p:extLst>
       <p:ext uri="{BB962C8B-B14F-4D97-AF65-F5344CB8AC3E}">
-        <p14:creationId xmlns:p14="http://schemas.microsoft.com/office/powerpoint/2010/main" val="4105613511"/>
+        <p14:creationId xmlns:p14="http://schemas.microsoft.com/office/powerpoint/2010/main" val="272062064"/>
       </p:ext>
     </p:extLst>
   </p:cSld>
@@ -8926,7 +9102,7 @@
           <p:cNvPr id="2" name="Заголовок 1">
             <a:extLst>
               <a:ext uri="{FF2B5EF4-FFF2-40B4-BE49-F238E27FC236}">
-                <a16:creationId xmlns:a16="http://schemas.microsoft.com/office/drawing/2014/main" id="{F41DC4A5-E809-5340-8FFB-68ED4BC22888}"/>
+                <a16:creationId xmlns:a16="http://schemas.microsoft.com/office/drawing/2014/main" id="{ADF4A86F-0070-9B4F-B591-D166161DC781}"/>
               </a:ext>
             </a:extLst>
           </p:cNvPr>
@@ -8940,7 +9116,7 @@
         <p:spPr>
           <a:xfrm>
             <a:off x="838200" y="365126"/>
-            <a:ext cx="10515600" cy="910782"/>
+            <a:ext cx="10515600" cy="793824"/>
           </a:xfrm>
         </p:spPr>
         <p:txBody>
@@ -8948,16 +9124,16 @@
           <a:lstStyle/>
           <a:p>
             <a:r>
-              <a:rPr lang="en" dirty="0"/>
-              <a:t>Product Backlog</a:t>
-            </a:r>
-            <a:r>
-              <a:rPr lang="ru-RU" dirty="0"/>
-              <a:t> </a:t>
-            </a:r>
-            <a:r>
-              <a:rPr lang="en-US" dirty="0"/>
-              <a:t>Grooming</a:t>
+              <a:rPr lang="ru-RU" dirty="0" err="1"/>
+              <a:t>Бэклог</a:t>
+            </a:r>
+            <a:r>
+              <a:rPr lang="ru-RU" dirty="0"/>
+              <a:t> продукта (</a:t>
+            </a:r>
+            <a:r>
+              <a:rPr lang="en" dirty="0"/>
+              <a:t>Product Backlog)</a:t>
             </a:r>
             <a:endParaRPr lang="ru-RU" dirty="0"/>
           </a:p>
@@ -8968,7 +9144,7 @@
           <p:cNvPr id="3" name="Объект 2">
             <a:extLst>
               <a:ext uri="{FF2B5EF4-FFF2-40B4-BE49-F238E27FC236}">
-                <a16:creationId xmlns:a16="http://schemas.microsoft.com/office/drawing/2014/main" id="{8E51DEE3-F2C8-D24B-810E-E674C9CD7341}"/>
+                <a16:creationId xmlns:a16="http://schemas.microsoft.com/office/drawing/2014/main" id="{2F9987A5-E5CA-6844-B4F9-1E34A1AA156B}"/>
               </a:ext>
             </a:extLst>
           </p:cNvPr>
@@ -8981,147 +9157,75 @@
         </p:nvSpPr>
         <p:spPr>
           <a:xfrm>
-            <a:off x="838200" y="1626781"/>
-            <a:ext cx="10515600" cy="4550182"/>
+            <a:off x="838200" y="1307805"/>
+            <a:ext cx="10515600" cy="4869158"/>
           </a:xfrm>
         </p:spPr>
         <p:txBody>
-          <a:bodyPr>
-            <a:normAutofit lnSpcReduction="10000"/>
-          </a:bodyPr>
+          <a:bodyPr/>
           <a:lstStyle/>
           <a:p>
             <a:r>
               <a:rPr lang="ru-RU" dirty="0"/>
-              <a:t>Элементы </a:t>
-            </a:r>
-            <a:r>
-              <a:rPr lang="en" dirty="0"/>
-              <a:t>Product Backlog, </a:t>
-            </a:r>
-            <a:r>
-              <a:rPr lang="ru-RU" dirty="0"/>
-              <a:t>которые могут быть реализованы </a:t>
-            </a:r>
-            <a:r>
-              <a:rPr lang="en" dirty="0"/>
-              <a:t>Scrum Team </a:t>
-            </a:r>
-            <a:r>
-              <a:rPr lang="ru-RU" dirty="0"/>
-              <a:t>до состояния готовности в течение одного </a:t>
-            </a:r>
-            <a:r>
-              <a:rPr lang="en" dirty="0"/>
-              <a:t>Sprint, </a:t>
-            </a:r>
-            <a:r>
-              <a:rPr lang="ru-RU" dirty="0"/>
-              <a:t>считаются готовыми для взятия в </a:t>
-            </a:r>
-            <a:r>
-              <a:rPr lang="en" dirty="0"/>
-              <a:t>Sprint </a:t>
-            </a:r>
-            <a:r>
-              <a:rPr lang="ru-RU" dirty="0"/>
-              <a:t>в ходе события </a:t>
-            </a:r>
-            <a:r>
-              <a:rPr lang="en" dirty="0"/>
-              <a:t>Sprint Planning.</a:t>
+              <a:t>содержит фичи (</a:t>
+            </a:r>
+            <a:r>
+              <a:rPr lang="en" dirty="0"/>
+              <a:t>user story), </a:t>
+            </a:r>
+            <a:r>
+              <a:rPr lang="ru-RU" dirty="0"/>
+              <a:t>а не технические задачи</a:t>
+            </a:r>
+          </a:p>
+          <a:p>
+            <a:r>
+              <a:rPr lang="ru-RU" dirty="0"/>
+              <a:t>виден каждому</a:t>
+            </a:r>
+          </a:p>
+          <a:p>
+            <a:r>
+              <a:rPr lang="ru-RU" dirty="0"/>
+              <a:t>обновляется перед планированием спринта</a:t>
+            </a:r>
+          </a:p>
+          <a:p>
+            <a:r>
+              <a:rPr lang="en" dirty="0"/>
+              <a:t>PO </a:t>
+            </a:r>
+            <a:r>
+              <a:rPr lang="ru-RU" dirty="0"/>
+              <a:t>управляет и координирует </a:t>
+            </a:r>
+            <a:r>
+              <a:rPr lang="en" dirty="0"/>
+              <a:t>backlog</a:t>
             </a:r>
             <a:endParaRPr lang="ru-RU" dirty="0"/>
           </a:p>
           <a:p>
             <a:r>
-              <a:rPr lang="ru-RU" dirty="0"/>
-              <a:t>Уточнение </a:t>
-            </a:r>
-            <a:r>
-              <a:rPr lang="en" dirty="0"/>
-              <a:t>Product Backlog </a:t>
-            </a:r>
-            <a:r>
-              <a:rPr lang="ru-RU" dirty="0"/>
-              <a:t>(</a:t>
-            </a:r>
-            <a:r>
-              <a:rPr lang="ru-RU" b="1" dirty="0" err="1"/>
-              <a:t>B</a:t>
-            </a:r>
-            <a:r>
-              <a:rPr lang="en-US" b="1" dirty="0" err="1"/>
-              <a:t>acklog</a:t>
-            </a:r>
-            <a:r>
-              <a:rPr lang="en-US" b="1" dirty="0"/>
-              <a:t> Grooming</a:t>
-            </a:r>
-            <a:r>
-              <a:rPr lang="ru-RU" dirty="0"/>
-              <a:t>) </a:t>
-            </a:r>
-            <a:r>
-              <a:rPr lang="en" dirty="0"/>
-              <a:t>— </a:t>
-            </a:r>
-            <a:r>
-              <a:rPr lang="ru-RU" dirty="0"/>
-              <a:t>это процесс разбиения элементов </a:t>
-            </a:r>
-            <a:r>
-              <a:rPr lang="en" dirty="0"/>
-              <a:t>Product Backlog </a:t>
-            </a:r>
-            <a:r>
-              <a:rPr lang="ru-RU" dirty="0"/>
-              <a:t>на более мелкие и конкретные элементы, и их дальнейшего уточнения.</a:t>
-            </a:r>
-            <a:br>
-              <a:rPr lang="ru-RU" dirty="0"/>
-            </a:br>
-            <a:r>
-              <a:rPr lang="en-US" dirty="0" err="1"/>
-              <a:t>Э</a:t>
-            </a:r>
-            <a:r>
-              <a:rPr lang="ru-RU" dirty="0"/>
-              <a:t>то деятельность по добавлению деталей, таких как описание, порядок и размер. Оценку размера элементов производят </a:t>
-            </a:r>
-            <a:r>
-              <a:rPr lang="en" dirty="0"/>
-              <a:t>Developers, </a:t>
-            </a:r>
-            <a:r>
-              <a:rPr lang="ru-RU" dirty="0"/>
-              <a:t>которые будут выполнять работу.</a:t>
-            </a:r>
-          </a:p>
-          <a:p>
-            <a:r>
-              <a:rPr lang="en" dirty="0"/>
-              <a:t>Product Owner </a:t>
-            </a:r>
-            <a:r>
-              <a:rPr lang="ru-RU" dirty="0"/>
-              <a:t>может влиять на </a:t>
-            </a:r>
-            <a:r>
-              <a:rPr lang="en" dirty="0"/>
-              <a:t>Developers, </a:t>
-            </a:r>
-            <a:r>
-              <a:rPr lang="ru-RU" dirty="0"/>
-              <a:t>помогая им понять элементы и обсуждая компромиссы.</a:t>
-            </a:r>
+              <a:rPr lang="en" dirty="0"/>
+              <a:t>PO </a:t>
+            </a:r>
+            <a:r>
+              <a:rPr lang="ru-RU" dirty="0"/>
+              <a:t>понимает все фичи / пользовательские истории из </a:t>
+            </a:r>
+            <a:r>
+              <a:rPr lang="ru-RU" dirty="0" err="1"/>
+              <a:t>бэклога</a:t>
+            </a:r>
+            <a:endParaRPr lang="ru-RU" dirty="0"/>
           </a:p>
         </p:txBody>
       </p:sp>
     </p:spTree>
     <p:extLst>
       <p:ext uri="{BB962C8B-B14F-4D97-AF65-F5344CB8AC3E}">
-        <p14:creationId xmlns:p14="http://schemas.microsoft.com/office/powerpoint/2010/main" val="4243102763"/>
+        <p14:creationId xmlns:p14="http://schemas.microsoft.com/office/powerpoint/2010/main" val="4105613511"/>
       </p:ext>
     </p:extLst>
   </p:cSld>
@@ -9153,7 +9257,7 @@
           <p:cNvPr id="2" name="Заголовок 1">
             <a:extLst>
               <a:ext uri="{FF2B5EF4-FFF2-40B4-BE49-F238E27FC236}">
-                <a16:creationId xmlns:a16="http://schemas.microsoft.com/office/drawing/2014/main" id="{C7B3BB6D-9445-3D4F-955A-6612F83502C1}"/>
+                <a16:creationId xmlns:a16="http://schemas.microsoft.com/office/drawing/2014/main" id="{F41DC4A5-E809-5340-8FFB-68ED4BC22888}"/>
               </a:ext>
             </a:extLst>
           </p:cNvPr>
@@ -9167,275 +9271,188 @@
         <p:spPr>
           <a:xfrm>
             <a:off x="838200" y="365126"/>
-            <a:ext cx="10515600" cy="900148"/>
+            <a:ext cx="10515600" cy="910782"/>
           </a:xfrm>
         </p:spPr>
         <p:txBody>
+          <a:bodyPr/>
+          <a:lstStyle/>
+          <a:p>
+            <a:r>
+              <a:rPr lang="en" dirty="0"/>
+              <a:t>Product Backlog</a:t>
+            </a:r>
+            <a:r>
+              <a:rPr lang="ru-RU" dirty="0"/>
+              <a:t> </a:t>
+            </a:r>
+            <a:r>
+              <a:rPr lang="en-US" dirty="0"/>
+              <a:t>Grooming</a:t>
+            </a:r>
+            <a:endParaRPr lang="ru-RU" dirty="0"/>
+          </a:p>
+        </p:txBody>
+      </p:sp>
+      <p:sp>
+        <p:nvSpPr>
+          <p:cNvPr id="3" name="Объект 2">
+            <a:extLst>
+              <a:ext uri="{FF2B5EF4-FFF2-40B4-BE49-F238E27FC236}">
+                <a16:creationId xmlns:a16="http://schemas.microsoft.com/office/drawing/2014/main" id="{8E51DEE3-F2C8-D24B-810E-E674C9CD7341}"/>
+              </a:ext>
+            </a:extLst>
+          </p:cNvPr>
+          <p:cNvSpPr>
+            <a:spLocks noGrp="1"/>
+          </p:cNvSpPr>
+          <p:nvPr>
+            <p:ph idx="1"/>
+          </p:nvPr>
+        </p:nvSpPr>
+        <p:spPr>
+          <a:xfrm>
+            <a:off x="838200" y="1626781"/>
+            <a:ext cx="10515600" cy="4550182"/>
+          </a:xfrm>
+        </p:spPr>
+        <p:txBody>
           <a:bodyPr>
-            <a:normAutofit fontScale="90000"/>
+            <a:normAutofit lnSpcReduction="10000"/>
           </a:bodyPr>
           <a:lstStyle/>
           <a:p>
             <a:r>
               <a:rPr lang="ru-RU" dirty="0"/>
-              <a:t>План итерации</a:t>
-            </a:r>
-            <a:r>
-              <a:rPr lang="en" dirty="0"/>
-              <a:t> / </a:t>
-            </a:r>
-            <a:r>
-              <a:rPr lang="ru-RU" dirty="0" err="1"/>
-              <a:t>бэклог</a:t>
-            </a:r>
-            <a:r>
-              <a:rPr lang="ru-RU" dirty="0"/>
-              <a:t> спринта (S</a:t>
-            </a:r>
-            <a:r>
-              <a:rPr lang="en" dirty="0"/>
-              <a:t>print Backlog)</a:t>
+              <a:t>Элементы </a:t>
+            </a:r>
+            <a:r>
+              <a:rPr lang="en" dirty="0"/>
+              <a:t>Product Backlog, </a:t>
+            </a:r>
+            <a:r>
+              <a:rPr lang="ru-RU" dirty="0"/>
+              <a:t>которые могут быть реализованы </a:t>
+            </a:r>
+            <a:r>
+              <a:rPr lang="en" dirty="0"/>
+              <a:t>Scrum Team </a:t>
+            </a:r>
+            <a:r>
+              <a:rPr lang="ru-RU" dirty="0"/>
+              <a:t>до состояния готовности в течение одного </a:t>
+            </a:r>
+            <a:r>
+              <a:rPr lang="en" dirty="0"/>
+              <a:t>Sprint, </a:t>
+            </a:r>
+            <a:r>
+              <a:rPr lang="ru-RU" dirty="0"/>
+              <a:t>считаются готовыми для взятия в </a:t>
+            </a:r>
+            <a:r>
+              <a:rPr lang="en" dirty="0"/>
+              <a:t>Sprint </a:t>
+            </a:r>
+            <a:r>
+              <a:rPr lang="ru-RU" dirty="0"/>
+              <a:t>в ходе события </a:t>
+            </a:r>
+            <a:r>
+              <a:rPr lang="en" dirty="0"/>
+              <a:t>Sprint Planning.</a:t>
             </a:r>
             <a:endParaRPr lang="ru-RU" dirty="0"/>
           </a:p>
-        </p:txBody>
-      </p:sp>
-      <p:sp>
-        <p:nvSpPr>
-          <p:cNvPr id="3" name="Объект 2">
-            <a:extLst>
-              <a:ext uri="{FF2B5EF4-FFF2-40B4-BE49-F238E27FC236}">
-                <a16:creationId xmlns:a16="http://schemas.microsoft.com/office/drawing/2014/main" id="{95E582F9-E754-2447-A9FC-C8FA7EC2B319}"/>
-              </a:ext>
-            </a:extLst>
-          </p:cNvPr>
-          <p:cNvSpPr>
-            <a:spLocks noGrp="1"/>
-          </p:cNvSpPr>
-          <p:nvPr>
-            <p:ph idx="1"/>
-          </p:nvPr>
-        </p:nvSpPr>
-        <p:spPr>
-          <a:xfrm>
-            <a:off x="838200" y="1499191"/>
-            <a:ext cx="10515600" cy="5146158"/>
-          </a:xfrm>
-        </p:spPr>
-        <p:txBody>
-          <a:bodyPr>
-            <a:normAutofit fontScale="77500" lnSpcReduction="20000"/>
-          </a:bodyPr>
-          <a:lstStyle/>
-          <a:p>
-            <a:pPr marL="0" indent="0">
-              <a:buNone/>
-            </a:pPr>
-            <a:r>
-              <a:rPr lang="en" b="1" dirty="0"/>
-              <a:t>Sprint Backlog</a:t>
-            </a:r>
-            <a:r>
-              <a:rPr lang="en" dirty="0"/>
-              <a:t> </a:t>
-            </a:r>
-            <a:r>
-              <a:rPr lang="ru-RU" dirty="0"/>
-              <a:t>состоит из </a:t>
-            </a:r>
-            <a:r>
-              <a:rPr lang="en" b="1" dirty="0"/>
-              <a:t>Sprint Goal </a:t>
-            </a:r>
-            <a:r>
-              <a:rPr lang="en" dirty="0"/>
+          <a:p>
+            <a:r>
+              <a:rPr lang="ru-RU" dirty="0"/>
+              <a:t>Уточнение </a:t>
+            </a:r>
+            <a:r>
+              <a:rPr lang="en" dirty="0"/>
+              <a:t>Product Backlog </a:t>
+            </a:r>
+            <a:r>
+              <a:rPr lang="ru-RU" dirty="0"/>
               <a:t>(</a:t>
             </a:r>
             <a:r>
-              <a:rPr lang="ru-RU" i="1" dirty="0"/>
-              <a:t>почему</a:t>
-            </a:r>
-            <a:r>
-              <a:rPr lang="ru-RU" dirty="0"/>
-              <a:t>), набора выбранных на </a:t>
-            </a:r>
-            <a:r>
-              <a:rPr lang="en" dirty="0"/>
-              <a:t>Sprint </a:t>
-            </a:r>
-            <a:r>
-              <a:rPr lang="ru-RU" dirty="0"/>
-              <a:t>элементов </a:t>
-            </a:r>
-            <a:r>
-              <a:rPr lang="en" b="1" dirty="0"/>
+              <a:rPr lang="ru-RU" b="1" dirty="0" err="1"/>
+              <a:t>B</a:t>
+            </a:r>
+            <a:r>
+              <a:rPr lang="en-US" b="1" dirty="0" err="1"/>
+              <a:t>acklog</a:t>
+            </a:r>
+            <a:r>
+              <a:rPr lang="en-US" b="1" dirty="0"/>
+              <a:t> Grooming</a:t>
+            </a:r>
+            <a:r>
+              <a:rPr lang="ru-RU" dirty="0"/>
+              <a:t>) </a:t>
+            </a:r>
+            <a:r>
+              <a:rPr lang="en" dirty="0"/>
+              <a:t>— </a:t>
+            </a:r>
+            <a:r>
+              <a:rPr lang="ru-RU" dirty="0"/>
+              <a:t>это процесс разбиения элементов </a:t>
+            </a:r>
+            <a:r>
+              <a:rPr lang="en" dirty="0"/>
               <a:t>Product Backlog </a:t>
             </a:r>
             <a:r>
-              <a:rPr lang="en" dirty="0"/>
-              <a:t>(</a:t>
-            </a:r>
-            <a:r>
-              <a:rPr lang="ru-RU" i="1" dirty="0"/>
-              <a:t>что</a:t>
-            </a:r>
-            <a:r>
-              <a:rPr lang="ru-RU" dirty="0"/>
-              <a:t>), а также осуществимого плана действий по поставке </a:t>
-            </a:r>
-            <a:r>
-              <a:rPr lang="en" i="1" dirty="0"/>
-              <a:t>Increment</a:t>
-            </a:r>
-            <a:r>
-              <a:rPr lang="en" dirty="0"/>
-              <a:t> (</a:t>
-            </a:r>
-            <a:r>
-              <a:rPr lang="ru-RU" i="1" dirty="0"/>
-              <a:t>как</a:t>
-            </a:r>
-            <a:r>
-              <a:rPr lang="ru-RU" dirty="0"/>
-              <a:t>)</a:t>
-            </a:r>
-            <a:r>
-              <a:rPr lang="en-US" dirty="0"/>
-              <a:t>.</a:t>
-            </a:r>
-          </a:p>
-          <a:p>
-            <a:pPr marL="0" indent="0">
-              <a:buNone/>
-            </a:pPr>
-            <a:r>
-              <a:rPr lang="ru-RU" dirty="0"/>
-              <a:t>План итерации — набор фич </a:t>
-            </a:r>
-            <a:r>
-              <a:rPr lang="en-US" dirty="0"/>
-              <a:t>(user story)</a:t>
-            </a:r>
-            <a:r>
-              <a:rPr lang="ru-RU" dirty="0"/>
-              <a:t> и задач (на которые фичи декомпозируются), которые команда собирается выполнить в итерацию.</a:t>
-            </a:r>
-          </a:p>
-          <a:p>
-            <a:pPr marL="0" indent="0">
-              <a:buNone/>
-            </a:pPr>
-            <a:r>
-              <a:rPr lang="ru-RU" dirty="0"/>
-              <a:t>План итерации поддерживается командой в актуальном состоянии в течение итерации.</a:t>
-            </a:r>
-            <a:endParaRPr lang="en" dirty="0"/>
-          </a:p>
-          <a:p>
-            <a:pPr marL="0" indent="0">
-              <a:spcBef>
-                <a:spcPts val="1600"/>
-              </a:spcBef>
-              <a:buNone/>
-            </a:pPr>
-            <a:r>
-              <a:rPr lang="ru-RU" dirty="0" err="1"/>
-              <a:t>Чеклист</a:t>
-            </a:r>
-            <a:r>
-              <a:rPr lang="ru-RU" dirty="0"/>
-              <a:t>:</a:t>
-            </a:r>
-          </a:p>
-          <a:p>
-            <a:r>
-              <a:rPr lang="ru-RU" dirty="0"/>
-              <a:t>Все видят план итерации</a:t>
-            </a:r>
-          </a:p>
-          <a:p>
-            <a:r>
-              <a:rPr lang="ru-RU" dirty="0"/>
-              <a:t>Для каждой фичи из </a:t>
-            </a:r>
-            <a:r>
-              <a:rPr lang="ru-RU" dirty="0" err="1"/>
-              <a:t>бэклога</a:t>
-            </a:r>
-            <a:r>
-              <a:rPr lang="ru-RU" dirty="0"/>
-              <a:t> указаны критерии приёмки / сценарий демонстрации</a:t>
-            </a:r>
-          </a:p>
-          <a:p>
-            <a:r>
-              <a:rPr lang="ru-RU" dirty="0"/>
-              <a:t>Каждая фича на плане декомпозируется в технические задачи</a:t>
-            </a:r>
-          </a:p>
-          <a:p>
-            <a:r>
-              <a:rPr lang="ru-RU" dirty="0"/>
-              <a:t>Оценки и приоритеты задач при необходимости корректируются членами команды в течение итерации</a:t>
-            </a:r>
-          </a:p>
-          <a:p>
-            <a:r>
-              <a:rPr lang="ru-RU" dirty="0"/>
-              <a:t>Члены команды регулярно актуализируют план</a:t>
-            </a:r>
-          </a:p>
-          <a:p>
-            <a:pPr marL="0" indent="0">
-              <a:spcBef>
-                <a:spcPts val="2200"/>
-              </a:spcBef>
-              <a:buNone/>
-            </a:pPr>
-            <a:r>
-              <a:rPr lang="ru-RU" b="1" dirty="0">
-                <a:solidFill>
-                  <a:schemeClr val="accent1"/>
-                </a:solidFill>
-              </a:rPr>
-              <a:t>Приверженность: </a:t>
-            </a:r>
-            <a:r>
-              <a:rPr lang="en" b="1" dirty="0">
-                <a:solidFill>
-                  <a:schemeClr val="accent1"/>
-                </a:solidFill>
-              </a:rPr>
-              <a:t>Sprint Goal (</a:t>
-            </a:r>
-            <a:r>
-              <a:rPr lang="ru-RU" b="1" dirty="0">
-                <a:solidFill>
-                  <a:schemeClr val="accent1"/>
-                </a:solidFill>
-              </a:rPr>
-              <a:t>цель спринта</a:t>
-            </a:r>
-            <a:r>
-              <a:rPr lang="en" b="1" dirty="0">
-                <a:solidFill>
-                  <a:schemeClr val="accent1"/>
-                </a:solidFill>
-              </a:rPr>
-              <a:t>)</a:t>
-            </a:r>
-            <a:endParaRPr lang="en-US" b="1" dirty="0">
-              <a:solidFill>
-                <a:schemeClr val="accent1"/>
-              </a:solidFill>
-            </a:endParaRPr>
+              <a:rPr lang="ru-RU" dirty="0"/>
+              <a:t>на более мелкие и конкретные элементы, и их дальнейшего уточнения.</a:t>
+            </a:r>
+            <a:br>
+              <a:rPr lang="ru-RU" dirty="0"/>
+            </a:br>
+            <a:r>
+              <a:rPr lang="en-US" dirty="0" err="1"/>
+              <a:t>Э</a:t>
+            </a:r>
+            <a:r>
+              <a:rPr lang="ru-RU" dirty="0"/>
+              <a:t>то деятельность по добавлению деталей, таких как описание, порядок и размер. Оценку размера элементов производят </a:t>
+            </a:r>
+            <a:r>
+              <a:rPr lang="en" dirty="0"/>
+              <a:t>Developers, </a:t>
+            </a:r>
+            <a:r>
+              <a:rPr lang="ru-RU" dirty="0"/>
+              <a:t>которые будут выполнять работу.</a:t>
+            </a:r>
+          </a:p>
+          <a:p>
+            <a:r>
+              <a:rPr lang="en" dirty="0"/>
+              <a:t>Product Owner </a:t>
+            </a:r>
+            <a:r>
+              <a:rPr lang="ru-RU" dirty="0"/>
+              <a:t>может влиять на </a:t>
+            </a:r>
+            <a:r>
+              <a:rPr lang="en" dirty="0"/>
+              <a:t>Developers, </a:t>
+            </a:r>
+            <a:r>
+              <a:rPr lang="ru-RU" dirty="0"/>
+              <a:t>помогая им понять элементы и обсуждая компромиссы.</a:t>
+            </a:r>
           </a:p>
         </p:txBody>
       </p:sp>
     </p:spTree>
     <p:extLst>
       <p:ext uri="{BB962C8B-B14F-4D97-AF65-F5344CB8AC3E}">
-        <p14:creationId xmlns:p14="http://schemas.microsoft.com/office/powerpoint/2010/main" val="174384388"/>
+        <p14:creationId xmlns:p14="http://schemas.microsoft.com/office/powerpoint/2010/main" val="4243102763"/>
       </p:ext>
     </p:extLst>
   </p:cSld>
@@ -9467,7 +9484,7 @@
           <p:cNvPr id="2" name="Заголовок 1">
             <a:extLst>
               <a:ext uri="{FF2B5EF4-FFF2-40B4-BE49-F238E27FC236}">
-                <a16:creationId xmlns:a16="http://schemas.microsoft.com/office/drawing/2014/main" id="{A632B2E2-863C-A14F-893F-25FB356378BA}"/>
+                <a16:creationId xmlns:a16="http://schemas.microsoft.com/office/drawing/2014/main" id="{C7B3BB6D-9445-3D4F-955A-6612F83502C1}"/>
               </a:ext>
             </a:extLst>
           </p:cNvPr>
@@ -9480,26 +9497,37 @@
         </p:nvSpPr>
         <p:spPr>
           <a:xfrm>
-            <a:off x="838200" y="365125"/>
-            <a:ext cx="10515600" cy="900149"/>
+            <a:off x="838200" y="365126"/>
+            <a:ext cx="10515600" cy="900148"/>
           </a:xfrm>
         </p:spPr>
         <p:txBody>
-          <a:bodyPr/>
+          <a:bodyPr>
+            <a:normAutofit fontScale="90000"/>
+          </a:bodyPr>
           <a:lstStyle/>
           <a:p>
             <a:r>
               <a:rPr lang="ru-RU" dirty="0"/>
-              <a:t>Цель спринта (</a:t>
-            </a:r>
-            <a:r>
-              <a:rPr lang="en" dirty="0"/>
-              <a:t>Sprint Goal</a:t>
-            </a:r>
-            <a:r>
-              <a:rPr lang="ru-RU" dirty="0"/>
-              <a:t>)</a:t>
-            </a:r>
+              <a:t>План итерации</a:t>
+            </a:r>
+            <a:r>
+              <a:rPr lang="en" dirty="0"/>
+              <a:t> / </a:t>
+            </a:r>
+            <a:r>
+              <a:rPr lang="ru-RU" dirty="0" err="1"/>
+              <a:t>бэклог</a:t>
+            </a:r>
+            <a:r>
+              <a:rPr lang="ru-RU" dirty="0"/>
+              <a:t> спринта (S</a:t>
+            </a:r>
+            <a:r>
+              <a:rPr lang="en" dirty="0"/>
+              <a:t>print Backlog)</a:t>
+            </a:r>
+            <a:endParaRPr lang="ru-RU" dirty="0"/>
           </a:p>
         </p:txBody>
       </p:sp>
@@ -9508,7 +9536,7 @@
           <p:cNvPr id="3" name="Объект 2">
             <a:extLst>
               <a:ext uri="{FF2B5EF4-FFF2-40B4-BE49-F238E27FC236}">
-                <a16:creationId xmlns:a16="http://schemas.microsoft.com/office/drawing/2014/main" id="{BA028D8C-BED4-7B4E-9093-4F9ADADA698D}"/>
+                <a16:creationId xmlns:a16="http://schemas.microsoft.com/office/drawing/2014/main" id="{95E582F9-E754-2447-A9FC-C8FA7EC2B319}"/>
               </a:ext>
             </a:extLst>
           </p:cNvPr>
@@ -9521,178 +9549,224 @@
         </p:nvSpPr>
         <p:spPr>
           <a:xfrm>
-            <a:off x="838200" y="1552354"/>
-            <a:ext cx="10515600" cy="4624610"/>
+            <a:off x="838200" y="1499191"/>
+            <a:ext cx="10515600" cy="5146158"/>
           </a:xfrm>
         </p:spPr>
         <p:txBody>
           <a:bodyPr>
-            <a:normAutofit fontScale="92500" lnSpcReduction="20000"/>
+            <a:normAutofit fontScale="77500" lnSpcReduction="20000"/>
           </a:bodyPr>
           <a:lstStyle/>
           <a:p>
-            <a:r>
-              <a:rPr lang="ru-RU" dirty="0"/>
-              <a:t>Цель спринта (</a:t>
-            </a:r>
-            <a:r>
-              <a:rPr lang="en" dirty="0"/>
-              <a:t>Sprint Goal</a:t>
+            <a:pPr marL="0" indent="0">
+              <a:buNone/>
+            </a:pPr>
+            <a:r>
+              <a:rPr lang="en" b="1" dirty="0"/>
+              <a:t>Sprint Backlog</a:t>
+            </a:r>
+            <a:r>
+              <a:rPr lang="en" dirty="0"/>
+              <a:t> </a:t>
+            </a:r>
+            <a:r>
+              <a:rPr lang="ru-RU" dirty="0"/>
+              <a:t>состоит из </a:t>
+            </a:r>
+            <a:r>
+              <a:rPr lang="en" b="1" dirty="0"/>
+              <a:t>Sprint Goal </a:t>
+            </a:r>
+            <a:r>
+              <a:rPr lang="en" dirty="0"/>
+              <a:t>(</a:t>
+            </a:r>
+            <a:r>
+              <a:rPr lang="ru-RU" i="1" dirty="0"/>
+              <a:t>почему</a:t>
+            </a:r>
+            <a:r>
+              <a:rPr lang="ru-RU" dirty="0"/>
+              <a:t>), набора выбранных на </a:t>
+            </a:r>
+            <a:r>
+              <a:rPr lang="en" dirty="0"/>
+              <a:t>Sprint </a:t>
+            </a:r>
+            <a:r>
+              <a:rPr lang="ru-RU" dirty="0"/>
+              <a:t>элементов </a:t>
+            </a:r>
+            <a:r>
+              <a:rPr lang="en" b="1" dirty="0"/>
+              <a:t>Product Backlog </a:t>
+            </a:r>
+            <a:r>
+              <a:rPr lang="en" dirty="0"/>
+              <a:t>(</a:t>
+            </a:r>
+            <a:r>
+              <a:rPr lang="ru-RU" i="1" dirty="0"/>
+              <a:t>что</a:t>
+            </a:r>
+            <a:r>
+              <a:rPr lang="ru-RU" dirty="0"/>
+              <a:t>), а также осуществимого плана действий по поставке </a:t>
+            </a:r>
+            <a:r>
+              <a:rPr lang="en" i="1" dirty="0"/>
+              <a:t>Increment</a:t>
+            </a:r>
+            <a:r>
+              <a:rPr lang="en" dirty="0"/>
+              <a:t> (</a:t>
+            </a:r>
+            <a:r>
+              <a:rPr lang="ru-RU" i="1" dirty="0"/>
+              <a:t>как</a:t>
             </a:r>
             <a:r>
               <a:rPr lang="ru-RU" dirty="0"/>
               <a:t>)</a:t>
             </a:r>
             <a:r>
-              <a:rPr lang="en" dirty="0"/>
-              <a:t> — </a:t>
-            </a:r>
-            <a:r>
-              <a:rPr lang="ru-RU" dirty="0"/>
-              <a:t>единственная цель на </a:t>
-            </a:r>
-            <a:r>
-              <a:rPr lang="en" dirty="0"/>
-              <a:t>Sprint. </a:t>
-            </a:r>
-            <a:r>
-              <a:rPr lang="ru-RU" dirty="0"/>
-              <a:t>Несмотря на то, что </a:t>
-            </a:r>
-            <a:r>
-              <a:rPr lang="en" dirty="0"/>
-              <a:t>Developers </a:t>
-            </a:r>
-            <a:r>
-              <a:rPr lang="ru-RU" dirty="0"/>
-              <a:t>привержены </a:t>
-            </a:r>
-            <a:r>
-              <a:rPr lang="en" dirty="0"/>
-              <a:t>Sprint Goal, </a:t>
-            </a:r>
-            <a:r>
-              <a:rPr lang="ru-RU" dirty="0"/>
-              <a:t>она обеспечивает гибкость с точки зрения выбора конкретной работы, необходимой для ее достижения.</a:t>
-            </a:r>
-          </a:p>
-          <a:p>
-            <a:r>
-              <a:rPr lang="en" dirty="0"/>
-              <a:t>Sprint Goal </a:t>
-            </a:r>
-            <a:r>
-              <a:rPr lang="ru-RU" dirty="0"/>
-              <a:t>также обеспечивает связность и </a:t>
-            </a:r>
+              <a:rPr lang="en-US" dirty="0"/>
+              <a:t>.</a:t>
+            </a:r>
+          </a:p>
+          <a:p>
+            <a:pPr marL="0" indent="0">
+              <a:buNone/>
+            </a:pPr>
+            <a:r>
+              <a:rPr lang="ru-RU" dirty="0"/>
+              <a:t>План итерации — набор фич </a:t>
+            </a:r>
+            <a:r>
+              <a:rPr lang="en-US" dirty="0"/>
+              <a:t>(user story)</a:t>
+            </a:r>
+            <a:r>
+              <a:rPr lang="ru-RU" dirty="0"/>
+              <a:t> и задач (на которые фичи декомпозируются), которые команда собирается выполнить в итерацию.</a:t>
+            </a:r>
+          </a:p>
+          <a:p>
+            <a:pPr marL="0" indent="0">
+              <a:buNone/>
+            </a:pPr>
+            <a:r>
+              <a:rPr lang="ru-RU" dirty="0"/>
+              <a:t>План итерации поддерживается командой в актуальном состоянии в течение итерации.</a:t>
+            </a:r>
+            <a:endParaRPr lang="en" dirty="0"/>
+          </a:p>
+          <a:p>
+            <a:pPr marL="0" indent="0">
+              <a:spcBef>
+                <a:spcPts val="1600"/>
+              </a:spcBef>
+              <a:buNone/>
+            </a:pPr>
             <a:r>
               <a:rPr lang="ru-RU" dirty="0" err="1"/>
-              <a:t>сфокусированность</a:t>
-            </a:r>
-            <a:r>
-              <a:rPr lang="ru-RU" dirty="0"/>
-              <a:t>, побуждая </a:t>
-            </a:r>
-            <a:r>
-              <a:rPr lang="en" dirty="0"/>
-              <a:t>Scrum Team </a:t>
-            </a:r>
-            <a:r>
-              <a:rPr lang="ru-RU" dirty="0"/>
-              <a:t>работать совместно, а не над отдельными инициативами.</a:t>
-            </a:r>
-          </a:p>
-          <a:p>
-            <a:r>
-              <a:rPr lang="en" dirty="0"/>
-              <a:t>Sprint Goal </a:t>
-            </a:r>
-            <a:r>
-              <a:rPr lang="ru-RU" dirty="0"/>
-              <a:t>создается во время </a:t>
-            </a:r>
-            <a:r>
-              <a:rPr lang="en" dirty="0"/>
-              <a:t>Sprint Planning, </a:t>
-            </a:r>
-            <a:r>
-              <a:rPr lang="ru-RU" dirty="0"/>
-              <a:t>а затем добавляется в </a:t>
-            </a:r>
-            <a:r>
-              <a:rPr lang="en" dirty="0"/>
-              <a:t>Sprint Backlog.</a:t>
-            </a:r>
-            <a:endParaRPr lang="ru-RU" dirty="0"/>
-          </a:p>
-          <a:p>
-            <a:r>
-              <a:rPr lang="ru-RU" dirty="0"/>
-              <a:t>Разработчики</a:t>
-            </a:r>
-            <a:r>
-              <a:rPr lang="en" dirty="0"/>
-              <a:t> </a:t>
-            </a:r>
-            <a:r>
-              <a:rPr lang="ru-RU" dirty="0"/>
-              <a:t>помнят о </a:t>
-            </a:r>
-            <a:r>
-              <a:rPr lang="en" dirty="0"/>
-              <a:t>Sprint Goal </a:t>
-            </a:r>
-            <a:r>
-              <a:rPr lang="ru-RU" dirty="0"/>
-              <a:t>в ходе работы над задачами </a:t>
-            </a:r>
-            <a:r>
-              <a:rPr lang="en" dirty="0"/>
-              <a:t>Sprint.</a:t>
-            </a:r>
-            <a:endParaRPr lang="ru-RU" dirty="0"/>
-          </a:p>
-          <a:p>
-            <a:r>
-              <a:rPr lang="ru-RU" dirty="0"/>
-              <a:t>Если работа не соответствует ожиданиям, они взаимодействуют с </a:t>
-            </a:r>
-            <a:r>
-              <a:rPr lang="en" dirty="0"/>
-              <a:t>Product Owner, </a:t>
-            </a:r>
-            <a:r>
-              <a:rPr lang="ru-RU" dirty="0"/>
-              <a:t>чтобы пересмотреть содержание </a:t>
-            </a:r>
-            <a:r>
-              <a:rPr lang="en" dirty="0"/>
-              <a:t>Sprint Backlog </a:t>
-            </a:r>
-            <a:r>
-              <a:rPr lang="ru-RU" dirty="0"/>
-              <a:t>в рамках </a:t>
-            </a:r>
-            <a:r>
-              <a:rPr lang="en" dirty="0"/>
-              <a:t>Sprint, </a:t>
-            </a:r>
-            <a:r>
-              <a:rPr lang="ru-RU" dirty="0"/>
-              <a:t>не изменяя </a:t>
-            </a:r>
-            <a:r>
-              <a:rPr lang="en" dirty="0"/>
-              <a:t>Sprint Goal.</a:t>
-            </a:r>
-            <a:endParaRPr lang="ru-RU" dirty="0"/>
+              <a:t>Чеклист</a:t>
+            </a:r>
+            <a:r>
+              <a:rPr lang="ru-RU" dirty="0"/>
+              <a:t>:</a:t>
+            </a:r>
+          </a:p>
+          <a:p>
+            <a:r>
+              <a:rPr lang="ru-RU" dirty="0"/>
+              <a:t>Все видят план итерации</a:t>
+            </a:r>
+          </a:p>
+          <a:p>
+            <a:r>
+              <a:rPr lang="ru-RU" dirty="0"/>
+              <a:t>Для каждой фичи из </a:t>
+            </a:r>
+            <a:r>
+              <a:rPr lang="ru-RU" dirty="0" err="1"/>
+              <a:t>бэклога</a:t>
+            </a:r>
+            <a:r>
+              <a:rPr lang="ru-RU" dirty="0"/>
+              <a:t> указаны критерии приёмки / сценарий демонстрации</a:t>
+            </a:r>
+          </a:p>
+          <a:p>
+            <a:r>
+              <a:rPr lang="ru-RU" dirty="0"/>
+              <a:t>Каждая фича на плане декомпозируется в технические задачи</a:t>
+            </a:r>
+          </a:p>
+          <a:p>
+            <a:r>
+              <a:rPr lang="ru-RU" dirty="0"/>
+              <a:t>Оценки и приоритеты задач при необходимости корректируются членами команды в течение итерации</a:t>
+            </a:r>
+          </a:p>
+          <a:p>
+            <a:r>
+              <a:rPr lang="ru-RU" dirty="0"/>
+              <a:t>Члены команды регулярно актуализируют план</a:t>
+            </a:r>
+          </a:p>
+          <a:p>
+            <a:pPr marL="0" indent="0">
+              <a:spcBef>
+                <a:spcPts val="2200"/>
+              </a:spcBef>
+              <a:buNone/>
+            </a:pPr>
+            <a:r>
+              <a:rPr lang="ru-RU" b="1" dirty="0">
+                <a:solidFill>
+                  <a:schemeClr val="accent1"/>
+                </a:solidFill>
+              </a:rPr>
+              <a:t>Приверженность: </a:t>
+            </a:r>
+            <a:r>
+              <a:rPr lang="en" b="1" dirty="0">
+                <a:solidFill>
+                  <a:schemeClr val="accent1"/>
+                </a:solidFill>
+              </a:rPr>
+              <a:t>Sprint Goal (</a:t>
+            </a:r>
+            <a:r>
+              <a:rPr lang="ru-RU" b="1" dirty="0">
+                <a:solidFill>
+                  <a:schemeClr val="accent1"/>
+                </a:solidFill>
+              </a:rPr>
+              <a:t>цель спринта</a:t>
+            </a:r>
+            <a:r>
+              <a:rPr lang="en" b="1" dirty="0">
+                <a:solidFill>
+                  <a:schemeClr val="accent1"/>
+                </a:solidFill>
+              </a:rPr>
+              <a:t>)</a:t>
+            </a:r>
+            <a:endParaRPr lang="en-US" b="1" dirty="0">
+              <a:solidFill>
+                <a:schemeClr val="accent1"/>
+              </a:solidFill>
+            </a:endParaRPr>
           </a:p>
         </p:txBody>
       </p:sp>
     </p:spTree>
     <p:extLst>
       <p:ext uri="{BB962C8B-B14F-4D97-AF65-F5344CB8AC3E}">
-        <p14:creationId xmlns:p14="http://schemas.microsoft.com/office/powerpoint/2010/main" val="654952681"/>
+        <p14:creationId xmlns:p14="http://schemas.microsoft.com/office/powerpoint/2010/main" val="174384388"/>
       </p:ext>
     </p:extLst>
   </p:cSld>
@@ -9724,7 +9798,7 @@
           <p:cNvPr id="2" name="Заголовок 1">
             <a:extLst>
               <a:ext uri="{FF2B5EF4-FFF2-40B4-BE49-F238E27FC236}">
-                <a16:creationId xmlns:a16="http://schemas.microsoft.com/office/drawing/2014/main" id="{E82010DF-01CE-EE49-A0E9-BEFF07C91D36}"/>
+                <a16:creationId xmlns:a16="http://schemas.microsoft.com/office/drawing/2014/main" id="{A632B2E2-863C-A14F-893F-25FB356378BA}"/>
               </a:ext>
             </a:extLst>
           </p:cNvPr>
@@ -9738,7 +9812,7 @@
         <p:spPr>
           <a:xfrm>
             <a:off x="838200" y="365125"/>
-            <a:ext cx="10515600" cy="921415"/>
+            <a:ext cx="10515600" cy="900149"/>
           </a:xfrm>
         </p:spPr>
         <p:txBody>
@@ -9747,19 +9821,11 @@
           <a:p>
             <a:r>
               <a:rPr lang="ru-RU" dirty="0"/>
-              <a:t>Инкремент продукта (</a:t>
-            </a:r>
-            <a:r>
-              <a:rPr lang="ru-RU" dirty="0" err="1"/>
-              <a:t>P</a:t>
-            </a:r>
-            <a:r>
-              <a:rPr lang="en-US" dirty="0"/>
-              <a:t>roduct </a:t>
-            </a:r>
-            <a:r>
-              <a:rPr lang="en" dirty="0"/>
-              <a:t>Increment</a:t>
+              <a:t>Цель спринта (</a:t>
+            </a:r>
+            <a:r>
+              <a:rPr lang="en" dirty="0"/>
+              <a:t>Sprint Goal</a:t>
             </a:r>
             <a:r>
               <a:rPr lang="ru-RU" dirty="0"/>
@@ -9773,7 +9839,7 @@
           <p:cNvPr id="3" name="Объект 2">
             <a:extLst>
               <a:ext uri="{FF2B5EF4-FFF2-40B4-BE49-F238E27FC236}">
-                <a16:creationId xmlns:a16="http://schemas.microsoft.com/office/drawing/2014/main" id="{C18DA277-2ADA-2240-AE83-970452639F56}"/>
+                <a16:creationId xmlns:a16="http://schemas.microsoft.com/office/drawing/2014/main" id="{BA028D8C-BED4-7B4E-9093-4F9ADADA698D}"/>
               </a:ext>
             </a:extLst>
           </p:cNvPr>
@@ -9786,169 +9852,178 @@
         </p:nvSpPr>
         <p:spPr>
           <a:xfrm>
-            <a:off x="838200" y="1506647"/>
-            <a:ext cx="10515600" cy="4798459"/>
+            <a:off x="838200" y="1552354"/>
+            <a:ext cx="10515600" cy="4624610"/>
           </a:xfrm>
         </p:spPr>
         <p:txBody>
           <a:bodyPr>
-            <a:normAutofit fontScale="92500"/>
+            <a:normAutofit fontScale="92500" lnSpcReduction="20000"/>
           </a:bodyPr>
           <a:lstStyle/>
           <a:p>
             <a:r>
-              <a:rPr lang="en" dirty="0"/>
-              <a:t>Increment — </a:t>
-            </a:r>
-            <a:r>
-              <a:rPr lang="ru-RU" dirty="0"/>
-              <a:t>это конкретная ступенька к достижению </a:t>
-            </a:r>
-            <a:r>
-              <a:rPr lang="en" dirty="0"/>
-              <a:t>Product Goal.</a:t>
-            </a:r>
-          </a:p>
-          <a:p>
-            <a:r>
-              <a:rPr lang="ru-RU" dirty="0"/>
-              <a:t>Каждый </a:t>
-            </a:r>
-            <a:r>
-              <a:rPr lang="en" dirty="0"/>
-              <a:t>Increment </a:t>
-            </a:r>
-            <a:r>
-              <a:rPr lang="ru-RU" dirty="0"/>
-              <a:t>является дополнением ко всем предыдущим.</a:t>
-            </a:r>
-            <a:endParaRPr lang="en-US" dirty="0"/>
-          </a:p>
-          <a:p>
-            <a:r>
-              <a:rPr lang="ru-RU" dirty="0"/>
-              <a:t>Чтобы предоставить ценность, </a:t>
-            </a:r>
-            <a:r>
-              <a:rPr lang="en" dirty="0"/>
-              <a:t>Increment </a:t>
-            </a:r>
-            <a:r>
-              <a:rPr lang="ru-RU" dirty="0"/>
-              <a:t>должен быть пригодным для использования.</a:t>
-            </a:r>
-            <a:endParaRPr lang="en-US" dirty="0"/>
-          </a:p>
-          <a:p>
-            <a:r>
-              <a:rPr lang="ru-RU" dirty="0"/>
-              <a:t>В рамках одного </a:t>
-            </a:r>
-            <a:r>
-              <a:rPr lang="en" dirty="0"/>
-              <a:t>Sprint </a:t>
-            </a:r>
-            <a:r>
-              <a:rPr lang="ru-RU" dirty="0"/>
-              <a:t>можно создать несколько </a:t>
-            </a:r>
-            <a:r>
-              <a:rPr lang="en" dirty="0"/>
-              <a:t>Increments. </a:t>
-            </a:r>
-            <a:r>
-              <a:rPr lang="ru-RU" dirty="0"/>
-              <a:t>Итоговые </a:t>
-            </a:r>
-            <a:r>
-              <a:rPr lang="en" dirty="0"/>
-              <a:t>Increments </a:t>
-            </a:r>
-            <a:r>
-              <a:rPr lang="ru-RU" dirty="0"/>
-              <a:t>представляются в ходе </a:t>
-            </a:r>
-            <a:r>
-              <a:rPr lang="en" dirty="0"/>
-              <a:t>Sprint Review</a:t>
-            </a:r>
-          </a:p>
-          <a:p>
-            <a:r>
-              <a:rPr lang="en" dirty="0"/>
-              <a:t>Increment </a:t>
-            </a:r>
-            <a:r>
-              <a:rPr lang="ru-RU" dirty="0"/>
-              <a:t>может быть поставлен заинтересованным лицам еще до окончания </a:t>
-            </a:r>
-            <a:r>
-              <a:rPr lang="en" dirty="0"/>
-              <a:t>Sprint. Sprint Review </a:t>
-            </a:r>
-            <a:r>
-              <a:rPr lang="ru-RU" dirty="0"/>
-              <a:t>не должно считаться единственным моментом для поставки ценности.</a:t>
-            </a:r>
-            <a:endParaRPr lang="en-US" dirty="0"/>
-          </a:p>
-          <a:p>
-            <a:r>
-              <a:rPr lang="ru-RU" dirty="0"/>
-              <a:t>Работа не может считаться частью </a:t>
-            </a:r>
-            <a:r>
-              <a:rPr lang="en" dirty="0"/>
-              <a:t>Increment, </a:t>
-            </a:r>
-            <a:r>
-              <a:rPr lang="ru-RU" dirty="0"/>
-              <a:t>если она не соответствует </a:t>
-            </a:r>
-            <a:r>
-              <a:rPr lang="ru-RU" dirty="0">
-                <a:solidFill>
-                  <a:schemeClr val="accent1"/>
-                </a:solidFill>
-              </a:rPr>
-              <a:t>определению готовности</a:t>
-            </a:r>
-            <a:r>
-              <a:rPr lang="en-US" dirty="0">
-                <a:solidFill>
-                  <a:schemeClr val="accent1"/>
-                </a:solidFill>
-              </a:rPr>
-              <a:t> (</a:t>
-            </a:r>
-            <a:r>
-              <a:rPr lang="en-US" b="1" dirty="0">
-                <a:solidFill>
-                  <a:schemeClr val="accent1"/>
-                </a:solidFill>
-              </a:rPr>
-              <a:t>Definition of Done</a:t>
-            </a:r>
-            <a:r>
-              <a:rPr lang="en-US" dirty="0">
-                <a:solidFill>
-                  <a:schemeClr val="accent1"/>
-                </a:solidFill>
-              </a:rPr>
+              <a:rPr lang="ru-RU" dirty="0"/>
+              <a:t>Цель спринта (</a:t>
+            </a:r>
+            <a:r>
+              <a:rPr lang="en" dirty="0"/>
+              <a:t>Sprint Goal</a:t>
+            </a:r>
+            <a:r>
+              <a:rPr lang="ru-RU" dirty="0"/>
               <a:t>)</a:t>
             </a:r>
-            <a:endParaRPr lang="ru-RU" dirty="0">
-              <a:solidFill>
-                <a:schemeClr val="accent1"/>
-              </a:solidFill>
-            </a:endParaRPr>
+            <a:r>
+              <a:rPr lang="en" dirty="0"/>
+              <a:t> — </a:t>
+            </a:r>
+            <a:r>
+              <a:rPr lang="ru-RU" dirty="0"/>
+              <a:t>единственная цель на </a:t>
+            </a:r>
+            <a:r>
+              <a:rPr lang="en" dirty="0"/>
+              <a:t>Sprint. </a:t>
+            </a:r>
+            <a:r>
+              <a:rPr lang="ru-RU" dirty="0"/>
+              <a:t>Несмотря на то, что </a:t>
+            </a:r>
+            <a:r>
+              <a:rPr lang="en" dirty="0"/>
+              <a:t>Developers </a:t>
+            </a:r>
+            <a:r>
+              <a:rPr lang="ru-RU" dirty="0"/>
+              <a:t>привержены </a:t>
+            </a:r>
+            <a:r>
+              <a:rPr lang="en" dirty="0"/>
+              <a:t>Sprint Goal, </a:t>
+            </a:r>
+            <a:r>
+              <a:rPr lang="ru-RU" dirty="0"/>
+              <a:t>она обеспечивает гибкость с точки зрения выбора конкретной работы, необходимой для ее достижения.</a:t>
+            </a:r>
+          </a:p>
+          <a:p>
+            <a:r>
+              <a:rPr lang="en" dirty="0"/>
+              <a:t>Sprint Goal </a:t>
+            </a:r>
+            <a:r>
+              <a:rPr lang="ru-RU" dirty="0"/>
+              <a:t>также обеспечивает связность и </a:t>
+            </a:r>
+            <a:r>
+              <a:rPr lang="ru-RU" dirty="0" err="1"/>
+              <a:t>сфокусированность</a:t>
+            </a:r>
+            <a:r>
+              <a:rPr lang="ru-RU" dirty="0"/>
+              <a:t>, побуждая </a:t>
+            </a:r>
+            <a:r>
+              <a:rPr lang="en" dirty="0"/>
+              <a:t>Scrum Team </a:t>
+            </a:r>
+            <a:r>
+              <a:rPr lang="ru-RU" dirty="0"/>
+              <a:t>работать совместно, а не над отдельными инициативами.</a:t>
+            </a:r>
+          </a:p>
+          <a:p>
+            <a:r>
+              <a:rPr lang="en" dirty="0"/>
+              <a:t>Sprint Goal </a:t>
+            </a:r>
+            <a:r>
+              <a:rPr lang="ru-RU" dirty="0"/>
+              <a:t>создается во время </a:t>
+            </a:r>
+            <a:r>
+              <a:rPr lang="en" dirty="0"/>
+              <a:t>Sprint Planning, </a:t>
+            </a:r>
+            <a:r>
+              <a:rPr lang="ru-RU" dirty="0"/>
+              <a:t>а затем добавляется в </a:t>
+            </a:r>
+            <a:r>
+              <a:rPr lang="en" dirty="0"/>
+              <a:t>Sprint Backlog.</a:t>
+            </a:r>
+            <a:endParaRPr lang="ru-RU" dirty="0"/>
+          </a:p>
+          <a:p>
+            <a:r>
+              <a:rPr lang="ru-RU" dirty="0"/>
+              <a:t>Разработчики</a:t>
+            </a:r>
+            <a:r>
+              <a:rPr lang="en" dirty="0"/>
+              <a:t> </a:t>
+            </a:r>
+            <a:r>
+              <a:rPr lang="ru-RU" dirty="0"/>
+              <a:t>помнят о </a:t>
+            </a:r>
+            <a:r>
+              <a:rPr lang="en" dirty="0"/>
+              <a:t>Sprint Goal </a:t>
+            </a:r>
+            <a:r>
+              <a:rPr lang="ru-RU" dirty="0"/>
+              <a:t>в ходе работы над задачами </a:t>
+            </a:r>
+            <a:r>
+              <a:rPr lang="en" dirty="0"/>
+              <a:t>Sprint.</a:t>
+            </a:r>
+            <a:endParaRPr lang="ru-RU" dirty="0"/>
+          </a:p>
+          <a:p>
+            <a:r>
+              <a:rPr lang="ru-RU" dirty="0"/>
+              <a:t>Если работа не соответствует ожиданиям, они взаимодействуют с </a:t>
+            </a:r>
+            <a:r>
+              <a:rPr lang="en" dirty="0"/>
+              <a:t>Product Owner, </a:t>
+            </a:r>
+            <a:r>
+              <a:rPr lang="ru-RU" dirty="0"/>
+              <a:t>чтобы пересмотреть содержание </a:t>
+            </a:r>
+            <a:r>
+              <a:rPr lang="en" dirty="0"/>
+              <a:t>Sprint Backlog </a:t>
+            </a:r>
+            <a:r>
+              <a:rPr lang="ru-RU" dirty="0"/>
+              <a:t>в рамках </a:t>
+            </a:r>
+            <a:r>
+              <a:rPr lang="en" dirty="0"/>
+              <a:t>Sprint, </a:t>
+            </a:r>
+            <a:r>
+              <a:rPr lang="ru-RU" dirty="0"/>
+              <a:t>не изменяя </a:t>
+            </a:r>
+            <a:r>
+              <a:rPr lang="en" dirty="0"/>
+              <a:t>Sprint Goal.</a:t>
+            </a:r>
+            <a:endParaRPr lang="ru-RU" dirty="0"/>
           </a:p>
         </p:txBody>
       </p:sp>
     </p:spTree>
     <p:extLst>
       <p:ext uri="{BB962C8B-B14F-4D97-AF65-F5344CB8AC3E}">
-        <p14:creationId xmlns:p14="http://schemas.microsoft.com/office/powerpoint/2010/main" val="2760540662"/>
+        <p14:creationId xmlns:p14="http://schemas.microsoft.com/office/powerpoint/2010/main" val="654952681"/>
       </p:ext>
     </p:extLst>
   </p:cSld>
@@ -9980,6 +10055,262 @@
           <p:cNvPr id="2" name="Заголовок 1">
             <a:extLst>
               <a:ext uri="{FF2B5EF4-FFF2-40B4-BE49-F238E27FC236}">
+                <a16:creationId xmlns:a16="http://schemas.microsoft.com/office/drawing/2014/main" id="{E82010DF-01CE-EE49-A0E9-BEFF07C91D36}"/>
+              </a:ext>
+            </a:extLst>
+          </p:cNvPr>
+          <p:cNvSpPr>
+            <a:spLocks noGrp="1"/>
+          </p:cNvSpPr>
+          <p:nvPr>
+            <p:ph type="title"/>
+          </p:nvPr>
+        </p:nvSpPr>
+        <p:spPr>
+          <a:xfrm>
+            <a:off x="838200" y="365125"/>
+            <a:ext cx="10515600" cy="921415"/>
+          </a:xfrm>
+        </p:spPr>
+        <p:txBody>
+          <a:bodyPr/>
+          <a:lstStyle/>
+          <a:p>
+            <a:r>
+              <a:rPr lang="ru-RU" dirty="0"/>
+              <a:t>Инкремент продукта (</a:t>
+            </a:r>
+            <a:r>
+              <a:rPr lang="ru-RU" dirty="0" err="1"/>
+              <a:t>P</a:t>
+            </a:r>
+            <a:r>
+              <a:rPr lang="en-US" dirty="0"/>
+              <a:t>roduct </a:t>
+            </a:r>
+            <a:r>
+              <a:rPr lang="en" dirty="0"/>
+              <a:t>Increment</a:t>
+            </a:r>
+            <a:r>
+              <a:rPr lang="ru-RU" dirty="0"/>
+              <a:t>)</a:t>
+            </a:r>
+          </a:p>
+        </p:txBody>
+      </p:sp>
+      <p:sp>
+        <p:nvSpPr>
+          <p:cNvPr id="3" name="Объект 2">
+            <a:extLst>
+              <a:ext uri="{FF2B5EF4-FFF2-40B4-BE49-F238E27FC236}">
+                <a16:creationId xmlns:a16="http://schemas.microsoft.com/office/drawing/2014/main" id="{C18DA277-2ADA-2240-AE83-970452639F56}"/>
+              </a:ext>
+            </a:extLst>
+          </p:cNvPr>
+          <p:cNvSpPr>
+            <a:spLocks noGrp="1"/>
+          </p:cNvSpPr>
+          <p:nvPr>
+            <p:ph idx="1"/>
+          </p:nvPr>
+        </p:nvSpPr>
+        <p:spPr>
+          <a:xfrm>
+            <a:off x="838200" y="1506647"/>
+            <a:ext cx="10515600" cy="4798459"/>
+          </a:xfrm>
+        </p:spPr>
+        <p:txBody>
+          <a:bodyPr>
+            <a:normAutofit fontScale="92500"/>
+          </a:bodyPr>
+          <a:lstStyle/>
+          <a:p>
+            <a:r>
+              <a:rPr lang="en" dirty="0"/>
+              <a:t>Increment — </a:t>
+            </a:r>
+            <a:r>
+              <a:rPr lang="ru-RU" dirty="0"/>
+              <a:t>это конкретная ступенька к достижению </a:t>
+            </a:r>
+            <a:r>
+              <a:rPr lang="en" dirty="0"/>
+              <a:t>Product Goal.</a:t>
+            </a:r>
+          </a:p>
+          <a:p>
+            <a:r>
+              <a:rPr lang="ru-RU" dirty="0"/>
+              <a:t>Каждый </a:t>
+            </a:r>
+            <a:r>
+              <a:rPr lang="en" dirty="0"/>
+              <a:t>Increment </a:t>
+            </a:r>
+            <a:r>
+              <a:rPr lang="ru-RU" dirty="0"/>
+              <a:t>является дополнением ко всем предыдущим.</a:t>
+            </a:r>
+            <a:endParaRPr lang="en-US" dirty="0"/>
+          </a:p>
+          <a:p>
+            <a:r>
+              <a:rPr lang="ru-RU" dirty="0"/>
+              <a:t>Чтобы предоставить ценность, </a:t>
+            </a:r>
+            <a:r>
+              <a:rPr lang="en" dirty="0"/>
+              <a:t>Increment </a:t>
+            </a:r>
+            <a:r>
+              <a:rPr lang="ru-RU" dirty="0"/>
+              <a:t>должен быть пригодным для использования.</a:t>
+            </a:r>
+            <a:endParaRPr lang="en-US" dirty="0"/>
+          </a:p>
+          <a:p>
+            <a:r>
+              <a:rPr lang="ru-RU" dirty="0"/>
+              <a:t>В рамках одного </a:t>
+            </a:r>
+            <a:r>
+              <a:rPr lang="en" dirty="0"/>
+              <a:t>Sprint </a:t>
+            </a:r>
+            <a:r>
+              <a:rPr lang="ru-RU" dirty="0"/>
+              <a:t>можно создать несколько </a:t>
+            </a:r>
+            <a:r>
+              <a:rPr lang="en" dirty="0"/>
+              <a:t>Increments. </a:t>
+            </a:r>
+            <a:r>
+              <a:rPr lang="ru-RU" dirty="0"/>
+              <a:t>Итоговые </a:t>
+            </a:r>
+            <a:r>
+              <a:rPr lang="en" dirty="0"/>
+              <a:t>Increments </a:t>
+            </a:r>
+            <a:r>
+              <a:rPr lang="ru-RU" dirty="0"/>
+              <a:t>представляются в ходе </a:t>
+            </a:r>
+            <a:r>
+              <a:rPr lang="en" dirty="0"/>
+              <a:t>Sprint Review</a:t>
+            </a:r>
+          </a:p>
+          <a:p>
+            <a:r>
+              <a:rPr lang="en" dirty="0"/>
+              <a:t>Increment </a:t>
+            </a:r>
+            <a:r>
+              <a:rPr lang="ru-RU" dirty="0"/>
+              <a:t>может быть поставлен заинтересованным лицам еще до окончания </a:t>
+            </a:r>
+            <a:r>
+              <a:rPr lang="en" dirty="0"/>
+              <a:t>Sprint. Sprint Review </a:t>
+            </a:r>
+            <a:r>
+              <a:rPr lang="ru-RU" dirty="0"/>
+              <a:t>не должно считаться единственным моментом для поставки ценности.</a:t>
+            </a:r>
+            <a:endParaRPr lang="en-US" dirty="0"/>
+          </a:p>
+          <a:p>
+            <a:r>
+              <a:rPr lang="ru-RU" dirty="0"/>
+              <a:t>Работа не может считаться частью </a:t>
+            </a:r>
+            <a:r>
+              <a:rPr lang="en" dirty="0"/>
+              <a:t>Increment, </a:t>
+            </a:r>
+            <a:r>
+              <a:rPr lang="ru-RU" dirty="0"/>
+              <a:t>если она не соответствует </a:t>
+            </a:r>
+            <a:r>
+              <a:rPr lang="ru-RU" dirty="0">
+                <a:solidFill>
+                  <a:schemeClr val="accent1"/>
+                </a:solidFill>
+              </a:rPr>
+              <a:t>определению готовности</a:t>
+            </a:r>
+            <a:r>
+              <a:rPr lang="en-US" dirty="0">
+                <a:solidFill>
+                  <a:schemeClr val="accent1"/>
+                </a:solidFill>
+              </a:rPr>
+              <a:t> (</a:t>
+            </a:r>
+            <a:r>
+              <a:rPr lang="en-US" b="1" dirty="0">
+                <a:solidFill>
+                  <a:schemeClr val="accent1"/>
+                </a:solidFill>
+              </a:rPr>
+              <a:t>Definition of Done</a:t>
+            </a:r>
+            <a:r>
+              <a:rPr lang="en-US" dirty="0">
+                <a:solidFill>
+                  <a:schemeClr val="accent1"/>
+                </a:solidFill>
+              </a:rPr>
+              <a:t>)</a:t>
+            </a:r>
+            <a:endParaRPr lang="ru-RU" dirty="0">
+              <a:solidFill>
+                <a:schemeClr val="accent1"/>
+              </a:solidFill>
+            </a:endParaRPr>
+          </a:p>
+        </p:txBody>
+      </p:sp>
+    </p:spTree>
+    <p:extLst>
+      <p:ext uri="{BB962C8B-B14F-4D97-AF65-F5344CB8AC3E}">
+        <p14:creationId xmlns:p14="http://schemas.microsoft.com/office/powerpoint/2010/main" val="2760540662"/>
+      </p:ext>
+    </p:extLst>
+  </p:cSld>
+  <p:clrMapOvr>
+    <a:masterClrMapping/>
+  </p:clrMapOvr>
+</p:sld>
+</file>
+
+<file path=ppt/slides/slide38.xml><?xml version="1.0" encoding="utf-8"?>
+<p:sld xmlns:a="http://schemas.openxmlformats.org/drawingml/2006/main" xmlns:r="http://schemas.openxmlformats.org/officeDocument/2006/relationships" xmlns:p="http://schemas.openxmlformats.org/presentationml/2006/main">
+  <p:cSld>
+    <p:spTree>
+      <p:nvGrpSpPr>
+        <p:cNvPr id="1" name=""/>
+        <p:cNvGrpSpPr/>
+        <p:nvPr/>
+      </p:nvGrpSpPr>
+      <p:grpSpPr>
+        <a:xfrm>
+          <a:off x="0" y="0"/>
+          <a:ext cx="0" cy="0"/>
+          <a:chOff x="0" y="0"/>
+          <a:chExt cx="0" cy="0"/>
+        </a:xfrm>
+      </p:grpSpPr>
+      <p:sp>
+        <p:nvSpPr>
+          <p:cNvPr id="2" name="Заголовок 1">
+            <a:extLst>
+              <a:ext uri="{FF2B5EF4-FFF2-40B4-BE49-F238E27FC236}">
                 <a16:creationId xmlns:a16="http://schemas.microsoft.com/office/drawing/2014/main" id="{3CF0896E-EC50-4545-98C6-587036052085}"/>
               </a:ext>
             </a:extLst>
@@ -10191,7 +10522,7 @@
 </p:sld>
 </file>
 
-<file path=ppt/slides/slide38.xml><?xml version="1.0" encoding="utf-8"?>
+<file path=ppt/slides/slide39.xml><?xml version="1.0" encoding="utf-8"?>
 <p:sld xmlns:a="http://schemas.openxmlformats.org/drawingml/2006/main" xmlns:r="http://schemas.openxmlformats.org/officeDocument/2006/relationships" xmlns:p="http://schemas.openxmlformats.org/presentationml/2006/main">
   <p:cSld>
     <p:spTree>
@@ -10326,278 +10657,6 @@
 </p:sld>
 </file>
 
-<file path=ppt/slides/slide39.xml><?xml version="1.0" encoding="utf-8"?>
-<p:sld xmlns:a="http://schemas.openxmlformats.org/drawingml/2006/main" xmlns:r="http://schemas.openxmlformats.org/officeDocument/2006/relationships" xmlns:p="http://schemas.openxmlformats.org/presentationml/2006/main">
-  <p:cSld>
-    <p:spTree>
-      <p:nvGrpSpPr>
-        <p:cNvPr id="1" name=""/>
-        <p:cNvGrpSpPr/>
-        <p:nvPr/>
-      </p:nvGrpSpPr>
-      <p:grpSpPr>
-        <a:xfrm>
-          <a:off x="0" y="0"/>
-          <a:ext cx="0" cy="0"/>
-          <a:chOff x="0" y="0"/>
-          <a:chExt cx="0" cy="0"/>
-        </a:xfrm>
-      </p:grpSpPr>
-      <p:sp>
-        <p:nvSpPr>
-          <p:cNvPr id="2" name="Заголовок 1">
-            <a:extLst>
-              <a:ext uri="{FF2B5EF4-FFF2-40B4-BE49-F238E27FC236}">
-                <a16:creationId xmlns:a16="http://schemas.microsoft.com/office/drawing/2014/main" id="{AC8429EC-59AF-DF43-820D-37E80EB8CD48}"/>
-              </a:ext>
-            </a:extLst>
-          </p:cNvPr>
-          <p:cNvSpPr>
-            <a:spLocks noGrp="1"/>
-          </p:cNvSpPr>
-          <p:nvPr>
-            <p:ph type="title"/>
-          </p:nvPr>
-        </p:nvSpPr>
-        <p:spPr>
-          <a:xfrm>
-            <a:off x="636181" y="375757"/>
-            <a:ext cx="10515600" cy="772559"/>
-          </a:xfrm>
-        </p:spPr>
-        <p:txBody>
-          <a:bodyPr/>
-          <a:lstStyle/>
-          <a:p>
-            <a:r>
-              <a:rPr lang="ru-RU" dirty="0"/>
-              <a:t>Пример </a:t>
-            </a:r>
-            <a:r>
-              <a:rPr lang="ru-RU" dirty="0" err="1"/>
-              <a:t>E</a:t>
-            </a:r>
-            <a:r>
-              <a:rPr lang="en-US" dirty="0"/>
-              <a:t>pic / User story / </a:t>
-            </a:r>
-            <a:r>
-              <a:rPr lang="ru-RU" dirty="0"/>
-              <a:t>Тех. задач</a:t>
-            </a:r>
-          </a:p>
-        </p:txBody>
-      </p:sp>
-      <p:sp>
-        <p:nvSpPr>
-          <p:cNvPr id="3" name="Объект 2">
-            <a:extLst>
-              <a:ext uri="{FF2B5EF4-FFF2-40B4-BE49-F238E27FC236}">
-                <a16:creationId xmlns:a16="http://schemas.microsoft.com/office/drawing/2014/main" id="{7F953F34-DE9C-4642-BC2A-422B01AFE432}"/>
-              </a:ext>
-            </a:extLst>
-          </p:cNvPr>
-          <p:cNvSpPr>
-            <a:spLocks noGrp="1"/>
-          </p:cNvSpPr>
-          <p:nvPr>
-            <p:ph idx="1"/>
-          </p:nvPr>
-        </p:nvSpPr>
-        <p:spPr>
-          <a:xfrm>
-            <a:off x="636181" y="1329070"/>
-            <a:ext cx="10515600" cy="5153173"/>
-          </a:xfrm>
-        </p:spPr>
-        <p:txBody>
-          <a:bodyPr>
-            <a:normAutofit fontScale="92500" lnSpcReduction="20000"/>
-          </a:bodyPr>
-          <a:lstStyle/>
-          <a:p>
-            <a:pPr marL="0" indent="0">
-              <a:buNone/>
-            </a:pPr>
-            <a:r>
-              <a:rPr lang="ru-RU" dirty="0"/>
-              <a:t>Продукт — новая операционная система</a:t>
-            </a:r>
-            <a:r>
-              <a:rPr lang="en-US" dirty="0"/>
-              <a:t> (</a:t>
-            </a:r>
-            <a:r>
-              <a:rPr lang="ru-RU" dirty="0"/>
-              <a:t>базовый софт</a:t>
-            </a:r>
-            <a:r>
-              <a:rPr lang="en-US" dirty="0"/>
-              <a:t>)</a:t>
-            </a:r>
-            <a:r>
-              <a:rPr lang="ru-RU" dirty="0"/>
-              <a:t> для смартфона.</a:t>
-            </a:r>
-          </a:p>
-          <a:p>
-            <a:r>
-              <a:rPr lang="en-US" dirty="0"/>
-              <a:t>SMS-</a:t>
-            </a:r>
-            <a:r>
-              <a:rPr lang="ru-RU" dirty="0"/>
-              <a:t>сообщения</a:t>
-            </a:r>
-          </a:p>
-          <a:p>
-            <a:pPr lvl="1"/>
-            <a:r>
-              <a:rPr lang="ru-RU" dirty="0"/>
-              <a:t>Функция набора и отправки сообщений</a:t>
-            </a:r>
-          </a:p>
-          <a:p>
-            <a:pPr lvl="2"/>
-            <a:r>
-              <a:rPr lang="ru-RU" dirty="0"/>
-              <a:t>Разработать буквенно-цифровую экранную клавиатуру</a:t>
-            </a:r>
-          </a:p>
-          <a:p>
-            <a:pPr lvl="2"/>
-            <a:r>
-              <a:rPr lang="ru-RU" dirty="0"/>
-              <a:t>Разработать </a:t>
-            </a:r>
-            <a:r>
-              <a:rPr lang="ru-RU" dirty="0" err="1"/>
-              <a:t>виджет</a:t>
-            </a:r>
-            <a:r>
-              <a:rPr lang="ru-RU" dirty="0"/>
-              <a:t> выбора получателя из списка контактов</a:t>
-            </a:r>
-          </a:p>
-          <a:p>
-            <a:pPr lvl="1"/>
-            <a:r>
-              <a:rPr lang="ru-RU" dirty="0"/>
-              <a:t>Просмотр входящих сообщений</a:t>
-            </a:r>
-          </a:p>
-          <a:p>
-            <a:pPr lvl="2"/>
-            <a:r>
-              <a:rPr lang="ru-RU" dirty="0"/>
-              <a:t>Разработать </a:t>
-            </a:r>
-            <a:r>
-              <a:rPr lang="ru-RU" dirty="0" err="1"/>
-              <a:t>виджет</a:t>
-            </a:r>
-            <a:r>
-              <a:rPr lang="ru-RU" dirty="0"/>
-              <a:t> прокрутки</a:t>
-            </a:r>
-          </a:p>
-          <a:p>
-            <a:pPr lvl="2"/>
-            <a:r>
-              <a:rPr lang="ru-RU" dirty="0"/>
-              <a:t>Реализовать поддержку </a:t>
-            </a:r>
-            <a:r>
-              <a:rPr lang="ru-RU" dirty="0" err="1"/>
-              <a:t>свайпа</a:t>
-            </a:r>
-            <a:endParaRPr lang="ru-RU" dirty="0"/>
-          </a:p>
-          <a:p>
-            <a:pPr lvl="1"/>
-            <a:r>
-              <a:rPr lang="ru-RU" dirty="0"/>
-              <a:t>Поиск сообщений по тексту</a:t>
-            </a:r>
-          </a:p>
-          <a:p>
-            <a:pPr lvl="2"/>
-            <a:r>
-              <a:rPr lang="ru-RU" dirty="0"/>
-              <a:t>Мини-поисковый движок на основе </a:t>
-            </a:r>
-            <a:r>
-              <a:rPr lang="ru-RU" dirty="0" err="1"/>
-              <a:t>нейросетей</a:t>
-            </a:r>
-            <a:endParaRPr lang="ru-RU" dirty="0"/>
-          </a:p>
-          <a:p>
-            <a:r>
-              <a:rPr lang="ru-RU" dirty="0"/>
-              <a:t>Звонки</a:t>
-            </a:r>
-          </a:p>
-          <a:p>
-            <a:pPr lvl="1"/>
-            <a:r>
-              <a:rPr lang="ru-RU" dirty="0"/>
-              <a:t>…</a:t>
-            </a:r>
-          </a:p>
-          <a:p>
-            <a:pPr lvl="2"/>
-            <a:r>
-              <a:rPr lang="ru-RU" dirty="0"/>
-              <a:t>…</a:t>
-            </a:r>
-          </a:p>
-          <a:p>
-            <a:r>
-              <a:rPr lang="ru-RU" dirty="0"/>
-              <a:t>Поддержка устанавливаемых приложений</a:t>
-            </a:r>
-          </a:p>
-          <a:p>
-            <a:pPr lvl="1"/>
-            <a:r>
-              <a:rPr lang="ru-RU" dirty="0"/>
-              <a:t>Возможность установки приложения из магазина приложений</a:t>
-            </a:r>
-          </a:p>
-          <a:p>
-            <a:pPr lvl="2"/>
-            <a:r>
-              <a:rPr lang="ru-RU" dirty="0"/>
-              <a:t>Разработать формат файла-контейнера для приложений</a:t>
-            </a:r>
-          </a:p>
-          <a:p>
-            <a:pPr lvl="1"/>
-            <a:endParaRPr lang="ru-RU" dirty="0"/>
-          </a:p>
-          <a:p>
-            <a:pPr lvl="1"/>
-            <a:endParaRPr lang="ru-RU" dirty="0"/>
-          </a:p>
-          <a:p>
-            <a:endParaRPr lang="ru-RU" dirty="0"/>
-          </a:p>
-        </p:txBody>
-      </p:sp>
-    </p:spTree>
-    <p:extLst>
-      <p:ext uri="{BB962C8B-B14F-4D97-AF65-F5344CB8AC3E}">
-        <p14:creationId xmlns:p14="http://schemas.microsoft.com/office/powerpoint/2010/main" val="158109898"/>
-      </p:ext>
-    </p:extLst>
-  </p:cSld>
-  <p:clrMapOvr>
-    <a:masterClrMapping/>
-  </p:clrMapOvr>
-</p:sld>
-</file>
-
 <file path=ppt/slides/slide4.xml><?xml version="1.0" encoding="utf-8"?>
 <p:sld xmlns:a="http://schemas.openxmlformats.org/drawingml/2006/main" xmlns:r="http://schemas.openxmlformats.org/officeDocument/2006/relationships" xmlns:p="http://schemas.openxmlformats.org/presentationml/2006/main">
   <p:cSld>
@@ -10928,6 +10987,278 @@
           <p:cNvPr id="2" name="Заголовок 1">
             <a:extLst>
               <a:ext uri="{FF2B5EF4-FFF2-40B4-BE49-F238E27FC236}">
+                <a16:creationId xmlns:a16="http://schemas.microsoft.com/office/drawing/2014/main" id="{AC8429EC-59AF-DF43-820D-37E80EB8CD48}"/>
+              </a:ext>
+            </a:extLst>
+          </p:cNvPr>
+          <p:cNvSpPr>
+            <a:spLocks noGrp="1"/>
+          </p:cNvSpPr>
+          <p:nvPr>
+            <p:ph type="title"/>
+          </p:nvPr>
+        </p:nvSpPr>
+        <p:spPr>
+          <a:xfrm>
+            <a:off x="636181" y="375757"/>
+            <a:ext cx="10515600" cy="772559"/>
+          </a:xfrm>
+        </p:spPr>
+        <p:txBody>
+          <a:bodyPr/>
+          <a:lstStyle/>
+          <a:p>
+            <a:r>
+              <a:rPr lang="ru-RU" dirty="0"/>
+              <a:t>Пример </a:t>
+            </a:r>
+            <a:r>
+              <a:rPr lang="ru-RU" dirty="0" err="1"/>
+              <a:t>E</a:t>
+            </a:r>
+            <a:r>
+              <a:rPr lang="en-US" dirty="0"/>
+              <a:t>pic / User story / </a:t>
+            </a:r>
+            <a:r>
+              <a:rPr lang="ru-RU" dirty="0"/>
+              <a:t>Тех. задач</a:t>
+            </a:r>
+          </a:p>
+        </p:txBody>
+      </p:sp>
+      <p:sp>
+        <p:nvSpPr>
+          <p:cNvPr id="3" name="Объект 2">
+            <a:extLst>
+              <a:ext uri="{FF2B5EF4-FFF2-40B4-BE49-F238E27FC236}">
+                <a16:creationId xmlns:a16="http://schemas.microsoft.com/office/drawing/2014/main" id="{7F953F34-DE9C-4642-BC2A-422B01AFE432}"/>
+              </a:ext>
+            </a:extLst>
+          </p:cNvPr>
+          <p:cNvSpPr>
+            <a:spLocks noGrp="1"/>
+          </p:cNvSpPr>
+          <p:nvPr>
+            <p:ph idx="1"/>
+          </p:nvPr>
+        </p:nvSpPr>
+        <p:spPr>
+          <a:xfrm>
+            <a:off x="636181" y="1329070"/>
+            <a:ext cx="10515600" cy="5153173"/>
+          </a:xfrm>
+        </p:spPr>
+        <p:txBody>
+          <a:bodyPr>
+            <a:normAutofit fontScale="92500" lnSpcReduction="20000"/>
+          </a:bodyPr>
+          <a:lstStyle/>
+          <a:p>
+            <a:pPr marL="0" indent="0">
+              <a:buNone/>
+            </a:pPr>
+            <a:r>
+              <a:rPr lang="ru-RU" dirty="0"/>
+              <a:t>Продукт — новая операционная система</a:t>
+            </a:r>
+            <a:r>
+              <a:rPr lang="en-US" dirty="0"/>
+              <a:t> (</a:t>
+            </a:r>
+            <a:r>
+              <a:rPr lang="ru-RU" dirty="0"/>
+              <a:t>базовый софт</a:t>
+            </a:r>
+            <a:r>
+              <a:rPr lang="en-US" dirty="0"/>
+              <a:t>)</a:t>
+            </a:r>
+            <a:r>
+              <a:rPr lang="ru-RU" dirty="0"/>
+              <a:t> для смартфона.</a:t>
+            </a:r>
+          </a:p>
+          <a:p>
+            <a:r>
+              <a:rPr lang="en-US" dirty="0"/>
+              <a:t>SMS-</a:t>
+            </a:r>
+            <a:r>
+              <a:rPr lang="ru-RU" dirty="0"/>
+              <a:t>сообщения</a:t>
+            </a:r>
+          </a:p>
+          <a:p>
+            <a:pPr lvl="1"/>
+            <a:r>
+              <a:rPr lang="ru-RU" dirty="0"/>
+              <a:t>Функция набора и отправки сообщений</a:t>
+            </a:r>
+          </a:p>
+          <a:p>
+            <a:pPr lvl="2"/>
+            <a:r>
+              <a:rPr lang="ru-RU" dirty="0"/>
+              <a:t>Разработать буквенно-цифровую экранную клавиатуру</a:t>
+            </a:r>
+          </a:p>
+          <a:p>
+            <a:pPr lvl="2"/>
+            <a:r>
+              <a:rPr lang="ru-RU" dirty="0"/>
+              <a:t>Разработать </a:t>
+            </a:r>
+            <a:r>
+              <a:rPr lang="ru-RU" dirty="0" err="1"/>
+              <a:t>виджет</a:t>
+            </a:r>
+            <a:r>
+              <a:rPr lang="ru-RU" dirty="0"/>
+              <a:t> выбора получателя из списка контактов</a:t>
+            </a:r>
+          </a:p>
+          <a:p>
+            <a:pPr lvl="1"/>
+            <a:r>
+              <a:rPr lang="ru-RU" dirty="0"/>
+              <a:t>Просмотр входящих сообщений</a:t>
+            </a:r>
+          </a:p>
+          <a:p>
+            <a:pPr lvl="2"/>
+            <a:r>
+              <a:rPr lang="ru-RU" dirty="0"/>
+              <a:t>Разработать </a:t>
+            </a:r>
+            <a:r>
+              <a:rPr lang="ru-RU" dirty="0" err="1"/>
+              <a:t>виджет</a:t>
+            </a:r>
+            <a:r>
+              <a:rPr lang="ru-RU" dirty="0"/>
+              <a:t> прокрутки</a:t>
+            </a:r>
+          </a:p>
+          <a:p>
+            <a:pPr lvl="2"/>
+            <a:r>
+              <a:rPr lang="ru-RU" dirty="0"/>
+              <a:t>Реализовать поддержку </a:t>
+            </a:r>
+            <a:r>
+              <a:rPr lang="ru-RU" dirty="0" err="1"/>
+              <a:t>свайпа</a:t>
+            </a:r>
+            <a:endParaRPr lang="ru-RU" dirty="0"/>
+          </a:p>
+          <a:p>
+            <a:pPr lvl="1"/>
+            <a:r>
+              <a:rPr lang="ru-RU" dirty="0"/>
+              <a:t>Поиск сообщений по тексту</a:t>
+            </a:r>
+          </a:p>
+          <a:p>
+            <a:pPr lvl="2"/>
+            <a:r>
+              <a:rPr lang="ru-RU" dirty="0"/>
+              <a:t>Мини-поисковый движок на основе </a:t>
+            </a:r>
+            <a:r>
+              <a:rPr lang="ru-RU" dirty="0" err="1"/>
+              <a:t>нейросетей</a:t>
+            </a:r>
+            <a:endParaRPr lang="ru-RU" dirty="0"/>
+          </a:p>
+          <a:p>
+            <a:r>
+              <a:rPr lang="ru-RU" dirty="0"/>
+              <a:t>Звонки</a:t>
+            </a:r>
+          </a:p>
+          <a:p>
+            <a:pPr lvl="1"/>
+            <a:r>
+              <a:rPr lang="ru-RU" dirty="0"/>
+              <a:t>…</a:t>
+            </a:r>
+          </a:p>
+          <a:p>
+            <a:pPr lvl="2"/>
+            <a:r>
+              <a:rPr lang="ru-RU" dirty="0"/>
+              <a:t>…</a:t>
+            </a:r>
+          </a:p>
+          <a:p>
+            <a:r>
+              <a:rPr lang="ru-RU" dirty="0"/>
+              <a:t>Поддержка устанавливаемых приложений</a:t>
+            </a:r>
+          </a:p>
+          <a:p>
+            <a:pPr lvl="1"/>
+            <a:r>
+              <a:rPr lang="ru-RU" dirty="0"/>
+              <a:t>Возможность установки приложения из магазина приложений</a:t>
+            </a:r>
+          </a:p>
+          <a:p>
+            <a:pPr lvl="2"/>
+            <a:r>
+              <a:rPr lang="ru-RU" dirty="0"/>
+              <a:t>Разработать формат файла-контейнера для приложений</a:t>
+            </a:r>
+          </a:p>
+          <a:p>
+            <a:pPr lvl="1"/>
+            <a:endParaRPr lang="ru-RU" dirty="0"/>
+          </a:p>
+          <a:p>
+            <a:pPr lvl="1"/>
+            <a:endParaRPr lang="ru-RU" dirty="0"/>
+          </a:p>
+          <a:p>
+            <a:endParaRPr lang="ru-RU" dirty="0"/>
+          </a:p>
+        </p:txBody>
+      </p:sp>
+    </p:spTree>
+    <p:extLst>
+      <p:ext uri="{BB962C8B-B14F-4D97-AF65-F5344CB8AC3E}">
+        <p14:creationId xmlns:p14="http://schemas.microsoft.com/office/powerpoint/2010/main" val="158109898"/>
+      </p:ext>
+    </p:extLst>
+  </p:cSld>
+  <p:clrMapOvr>
+    <a:masterClrMapping/>
+  </p:clrMapOvr>
+</p:sld>
+</file>
+
+<file path=ppt/slides/slide41.xml><?xml version="1.0" encoding="utf-8"?>
+<p:sld xmlns:a="http://schemas.openxmlformats.org/drawingml/2006/main" xmlns:r="http://schemas.openxmlformats.org/officeDocument/2006/relationships" xmlns:p="http://schemas.openxmlformats.org/presentationml/2006/main">
+  <p:cSld>
+    <p:spTree>
+      <p:nvGrpSpPr>
+        <p:cNvPr id="1" name=""/>
+        <p:cNvGrpSpPr/>
+        <p:nvPr/>
+      </p:nvGrpSpPr>
+      <p:grpSpPr>
+        <a:xfrm>
+          <a:off x="0" y="0"/>
+          <a:ext cx="0" cy="0"/>
+          <a:chOff x="0" y="0"/>
+          <a:chExt cx="0" cy="0"/>
+        </a:xfrm>
+      </p:grpSpPr>
+      <p:sp>
+        <p:nvSpPr>
+          <p:cNvPr id="2" name="Заголовок 1">
+            <a:extLst>
+              <a:ext uri="{FF2B5EF4-FFF2-40B4-BE49-F238E27FC236}">
                 <a16:creationId xmlns:a16="http://schemas.microsoft.com/office/drawing/2014/main" id="{CA9D4F9B-3125-F247-AFF6-789E28B840E0}"/>
               </a:ext>
             </a:extLst>
@@ -11101,6 +11432,815 @@
     <p:extLst>
       <p:ext uri="{BB962C8B-B14F-4D97-AF65-F5344CB8AC3E}">
         <p14:creationId xmlns:p14="http://schemas.microsoft.com/office/powerpoint/2010/main" val="3753538849"/>
+      </p:ext>
+    </p:extLst>
+  </p:cSld>
+  <p:clrMapOvr>
+    <a:masterClrMapping/>
+  </p:clrMapOvr>
+</p:sld>
+</file>
+
+<file path=ppt/slides/slide42.xml><?xml version="1.0" encoding="utf-8"?>
+<p:sld xmlns:a="http://schemas.openxmlformats.org/drawingml/2006/main" xmlns:r="http://schemas.openxmlformats.org/officeDocument/2006/relationships" xmlns:p="http://schemas.openxmlformats.org/presentationml/2006/main">
+  <p:cSld>
+    <p:spTree>
+      <p:nvGrpSpPr>
+        <p:cNvPr id="1" name=""/>
+        <p:cNvGrpSpPr/>
+        <p:nvPr/>
+      </p:nvGrpSpPr>
+      <p:grpSpPr>
+        <a:xfrm>
+          <a:off x="0" y="0"/>
+          <a:ext cx="0" cy="0"/>
+          <a:chOff x="0" y="0"/>
+          <a:chExt cx="0" cy="0"/>
+        </a:xfrm>
+      </p:grpSpPr>
+      <p:pic>
+        <p:nvPicPr>
+          <p:cNvPr id="5" name="Рисунок 4">
+            <a:extLst>
+              <a:ext uri="{FF2B5EF4-FFF2-40B4-BE49-F238E27FC236}">
+                <a16:creationId xmlns:a16="http://schemas.microsoft.com/office/drawing/2014/main" id="{880DEA74-F7C3-2944-A43B-637E76E0D1E8}"/>
+              </a:ext>
+            </a:extLst>
+          </p:cNvPr>
+          <p:cNvPicPr>
+            <a:picLocks noChangeAspect="1"/>
+          </p:cNvPicPr>
+          <p:nvPr/>
+        </p:nvPicPr>
+        <p:blipFill>
+          <a:blip r:embed="rId2"/>
+          <a:stretch>
+            <a:fillRect/>
+          </a:stretch>
+        </p:blipFill>
+        <p:spPr>
+          <a:xfrm>
+            <a:off x="4651006" y="1031358"/>
+            <a:ext cx="6621563" cy="4805363"/>
+          </a:xfrm>
+          <a:prstGeom prst="rect">
+            <a:avLst/>
+          </a:prstGeom>
+        </p:spPr>
+      </p:pic>
+      <p:sp>
+        <p:nvSpPr>
+          <p:cNvPr id="2" name="Заголовок 1">
+            <a:extLst>
+              <a:ext uri="{FF2B5EF4-FFF2-40B4-BE49-F238E27FC236}">
+                <a16:creationId xmlns:a16="http://schemas.microsoft.com/office/drawing/2014/main" id="{1C09BFF5-832A-0C4F-BD1B-4795AFD4C8BF}"/>
+              </a:ext>
+            </a:extLst>
+          </p:cNvPr>
+          <p:cNvSpPr>
+            <a:spLocks noGrp="1"/>
+          </p:cNvSpPr>
+          <p:nvPr>
+            <p:ph type="title"/>
+          </p:nvPr>
+        </p:nvSpPr>
+        <p:spPr>
+          <a:xfrm>
+            <a:off x="574443" y="354494"/>
+            <a:ext cx="10698126" cy="836354"/>
+          </a:xfrm>
+        </p:spPr>
+        <p:txBody>
+          <a:bodyPr>
+            <a:normAutofit/>
+          </a:bodyPr>
+          <a:lstStyle/>
+          <a:p>
+            <a:r>
+              <a:rPr lang="ru-RU" sz="3600" b="1" dirty="0"/>
+              <a:t>Производительность / скорость команды (</a:t>
+            </a:r>
+            <a:r>
+              <a:rPr lang="en" sz="3600" b="1" dirty="0"/>
+              <a:t>Velocity)</a:t>
+            </a:r>
+            <a:endParaRPr lang="ru-RU" sz="3600" dirty="0"/>
+          </a:p>
+        </p:txBody>
+      </p:sp>
+      <p:sp>
+        <p:nvSpPr>
+          <p:cNvPr id="3" name="Объект 2">
+            <a:extLst>
+              <a:ext uri="{FF2B5EF4-FFF2-40B4-BE49-F238E27FC236}">
+                <a16:creationId xmlns:a16="http://schemas.microsoft.com/office/drawing/2014/main" id="{553515B1-85F5-F043-9A7D-6EEDCC440480}"/>
+              </a:ext>
+            </a:extLst>
+          </p:cNvPr>
+          <p:cNvSpPr>
+            <a:spLocks noGrp="1"/>
+          </p:cNvSpPr>
+          <p:nvPr>
+            <p:ph idx="1"/>
+          </p:nvPr>
+        </p:nvSpPr>
+        <p:spPr>
+          <a:xfrm>
+            <a:off x="545067" y="1403498"/>
+            <a:ext cx="4850219" cy="4805363"/>
+          </a:xfrm>
+        </p:spPr>
+        <p:txBody>
+          <a:bodyPr>
+            <a:normAutofit fontScale="92500" lnSpcReduction="20000"/>
+          </a:bodyPr>
+          <a:lstStyle/>
+          <a:p>
+            <a:pPr marL="0" indent="0">
+              <a:buNone/>
+            </a:pPr>
+            <a:r>
+              <a:rPr lang="ru-RU" dirty="0"/>
+              <a:t>Скорость команды рассчитывается как сумма оценок фич, которые были сделаны командой за итерацию.</a:t>
+            </a:r>
+          </a:p>
+          <a:p>
+            <a:pPr>
+              <a:spcBef>
+                <a:spcPts val="2200"/>
+              </a:spcBef>
+            </a:pPr>
+            <a:r>
+              <a:rPr lang="ru-RU" dirty="0"/>
+              <a:t>Скорость рассчитывается после каждой итерации</a:t>
+            </a:r>
+          </a:p>
+          <a:p>
+            <a:r>
+              <a:rPr lang="ru-RU" dirty="0"/>
+              <a:t>В расчёте скорости учитываются только те фичи, которые </a:t>
+            </a:r>
+            <a:r>
+              <a:rPr lang="ru-RU" dirty="0" err="1"/>
+              <a:t>удовлетворяютт</a:t>
+            </a:r>
+            <a:r>
+              <a:rPr lang="ru-RU" dirty="0"/>
+              <a:t> критерию готовности (</a:t>
+            </a:r>
+            <a:r>
+              <a:rPr lang="en" dirty="0"/>
+              <a:t>definition of done)</a:t>
+            </a:r>
+          </a:p>
+          <a:p>
+            <a:r>
+              <a:rPr lang="ru-RU" dirty="0"/>
+              <a:t>Скорость используется для планирования итерации и долгосрочного планирования</a:t>
+            </a:r>
+          </a:p>
+          <a:p>
+            <a:endParaRPr lang="ru-RU" dirty="0"/>
+          </a:p>
+        </p:txBody>
+      </p:sp>
+    </p:spTree>
+    <p:extLst>
+      <p:ext uri="{BB962C8B-B14F-4D97-AF65-F5344CB8AC3E}">
+        <p14:creationId xmlns:p14="http://schemas.microsoft.com/office/powerpoint/2010/main" val="550453990"/>
+      </p:ext>
+    </p:extLst>
+  </p:cSld>
+  <p:clrMapOvr>
+    <a:masterClrMapping/>
+  </p:clrMapOvr>
+</p:sld>
+</file>
+
+<file path=ppt/slides/slide43.xml><?xml version="1.0" encoding="utf-8"?>
+<p:sld xmlns:a="http://schemas.openxmlformats.org/drawingml/2006/main" xmlns:r="http://schemas.openxmlformats.org/officeDocument/2006/relationships" xmlns:p="http://schemas.openxmlformats.org/presentationml/2006/main">
+  <p:cSld>
+    <p:spTree>
+      <p:nvGrpSpPr>
+        <p:cNvPr id="1" name=""/>
+        <p:cNvGrpSpPr/>
+        <p:nvPr/>
+      </p:nvGrpSpPr>
+      <p:grpSpPr>
+        <a:xfrm>
+          <a:off x="0" y="0"/>
+          <a:ext cx="0" cy="0"/>
+          <a:chOff x="0" y="0"/>
+          <a:chExt cx="0" cy="0"/>
+        </a:xfrm>
+      </p:grpSpPr>
+      <p:pic>
+        <p:nvPicPr>
+          <p:cNvPr id="5" name="Рисунок 4">
+            <a:extLst>
+              <a:ext uri="{FF2B5EF4-FFF2-40B4-BE49-F238E27FC236}">
+                <a16:creationId xmlns:a16="http://schemas.microsoft.com/office/drawing/2014/main" id="{8797BED7-BFB3-2747-80B5-850C895D5698}"/>
+              </a:ext>
+            </a:extLst>
+          </p:cNvPr>
+          <p:cNvPicPr>
+            <a:picLocks noChangeAspect="1"/>
+          </p:cNvPicPr>
+          <p:nvPr/>
+        </p:nvPicPr>
+        <p:blipFill>
+          <a:blip r:embed="rId2"/>
+          <a:stretch>
+            <a:fillRect/>
+          </a:stretch>
+        </p:blipFill>
+        <p:spPr>
+          <a:xfrm>
+            <a:off x="6096000" y="3983591"/>
+            <a:ext cx="5696954" cy="2636876"/>
+          </a:xfrm>
+          <a:prstGeom prst="rect">
+            <a:avLst/>
+          </a:prstGeom>
+        </p:spPr>
+      </p:pic>
+      <p:sp>
+        <p:nvSpPr>
+          <p:cNvPr id="2" name="Заголовок 1">
+            <a:extLst>
+              <a:ext uri="{FF2B5EF4-FFF2-40B4-BE49-F238E27FC236}">
+                <a16:creationId xmlns:a16="http://schemas.microsoft.com/office/drawing/2014/main" id="{B5D26F81-DD5F-294C-9335-24A8241BDC75}"/>
+              </a:ext>
+            </a:extLst>
+          </p:cNvPr>
+          <p:cNvSpPr>
+            <a:spLocks noGrp="1"/>
+          </p:cNvSpPr>
+          <p:nvPr>
+            <p:ph type="title"/>
+          </p:nvPr>
+        </p:nvSpPr>
+        <p:spPr>
+          <a:xfrm>
+            <a:off x="604281" y="237533"/>
+            <a:ext cx="10515600" cy="889517"/>
+          </a:xfrm>
+        </p:spPr>
+        <p:txBody>
+          <a:bodyPr/>
+          <a:lstStyle/>
+          <a:p>
+            <a:r>
+              <a:rPr lang="ru-RU" dirty="0"/>
+              <a:t>Диаграмма сгорания (</a:t>
+            </a:r>
+            <a:r>
+              <a:rPr lang="en" dirty="0"/>
+              <a:t>Burndown chart)</a:t>
+            </a:r>
+            <a:endParaRPr lang="ru-RU" dirty="0"/>
+          </a:p>
+        </p:txBody>
+      </p:sp>
+      <p:sp>
+        <p:nvSpPr>
+          <p:cNvPr id="3" name="Объект 2">
+            <a:extLst>
+              <a:ext uri="{FF2B5EF4-FFF2-40B4-BE49-F238E27FC236}">
+                <a16:creationId xmlns:a16="http://schemas.microsoft.com/office/drawing/2014/main" id="{95724A55-30FE-8449-9511-562293D20646}"/>
+              </a:ext>
+            </a:extLst>
+          </p:cNvPr>
+          <p:cNvSpPr>
+            <a:spLocks noGrp="1"/>
+          </p:cNvSpPr>
+          <p:nvPr>
+            <p:ph idx="1"/>
+          </p:nvPr>
+        </p:nvSpPr>
+        <p:spPr>
+          <a:xfrm>
+            <a:off x="489097" y="1254642"/>
+            <a:ext cx="11504429" cy="3349256"/>
+          </a:xfrm>
+        </p:spPr>
+        <p:txBody>
+          <a:bodyPr>
+            <a:normAutofit fontScale="92500" lnSpcReduction="20000"/>
+          </a:bodyPr>
+          <a:lstStyle/>
+          <a:p>
+            <a:pPr marL="0" indent="0">
+              <a:buNone/>
+            </a:pPr>
+            <a:r>
+              <a:rPr lang="ru-RU" dirty="0"/>
+              <a:t>Диаграмма Сгорания Работ Спринта визуально показывает прогресс Команды в </a:t>
+            </a:r>
+            <a:r>
+              <a:rPr lang="en-US" dirty="0"/>
+              <a:t>story</a:t>
+            </a:r>
+            <a:r>
+              <a:rPr lang="ru-RU" dirty="0"/>
+              <a:t> </a:t>
+            </a:r>
+            <a:r>
+              <a:rPr lang="en-US" dirty="0"/>
+              <a:t>points </a:t>
+            </a:r>
+            <a:r>
+              <a:rPr lang="ru-RU" dirty="0"/>
+              <a:t>по дням спринта.</a:t>
+            </a:r>
+          </a:p>
+          <a:p>
+            <a:r>
+              <a:rPr lang="ru-RU" dirty="0"/>
+              <a:t>Показывает сколько еще остается сделать.</a:t>
+            </a:r>
+          </a:p>
+          <a:p>
+            <a:r>
+              <a:rPr lang="ru-RU" dirty="0"/>
+              <a:t>Диаграмма позволяет Команде прогнозировать успех Спринта и предпринимать меры, если она не успевает доделать работу к концу спринта.</a:t>
+            </a:r>
+          </a:p>
+          <a:p>
+            <a:r>
+              <a:rPr lang="ru-RU" dirty="0"/>
+              <a:t>Вначале итерации эта сумма равна сумме всех оценок всех задач.</a:t>
+            </a:r>
+          </a:p>
+          <a:p>
+            <a:r>
+              <a:rPr lang="ru-RU" dirty="0"/>
+              <a:t>Каждый день в одно и то же время (например, перед </a:t>
+            </a:r>
+            <a:r>
+              <a:rPr lang="ru-RU" dirty="0" err="1"/>
+              <a:t>стендапом</a:t>
+            </a:r>
+            <a:r>
+              <a:rPr lang="ru-RU" dirty="0"/>
+              <a:t>) скрам-мастер рассчитывает новую точку и ставит её на диаграмме.</a:t>
+            </a:r>
+            <a:br>
+              <a:rPr lang="ru-RU" dirty="0">
+                <a:hlinkClick r:id="rId3"/>
+              </a:rPr>
+            </a:br>
+            <a:endParaRPr lang="ru-RU" dirty="0"/>
+          </a:p>
+        </p:txBody>
+      </p:sp>
+    </p:spTree>
+    <p:extLst>
+      <p:ext uri="{BB962C8B-B14F-4D97-AF65-F5344CB8AC3E}">
+        <p14:creationId xmlns:p14="http://schemas.microsoft.com/office/powerpoint/2010/main" val="2982458784"/>
+      </p:ext>
+    </p:extLst>
+  </p:cSld>
+  <p:clrMapOvr>
+    <a:masterClrMapping/>
+  </p:clrMapOvr>
+</p:sld>
+</file>
+
+<file path=ppt/slides/slide44.xml><?xml version="1.0" encoding="utf-8"?>
+<p:sld xmlns:a="http://schemas.openxmlformats.org/drawingml/2006/main" xmlns:r="http://schemas.openxmlformats.org/officeDocument/2006/relationships" xmlns:p="http://schemas.openxmlformats.org/presentationml/2006/main">
+  <p:cSld>
+    <p:spTree>
+      <p:nvGrpSpPr>
+        <p:cNvPr id="1" name=""/>
+        <p:cNvGrpSpPr/>
+        <p:nvPr/>
+      </p:nvGrpSpPr>
+      <p:grpSpPr>
+        <a:xfrm>
+          <a:off x="0" y="0"/>
+          <a:ext cx="0" cy="0"/>
+          <a:chOff x="0" y="0"/>
+          <a:chExt cx="0" cy="0"/>
+        </a:xfrm>
+      </p:grpSpPr>
+      <p:sp>
+        <p:nvSpPr>
+          <p:cNvPr id="2" name="Заголовок 1">
+            <a:extLst>
+              <a:ext uri="{FF2B5EF4-FFF2-40B4-BE49-F238E27FC236}">
+                <a16:creationId xmlns:a16="http://schemas.microsoft.com/office/drawing/2014/main" id="{ABCB7D02-60DF-B64A-B616-826C3C3E6F8B}"/>
+              </a:ext>
+            </a:extLst>
+          </p:cNvPr>
+          <p:cNvSpPr>
+            <a:spLocks noGrp="1"/>
+          </p:cNvSpPr>
+          <p:nvPr>
+            <p:ph type="title"/>
+          </p:nvPr>
+        </p:nvSpPr>
+        <p:spPr>
+          <a:xfrm>
+            <a:off x="765545" y="365126"/>
+            <a:ext cx="10609521" cy="687498"/>
+          </a:xfrm>
+        </p:spPr>
+        <p:txBody>
+          <a:bodyPr>
+            <a:normAutofit fontScale="90000"/>
+          </a:bodyPr>
+          <a:lstStyle/>
+          <a:p>
+            <a:r>
+              <a:rPr lang="en" b="1" dirty="0"/>
+              <a:t>Scrum — </a:t>
+            </a:r>
+            <a:r>
+              <a:rPr lang="ru-RU" b="1" dirty="0"/>
+              <a:t>это не для всех</a:t>
+            </a:r>
+            <a:endParaRPr lang="ru-RU" dirty="0"/>
+          </a:p>
+        </p:txBody>
+      </p:sp>
+      <p:sp>
+        <p:nvSpPr>
+          <p:cNvPr id="3" name="Объект 2">
+            <a:extLst>
+              <a:ext uri="{FF2B5EF4-FFF2-40B4-BE49-F238E27FC236}">
+                <a16:creationId xmlns:a16="http://schemas.microsoft.com/office/drawing/2014/main" id="{146AE0A7-FC73-2248-92E9-133BBF51A80B}"/>
+              </a:ext>
+            </a:extLst>
+          </p:cNvPr>
+          <p:cNvSpPr>
+            <a:spLocks noGrp="1"/>
+          </p:cNvSpPr>
+          <p:nvPr>
+            <p:ph idx="1"/>
+          </p:nvPr>
+        </p:nvSpPr>
+        <p:spPr>
+          <a:xfrm>
+            <a:off x="838200" y="1275907"/>
+            <a:ext cx="10515600" cy="4901056"/>
+          </a:xfrm>
+        </p:spPr>
+        <p:txBody>
+          <a:bodyPr>
+            <a:normAutofit fontScale="77500" lnSpcReduction="20000"/>
+          </a:bodyPr>
+          <a:lstStyle/>
+          <a:p>
+            <a:pPr marL="0" indent="0">
+              <a:buNone/>
+            </a:pPr>
+            <a:r>
+              <a:rPr lang="ru-RU" dirty="0"/>
+              <a:t>Чтобы </a:t>
+            </a:r>
+            <a:r>
+              <a:rPr lang="en" dirty="0"/>
+              <a:t>Scrum </a:t>
+            </a:r>
+            <a:r>
+              <a:rPr lang="ru-RU" dirty="0"/>
+              <a:t>был выгоден, нужно немало условий. В частности:</a:t>
+            </a:r>
+          </a:p>
+          <a:p>
+            <a:r>
+              <a:rPr lang="ru-RU" b="1" dirty="0"/>
+              <a:t>Должно быть поле для экспериментов</a:t>
+            </a:r>
+            <a:r>
+              <a:rPr lang="ru-RU" dirty="0"/>
+              <a:t> </a:t>
+            </a:r>
+            <a:r>
+              <a:rPr lang="ru-RU" b="1" dirty="0"/>
+              <a:t>и исследований</a:t>
+            </a:r>
+            <a:r>
+              <a:rPr lang="ru-RU" dirty="0"/>
+              <a:t>. Если задачу можно просчитать от начала до конца, а полезность результата зависит от точного выполнения плана или алгоритма, то смысла работать по </a:t>
+            </a:r>
+            <a:r>
+              <a:rPr lang="en" dirty="0"/>
+              <a:t>Scrum </a:t>
+            </a:r>
+            <a:r>
+              <a:rPr lang="ru-RU" dirty="0"/>
+              <a:t>нет никакого. Это просто будут неоправданные расходы на формирование выделенной под продукт команды, на </a:t>
+            </a:r>
+            <a:r>
+              <a:rPr lang="en" dirty="0"/>
+              <a:t>Scrum-</a:t>
+            </a:r>
+            <a:r>
+              <a:rPr lang="ru-RU" dirty="0"/>
+              <a:t>мастера, на проведение встреч этой командой и т.д.</a:t>
+            </a:r>
+          </a:p>
+          <a:p>
+            <a:r>
+              <a:rPr lang="ru-RU" b="1" dirty="0"/>
+              <a:t>Стоимость ошибки не должна быть слишком большой</a:t>
+            </a:r>
+            <a:r>
+              <a:rPr lang="ru-RU" dirty="0"/>
+              <a:t>. </a:t>
+            </a:r>
+            <a:r>
+              <a:rPr lang="en" dirty="0"/>
+              <a:t>Scrum </a:t>
+            </a:r>
+            <a:r>
+              <a:rPr lang="ru-RU" dirty="0"/>
+              <a:t>изначально предполагает, что мы многого не знаем на старте и в процессе работы. Поэтому работа идет итерациями: сделали шаг, проверили наше понимание потребности заказчика, и если все хорошо, идем дальше. Если нет — переделываем. То есть, переделки заложены в самом процессе, ради быстрого движения в правильном направлении. По </a:t>
+            </a:r>
+            <a:r>
+              <a:rPr lang="en" dirty="0"/>
+              <a:t>Scrum </a:t>
+            </a:r>
+            <a:r>
+              <a:rPr lang="ru-RU" dirty="0"/>
+              <a:t>нельзя, например, построить ядерный реактор или сделать хирургическую операцию, так как цена ошибки будет слишком большой.</a:t>
+            </a:r>
+          </a:p>
+          <a:p>
+            <a:r>
+              <a:rPr lang="ru-RU" b="1" dirty="0"/>
+              <a:t>Заказчик должен быть готов вовлекаться в процесс и давать обратную связь</a:t>
+            </a:r>
+            <a:r>
+              <a:rPr lang="ru-RU" dirty="0"/>
+              <a:t>. Если он просто ставит ТЗ, затем отстраняется и появляется только в конце, чтобы принять работу, то ничего не получится. </a:t>
+            </a:r>
+            <a:r>
+              <a:rPr lang="en" dirty="0"/>
+              <a:t>Scrum </a:t>
+            </a:r>
+            <a:r>
+              <a:rPr lang="ru-RU" dirty="0"/>
+              <a:t>построен на плотном общении с заказчиком и вовлечении его в корректировку направления движения.</a:t>
+            </a:r>
+          </a:p>
+          <a:p>
+            <a:endParaRPr lang="ru-RU" dirty="0"/>
+          </a:p>
+        </p:txBody>
+      </p:sp>
+    </p:spTree>
+    <p:extLst>
+      <p:ext uri="{BB962C8B-B14F-4D97-AF65-F5344CB8AC3E}">
+        <p14:creationId xmlns:p14="http://schemas.microsoft.com/office/powerpoint/2010/main" val="1734415716"/>
+      </p:ext>
+    </p:extLst>
+  </p:cSld>
+  <p:clrMapOvr>
+    <a:masterClrMapping/>
+  </p:clrMapOvr>
+</p:sld>
+</file>
+
+<file path=ppt/slides/slide45.xml><?xml version="1.0" encoding="utf-8"?>
+<p:sld xmlns:a="http://schemas.openxmlformats.org/drawingml/2006/main" xmlns:r="http://schemas.openxmlformats.org/officeDocument/2006/relationships" xmlns:p="http://schemas.openxmlformats.org/presentationml/2006/main">
+  <p:cSld>
+    <p:spTree>
+      <p:nvGrpSpPr>
+        <p:cNvPr id="1" name=""/>
+        <p:cNvGrpSpPr/>
+        <p:nvPr/>
+      </p:nvGrpSpPr>
+      <p:grpSpPr>
+        <a:xfrm>
+          <a:off x="0" y="0"/>
+          <a:ext cx="0" cy="0"/>
+          <a:chOff x="0" y="0"/>
+          <a:chExt cx="0" cy="0"/>
+        </a:xfrm>
+      </p:grpSpPr>
+      <p:sp>
+        <p:nvSpPr>
+          <p:cNvPr id="2" name="Заголовок 1">
+            <a:extLst>
+              <a:ext uri="{FF2B5EF4-FFF2-40B4-BE49-F238E27FC236}">
+                <a16:creationId xmlns:a16="http://schemas.microsoft.com/office/drawing/2014/main" id="{A2011FE0-28BF-E24E-B36F-7E4ECB017B7D}"/>
+              </a:ext>
+            </a:extLst>
+          </p:cNvPr>
+          <p:cNvSpPr>
+            <a:spLocks noGrp="1"/>
+          </p:cNvSpPr>
+          <p:nvPr>
+            <p:ph type="title"/>
+          </p:nvPr>
+        </p:nvSpPr>
+        <p:spPr>
+          <a:xfrm>
+            <a:off x="838200" y="365125"/>
+            <a:ext cx="10515600" cy="889517"/>
+          </a:xfrm>
+        </p:spPr>
+        <p:txBody>
+          <a:bodyPr/>
+          <a:lstStyle/>
+          <a:p>
+            <a:r>
+              <a:rPr lang="en" dirty="0"/>
+              <a:t>Scrum </a:t>
+            </a:r>
+            <a:r>
+              <a:rPr lang="ru-RU" dirty="0"/>
+              <a:t>без </a:t>
+            </a:r>
+            <a:r>
+              <a:rPr lang="en" dirty="0"/>
+              <a:t>Agile: </a:t>
+            </a:r>
+            <a:r>
+              <a:rPr lang="ru-RU" dirty="0"/>
+              <a:t>карго-культ </a:t>
+            </a:r>
+            <a:r>
+              <a:rPr lang="en" dirty="0"/>
+              <a:t>Scrum</a:t>
+            </a:r>
+            <a:endParaRPr lang="ru-RU" dirty="0"/>
+          </a:p>
+        </p:txBody>
+      </p:sp>
+      <p:sp>
+        <p:nvSpPr>
+          <p:cNvPr id="3" name="Объект 2">
+            <a:extLst>
+              <a:ext uri="{FF2B5EF4-FFF2-40B4-BE49-F238E27FC236}">
+                <a16:creationId xmlns:a16="http://schemas.microsoft.com/office/drawing/2014/main" id="{E8381E5B-6483-1B40-A1B1-179D40292002}"/>
+              </a:ext>
+            </a:extLst>
+          </p:cNvPr>
+          <p:cNvSpPr>
+            <a:spLocks noGrp="1"/>
+          </p:cNvSpPr>
+          <p:nvPr>
+            <p:ph idx="1"/>
+          </p:nvPr>
+        </p:nvSpPr>
+        <p:spPr>
+          <a:xfrm>
+            <a:off x="838200" y="1339702"/>
+            <a:ext cx="10515600" cy="4837261"/>
+          </a:xfrm>
+        </p:spPr>
+        <p:txBody>
+          <a:bodyPr>
+            <a:normAutofit fontScale="92500" lnSpcReduction="20000"/>
+          </a:bodyPr>
+          <a:lstStyle/>
+          <a:p>
+            <a:pPr marL="0" indent="0">
+              <a:buNone/>
+            </a:pPr>
+            <a:r>
+              <a:rPr lang="ru-RU" dirty="0"/>
+              <a:t>«</a:t>
+            </a:r>
+            <a:r>
+              <a:rPr lang="ru-RU" b="1" dirty="0" err="1"/>
+              <a:t>СкрамНо</a:t>
+            </a:r>
+            <a:r>
+              <a:rPr lang="ru-RU" dirty="0"/>
+              <a:t>» — у нас Скрам, но… (мы не делаем того и того)</a:t>
+            </a:r>
+          </a:p>
+          <a:p>
+            <a:pPr marL="0" indent="0">
+              <a:spcBef>
+                <a:spcPts val="2200"/>
+              </a:spcBef>
+              <a:buNone/>
+            </a:pPr>
+            <a:r>
+              <a:rPr lang="ru-RU" dirty="0"/>
+              <a:t>Зачастую переход к </a:t>
+            </a:r>
+            <a:r>
+              <a:rPr lang="en" dirty="0"/>
+              <a:t>Scrum </a:t>
+            </a:r>
+            <a:r>
+              <a:rPr lang="ru-RU" dirty="0"/>
+              <a:t>ассоциируется исключительно с 4-мя встречами (ежедневный скрам, планирование, обзор и ретроспектива спринта) и со </a:t>
+            </a:r>
+            <a:r>
+              <a:rPr lang="ru-RU" dirty="0" err="1"/>
+              <a:t>S</a:t>
+            </a:r>
+            <a:r>
+              <a:rPr lang="en-US" dirty="0" err="1"/>
+              <a:t>crum</a:t>
+            </a:r>
+            <a:r>
+              <a:rPr lang="en-US" dirty="0"/>
+              <a:t>-</a:t>
+            </a:r>
+            <a:r>
+              <a:rPr lang="ru-RU" dirty="0"/>
+              <a:t>досками.</a:t>
+            </a:r>
+            <a:br>
+              <a:rPr lang="ru-RU" dirty="0"/>
+            </a:br>
+            <a:r>
+              <a:rPr lang="ru-RU" dirty="0"/>
+              <a:t>Формально все вроде бы соблюдают методику, но вот про ценности </a:t>
+            </a:r>
+            <a:r>
+              <a:rPr lang="en" dirty="0"/>
+              <a:t>Agile </a:t>
+            </a:r>
+            <a:r>
+              <a:rPr lang="ru-RU" dirty="0"/>
+              <a:t>забывают. Дмитрий Павлов в своей статье «</a:t>
+            </a:r>
+            <a:r>
+              <a:rPr lang="ru-RU" dirty="0" err="1"/>
+              <a:t>Антипаттерны</a:t>
+            </a:r>
+            <a:r>
+              <a:rPr lang="ru-RU" dirty="0"/>
+              <a:t> </a:t>
+            </a:r>
+            <a:r>
+              <a:rPr lang="en" dirty="0"/>
+              <a:t>Agile-</a:t>
+            </a:r>
+            <a:r>
+              <a:rPr lang="ru-RU" dirty="0"/>
+              <a:t>команд» называет подобное поведение «</a:t>
+            </a:r>
+            <a:r>
+              <a:rPr lang="en" b="1" dirty="0"/>
+              <a:t>Scrum-</a:t>
+            </a:r>
+            <a:r>
+              <a:rPr lang="ru-RU" b="1" dirty="0" err="1"/>
+              <a:t>турбацией</a:t>
+            </a:r>
+            <a:r>
+              <a:rPr lang="ru-RU" dirty="0"/>
+              <a:t>».</a:t>
+            </a:r>
+          </a:p>
+          <a:p>
+            <a:pPr marL="0" indent="0">
+              <a:buNone/>
+            </a:pPr>
+            <a:br>
+              <a:rPr lang="ru-RU" dirty="0"/>
+            </a:br>
+            <a:r>
+              <a:rPr lang="ru-RU" dirty="0">
+                <a:solidFill>
+                  <a:schemeClr val="tx1">
+                    <a:lumMod val="65000"/>
+                    <a:lumOff val="35000"/>
+                  </a:schemeClr>
+                </a:solidFill>
+              </a:rPr>
+              <a:t>Например, демонстрационная часть обзора спринта превращается в отчет руководству. Начальник может на обзоре просто ругать команду за несоответствие между ТЗ и результатом — вместо того, чтобы вместе с командой договориться о следующих шагах и стимулировать команду следовать потребностям бизнеса. А ведь одна из задач обзора спринта как раз в том, чтобы </a:t>
+            </a:r>
+            <a:r>
+              <a:rPr lang="ru-RU" b="1" dirty="0">
+                <a:solidFill>
+                  <a:schemeClr val="tx1">
+                    <a:lumMod val="65000"/>
+                    <a:lumOff val="35000"/>
+                  </a:schemeClr>
+                </a:solidFill>
+              </a:rPr>
+              <a:t>наладить сотрудничество</a:t>
+            </a:r>
+            <a:r>
+              <a:rPr lang="ru-RU" dirty="0">
+                <a:solidFill>
+                  <a:schemeClr val="tx1">
+                    <a:lumMod val="65000"/>
+                    <a:lumOff val="35000"/>
+                  </a:schemeClr>
+                </a:solidFill>
+              </a:rPr>
+              <a:t> между теми, кто создает продукт и теми, кто его будет использовать или продавать.</a:t>
+            </a:r>
+          </a:p>
+        </p:txBody>
+      </p:sp>
+    </p:spTree>
+    <p:extLst>
+      <p:ext uri="{BB962C8B-B14F-4D97-AF65-F5344CB8AC3E}">
+        <p14:creationId xmlns:p14="http://schemas.microsoft.com/office/powerpoint/2010/main" val="2619985403"/>
       </p:ext>
     </p:extLst>
   </p:cSld>

--- a/slides/01-SCRUM.pptx
+++ b/slides/01-SCRUM.pptx
@@ -4166,6 +4166,54 @@
           </a:p>
         </p:txBody>
       </p:sp>
+      <p:pic>
+        <p:nvPicPr>
+          <p:cNvPr id="4" name="Рисунок 3">
+            <a:extLst>
+              <a:ext uri="{FF2B5EF4-FFF2-40B4-BE49-F238E27FC236}">
+                <a16:creationId xmlns:a16="http://schemas.microsoft.com/office/drawing/2014/main" id="{65DA16D5-9A07-CE49-9ABF-8B5847ABC8C6}"/>
+              </a:ext>
+            </a:extLst>
+          </p:cNvPr>
+          <p:cNvPicPr>
+            <a:picLocks noChangeAspect="1"/>
+          </p:cNvPicPr>
+          <p:nvPr/>
+        </p:nvPicPr>
+        <p:blipFill>
+          <a:blip r:embed="rId2">
+            <a:alphaModFix amt="29000"/>
+            <a:extLst>
+              <a:ext uri="{BEBA8EAE-BF5A-486C-A8C5-ECC9F3942E4B}">
+                <a14:imgProps xmlns:a14="http://schemas.microsoft.com/office/drawing/2010/main">
+                  <a14:imgLayer r:embed="rId3">
+                    <a14:imgEffect>
+                      <a14:saturation sat="108000"/>
+                    </a14:imgEffect>
+                  </a14:imgLayer>
+                </a14:imgProps>
+              </a:ext>
+            </a:extLst>
+          </a:blip>
+          <a:stretch>
+            <a:fillRect/>
+          </a:stretch>
+        </p:blipFill>
+        <p:spPr>
+          <a:xfrm>
+            <a:off x="-10634" y="-95697"/>
+            <a:ext cx="12202634" cy="6993048"/>
+          </a:xfrm>
+          <a:prstGeom prst="rect">
+            <a:avLst/>
+          </a:prstGeom>
+          <a:effectLst>
+            <a:glow>
+              <a:schemeClr val="accent1"/>
+            </a:glow>
+          </a:effectLst>
+        </p:spPr>
+      </p:pic>
     </p:spTree>
     <p:extLst>
       <p:ext uri="{BB962C8B-B14F-4D97-AF65-F5344CB8AC3E}">
@@ -4196,54 +4244,6 @@
           <a:chExt cx="0" cy="0"/>
         </a:xfrm>
       </p:grpSpPr>
-      <p:pic>
-        <p:nvPicPr>
-          <p:cNvPr id="5" name="Рисунок 4">
-            <a:extLst>
-              <a:ext uri="{FF2B5EF4-FFF2-40B4-BE49-F238E27FC236}">
-                <a16:creationId xmlns:a16="http://schemas.microsoft.com/office/drawing/2014/main" id="{DD4B234C-6FBF-AB45-9A05-9E036770B015}"/>
-              </a:ext>
-            </a:extLst>
-          </p:cNvPr>
-          <p:cNvPicPr>
-            <a:picLocks noChangeAspect="1"/>
-          </p:cNvPicPr>
-          <p:nvPr/>
-        </p:nvPicPr>
-        <p:blipFill>
-          <a:blip r:embed="rId2">
-            <a:alphaModFix amt="29000"/>
-            <a:extLst>
-              <a:ext uri="{BEBA8EAE-BF5A-486C-A8C5-ECC9F3942E4B}">
-                <a14:imgProps xmlns:a14="http://schemas.microsoft.com/office/drawing/2010/main">
-                  <a14:imgLayer r:embed="rId3">
-                    <a14:imgEffect>
-                      <a14:saturation sat="108000"/>
-                    </a14:imgEffect>
-                  </a14:imgLayer>
-                </a14:imgProps>
-              </a:ext>
-            </a:extLst>
-          </a:blip>
-          <a:stretch>
-            <a:fillRect/>
-          </a:stretch>
-        </p:blipFill>
-        <p:spPr>
-          <a:xfrm>
-            <a:off x="0" y="-64476"/>
-            <a:ext cx="12079487" cy="6922475"/>
-          </a:xfrm>
-          <a:prstGeom prst="rect">
-            <a:avLst/>
-          </a:prstGeom>
-          <a:effectLst>
-            <a:glow>
-              <a:schemeClr val="accent1"/>
-            </a:glow>
-          </a:effectLst>
-        </p:spPr>
-      </p:pic>
       <p:sp>
         <p:nvSpPr>
           <p:cNvPr id="2" name="Заголовок 1">
